--- a/0 발표용 파워포인트/project05 - 파워포인트 종합 - 기범.pptx
+++ b/0 발표용 파워포인트/project05 - 파워포인트 종합 - 기범.pptx
@@ -125,7 +125,7 @@
   </p:defaultTextStyle>
   <p:extLst>
     <p:ext uri="{EFAFB233-063F-42B5-8137-9DF3F51BA10A}">
-      <p15:sldGuideLst xmlns:p15="http://schemas.microsoft.com/office/powerpoint/2012/main">
+      <p15:sldGuideLst xmlns:p15="http://schemas.microsoft.com/office/powerpoint/2012/main" xmlns="">
         <p15:guide id="1" orient="horz" pos="2160">
           <p15:clr>
             <a:srgbClr val="A4A3A4"/>
@@ -5866,15 +5866,7 @@
                             <a:schemeClr val="dk1"/>
                           </a:solidFill>
                         </a:rPr>
-                        <a:t> 후기 목</a:t>
-                      </a:r>
-                      <a:r>
-                        <a:rPr lang="ko-KR" altLang="en-US" sz="1500" b="0" u="none" strike="noStrike" cap="none" smtClean="0">
-                          <a:solidFill>
-                            <a:schemeClr val="dk1"/>
-                          </a:solidFill>
-                        </a:rPr>
-                        <a:t>록</a:t>
+                        <a:t> 후기 목록</a:t>
                       </a:r>
                       <a:endParaRPr sz="1500" b="0" u="none" strike="noStrike" cap="none" dirty="0">
                         <a:solidFill>
@@ -12936,14 +12928,14 @@
                 <a:gridCol w="1443550">
                   <a:extLst>
                     <a:ext uri="{9D8B030D-6E8A-4147-A177-3AD203B41FA5}">
-                      <a16:colId xmlns="" xmlns:a16="http://schemas.microsoft.com/office/drawing/2014/main" val="20000"/>
+                      <a16:colId xmlns:a16="http://schemas.microsoft.com/office/drawing/2014/main" xmlns="" val="20000"/>
                     </a:ext>
                   </a:extLst>
                 </a:gridCol>
                 <a:gridCol w="2680550">
                   <a:extLst>
                     <a:ext uri="{9D8B030D-6E8A-4147-A177-3AD203B41FA5}">
-                      <a16:colId xmlns="" xmlns:a16="http://schemas.microsoft.com/office/drawing/2014/main" val="20001"/>
+                      <a16:colId xmlns:a16="http://schemas.microsoft.com/office/drawing/2014/main" xmlns="" val="20001"/>
                     </a:ext>
                   </a:extLst>
                 </a:gridCol>
@@ -13101,7 +13093,7 @@
                 </a:tc>
                 <a:extLst>
                   <a:ext uri="{0D108BD9-81ED-4DB2-BD59-A6C34878D82A}">
-                    <a16:rowId xmlns="" xmlns:a16="http://schemas.microsoft.com/office/drawing/2014/main" val="10000"/>
+                    <a16:rowId xmlns:a16="http://schemas.microsoft.com/office/drawing/2014/main" xmlns="" val="10000"/>
                   </a:ext>
                 </a:extLst>
               </a:tr>
@@ -13269,7 +13261,7 @@
                 </a:tc>
                 <a:extLst>
                   <a:ext uri="{0D108BD9-81ED-4DB2-BD59-A6C34878D82A}">
-                    <a16:rowId xmlns="" xmlns:a16="http://schemas.microsoft.com/office/drawing/2014/main" val="10001"/>
+                    <a16:rowId xmlns:a16="http://schemas.microsoft.com/office/drawing/2014/main" xmlns="" val="10001"/>
                   </a:ext>
                 </a:extLst>
               </a:tr>
@@ -13357,7 +13349,7 @@
                 </a:tc>
                 <a:extLst>
                   <a:ext uri="{0D108BD9-81ED-4DB2-BD59-A6C34878D82A}">
-                    <a16:rowId xmlns="" xmlns:a16="http://schemas.microsoft.com/office/drawing/2014/main" val="10002"/>
+                    <a16:rowId xmlns:a16="http://schemas.microsoft.com/office/drawing/2014/main" xmlns="" val="10002"/>
                   </a:ext>
                 </a:extLst>
               </a:tr>
@@ -13385,14 +13377,14 @@
                 <a:gridCol w="1407750">
                   <a:extLst>
                     <a:ext uri="{9D8B030D-6E8A-4147-A177-3AD203B41FA5}">
-                      <a16:colId xmlns="" xmlns:a16="http://schemas.microsoft.com/office/drawing/2014/main" val="20000"/>
+                      <a16:colId xmlns:a16="http://schemas.microsoft.com/office/drawing/2014/main" xmlns="" val="20000"/>
                     </a:ext>
                   </a:extLst>
                 </a:gridCol>
                 <a:gridCol w="1407750">
                   <a:extLst>
                     <a:ext uri="{9D8B030D-6E8A-4147-A177-3AD203B41FA5}">
-                      <a16:colId xmlns="" xmlns:a16="http://schemas.microsoft.com/office/drawing/2014/main" val="20001"/>
+                      <a16:colId xmlns:a16="http://schemas.microsoft.com/office/drawing/2014/main" xmlns="" val="20001"/>
                     </a:ext>
                   </a:extLst>
                 </a:gridCol>
@@ -13550,7 +13542,7 @@
                 </a:tc>
                 <a:extLst>
                   <a:ext uri="{0D108BD9-81ED-4DB2-BD59-A6C34878D82A}">
-                    <a16:rowId xmlns="" xmlns:a16="http://schemas.microsoft.com/office/drawing/2014/main" val="10000"/>
+                    <a16:rowId xmlns:a16="http://schemas.microsoft.com/office/drawing/2014/main" xmlns="" val="10000"/>
                   </a:ext>
                 </a:extLst>
               </a:tr>
@@ -13578,14 +13570,14 @@
                 <a:gridCol w="1407750">
                   <a:extLst>
                     <a:ext uri="{9D8B030D-6E8A-4147-A177-3AD203B41FA5}">
-                      <a16:colId xmlns="" xmlns:a16="http://schemas.microsoft.com/office/drawing/2014/main" val="20000"/>
+                      <a16:colId xmlns:a16="http://schemas.microsoft.com/office/drawing/2014/main" xmlns="" val="20000"/>
                     </a:ext>
                   </a:extLst>
                 </a:gridCol>
                 <a:gridCol w="1407750">
                   <a:extLst>
                     <a:ext uri="{9D8B030D-6E8A-4147-A177-3AD203B41FA5}">
-                      <a16:colId xmlns="" xmlns:a16="http://schemas.microsoft.com/office/drawing/2014/main" val="20001"/>
+                      <a16:colId xmlns:a16="http://schemas.microsoft.com/office/drawing/2014/main" xmlns="" val="20001"/>
                     </a:ext>
                   </a:extLst>
                 </a:gridCol>
@@ -13743,7 +13735,7 @@
                 </a:tc>
                 <a:extLst>
                   <a:ext uri="{0D108BD9-81ED-4DB2-BD59-A6C34878D82A}">
-                    <a16:rowId xmlns="" xmlns:a16="http://schemas.microsoft.com/office/drawing/2014/main" val="10000"/>
+                    <a16:rowId xmlns:a16="http://schemas.microsoft.com/office/drawing/2014/main" xmlns="" val="10000"/>
                   </a:ext>
                 </a:extLst>
               </a:tr>
@@ -13773,14 +13765,14 @@
                 <a:gridCol w="382900">
                   <a:extLst>
                     <a:ext uri="{9D8B030D-6E8A-4147-A177-3AD203B41FA5}">
-                      <a16:colId xmlns="" xmlns:a16="http://schemas.microsoft.com/office/drawing/2014/main" val="20000"/>
+                      <a16:colId xmlns:a16="http://schemas.microsoft.com/office/drawing/2014/main" xmlns="" val="20000"/>
                     </a:ext>
                   </a:extLst>
                 </a:gridCol>
                 <a:gridCol w="3149100">
                   <a:extLst>
                     <a:ext uri="{9D8B030D-6E8A-4147-A177-3AD203B41FA5}">
-                      <a16:colId xmlns="" xmlns:a16="http://schemas.microsoft.com/office/drawing/2014/main" val="20001"/>
+                      <a16:colId xmlns:a16="http://schemas.microsoft.com/office/drawing/2014/main" xmlns="" val="20001"/>
                     </a:ext>
                   </a:extLst>
                 </a:gridCol>
@@ -13938,7 +13930,7 @@
                 </a:tc>
                 <a:extLst>
                   <a:ext uri="{0D108BD9-81ED-4DB2-BD59-A6C34878D82A}">
-                    <a16:rowId xmlns="" xmlns:a16="http://schemas.microsoft.com/office/drawing/2014/main" val="10000"/>
+                    <a16:rowId xmlns:a16="http://schemas.microsoft.com/office/drawing/2014/main" xmlns="" val="10000"/>
                   </a:ext>
                 </a:extLst>
               </a:tr>
@@ -14086,7 +14078,7 @@
                 </a:tc>
                 <a:extLst>
                   <a:ext uri="{0D108BD9-81ED-4DB2-BD59-A6C34878D82A}">
-                    <a16:rowId xmlns="" xmlns:a16="http://schemas.microsoft.com/office/drawing/2014/main" val="10001"/>
+                    <a16:rowId xmlns:a16="http://schemas.microsoft.com/office/drawing/2014/main" xmlns="" val="10001"/>
                   </a:ext>
                 </a:extLst>
               </a:tr>
@@ -14237,7 +14229,7 @@
                 </a:tc>
                 <a:extLst>
                   <a:ext uri="{0D108BD9-81ED-4DB2-BD59-A6C34878D82A}">
-                    <a16:rowId xmlns="" xmlns:a16="http://schemas.microsoft.com/office/drawing/2014/main" val="10002"/>
+                    <a16:rowId xmlns:a16="http://schemas.microsoft.com/office/drawing/2014/main" xmlns="" val="10002"/>
                   </a:ext>
                 </a:extLst>
               </a:tr>
@@ -14390,7 +14382,7 @@
                 </a:tc>
                 <a:extLst>
                   <a:ext uri="{0D108BD9-81ED-4DB2-BD59-A6C34878D82A}">
-                    <a16:rowId xmlns="" xmlns:a16="http://schemas.microsoft.com/office/drawing/2014/main" val="10003"/>
+                    <a16:rowId xmlns:a16="http://schemas.microsoft.com/office/drawing/2014/main" xmlns="" val="10003"/>
                   </a:ext>
                 </a:extLst>
               </a:tr>
@@ -14542,7 +14534,7 @@
                 </a:tc>
                 <a:extLst>
                   <a:ext uri="{0D108BD9-81ED-4DB2-BD59-A6C34878D82A}">
-                    <a16:rowId xmlns="" xmlns:a16="http://schemas.microsoft.com/office/drawing/2014/main" val="10004"/>
+                    <a16:rowId xmlns:a16="http://schemas.microsoft.com/office/drawing/2014/main" xmlns="" val="10004"/>
                   </a:ext>
                 </a:extLst>
               </a:tr>
@@ -14701,7 +14693,7 @@
                 </a:tc>
                 <a:extLst>
                   <a:ext uri="{0D108BD9-81ED-4DB2-BD59-A6C34878D82A}">
-                    <a16:rowId xmlns="" xmlns:a16="http://schemas.microsoft.com/office/drawing/2014/main" val="10005"/>
+                    <a16:rowId xmlns:a16="http://schemas.microsoft.com/office/drawing/2014/main" xmlns="" val="10005"/>
                   </a:ext>
                 </a:extLst>
               </a:tr>
@@ -14832,7 +14824,7 @@
                 </a:tc>
                 <a:extLst>
                   <a:ext uri="{0D108BD9-81ED-4DB2-BD59-A6C34878D82A}">
-                    <a16:rowId xmlns="" xmlns:a16="http://schemas.microsoft.com/office/drawing/2014/main" val="10006"/>
+                    <a16:rowId xmlns:a16="http://schemas.microsoft.com/office/drawing/2014/main" xmlns="" val="10006"/>
                   </a:ext>
                 </a:extLst>
               </a:tr>
@@ -14973,7 +14965,7 @@
                 </a:tc>
                 <a:extLst>
                   <a:ext uri="{0D108BD9-81ED-4DB2-BD59-A6C34878D82A}">
-                    <a16:rowId xmlns="" xmlns:a16="http://schemas.microsoft.com/office/drawing/2014/main" val="10007"/>
+                    <a16:rowId xmlns:a16="http://schemas.microsoft.com/office/drawing/2014/main" xmlns="" val="10007"/>
                   </a:ext>
                 </a:extLst>
               </a:tr>
@@ -25726,7 +25718,7 @@
               <a:buNone/>
             </a:pPr>
             <a:r>
-              <a:rPr lang="ko-KR" sz="1800" b="1" i="0" u="none" strike="noStrike" cap="none" dirty="0">
+              <a:rPr lang="en-US" altLang="ko-KR" sz="1800" b="1" i="0" u="none" strike="noStrike" cap="none" dirty="0" smtClean="0">
                 <a:solidFill>
                   <a:schemeClr val="dk1"/>
                 </a:solidFill>
@@ -25735,7 +25727,7 @@
                 <a:cs typeface="Malgun Gothic"/>
                 <a:sym typeface="Malgun Gothic"/>
               </a:rPr>
-              <a:t>5</a:t>
+              <a:t>4</a:t>
             </a:r>
             <a:endParaRPr sz="1800" b="1" i="0" u="none" strike="noStrike" cap="none" dirty="0">
               <a:solidFill>
@@ -29726,14 +29718,14 @@
           <p:nvPr>
             <p:extLst>
               <p:ext uri="{D42A27DB-BD31-4B8C-83A1-F6EECF244321}">
-                <p14:modId xmlns:p14="http://schemas.microsoft.com/office/powerpoint/2010/main" val="1983302455"/>
+                <p14:modId xmlns:p14="http://schemas.microsoft.com/office/powerpoint/2010/main" val="1731303048"/>
               </p:ext>
             </p:extLst>
           </p:nvPr>
         </p:nvGraphicFramePr>
         <p:xfrm>
           <a:off x="8509686" y="1289960"/>
-          <a:ext cx="3532000" cy="5200524"/>
+          <a:ext cx="3532000" cy="5047125"/>
         </p:xfrm>
         <a:graphic>
           <a:graphicData uri="http://schemas.openxmlformats.org/drawingml/2006/table">
@@ -30006,7 +29998,7 @@
                       </a:endParaRPr>
                     </a:p>
                     <a:p>
-                      <a:pPr marL="0" marR="0" lvl="0" indent="0" algn="l" rtl="0">
+                      <a:pPr marL="285750" marR="0" lvl="0" indent="-285750" algn="l" rtl="0">
                         <a:lnSpc>
                           <a:spcPct val="100000"/>
                         </a:lnSpc>
@@ -30020,17 +30012,9 @@
                           <a:srgbClr val="000000"/>
                         </a:buClr>
                         <a:buSzPts val="1500"/>
-                        <a:buFont typeface="Arial"/>
-                        <a:buNone/>
+                        <a:buFontTx/>
+                        <a:buChar char="-"/>
                       </a:pPr>
-                      <a:r>
-                        <a:rPr lang="en-US" sz="1500" b="0" u="none" strike="noStrike" cap="none" baseline="0" dirty="0" smtClean="0">
-                          <a:solidFill>
-                            <a:schemeClr val="dk1"/>
-                          </a:solidFill>
-                        </a:rPr>
-                        <a:t>- </a:t>
-                      </a:r>
                       <a:r>
                         <a:rPr lang="ko-KR" altLang="en-US" sz="1500" b="0" u="none" strike="noStrike" cap="none" baseline="0" dirty="0" smtClean="0">
                           <a:solidFill>
@@ -30093,8 +30077,118 @@
                             <a:schemeClr val="dk1"/>
                           </a:solidFill>
                         </a:rPr>
-                        <a:t> 구현</a:t>
+                        <a:t> </a:t>
                       </a:r>
+                      <a:r>
+                        <a:rPr lang="ko-KR" altLang="en-US" sz="1500" b="0" u="none" strike="noStrike" cap="none" baseline="0" dirty="0" smtClean="0">
+                          <a:solidFill>
+                            <a:schemeClr val="dk1"/>
+                          </a:solidFill>
+                        </a:rPr>
+                        <a:t>구현</a:t>
+                      </a:r>
+                      <a:endParaRPr lang="en-US" altLang="ko-KR" sz="1500" b="0" u="none" strike="noStrike" cap="none" baseline="0" dirty="0" smtClean="0">
+                        <a:solidFill>
+                          <a:schemeClr val="dk1"/>
+                        </a:solidFill>
+                      </a:endParaRPr>
+                    </a:p>
+                    <a:p>
+                      <a:pPr marL="0" marR="0" lvl="0" indent="0" algn="l" rtl="0">
+                        <a:lnSpc>
+                          <a:spcPct val="100000"/>
+                        </a:lnSpc>
+                        <a:spcBef>
+                          <a:spcPts val="0"/>
+                        </a:spcBef>
+                        <a:spcAft>
+                          <a:spcPts val="0"/>
+                        </a:spcAft>
+                        <a:buClr>
+                          <a:srgbClr val="000000"/>
+                        </a:buClr>
+                        <a:buSzPts val="1500"/>
+                        <a:buFont typeface="Arial"/>
+                        <a:buNone/>
+                      </a:pPr>
+                      <a:r>
+                        <a:rPr lang="ko-KR" altLang="en-US" sz="1500" u="none" strike="noStrike" cap="none" dirty="0" smtClean="0">
+                          <a:solidFill>
+                            <a:schemeClr val="dk1"/>
+                          </a:solidFill>
+                        </a:rPr>
+                        <a:t>메인 </a:t>
+                      </a:r>
+                      <a:r>
+                        <a:rPr lang="en-US" altLang="ko-KR" sz="1500" u="none" strike="noStrike" cap="none" dirty="0" smtClean="0">
+                          <a:solidFill>
+                            <a:schemeClr val="dk1"/>
+                          </a:solidFill>
+                        </a:rPr>
+                        <a:t>Footer </a:t>
+                      </a:r>
+                      <a:r>
+                        <a:rPr lang="ko-KR" altLang="en-US" sz="1500" u="none" strike="noStrike" cap="none" dirty="0" smtClean="0">
+                          <a:solidFill>
+                            <a:schemeClr val="dk1"/>
+                          </a:solidFill>
+                        </a:rPr>
+                        <a:t>페이지</a:t>
+                      </a:r>
+                    </a:p>
+                    <a:p>
+                      <a:pPr marL="0" marR="0" lvl="0" indent="0" algn="l" rtl="0">
+                        <a:lnSpc>
+                          <a:spcPct val="100000"/>
+                        </a:lnSpc>
+                        <a:spcBef>
+                          <a:spcPts val="0"/>
+                        </a:spcBef>
+                        <a:spcAft>
+                          <a:spcPts val="0"/>
+                        </a:spcAft>
+                        <a:buClr>
+                          <a:srgbClr val="000000"/>
+                        </a:buClr>
+                        <a:buSzPts val="1500"/>
+                        <a:buFont typeface="Arial"/>
+                        <a:buNone/>
+                      </a:pPr>
+                      <a:r>
+                        <a:rPr lang="en-US" altLang="ko-KR" sz="1500" u="none" strike="noStrike" cap="none" dirty="0" smtClean="0">
+                          <a:solidFill>
+                            <a:schemeClr val="dk1"/>
+                          </a:solidFill>
+                        </a:rPr>
+                        <a:t>- </a:t>
+                      </a:r>
+                      <a:r>
+                        <a:rPr lang="ko-KR" altLang="en-US" sz="1500" u="none" strike="noStrike" cap="none" dirty="0" smtClean="0">
+                          <a:solidFill>
+                            <a:schemeClr val="dk1"/>
+                          </a:solidFill>
+                        </a:rPr>
+                        <a:t>회사 정보를 나타냄</a:t>
+                      </a:r>
+                    </a:p>
+                    <a:p>
+                      <a:pPr marL="285750" marR="0" lvl="0" indent="-285750" algn="l" rtl="0">
+                        <a:lnSpc>
+                          <a:spcPct val="100000"/>
+                        </a:lnSpc>
+                        <a:spcBef>
+                          <a:spcPts val="0"/>
+                        </a:spcBef>
+                        <a:spcAft>
+                          <a:spcPts val="0"/>
+                        </a:spcAft>
+                        <a:buClr>
+                          <a:srgbClr val="000000"/>
+                        </a:buClr>
+                        <a:buSzPts val="1500"/>
+                        <a:buFontTx/>
+                        <a:buChar char="-"/>
+                      </a:pPr>
                       <a:endParaRPr sz="1500" b="0" u="none" strike="noStrike" cap="none" dirty="0">
                         <a:solidFill>
                           <a:schemeClr val="dk1"/>
@@ -30593,7 +30687,7 @@
                   </a:tcPr>
                 </a:tc>
               </a:tr>
-              <a:tr h="644050">
+              <a:tr h="562225">
                 <a:tc>
                   <a:txBody>
                     <a:bodyPr/>
@@ -30641,7 +30735,7 @@
                       <a:headEnd type="none" w="sm" len="sm"/>
                       <a:tailEnd type="none" w="sm" len="sm"/>
                     </a:lnL>
-                    <a:lnR w="12700" cap="flat" cmpd="sng">
+                    <a:lnR w="12700" cap="flat" cmpd="sng" algn="ctr">
                       <a:solidFill>
                         <a:schemeClr val="dk1"/>
                       </a:solidFill>
@@ -30650,223 +30744,7 @@
                       <a:headEnd type="none" w="sm" len="sm"/>
                       <a:tailEnd type="none" w="sm" len="sm"/>
                     </a:lnR>
-                    <a:lnT w="12700" cap="flat" cmpd="sng">
-                      <a:solidFill>
-                        <a:schemeClr val="dk1"/>
-                      </a:solidFill>
-                      <a:prstDash val="solid"/>
-                      <a:round/>
-                      <a:headEnd type="none" w="sm" len="sm"/>
-                      <a:tailEnd type="none" w="sm" len="sm"/>
-                    </a:lnT>
-                    <a:lnB w="12700" cap="flat" cmpd="sng" algn="ctr">
-                      <a:solidFill>
-                        <a:schemeClr val="dk1"/>
-                      </a:solidFill>
-                      <a:prstDash val="solid"/>
-                      <a:round/>
-                      <a:headEnd type="none" w="sm" len="sm"/>
-                      <a:tailEnd type="none" w="sm" len="sm"/>
-                    </a:lnB>
-                    <a:solidFill>
-                      <a:schemeClr val="lt1"/>
-                    </a:solidFill>
-                  </a:tcPr>
-                </a:tc>
-                <a:tc>
-                  <a:txBody>
-                    <a:bodyPr/>
-                    <a:lstStyle/>
-                    <a:p>
-                      <a:pPr marL="0" marR="0" lvl="0" indent="0" algn="l" rtl="0">
-                        <a:lnSpc>
-                          <a:spcPct val="100000"/>
-                        </a:lnSpc>
-                        <a:spcBef>
-                          <a:spcPts val="0"/>
-                        </a:spcBef>
-                        <a:spcAft>
-                          <a:spcPts val="0"/>
-                        </a:spcAft>
-                        <a:buClr>
-                          <a:srgbClr val="000000"/>
-                        </a:buClr>
-                        <a:buSzPts val="1500"/>
-                        <a:buFont typeface="Arial"/>
-                        <a:buNone/>
-                      </a:pPr>
-                      <a:r>
-                        <a:rPr lang="ko-KR" altLang="en-US" sz="1500" u="none" strike="noStrike" cap="none" dirty="0" smtClean="0">
-                          <a:solidFill>
-                            <a:schemeClr val="dk1"/>
-                          </a:solidFill>
-                        </a:rPr>
-                        <a:t>메인 </a:t>
-                      </a:r>
-                      <a:r>
-                        <a:rPr lang="en-US" altLang="ko-KR" sz="1500" u="none" strike="noStrike" cap="none" dirty="0" smtClean="0">
-                          <a:solidFill>
-                            <a:schemeClr val="dk1"/>
-                          </a:solidFill>
-                        </a:rPr>
-                        <a:t>Footer </a:t>
-                      </a:r>
-                      <a:r>
-                        <a:rPr lang="ko-KR" altLang="en-US" sz="1500" u="none" strike="noStrike" cap="none" dirty="0" smtClean="0">
-                          <a:solidFill>
-                            <a:schemeClr val="dk1"/>
-                          </a:solidFill>
-                        </a:rPr>
-                        <a:t>페이지</a:t>
-                      </a:r>
-                      <a:endParaRPr lang="en-US" altLang="ko-KR" sz="1500" u="none" strike="noStrike" cap="none" dirty="0" smtClean="0">
-                        <a:solidFill>
-                          <a:schemeClr val="dk1"/>
-                        </a:solidFill>
-                      </a:endParaRPr>
-                    </a:p>
-                    <a:p>
-                      <a:pPr marL="0" marR="0" lvl="0" indent="0" algn="l" rtl="0">
-                        <a:lnSpc>
-                          <a:spcPct val="100000"/>
-                        </a:lnSpc>
-                        <a:spcBef>
-                          <a:spcPts val="0"/>
-                        </a:spcBef>
-                        <a:spcAft>
-                          <a:spcPts val="0"/>
-                        </a:spcAft>
-                        <a:buClr>
-                          <a:srgbClr val="000000"/>
-                        </a:buClr>
-                        <a:buSzPts val="1500"/>
-                        <a:buFont typeface="Arial"/>
-                        <a:buNone/>
-                      </a:pPr>
-                      <a:r>
-                        <a:rPr lang="en-US" sz="1500" u="none" strike="noStrike" cap="none" dirty="0" smtClean="0">
-                          <a:solidFill>
-                            <a:schemeClr val="dk1"/>
-                          </a:solidFill>
-                        </a:rPr>
-                        <a:t>- </a:t>
-                      </a:r>
-                      <a:r>
-                        <a:rPr lang="ko-KR" altLang="en-US" sz="1500" u="none" strike="noStrike" cap="none" dirty="0" smtClean="0">
-                          <a:solidFill>
-                            <a:schemeClr val="dk1"/>
-                          </a:solidFill>
-                        </a:rPr>
-                        <a:t>회사 정보를 나타냄</a:t>
-                      </a:r>
-                      <a:endParaRPr sz="1500" u="none" strike="noStrike" cap="none" dirty="0">
-                        <a:solidFill>
-                          <a:schemeClr val="dk1"/>
-                        </a:solidFill>
-                      </a:endParaRPr>
-                    </a:p>
-                  </a:txBody>
-                  <a:tcPr marL="91450" marR="91450" marT="45725" marB="45725">
-                    <a:lnL w="12700" cap="flat" cmpd="sng">
-                      <a:solidFill>
-                        <a:schemeClr val="dk1"/>
-                      </a:solidFill>
-                      <a:prstDash val="solid"/>
-                      <a:round/>
-                      <a:headEnd type="none" w="sm" len="sm"/>
-                      <a:tailEnd type="none" w="sm" len="sm"/>
-                    </a:lnL>
-                    <a:lnR w="12700" cap="flat" cmpd="sng">
-                      <a:solidFill>
-                        <a:schemeClr val="dk1"/>
-                      </a:solidFill>
-                      <a:prstDash val="solid"/>
-                      <a:round/>
-                      <a:headEnd type="none" w="sm" len="sm"/>
-                      <a:tailEnd type="none" w="sm" len="sm"/>
-                    </a:lnR>
-                    <a:lnT w="12700" cap="flat" cmpd="sng">
-                      <a:solidFill>
-                        <a:schemeClr val="dk1"/>
-                      </a:solidFill>
-                      <a:prstDash val="solid"/>
-                      <a:round/>
-                      <a:headEnd type="none" w="sm" len="sm"/>
-                      <a:tailEnd type="none" w="sm" len="sm"/>
-                    </a:lnT>
-                    <a:lnB w="12700" cap="flat" cmpd="sng" algn="ctr">
-                      <a:solidFill>
-                        <a:schemeClr val="dk1"/>
-                      </a:solidFill>
-                      <a:prstDash val="solid"/>
-                      <a:round/>
-                      <a:headEnd type="none" w="sm" len="sm"/>
-                      <a:tailEnd type="none" w="sm" len="sm"/>
-                    </a:lnB>
-                    <a:solidFill>
-                      <a:schemeClr val="lt1"/>
-                    </a:solidFill>
-                  </a:tcPr>
-                </a:tc>
-              </a:tr>
-              <a:tr h="562225">
-                <a:tc>
-                  <a:txBody>
-                    <a:bodyPr/>
-                    <a:lstStyle/>
-                    <a:p>
-                      <a:pPr marL="0" marR="0" lvl="0" indent="0" algn="ctr" rtl="0">
-                        <a:lnSpc>
-                          <a:spcPct val="100000"/>
-                        </a:lnSpc>
-                        <a:spcBef>
-                          <a:spcPts val="0"/>
-                        </a:spcBef>
-                        <a:spcAft>
-                          <a:spcPts val="0"/>
-                        </a:spcAft>
-                        <a:buClr>
-                          <a:srgbClr val="000000"/>
-                        </a:buClr>
-                        <a:buSzPts val="1500"/>
-                        <a:buFont typeface="Arial"/>
-                        <a:buNone/>
-                      </a:pPr>
-                      <a:r>
-                        <a:rPr lang="en-US" sz="1500" u="none" strike="noStrike" cap="none" dirty="0" smtClean="0">
-                          <a:solidFill>
-                            <a:schemeClr val="dk1"/>
-                          </a:solidFill>
-                        </a:rPr>
-                        <a:t>5</a:t>
-                      </a:r>
-                      <a:endParaRPr sz="1500" u="none" strike="noStrike" cap="none" dirty="0">
-                        <a:solidFill>
-                          <a:schemeClr val="dk1"/>
-                        </a:solidFill>
-                      </a:endParaRPr>
-                    </a:p>
-                  </a:txBody>
-                  <a:tcPr marL="91450" marR="91450" marT="45725" marB="45725" anchor="ctr">
-                    <a:lnL w="12700" cap="flat" cmpd="sng">
-                      <a:solidFill>
-                        <a:schemeClr val="dk1"/>
-                      </a:solidFill>
-                      <a:prstDash val="solid"/>
-                      <a:round/>
-                      <a:headEnd type="none" w="sm" len="sm"/>
-                      <a:tailEnd type="none" w="sm" len="sm"/>
-                    </a:lnL>
-                    <a:lnR w="12700" cap="flat" cmpd="sng">
-                      <a:solidFill>
-                        <a:schemeClr val="dk1"/>
-                      </a:solidFill>
-                      <a:prstDash val="solid"/>
-                      <a:round/>
-                      <a:headEnd type="none" w="sm" len="sm"/>
-                      <a:tailEnd type="none" w="sm" len="sm"/>
-                    </a:lnR>
-                    <a:lnT w="12700" cap="flat" cmpd="sng">
+                    <a:lnT w="12700" cap="flat" cmpd="sng" algn="ctr">
                       <a:solidFill>
                         <a:schemeClr val="dk1"/>
                       </a:solidFill>
@@ -30989,7 +30867,7 @@
                     </a:p>
                   </a:txBody>
                   <a:tcPr marL="91450" marR="91450" marT="45725" marB="45725">
-                    <a:lnL w="12700" cap="flat" cmpd="sng">
+                    <a:lnL w="12700" cap="flat" cmpd="sng" algn="ctr">
                       <a:solidFill>
                         <a:schemeClr val="dk1"/>
                       </a:solidFill>
@@ -31007,7 +30885,7 @@
                       <a:headEnd type="none" w="sm" len="sm"/>
                       <a:tailEnd type="none" w="sm" len="sm"/>
                     </a:lnR>
-                    <a:lnT w="12700" cap="flat" cmpd="sng">
+                    <a:lnT w="12700" cap="flat" cmpd="sng" algn="ctr">
                       <a:solidFill>
                         <a:schemeClr val="dk1"/>
                       </a:solidFill>
@@ -31274,7 +31152,7 @@
               <a:buNone/>
             </a:pPr>
             <a:r>
-              <a:rPr lang="ko-KR" sz="1800" b="1" i="0" u="none" strike="noStrike" cap="none" dirty="0">
+              <a:rPr lang="en-US" b="1" dirty="0">
                 <a:solidFill>
                   <a:schemeClr val="dk1"/>
                 </a:solidFill>
@@ -31283,7 +31161,7 @@
                 <a:cs typeface="Malgun Gothic"/>
                 <a:sym typeface="Malgun Gothic"/>
               </a:rPr>
-              <a:t>4</a:t>
+              <a:t>1</a:t>
             </a:r>
             <a:endParaRPr sz="1800" b="1" i="0" u="none" strike="noStrike" cap="none" dirty="0">
               <a:solidFill>
@@ -41507,7 +41385,7 @@
   <a:extraClrSchemeLst/>
   <a:extLst>
     <a:ext uri="{05A4C25C-085E-4340-85A3-A5531E510DB2}">
-      <thm15:themeFamily xmlns:thm15="http://schemas.microsoft.com/office/thememl/2012/main" name="Office Theme" id="{62F939B6-93AF-4DB8-9C6B-D6C7DFDC589F}" vid="{4A3C46E8-61CC-4603-A589-7422A47A8E4A}"/>
+      <thm15:themeFamily xmlns:thm15="http://schemas.microsoft.com/office/thememl/2012/main" xmlns="" name="Office Theme" id="{62F939B6-93AF-4DB8-9C6B-D6C7DFDC589F}" vid="{4A3C46E8-61CC-4603-A589-7422A47A8E4A}"/>
     </a:ext>
   </a:extLst>
 </a:theme>
@@ -41768,7 +41646,7 @@
   <a:extraClrSchemeLst/>
   <a:extLst>
     <a:ext uri="{05A4C25C-085E-4340-85A3-A5531E510DB2}">
-      <thm15:themeFamily xmlns:thm15="http://schemas.microsoft.com/office/thememl/2012/main" name="Office Theme" id="{62F939B6-93AF-4DB8-9C6B-D6C7DFDC589F}" vid="{4A3C46E8-61CC-4603-A589-7422A47A8E4A}"/>
+      <thm15:themeFamily xmlns:thm15="http://schemas.microsoft.com/office/thememl/2012/main" xmlns="" name="Office Theme" id="{62F939B6-93AF-4DB8-9C6B-D6C7DFDC589F}" vid="{4A3C46E8-61CC-4603-A589-7422A47A8E4A}"/>
     </a:ext>
   </a:extLst>
 </a:theme>

--- a/0 발표용 파워포인트/project05 - 파워포인트 종합 - 기범.pptx
+++ b/0 발표용 파워포인트/project05 - 파워포인트 종합 - 기범.pptx
@@ -125,7 +125,7 @@
   </p:defaultTextStyle>
   <p:extLst>
     <p:ext uri="{EFAFB233-063F-42B5-8137-9DF3F51BA10A}">
-      <p15:sldGuideLst xmlns:p15="http://schemas.microsoft.com/office/powerpoint/2012/main" xmlns="">
+      <p15:sldGuideLst xmlns:p15="http://schemas.microsoft.com/office/powerpoint/2012/main">
         <p15:guide id="1" orient="horz" pos="2160">
           <p15:clr>
             <a:srgbClr val="A4A3A4"/>
@@ -12928,14 +12928,14 @@
                 <a:gridCol w="1443550">
                   <a:extLst>
                     <a:ext uri="{9D8B030D-6E8A-4147-A177-3AD203B41FA5}">
-                      <a16:colId xmlns:a16="http://schemas.microsoft.com/office/drawing/2014/main" xmlns="" val="20000"/>
+                      <a16:colId xmlns="" xmlns:a16="http://schemas.microsoft.com/office/drawing/2014/main" val="20000"/>
                     </a:ext>
                   </a:extLst>
                 </a:gridCol>
                 <a:gridCol w="2680550">
                   <a:extLst>
                     <a:ext uri="{9D8B030D-6E8A-4147-A177-3AD203B41FA5}">
-                      <a16:colId xmlns:a16="http://schemas.microsoft.com/office/drawing/2014/main" xmlns="" val="20001"/>
+                      <a16:colId xmlns="" xmlns:a16="http://schemas.microsoft.com/office/drawing/2014/main" val="20001"/>
                     </a:ext>
                   </a:extLst>
                 </a:gridCol>
@@ -13093,7 +13093,7 @@
                 </a:tc>
                 <a:extLst>
                   <a:ext uri="{0D108BD9-81ED-4DB2-BD59-A6C34878D82A}">
-                    <a16:rowId xmlns:a16="http://schemas.microsoft.com/office/drawing/2014/main" xmlns="" val="10000"/>
+                    <a16:rowId xmlns="" xmlns:a16="http://schemas.microsoft.com/office/drawing/2014/main" val="10000"/>
                   </a:ext>
                 </a:extLst>
               </a:tr>
@@ -13261,7 +13261,7 @@
                 </a:tc>
                 <a:extLst>
                   <a:ext uri="{0D108BD9-81ED-4DB2-BD59-A6C34878D82A}">
-                    <a16:rowId xmlns:a16="http://schemas.microsoft.com/office/drawing/2014/main" xmlns="" val="10001"/>
+                    <a16:rowId xmlns="" xmlns:a16="http://schemas.microsoft.com/office/drawing/2014/main" val="10001"/>
                   </a:ext>
                 </a:extLst>
               </a:tr>
@@ -13349,7 +13349,7 @@
                 </a:tc>
                 <a:extLst>
                   <a:ext uri="{0D108BD9-81ED-4DB2-BD59-A6C34878D82A}">
-                    <a16:rowId xmlns:a16="http://schemas.microsoft.com/office/drawing/2014/main" xmlns="" val="10002"/>
+                    <a16:rowId xmlns="" xmlns:a16="http://schemas.microsoft.com/office/drawing/2014/main" val="10002"/>
                   </a:ext>
                 </a:extLst>
               </a:tr>
@@ -13377,14 +13377,14 @@
                 <a:gridCol w="1407750">
                   <a:extLst>
                     <a:ext uri="{9D8B030D-6E8A-4147-A177-3AD203B41FA5}">
-                      <a16:colId xmlns:a16="http://schemas.microsoft.com/office/drawing/2014/main" xmlns="" val="20000"/>
+                      <a16:colId xmlns="" xmlns:a16="http://schemas.microsoft.com/office/drawing/2014/main" val="20000"/>
                     </a:ext>
                   </a:extLst>
                 </a:gridCol>
                 <a:gridCol w="1407750">
                   <a:extLst>
                     <a:ext uri="{9D8B030D-6E8A-4147-A177-3AD203B41FA5}">
-                      <a16:colId xmlns:a16="http://schemas.microsoft.com/office/drawing/2014/main" xmlns="" val="20001"/>
+                      <a16:colId xmlns="" xmlns:a16="http://schemas.microsoft.com/office/drawing/2014/main" val="20001"/>
                     </a:ext>
                   </a:extLst>
                 </a:gridCol>
@@ -13542,7 +13542,7 @@
                 </a:tc>
                 <a:extLst>
                   <a:ext uri="{0D108BD9-81ED-4DB2-BD59-A6C34878D82A}">
-                    <a16:rowId xmlns:a16="http://schemas.microsoft.com/office/drawing/2014/main" xmlns="" val="10000"/>
+                    <a16:rowId xmlns="" xmlns:a16="http://schemas.microsoft.com/office/drawing/2014/main" val="10000"/>
                   </a:ext>
                 </a:extLst>
               </a:tr>
@@ -13570,14 +13570,14 @@
                 <a:gridCol w="1407750">
                   <a:extLst>
                     <a:ext uri="{9D8B030D-6E8A-4147-A177-3AD203B41FA5}">
-                      <a16:colId xmlns:a16="http://schemas.microsoft.com/office/drawing/2014/main" xmlns="" val="20000"/>
+                      <a16:colId xmlns="" xmlns:a16="http://schemas.microsoft.com/office/drawing/2014/main" val="20000"/>
                     </a:ext>
                   </a:extLst>
                 </a:gridCol>
                 <a:gridCol w="1407750">
                   <a:extLst>
                     <a:ext uri="{9D8B030D-6E8A-4147-A177-3AD203B41FA5}">
-                      <a16:colId xmlns:a16="http://schemas.microsoft.com/office/drawing/2014/main" xmlns="" val="20001"/>
+                      <a16:colId xmlns="" xmlns:a16="http://schemas.microsoft.com/office/drawing/2014/main" val="20001"/>
                     </a:ext>
                   </a:extLst>
                 </a:gridCol>
@@ -13735,7 +13735,7 @@
                 </a:tc>
                 <a:extLst>
                   <a:ext uri="{0D108BD9-81ED-4DB2-BD59-A6C34878D82A}">
-                    <a16:rowId xmlns:a16="http://schemas.microsoft.com/office/drawing/2014/main" xmlns="" val="10000"/>
+                    <a16:rowId xmlns="" xmlns:a16="http://schemas.microsoft.com/office/drawing/2014/main" val="10000"/>
                   </a:ext>
                 </a:extLst>
               </a:tr>
@@ -13765,14 +13765,14 @@
                 <a:gridCol w="382900">
                   <a:extLst>
                     <a:ext uri="{9D8B030D-6E8A-4147-A177-3AD203B41FA5}">
-                      <a16:colId xmlns:a16="http://schemas.microsoft.com/office/drawing/2014/main" xmlns="" val="20000"/>
+                      <a16:colId xmlns="" xmlns:a16="http://schemas.microsoft.com/office/drawing/2014/main" val="20000"/>
                     </a:ext>
                   </a:extLst>
                 </a:gridCol>
                 <a:gridCol w="3149100">
                   <a:extLst>
                     <a:ext uri="{9D8B030D-6E8A-4147-A177-3AD203B41FA5}">
-                      <a16:colId xmlns:a16="http://schemas.microsoft.com/office/drawing/2014/main" xmlns="" val="20001"/>
+                      <a16:colId xmlns="" xmlns:a16="http://schemas.microsoft.com/office/drawing/2014/main" val="20001"/>
                     </a:ext>
                   </a:extLst>
                 </a:gridCol>
@@ -13930,7 +13930,7 @@
                 </a:tc>
                 <a:extLst>
                   <a:ext uri="{0D108BD9-81ED-4DB2-BD59-A6C34878D82A}">
-                    <a16:rowId xmlns:a16="http://schemas.microsoft.com/office/drawing/2014/main" xmlns="" val="10000"/>
+                    <a16:rowId xmlns="" xmlns:a16="http://schemas.microsoft.com/office/drawing/2014/main" val="10000"/>
                   </a:ext>
                 </a:extLst>
               </a:tr>
@@ -14078,7 +14078,7 @@
                 </a:tc>
                 <a:extLst>
                   <a:ext uri="{0D108BD9-81ED-4DB2-BD59-A6C34878D82A}">
-                    <a16:rowId xmlns:a16="http://schemas.microsoft.com/office/drawing/2014/main" xmlns="" val="10001"/>
+                    <a16:rowId xmlns="" xmlns:a16="http://schemas.microsoft.com/office/drawing/2014/main" val="10001"/>
                   </a:ext>
                 </a:extLst>
               </a:tr>
@@ -14229,7 +14229,7 @@
                 </a:tc>
                 <a:extLst>
                   <a:ext uri="{0D108BD9-81ED-4DB2-BD59-A6C34878D82A}">
-                    <a16:rowId xmlns:a16="http://schemas.microsoft.com/office/drawing/2014/main" xmlns="" val="10002"/>
+                    <a16:rowId xmlns="" xmlns:a16="http://schemas.microsoft.com/office/drawing/2014/main" val="10002"/>
                   </a:ext>
                 </a:extLst>
               </a:tr>
@@ -14382,7 +14382,7 @@
                 </a:tc>
                 <a:extLst>
                   <a:ext uri="{0D108BD9-81ED-4DB2-BD59-A6C34878D82A}">
-                    <a16:rowId xmlns:a16="http://schemas.microsoft.com/office/drawing/2014/main" xmlns="" val="10003"/>
+                    <a16:rowId xmlns="" xmlns:a16="http://schemas.microsoft.com/office/drawing/2014/main" val="10003"/>
                   </a:ext>
                 </a:extLst>
               </a:tr>
@@ -14534,7 +14534,7 @@
                 </a:tc>
                 <a:extLst>
                   <a:ext uri="{0D108BD9-81ED-4DB2-BD59-A6C34878D82A}">
-                    <a16:rowId xmlns:a16="http://schemas.microsoft.com/office/drawing/2014/main" xmlns="" val="10004"/>
+                    <a16:rowId xmlns="" xmlns:a16="http://schemas.microsoft.com/office/drawing/2014/main" val="10004"/>
                   </a:ext>
                 </a:extLst>
               </a:tr>
@@ -14693,7 +14693,7 @@
                 </a:tc>
                 <a:extLst>
                   <a:ext uri="{0D108BD9-81ED-4DB2-BD59-A6C34878D82A}">
-                    <a16:rowId xmlns:a16="http://schemas.microsoft.com/office/drawing/2014/main" xmlns="" val="10005"/>
+                    <a16:rowId xmlns="" xmlns:a16="http://schemas.microsoft.com/office/drawing/2014/main" val="10005"/>
                   </a:ext>
                 </a:extLst>
               </a:tr>
@@ -14824,7 +14824,7 @@
                 </a:tc>
                 <a:extLst>
                   <a:ext uri="{0D108BD9-81ED-4DB2-BD59-A6C34878D82A}">
-                    <a16:rowId xmlns:a16="http://schemas.microsoft.com/office/drawing/2014/main" xmlns="" val="10006"/>
+                    <a16:rowId xmlns="" xmlns:a16="http://schemas.microsoft.com/office/drawing/2014/main" val="10006"/>
                   </a:ext>
                 </a:extLst>
               </a:tr>
@@ -14965,7 +14965,7 @@
                 </a:tc>
                 <a:extLst>
                   <a:ext uri="{0D108BD9-81ED-4DB2-BD59-A6C34878D82A}">
-                    <a16:rowId xmlns:a16="http://schemas.microsoft.com/office/drawing/2014/main" xmlns="" val="10007"/>
+                    <a16:rowId xmlns="" xmlns:a16="http://schemas.microsoft.com/office/drawing/2014/main" val="10007"/>
                   </a:ext>
                 </a:extLst>
               </a:tr>
@@ -19381,7 +19381,7 @@
       </p:sp>
       <p:pic>
         <p:nvPicPr>
-          <p:cNvPr id="2" name="그림 1"/>
+          <p:cNvPr id="3" name="그림 2"/>
           <p:cNvPicPr>
             <a:picLocks noChangeAspect="1"/>
           </p:cNvPicPr>
@@ -19395,8 +19395,8 @@
         </p:blipFill>
         <p:spPr>
           <a:xfrm>
-            <a:off x="839771" y="2306487"/>
-            <a:ext cx="6831859" cy="3412375"/>
+            <a:off x="936540" y="2165584"/>
+            <a:ext cx="6238875" cy="3105150"/>
           </a:xfrm>
           <a:prstGeom prst="rect">
             <a:avLst/>
@@ -19411,7 +19411,7 @@
         </p:nvSpPr>
         <p:spPr>
           <a:xfrm>
-            <a:off x="2212119" y="2515334"/>
+            <a:off x="2150301" y="2254747"/>
             <a:ext cx="302700" cy="324600"/>
           </a:xfrm>
           <a:prstGeom prst="rect">
@@ -21211,7 +21211,7 @@
       </p:sp>
       <p:pic>
         <p:nvPicPr>
-          <p:cNvPr id="3" name="그림 2"/>
+          <p:cNvPr id="2" name="그림 1"/>
           <p:cNvPicPr>
             <a:picLocks noChangeAspect="1"/>
           </p:cNvPicPr>
@@ -21225,8 +21225,8 @@
         </p:blipFill>
         <p:spPr>
           <a:xfrm>
-            <a:off x="542145" y="2321501"/>
-            <a:ext cx="7263817" cy="2950698"/>
+            <a:off x="749533" y="2400322"/>
+            <a:ext cx="6248400" cy="3419475"/>
           </a:xfrm>
           <a:prstGeom prst="rect">
             <a:avLst/>
@@ -21241,7 +21241,7 @@
         </p:nvSpPr>
         <p:spPr>
           <a:xfrm>
-            <a:off x="2212119" y="2515334"/>
+            <a:off x="2400010" y="2670698"/>
             <a:ext cx="302700" cy="324600"/>
           </a:xfrm>
           <a:prstGeom prst="rect">
@@ -25855,7 +25855,7 @@
       </p:sp>
       <p:pic>
         <p:nvPicPr>
-          <p:cNvPr id="7" name="그림 6"/>
+          <p:cNvPr id="3" name="그림 2"/>
           <p:cNvPicPr>
             <a:picLocks noChangeAspect="1"/>
           </p:cNvPicPr>
@@ -25869,8 +25869,8 @@
         </p:blipFill>
         <p:spPr>
           <a:xfrm>
-            <a:off x="445467" y="1408734"/>
-            <a:ext cx="7408118" cy="2055865"/>
+            <a:off x="410752" y="1496861"/>
+            <a:ext cx="7526602" cy="1967739"/>
           </a:xfrm>
           <a:prstGeom prst="rect">
             <a:avLst/>
@@ -25885,7 +25885,7 @@
         </p:nvSpPr>
         <p:spPr>
           <a:xfrm>
-            <a:off x="445467" y="1374973"/>
+            <a:off x="478333" y="1369764"/>
             <a:ext cx="302700" cy="324600"/>
           </a:xfrm>
           <a:prstGeom prst="rect">
@@ -30077,15 +30077,7 @@
                             <a:schemeClr val="dk1"/>
                           </a:solidFill>
                         </a:rPr>
-                        <a:t> </a:t>
-                      </a:r>
-                      <a:r>
-                        <a:rPr lang="ko-KR" altLang="en-US" sz="1500" b="0" u="none" strike="noStrike" cap="none" baseline="0" dirty="0" smtClean="0">
-                          <a:solidFill>
-                            <a:schemeClr val="dk1"/>
-                          </a:solidFill>
-                        </a:rPr>
-                        <a:t>구현</a:t>
+                        <a:t> 구현</a:t>
                       </a:r>
                       <a:endParaRPr lang="en-US" altLang="ko-KR" sz="1500" b="0" u="none" strike="noStrike" cap="none" baseline="0" dirty="0" smtClean="0">
                         <a:solidFill>
@@ -41385,7 +41377,7 @@
   <a:extraClrSchemeLst/>
   <a:extLst>
     <a:ext uri="{05A4C25C-085E-4340-85A3-A5531E510DB2}">
-      <thm15:themeFamily xmlns:thm15="http://schemas.microsoft.com/office/thememl/2012/main" xmlns="" name="Office Theme" id="{62F939B6-93AF-4DB8-9C6B-D6C7DFDC589F}" vid="{4A3C46E8-61CC-4603-A589-7422A47A8E4A}"/>
+      <thm15:themeFamily xmlns:thm15="http://schemas.microsoft.com/office/thememl/2012/main" name="Office Theme" id="{62F939B6-93AF-4DB8-9C6B-D6C7DFDC589F}" vid="{4A3C46E8-61CC-4603-A589-7422A47A8E4A}"/>
     </a:ext>
   </a:extLst>
 </a:theme>
@@ -41646,7 +41638,7 @@
   <a:extraClrSchemeLst/>
   <a:extLst>
     <a:ext uri="{05A4C25C-085E-4340-85A3-A5531E510DB2}">
-      <thm15:themeFamily xmlns:thm15="http://schemas.microsoft.com/office/thememl/2012/main" xmlns="" name="Office Theme" id="{62F939B6-93AF-4DB8-9C6B-D6C7DFDC589F}" vid="{4A3C46E8-61CC-4603-A589-7422A47A8E4A}"/>
+      <thm15:themeFamily xmlns:thm15="http://schemas.microsoft.com/office/thememl/2012/main" name="Office Theme" id="{62F939B6-93AF-4DB8-9C6B-D6C7DFDC589F}" vid="{4A3C46E8-61CC-4603-A589-7422A47A8E4A}"/>
     </a:ext>
   </a:extLst>
 </a:theme>

--- a/0 발표용 파워포인트/project05 - 파워포인트 종합 - 기범.pptx
+++ b/0 발표용 파워포인트/project05 - 파워포인트 종합 - 기범.pptx
@@ -5579,7 +5579,7 @@
           <p:nvPr>
             <p:extLst>
               <p:ext uri="{D42A27DB-BD31-4B8C-83A1-F6EECF244321}">
-                <p14:modId xmlns:p14="http://schemas.microsoft.com/office/powerpoint/2010/main" val="3550350669"/>
+                <p14:modId xmlns:p14="http://schemas.microsoft.com/office/powerpoint/2010/main" val="3355544371"/>
               </p:ext>
             </p:extLst>
           </p:nvPr>
@@ -5595,8 +5595,20 @@
                 <a:noFill/>
               </a:tblPr>
               <a:tblGrid>
-                <a:gridCol w="1443550"/>
-                <a:gridCol w="2680550"/>
+                <a:gridCol w="1443550">
+                  <a:extLst>
+                    <a:ext uri="{9D8B030D-6E8A-4147-A177-3AD203B41FA5}">
+                      <a16:colId xmlns:a16="http://schemas.microsoft.com/office/drawing/2014/main" val="20000"/>
+                    </a:ext>
+                  </a:extLst>
+                </a:gridCol>
+                <a:gridCol w="2680550">
+                  <a:extLst>
+                    <a:ext uri="{9D8B030D-6E8A-4147-A177-3AD203B41FA5}">
+                      <a16:colId xmlns:a16="http://schemas.microsoft.com/office/drawing/2014/main" val="20001"/>
+                    </a:ext>
+                  </a:extLst>
+                </a:gridCol>
               </a:tblGrid>
               <a:tr h="271225">
                 <a:tc>
@@ -5700,6 +5712,14 @@
                         <a:buFont typeface="Arial"/>
                         <a:buNone/>
                       </a:pPr>
+                      <a:r>
+                        <a:rPr lang="en-US" altLang="ko-KR" sz="1500" b="0" u="none" strike="noStrike" cap="none" dirty="0" err="1" smtClean="0">
+                          <a:solidFill>
+                            <a:schemeClr val="dk1"/>
+                          </a:solidFill>
+                        </a:rPr>
+                        <a:t>kb_user_w_semiZoneComm</a:t>
+                      </a:r>
                       <a:endParaRPr sz="1500" b="0" u="none" strike="noStrike" cap="none" dirty="0">
                         <a:solidFill>
                           <a:schemeClr val="dk1"/>
@@ -5749,6 +5769,11 @@
                     </a:solidFill>
                   </a:tcPr>
                 </a:tc>
+                <a:extLst>
+                  <a:ext uri="{0D108BD9-81ED-4DB2-BD59-A6C34878D82A}">
+                    <a16:rowId xmlns:a16="http://schemas.microsoft.com/office/drawing/2014/main" val="10000"/>
+                  </a:ext>
+                </a:extLst>
               </a:tr>
               <a:tr h="271225">
                 <a:tc rowSpan="2">
@@ -5917,6 +5942,11 @@
                     </a:solidFill>
                   </a:tcPr>
                 </a:tc>
+                <a:extLst>
+                  <a:ext uri="{0D108BD9-81ED-4DB2-BD59-A6C34878D82A}">
+                    <a16:rowId xmlns:a16="http://schemas.microsoft.com/office/drawing/2014/main" val="10001"/>
+                  </a:ext>
+                </a:extLst>
               </a:tr>
               <a:tr h="271225">
                 <a:tc vMerge="1">
@@ -6000,6 +6030,11 @@
                     </a:solidFill>
                   </a:tcPr>
                 </a:tc>
+                <a:extLst>
+                  <a:ext uri="{0D108BD9-81ED-4DB2-BD59-A6C34878D82A}">
+                    <a16:rowId xmlns:a16="http://schemas.microsoft.com/office/drawing/2014/main" val="10002"/>
+                  </a:ext>
+                </a:extLst>
               </a:tr>
             </a:tbl>
           </a:graphicData>
@@ -6022,8 +6057,20 @@
                 <a:noFill/>
               </a:tblPr>
               <a:tblGrid>
-                <a:gridCol w="1407750"/>
-                <a:gridCol w="1407750"/>
+                <a:gridCol w="1407750">
+                  <a:extLst>
+                    <a:ext uri="{9D8B030D-6E8A-4147-A177-3AD203B41FA5}">
+                      <a16:colId xmlns:a16="http://schemas.microsoft.com/office/drawing/2014/main" val="20000"/>
+                    </a:ext>
+                  </a:extLst>
+                </a:gridCol>
+                <a:gridCol w="1407750">
+                  <a:extLst>
+                    <a:ext uri="{9D8B030D-6E8A-4147-A177-3AD203B41FA5}">
+                      <a16:colId xmlns:a16="http://schemas.microsoft.com/office/drawing/2014/main" val="20001"/>
+                    </a:ext>
+                  </a:extLst>
+                </a:gridCol>
               </a:tblGrid>
               <a:tr h="265075">
                 <a:tc>
@@ -6176,6 +6223,11 @@
                     </a:solidFill>
                   </a:tcPr>
                 </a:tc>
+                <a:extLst>
+                  <a:ext uri="{0D108BD9-81ED-4DB2-BD59-A6C34878D82A}">
+                    <a16:rowId xmlns:a16="http://schemas.microsoft.com/office/drawing/2014/main" val="10000"/>
+                  </a:ext>
+                </a:extLst>
               </a:tr>
             </a:tbl>
           </a:graphicData>
@@ -6198,8 +6250,20 @@
                 <a:noFill/>
               </a:tblPr>
               <a:tblGrid>
-                <a:gridCol w="1407750"/>
-                <a:gridCol w="1407750"/>
+                <a:gridCol w="1407750">
+                  <a:extLst>
+                    <a:ext uri="{9D8B030D-6E8A-4147-A177-3AD203B41FA5}">
+                      <a16:colId xmlns:a16="http://schemas.microsoft.com/office/drawing/2014/main" val="20000"/>
+                    </a:ext>
+                  </a:extLst>
+                </a:gridCol>
+                <a:gridCol w="1407750">
+                  <a:extLst>
+                    <a:ext uri="{9D8B030D-6E8A-4147-A177-3AD203B41FA5}">
+                      <a16:colId xmlns:a16="http://schemas.microsoft.com/office/drawing/2014/main" val="20001"/>
+                    </a:ext>
+                  </a:extLst>
+                </a:gridCol>
               </a:tblGrid>
               <a:tr h="265075">
                 <a:tc>
@@ -6352,6 +6416,11 @@
                     </a:solidFill>
                   </a:tcPr>
                 </a:tc>
+                <a:extLst>
+                  <a:ext uri="{0D108BD9-81ED-4DB2-BD59-A6C34878D82A}">
+                    <a16:rowId xmlns:a16="http://schemas.microsoft.com/office/drawing/2014/main" val="10000"/>
+                  </a:ext>
+                </a:extLst>
               </a:tr>
             </a:tbl>
           </a:graphicData>
@@ -6442,8 +6511,20 @@
                 <a:noFill/>
               </a:tblPr>
               <a:tblGrid>
-                <a:gridCol w="382900"/>
-                <a:gridCol w="3149100"/>
+                <a:gridCol w="382900">
+                  <a:extLst>
+                    <a:ext uri="{9D8B030D-6E8A-4147-A177-3AD203B41FA5}">
+                      <a16:colId xmlns:a16="http://schemas.microsoft.com/office/drawing/2014/main" val="20000"/>
+                    </a:ext>
+                  </a:extLst>
+                </a:gridCol>
+                <a:gridCol w="3149100">
+                  <a:extLst>
+                    <a:ext uri="{9D8B030D-6E8A-4147-A177-3AD203B41FA5}">
+                      <a16:colId xmlns:a16="http://schemas.microsoft.com/office/drawing/2014/main" val="20001"/>
+                    </a:ext>
+                  </a:extLst>
+                </a:gridCol>
               </a:tblGrid>
               <a:tr h="356150">
                 <a:tc>
@@ -6596,6 +6677,11 @@
                     </a:solidFill>
                   </a:tcPr>
                 </a:tc>
+                <a:extLst>
+                  <a:ext uri="{0D108BD9-81ED-4DB2-BD59-A6C34878D82A}">
+                    <a16:rowId xmlns:a16="http://schemas.microsoft.com/office/drawing/2014/main" val="10000"/>
+                  </a:ext>
+                </a:extLst>
               </a:tr>
               <a:tr h="972399">
                 <a:tc>
@@ -6788,6 +6874,11 @@
                     </a:solidFill>
                   </a:tcPr>
                 </a:tc>
+                <a:extLst>
+                  <a:ext uri="{0D108BD9-81ED-4DB2-BD59-A6C34878D82A}">
+                    <a16:rowId xmlns:a16="http://schemas.microsoft.com/office/drawing/2014/main" val="10001"/>
+                  </a:ext>
+                </a:extLst>
               </a:tr>
               <a:tr h="892175">
                 <a:tc>
@@ -6914,6 +7005,11 @@
                     </a:solidFill>
                   </a:tcPr>
                 </a:tc>
+                <a:extLst>
+                  <a:ext uri="{0D108BD9-81ED-4DB2-BD59-A6C34878D82A}">
+                    <a16:rowId xmlns:a16="http://schemas.microsoft.com/office/drawing/2014/main" val="10002"/>
+                  </a:ext>
+                </a:extLst>
               </a:tr>
             </a:tbl>
           </a:graphicData>
@@ -7457,14 +7553,14 @@
           <p:nvPr>
             <p:extLst>
               <p:ext uri="{D42A27DB-BD31-4B8C-83A1-F6EECF244321}">
-                <p14:modId xmlns:p14="http://schemas.microsoft.com/office/powerpoint/2010/main" val="1145172438"/>
+                <p14:modId xmlns:p14="http://schemas.microsoft.com/office/powerpoint/2010/main" val="1552975145"/>
               </p:ext>
             </p:extLst>
           </p:nvPr>
         </p:nvGraphicFramePr>
         <p:xfrm>
           <a:off x="239601" y="148363"/>
-          <a:ext cx="4124100" cy="960150"/>
+          <a:ext cx="4578584" cy="960150"/>
         </p:xfrm>
         <a:graphic>
           <a:graphicData uri="http://schemas.openxmlformats.org/drawingml/2006/table">
@@ -7473,8 +7569,20 @@
                 <a:noFill/>
               </a:tblPr>
               <a:tblGrid>
-                <a:gridCol w="1443550"/>
-                <a:gridCol w="2680550"/>
+                <a:gridCol w="1602632">
+                  <a:extLst>
+                    <a:ext uri="{9D8B030D-6E8A-4147-A177-3AD203B41FA5}">
+                      <a16:colId xmlns:a16="http://schemas.microsoft.com/office/drawing/2014/main" val="20000"/>
+                    </a:ext>
+                  </a:extLst>
+                </a:gridCol>
+                <a:gridCol w="2975952">
+                  <a:extLst>
+                    <a:ext uri="{9D8B030D-6E8A-4147-A177-3AD203B41FA5}">
+                      <a16:colId xmlns:a16="http://schemas.microsoft.com/office/drawing/2014/main" val="20001"/>
+                    </a:ext>
+                  </a:extLst>
+                </a:gridCol>
               </a:tblGrid>
               <a:tr h="271225">
                 <a:tc>
@@ -7578,6 +7686,14 @@
                         <a:buFont typeface="Arial"/>
                         <a:buNone/>
                       </a:pPr>
+                      <a:r>
+                        <a:rPr lang="en-US" altLang="ko-KR" sz="1500" b="0" u="none" strike="noStrike" cap="none" dirty="0" err="1" smtClean="0">
+                          <a:solidFill>
+                            <a:schemeClr val="dk1"/>
+                          </a:solidFill>
+                        </a:rPr>
+                        <a:t>kb_user_w_semiZoneCommReg</a:t>
+                      </a:r>
                       <a:endParaRPr sz="1500" b="0" u="none" strike="noStrike" cap="none" dirty="0">
                         <a:solidFill>
                           <a:schemeClr val="dk1"/>
@@ -7627,6 +7743,11 @@
                     </a:solidFill>
                   </a:tcPr>
                 </a:tc>
+                <a:extLst>
+                  <a:ext uri="{0D108BD9-81ED-4DB2-BD59-A6C34878D82A}">
+                    <a16:rowId xmlns:a16="http://schemas.microsoft.com/office/drawing/2014/main" val="10000"/>
+                  </a:ext>
+                </a:extLst>
               </a:tr>
               <a:tr h="271225">
                 <a:tc rowSpan="2">
@@ -7795,6 +7916,11 @@
                     </a:solidFill>
                   </a:tcPr>
                 </a:tc>
+                <a:extLst>
+                  <a:ext uri="{0D108BD9-81ED-4DB2-BD59-A6C34878D82A}">
+                    <a16:rowId xmlns:a16="http://schemas.microsoft.com/office/drawing/2014/main" val="10001"/>
+                  </a:ext>
+                </a:extLst>
               </a:tr>
               <a:tr h="271225">
                 <a:tc vMerge="1">
@@ -7878,6 +8004,11 @@
                     </a:solidFill>
                   </a:tcPr>
                 </a:tc>
+                <a:extLst>
+                  <a:ext uri="{0D108BD9-81ED-4DB2-BD59-A6C34878D82A}">
+                    <a16:rowId xmlns:a16="http://schemas.microsoft.com/office/drawing/2014/main" val="10002"/>
+                  </a:ext>
+                </a:extLst>
               </a:tr>
             </a:tbl>
           </a:graphicData>
@@ -7900,8 +8031,20 @@
                 <a:noFill/>
               </a:tblPr>
               <a:tblGrid>
-                <a:gridCol w="1407750"/>
-                <a:gridCol w="1407750"/>
+                <a:gridCol w="1407750">
+                  <a:extLst>
+                    <a:ext uri="{9D8B030D-6E8A-4147-A177-3AD203B41FA5}">
+                      <a16:colId xmlns:a16="http://schemas.microsoft.com/office/drawing/2014/main" val="20000"/>
+                    </a:ext>
+                  </a:extLst>
+                </a:gridCol>
+                <a:gridCol w="1407750">
+                  <a:extLst>
+                    <a:ext uri="{9D8B030D-6E8A-4147-A177-3AD203B41FA5}">
+                      <a16:colId xmlns:a16="http://schemas.microsoft.com/office/drawing/2014/main" val="20001"/>
+                    </a:ext>
+                  </a:extLst>
+                </a:gridCol>
               </a:tblGrid>
               <a:tr h="265075">
                 <a:tc>
@@ -8054,6 +8197,11 @@
                     </a:solidFill>
                   </a:tcPr>
                 </a:tc>
+                <a:extLst>
+                  <a:ext uri="{0D108BD9-81ED-4DB2-BD59-A6C34878D82A}">
+                    <a16:rowId xmlns:a16="http://schemas.microsoft.com/office/drawing/2014/main" val="10000"/>
+                  </a:ext>
+                </a:extLst>
               </a:tr>
             </a:tbl>
           </a:graphicData>
@@ -8076,8 +8224,20 @@
                 <a:noFill/>
               </a:tblPr>
               <a:tblGrid>
-                <a:gridCol w="1407750"/>
-                <a:gridCol w="1407750"/>
+                <a:gridCol w="1407750">
+                  <a:extLst>
+                    <a:ext uri="{9D8B030D-6E8A-4147-A177-3AD203B41FA5}">
+                      <a16:colId xmlns:a16="http://schemas.microsoft.com/office/drawing/2014/main" val="20000"/>
+                    </a:ext>
+                  </a:extLst>
+                </a:gridCol>
+                <a:gridCol w="1407750">
+                  <a:extLst>
+                    <a:ext uri="{9D8B030D-6E8A-4147-A177-3AD203B41FA5}">
+                      <a16:colId xmlns:a16="http://schemas.microsoft.com/office/drawing/2014/main" val="20001"/>
+                    </a:ext>
+                  </a:extLst>
+                </a:gridCol>
               </a:tblGrid>
               <a:tr h="265075">
                 <a:tc>
@@ -8230,6 +8390,11 @@
                     </a:solidFill>
                   </a:tcPr>
                 </a:tc>
+                <a:extLst>
+                  <a:ext uri="{0D108BD9-81ED-4DB2-BD59-A6C34878D82A}">
+                    <a16:rowId xmlns:a16="http://schemas.microsoft.com/office/drawing/2014/main" val="10000"/>
+                  </a:ext>
+                </a:extLst>
               </a:tr>
             </a:tbl>
           </a:graphicData>
@@ -8320,8 +8485,20 @@
                 <a:noFill/>
               </a:tblPr>
               <a:tblGrid>
-                <a:gridCol w="382900"/>
-                <a:gridCol w="3149100"/>
+                <a:gridCol w="382900">
+                  <a:extLst>
+                    <a:ext uri="{9D8B030D-6E8A-4147-A177-3AD203B41FA5}">
+                      <a16:colId xmlns:a16="http://schemas.microsoft.com/office/drawing/2014/main" val="20000"/>
+                    </a:ext>
+                  </a:extLst>
+                </a:gridCol>
+                <a:gridCol w="3149100">
+                  <a:extLst>
+                    <a:ext uri="{9D8B030D-6E8A-4147-A177-3AD203B41FA5}">
+                      <a16:colId xmlns:a16="http://schemas.microsoft.com/office/drawing/2014/main" val="20001"/>
+                    </a:ext>
+                  </a:extLst>
+                </a:gridCol>
               </a:tblGrid>
               <a:tr h="356150">
                 <a:tc>
@@ -8474,6 +8651,11 @@
                     </a:solidFill>
                   </a:tcPr>
                 </a:tc>
+                <a:extLst>
+                  <a:ext uri="{0D108BD9-81ED-4DB2-BD59-A6C34878D82A}">
+                    <a16:rowId xmlns:a16="http://schemas.microsoft.com/office/drawing/2014/main" val="10000"/>
+                  </a:ext>
+                </a:extLst>
               </a:tr>
               <a:tr h="972399">
                 <a:tc>
@@ -8626,6 +8808,11 @@
                     </a:solidFill>
                   </a:tcPr>
                 </a:tc>
+                <a:extLst>
+                  <a:ext uri="{0D108BD9-81ED-4DB2-BD59-A6C34878D82A}">
+                    <a16:rowId xmlns:a16="http://schemas.microsoft.com/office/drawing/2014/main" val="10001"/>
+                  </a:ext>
+                </a:extLst>
               </a:tr>
               <a:tr h="892175">
                 <a:tc>
@@ -8752,6 +8939,11 @@
                     </a:solidFill>
                   </a:tcPr>
                 </a:tc>
+                <a:extLst>
+                  <a:ext uri="{0D108BD9-81ED-4DB2-BD59-A6C34878D82A}">
+                    <a16:rowId xmlns:a16="http://schemas.microsoft.com/office/drawing/2014/main" val="10002"/>
+                  </a:ext>
+                </a:extLst>
               </a:tr>
             </a:tbl>
           </a:graphicData>
@@ -9295,7 +9487,7 @@
           <p:nvPr>
             <p:extLst>
               <p:ext uri="{D42A27DB-BD31-4B8C-83A1-F6EECF244321}">
-                <p14:modId xmlns:p14="http://schemas.microsoft.com/office/powerpoint/2010/main" val="20448768"/>
+                <p14:modId xmlns:p14="http://schemas.microsoft.com/office/powerpoint/2010/main" val="1304866046"/>
               </p:ext>
             </p:extLst>
           </p:nvPr>
@@ -9311,8 +9503,20 @@
                 <a:noFill/>
               </a:tblPr>
               <a:tblGrid>
-                <a:gridCol w="1443550"/>
-                <a:gridCol w="2680550"/>
+                <a:gridCol w="1443550">
+                  <a:extLst>
+                    <a:ext uri="{9D8B030D-6E8A-4147-A177-3AD203B41FA5}">
+                      <a16:colId xmlns:a16="http://schemas.microsoft.com/office/drawing/2014/main" val="20000"/>
+                    </a:ext>
+                  </a:extLst>
+                </a:gridCol>
+                <a:gridCol w="2680550">
+                  <a:extLst>
+                    <a:ext uri="{9D8B030D-6E8A-4147-A177-3AD203B41FA5}">
+                      <a16:colId xmlns:a16="http://schemas.microsoft.com/office/drawing/2014/main" val="20001"/>
+                    </a:ext>
+                  </a:extLst>
+                </a:gridCol>
               </a:tblGrid>
               <a:tr h="271225">
                 <a:tc>
@@ -9416,6 +9620,14 @@
                         <a:buFont typeface="Arial"/>
                         <a:buNone/>
                       </a:pPr>
+                      <a:r>
+                        <a:rPr lang="en-US" altLang="ko-KR" sz="1500" b="0" u="none" strike="noStrike" cap="none" dirty="0" err="1" smtClean="0">
+                          <a:solidFill>
+                            <a:schemeClr val="dk1"/>
+                          </a:solidFill>
+                        </a:rPr>
+                        <a:t>kb_user_m_semiZoneComm</a:t>
+                      </a:r>
                       <a:endParaRPr sz="1500" b="0" u="none" strike="noStrike" cap="none" dirty="0">
                         <a:solidFill>
                           <a:schemeClr val="dk1"/>
@@ -9465,6 +9677,11 @@
                     </a:solidFill>
                   </a:tcPr>
                 </a:tc>
+                <a:extLst>
+                  <a:ext uri="{0D108BD9-81ED-4DB2-BD59-A6C34878D82A}">
+                    <a16:rowId xmlns:a16="http://schemas.microsoft.com/office/drawing/2014/main" val="10000"/>
+                  </a:ext>
+                </a:extLst>
               </a:tr>
               <a:tr h="271225">
                 <a:tc rowSpan="2">
@@ -9633,6 +9850,11 @@
                     </a:solidFill>
                   </a:tcPr>
                 </a:tc>
+                <a:extLst>
+                  <a:ext uri="{0D108BD9-81ED-4DB2-BD59-A6C34878D82A}">
+                    <a16:rowId xmlns:a16="http://schemas.microsoft.com/office/drawing/2014/main" val="10001"/>
+                  </a:ext>
+                </a:extLst>
               </a:tr>
               <a:tr h="271225">
                 <a:tc vMerge="1">
@@ -9716,6 +9938,11 @@
                     </a:solidFill>
                   </a:tcPr>
                 </a:tc>
+                <a:extLst>
+                  <a:ext uri="{0D108BD9-81ED-4DB2-BD59-A6C34878D82A}">
+                    <a16:rowId xmlns:a16="http://schemas.microsoft.com/office/drawing/2014/main" val="10002"/>
+                  </a:ext>
+                </a:extLst>
               </a:tr>
             </a:tbl>
           </a:graphicData>
@@ -9738,8 +9965,20 @@
                 <a:noFill/>
               </a:tblPr>
               <a:tblGrid>
-                <a:gridCol w="1407750"/>
-                <a:gridCol w="1407750"/>
+                <a:gridCol w="1407750">
+                  <a:extLst>
+                    <a:ext uri="{9D8B030D-6E8A-4147-A177-3AD203B41FA5}">
+                      <a16:colId xmlns:a16="http://schemas.microsoft.com/office/drawing/2014/main" val="20000"/>
+                    </a:ext>
+                  </a:extLst>
+                </a:gridCol>
+                <a:gridCol w="1407750">
+                  <a:extLst>
+                    <a:ext uri="{9D8B030D-6E8A-4147-A177-3AD203B41FA5}">
+                      <a16:colId xmlns:a16="http://schemas.microsoft.com/office/drawing/2014/main" val="20001"/>
+                    </a:ext>
+                  </a:extLst>
+                </a:gridCol>
               </a:tblGrid>
               <a:tr h="265075">
                 <a:tc>
@@ -9892,6 +10131,11 @@
                     </a:solidFill>
                   </a:tcPr>
                 </a:tc>
+                <a:extLst>
+                  <a:ext uri="{0D108BD9-81ED-4DB2-BD59-A6C34878D82A}">
+                    <a16:rowId xmlns:a16="http://schemas.microsoft.com/office/drawing/2014/main" val="10000"/>
+                  </a:ext>
+                </a:extLst>
               </a:tr>
             </a:tbl>
           </a:graphicData>
@@ -9914,8 +10158,20 @@
                 <a:noFill/>
               </a:tblPr>
               <a:tblGrid>
-                <a:gridCol w="1407750"/>
-                <a:gridCol w="1407750"/>
+                <a:gridCol w="1407750">
+                  <a:extLst>
+                    <a:ext uri="{9D8B030D-6E8A-4147-A177-3AD203B41FA5}">
+                      <a16:colId xmlns:a16="http://schemas.microsoft.com/office/drawing/2014/main" val="20000"/>
+                    </a:ext>
+                  </a:extLst>
+                </a:gridCol>
+                <a:gridCol w="1407750">
+                  <a:extLst>
+                    <a:ext uri="{9D8B030D-6E8A-4147-A177-3AD203B41FA5}">
+                      <a16:colId xmlns:a16="http://schemas.microsoft.com/office/drawing/2014/main" val="20001"/>
+                    </a:ext>
+                  </a:extLst>
+                </a:gridCol>
               </a:tblGrid>
               <a:tr h="265075">
                 <a:tc>
@@ -10068,6 +10324,11 @@
                     </a:solidFill>
                   </a:tcPr>
                 </a:tc>
+                <a:extLst>
+                  <a:ext uri="{0D108BD9-81ED-4DB2-BD59-A6C34878D82A}">
+                    <a16:rowId xmlns:a16="http://schemas.microsoft.com/office/drawing/2014/main" val="10000"/>
+                  </a:ext>
+                </a:extLst>
               </a:tr>
             </a:tbl>
           </a:graphicData>
@@ -10158,8 +10419,20 @@
                 <a:noFill/>
               </a:tblPr>
               <a:tblGrid>
-                <a:gridCol w="382900"/>
-                <a:gridCol w="3149100"/>
+                <a:gridCol w="382900">
+                  <a:extLst>
+                    <a:ext uri="{9D8B030D-6E8A-4147-A177-3AD203B41FA5}">
+                      <a16:colId xmlns:a16="http://schemas.microsoft.com/office/drawing/2014/main" val="20000"/>
+                    </a:ext>
+                  </a:extLst>
+                </a:gridCol>
+                <a:gridCol w="3149100">
+                  <a:extLst>
+                    <a:ext uri="{9D8B030D-6E8A-4147-A177-3AD203B41FA5}">
+                      <a16:colId xmlns:a16="http://schemas.microsoft.com/office/drawing/2014/main" val="20001"/>
+                    </a:ext>
+                  </a:extLst>
+                </a:gridCol>
               </a:tblGrid>
               <a:tr h="356150">
                 <a:tc>
@@ -10312,6 +10585,11 @@
                     </a:solidFill>
                   </a:tcPr>
                 </a:tc>
+                <a:extLst>
+                  <a:ext uri="{0D108BD9-81ED-4DB2-BD59-A6C34878D82A}">
+                    <a16:rowId xmlns:a16="http://schemas.microsoft.com/office/drawing/2014/main" val="10000"/>
+                  </a:ext>
+                </a:extLst>
               </a:tr>
               <a:tr h="972399">
                 <a:tc>
@@ -10464,6 +10742,11 @@
                     </a:solidFill>
                   </a:tcPr>
                 </a:tc>
+                <a:extLst>
+                  <a:ext uri="{0D108BD9-81ED-4DB2-BD59-A6C34878D82A}">
+                    <a16:rowId xmlns:a16="http://schemas.microsoft.com/office/drawing/2014/main" val="10001"/>
+                  </a:ext>
+                </a:extLst>
               </a:tr>
               <a:tr h="892175">
                 <a:tc>
@@ -10590,6 +10873,11 @@
                     </a:solidFill>
                   </a:tcPr>
                 </a:tc>
+                <a:extLst>
+                  <a:ext uri="{0D108BD9-81ED-4DB2-BD59-A6C34878D82A}">
+                    <a16:rowId xmlns:a16="http://schemas.microsoft.com/office/drawing/2014/main" val="10002"/>
+                  </a:ext>
+                </a:extLst>
               </a:tr>
             </a:tbl>
           </a:graphicData>
@@ -11133,14 +11421,14 @@
           <p:nvPr>
             <p:extLst>
               <p:ext uri="{D42A27DB-BD31-4B8C-83A1-F6EECF244321}">
-                <p14:modId xmlns:p14="http://schemas.microsoft.com/office/powerpoint/2010/main" val="1061555176"/>
+                <p14:modId xmlns:p14="http://schemas.microsoft.com/office/powerpoint/2010/main" val="3527076876"/>
               </p:ext>
             </p:extLst>
           </p:nvPr>
         </p:nvGraphicFramePr>
         <p:xfrm>
-          <a:off x="239601" y="148363"/>
-          <a:ext cx="4124100" cy="960150"/>
+          <a:off x="239600" y="148363"/>
+          <a:ext cx="4569791" cy="960150"/>
         </p:xfrm>
         <a:graphic>
           <a:graphicData uri="http://schemas.openxmlformats.org/drawingml/2006/table">
@@ -11149,8 +11437,20 @@
                 <a:noFill/>
               </a:tblPr>
               <a:tblGrid>
-                <a:gridCol w="1443550"/>
-                <a:gridCol w="2680550"/>
+                <a:gridCol w="1395769">
+                  <a:extLst>
+                    <a:ext uri="{9D8B030D-6E8A-4147-A177-3AD203B41FA5}">
+                      <a16:colId xmlns:a16="http://schemas.microsoft.com/office/drawing/2014/main" val="20000"/>
+                    </a:ext>
+                  </a:extLst>
+                </a:gridCol>
+                <a:gridCol w="3174022">
+                  <a:extLst>
+                    <a:ext uri="{9D8B030D-6E8A-4147-A177-3AD203B41FA5}">
+                      <a16:colId xmlns:a16="http://schemas.microsoft.com/office/drawing/2014/main" val="20001"/>
+                    </a:ext>
+                  </a:extLst>
+                </a:gridCol>
               </a:tblGrid>
               <a:tr h="271225">
                 <a:tc>
@@ -11254,6 +11554,14 @@
                         <a:buFont typeface="Arial"/>
                         <a:buNone/>
                       </a:pPr>
+                      <a:r>
+                        <a:rPr lang="en-US" altLang="ko-KR" sz="1500" b="0" u="none" strike="noStrike" cap="none" dirty="0" err="1" smtClean="0">
+                          <a:solidFill>
+                            <a:schemeClr val="dk1"/>
+                          </a:solidFill>
+                        </a:rPr>
+                        <a:t>kb_user_m_semiZoneCommReg</a:t>
+                      </a:r>
                       <a:endParaRPr sz="1500" b="0" u="none" strike="noStrike" cap="none" dirty="0">
                         <a:solidFill>
                           <a:schemeClr val="dk1"/>
@@ -11303,6 +11611,11 @@
                     </a:solidFill>
                   </a:tcPr>
                 </a:tc>
+                <a:extLst>
+                  <a:ext uri="{0D108BD9-81ED-4DB2-BD59-A6C34878D82A}">
+                    <a16:rowId xmlns:a16="http://schemas.microsoft.com/office/drawing/2014/main" val="10000"/>
+                  </a:ext>
+                </a:extLst>
               </a:tr>
               <a:tr h="271225">
                 <a:tc rowSpan="2">
@@ -11471,6 +11784,11 @@
                     </a:solidFill>
                   </a:tcPr>
                 </a:tc>
+                <a:extLst>
+                  <a:ext uri="{0D108BD9-81ED-4DB2-BD59-A6C34878D82A}">
+                    <a16:rowId xmlns:a16="http://schemas.microsoft.com/office/drawing/2014/main" val="10001"/>
+                  </a:ext>
+                </a:extLst>
               </a:tr>
               <a:tr h="271225">
                 <a:tc vMerge="1">
@@ -11554,6 +11872,11 @@
                     </a:solidFill>
                   </a:tcPr>
                 </a:tc>
+                <a:extLst>
+                  <a:ext uri="{0D108BD9-81ED-4DB2-BD59-A6C34878D82A}">
+                    <a16:rowId xmlns:a16="http://schemas.microsoft.com/office/drawing/2014/main" val="10002"/>
+                  </a:ext>
+                </a:extLst>
               </a:tr>
             </a:tbl>
           </a:graphicData>
@@ -11576,8 +11899,20 @@
                 <a:noFill/>
               </a:tblPr>
               <a:tblGrid>
-                <a:gridCol w="1407750"/>
-                <a:gridCol w="1407750"/>
+                <a:gridCol w="1407750">
+                  <a:extLst>
+                    <a:ext uri="{9D8B030D-6E8A-4147-A177-3AD203B41FA5}">
+                      <a16:colId xmlns:a16="http://schemas.microsoft.com/office/drawing/2014/main" val="20000"/>
+                    </a:ext>
+                  </a:extLst>
+                </a:gridCol>
+                <a:gridCol w="1407750">
+                  <a:extLst>
+                    <a:ext uri="{9D8B030D-6E8A-4147-A177-3AD203B41FA5}">
+                      <a16:colId xmlns:a16="http://schemas.microsoft.com/office/drawing/2014/main" val="20001"/>
+                    </a:ext>
+                  </a:extLst>
+                </a:gridCol>
               </a:tblGrid>
               <a:tr h="265075">
                 <a:tc>
@@ -11730,6 +12065,11 @@
                     </a:solidFill>
                   </a:tcPr>
                 </a:tc>
+                <a:extLst>
+                  <a:ext uri="{0D108BD9-81ED-4DB2-BD59-A6C34878D82A}">
+                    <a16:rowId xmlns:a16="http://schemas.microsoft.com/office/drawing/2014/main" val="10000"/>
+                  </a:ext>
+                </a:extLst>
               </a:tr>
             </a:tbl>
           </a:graphicData>
@@ -11752,8 +12092,20 @@
                 <a:noFill/>
               </a:tblPr>
               <a:tblGrid>
-                <a:gridCol w="1407750"/>
-                <a:gridCol w="1407750"/>
+                <a:gridCol w="1407750">
+                  <a:extLst>
+                    <a:ext uri="{9D8B030D-6E8A-4147-A177-3AD203B41FA5}">
+                      <a16:colId xmlns:a16="http://schemas.microsoft.com/office/drawing/2014/main" val="20000"/>
+                    </a:ext>
+                  </a:extLst>
+                </a:gridCol>
+                <a:gridCol w="1407750">
+                  <a:extLst>
+                    <a:ext uri="{9D8B030D-6E8A-4147-A177-3AD203B41FA5}">
+                      <a16:colId xmlns:a16="http://schemas.microsoft.com/office/drawing/2014/main" val="20001"/>
+                    </a:ext>
+                  </a:extLst>
+                </a:gridCol>
               </a:tblGrid>
               <a:tr h="265075">
                 <a:tc>
@@ -11906,6 +12258,11 @@
                     </a:solidFill>
                   </a:tcPr>
                 </a:tc>
+                <a:extLst>
+                  <a:ext uri="{0D108BD9-81ED-4DB2-BD59-A6C34878D82A}">
+                    <a16:rowId xmlns:a16="http://schemas.microsoft.com/office/drawing/2014/main" val="10000"/>
+                  </a:ext>
+                </a:extLst>
               </a:tr>
             </a:tbl>
           </a:graphicData>
@@ -11996,8 +12353,20 @@
                 <a:noFill/>
               </a:tblPr>
               <a:tblGrid>
-                <a:gridCol w="382900"/>
-                <a:gridCol w="3149100"/>
+                <a:gridCol w="382900">
+                  <a:extLst>
+                    <a:ext uri="{9D8B030D-6E8A-4147-A177-3AD203B41FA5}">
+                      <a16:colId xmlns:a16="http://schemas.microsoft.com/office/drawing/2014/main" val="20000"/>
+                    </a:ext>
+                  </a:extLst>
+                </a:gridCol>
+                <a:gridCol w="3149100">
+                  <a:extLst>
+                    <a:ext uri="{9D8B030D-6E8A-4147-A177-3AD203B41FA5}">
+                      <a16:colId xmlns:a16="http://schemas.microsoft.com/office/drawing/2014/main" val="20001"/>
+                    </a:ext>
+                  </a:extLst>
+                </a:gridCol>
               </a:tblGrid>
               <a:tr h="356150">
                 <a:tc>
@@ -12150,6 +12519,11 @@
                     </a:solidFill>
                   </a:tcPr>
                 </a:tc>
+                <a:extLst>
+                  <a:ext uri="{0D108BD9-81ED-4DB2-BD59-A6C34878D82A}">
+                    <a16:rowId xmlns:a16="http://schemas.microsoft.com/office/drawing/2014/main" val="10000"/>
+                  </a:ext>
+                </a:extLst>
               </a:tr>
               <a:tr h="972399">
                 <a:tc>
@@ -12302,6 +12676,11 @@
                     </a:solidFill>
                   </a:tcPr>
                 </a:tc>
+                <a:extLst>
+                  <a:ext uri="{0D108BD9-81ED-4DB2-BD59-A6C34878D82A}">
+                    <a16:rowId xmlns:a16="http://schemas.microsoft.com/office/drawing/2014/main" val="10001"/>
+                  </a:ext>
+                </a:extLst>
               </a:tr>
               <a:tr h="892175">
                 <a:tc>
@@ -12428,6 +12807,11 @@
                     </a:solidFill>
                   </a:tcPr>
                 </a:tc>
+                <a:extLst>
+                  <a:ext uri="{0D108BD9-81ED-4DB2-BD59-A6C34878D82A}">
+                    <a16:rowId xmlns:a16="http://schemas.microsoft.com/office/drawing/2014/main" val="10002"/>
+                  </a:ext>
+                </a:extLst>
               </a:tr>
             </a:tbl>
           </a:graphicData>
@@ -12909,7 +13293,7 @@
           <p:nvPr>
             <p:extLst>
               <p:ext uri="{D42A27DB-BD31-4B8C-83A1-F6EECF244321}">
-                <p14:modId xmlns:p14="http://schemas.microsoft.com/office/powerpoint/2010/main" val="213038554"/>
+                <p14:modId xmlns:p14="http://schemas.microsoft.com/office/powerpoint/2010/main" val="836608184"/>
               </p:ext>
             </p:extLst>
           </p:nvPr>
@@ -12928,14 +13312,14 @@
                 <a:gridCol w="1443550">
                   <a:extLst>
                     <a:ext uri="{9D8B030D-6E8A-4147-A177-3AD203B41FA5}">
-                      <a16:colId xmlns="" xmlns:a16="http://schemas.microsoft.com/office/drawing/2014/main" val="20000"/>
+                      <a16:colId xmlns:a16="http://schemas.microsoft.com/office/drawing/2014/main" val="20000"/>
                     </a:ext>
                   </a:extLst>
                 </a:gridCol>
                 <a:gridCol w="2680550">
                   <a:extLst>
                     <a:ext uri="{9D8B030D-6E8A-4147-A177-3AD203B41FA5}">
-                      <a16:colId xmlns="" xmlns:a16="http://schemas.microsoft.com/office/drawing/2014/main" val="20001"/>
+                      <a16:colId xmlns:a16="http://schemas.microsoft.com/office/drawing/2014/main" val="20001"/>
                     </a:ext>
                   </a:extLst>
                 </a:gridCol>
@@ -13042,6 +13426,14 @@
                         <a:buFont typeface="Arial"/>
                         <a:buNone/>
                       </a:pPr>
+                      <a:r>
+                        <a:rPr lang="en-US" altLang="ko-KR" sz="1500" b="0" u="none" strike="noStrike" cap="none" dirty="0" err="1" smtClean="0">
+                          <a:solidFill>
+                            <a:schemeClr val="dk1"/>
+                          </a:solidFill>
+                        </a:rPr>
+                        <a:t>kb_admin_carousel</a:t>
+                      </a:r>
                       <a:endParaRPr lang="en-US" altLang="ko-KR" sz="1500" b="0" u="none" strike="noStrike" cap="none" dirty="0">
                         <a:solidFill>
                           <a:schemeClr val="dk1"/>
@@ -13093,7 +13485,7 @@
                 </a:tc>
                 <a:extLst>
                   <a:ext uri="{0D108BD9-81ED-4DB2-BD59-A6C34878D82A}">
-                    <a16:rowId xmlns="" xmlns:a16="http://schemas.microsoft.com/office/drawing/2014/main" val="10000"/>
+                    <a16:rowId xmlns:a16="http://schemas.microsoft.com/office/drawing/2014/main" val="10000"/>
                   </a:ext>
                 </a:extLst>
               </a:tr>
@@ -13261,7 +13653,7 @@
                 </a:tc>
                 <a:extLst>
                   <a:ext uri="{0D108BD9-81ED-4DB2-BD59-A6C34878D82A}">
-                    <a16:rowId xmlns="" xmlns:a16="http://schemas.microsoft.com/office/drawing/2014/main" val="10001"/>
+                    <a16:rowId xmlns:a16="http://schemas.microsoft.com/office/drawing/2014/main" val="10001"/>
                   </a:ext>
                 </a:extLst>
               </a:tr>
@@ -13349,7 +13741,7 @@
                 </a:tc>
                 <a:extLst>
                   <a:ext uri="{0D108BD9-81ED-4DB2-BD59-A6C34878D82A}">
-                    <a16:rowId xmlns="" xmlns:a16="http://schemas.microsoft.com/office/drawing/2014/main" val="10002"/>
+                    <a16:rowId xmlns:a16="http://schemas.microsoft.com/office/drawing/2014/main" val="10002"/>
                   </a:ext>
                 </a:extLst>
               </a:tr>
@@ -13377,14 +13769,14 @@
                 <a:gridCol w="1407750">
                   <a:extLst>
                     <a:ext uri="{9D8B030D-6E8A-4147-A177-3AD203B41FA5}">
-                      <a16:colId xmlns="" xmlns:a16="http://schemas.microsoft.com/office/drawing/2014/main" val="20000"/>
+                      <a16:colId xmlns:a16="http://schemas.microsoft.com/office/drawing/2014/main" val="20000"/>
                     </a:ext>
                   </a:extLst>
                 </a:gridCol>
                 <a:gridCol w="1407750">
                   <a:extLst>
                     <a:ext uri="{9D8B030D-6E8A-4147-A177-3AD203B41FA5}">
-                      <a16:colId xmlns="" xmlns:a16="http://schemas.microsoft.com/office/drawing/2014/main" val="20001"/>
+                      <a16:colId xmlns:a16="http://schemas.microsoft.com/office/drawing/2014/main" val="20001"/>
                     </a:ext>
                   </a:extLst>
                 </a:gridCol>
@@ -13542,7 +13934,7 @@
                 </a:tc>
                 <a:extLst>
                   <a:ext uri="{0D108BD9-81ED-4DB2-BD59-A6C34878D82A}">
-                    <a16:rowId xmlns="" xmlns:a16="http://schemas.microsoft.com/office/drawing/2014/main" val="10000"/>
+                    <a16:rowId xmlns:a16="http://schemas.microsoft.com/office/drawing/2014/main" val="10000"/>
                   </a:ext>
                 </a:extLst>
               </a:tr>
@@ -13570,14 +13962,14 @@
                 <a:gridCol w="1407750">
                   <a:extLst>
                     <a:ext uri="{9D8B030D-6E8A-4147-A177-3AD203B41FA5}">
-                      <a16:colId xmlns="" xmlns:a16="http://schemas.microsoft.com/office/drawing/2014/main" val="20000"/>
+                      <a16:colId xmlns:a16="http://schemas.microsoft.com/office/drawing/2014/main" val="20000"/>
                     </a:ext>
                   </a:extLst>
                 </a:gridCol>
                 <a:gridCol w="1407750">
                   <a:extLst>
                     <a:ext uri="{9D8B030D-6E8A-4147-A177-3AD203B41FA5}">
-                      <a16:colId xmlns="" xmlns:a16="http://schemas.microsoft.com/office/drawing/2014/main" val="20001"/>
+                      <a16:colId xmlns:a16="http://schemas.microsoft.com/office/drawing/2014/main" val="20001"/>
                     </a:ext>
                   </a:extLst>
                 </a:gridCol>
@@ -13735,7 +14127,7 @@
                 </a:tc>
                 <a:extLst>
                   <a:ext uri="{0D108BD9-81ED-4DB2-BD59-A6C34878D82A}">
-                    <a16:rowId xmlns="" xmlns:a16="http://schemas.microsoft.com/office/drawing/2014/main" val="10000"/>
+                    <a16:rowId xmlns:a16="http://schemas.microsoft.com/office/drawing/2014/main" val="10000"/>
                   </a:ext>
                 </a:extLst>
               </a:tr>
@@ -13765,14 +14157,14 @@
                 <a:gridCol w="382900">
                   <a:extLst>
                     <a:ext uri="{9D8B030D-6E8A-4147-A177-3AD203B41FA5}">
-                      <a16:colId xmlns="" xmlns:a16="http://schemas.microsoft.com/office/drawing/2014/main" val="20000"/>
+                      <a16:colId xmlns:a16="http://schemas.microsoft.com/office/drawing/2014/main" val="20000"/>
                     </a:ext>
                   </a:extLst>
                 </a:gridCol>
                 <a:gridCol w="3149100">
                   <a:extLst>
                     <a:ext uri="{9D8B030D-6E8A-4147-A177-3AD203B41FA5}">
-                      <a16:colId xmlns="" xmlns:a16="http://schemas.microsoft.com/office/drawing/2014/main" val="20001"/>
+                      <a16:colId xmlns:a16="http://schemas.microsoft.com/office/drawing/2014/main" val="20001"/>
                     </a:ext>
                   </a:extLst>
                 </a:gridCol>
@@ -13930,7 +14322,7 @@
                 </a:tc>
                 <a:extLst>
                   <a:ext uri="{0D108BD9-81ED-4DB2-BD59-A6C34878D82A}">
-                    <a16:rowId xmlns="" xmlns:a16="http://schemas.microsoft.com/office/drawing/2014/main" val="10000"/>
+                    <a16:rowId xmlns:a16="http://schemas.microsoft.com/office/drawing/2014/main" val="10000"/>
                   </a:ext>
                 </a:extLst>
               </a:tr>
@@ -14078,7 +14470,7 @@
                 </a:tc>
                 <a:extLst>
                   <a:ext uri="{0D108BD9-81ED-4DB2-BD59-A6C34878D82A}">
-                    <a16:rowId xmlns="" xmlns:a16="http://schemas.microsoft.com/office/drawing/2014/main" val="10001"/>
+                    <a16:rowId xmlns:a16="http://schemas.microsoft.com/office/drawing/2014/main" val="10001"/>
                   </a:ext>
                 </a:extLst>
               </a:tr>
@@ -14229,7 +14621,7 @@
                 </a:tc>
                 <a:extLst>
                   <a:ext uri="{0D108BD9-81ED-4DB2-BD59-A6C34878D82A}">
-                    <a16:rowId xmlns="" xmlns:a16="http://schemas.microsoft.com/office/drawing/2014/main" val="10002"/>
+                    <a16:rowId xmlns:a16="http://schemas.microsoft.com/office/drawing/2014/main" val="10002"/>
                   </a:ext>
                 </a:extLst>
               </a:tr>
@@ -14382,7 +14774,7 @@
                 </a:tc>
                 <a:extLst>
                   <a:ext uri="{0D108BD9-81ED-4DB2-BD59-A6C34878D82A}">
-                    <a16:rowId xmlns="" xmlns:a16="http://schemas.microsoft.com/office/drawing/2014/main" val="10003"/>
+                    <a16:rowId xmlns:a16="http://schemas.microsoft.com/office/drawing/2014/main" val="10003"/>
                   </a:ext>
                 </a:extLst>
               </a:tr>
@@ -14534,7 +14926,7 @@
                 </a:tc>
                 <a:extLst>
                   <a:ext uri="{0D108BD9-81ED-4DB2-BD59-A6C34878D82A}">
-                    <a16:rowId xmlns="" xmlns:a16="http://schemas.microsoft.com/office/drawing/2014/main" val="10004"/>
+                    <a16:rowId xmlns:a16="http://schemas.microsoft.com/office/drawing/2014/main" val="10004"/>
                   </a:ext>
                 </a:extLst>
               </a:tr>
@@ -14693,7 +15085,7 @@
                 </a:tc>
                 <a:extLst>
                   <a:ext uri="{0D108BD9-81ED-4DB2-BD59-A6C34878D82A}">
-                    <a16:rowId xmlns="" xmlns:a16="http://schemas.microsoft.com/office/drawing/2014/main" val="10005"/>
+                    <a16:rowId xmlns:a16="http://schemas.microsoft.com/office/drawing/2014/main" val="10005"/>
                   </a:ext>
                 </a:extLst>
               </a:tr>
@@ -14824,7 +15216,7 @@
                 </a:tc>
                 <a:extLst>
                   <a:ext uri="{0D108BD9-81ED-4DB2-BD59-A6C34878D82A}">
-                    <a16:rowId xmlns="" xmlns:a16="http://schemas.microsoft.com/office/drawing/2014/main" val="10006"/>
+                    <a16:rowId xmlns:a16="http://schemas.microsoft.com/office/drawing/2014/main" val="10006"/>
                   </a:ext>
                 </a:extLst>
               </a:tr>
@@ -14965,7 +15357,7 @@
                 </a:tc>
                 <a:extLst>
                   <a:ext uri="{0D108BD9-81ED-4DB2-BD59-A6C34878D82A}">
-                    <a16:rowId xmlns="" xmlns:a16="http://schemas.microsoft.com/office/drawing/2014/main" val="10007"/>
+                    <a16:rowId xmlns:a16="http://schemas.microsoft.com/office/drawing/2014/main" val="10007"/>
                   </a:ext>
                 </a:extLst>
               </a:tr>
@@ -17692,7 +18084,7 @@
           <p:nvPr>
             <p:extLst>
               <p:ext uri="{D42A27DB-BD31-4B8C-83A1-F6EECF244321}">
-                <p14:modId xmlns:p14="http://schemas.microsoft.com/office/powerpoint/2010/main" val="4116852662"/>
+                <p14:modId xmlns:p14="http://schemas.microsoft.com/office/powerpoint/2010/main" val="3272180727"/>
               </p:ext>
             </p:extLst>
           </p:nvPr>
@@ -17708,8 +18100,20 @@
                 <a:noFill/>
               </a:tblPr>
               <a:tblGrid>
-                <a:gridCol w="1443550"/>
-                <a:gridCol w="2680550"/>
+                <a:gridCol w="1443550">
+                  <a:extLst>
+                    <a:ext uri="{9D8B030D-6E8A-4147-A177-3AD203B41FA5}">
+                      <a16:colId xmlns:a16="http://schemas.microsoft.com/office/drawing/2014/main" val="20000"/>
+                    </a:ext>
+                  </a:extLst>
+                </a:gridCol>
+                <a:gridCol w="2680550">
+                  <a:extLst>
+                    <a:ext uri="{9D8B030D-6E8A-4147-A177-3AD203B41FA5}">
+                      <a16:colId xmlns:a16="http://schemas.microsoft.com/office/drawing/2014/main" val="20001"/>
+                    </a:ext>
+                  </a:extLst>
+                </a:gridCol>
               </a:tblGrid>
               <a:tr h="271225">
                 <a:tc>
@@ -17813,6 +18217,14 @@
                         <a:buFont typeface="Arial"/>
                         <a:buNone/>
                       </a:pPr>
+                      <a:r>
+                        <a:rPr lang="en-US" altLang="ko-KR" sz="1500" b="0" u="none" strike="noStrike" cap="none" dirty="0" err="1" smtClean="0">
+                          <a:solidFill>
+                            <a:schemeClr val="dk1"/>
+                          </a:solidFill>
+                        </a:rPr>
+                        <a:t>kb_admin_member</a:t>
+                      </a:r>
                       <a:endParaRPr sz="1500" b="0" u="none" strike="noStrike" cap="none" dirty="0">
                         <a:solidFill>
                           <a:schemeClr val="dk1"/>
@@ -17862,6 +18274,11 @@
                     </a:solidFill>
                   </a:tcPr>
                 </a:tc>
+                <a:extLst>
+                  <a:ext uri="{0D108BD9-81ED-4DB2-BD59-A6C34878D82A}">
+                    <a16:rowId xmlns:a16="http://schemas.microsoft.com/office/drawing/2014/main" val="10000"/>
+                  </a:ext>
+                </a:extLst>
               </a:tr>
               <a:tr h="271225">
                 <a:tc rowSpan="2">
@@ -18022,6 +18439,11 @@
                     </a:solidFill>
                   </a:tcPr>
                 </a:tc>
+                <a:extLst>
+                  <a:ext uri="{0D108BD9-81ED-4DB2-BD59-A6C34878D82A}">
+                    <a16:rowId xmlns:a16="http://schemas.microsoft.com/office/drawing/2014/main" val="10001"/>
+                  </a:ext>
+                </a:extLst>
               </a:tr>
               <a:tr h="271225">
                 <a:tc vMerge="1">
@@ -18105,6 +18527,11 @@
                     </a:solidFill>
                   </a:tcPr>
                 </a:tc>
+                <a:extLst>
+                  <a:ext uri="{0D108BD9-81ED-4DB2-BD59-A6C34878D82A}">
+                    <a16:rowId xmlns:a16="http://schemas.microsoft.com/office/drawing/2014/main" val="10002"/>
+                  </a:ext>
+                </a:extLst>
               </a:tr>
             </a:tbl>
           </a:graphicData>
@@ -18127,8 +18554,20 @@
                 <a:noFill/>
               </a:tblPr>
               <a:tblGrid>
-                <a:gridCol w="1407750"/>
-                <a:gridCol w="1407750"/>
+                <a:gridCol w="1407750">
+                  <a:extLst>
+                    <a:ext uri="{9D8B030D-6E8A-4147-A177-3AD203B41FA5}">
+                      <a16:colId xmlns:a16="http://schemas.microsoft.com/office/drawing/2014/main" val="20000"/>
+                    </a:ext>
+                  </a:extLst>
+                </a:gridCol>
+                <a:gridCol w="1407750">
+                  <a:extLst>
+                    <a:ext uri="{9D8B030D-6E8A-4147-A177-3AD203B41FA5}">
+                      <a16:colId xmlns:a16="http://schemas.microsoft.com/office/drawing/2014/main" val="20001"/>
+                    </a:ext>
+                  </a:extLst>
+                </a:gridCol>
               </a:tblGrid>
               <a:tr h="265075">
                 <a:tc>
@@ -18281,6 +18720,11 @@
                     </a:solidFill>
                   </a:tcPr>
                 </a:tc>
+                <a:extLst>
+                  <a:ext uri="{0D108BD9-81ED-4DB2-BD59-A6C34878D82A}">
+                    <a16:rowId xmlns:a16="http://schemas.microsoft.com/office/drawing/2014/main" val="10000"/>
+                  </a:ext>
+                </a:extLst>
               </a:tr>
             </a:tbl>
           </a:graphicData>
@@ -18303,8 +18747,20 @@
                 <a:noFill/>
               </a:tblPr>
               <a:tblGrid>
-                <a:gridCol w="1407750"/>
-                <a:gridCol w="1407750"/>
+                <a:gridCol w="1407750">
+                  <a:extLst>
+                    <a:ext uri="{9D8B030D-6E8A-4147-A177-3AD203B41FA5}">
+                      <a16:colId xmlns:a16="http://schemas.microsoft.com/office/drawing/2014/main" val="20000"/>
+                    </a:ext>
+                  </a:extLst>
+                </a:gridCol>
+                <a:gridCol w="1407750">
+                  <a:extLst>
+                    <a:ext uri="{9D8B030D-6E8A-4147-A177-3AD203B41FA5}">
+                      <a16:colId xmlns:a16="http://schemas.microsoft.com/office/drawing/2014/main" val="20001"/>
+                    </a:ext>
+                  </a:extLst>
+                </a:gridCol>
               </a:tblGrid>
               <a:tr h="265075">
                 <a:tc>
@@ -18457,6 +18913,11 @@
                     </a:solidFill>
                   </a:tcPr>
                 </a:tc>
+                <a:extLst>
+                  <a:ext uri="{0D108BD9-81ED-4DB2-BD59-A6C34878D82A}">
+                    <a16:rowId xmlns:a16="http://schemas.microsoft.com/office/drawing/2014/main" val="10000"/>
+                  </a:ext>
+                </a:extLst>
               </a:tr>
             </a:tbl>
           </a:graphicData>
@@ -18547,8 +19008,20 @@
                 <a:noFill/>
               </a:tblPr>
               <a:tblGrid>
-                <a:gridCol w="382900"/>
-                <a:gridCol w="3149100"/>
+                <a:gridCol w="382900">
+                  <a:extLst>
+                    <a:ext uri="{9D8B030D-6E8A-4147-A177-3AD203B41FA5}">
+                      <a16:colId xmlns:a16="http://schemas.microsoft.com/office/drawing/2014/main" val="20000"/>
+                    </a:ext>
+                  </a:extLst>
+                </a:gridCol>
+                <a:gridCol w="3149100">
+                  <a:extLst>
+                    <a:ext uri="{9D8B030D-6E8A-4147-A177-3AD203B41FA5}">
+                      <a16:colId xmlns:a16="http://schemas.microsoft.com/office/drawing/2014/main" val="20001"/>
+                    </a:ext>
+                  </a:extLst>
+                </a:gridCol>
               </a:tblGrid>
               <a:tr h="356150">
                 <a:tc>
@@ -18701,6 +19174,11 @@
                     </a:solidFill>
                   </a:tcPr>
                 </a:tc>
+                <a:extLst>
+                  <a:ext uri="{0D108BD9-81ED-4DB2-BD59-A6C34878D82A}">
+                    <a16:rowId xmlns:a16="http://schemas.microsoft.com/office/drawing/2014/main" val="10000"/>
+                  </a:ext>
+                </a:extLst>
               </a:tr>
               <a:tr h="972399">
                 <a:tc>
@@ -18904,6 +19382,11 @@
                     </a:solidFill>
                   </a:tcPr>
                 </a:tc>
+                <a:extLst>
+                  <a:ext uri="{0D108BD9-81ED-4DB2-BD59-A6C34878D82A}">
+                    <a16:rowId xmlns:a16="http://schemas.microsoft.com/office/drawing/2014/main" val="10001"/>
+                  </a:ext>
+                </a:extLst>
               </a:tr>
               <a:tr h="892175">
                 <a:tc>
@@ -19034,6 +19517,11 @@
                     </a:solidFill>
                   </a:tcPr>
                 </a:tc>
+                <a:extLst>
+                  <a:ext uri="{0D108BD9-81ED-4DB2-BD59-A6C34878D82A}">
+                    <a16:rowId xmlns:a16="http://schemas.microsoft.com/office/drawing/2014/main" val="10002"/>
+                  </a:ext>
+                </a:extLst>
               </a:tr>
             </a:tbl>
           </a:graphicData>
@@ -19577,7 +20065,7 @@
           <p:nvPr>
             <p:extLst>
               <p:ext uri="{D42A27DB-BD31-4B8C-83A1-F6EECF244321}">
-                <p14:modId xmlns:p14="http://schemas.microsoft.com/office/powerpoint/2010/main" val="4116852662"/>
+                <p14:modId xmlns:p14="http://schemas.microsoft.com/office/powerpoint/2010/main" val="3767653033"/>
               </p:ext>
             </p:extLst>
           </p:nvPr>
@@ -19593,8 +20081,20 @@
                 <a:noFill/>
               </a:tblPr>
               <a:tblGrid>
-                <a:gridCol w="1443550"/>
-                <a:gridCol w="2680550"/>
+                <a:gridCol w="1443550">
+                  <a:extLst>
+                    <a:ext uri="{9D8B030D-6E8A-4147-A177-3AD203B41FA5}">
+                      <a16:colId xmlns:a16="http://schemas.microsoft.com/office/drawing/2014/main" val="20000"/>
+                    </a:ext>
+                  </a:extLst>
+                </a:gridCol>
+                <a:gridCol w="2680550">
+                  <a:extLst>
+                    <a:ext uri="{9D8B030D-6E8A-4147-A177-3AD203B41FA5}">
+                      <a16:colId xmlns:a16="http://schemas.microsoft.com/office/drawing/2014/main" val="20001"/>
+                    </a:ext>
+                  </a:extLst>
+                </a:gridCol>
               </a:tblGrid>
               <a:tr h="271225">
                 <a:tc>
@@ -19698,6 +20198,14 @@
                         <a:buFont typeface="Arial"/>
                         <a:buNone/>
                       </a:pPr>
+                      <a:r>
+                        <a:rPr lang="en-US" altLang="ko-KR" sz="1500" b="0" u="none" strike="noStrike" cap="none" dirty="0" err="1" smtClean="0">
+                          <a:solidFill>
+                            <a:schemeClr val="dk1"/>
+                          </a:solidFill>
+                        </a:rPr>
+                        <a:t>kb_admin_semiZone</a:t>
+                      </a:r>
                       <a:endParaRPr sz="1500" b="0" u="none" strike="noStrike" cap="none" dirty="0">
                         <a:solidFill>
                           <a:schemeClr val="dk1"/>
@@ -19747,6 +20255,11 @@
                     </a:solidFill>
                   </a:tcPr>
                 </a:tc>
+                <a:extLst>
+                  <a:ext uri="{0D108BD9-81ED-4DB2-BD59-A6C34878D82A}">
+                    <a16:rowId xmlns:a16="http://schemas.microsoft.com/office/drawing/2014/main" val="10000"/>
+                  </a:ext>
+                </a:extLst>
               </a:tr>
               <a:tr h="271225">
                 <a:tc rowSpan="2">
@@ -19907,6 +20420,11 @@
                     </a:solidFill>
                   </a:tcPr>
                 </a:tc>
+                <a:extLst>
+                  <a:ext uri="{0D108BD9-81ED-4DB2-BD59-A6C34878D82A}">
+                    <a16:rowId xmlns:a16="http://schemas.microsoft.com/office/drawing/2014/main" val="10001"/>
+                  </a:ext>
+                </a:extLst>
               </a:tr>
               <a:tr h="271225">
                 <a:tc vMerge="1">
@@ -19990,6 +20508,11 @@
                     </a:solidFill>
                   </a:tcPr>
                 </a:tc>
+                <a:extLst>
+                  <a:ext uri="{0D108BD9-81ED-4DB2-BD59-A6C34878D82A}">
+                    <a16:rowId xmlns:a16="http://schemas.microsoft.com/office/drawing/2014/main" val="10002"/>
+                  </a:ext>
+                </a:extLst>
               </a:tr>
             </a:tbl>
           </a:graphicData>
@@ -20012,8 +20535,20 @@
                 <a:noFill/>
               </a:tblPr>
               <a:tblGrid>
-                <a:gridCol w="1407750"/>
-                <a:gridCol w="1407750"/>
+                <a:gridCol w="1407750">
+                  <a:extLst>
+                    <a:ext uri="{9D8B030D-6E8A-4147-A177-3AD203B41FA5}">
+                      <a16:colId xmlns:a16="http://schemas.microsoft.com/office/drawing/2014/main" val="20000"/>
+                    </a:ext>
+                  </a:extLst>
+                </a:gridCol>
+                <a:gridCol w="1407750">
+                  <a:extLst>
+                    <a:ext uri="{9D8B030D-6E8A-4147-A177-3AD203B41FA5}">
+                      <a16:colId xmlns:a16="http://schemas.microsoft.com/office/drawing/2014/main" val="20001"/>
+                    </a:ext>
+                  </a:extLst>
+                </a:gridCol>
               </a:tblGrid>
               <a:tr h="265075">
                 <a:tc>
@@ -20166,6 +20701,11 @@
                     </a:solidFill>
                   </a:tcPr>
                 </a:tc>
+                <a:extLst>
+                  <a:ext uri="{0D108BD9-81ED-4DB2-BD59-A6C34878D82A}">
+                    <a16:rowId xmlns:a16="http://schemas.microsoft.com/office/drawing/2014/main" val="10000"/>
+                  </a:ext>
+                </a:extLst>
               </a:tr>
             </a:tbl>
           </a:graphicData>
@@ -20188,8 +20728,20 @@
                 <a:noFill/>
               </a:tblPr>
               <a:tblGrid>
-                <a:gridCol w="1407750"/>
-                <a:gridCol w="1407750"/>
+                <a:gridCol w="1407750">
+                  <a:extLst>
+                    <a:ext uri="{9D8B030D-6E8A-4147-A177-3AD203B41FA5}">
+                      <a16:colId xmlns:a16="http://schemas.microsoft.com/office/drawing/2014/main" val="20000"/>
+                    </a:ext>
+                  </a:extLst>
+                </a:gridCol>
+                <a:gridCol w="1407750">
+                  <a:extLst>
+                    <a:ext uri="{9D8B030D-6E8A-4147-A177-3AD203B41FA5}">
+                      <a16:colId xmlns:a16="http://schemas.microsoft.com/office/drawing/2014/main" val="20001"/>
+                    </a:ext>
+                  </a:extLst>
+                </a:gridCol>
               </a:tblGrid>
               <a:tr h="265075">
                 <a:tc>
@@ -20342,6 +20894,11 @@
                     </a:solidFill>
                   </a:tcPr>
                 </a:tc>
+                <a:extLst>
+                  <a:ext uri="{0D108BD9-81ED-4DB2-BD59-A6C34878D82A}">
+                    <a16:rowId xmlns:a16="http://schemas.microsoft.com/office/drawing/2014/main" val="10000"/>
+                  </a:ext>
+                </a:extLst>
               </a:tr>
             </a:tbl>
           </a:graphicData>
@@ -20432,8 +20989,20 @@
                 <a:noFill/>
               </a:tblPr>
               <a:tblGrid>
-                <a:gridCol w="382900"/>
-                <a:gridCol w="3149100"/>
+                <a:gridCol w="382900">
+                  <a:extLst>
+                    <a:ext uri="{9D8B030D-6E8A-4147-A177-3AD203B41FA5}">
+                      <a16:colId xmlns:a16="http://schemas.microsoft.com/office/drawing/2014/main" val="20000"/>
+                    </a:ext>
+                  </a:extLst>
+                </a:gridCol>
+                <a:gridCol w="3149100">
+                  <a:extLst>
+                    <a:ext uri="{9D8B030D-6E8A-4147-A177-3AD203B41FA5}">
+                      <a16:colId xmlns:a16="http://schemas.microsoft.com/office/drawing/2014/main" val="20001"/>
+                    </a:ext>
+                  </a:extLst>
+                </a:gridCol>
               </a:tblGrid>
               <a:tr h="356150">
                 <a:tc>
@@ -20586,6 +21155,11 @@
                     </a:solidFill>
                   </a:tcPr>
                 </a:tc>
+                <a:extLst>
+                  <a:ext uri="{0D108BD9-81ED-4DB2-BD59-A6C34878D82A}">
+                    <a16:rowId xmlns:a16="http://schemas.microsoft.com/office/drawing/2014/main" val="10000"/>
+                  </a:ext>
+                </a:extLst>
               </a:tr>
               <a:tr h="972399">
                 <a:tc>
@@ -20738,6 +21312,11 @@
                     </a:solidFill>
                   </a:tcPr>
                 </a:tc>
+                <a:extLst>
+                  <a:ext uri="{0D108BD9-81ED-4DB2-BD59-A6C34878D82A}">
+                    <a16:rowId xmlns:a16="http://schemas.microsoft.com/office/drawing/2014/main" val="10001"/>
+                  </a:ext>
+                </a:extLst>
               </a:tr>
               <a:tr h="892175">
                 <a:tc>
@@ -20864,6 +21443,11 @@
                     </a:solidFill>
                   </a:tcPr>
                 </a:tc>
+                <a:extLst>
+                  <a:ext uri="{0D108BD9-81ED-4DB2-BD59-A6C34878D82A}">
+                    <a16:rowId xmlns:a16="http://schemas.microsoft.com/office/drawing/2014/main" val="10002"/>
+                  </a:ext>
+                </a:extLst>
               </a:tr>
             </a:tbl>
           </a:graphicData>
@@ -21407,7 +21991,7 @@
           <p:nvPr>
             <p:extLst>
               <p:ext uri="{D42A27DB-BD31-4B8C-83A1-F6EECF244321}">
-                <p14:modId xmlns:p14="http://schemas.microsoft.com/office/powerpoint/2010/main" val="4116852662"/>
+                <p14:modId xmlns:p14="http://schemas.microsoft.com/office/powerpoint/2010/main" val="43082971"/>
               </p:ext>
             </p:extLst>
           </p:nvPr>
@@ -21423,8 +22007,20 @@
                 <a:noFill/>
               </a:tblPr>
               <a:tblGrid>
-                <a:gridCol w="1443550"/>
-                <a:gridCol w="2680550"/>
+                <a:gridCol w="1443550">
+                  <a:extLst>
+                    <a:ext uri="{9D8B030D-6E8A-4147-A177-3AD203B41FA5}">
+                      <a16:colId xmlns:a16="http://schemas.microsoft.com/office/drawing/2014/main" val="20000"/>
+                    </a:ext>
+                  </a:extLst>
+                </a:gridCol>
+                <a:gridCol w="2680550">
+                  <a:extLst>
+                    <a:ext uri="{9D8B030D-6E8A-4147-A177-3AD203B41FA5}">
+                      <a16:colId xmlns:a16="http://schemas.microsoft.com/office/drawing/2014/main" val="20001"/>
+                    </a:ext>
+                  </a:extLst>
+                </a:gridCol>
               </a:tblGrid>
               <a:tr h="271225">
                 <a:tc>
@@ -21528,6 +22124,14 @@
                         <a:buFont typeface="Arial"/>
                         <a:buNone/>
                       </a:pPr>
+                      <a:r>
+                        <a:rPr lang="en-US" altLang="ko-KR" sz="1500" b="0" u="none" strike="noStrike" cap="none" dirty="0" err="1" smtClean="0">
+                          <a:solidFill>
+                            <a:schemeClr val="dk1"/>
+                          </a:solidFill>
+                        </a:rPr>
+                        <a:t>kb_admin_semiZoneUpt</a:t>
+                      </a:r>
                       <a:endParaRPr sz="1500" b="0" u="none" strike="noStrike" cap="none" dirty="0">
                         <a:solidFill>
                           <a:schemeClr val="dk1"/>
@@ -21577,6 +22181,11 @@
                     </a:solidFill>
                   </a:tcPr>
                 </a:tc>
+                <a:extLst>
+                  <a:ext uri="{0D108BD9-81ED-4DB2-BD59-A6C34878D82A}">
+                    <a16:rowId xmlns:a16="http://schemas.microsoft.com/office/drawing/2014/main" val="10000"/>
+                  </a:ext>
+                </a:extLst>
               </a:tr>
               <a:tr h="271225">
                 <a:tc rowSpan="2">
@@ -21737,6 +22346,11 @@
                     </a:solidFill>
                   </a:tcPr>
                 </a:tc>
+                <a:extLst>
+                  <a:ext uri="{0D108BD9-81ED-4DB2-BD59-A6C34878D82A}">
+                    <a16:rowId xmlns:a16="http://schemas.microsoft.com/office/drawing/2014/main" val="10001"/>
+                  </a:ext>
+                </a:extLst>
               </a:tr>
               <a:tr h="271225">
                 <a:tc vMerge="1">
@@ -21820,6 +22434,11 @@
                     </a:solidFill>
                   </a:tcPr>
                 </a:tc>
+                <a:extLst>
+                  <a:ext uri="{0D108BD9-81ED-4DB2-BD59-A6C34878D82A}">
+                    <a16:rowId xmlns:a16="http://schemas.microsoft.com/office/drawing/2014/main" val="10002"/>
+                  </a:ext>
+                </a:extLst>
               </a:tr>
             </a:tbl>
           </a:graphicData>
@@ -21842,8 +22461,20 @@
                 <a:noFill/>
               </a:tblPr>
               <a:tblGrid>
-                <a:gridCol w="1407750"/>
-                <a:gridCol w="1407750"/>
+                <a:gridCol w="1407750">
+                  <a:extLst>
+                    <a:ext uri="{9D8B030D-6E8A-4147-A177-3AD203B41FA5}">
+                      <a16:colId xmlns:a16="http://schemas.microsoft.com/office/drawing/2014/main" val="20000"/>
+                    </a:ext>
+                  </a:extLst>
+                </a:gridCol>
+                <a:gridCol w="1407750">
+                  <a:extLst>
+                    <a:ext uri="{9D8B030D-6E8A-4147-A177-3AD203B41FA5}">
+                      <a16:colId xmlns:a16="http://schemas.microsoft.com/office/drawing/2014/main" val="20001"/>
+                    </a:ext>
+                  </a:extLst>
+                </a:gridCol>
               </a:tblGrid>
               <a:tr h="265075">
                 <a:tc>
@@ -21996,6 +22627,11 @@
                     </a:solidFill>
                   </a:tcPr>
                 </a:tc>
+                <a:extLst>
+                  <a:ext uri="{0D108BD9-81ED-4DB2-BD59-A6C34878D82A}">
+                    <a16:rowId xmlns:a16="http://schemas.microsoft.com/office/drawing/2014/main" val="10000"/>
+                  </a:ext>
+                </a:extLst>
               </a:tr>
             </a:tbl>
           </a:graphicData>
@@ -22018,8 +22654,20 @@
                 <a:noFill/>
               </a:tblPr>
               <a:tblGrid>
-                <a:gridCol w="1407750"/>
-                <a:gridCol w="1407750"/>
+                <a:gridCol w="1407750">
+                  <a:extLst>
+                    <a:ext uri="{9D8B030D-6E8A-4147-A177-3AD203B41FA5}">
+                      <a16:colId xmlns:a16="http://schemas.microsoft.com/office/drawing/2014/main" val="20000"/>
+                    </a:ext>
+                  </a:extLst>
+                </a:gridCol>
+                <a:gridCol w="1407750">
+                  <a:extLst>
+                    <a:ext uri="{9D8B030D-6E8A-4147-A177-3AD203B41FA5}">
+                      <a16:colId xmlns:a16="http://schemas.microsoft.com/office/drawing/2014/main" val="20001"/>
+                    </a:ext>
+                  </a:extLst>
+                </a:gridCol>
               </a:tblGrid>
               <a:tr h="265075">
                 <a:tc>
@@ -22172,6 +22820,11 @@
                     </a:solidFill>
                   </a:tcPr>
                 </a:tc>
+                <a:extLst>
+                  <a:ext uri="{0D108BD9-81ED-4DB2-BD59-A6C34878D82A}">
+                    <a16:rowId xmlns:a16="http://schemas.microsoft.com/office/drawing/2014/main" val="10000"/>
+                  </a:ext>
+                </a:extLst>
               </a:tr>
             </a:tbl>
           </a:graphicData>
@@ -22262,8 +22915,20 @@
                 <a:noFill/>
               </a:tblPr>
               <a:tblGrid>
-                <a:gridCol w="382900"/>
-                <a:gridCol w="3149100"/>
+                <a:gridCol w="382900">
+                  <a:extLst>
+                    <a:ext uri="{9D8B030D-6E8A-4147-A177-3AD203B41FA5}">
+                      <a16:colId xmlns:a16="http://schemas.microsoft.com/office/drawing/2014/main" val="20000"/>
+                    </a:ext>
+                  </a:extLst>
+                </a:gridCol>
+                <a:gridCol w="3149100">
+                  <a:extLst>
+                    <a:ext uri="{9D8B030D-6E8A-4147-A177-3AD203B41FA5}">
+                      <a16:colId xmlns:a16="http://schemas.microsoft.com/office/drawing/2014/main" val="20001"/>
+                    </a:ext>
+                  </a:extLst>
+                </a:gridCol>
               </a:tblGrid>
               <a:tr h="356150">
                 <a:tc>
@@ -22416,6 +23081,11 @@
                     </a:solidFill>
                   </a:tcPr>
                 </a:tc>
+                <a:extLst>
+                  <a:ext uri="{0D108BD9-81ED-4DB2-BD59-A6C34878D82A}">
+                    <a16:rowId xmlns:a16="http://schemas.microsoft.com/office/drawing/2014/main" val="10000"/>
+                  </a:ext>
+                </a:extLst>
               </a:tr>
               <a:tr h="972399">
                 <a:tc>
@@ -22584,6 +23254,11 @@
                     </a:solidFill>
                   </a:tcPr>
                 </a:tc>
+                <a:extLst>
+                  <a:ext uri="{0D108BD9-81ED-4DB2-BD59-A6C34878D82A}">
+                    <a16:rowId xmlns:a16="http://schemas.microsoft.com/office/drawing/2014/main" val="10001"/>
+                  </a:ext>
+                </a:extLst>
               </a:tr>
               <a:tr h="892175">
                 <a:tc>
@@ -22710,6 +23385,11 @@
                     </a:solidFill>
                   </a:tcPr>
                 </a:tc>
+                <a:extLst>
+                  <a:ext uri="{0D108BD9-81ED-4DB2-BD59-A6C34878D82A}">
+                    <a16:rowId xmlns:a16="http://schemas.microsoft.com/office/drawing/2014/main" val="10002"/>
+                  </a:ext>
+                </a:extLst>
               </a:tr>
             </a:tbl>
           </a:graphicData>
@@ -23253,7 +23933,7 @@
           <p:nvPr>
             <p:extLst>
               <p:ext uri="{D42A27DB-BD31-4B8C-83A1-F6EECF244321}">
-                <p14:modId xmlns:p14="http://schemas.microsoft.com/office/powerpoint/2010/main" val="3354746808"/>
+                <p14:modId xmlns:p14="http://schemas.microsoft.com/office/powerpoint/2010/main" val="4273289821"/>
               </p:ext>
             </p:extLst>
           </p:nvPr>
@@ -23269,8 +23949,20 @@
                 <a:noFill/>
               </a:tblPr>
               <a:tblGrid>
-                <a:gridCol w="1443550"/>
-                <a:gridCol w="2680550"/>
+                <a:gridCol w="1443550">
+                  <a:extLst>
+                    <a:ext uri="{9D8B030D-6E8A-4147-A177-3AD203B41FA5}">
+                      <a16:colId xmlns:a16="http://schemas.microsoft.com/office/drawing/2014/main" val="20000"/>
+                    </a:ext>
+                  </a:extLst>
+                </a:gridCol>
+                <a:gridCol w="2680550">
+                  <a:extLst>
+                    <a:ext uri="{9D8B030D-6E8A-4147-A177-3AD203B41FA5}">
+                      <a16:colId xmlns:a16="http://schemas.microsoft.com/office/drawing/2014/main" val="20001"/>
+                    </a:ext>
+                  </a:extLst>
+                </a:gridCol>
               </a:tblGrid>
               <a:tr h="271225">
                 <a:tc>
@@ -23374,6 +24066,14 @@
                         <a:buFont typeface="Arial"/>
                         <a:buNone/>
                       </a:pPr>
+                      <a:r>
+                        <a:rPr lang="en-US" altLang="ko-KR" sz="1500" b="0" u="none" strike="noStrike" cap="none" dirty="0" err="1" smtClean="0">
+                          <a:solidFill>
+                            <a:schemeClr val="dk1"/>
+                          </a:solidFill>
+                        </a:rPr>
+                        <a:t>kb_user_w_main</a:t>
+                      </a:r>
                       <a:endParaRPr sz="1500" b="0" u="none" strike="noStrike" cap="none" dirty="0">
                         <a:solidFill>
                           <a:schemeClr val="dk1"/>
@@ -23423,6 +24123,11 @@
                     </a:solidFill>
                   </a:tcPr>
                 </a:tc>
+                <a:extLst>
+                  <a:ext uri="{0D108BD9-81ED-4DB2-BD59-A6C34878D82A}">
+                    <a16:rowId xmlns:a16="http://schemas.microsoft.com/office/drawing/2014/main" val="10000"/>
+                  </a:ext>
+                </a:extLst>
               </a:tr>
               <a:tr h="271225">
                 <a:tc rowSpan="2">
@@ -23583,6 +24288,11 @@
                     </a:solidFill>
                   </a:tcPr>
                 </a:tc>
+                <a:extLst>
+                  <a:ext uri="{0D108BD9-81ED-4DB2-BD59-A6C34878D82A}">
+                    <a16:rowId xmlns:a16="http://schemas.microsoft.com/office/drawing/2014/main" val="10001"/>
+                  </a:ext>
+                </a:extLst>
               </a:tr>
               <a:tr h="271225">
                 <a:tc vMerge="1">
@@ -23666,6 +24376,11 @@
                     </a:solidFill>
                   </a:tcPr>
                 </a:tc>
+                <a:extLst>
+                  <a:ext uri="{0D108BD9-81ED-4DB2-BD59-A6C34878D82A}">
+                    <a16:rowId xmlns:a16="http://schemas.microsoft.com/office/drawing/2014/main" val="10002"/>
+                  </a:ext>
+                </a:extLst>
               </a:tr>
             </a:tbl>
           </a:graphicData>
@@ -23688,8 +24403,20 @@
                 <a:noFill/>
               </a:tblPr>
               <a:tblGrid>
-                <a:gridCol w="1407750"/>
-                <a:gridCol w="1407750"/>
+                <a:gridCol w="1407750">
+                  <a:extLst>
+                    <a:ext uri="{9D8B030D-6E8A-4147-A177-3AD203B41FA5}">
+                      <a16:colId xmlns:a16="http://schemas.microsoft.com/office/drawing/2014/main" val="20000"/>
+                    </a:ext>
+                  </a:extLst>
+                </a:gridCol>
+                <a:gridCol w="1407750">
+                  <a:extLst>
+                    <a:ext uri="{9D8B030D-6E8A-4147-A177-3AD203B41FA5}">
+                      <a16:colId xmlns:a16="http://schemas.microsoft.com/office/drawing/2014/main" val="20001"/>
+                    </a:ext>
+                  </a:extLst>
+                </a:gridCol>
               </a:tblGrid>
               <a:tr h="265075">
                 <a:tc>
@@ -23842,6 +24569,11 @@
                     </a:solidFill>
                   </a:tcPr>
                 </a:tc>
+                <a:extLst>
+                  <a:ext uri="{0D108BD9-81ED-4DB2-BD59-A6C34878D82A}">
+                    <a16:rowId xmlns:a16="http://schemas.microsoft.com/office/drawing/2014/main" val="10000"/>
+                  </a:ext>
+                </a:extLst>
               </a:tr>
             </a:tbl>
           </a:graphicData>
@@ -23864,8 +24596,20 @@
                 <a:noFill/>
               </a:tblPr>
               <a:tblGrid>
-                <a:gridCol w="1407750"/>
-                <a:gridCol w="1407750"/>
+                <a:gridCol w="1407750">
+                  <a:extLst>
+                    <a:ext uri="{9D8B030D-6E8A-4147-A177-3AD203B41FA5}">
+                      <a16:colId xmlns:a16="http://schemas.microsoft.com/office/drawing/2014/main" val="20000"/>
+                    </a:ext>
+                  </a:extLst>
+                </a:gridCol>
+                <a:gridCol w="1407750">
+                  <a:extLst>
+                    <a:ext uri="{9D8B030D-6E8A-4147-A177-3AD203B41FA5}">
+                      <a16:colId xmlns:a16="http://schemas.microsoft.com/office/drawing/2014/main" val="20001"/>
+                    </a:ext>
+                  </a:extLst>
+                </a:gridCol>
               </a:tblGrid>
               <a:tr h="265075">
                 <a:tc>
@@ -24018,6 +24762,11 @@
                     </a:solidFill>
                   </a:tcPr>
                 </a:tc>
+                <a:extLst>
+                  <a:ext uri="{0D108BD9-81ED-4DB2-BD59-A6C34878D82A}">
+                    <a16:rowId xmlns:a16="http://schemas.microsoft.com/office/drawing/2014/main" val="10000"/>
+                  </a:ext>
+                </a:extLst>
               </a:tr>
             </a:tbl>
           </a:graphicData>
@@ -24108,8 +24857,20 @@
                 <a:noFill/>
               </a:tblPr>
               <a:tblGrid>
-                <a:gridCol w="382900"/>
-                <a:gridCol w="3149100"/>
+                <a:gridCol w="382900">
+                  <a:extLst>
+                    <a:ext uri="{9D8B030D-6E8A-4147-A177-3AD203B41FA5}">
+                      <a16:colId xmlns:a16="http://schemas.microsoft.com/office/drawing/2014/main" val="20000"/>
+                    </a:ext>
+                  </a:extLst>
+                </a:gridCol>
+                <a:gridCol w="3149100">
+                  <a:extLst>
+                    <a:ext uri="{9D8B030D-6E8A-4147-A177-3AD203B41FA5}">
+                      <a16:colId xmlns:a16="http://schemas.microsoft.com/office/drawing/2014/main" val="20001"/>
+                    </a:ext>
+                  </a:extLst>
+                </a:gridCol>
               </a:tblGrid>
               <a:tr h="356150">
                 <a:tc>
@@ -24262,6 +25023,11 @@
                     </a:solidFill>
                   </a:tcPr>
                 </a:tc>
+                <a:extLst>
+                  <a:ext uri="{0D108BD9-81ED-4DB2-BD59-A6C34878D82A}">
+                    <a16:rowId xmlns:a16="http://schemas.microsoft.com/office/drawing/2014/main" val="10000"/>
+                  </a:ext>
+                </a:extLst>
               </a:tr>
               <a:tr h="972399">
                 <a:tc>
@@ -24510,6 +25276,11 @@
                     </a:solidFill>
                   </a:tcPr>
                 </a:tc>
+                <a:extLst>
+                  <a:ext uri="{0D108BD9-81ED-4DB2-BD59-A6C34878D82A}">
+                    <a16:rowId xmlns:a16="http://schemas.microsoft.com/office/drawing/2014/main" val="10001"/>
+                  </a:ext>
+                </a:extLst>
               </a:tr>
               <a:tr h="551475">
                 <a:tc>
@@ -24726,6 +25497,11 @@
                     </a:solidFill>
                   </a:tcPr>
                 </a:tc>
+                <a:extLst>
+                  <a:ext uri="{0D108BD9-81ED-4DB2-BD59-A6C34878D82A}">
+                    <a16:rowId xmlns:a16="http://schemas.microsoft.com/office/drawing/2014/main" val="10002"/>
+                  </a:ext>
+                </a:extLst>
               </a:tr>
               <a:tr h="781250">
                 <a:tc>
@@ -24958,6 +25734,11 @@
                     </a:solidFill>
                   </a:tcPr>
                 </a:tc>
+                <a:extLst>
+                  <a:ext uri="{0D108BD9-81ED-4DB2-BD59-A6C34878D82A}">
+                    <a16:rowId xmlns:a16="http://schemas.microsoft.com/office/drawing/2014/main" val="10003"/>
+                  </a:ext>
+                </a:extLst>
               </a:tr>
               <a:tr h="551475">
                 <a:tc>
@@ -25174,6 +25955,11 @@
                     </a:solidFill>
                   </a:tcPr>
                 </a:tc>
+                <a:extLst>
+                  <a:ext uri="{0D108BD9-81ED-4DB2-BD59-A6C34878D82A}">
+                    <a16:rowId xmlns:a16="http://schemas.microsoft.com/office/drawing/2014/main" val="10004"/>
+                  </a:ext>
+                </a:extLst>
               </a:tr>
               <a:tr h="644050">
                 <a:tc>
@@ -25396,6 +26182,11 @@
                     </a:solidFill>
                   </a:tcPr>
                 </a:tc>
+                <a:extLst>
+                  <a:ext uri="{0D108BD9-81ED-4DB2-BD59-A6C34878D82A}">
+                    <a16:rowId xmlns:a16="http://schemas.microsoft.com/office/drawing/2014/main" val="10005"/>
+                  </a:ext>
+                </a:extLst>
               </a:tr>
             </a:tbl>
           </a:graphicData>
@@ -26049,7 +26840,11 @@
           <p:cNvPr id="165" name="Google Shape;165;g7c553259d1_0_81"/>
           <p:cNvGraphicFramePr/>
           <p:nvPr>
-            <p:extLst/>
+            <p:extLst>
+              <p:ext uri="{D42A27DB-BD31-4B8C-83A1-F6EECF244321}">
+                <p14:modId xmlns:p14="http://schemas.microsoft.com/office/powerpoint/2010/main" val="280981225"/>
+              </p:ext>
+            </p:extLst>
           </p:nvPr>
         </p:nvGraphicFramePr>
         <p:xfrm>
@@ -26063,8 +26858,20 @@
                 <a:noFill/>
               </a:tblPr>
               <a:tblGrid>
-                <a:gridCol w="1443550"/>
-                <a:gridCol w="2680550"/>
+                <a:gridCol w="1443550">
+                  <a:extLst>
+                    <a:ext uri="{9D8B030D-6E8A-4147-A177-3AD203B41FA5}">
+                      <a16:colId xmlns:a16="http://schemas.microsoft.com/office/drawing/2014/main" val="20000"/>
+                    </a:ext>
+                  </a:extLst>
+                </a:gridCol>
+                <a:gridCol w="2680550">
+                  <a:extLst>
+                    <a:ext uri="{9D8B030D-6E8A-4147-A177-3AD203B41FA5}">
+                      <a16:colId xmlns:a16="http://schemas.microsoft.com/office/drawing/2014/main" val="20001"/>
+                    </a:ext>
+                  </a:extLst>
+                </a:gridCol>
               </a:tblGrid>
               <a:tr h="271225">
                 <a:tc>
@@ -26168,6 +26975,14 @@
                         <a:buFont typeface="Arial"/>
                         <a:buNone/>
                       </a:pPr>
+                      <a:r>
+                        <a:rPr lang="en-US" altLang="ko-KR" sz="1500" b="0" u="none" strike="noStrike" cap="none" dirty="0" err="1" smtClean="0">
+                          <a:solidFill>
+                            <a:schemeClr val="dk1"/>
+                          </a:solidFill>
+                        </a:rPr>
+                        <a:t>kb_user_w_main</a:t>
+                      </a:r>
                       <a:endParaRPr sz="1500" b="0" u="none" strike="noStrike" cap="none" dirty="0">
                         <a:solidFill>
                           <a:schemeClr val="dk1"/>
@@ -26217,6 +27032,11 @@
                     </a:solidFill>
                   </a:tcPr>
                 </a:tc>
+                <a:extLst>
+                  <a:ext uri="{0D108BD9-81ED-4DB2-BD59-A6C34878D82A}">
+                    <a16:rowId xmlns:a16="http://schemas.microsoft.com/office/drawing/2014/main" val="10000"/>
+                  </a:ext>
+                </a:extLst>
               </a:tr>
               <a:tr h="271225">
                 <a:tc rowSpan="2">
@@ -26377,6 +27197,11 @@
                     </a:solidFill>
                   </a:tcPr>
                 </a:tc>
+                <a:extLst>
+                  <a:ext uri="{0D108BD9-81ED-4DB2-BD59-A6C34878D82A}">
+                    <a16:rowId xmlns:a16="http://schemas.microsoft.com/office/drawing/2014/main" val="10001"/>
+                  </a:ext>
+                </a:extLst>
               </a:tr>
               <a:tr h="271225">
                 <a:tc vMerge="1">
@@ -26460,6 +27285,11 @@
                     </a:solidFill>
                   </a:tcPr>
                 </a:tc>
+                <a:extLst>
+                  <a:ext uri="{0D108BD9-81ED-4DB2-BD59-A6C34878D82A}">
+                    <a16:rowId xmlns:a16="http://schemas.microsoft.com/office/drawing/2014/main" val="10002"/>
+                  </a:ext>
+                </a:extLst>
               </a:tr>
             </a:tbl>
           </a:graphicData>
@@ -26482,8 +27312,20 @@
                 <a:noFill/>
               </a:tblPr>
               <a:tblGrid>
-                <a:gridCol w="1407750"/>
-                <a:gridCol w="1407750"/>
+                <a:gridCol w="1407750">
+                  <a:extLst>
+                    <a:ext uri="{9D8B030D-6E8A-4147-A177-3AD203B41FA5}">
+                      <a16:colId xmlns:a16="http://schemas.microsoft.com/office/drawing/2014/main" val="20000"/>
+                    </a:ext>
+                  </a:extLst>
+                </a:gridCol>
+                <a:gridCol w="1407750">
+                  <a:extLst>
+                    <a:ext uri="{9D8B030D-6E8A-4147-A177-3AD203B41FA5}">
+                      <a16:colId xmlns:a16="http://schemas.microsoft.com/office/drawing/2014/main" val="20001"/>
+                    </a:ext>
+                  </a:extLst>
+                </a:gridCol>
               </a:tblGrid>
               <a:tr h="265075">
                 <a:tc>
@@ -26636,6 +27478,11 @@
                     </a:solidFill>
                   </a:tcPr>
                 </a:tc>
+                <a:extLst>
+                  <a:ext uri="{0D108BD9-81ED-4DB2-BD59-A6C34878D82A}">
+                    <a16:rowId xmlns:a16="http://schemas.microsoft.com/office/drawing/2014/main" val="10000"/>
+                  </a:ext>
+                </a:extLst>
               </a:tr>
             </a:tbl>
           </a:graphicData>
@@ -26658,8 +27505,20 @@
                 <a:noFill/>
               </a:tblPr>
               <a:tblGrid>
-                <a:gridCol w="1407750"/>
-                <a:gridCol w="1407750"/>
+                <a:gridCol w="1407750">
+                  <a:extLst>
+                    <a:ext uri="{9D8B030D-6E8A-4147-A177-3AD203B41FA5}">
+                      <a16:colId xmlns:a16="http://schemas.microsoft.com/office/drawing/2014/main" val="20000"/>
+                    </a:ext>
+                  </a:extLst>
+                </a:gridCol>
+                <a:gridCol w="1407750">
+                  <a:extLst>
+                    <a:ext uri="{9D8B030D-6E8A-4147-A177-3AD203B41FA5}">
+                      <a16:colId xmlns:a16="http://schemas.microsoft.com/office/drawing/2014/main" val="20001"/>
+                    </a:ext>
+                  </a:extLst>
+                </a:gridCol>
               </a:tblGrid>
               <a:tr h="265075">
                 <a:tc>
@@ -26812,6 +27671,11 @@
                     </a:solidFill>
                   </a:tcPr>
                 </a:tc>
+                <a:extLst>
+                  <a:ext uri="{0D108BD9-81ED-4DB2-BD59-A6C34878D82A}">
+                    <a16:rowId xmlns:a16="http://schemas.microsoft.com/office/drawing/2014/main" val="10000"/>
+                  </a:ext>
+                </a:extLst>
               </a:tr>
             </a:tbl>
           </a:graphicData>
@@ -26902,8 +27766,20 @@
                 <a:noFill/>
               </a:tblPr>
               <a:tblGrid>
-                <a:gridCol w="382900"/>
-                <a:gridCol w="3149100"/>
+                <a:gridCol w="382900">
+                  <a:extLst>
+                    <a:ext uri="{9D8B030D-6E8A-4147-A177-3AD203B41FA5}">
+                      <a16:colId xmlns:a16="http://schemas.microsoft.com/office/drawing/2014/main" val="20000"/>
+                    </a:ext>
+                  </a:extLst>
+                </a:gridCol>
+                <a:gridCol w="3149100">
+                  <a:extLst>
+                    <a:ext uri="{9D8B030D-6E8A-4147-A177-3AD203B41FA5}">
+                      <a16:colId xmlns:a16="http://schemas.microsoft.com/office/drawing/2014/main" val="20001"/>
+                    </a:ext>
+                  </a:extLst>
+                </a:gridCol>
               </a:tblGrid>
               <a:tr h="356150">
                 <a:tc>
@@ -27056,6 +27932,11 @@
                     </a:solidFill>
                   </a:tcPr>
                 </a:tc>
+                <a:extLst>
+                  <a:ext uri="{0D108BD9-81ED-4DB2-BD59-A6C34878D82A}">
+                    <a16:rowId xmlns:a16="http://schemas.microsoft.com/office/drawing/2014/main" val="10000"/>
+                  </a:ext>
+                </a:extLst>
               </a:tr>
               <a:tr h="972399">
                 <a:tc>
@@ -27304,6 +28185,11 @@
                     </a:solidFill>
                   </a:tcPr>
                 </a:tc>
+                <a:extLst>
+                  <a:ext uri="{0D108BD9-81ED-4DB2-BD59-A6C34878D82A}">
+                    <a16:rowId xmlns:a16="http://schemas.microsoft.com/office/drawing/2014/main" val="10001"/>
+                  </a:ext>
+                </a:extLst>
               </a:tr>
               <a:tr h="781250">
                 <a:tc>
@@ -27520,6 +28406,11 @@
                     </a:solidFill>
                   </a:tcPr>
                 </a:tc>
+                <a:extLst>
+                  <a:ext uri="{0D108BD9-81ED-4DB2-BD59-A6C34878D82A}">
+                    <a16:rowId xmlns:a16="http://schemas.microsoft.com/office/drawing/2014/main" val="10002"/>
+                  </a:ext>
+                </a:extLst>
               </a:tr>
               <a:tr h="551475">
                 <a:tc>
@@ -27752,6 +28643,11 @@
                     </a:solidFill>
                   </a:tcPr>
                 </a:tc>
+                <a:extLst>
+                  <a:ext uri="{0D108BD9-81ED-4DB2-BD59-A6C34878D82A}">
+                    <a16:rowId xmlns:a16="http://schemas.microsoft.com/office/drawing/2014/main" val="10003"/>
+                  </a:ext>
+                </a:extLst>
               </a:tr>
               <a:tr h="644050">
                 <a:tc>
@@ -27968,6 +28864,11 @@
                     </a:solidFill>
                   </a:tcPr>
                 </a:tc>
+                <a:extLst>
+                  <a:ext uri="{0D108BD9-81ED-4DB2-BD59-A6C34878D82A}">
+                    <a16:rowId xmlns:a16="http://schemas.microsoft.com/office/drawing/2014/main" val="10004"/>
+                  </a:ext>
+                </a:extLst>
               </a:tr>
               <a:tr h="562225">
                 <a:tc>
@@ -28190,6 +29091,11 @@
                     </a:solidFill>
                   </a:tcPr>
                 </a:tc>
+                <a:extLst>
+                  <a:ext uri="{0D108BD9-81ED-4DB2-BD59-A6C34878D82A}">
+                    <a16:rowId xmlns:a16="http://schemas.microsoft.com/office/drawing/2014/main" val="10005"/>
+                  </a:ext>
+                </a:extLst>
               </a:tr>
               <a:tr h="892175">
                 <a:tc>
@@ -28316,6 +29222,11 @@
                     </a:solidFill>
                   </a:tcPr>
                 </a:tc>
+                <a:extLst>
+                  <a:ext uri="{0D108BD9-81ED-4DB2-BD59-A6C34878D82A}">
+                    <a16:rowId xmlns:a16="http://schemas.microsoft.com/office/drawing/2014/main" val="10006"/>
+                  </a:ext>
+                </a:extLst>
               </a:tr>
             </a:tbl>
           </a:graphicData>
@@ -28881,7 +29792,11 @@
           <p:cNvPr id="165" name="Google Shape;165;g7c553259d1_0_81"/>
           <p:cNvGraphicFramePr/>
           <p:nvPr>
-            <p:extLst/>
+            <p:extLst>
+              <p:ext uri="{D42A27DB-BD31-4B8C-83A1-F6EECF244321}">
+                <p14:modId xmlns:p14="http://schemas.microsoft.com/office/powerpoint/2010/main" val="1916621187"/>
+              </p:ext>
+            </p:extLst>
           </p:nvPr>
         </p:nvGraphicFramePr>
         <p:xfrm>
@@ -28895,8 +29810,20 @@
                 <a:noFill/>
               </a:tblPr>
               <a:tblGrid>
-                <a:gridCol w="1443550"/>
-                <a:gridCol w="2680550"/>
+                <a:gridCol w="1443550">
+                  <a:extLst>
+                    <a:ext uri="{9D8B030D-6E8A-4147-A177-3AD203B41FA5}">
+                      <a16:colId xmlns:a16="http://schemas.microsoft.com/office/drawing/2014/main" val="20000"/>
+                    </a:ext>
+                  </a:extLst>
+                </a:gridCol>
+                <a:gridCol w="2680550">
+                  <a:extLst>
+                    <a:ext uri="{9D8B030D-6E8A-4147-A177-3AD203B41FA5}">
+                      <a16:colId xmlns:a16="http://schemas.microsoft.com/office/drawing/2014/main" val="20001"/>
+                    </a:ext>
+                  </a:extLst>
+                </a:gridCol>
               </a:tblGrid>
               <a:tr h="271225">
                 <a:tc>
@@ -29000,6 +29927,14 @@
                         <a:buFont typeface="Arial"/>
                         <a:buNone/>
                       </a:pPr>
+                      <a:r>
+                        <a:rPr lang="en-US" altLang="ko-KR" sz="1500" b="0" u="none" strike="noStrike" cap="none" dirty="0" err="1" smtClean="0">
+                          <a:solidFill>
+                            <a:schemeClr val="dk1"/>
+                          </a:solidFill>
+                        </a:rPr>
+                        <a:t>kb_user_w_mainFooter</a:t>
+                      </a:r>
                       <a:endParaRPr sz="1500" b="0" u="none" strike="noStrike" cap="none" dirty="0">
                         <a:solidFill>
                           <a:schemeClr val="dk1"/>
@@ -29049,6 +29984,11 @@
                     </a:solidFill>
                   </a:tcPr>
                 </a:tc>
+                <a:extLst>
+                  <a:ext uri="{0D108BD9-81ED-4DB2-BD59-A6C34878D82A}">
+                    <a16:rowId xmlns:a16="http://schemas.microsoft.com/office/drawing/2014/main" val="10000"/>
+                  </a:ext>
+                </a:extLst>
               </a:tr>
               <a:tr h="271225">
                 <a:tc rowSpan="2">
@@ -29209,6 +30149,11 @@
                     </a:solidFill>
                   </a:tcPr>
                 </a:tc>
+                <a:extLst>
+                  <a:ext uri="{0D108BD9-81ED-4DB2-BD59-A6C34878D82A}">
+                    <a16:rowId xmlns:a16="http://schemas.microsoft.com/office/drawing/2014/main" val="10001"/>
+                  </a:ext>
+                </a:extLst>
               </a:tr>
               <a:tr h="271225">
                 <a:tc vMerge="1">
@@ -29292,6 +30237,11 @@
                     </a:solidFill>
                   </a:tcPr>
                 </a:tc>
+                <a:extLst>
+                  <a:ext uri="{0D108BD9-81ED-4DB2-BD59-A6C34878D82A}">
+                    <a16:rowId xmlns:a16="http://schemas.microsoft.com/office/drawing/2014/main" val="10002"/>
+                  </a:ext>
+                </a:extLst>
               </a:tr>
             </a:tbl>
           </a:graphicData>
@@ -29314,8 +30264,20 @@
                 <a:noFill/>
               </a:tblPr>
               <a:tblGrid>
-                <a:gridCol w="1407750"/>
-                <a:gridCol w="1407750"/>
+                <a:gridCol w="1407750">
+                  <a:extLst>
+                    <a:ext uri="{9D8B030D-6E8A-4147-A177-3AD203B41FA5}">
+                      <a16:colId xmlns:a16="http://schemas.microsoft.com/office/drawing/2014/main" val="20000"/>
+                    </a:ext>
+                  </a:extLst>
+                </a:gridCol>
+                <a:gridCol w="1407750">
+                  <a:extLst>
+                    <a:ext uri="{9D8B030D-6E8A-4147-A177-3AD203B41FA5}">
+                      <a16:colId xmlns:a16="http://schemas.microsoft.com/office/drawing/2014/main" val="20001"/>
+                    </a:ext>
+                  </a:extLst>
+                </a:gridCol>
               </a:tblGrid>
               <a:tr h="265075">
                 <a:tc>
@@ -29468,6 +30430,11 @@
                     </a:solidFill>
                   </a:tcPr>
                 </a:tc>
+                <a:extLst>
+                  <a:ext uri="{0D108BD9-81ED-4DB2-BD59-A6C34878D82A}">
+                    <a16:rowId xmlns:a16="http://schemas.microsoft.com/office/drawing/2014/main" val="10000"/>
+                  </a:ext>
+                </a:extLst>
               </a:tr>
             </a:tbl>
           </a:graphicData>
@@ -29490,8 +30457,20 @@
                 <a:noFill/>
               </a:tblPr>
               <a:tblGrid>
-                <a:gridCol w="1407750"/>
-                <a:gridCol w="1407750"/>
+                <a:gridCol w="1407750">
+                  <a:extLst>
+                    <a:ext uri="{9D8B030D-6E8A-4147-A177-3AD203B41FA5}">
+                      <a16:colId xmlns:a16="http://schemas.microsoft.com/office/drawing/2014/main" val="20000"/>
+                    </a:ext>
+                  </a:extLst>
+                </a:gridCol>
+                <a:gridCol w="1407750">
+                  <a:extLst>
+                    <a:ext uri="{9D8B030D-6E8A-4147-A177-3AD203B41FA5}">
+                      <a16:colId xmlns:a16="http://schemas.microsoft.com/office/drawing/2014/main" val="20001"/>
+                    </a:ext>
+                  </a:extLst>
+                </a:gridCol>
               </a:tblGrid>
               <a:tr h="265075">
                 <a:tc>
@@ -29644,6 +30623,11 @@
                     </a:solidFill>
                   </a:tcPr>
                 </a:tc>
+                <a:extLst>
+                  <a:ext uri="{0D108BD9-81ED-4DB2-BD59-A6C34878D82A}">
+                    <a16:rowId xmlns:a16="http://schemas.microsoft.com/office/drawing/2014/main" val="10000"/>
+                  </a:ext>
+                </a:extLst>
               </a:tr>
             </a:tbl>
           </a:graphicData>
@@ -29734,8 +30718,20 @@
                 <a:noFill/>
               </a:tblPr>
               <a:tblGrid>
-                <a:gridCol w="382900"/>
-                <a:gridCol w="3149100"/>
+                <a:gridCol w="382900">
+                  <a:extLst>
+                    <a:ext uri="{9D8B030D-6E8A-4147-A177-3AD203B41FA5}">
+                      <a16:colId xmlns:a16="http://schemas.microsoft.com/office/drawing/2014/main" val="20000"/>
+                    </a:ext>
+                  </a:extLst>
+                </a:gridCol>
+                <a:gridCol w="3149100">
+                  <a:extLst>
+                    <a:ext uri="{9D8B030D-6E8A-4147-A177-3AD203B41FA5}">
+                      <a16:colId xmlns:a16="http://schemas.microsoft.com/office/drawing/2014/main" val="20001"/>
+                    </a:ext>
+                  </a:extLst>
+                </a:gridCol>
               </a:tblGrid>
               <a:tr h="356150">
                 <a:tc>
@@ -29888,6 +30884,11 @@
                     </a:solidFill>
                   </a:tcPr>
                 </a:tc>
+                <a:extLst>
+                  <a:ext uri="{0D108BD9-81ED-4DB2-BD59-A6C34878D82A}">
+                    <a16:rowId xmlns:a16="http://schemas.microsoft.com/office/drawing/2014/main" val="10000"/>
+                  </a:ext>
+                </a:extLst>
               </a:tr>
               <a:tr h="972399">
                 <a:tc>
@@ -30230,6 +31231,11 @@
                     </a:solidFill>
                   </a:tcPr>
                 </a:tc>
+                <a:extLst>
+                  <a:ext uri="{0D108BD9-81ED-4DB2-BD59-A6C34878D82A}">
+                    <a16:rowId xmlns:a16="http://schemas.microsoft.com/office/drawing/2014/main" val="10001"/>
+                  </a:ext>
+                </a:extLst>
               </a:tr>
               <a:tr h="781250">
                 <a:tc>
@@ -30446,6 +31452,11 @@
                     </a:solidFill>
                   </a:tcPr>
                 </a:tc>
+                <a:extLst>
+                  <a:ext uri="{0D108BD9-81ED-4DB2-BD59-A6C34878D82A}">
+                    <a16:rowId xmlns:a16="http://schemas.microsoft.com/office/drawing/2014/main" val="10002"/>
+                  </a:ext>
+                </a:extLst>
               </a:tr>
               <a:tr h="551475">
                 <a:tc>
@@ -30678,6 +31689,11 @@
                     </a:solidFill>
                   </a:tcPr>
                 </a:tc>
+                <a:extLst>
+                  <a:ext uri="{0D108BD9-81ED-4DB2-BD59-A6C34878D82A}">
+                    <a16:rowId xmlns:a16="http://schemas.microsoft.com/office/drawing/2014/main" val="10003"/>
+                  </a:ext>
+                </a:extLst>
               </a:tr>
               <a:tr h="562225">
                 <a:tc>
@@ -30900,6 +31916,11 @@
                     </a:solidFill>
                   </a:tcPr>
                 </a:tc>
+                <a:extLst>
+                  <a:ext uri="{0D108BD9-81ED-4DB2-BD59-A6C34878D82A}">
+                    <a16:rowId xmlns:a16="http://schemas.microsoft.com/office/drawing/2014/main" val="10004"/>
+                  </a:ext>
+                </a:extLst>
               </a:tr>
               <a:tr h="892175">
                 <a:tc>
@@ -31026,6 +32047,11 @@
                     </a:solidFill>
                   </a:tcPr>
                 </a:tc>
+                <a:extLst>
+                  <a:ext uri="{0D108BD9-81ED-4DB2-BD59-A6C34878D82A}">
+                    <a16:rowId xmlns:a16="http://schemas.microsoft.com/office/drawing/2014/main" val="10005"/>
+                  </a:ext>
+                </a:extLst>
               </a:tr>
             </a:tbl>
           </a:graphicData>
@@ -31567,7 +32593,11 @@
           <p:cNvPr id="165" name="Google Shape;165;g7c553259d1_0_81"/>
           <p:cNvGraphicFramePr/>
           <p:nvPr>
-            <p:extLst/>
+            <p:extLst>
+              <p:ext uri="{D42A27DB-BD31-4B8C-83A1-F6EECF244321}">
+                <p14:modId xmlns:p14="http://schemas.microsoft.com/office/powerpoint/2010/main" val="3925560450"/>
+              </p:ext>
+            </p:extLst>
           </p:nvPr>
         </p:nvGraphicFramePr>
         <p:xfrm>
@@ -31581,8 +32611,20 @@
                 <a:noFill/>
               </a:tblPr>
               <a:tblGrid>
-                <a:gridCol w="1443550"/>
-                <a:gridCol w="2680550"/>
+                <a:gridCol w="1443550">
+                  <a:extLst>
+                    <a:ext uri="{9D8B030D-6E8A-4147-A177-3AD203B41FA5}">
+                      <a16:colId xmlns:a16="http://schemas.microsoft.com/office/drawing/2014/main" val="20000"/>
+                    </a:ext>
+                  </a:extLst>
+                </a:gridCol>
+                <a:gridCol w="2680550">
+                  <a:extLst>
+                    <a:ext uri="{9D8B030D-6E8A-4147-A177-3AD203B41FA5}">
+                      <a16:colId xmlns:a16="http://schemas.microsoft.com/office/drawing/2014/main" val="20001"/>
+                    </a:ext>
+                  </a:extLst>
+                </a:gridCol>
               </a:tblGrid>
               <a:tr h="271225">
                 <a:tc>
@@ -31686,6 +32728,14 @@
                         <a:buFont typeface="Arial"/>
                         <a:buNone/>
                       </a:pPr>
+                      <a:r>
+                        <a:rPr lang="en-US" altLang="ko-KR" sz="1500" b="0" u="none" strike="noStrike" cap="none" dirty="0" err="1" smtClean="0">
+                          <a:solidFill>
+                            <a:schemeClr val="dk1"/>
+                          </a:solidFill>
+                        </a:rPr>
+                        <a:t>kb_user_w_login</a:t>
+                      </a:r>
                       <a:endParaRPr sz="1500" b="0" u="none" strike="noStrike" cap="none" dirty="0">
                         <a:solidFill>
                           <a:schemeClr val="dk1"/>
@@ -31735,6 +32785,11 @@
                     </a:solidFill>
                   </a:tcPr>
                 </a:tc>
+                <a:extLst>
+                  <a:ext uri="{0D108BD9-81ED-4DB2-BD59-A6C34878D82A}">
+                    <a16:rowId xmlns:a16="http://schemas.microsoft.com/office/drawing/2014/main" val="10000"/>
+                  </a:ext>
+                </a:extLst>
               </a:tr>
               <a:tr h="271225">
                 <a:tc rowSpan="2">
@@ -31895,6 +32950,11 @@
                     </a:solidFill>
                   </a:tcPr>
                 </a:tc>
+                <a:extLst>
+                  <a:ext uri="{0D108BD9-81ED-4DB2-BD59-A6C34878D82A}">
+                    <a16:rowId xmlns:a16="http://schemas.microsoft.com/office/drawing/2014/main" val="10001"/>
+                  </a:ext>
+                </a:extLst>
               </a:tr>
               <a:tr h="271225">
                 <a:tc vMerge="1">
@@ -31978,6 +33038,11 @@
                     </a:solidFill>
                   </a:tcPr>
                 </a:tc>
+                <a:extLst>
+                  <a:ext uri="{0D108BD9-81ED-4DB2-BD59-A6C34878D82A}">
+                    <a16:rowId xmlns:a16="http://schemas.microsoft.com/office/drawing/2014/main" val="10002"/>
+                  </a:ext>
+                </a:extLst>
               </a:tr>
             </a:tbl>
           </a:graphicData>
@@ -32000,8 +33065,20 @@
                 <a:noFill/>
               </a:tblPr>
               <a:tblGrid>
-                <a:gridCol w="1407750"/>
-                <a:gridCol w="1407750"/>
+                <a:gridCol w="1407750">
+                  <a:extLst>
+                    <a:ext uri="{9D8B030D-6E8A-4147-A177-3AD203B41FA5}">
+                      <a16:colId xmlns:a16="http://schemas.microsoft.com/office/drawing/2014/main" val="20000"/>
+                    </a:ext>
+                  </a:extLst>
+                </a:gridCol>
+                <a:gridCol w="1407750">
+                  <a:extLst>
+                    <a:ext uri="{9D8B030D-6E8A-4147-A177-3AD203B41FA5}">
+                      <a16:colId xmlns:a16="http://schemas.microsoft.com/office/drawing/2014/main" val="20001"/>
+                    </a:ext>
+                  </a:extLst>
+                </a:gridCol>
               </a:tblGrid>
               <a:tr h="265075">
                 <a:tc>
@@ -32154,6 +33231,11 @@
                     </a:solidFill>
                   </a:tcPr>
                 </a:tc>
+                <a:extLst>
+                  <a:ext uri="{0D108BD9-81ED-4DB2-BD59-A6C34878D82A}">
+                    <a16:rowId xmlns:a16="http://schemas.microsoft.com/office/drawing/2014/main" val="10000"/>
+                  </a:ext>
+                </a:extLst>
               </a:tr>
             </a:tbl>
           </a:graphicData>
@@ -32176,8 +33258,20 @@
                 <a:noFill/>
               </a:tblPr>
               <a:tblGrid>
-                <a:gridCol w="1407750"/>
-                <a:gridCol w="1407750"/>
+                <a:gridCol w="1407750">
+                  <a:extLst>
+                    <a:ext uri="{9D8B030D-6E8A-4147-A177-3AD203B41FA5}">
+                      <a16:colId xmlns:a16="http://schemas.microsoft.com/office/drawing/2014/main" val="20000"/>
+                    </a:ext>
+                  </a:extLst>
+                </a:gridCol>
+                <a:gridCol w="1407750">
+                  <a:extLst>
+                    <a:ext uri="{9D8B030D-6E8A-4147-A177-3AD203B41FA5}">
+                      <a16:colId xmlns:a16="http://schemas.microsoft.com/office/drawing/2014/main" val="20001"/>
+                    </a:ext>
+                  </a:extLst>
+                </a:gridCol>
               </a:tblGrid>
               <a:tr h="265075">
                 <a:tc>
@@ -32330,6 +33424,11 @@
                     </a:solidFill>
                   </a:tcPr>
                 </a:tc>
+                <a:extLst>
+                  <a:ext uri="{0D108BD9-81ED-4DB2-BD59-A6C34878D82A}">
+                    <a16:rowId xmlns:a16="http://schemas.microsoft.com/office/drawing/2014/main" val="10000"/>
+                  </a:ext>
+                </a:extLst>
               </a:tr>
             </a:tbl>
           </a:graphicData>
@@ -32420,8 +33519,20 @@
                 <a:noFill/>
               </a:tblPr>
               <a:tblGrid>
-                <a:gridCol w="382900"/>
-                <a:gridCol w="3149100"/>
+                <a:gridCol w="382900">
+                  <a:extLst>
+                    <a:ext uri="{9D8B030D-6E8A-4147-A177-3AD203B41FA5}">
+                      <a16:colId xmlns:a16="http://schemas.microsoft.com/office/drawing/2014/main" val="20000"/>
+                    </a:ext>
+                  </a:extLst>
+                </a:gridCol>
+                <a:gridCol w="3149100">
+                  <a:extLst>
+                    <a:ext uri="{9D8B030D-6E8A-4147-A177-3AD203B41FA5}">
+                      <a16:colId xmlns:a16="http://schemas.microsoft.com/office/drawing/2014/main" val="20001"/>
+                    </a:ext>
+                  </a:extLst>
+                </a:gridCol>
               </a:tblGrid>
               <a:tr h="356150">
                 <a:tc>
@@ -32574,6 +33685,11 @@
                     </a:solidFill>
                   </a:tcPr>
                 </a:tc>
+                <a:extLst>
+                  <a:ext uri="{0D108BD9-81ED-4DB2-BD59-A6C34878D82A}">
+                    <a16:rowId xmlns:a16="http://schemas.microsoft.com/office/drawing/2014/main" val="10000"/>
+                  </a:ext>
+                </a:extLst>
               </a:tr>
               <a:tr h="972399">
                 <a:tc>
@@ -32881,6 +33997,11 @@
                     </a:solidFill>
                   </a:tcPr>
                 </a:tc>
+                <a:extLst>
+                  <a:ext uri="{0D108BD9-81ED-4DB2-BD59-A6C34878D82A}">
+                    <a16:rowId xmlns:a16="http://schemas.microsoft.com/office/drawing/2014/main" val="10001"/>
+                  </a:ext>
+                </a:extLst>
               </a:tr>
               <a:tr h="892175">
                 <a:tc>
@@ -33007,6 +34128,11 @@
                     </a:solidFill>
                   </a:tcPr>
                 </a:tc>
+                <a:extLst>
+                  <a:ext uri="{0D108BD9-81ED-4DB2-BD59-A6C34878D82A}">
+                    <a16:rowId xmlns:a16="http://schemas.microsoft.com/office/drawing/2014/main" val="10002"/>
+                  </a:ext>
+                </a:extLst>
               </a:tr>
             </a:tbl>
           </a:graphicData>
@@ -33548,7 +34674,11 @@
           <p:cNvPr id="165" name="Google Shape;165;g7c553259d1_0_81"/>
           <p:cNvGraphicFramePr/>
           <p:nvPr>
-            <p:extLst/>
+            <p:extLst>
+              <p:ext uri="{D42A27DB-BD31-4B8C-83A1-F6EECF244321}">
+                <p14:modId xmlns:p14="http://schemas.microsoft.com/office/powerpoint/2010/main" val="2691609936"/>
+              </p:ext>
+            </p:extLst>
           </p:nvPr>
         </p:nvGraphicFramePr>
         <p:xfrm>
@@ -33562,8 +34692,20 @@
                 <a:noFill/>
               </a:tblPr>
               <a:tblGrid>
-                <a:gridCol w="1443550"/>
-                <a:gridCol w="2680550"/>
+                <a:gridCol w="1443550">
+                  <a:extLst>
+                    <a:ext uri="{9D8B030D-6E8A-4147-A177-3AD203B41FA5}">
+                      <a16:colId xmlns:a16="http://schemas.microsoft.com/office/drawing/2014/main" val="20000"/>
+                    </a:ext>
+                  </a:extLst>
+                </a:gridCol>
+                <a:gridCol w="2680550">
+                  <a:extLst>
+                    <a:ext uri="{9D8B030D-6E8A-4147-A177-3AD203B41FA5}">
+                      <a16:colId xmlns:a16="http://schemas.microsoft.com/office/drawing/2014/main" val="20001"/>
+                    </a:ext>
+                  </a:extLst>
+                </a:gridCol>
               </a:tblGrid>
               <a:tr h="271225">
                 <a:tc>
@@ -33667,6 +34809,14 @@
                         <a:buFont typeface="Arial"/>
                         <a:buNone/>
                       </a:pPr>
+                      <a:r>
+                        <a:rPr lang="en-US" altLang="ko-KR" sz="1500" b="0" u="none" strike="noStrike" cap="none" dirty="0" err="1" smtClean="0">
+                          <a:solidFill>
+                            <a:schemeClr val="dk1"/>
+                          </a:solidFill>
+                        </a:rPr>
+                        <a:t>kb_user_m_main</a:t>
+                      </a:r>
                       <a:endParaRPr sz="1500" b="0" u="none" strike="noStrike" cap="none" dirty="0">
                         <a:solidFill>
                           <a:schemeClr val="dk1"/>
@@ -33716,6 +34866,11 @@
                     </a:solidFill>
                   </a:tcPr>
                 </a:tc>
+                <a:extLst>
+                  <a:ext uri="{0D108BD9-81ED-4DB2-BD59-A6C34878D82A}">
+                    <a16:rowId xmlns:a16="http://schemas.microsoft.com/office/drawing/2014/main" val="10000"/>
+                  </a:ext>
+                </a:extLst>
               </a:tr>
               <a:tr h="271225">
                 <a:tc rowSpan="2">
@@ -33876,6 +35031,11 @@
                     </a:solidFill>
                   </a:tcPr>
                 </a:tc>
+                <a:extLst>
+                  <a:ext uri="{0D108BD9-81ED-4DB2-BD59-A6C34878D82A}">
+                    <a16:rowId xmlns:a16="http://schemas.microsoft.com/office/drawing/2014/main" val="10001"/>
+                  </a:ext>
+                </a:extLst>
               </a:tr>
               <a:tr h="271225">
                 <a:tc vMerge="1">
@@ -33959,6 +35119,11 @@
                     </a:solidFill>
                   </a:tcPr>
                 </a:tc>
+                <a:extLst>
+                  <a:ext uri="{0D108BD9-81ED-4DB2-BD59-A6C34878D82A}">
+                    <a16:rowId xmlns:a16="http://schemas.microsoft.com/office/drawing/2014/main" val="10002"/>
+                  </a:ext>
+                </a:extLst>
               </a:tr>
             </a:tbl>
           </a:graphicData>
@@ -33981,8 +35146,20 @@
                 <a:noFill/>
               </a:tblPr>
               <a:tblGrid>
-                <a:gridCol w="1407750"/>
-                <a:gridCol w="1407750"/>
+                <a:gridCol w="1407750">
+                  <a:extLst>
+                    <a:ext uri="{9D8B030D-6E8A-4147-A177-3AD203B41FA5}">
+                      <a16:colId xmlns:a16="http://schemas.microsoft.com/office/drawing/2014/main" val="20000"/>
+                    </a:ext>
+                  </a:extLst>
+                </a:gridCol>
+                <a:gridCol w="1407750">
+                  <a:extLst>
+                    <a:ext uri="{9D8B030D-6E8A-4147-A177-3AD203B41FA5}">
+                      <a16:colId xmlns:a16="http://schemas.microsoft.com/office/drawing/2014/main" val="20001"/>
+                    </a:ext>
+                  </a:extLst>
+                </a:gridCol>
               </a:tblGrid>
               <a:tr h="265075">
                 <a:tc>
@@ -34135,6 +35312,11 @@
                     </a:solidFill>
                   </a:tcPr>
                 </a:tc>
+                <a:extLst>
+                  <a:ext uri="{0D108BD9-81ED-4DB2-BD59-A6C34878D82A}">
+                    <a16:rowId xmlns:a16="http://schemas.microsoft.com/office/drawing/2014/main" val="10000"/>
+                  </a:ext>
+                </a:extLst>
               </a:tr>
             </a:tbl>
           </a:graphicData>
@@ -34157,8 +35339,20 @@
                 <a:noFill/>
               </a:tblPr>
               <a:tblGrid>
-                <a:gridCol w="1407750"/>
-                <a:gridCol w="1407750"/>
+                <a:gridCol w="1407750">
+                  <a:extLst>
+                    <a:ext uri="{9D8B030D-6E8A-4147-A177-3AD203B41FA5}">
+                      <a16:colId xmlns:a16="http://schemas.microsoft.com/office/drawing/2014/main" val="20000"/>
+                    </a:ext>
+                  </a:extLst>
+                </a:gridCol>
+                <a:gridCol w="1407750">
+                  <a:extLst>
+                    <a:ext uri="{9D8B030D-6E8A-4147-A177-3AD203B41FA5}">
+                      <a16:colId xmlns:a16="http://schemas.microsoft.com/office/drawing/2014/main" val="20001"/>
+                    </a:ext>
+                  </a:extLst>
+                </a:gridCol>
               </a:tblGrid>
               <a:tr h="265075">
                 <a:tc>
@@ -34311,6 +35505,11 @@
                     </a:solidFill>
                   </a:tcPr>
                 </a:tc>
+                <a:extLst>
+                  <a:ext uri="{0D108BD9-81ED-4DB2-BD59-A6C34878D82A}">
+                    <a16:rowId xmlns:a16="http://schemas.microsoft.com/office/drawing/2014/main" val="10000"/>
+                  </a:ext>
+                </a:extLst>
               </a:tr>
             </a:tbl>
           </a:graphicData>
@@ -34397,8 +35596,20 @@
                 <a:noFill/>
               </a:tblPr>
               <a:tblGrid>
-                <a:gridCol w="382900"/>
-                <a:gridCol w="3149100"/>
+                <a:gridCol w="382900">
+                  <a:extLst>
+                    <a:ext uri="{9D8B030D-6E8A-4147-A177-3AD203B41FA5}">
+                      <a16:colId xmlns:a16="http://schemas.microsoft.com/office/drawing/2014/main" val="20000"/>
+                    </a:ext>
+                  </a:extLst>
+                </a:gridCol>
+                <a:gridCol w="3149100">
+                  <a:extLst>
+                    <a:ext uri="{9D8B030D-6E8A-4147-A177-3AD203B41FA5}">
+                      <a16:colId xmlns:a16="http://schemas.microsoft.com/office/drawing/2014/main" val="20001"/>
+                    </a:ext>
+                  </a:extLst>
+                </a:gridCol>
               </a:tblGrid>
               <a:tr h="356150">
                 <a:tc>
@@ -34551,6 +35762,11 @@
                     </a:solidFill>
                   </a:tcPr>
                 </a:tc>
+                <a:extLst>
+                  <a:ext uri="{0D108BD9-81ED-4DB2-BD59-A6C34878D82A}">
+                    <a16:rowId xmlns:a16="http://schemas.microsoft.com/office/drawing/2014/main" val="10000"/>
+                  </a:ext>
+                </a:extLst>
               </a:tr>
               <a:tr h="972399">
                 <a:tc>
@@ -34858,6 +36074,11 @@
                     </a:solidFill>
                   </a:tcPr>
                 </a:tc>
+                <a:extLst>
+                  <a:ext uri="{0D108BD9-81ED-4DB2-BD59-A6C34878D82A}">
+                    <a16:rowId xmlns:a16="http://schemas.microsoft.com/office/drawing/2014/main" val="10001"/>
+                  </a:ext>
+                </a:extLst>
               </a:tr>
               <a:tr h="892175">
                 <a:tc>
@@ -34984,6 +36205,11 @@
                     </a:solidFill>
                   </a:tcPr>
                 </a:tc>
+                <a:extLst>
+                  <a:ext uri="{0D108BD9-81ED-4DB2-BD59-A6C34878D82A}">
+                    <a16:rowId xmlns:a16="http://schemas.microsoft.com/office/drawing/2014/main" val="10002"/>
+                  </a:ext>
+                </a:extLst>
               </a:tr>
             </a:tbl>
           </a:graphicData>
@@ -35527,7 +36753,7 @@
           <p:nvPr>
             <p:extLst>
               <p:ext uri="{D42A27DB-BD31-4B8C-83A1-F6EECF244321}">
-                <p14:modId xmlns:p14="http://schemas.microsoft.com/office/powerpoint/2010/main" val="4078898163"/>
+                <p14:modId xmlns:p14="http://schemas.microsoft.com/office/powerpoint/2010/main" val="2760013023"/>
               </p:ext>
             </p:extLst>
           </p:nvPr>
@@ -35543,8 +36769,20 @@
                 <a:noFill/>
               </a:tblPr>
               <a:tblGrid>
-                <a:gridCol w="1443550"/>
-                <a:gridCol w="2680550"/>
+                <a:gridCol w="1443550">
+                  <a:extLst>
+                    <a:ext uri="{9D8B030D-6E8A-4147-A177-3AD203B41FA5}">
+                      <a16:colId xmlns:a16="http://schemas.microsoft.com/office/drawing/2014/main" val="20000"/>
+                    </a:ext>
+                  </a:extLst>
+                </a:gridCol>
+                <a:gridCol w="2680550">
+                  <a:extLst>
+                    <a:ext uri="{9D8B030D-6E8A-4147-A177-3AD203B41FA5}">
+                      <a16:colId xmlns:a16="http://schemas.microsoft.com/office/drawing/2014/main" val="20001"/>
+                    </a:ext>
+                  </a:extLst>
+                </a:gridCol>
               </a:tblGrid>
               <a:tr h="271225">
                 <a:tc>
@@ -35648,6 +36886,14 @@
                         <a:buFont typeface="Arial"/>
                         <a:buNone/>
                       </a:pPr>
+                      <a:r>
+                        <a:rPr lang="en-US" altLang="ko-KR" sz="1500" b="0" u="none" strike="noStrike" cap="none" dirty="0" err="1" smtClean="0">
+                          <a:solidFill>
+                            <a:schemeClr val="dk1"/>
+                          </a:solidFill>
+                        </a:rPr>
+                        <a:t>kb_user_m_login</a:t>
+                      </a:r>
                       <a:endParaRPr sz="1500" b="0" u="none" strike="noStrike" cap="none" dirty="0">
                         <a:solidFill>
                           <a:schemeClr val="dk1"/>
@@ -35697,6 +36943,11 @@
                     </a:solidFill>
                   </a:tcPr>
                 </a:tc>
+                <a:extLst>
+                  <a:ext uri="{0D108BD9-81ED-4DB2-BD59-A6C34878D82A}">
+                    <a16:rowId xmlns:a16="http://schemas.microsoft.com/office/drawing/2014/main" val="10000"/>
+                  </a:ext>
+                </a:extLst>
               </a:tr>
               <a:tr h="271225">
                 <a:tc rowSpan="2">
@@ -35857,6 +37108,11 @@
                     </a:solidFill>
                   </a:tcPr>
                 </a:tc>
+                <a:extLst>
+                  <a:ext uri="{0D108BD9-81ED-4DB2-BD59-A6C34878D82A}">
+                    <a16:rowId xmlns:a16="http://schemas.microsoft.com/office/drawing/2014/main" val="10001"/>
+                  </a:ext>
+                </a:extLst>
               </a:tr>
               <a:tr h="271225">
                 <a:tc vMerge="1">
@@ -35940,6 +37196,11 @@
                     </a:solidFill>
                   </a:tcPr>
                 </a:tc>
+                <a:extLst>
+                  <a:ext uri="{0D108BD9-81ED-4DB2-BD59-A6C34878D82A}">
+                    <a16:rowId xmlns:a16="http://schemas.microsoft.com/office/drawing/2014/main" val="10002"/>
+                  </a:ext>
+                </a:extLst>
               </a:tr>
             </a:tbl>
           </a:graphicData>
@@ -35962,8 +37223,20 @@
                 <a:noFill/>
               </a:tblPr>
               <a:tblGrid>
-                <a:gridCol w="1407750"/>
-                <a:gridCol w="1407750"/>
+                <a:gridCol w="1407750">
+                  <a:extLst>
+                    <a:ext uri="{9D8B030D-6E8A-4147-A177-3AD203B41FA5}">
+                      <a16:colId xmlns:a16="http://schemas.microsoft.com/office/drawing/2014/main" val="20000"/>
+                    </a:ext>
+                  </a:extLst>
+                </a:gridCol>
+                <a:gridCol w="1407750">
+                  <a:extLst>
+                    <a:ext uri="{9D8B030D-6E8A-4147-A177-3AD203B41FA5}">
+                      <a16:colId xmlns:a16="http://schemas.microsoft.com/office/drawing/2014/main" val="20001"/>
+                    </a:ext>
+                  </a:extLst>
+                </a:gridCol>
               </a:tblGrid>
               <a:tr h="265075">
                 <a:tc>
@@ -36116,6 +37389,11 @@
                     </a:solidFill>
                   </a:tcPr>
                 </a:tc>
+                <a:extLst>
+                  <a:ext uri="{0D108BD9-81ED-4DB2-BD59-A6C34878D82A}">
+                    <a16:rowId xmlns:a16="http://schemas.microsoft.com/office/drawing/2014/main" val="10000"/>
+                  </a:ext>
+                </a:extLst>
               </a:tr>
             </a:tbl>
           </a:graphicData>
@@ -36138,8 +37416,20 @@
                 <a:noFill/>
               </a:tblPr>
               <a:tblGrid>
-                <a:gridCol w="1407750"/>
-                <a:gridCol w="1407750"/>
+                <a:gridCol w="1407750">
+                  <a:extLst>
+                    <a:ext uri="{9D8B030D-6E8A-4147-A177-3AD203B41FA5}">
+                      <a16:colId xmlns:a16="http://schemas.microsoft.com/office/drawing/2014/main" val="20000"/>
+                    </a:ext>
+                  </a:extLst>
+                </a:gridCol>
+                <a:gridCol w="1407750">
+                  <a:extLst>
+                    <a:ext uri="{9D8B030D-6E8A-4147-A177-3AD203B41FA5}">
+                      <a16:colId xmlns:a16="http://schemas.microsoft.com/office/drawing/2014/main" val="20001"/>
+                    </a:ext>
+                  </a:extLst>
+                </a:gridCol>
               </a:tblGrid>
               <a:tr h="265075">
                 <a:tc>
@@ -36292,6 +37582,11 @@
                     </a:solidFill>
                   </a:tcPr>
                 </a:tc>
+                <a:extLst>
+                  <a:ext uri="{0D108BD9-81ED-4DB2-BD59-A6C34878D82A}">
+                    <a16:rowId xmlns:a16="http://schemas.microsoft.com/office/drawing/2014/main" val="10000"/>
+                  </a:ext>
+                </a:extLst>
               </a:tr>
             </a:tbl>
           </a:graphicData>
@@ -36378,8 +37673,20 @@
                 <a:noFill/>
               </a:tblPr>
               <a:tblGrid>
-                <a:gridCol w="382900"/>
-                <a:gridCol w="3149100"/>
+                <a:gridCol w="382900">
+                  <a:extLst>
+                    <a:ext uri="{9D8B030D-6E8A-4147-A177-3AD203B41FA5}">
+                      <a16:colId xmlns:a16="http://schemas.microsoft.com/office/drawing/2014/main" val="20000"/>
+                    </a:ext>
+                  </a:extLst>
+                </a:gridCol>
+                <a:gridCol w="3149100">
+                  <a:extLst>
+                    <a:ext uri="{9D8B030D-6E8A-4147-A177-3AD203B41FA5}">
+                      <a16:colId xmlns:a16="http://schemas.microsoft.com/office/drawing/2014/main" val="20001"/>
+                    </a:ext>
+                  </a:extLst>
+                </a:gridCol>
               </a:tblGrid>
               <a:tr h="356150">
                 <a:tc>
@@ -36532,6 +37839,11 @@
                     </a:solidFill>
                   </a:tcPr>
                 </a:tc>
+                <a:extLst>
+                  <a:ext uri="{0D108BD9-81ED-4DB2-BD59-A6C34878D82A}">
+                    <a16:rowId xmlns:a16="http://schemas.microsoft.com/office/drawing/2014/main" val="10000"/>
+                  </a:ext>
+                </a:extLst>
               </a:tr>
               <a:tr h="972399">
                 <a:tc>
@@ -36839,6 +38151,11 @@
                     </a:solidFill>
                   </a:tcPr>
                 </a:tc>
+                <a:extLst>
+                  <a:ext uri="{0D108BD9-81ED-4DB2-BD59-A6C34878D82A}">
+                    <a16:rowId xmlns:a16="http://schemas.microsoft.com/office/drawing/2014/main" val="10001"/>
+                  </a:ext>
+                </a:extLst>
               </a:tr>
               <a:tr h="892175">
                 <a:tc>
@@ -36965,6 +38282,11 @@
                     </a:solidFill>
                   </a:tcPr>
                 </a:tc>
+                <a:extLst>
+                  <a:ext uri="{0D108BD9-81ED-4DB2-BD59-A6C34878D82A}">
+                    <a16:rowId xmlns:a16="http://schemas.microsoft.com/office/drawing/2014/main" val="10002"/>
+                  </a:ext>
+                </a:extLst>
               </a:tr>
             </a:tbl>
           </a:graphicData>
@@ -37508,7 +38830,7 @@
           <p:nvPr>
             <p:extLst>
               <p:ext uri="{D42A27DB-BD31-4B8C-83A1-F6EECF244321}">
-                <p14:modId xmlns:p14="http://schemas.microsoft.com/office/powerpoint/2010/main" val="1930105345"/>
+                <p14:modId xmlns:p14="http://schemas.microsoft.com/office/powerpoint/2010/main" val="3696050138"/>
               </p:ext>
             </p:extLst>
           </p:nvPr>
@@ -37524,8 +38846,20 @@
                 <a:noFill/>
               </a:tblPr>
               <a:tblGrid>
-                <a:gridCol w="1443550"/>
-                <a:gridCol w="2680550"/>
+                <a:gridCol w="1443550">
+                  <a:extLst>
+                    <a:ext uri="{9D8B030D-6E8A-4147-A177-3AD203B41FA5}">
+                      <a16:colId xmlns:a16="http://schemas.microsoft.com/office/drawing/2014/main" val="20000"/>
+                    </a:ext>
+                  </a:extLst>
+                </a:gridCol>
+                <a:gridCol w="2680550">
+                  <a:extLst>
+                    <a:ext uri="{9D8B030D-6E8A-4147-A177-3AD203B41FA5}">
+                      <a16:colId xmlns:a16="http://schemas.microsoft.com/office/drawing/2014/main" val="20001"/>
+                    </a:ext>
+                  </a:extLst>
+                </a:gridCol>
               </a:tblGrid>
               <a:tr h="271225">
                 <a:tc>
@@ -37629,6 +38963,14 @@
                         <a:buFont typeface="Arial"/>
                         <a:buNone/>
                       </a:pPr>
+                      <a:r>
+                        <a:rPr lang="en-US" altLang="ko-KR" sz="1500" b="0" u="none" strike="noStrike" cap="none" dirty="0" err="1" smtClean="0">
+                          <a:solidFill>
+                            <a:schemeClr val="dk1"/>
+                          </a:solidFill>
+                        </a:rPr>
+                        <a:t>kb_user_w_semiZoneIntro</a:t>
+                      </a:r>
                       <a:endParaRPr sz="1500" b="0" u="none" strike="noStrike" cap="none" dirty="0">
                         <a:solidFill>
                           <a:schemeClr val="dk1"/>
@@ -37678,6 +39020,11 @@
                     </a:solidFill>
                   </a:tcPr>
                 </a:tc>
+                <a:extLst>
+                  <a:ext uri="{0D108BD9-81ED-4DB2-BD59-A6C34878D82A}">
+                    <a16:rowId xmlns:a16="http://schemas.microsoft.com/office/drawing/2014/main" val="10000"/>
+                  </a:ext>
+                </a:extLst>
               </a:tr>
               <a:tr h="271225">
                 <a:tc rowSpan="2">
@@ -37703,14 +39050,14 @@
                         <a:buNone/>
                       </a:pPr>
                       <a:r>
-                        <a:rPr lang="ko-KR" sz="1500" b="0" u="none" strike="noStrike" cap="none">
+                        <a:rPr lang="ko-KR" sz="1500" b="0" u="none" strike="noStrike" cap="none" dirty="0" err="1">
                           <a:solidFill>
                             <a:schemeClr val="dk1"/>
                           </a:solidFill>
                         </a:rPr>
                         <a:t>화면명</a:t>
                       </a:r>
-                      <a:endParaRPr sz="1500" b="0" u="none" strike="noStrike" cap="none">
+                      <a:endParaRPr sz="1500" b="0" u="none" strike="noStrike" cap="none" dirty="0">
                         <a:solidFill>
                           <a:schemeClr val="dk1"/>
                         </a:solidFill>
@@ -37846,6 +39193,11 @@
                     </a:solidFill>
                   </a:tcPr>
                 </a:tc>
+                <a:extLst>
+                  <a:ext uri="{0D108BD9-81ED-4DB2-BD59-A6C34878D82A}">
+                    <a16:rowId xmlns:a16="http://schemas.microsoft.com/office/drawing/2014/main" val="10001"/>
+                  </a:ext>
+                </a:extLst>
               </a:tr>
               <a:tr h="271225">
                 <a:tc vMerge="1">
@@ -37929,6 +39281,11 @@
                     </a:solidFill>
                   </a:tcPr>
                 </a:tc>
+                <a:extLst>
+                  <a:ext uri="{0D108BD9-81ED-4DB2-BD59-A6C34878D82A}">
+                    <a16:rowId xmlns:a16="http://schemas.microsoft.com/office/drawing/2014/main" val="10002"/>
+                  </a:ext>
+                </a:extLst>
               </a:tr>
             </a:tbl>
           </a:graphicData>
@@ -37951,8 +39308,20 @@
                 <a:noFill/>
               </a:tblPr>
               <a:tblGrid>
-                <a:gridCol w="1407750"/>
-                <a:gridCol w="1407750"/>
+                <a:gridCol w="1407750">
+                  <a:extLst>
+                    <a:ext uri="{9D8B030D-6E8A-4147-A177-3AD203B41FA5}">
+                      <a16:colId xmlns:a16="http://schemas.microsoft.com/office/drawing/2014/main" val="20000"/>
+                    </a:ext>
+                  </a:extLst>
+                </a:gridCol>
+                <a:gridCol w="1407750">
+                  <a:extLst>
+                    <a:ext uri="{9D8B030D-6E8A-4147-A177-3AD203B41FA5}">
+                      <a16:colId xmlns:a16="http://schemas.microsoft.com/office/drawing/2014/main" val="20001"/>
+                    </a:ext>
+                  </a:extLst>
+                </a:gridCol>
               </a:tblGrid>
               <a:tr h="265075">
                 <a:tc>
@@ -38105,6 +39474,11 @@
                     </a:solidFill>
                   </a:tcPr>
                 </a:tc>
+                <a:extLst>
+                  <a:ext uri="{0D108BD9-81ED-4DB2-BD59-A6C34878D82A}">
+                    <a16:rowId xmlns:a16="http://schemas.microsoft.com/office/drawing/2014/main" val="10000"/>
+                  </a:ext>
+                </a:extLst>
               </a:tr>
             </a:tbl>
           </a:graphicData>
@@ -38127,8 +39501,20 @@
                 <a:noFill/>
               </a:tblPr>
               <a:tblGrid>
-                <a:gridCol w="1407750"/>
-                <a:gridCol w="1407750"/>
+                <a:gridCol w="1407750">
+                  <a:extLst>
+                    <a:ext uri="{9D8B030D-6E8A-4147-A177-3AD203B41FA5}">
+                      <a16:colId xmlns:a16="http://schemas.microsoft.com/office/drawing/2014/main" val="20000"/>
+                    </a:ext>
+                  </a:extLst>
+                </a:gridCol>
+                <a:gridCol w="1407750">
+                  <a:extLst>
+                    <a:ext uri="{9D8B030D-6E8A-4147-A177-3AD203B41FA5}">
+                      <a16:colId xmlns:a16="http://schemas.microsoft.com/office/drawing/2014/main" val="20001"/>
+                    </a:ext>
+                  </a:extLst>
+                </a:gridCol>
               </a:tblGrid>
               <a:tr h="265075">
                 <a:tc>
@@ -38281,6 +39667,11 @@
                     </a:solidFill>
                   </a:tcPr>
                 </a:tc>
+                <a:extLst>
+                  <a:ext uri="{0D108BD9-81ED-4DB2-BD59-A6C34878D82A}">
+                    <a16:rowId xmlns:a16="http://schemas.microsoft.com/office/drawing/2014/main" val="10000"/>
+                  </a:ext>
+                </a:extLst>
               </a:tr>
             </a:tbl>
           </a:graphicData>
@@ -38371,8 +39762,20 @@
                 <a:noFill/>
               </a:tblPr>
               <a:tblGrid>
-                <a:gridCol w="382900"/>
-                <a:gridCol w="3149100"/>
+                <a:gridCol w="382900">
+                  <a:extLst>
+                    <a:ext uri="{9D8B030D-6E8A-4147-A177-3AD203B41FA5}">
+                      <a16:colId xmlns:a16="http://schemas.microsoft.com/office/drawing/2014/main" val="20000"/>
+                    </a:ext>
+                  </a:extLst>
+                </a:gridCol>
+                <a:gridCol w="3149100">
+                  <a:extLst>
+                    <a:ext uri="{9D8B030D-6E8A-4147-A177-3AD203B41FA5}">
+                      <a16:colId xmlns:a16="http://schemas.microsoft.com/office/drawing/2014/main" val="20001"/>
+                    </a:ext>
+                  </a:extLst>
+                </a:gridCol>
               </a:tblGrid>
               <a:tr h="356150">
                 <a:tc>
@@ -38525,6 +39928,11 @@
                     </a:solidFill>
                   </a:tcPr>
                 </a:tc>
+                <a:extLst>
+                  <a:ext uri="{0D108BD9-81ED-4DB2-BD59-A6C34878D82A}">
+                    <a16:rowId xmlns:a16="http://schemas.microsoft.com/office/drawing/2014/main" val="10000"/>
+                  </a:ext>
+                </a:extLst>
               </a:tr>
               <a:tr h="972399">
                 <a:tc>
@@ -38677,6 +40085,11 @@
                     </a:solidFill>
                   </a:tcPr>
                 </a:tc>
+                <a:extLst>
+                  <a:ext uri="{0D108BD9-81ED-4DB2-BD59-A6C34878D82A}">
+                    <a16:rowId xmlns:a16="http://schemas.microsoft.com/office/drawing/2014/main" val="10001"/>
+                  </a:ext>
+                </a:extLst>
               </a:tr>
               <a:tr h="892175">
                 <a:tc>
@@ -38803,6 +40216,11 @@
                     </a:solidFill>
                   </a:tcPr>
                 </a:tc>
+                <a:extLst>
+                  <a:ext uri="{0D108BD9-81ED-4DB2-BD59-A6C34878D82A}">
+                    <a16:rowId xmlns:a16="http://schemas.microsoft.com/office/drawing/2014/main" val="10002"/>
+                  </a:ext>
+                </a:extLst>
               </a:tr>
             </a:tbl>
           </a:graphicData>
@@ -39346,7 +40764,7 @@
           <p:nvPr>
             <p:extLst>
               <p:ext uri="{D42A27DB-BD31-4B8C-83A1-F6EECF244321}">
-                <p14:modId xmlns:p14="http://schemas.microsoft.com/office/powerpoint/2010/main" val="148105840"/>
+                <p14:modId xmlns:p14="http://schemas.microsoft.com/office/powerpoint/2010/main" val="948996217"/>
               </p:ext>
             </p:extLst>
           </p:nvPr>
@@ -39362,8 +40780,20 @@
                 <a:noFill/>
               </a:tblPr>
               <a:tblGrid>
-                <a:gridCol w="1443550"/>
-                <a:gridCol w="2680550"/>
+                <a:gridCol w="1443550">
+                  <a:extLst>
+                    <a:ext uri="{9D8B030D-6E8A-4147-A177-3AD203B41FA5}">
+                      <a16:colId xmlns:a16="http://schemas.microsoft.com/office/drawing/2014/main" val="20000"/>
+                    </a:ext>
+                  </a:extLst>
+                </a:gridCol>
+                <a:gridCol w="2680550">
+                  <a:extLst>
+                    <a:ext uri="{9D8B030D-6E8A-4147-A177-3AD203B41FA5}">
+                      <a16:colId xmlns:a16="http://schemas.microsoft.com/office/drawing/2014/main" val="20001"/>
+                    </a:ext>
+                  </a:extLst>
+                </a:gridCol>
               </a:tblGrid>
               <a:tr h="271225">
                 <a:tc>
@@ -39467,6 +40897,14 @@
                         <a:buFont typeface="Arial"/>
                         <a:buNone/>
                       </a:pPr>
+                      <a:r>
+                        <a:rPr lang="en-US" altLang="ko-KR" sz="1500" b="0" u="none" strike="noStrike" cap="none" dirty="0" err="1" smtClean="0">
+                          <a:solidFill>
+                            <a:schemeClr val="dk1"/>
+                          </a:solidFill>
+                        </a:rPr>
+                        <a:t>kb_user_m_semiZoneIntro</a:t>
+                      </a:r>
                       <a:endParaRPr sz="1500" b="0" u="none" strike="noStrike" cap="none" dirty="0">
                         <a:solidFill>
                           <a:schemeClr val="dk1"/>
@@ -39516,6 +40954,11 @@
                     </a:solidFill>
                   </a:tcPr>
                 </a:tc>
+                <a:extLst>
+                  <a:ext uri="{0D108BD9-81ED-4DB2-BD59-A6C34878D82A}">
+                    <a16:rowId xmlns:a16="http://schemas.microsoft.com/office/drawing/2014/main" val="10000"/>
+                  </a:ext>
+                </a:extLst>
               </a:tr>
               <a:tr h="271225">
                 <a:tc rowSpan="2">
@@ -39708,6 +41151,11 @@
                     </a:solidFill>
                   </a:tcPr>
                 </a:tc>
+                <a:extLst>
+                  <a:ext uri="{0D108BD9-81ED-4DB2-BD59-A6C34878D82A}">
+                    <a16:rowId xmlns:a16="http://schemas.microsoft.com/office/drawing/2014/main" val="10001"/>
+                  </a:ext>
+                </a:extLst>
               </a:tr>
               <a:tr h="271225">
                 <a:tc vMerge="1">
@@ -39791,6 +41239,11 @@
                     </a:solidFill>
                   </a:tcPr>
                 </a:tc>
+                <a:extLst>
+                  <a:ext uri="{0D108BD9-81ED-4DB2-BD59-A6C34878D82A}">
+                    <a16:rowId xmlns:a16="http://schemas.microsoft.com/office/drawing/2014/main" val="10002"/>
+                  </a:ext>
+                </a:extLst>
               </a:tr>
             </a:tbl>
           </a:graphicData>
@@ -39813,8 +41266,20 @@
                 <a:noFill/>
               </a:tblPr>
               <a:tblGrid>
-                <a:gridCol w="1407750"/>
-                <a:gridCol w="1407750"/>
+                <a:gridCol w="1407750">
+                  <a:extLst>
+                    <a:ext uri="{9D8B030D-6E8A-4147-A177-3AD203B41FA5}">
+                      <a16:colId xmlns:a16="http://schemas.microsoft.com/office/drawing/2014/main" val="20000"/>
+                    </a:ext>
+                  </a:extLst>
+                </a:gridCol>
+                <a:gridCol w="1407750">
+                  <a:extLst>
+                    <a:ext uri="{9D8B030D-6E8A-4147-A177-3AD203B41FA5}">
+                      <a16:colId xmlns:a16="http://schemas.microsoft.com/office/drawing/2014/main" val="20001"/>
+                    </a:ext>
+                  </a:extLst>
+                </a:gridCol>
               </a:tblGrid>
               <a:tr h="265075">
                 <a:tc>
@@ -39967,6 +41432,11 @@
                     </a:solidFill>
                   </a:tcPr>
                 </a:tc>
+                <a:extLst>
+                  <a:ext uri="{0D108BD9-81ED-4DB2-BD59-A6C34878D82A}">
+                    <a16:rowId xmlns:a16="http://schemas.microsoft.com/office/drawing/2014/main" val="10000"/>
+                  </a:ext>
+                </a:extLst>
               </a:tr>
             </a:tbl>
           </a:graphicData>
@@ -39989,8 +41459,20 @@
                 <a:noFill/>
               </a:tblPr>
               <a:tblGrid>
-                <a:gridCol w="1407750"/>
-                <a:gridCol w="1407750"/>
+                <a:gridCol w="1407750">
+                  <a:extLst>
+                    <a:ext uri="{9D8B030D-6E8A-4147-A177-3AD203B41FA5}">
+                      <a16:colId xmlns:a16="http://schemas.microsoft.com/office/drawing/2014/main" val="20000"/>
+                    </a:ext>
+                  </a:extLst>
+                </a:gridCol>
+                <a:gridCol w="1407750">
+                  <a:extLst>
+                    <a:ext uri="{9D8B030D-6E8A-4147-A177-3AD203B41FA5}">
+                      <a16:colId xmlns:a16="http://schemas.microsoft.com/office/drawing/2014/main" val="20001"/>
+                    </a:ext>
+                  </a:extLst>
+                </a:gridCol>
               </a:tblGrid>
               <a:tr h="265075">
                 <a:tc>
@@ -40143,6 +41625,11 @@
                     </a:solidFill>
                   </a:tcPr>
                 </a:tc>
+                <a:extLst>
+                  <a:ext uri="{0D108BD9-81ED-4DB2-BD59-A6C34878D82A}">
+                    <a16:rowId xmlns:a16="http://schemas.microsoft.com/office/drawing/2014/main" val="10000"/>
+                  </a:ext>
+                </a:extLst>
               </a:tr>
             </a:tbl>
           </a:graphicData>
@@ -40233,8 +41720,20 @@
                 <a:noFill/>
               </a:tblPr>
               <a:tblGrid>
-                <a:gridCol w="382900"/>
-                <a:gridCol w="3149100"/>
+                <a:gridCol w="382900">
+                  <a:extLst>
+                    <a:ext uri="{9D8B030D-6E8A-4147-A177-3AD203B41FA5}">
+                      <a16:colId xmlns:a16="http://schemas.microsoft.com/office/drawing/2014/main" val="20000"/>
+                    </a:ext>
+                  </a:extLst>
+                </a:gridCol>
+                <a:gridCol w="3149100">
+                  <a:extLst>
+                    <a:ext uri="{9D8B030D-6E8A-4147-A177-3AD203B41FA5}">
+                      <a16:colId xmlns:a16="http://schemas.microsoft.com/office/drawing/2014/main" val="20001"/>
+                    </a:ext>
+                  </a:extLst>
+                </a:gridCol>
               </a:tblGrid>
               <a:tr h="356150">
                 <a:tc>
@@ -40387,6 +41886,11 @@
                     </a:solidFill>
                   </a:tcPr>
                 </a:tc>
+                <a:extLst>
+                  <a:ext uri="{0D108BD9-81ED-4DB2-BD59-A6C34878D82A}">
+                    <a16:rowId xmlns:a16="http://schemas.microsoft.com/office/drawing/2014/main" val="10000"/>
+                  </a:ext>
+                </a:extLst>
               </a:tr>
               <a:tr h="972399">
                 <a:tc>
@@ -40539,6 +42043,11 @@
                     </a:solidFill>
                   </a:tcPr>
                 </a:tc>
+                <a:extLst>
+                  <a:ext uri="{0D108BD9-81ED-4DB2-BD59-A6C34878D82A}">
+                    <a16:rowId xmlns:a16="http://schemas.microsoft.com/office/drawing/2014/main" val="10001"/>
+                  </a:ext>
+                </a:extLst>
               </a:tr>
               <a:tr h="892175">
                 <a:tc>
@@ -40665,6 +42174,11 @@
                     </a:solidFill>
                   </a:tcPr>
                 </a:tc>
+                <a:extLst>
+                  <a:ext uri="{0D108BD9-81ED-4DB2-BD59-A6C34878D82A}">
+                    <a16:rowId xmlns:a16="http://schemas.microsoft.com/office/drawing/2014/main" val="10002"/>
+                  </a:ext>
+                </a:extLst>
               </a:tr>
             </a:tbl>
           </a:graphicData>

--- a/0 발표용 파워포인트/project05 - 파워포인트 종합 - 기범.pptx
+++ b/0 발표용 파워포인트/project05 - 파워포인트 종합 - 기범.pptx
@@ -26200,7 +26200,7 @@
         </p:nvSpPr>
         <p:spPr>
           <a:xfrm>
-            <a:off x="5137963" y="783913"/>
+            <a:off x="5106185" y="783913"/>
             <a:ext cx="302700" cy="324600"/>
           </a:xfrm>
           <a:prstGeom prst="rect">

--- a/0 발표용 파워포인트/project05 - 파워포인트 종합 - 기범.pptx
+++ b/0 발표용 파워포인트/project05 - 파워포인트 종합 - 기범.pptx
@@ -125,7 +125,7 @@
   </p:defaultTextStyle>
   <p:extLst>
     <p:ext uri="{EFAFB233-063F-42B5-8137-9DF3F51BA10A}">
-      <p15:sldGuideLst xmlns:p15="http://schemas.microsoft.com/office/powerpoint/2012/main">
+      <p15:sldGuideLst xmlns:p15="http://schemas.microsoft.com/office/powerpoint/2012/main" xmlns="">
         <p15:guide id="1" orient="horz" pos="2160">
           <p15:clr>
             <a:srgbClr val="A4A3A4"/>
@@ -225,7 +225,7 @@
             <a:fld id="{EFE7F2A0-C7D9-4DBD-AE3B-C1A712DCE501}" type="datetimeFigureOut">
               <a:rPr lang="ko-KR" altLang="en-US" smtClean="0"/>
               <a:pPr/>
-              <a:t>2020-03-31</a:t>
+              <a:t>2020-04-01</a:t>
             </a:fld>
             <a:endParaRPr lang="ko-KR" altLang="en-US"/>
           </a:p>
@@ -2658,7 +2658,7 @@
             <a:fld id="{272C3D53-FEDF-49EC-8F65-FFFC138B637E}" type="datetimeFigureOut">
               <a:rPr lang="ko-KR" altLang="en-US" smtClean="0"/>
               <a:pPr/>
-              <a:t>2020-03-31</a:t>
+              <a:t>2020-04-01</a:t>
             </a:fld>
             <a:endParaRPr lang="ko-KR" altLang="en-US"/>
           </a:p>
@@ -2830,7 +2830,7 @@
             <a:fld id="{272C3D53-FEDF-49EC-8F65-FFFC138B637E}" type="datetimeFigureOut">
               <a:rPr lang="ko-KR" altLang="en-US" smtClean="0"/>
               <a:pPr/>
-              <a:t>2020-03-31</a:t>
+              <a:t>2020-04-01</a:t>
             </a:fld>
             <a:endParaRPr lang="ko-KR" altLang="en-US"/>
           </a:p>
@@ -3012,7 +3012,7 @@
             <a:fld id="{272C3D53-FEDF-49EC-8F65-FFFC138B637E}" type="datetimeFigureOut">
               <a:rPr lang="ko-KR" altLang="en-US" smtClean="0"/>
               <a:pPr/>
-              <a:t>2020-03-31</a:t>
+              <a:t>2020-04-01</a:t>
             </a:fld>
             <a:endParaRPr lang="ko-KR" altLang="en-US"/>
           </a:p>
@@ -3184,7 +3184,7 @@
             <a:fld id="{272C3D53-FEDF-49EC-8F65-FFFC138B637E}" type="datetimeFigureOut">
               <a:rPr lang="ko-KR" altLang="en-US" smtClean="0"/>
               <a:pPr/>
-              <a:t>2020-03-31</a:t>
+              <a:t>2020-04-01</a:t>
             </a:fld>
             <a:endParaRPr lang="ko-KR" altLang="en-US"/>
           </a:p>
@@ -3432,7 +3432,7 @@
             <a:fld id="{272C3D53-FEDF-49EC-8F65-FFFC138B637E}" type="datetimeFigureOut">
               <a:rPr lang="ko-KR" altLang="en-US" smtClean="0"/>
               <a:pPr/>
-              <a:t>2020-03-31</a:t>
+              <a:t>2020-04-01</a:t>
             </a:fld>
             <a:endParaRPr lang="ko-KR" altLang="en-US"/>
           </a:p>
@@ -3666,7 +3666,7 @@
             <a:fld id="{272C3D53-FEDF-49EC-8F65-FFFC138B637E}" type="datetimeFigureOut">
               <a:rPr lang="ko-KR" altLang="en-US" smtClean="0"/>
               <a:pPr/>
-              <a:t>2020-03-31</a:t>
+              <a:t>2020-04-01</a:t>
             </a:fld>
             <a:endParaRPr lang="ko-KR" altLang="en-US"/>
           </a:p>
@@ -4035,7 +4035,7 @@
             <a:fld id="{272C3D53-FEDF-49EC-8F65-FFFC138B637E}" type="datetimeFigureOut">
               <a:rPr lang="ko-KR" altLang="en-US" smtClean="0"/>
               <a:pPr/>
-              <a:t>2020-03-31</a:t>
+              <a:t>2020-04-01</a:t>
             </a:fld>
             <a:endParaRPr lang="ko-KR" altLang="en-US"/>
           </a:p>
@@ -4155,7 +4155,7 @@
             <a:fld id="{272C3D53-FEDF-49EC-8F65-FFFC138B637E}" type="datetimeFigureOut">
               <a:rPr lang="ko-KR" altLang="en-US" smtClean="0"/>
               <a:pPr/>
-              <a:t>2020-03-31</a:t>
+              <a:t>2020-04-01</a:t>
             </a:fld>
             <a:endParaRPr lang="ko-KR" altLang="en-US"/>
           </a:p>
@@ -4252,7 +4252,7 @@
             <a:fld id="{272C3D53-FEDF-49EC-8F65-FFFC138B637E}" type="datetimeFigureOut">
               <a:rPr lang="ko-KR" altLang="en-US" smtClean="0"/>
               <a:pPr/>
-              <a:t>2020-03-31</a:t>
+              <a:t>2020-04-01</a:t>
             </a:fld>
             <a:endParaRPr lang="ko-KR" altLang="en-US"/>
           </a:p>
@@ -4531,7 +4531,7 @@
             <a:fld id="{272C3D53-FEDF-49EC-8F65-FFFC138B637E}" type="datetimeFigureOut">
               <a:rPr lang="ko-KR" altLang="en-US" smtClean="0"/>
               <a:pPr/>
-              <a:t>2020-03-31</a:t>
+              <a:t>2020-04-01</a:t>
             </a:fld>
             <a:endParaRPr lang="ko-KR" altLang="en-US"/>
           </a:p>
@@ -4786,7 +4786,7 @@
             <a:fld id="{272C3D53-FEDF-49EC-8F65-FFFC138B637E}" type="datetimeFigureOut">
               <a:rPr lang="ko-KR" altLang="en-US" smtClean="0"/>
               <a:pPr/>
-              <a:t>2020-03-31</a:t>
+              <a:t>2020-04-01</a:t>
             </a:fld>
             <a:endParaRPr lang="ko-KR" altLang="en-US"/>
           </a:p>
@@ -5001,7 +5001,7 @@
             <a:fld id="{272C3D53-FEDF-49EC-8F65-FFFC138B637E}" type="datetimeFigureOut">
               <a:rPr lang="ko-KR" altLang="en-US" smtClean="0"/>
               <a:pPr/>
-              <a:t>2020-03-31</a:t>
+              <a:t>2020-04-01</a:t>
             </a:fld>
             <a:endParaRPr lang="ko-KR" altLang="en-US"/>
           </a:p>
@@ -5598,14 +5598,14 @@
                 <a:gridCol w="1443550">
                   <a:extLst>
                     <a:ext uri="{9D8B030D-6E8A-4147-A177-3AD203B41FA5}">
-                      <a16:colId xmlns:a16="http://schemas.microsoft.com/office/drawing/2014/main" val="20000"/>
+                      <a16:colId xmlns:a16="http://schemas.microsoft.com/office/drawing/2014/main" xmlns="" val="20000"/>
                     </a:ext>
                   </a:extLst>
                 </a:gridCol>
                 <a:gridCol w="2680550">
                   <a:extLst>
                     <a:ext uri="{9D8B030D-6E8A-4147-A177-3AD203B41FA5}">
-                      <a16:colId xmlns:a16="http://schemas.microsoft.com/office/drawing/2014/main" val="20001"/>
+                      <a16:colId xmlns:a16="http://schemas.microsoft.com/office/drawing/2014/main" xmlns="" val="20001"/>
                     </a:ext>
                   </a:extLst>
                 </a:gridCol>
@@ -5771,7 +5771,7 @@
                 </a:tc>
                 <a:extLst>
                   <a:ext uri="{0D108BD9-81ED-4DB2-BD59-A6C34878D82A}">
-                    <a16:rowId xmlns:a16="http://schemas.microsoft.com/office/drawing/2014/main" val="10000"/>
+                    <a16:rowId xmlns:a16="http://schemas.microsoft.com/office/drawing/2014/main" xmlns="" val="10000"/>
                   </a:ext>
                 </a:extLst>
               </a:tr>
@@ -5944,7 +5944,7 @@
                 </a:tc>
                 <a:extLst>
                   <a:ext uri="{0D108BD9-81ED-4DB2-BD59-A6C34878D82A}">
-                    <a16:rowId xmlns:a16="http://schemas.microsoft.com/office/drawing/2014/main" val="10001"/>
+                    <a16:rowId xmlns:a16="http://schemas.microsoft.com/office/drawing/2014/main" xmlns="" val="10001"/>
                   </a:ext>
                 </a:extLst>
               </a:tr>
@@ -6032,7 +6032,7 @@
                 </a:tc>
                 <a:extLst>
                   <a:ext uri="{0D108BD9-81ED-4DB2-BD59-A6C34878D82A}">
-                    <a16:rowId xmlns:a16="http://schemas.microsoft.com/office/drawing/2014/main" val="10002"/>
+                    <a16:rowId xmlns:a16="http://schemas.microsoft.com/office/drawing/2014/main" xmlns="" val="10002"/>
                   </a:ext>
                 </a:extLst>
               </a:tr>
@@ -6060,14 +6060,14 @@
                 <a:gridCol w="1407750">
                   <a:extLst>
                     <a:ext uri="{9D8B030D-6E8A-4147-A177-3AD203B41FA5}">
-                      <a16:colId xmlns:a16="http://schemas.microsoft.com/office/drawing/2014/main" val="20000"/>
+                      <a16:colId xmlns:a16="http://schemas.microsoft.com/office/drawing/2014/main" xmlns="" val="20000"/>
                     </a:ext>
                   </a:extLst>
                 </a:gridCol>
                 <a:gridCol w="1407750">
                   <a:extLst>
                     <a:ext uri="{9D8B030D-6E8A-4147-A177-3AD203B41FA5}">
-                      <a16:colId xmlns:a16="http://schemas.microsoft.com/office/drawing/2014/main" val="20001"/>
+                      <a16:colId xmlns:a16="http://schemas.microsoft.com/office/drawing/2014/main" xmlns="" val="20001"/>
                     </a:ext>
                   </a:extLst>
                 </a:gridCol>
@@ -6225,7 +6225,7 @@
                 </a:tc>
                 <a:extLst>
                   <a:ext uri="{0D108BD9-81ED-4DB2-BD59-A6C34878D82A}">
-                    <a16:rowId xmlns:a16="http://schemas.microsoft.com/office/drawing/2014/main" val="10000"/>
+                    <a16:rowId xmlns:a16="http://schemas.microsoft.com/office/drawing/2014/main" xmlns="" val="10000"/>
                   </a:ext>
                 </a:extLst>
               </a:tr>
@@ -6253,14 +6253,14 @@
                 <a:gridCol w="1407750">
                   <a:extLst>
                     <a:ext uri="{9D8B030D-6E8A-4147-A177-3AD203B41FA5}">
-                      <a16:colId xmlns:a16="http://schemas.microsoft.com/office/drawing/2014/main" val="20000"/>
+                      <a16:colId xmlns:a16="http://schemas.microsoft.com/office/drawing/2014/main" xmlns="" val="20000"/>
                     </a:ext>
                   </a:extLst>
                 </a:gridCol>
                 <a:gridCol w="1407750">
                   <a:extLst>
                     <a:ext uri="{9D8B030D-6E8A-4147-A177-3AD203B41FA5}">
-                      <a16:colId xmlns:a16="http://schemas.microsoft.com/office/drawing/2014/main" val="20001"/>
+                      <a16:colId xmlns:a16="http://schemas.microsoft.com/office/drawing/2014/main" xmlns="" val="20001"/>
                     </a:ext>
                   </a:extLst>
                 </a:gridCol>
@@ -6418,7 +6418,7 @@
                 </a:tc>
                 <a:extLst>
                   <a:ext uri="{0D108BD9-81ED-4DB2-BD59-A6C34878D82A}">
-                    <a16:rowId xmlns:a16="http://schemas.microsoft.com/office/drawing/2014/main" val="10000"/>
+                    <a16:rowId xmlns:a16="http://schemas.microsoft.com/office/drawing/2014/main" xmlns="" val="10000"/>
                   </a:ext>
                 </a:extLst>
               </a:tr>
@@ -6514,14 +6514,14 @@
                 <a:gridCol w="382900">
                   <a:extLst>
                     <a:ext uri="{9D8B030D-6E8A-4147-A177-3AD203B41FA5}">
-                      <a16:colId xmlns:a16="http://schemas.microsoft.com/office/drawing/2014/main" val="20000"/>
+                      <a16:colId xmlns:a16="http://schemas.microsoft.com/office/drawing/2014/main" xmlns="" val="20000"/>
                     </a:ext>
                   </a:extLst>
                 </a:gridCol>
                 <a:gridCol w="3149100">
                   <a:extLst>
                     <a:ext uri="{9D8B030D-6E8A-4147-A177-3AD203B41FA5}">
-                      <a16:colId xmlns:a16="http://schemas.microsoft.com/office/drawing/2014/main" val="20001"/>
+                      <a16:colId xmlns:a16="http://schemas.microsoft.com/office/drawing/2014/main" xmlns="" val="20001"/>
                     </a:ext>
                   </a:extLst>
                 </a:gridCol>
@@ -6679,7 +6679,7 @@
                 </a:tc>
                 <a:extLst>
                   <a:ext uri="{0D108BD9-81ED-4DB2-BD59-A6C34878D82A}">
-                    <a16:rowId xmlns:a16="http://schemas.microsoft.com/office/drawing/2014/main" val="10000"/>
+                    <a16:rowId xmlns:a16="http://schemas.microsoft.com/office/drawing/2014/main" xmlns="" val="10000"/>
                   </a:ext>
                 </a:extLst>
               </a:tr>
@@ -6876,7 +6876,7 @@
                 </a:tc>
                 <a:extLst>
                   <a:ext uri="{0D108BD9-81ED-4DB2-BD59-A6C34878D82A}">
-                    <a16:rowId xmlns:a16="http://schemas.microsoft.com/office/drawing/2014/main" val="10001"/>
+                    <a16:rowId xmlns:a16="http://schemas.microsoft.com/office/drawing/2014/main" xmlns="" val="10001"/>
                   </a:ext>
                 </a:extLst>
               </a:tr>
@@ -7007,7 +7007,7 @@
                 </a:tc>
                 <a:extLst>
                   <a:ext uri="{0D108BD9-81ED-4DB2-BD59-A6C34878D82A}">
-                    <a16:rowId xmlns:a16="http://schemas.microsoft.com/office/drawing/2014/main" val="10002"/>
+                    <a16:rowId xmlns:a16="http://schemas.microsoft.com/office/drawing/2014/main" xmlns="" val="10002"/>
                   </a:ext>
                 </a:extLst>
               </a:tr>
@@ -7553,7 +7553,7 @@
           <p:nvPr>
             <p:extLst>
               <p:ext uri="{D42A27DB-BD31-4B8C-83A1-F6EECF244321}">
-                <p14:modId xmlns:p14="http://schemas.microsoft.com/office/powerpoint/2010/main" val="1552975145"/>
+                <p14:modId xmlns:p14="http://schemas.microsoft.com/office/powerpoint/2010/main" val="1319973965"/>
               </p:ext>
             </p:extLst>
           </p:nvPr>
@@ -7572,14 +7572,14 @@
                 <a:gridCol w="1602632">
                   <a:extLst>
                     <a:ext uri="{9D8B030D-6E8A-4147-A177-3AD203B41FA5}">
-                      <a16:colId xmlns:a16="http://schemas.microsoft.com/office/drawing/2014/main" val="20000"/>
+                      <a16:colId xmlns:a16="http://schemas.microsoft.com/office/drawing/2014/main" xmlns="" val="20000"/>
                     </a:ext>
                   </a:extLst>
                 </a:gridCol>
                 <a:gridCol w="2975952">
                   <a:extLst>
                     <a:ext uri="{9D8B030D-6E8A-4147-A177-3AD203B41FA5}">
-                      <a16:colId xmlns:a16="http://schemas.microsoft.com/office/drawing/2014/main" val="20001"/>
+                      <a16:colId xmlns:a16="http://schemas.microsoft.com/office/drawing/2014/main" xmlns="" val="20001"/>
                     </a:ext>
                   </a:extLst>
                 </a:gridCol>
@@ -7745,7 +7745,7 @@
                 </a:tc>
                 <a:extLst>
                   <a:ext uri="{0D108BD9-81ED-4DB2-BD59-A6C34878D82A}">
-                    <a16:rowId xmlns:a16="http://schemas.microsoft.com/office/drawing/2014/main" val="10000"/>
+                    <a16:rowId xmlns:a16="http://schemas.microsoft.com/office/drawing/2014/main" xmlns="" val="10000"/>
                   </a:ext>
                 </a:extLst>
               </a:tr>
@@ -7918,7 +7918,7 @@
                 </a:tc>
                 <a:extLst>
                   <a:ext uri="{0D108BD9-81ED-4DB2-BD59-A6C34878D82A}">
-                    <a16:rowId xmlns:a16="http://schemas.microsoft.com/office/drawing/2014/main" val="10001"/>
+                    <a16:rowId xmlns:a16="http://schemas.microsoft.com/office/drawing/2014/main" xmlns="" val="10001"/>
                   </a:ext>
                 </a:extLst>
               </a:tr>
@@ -8006,7 +8006,7 @@
                 </a:tc>
                 <a:extLst>
                   <a:ext uri="{0D108BD9-81ED-4DB2-BD59-A6C34878D82A}">
-                    <a16:rowId xmlns:a16="http://schemas.microsoft.com/office/drawing/2014/main" val="10002"/>
+                    <a16:rowId xmlns:a16="http://schemas.microsoft.com/office/drawing/2014/main" xmlns="" val="10002"/>
                   </a:ext>
                 </a:extLst>
               </a:tr>
@@ -8034,14 +8034,14 @@
                 <a:gridCol w="1407750">
                   <a:extLst>
                     <a:ext uri="{9D8B030D-6E8A-4147-A177-3AD203B41FA5}">
-                      <a16:colId xmlns:a16="http://schemas.microsoft.com/office/drawing/2014/main" val="20000"/>
+                      <a16:colId xmlns:a16="http://schemas.microsoft.com/office/drawing/2014/main" xmlns="" val="20000"/>
                     </a:ext>
                   </a:extLst>
                 </a:gridCol>
                 <a:gridCol w="1407750">
                   <a:extLst>
                     <a:ext uri="{9D8B030D-6E8A-4147-A177-3AD203B41FA5}">
-                      <a16:colId xmlns:a16="http://schemas.microsoft.com/office/drawing/2014/main" val="20001"/>
+                      <a16:colId xmlns:a16="http://schemas.microsoft.com/office/drawing/2014/main" xmlns="" val="20001"/>
                     </a:ext>
                   </a:extLst>
                 </a:gridCol>
@@ -8199,7 +8199,7 @@
                 </a:tc>
                 <a:extLst>
                   <a:ext uri="{0D108BD9-81ED-4DB2-BD59-A6C34878D82A}">
-                    <a16:rowId xmlns:a16="http://schemas.microsoft.com/office/drawing/2014/main" val="10000"/>
+                    <a16:rowId xmlns:a16="http://schemas.microsoft.com/office/drawing/2014/main" xmlns="" val="10000"/>
                   </a:ext>
                 </a:extLst>
               </a:tr>
@@ -8227,14 +8227,14 @@
                 <a:gridCol w="1407750">
                   <a:extLst>
                     <a:ext uri="{9D8B030D-6E8A-4147-A177-3AD203B41FA5}">
-                      <a16:colId xmlns:a16="http://schemas.microsoft.com/office/drawing/2014/main" val="20000"/>
+                      <a16:colId xmlns:a16="http://schemas.microsoft.com/office/drawing/2014/main" xmlns="" val="20000"/>
                     </a:ext>
                   </a:extLst>
                 </a:gridCol>
                 <a:gridCol w="1407750">
                   <a:extLst>
                     <a:ext uri="{9D8B030D-6E8A-4147-A177-3AD203B41FA5}">
-                      <a16:colId xmlns:a16="http://schemas.microsoft.com/office/drawing/2014/main" val="20001"/>
+                      <a16:colId xmlns:a16="http://schemas.microsoft.com/office/drawing/2014/main" xmlns="" val="20001"/>
                     </a:ext>
                   </a:extLst>
                 </a:gridCol>
@@ -8392,7 +8392,7 @@
                 </a:tc>
                 <a:extLst>
                   <a:ext uri="{0D108BD9-81ED-4DB2-BD59-A6C34878D82A}">
-                    <a16:rowId xmlns:a16="http://schemas.microsoft.com/office/drawing/2014/main" val="10000"/>
+                    <a16:rowId xmlns:a16="http://schemas.microsoft.com/office/drawing/2014/main" xmlns="" val="10000"/>
                   </a:ext>
                 </a:extLst>
               </a:tr>
@@ -8488,14 +8488,14 @@
                 <a:gridCol w="382900">
                   <a:extLst>
                     <a:ext uri="{9D8B030D-6E8A-4147-A177-3AD203B41FA5}">
-                      <a16:colId xmlns:a16="http://schemas.microsoft.com/office/drawing/2014/main" val="20000"/>
+                      <a16:colId xmlns:a16="http://schemas.microsoft.com/office/drawing/2014/main" xmlns="" val="20000"/>
                     </a:ext>
                   </a:extLst>
                 </a:gridCol>
                 <a:gridCol w="3149100">
                   <a:extLst>
                     <a:ext uri="{9D8B030D-6E8A-4147-A177-3AD203B41FA5}">
-                      <a16:colId xmlns:a16="http://schemas.microsoft.com/office/drawing/2014/main" val="20001"/>
+                      <a16:colId xmlns:a16="http://schemas.microsoft.com/office/drawing/2014/main" xmlns="" val="20001"/>
                     </a:ext>
                   </a:extLst>
                 </a:gridCol>
@@ -8653,7 +8653,7 @@
                 </a:tc>
                 <a:extLst>
                   <a:ext uri="{0D108BD9-81ED-4DB2-BD59-A6C34878D82A}">
-                    <a16:rowId xmlns:a16="http://schemas.microsoft.com/office/drawing/2014/main" val="10000"/>
+                    <a16:rowId xmlns:a16="http://schemas.microsoft.com/office/drawing/2014/main" xmlns="" val="10000"/>
                   </a:ext>
                 </a:extLst>
               </a:tr>
@@ -8810,7 +8810,7 @@
                 </a:tc>
                 <a:extLst>
                   <a:ext uri="{0D108BD9-81ED-4DB2-BD59-A6C34878D82A}">
-                    <a16:rowId xmlns:a16="http://schemas.microsoft.com/office/drawing/2014/main" val="10001"/>
+                    <a16:rowId xmlns:a16="http://schemas.microsoft.com/office/drawing/2014/main" xmlns="" val="10001"/>
                   </a:ext>
                 </a:extLst>
               </a:tr>
@@ -8941,7 +8941,7 @@
                 </a:tc>
                 <a:extLst>
                   <a:ext uri="{0D108BD9-81ED-4DB2-BD59-A6C34878D82A}">
-                    <a16:rowId xmlns:a16="http://schemas.microsoft.com/office/drawing/2014/main" val="10002"/>
+                    <a16:rowId xmlns:a16="http://schemas.microsoft.com/office/drawing/2014/main" xmlns="" val="10002"/>
                   </a:ext>
                 </a:extLst>
               </a:tr>
@@ -9506,14 +9506,14 @@
                 <a:gridCol w="1443550">
                   <a:extLst>
                     <a:ext uri="{9D8B030D-6E8A-4147-A177-3AD203B41FA5}">
-                      <a16:colId xmlns:a16="http://schemas.microsoft.com/office/drawing/2014/main" val="20000"/>
+                      <a16:colId xmlns:a16="http://schemas.microsoft.com/office/drawing/2014/main" xmlns="" val="20000"/>
                     </a:ext>
                   </a:extLst>
                 </a:gridCol>
                 <a:gridCol w="2680550">
                   <a:extLst>
                     <a:ext uri="{9D8B030D-6E8A-4147-A177-3AD203B41FA5}">
-                      <a16:colId xmlns:a16="http://schemas.microsoft.com/office/drawing/2014/main" val="20001"/>
+                      <a16:colId xmlns:a16="http://schemas.microsoft.com/office/drawing/2014/main" xmlns="" val="20001"/>
                     </a:ext>
                   </a:extLst>
                 </a:gridCol>
@@ -9679,7 +9679,7 @@
                 </a:tc>
                 <a:extLst>
                   <a:ext uri="{0D108BD9-81ED-4DB2-BD59-A6C34878D82A}">
-                    <a16:rowId xmlns:a16="http://schemas.microsoft.com/office/drawing/2014/main" val="10000"/>
+                    <a16:rowId xmlns:a16="http://schemas.microsoft.com/office/drawing/2014/main" xmlns="" val="10000"/>
                   </a:ext>
                 </a:extLst>
               </a:tr>
@@ -9852,7 +9852,7 @@
                 </a:tc>
                 <a:extLst>
                   <a:ext uri="{0D108BD9-81ED-4DB2-BD59-A6C34878D82A}">
-                    <a16:rowId xmlns:a16="http://schemas.microsoft.com/office/drawing/2014/main" val="10001"/>
+                    <a16:rowId xmlns:a16="http://schemas.microsoft.com/office/drawing/2014/main" xmlns="" val="10001"/>
                   </a:ext>
                 </a:extLst>
               </a:tr>
@@ -9940,7 +9940,7 @@
                 </a:tc>
                 <a:extLst>
                   <a:ext uri="{0D108BD9-81ED-4DB2-BD59-A6C34878D82A}">
-                    <a16:rowId xmlns:a16="http://schemas.microsoft.com/office/drawing/2014/main" val="10002"/>
+                    <a16:rowId xmlns:a16="http://schemas.microsoft.com/office/drawing/2014/main" xmlns="" val="10002"/>
                   </a:ext>
                 </a:extLst>
               </a:tr>
@@ -9968,14 +9968,14 @@
                 <a:gridCol w="1407750">
                   <a:extLst>
                     <a:ext uri="{9D8B030D-6E8A-4147-A177-3AD203B41FA5}">
-                      <a16:colId xmlns:a16="http://schemas.microsoft.com/office/drawing/2014/main" val="20000"/>
+                      <a16:colId xmlns:a16="http://schemas.microsoft.com/office/drawing/2014/main" xmlns="" val="20000"/>
                     </a:ext>
                   </a:extLst>
                 </a:gridCol>
                 <a:gridCol w="1407750">
                   <a:extLst>
                     <a:ext uri="{9D8B030D-6E8A-4147-A177-3AD203B41FA5}">
-                      <a16:colId xmlns:a16="http://schemas.microsoft.com/office/drawing/2014/main" val="20001"/>
+                      <a16:colId xmlns:a16="http://schemas.microsoft.com/office/drawing/2014/main" xmlns="" val="20001"/>
                     </a:ext>
                   </a:extLst>
                 </a:gridCol>
@@ -10133,7 +10133,7 @@
                 </a:tc>
                 <a:extLst>
                   <a:ext uri="{0D108BD9-81ED-4DB2-BD59-A6C34878D82A}">
-                    <a16:rowId xmlns:a16="http://schemas.microsoft.com/office/drawing/2014/main" val="10000"/>
+                    <a16:rowId xmlns:a16="http://schemas.microsoft.com/office/drawing/2014/main" xmlns="" val="10000"/>
                   </a:ext>
                 </a:extLst>
               </a:tr>
@@ -10161,14 +10161,14 @@
                 <a:gridCol w="1407750">
                   <a:extLst>
                     <a:ext uri="{9D8B030D-6E8A-4147-A177-3AD203B41FA5}">
-                      <a16:colId xmlns:a16="http://schemas.microsoft.com/office/drawing/2014/main" val="20000"/>
+                      <a16:colId xmlns:a16="http://schemas.microsoft.com/office/drawing/2014/main" xmlns="" val="20000"/>
                     </a:ext>
                   </a:extLst>
                 </a:gridCol>
                 <a:gridCol w="1407750">
                   <a:extLst>
                     <a:ext uri="{9D8B030D-6E8A-4147-A177-3AD203B41FA5}">
-                      <a16:colId xmlns:a16="http://schemas.microsoft.com/office/drawing/2014/main" val="20001"/>
+                      <a16:colId xmlns:a16="http://schemas.microsoft.com/office/drawing/2014/main" xmlns="" val="20001"/>
                     </a:ext>
                   </a:extLst>
                 </a:gridCol>
@@ -10326,7 +10326,7 @@
                 </a:tc>
                 <a:extLst>
                   <a:ext uri="{0D108BD9-81ED-4DB2-BD59-A6C34878D82A}">
-                    <a16:rowId xmlns:a16="http://schemas.microsoft.com/office/drawing/2014/main" val="10000"/>
+                    <a16:rowId xmlns:a16="http://schemas.microsoft.com/office/drawing/2014/main" xmlns="" val="10000"/>
                   </a:ext>
                 </a:extLst>
               </a:tr>
@@ -10422,14 +10422,14 @@
                 <a:gridCol w="382900">
                   <a:extLst>
                     <a:ext uri="{9D8B030D-6E8A-4147-A177-3AD203B41FA5}">
-                      <a16:colId xmlns:a16="http://schemas.microsoft.com/office/drawing/2014/main" val="20000"/>
+                      <a16:colId xmlns:a16="http://schemas.microsoft.com/office/drawing/2014/main" xmlns="" val="20000"/>
                     </a:ext>
                   </a:extLst>
                 </a:gridCol>
                 <a:gridCol w="3149100">
                   <a:extLst>
                     <a:ext uri="{9D8B030D-6E8A-4147-A177-3AD203B41FA5}">
-                      <a16:colId xmlns:a16="http://schemas.microsoft.com/office/drawing/2014/main" val="20001"/>
+                      <a16:colId xmlns:a16="http://schemas.microsoft.com/office/drawing/2014/main" xmlns="" val="20001"/>
                     </a:ext>
                   </a:extLst>
                 </a:gridCol>
@@ -10587,7 +10587,7 @@
                 </a:tc>
                 <a:extLst>
                   <a:ext uri="{0D108BD9-81ED-4DB2-BD59-A6C34878D82A}">
-                    <a16:rowId xmlns:a16="http://schemas.microsoft.com/office/drawing/2014/main" val="10000"/>
+                    <a16:rowId xmlns:a16="http://schemas.microsoft.com/office/drawing/2014/main" xmlns="" val="10000"/>
                   </a:ext>
                 </a:extLst>
               </a:tr>
@@ -10744,7 +10744,7 @@
                 </a:tc>
                 <a:extLst>
                   <a:ext uri="{0D108BD9-81ED-4DB2-BD59-A6C34878D82A}">
-                    <a16:rowId xmlns:a16="http://schemas.microsoft.com/office/drawing/2014/main" val="10001"/>
+                    <a16:rowId xmlns:a16="http://schemas.microsoft.com/office/drawing/2014/main" xmlns="" val="10001"/>
                   </a:ext>
                 </a:extLst>
               </a:tr>
@@ -10875,7 +10875,7 @@
                 </a:tc>
                 <a:extLst>
                   <a:ext uri="{0D108BD9-81ED-4DB2-BD59-A6C34878D82A}">
-                    <a16:rowId xmlns:a16="http://schemas.microsoft.com/office/drawing/2014/main" val="10002"/>
+                    <a16:rowId xmlns:a16="http://schemas.microsoft.com/office/drawing/2014/main" xmlns="" val="10002"/>
                   </a:ext>
                 </a:extLst>
               </a:tr>
@@ -11440,14 +11440,14 @@
                 <a:gridCol w="1395769">
                   <a:extLst>
                     <a:ext uri="{9D8B030D-6E8A-4147-A177-3AD203B41FA5}">
-                      <a16:colId xmlns:a16="http://schemas.microsoft.com/office/drawing/2014/main" val="20000"/>
+                      <a16:colId xmlns:a16="http://schemas.microsoft.com/office/drawing/2014/main" xmlns="" val="20000"/>
                     </a:ext>
                   </a:extLst>
                 </a:gridCol>
                 <a:gridCol w="3174022">
                   <a:extLst>
                     <a:ext uri="{9D8B030D-6E8A-4147-A177-3AD203B41FA5}">
-                      <a16:colId xmlns:a16="http://schemas.microsoft.com/office/drawing/2014/main" val="20001"/>
+                      <a16:colId xmlns:a16="http://schemas.microsoft.com/office/drawing/2014/main" xmlns="" val="20001"/>
                     </a:ext>
                   </a:extLst>
                 </a:gridCol>
@@ -11613,7 +11613,7 @@
                 </a:tc>
                 <a:extLst>
                   <a:ext uri="{0D108BD9-81ED-4DB2-BD59-A6C34878D82A}">
-                    <a16:rowId xmlns:a16="http://schemas.microsoft.com/office/drawing/2014/main" val="10000"/>
+                    <a16:rowId xmlns:a16="http://schemas.microsoft.com/office/drawing/2014/main" xmlns="" val="10000"/>
                   </a:ext>
                 </a:extLst>
               </a:tr>
@@ -11786,7 +11786,7 @@
                 </a:tc>
                 <a:extLst>
                   <a:ext uri="{0D108BD9-81ED-4DB2-BD59-A6C34878D82A}">
-                    <a16:rowId xmlns:a16="http://schemas.microsoft.com/office/drawing/2014/main" val="10001"/>
+                    <a16:rowId xmlns:a16="http://schemas.microsoft.com/office/drawing/2014/main" xmlns="" val="10001"/>
                   </a:ext>
                 </a:extLst>
               </a:tr>
@@ -11874,7 +11874,7 @@
                 </a:tc>
                 <a:extLst>
                   <a:ext uri="{0D108BD9-81ED-4DB2-BD59-A6C34878D82A}">
-                    <a16:rowId xmlns:a16="http://schemas.microsoft.com/office/drawing/2014/main" val="10002"/>
+                    <a16:rowId xmlns:a16="http://schemas.microsoft.com/office/drawing/2014/main" xmlns="" val="10002"/>
                   </a:ext>
                 </a:extLst>
               </a:tr>
@@ -11902,14 +11902,14 @@
                 <a:gridCol w="1407750">
                   <a:extLst>
                     <a:ext uri="{9D8B030D-6E8A-4147-A177-3AD203B41FA5}">
-                      <a16:colId xmlns:a16="http://schemas.microsoft.com/office/drawing/2014/main" val="20000"/>
+                      <a16:colId xmlns:a16="http://schemas.microsoft.com/office/drawing/2014/main" xmlns="" val="20000"/>
                     </a:ext>
                   </a:extLst>
                 </a:gridCol>
                 <a:gridCol w="1407750">
                   <a:extLst>
                     <a:ext uri="{9D8B030D-6E8A-4147-A177-3AD203B41FA5}">
-                      <a16:colId xmlns:a16="http://schemas.microsoft.com/office/drawing/2014/main" val="20001"/>
+                      <a16:colId xmlns:a16="http://schemas.microsoft.com/office/drawing/2014/main" xmlns="" val="20001"/>
                     </a:ext>
                   </a:extLst>
                 </a:gridCol>
@@ -12067,7 +12067,7 @@
                 </a:tc>
                 <a:extLst>
                   <a:ext uri="{0D108BD9-81ED-4DB2-BD59-A6C34878D82A}">
-                    <a16:rowId xmlns:a16="http://schemas.microsoft.com/office/drawing/2014/main" val="10000"/>
+                    <a16:rowId xmlns:a16="http://schemas.microsoft.com/office/drawing/2014/main" xmlns="" val="10000"/>
                   </a:ext>
                 </a:extLst>
               </a:tr>
@@ -12095,14 +12095,14 @@
                 <a:gridCol w="1407750">
                   <a:extLst>
                     <a:ext uri="{9D8B030D-6E8A-4147-A177-3AD203B41FA5}">
-                      <a16:colId xmlns:a16="http://schemas.microsoft.com/office/drawing/2014/main" val="20000"/>
+                      <a16:colId xmlns:a16="http://schemas.microsoft.com/office/drawing/2014/main" xmlns="" val="20000"/>
                     </a:ext>
                   </a:extLst>
                 </a:gridCol>
                 <a:gridCol w="1407750">
                   <a:extLst>
                     <a:ext uri="{9D8B030D-6E8A-4147-A177-3AD203B41FA5}">
-                      <a16:colId xmlns:a16="http://schemas.microsoft.com/office/drawing/2014/main" val="20001"/>
+                      <a16:colId xmlns:a16="http://schemas.microsoft.com/office/drawing/2014/main" xmlns="" val="20001"/>
                     </a:ext>
                   </a:extLst>
                 </a:gridCol>
@@ -12260,7 +12260,7 @@
                 </a:tc>
                 <a:extLst>
                   <a:ext uri="{0D108BD9-81ED-4DB2-BD59-A6C34878D82A}">
-                    <a16:rowId xmlns:a16="http://schemas.microsoft.com/office/drawing/2014/main" val="10000"/>
+                    <a16:rowId xmlns:a16="http://schemas.microsoft.com/office/drawing/2014/main" xmlns="" val="10000"/>
                   </a:ext>
                 </a:extLst>
               </a:tr>
@@ -12356,14 +12356,14 @@
                 <a:gridCol w="382900">
                   <a:extLst>
                     <a:ext uri="{9D8B030D-6E8A-4147-A177-3AD203B41FA5}">
-                      <a16:colId xmlns:a16="http://schemas.microsoft.com/office/drawing/2014/main" val="20000"/>
+                      <a16:colId xmlns:a16="http://schemas.microsoft.com/office/drawing/2014/main" xmlns="" val="20000"/>
                     </a:ext>
                   </a:extLst>
                 </a:gridCol>
                 <a:gridCol w="3149100">
                   <a:extLst>
                     <a:ext uri="{9D8B030D-6E8A-4147-A177-3AD203B41FA5}">
-                      <a16:colId xmlns:a16="http://schemas.microsoft.com/office/drawing/2014/main" val="20001"/>
+                      <a16:colId xmlns:a16="http://schemas.microsoft.com/office/drawing/2014/main" xmlns="" val="20001"/>
                     </a:ext>
                   </a:extLst>
                 </a:gridCol>
@@ -12521,7 +12521,7 @@
                 </a:tc>
                 <a:extLst>
                   <a:ext uri="{0D108BD9-81ED-4DB2-BD59-A6C34878D82A}">
-                    <a16:rowId xmlns:a16="http://schemas.microsoft.com/office/drawing/2014/main" val="10000"/>
+                    <a16:rowId xmlns:a16="http://schemas.microsoft.com/office/drawing/2014/main" xmlns="" val="10000"/>
                   </a:ext>
                 </a:extLst>
               </a:tr>
@@ -12678,7 +12678,7 @@
                 </a:tc>
                 <a:extLst>
                   <a:ext uri="{0D108BD9-81ED-4DB2-BD59-A6C34878D82A}">
-                    <a16:rowId xmlns:a16="http://schemas.microsoft.com/office/drawing/2014/main" val="10001"/>
+                    <a16:rowId xmlns:a16="http://schemas.microsoft.com/office/drawing/2014/main" xmlns="" val="10001"/>
                   </a:ext>
                 </a:extLst>
               </a:tr>
@@ -12809,7 +12809,7 @@
                 </a:tc>
                 <a:extLst>
                   <a:ext uri="{0D108BD9-81ED-4DB2-BD59-A6C34878D82A}">
-                    <a16:rowId xmlns:a16="http://schemas.microsoft.com/office/drawing/2014/main" val="10002"/>
+                    <a16:rowId xmlns:a16="http://schemas.microsoft.com/office/drawing/2014/main" xmlns="" val="10002"/>
                   </a:ext>
                 </a:extLst>
               </a:tr>
@@ -13312,14 +13312,14 @@
                 <a:gridCol w="1443550">
                   <a:extLst>
                     <a:ext uri="{9D8B030D-6E8A-4147-A177-3AD203B41FA5}">
-                      <a16:colId xmlns:a16="http://schemas.microsoft.com/office/drawing/2014/main" val="20000"/>
+                      <a16:colId xmlns:a16="http://schemas.microsoft.com/office/drawing/2014/main" xmlns="" val="20000"/>
                     </a:ext>
                   </a:extLst>
                 </a:gridCol>
                 <a:gridCol w="2680550">
                   <a:extLst>
                     <a:ext uri="{9D8B030D-6E8A-4147-A177-3AD203B41FA5}">
-                      <a16:colId xmlns:a16="http://schemas.microsoft.com/office/drawing/2014/main" val="20001"/>
+                      <a16:colId xmlns:a16="http://schemas.microsoft.com/office/drawing/2014/main" xmlns="" val="20001"/>
                     </a:ext>
                   </a:extLst>
                 </a:gridCol>
@@ -13485,7 +13485,7 @@
                 </a:tc>
                 <a:extLst>
                   <a:ext uri="{0D108BD9-81ED-4DB2-BD59-A6C34878D82A}">
-                    <a16:rowId xmlns:a16="http://schemas.microsoft.com/office/drawing/2014/main" val="10000"/>
+                    <a16:rowId xmlns:a16="http://schemas.microsoft.com/office/drawing/2014/main" xmlns="" val="10000"/>
                   </a:ext>
                 </a:extLst>
               </a:tr>
@@ -13653,7 +13653,7 @@
                 </a:tc>
                 <a:extLst>
                   <a:ext uri="{0D108BD9-81ED-4DB2-BD59-A6C34878D82A}">
-                    <a16:rowId xmlns:a16="http://schemas.microsoft.com/office/drawing/2014/main" val="10001"/>
+                    <a16:rowId xmlns:a16="http://schemas.microsoft.com/office/drawing/2014/main" xmlns="" val="10001"/>
                   </a:ext>
                 </a:extLst>
               </a:tr>
@@ -13741,7 +13741,7 @@
                 </a:tc>
                 <a:extLst>
                   <a:ext uri="{0D108BD9-81ED-4DB2-BD59-A6C34878D82A}">
-                    <a16:rowId xmlns:a16="http://schemas.microsoft.com/office/drawing/2014/main" val="10002"/>
+                    <a16:rowId xmlns:a16="http://schemas.microsoft.com/office/drawing/2014/main" xmlns="" val="10002"/>
                   </a:ext>
                 </a:extLst>
               </a:tr>
@@ -13769,14 +13769,14 @@
                 <a:gridCol w="1407750">
                   <a:extLst>
                     <a:ext uri="{9D8B030D-6E8A-4147-A177-3AD203B41FA5}">
-                      <a16:colId xmlns:a16="http://schemas.microsoft.com/office/drawing/2014/main" val="20000"/>
+                      <a16:colId xmlns:a16="http://schemas.microsoft.com/office/drawing/2014/main" xmlns="" val="20000"/>
                     </a:ext>
                   </a:extLst>
                 </a:gridCol>
                 <a:gridCol w="1407750">
                   <a:extLst>
                     <a:ext uri="{9D8B030D-6E8A-4147-A177-3AD203B41FA5}">
-                      <a16:colId xmlns:a16="http://schemas.microsoft.com/office/drawing/2014/main" val="20001"/>
+                      <a16:colId xmlns:a16="http://schemas.microsoft.com/office/drawing/2014/main" xmlns="" val="20001"/>
                     </a:ext>
                   </a:extLst>
                 </a:gridCol>
@@ -13934,7 +13934,7 @@
                 </a:tc>
                 <a:extLst>
                   <a:ext uri="{0D108BD9-81ED-4DB2-BD59-A6C34878D82A}">
-                    <a16:rowId xmlns:a16="http://schemas.microsoft.com/office/drawing/2014/main" val="10000"/>
+                    <a16:rowId xmlns:a16="http://schemas.microsoft.com/office/drawing/2014/main" xmlns="" val="10000"/>
                   </a:ext>
                 </a:extLst>
               </a:tr>
@@ -13962,14 +13962,14 @@
                 <a:gridCol w="1407750">
                   <a:extLst>
                     <a:ext uri="{9D8B030D-6E8A-4147-A177-3AD203B41FA5}">
-                      <a16:colId xmlns:a16="http://schemas.microsoft.com/office/drawing/2014/main" val="20000"/>
+                      <a16:colId xmlns:a16="http://schemas.microsoft.com/office/drawing/2014/main" xmlns="" val="20000"/>
                     </a:ext>
                   </a:extLst>
                 </a:gridCol>
                 <a:gridCol w="1407750">
                   <a:extLst>
                     <a:ext uri="{9D8B030D-6E8A-4147-A177-3AD203B41FA5}">
-                      <a16:colId xmlns:a16="http://schemas.microsoft.com/office/drawing/2014/main" val="20001"/>
+                      <a16:colId xmlns:a16="http://schemas.microsoft.com/office/drawing/2014/main" xmlns="" val="20001"/>
                     </a:ext>
                   </a:extLst>
                 </a:gridCol>
@@ -14127,7 +14127,7 @@
                 </a:tc>
                 <a:extLst>
                   <a:ext uri="{0D108BD9-81ED-4DB2-BD59-A6C34878D82A}">
-                    <a16:rowId xmlns:a16="http://schemas.microsoft.com/office/drawing/2014/main" val="10000"/>
+                    <a16:rowId xmlns:a16="http://schemas.microsoft.com/office/drawing/2014/main" xmlns="" val="10000"/>
                   </a:ext>
                 </a:extLst>
               </a:tr>
@@ -14157,14 +14157,14 @@
                 <a:gridCol w="382900">
                   <a:extLst>
                     <a:ext uri="{9D8B030D-6E8A-4147-A177-3AD203B41FA5}">
-                      <a16:colId xmlns:a16="http://schemas.microsoft.com/office/drawing/2014/main" val="20000"/>
+                      <a16:colId xmlns:a16="http://schemas.microsoft.com/office/drawing/2014/main" xmlns="" val="20000"/>
                     </a:ext>
                   </a:extLst>
                 </a:gridCol>
                 <a:gridCol w="3149100">
                   <a:extLst>
                     <a:ext uri="{9D8B030D-6E8A-4147-A177-3AD203B41FA5}">
-                      <a16:colId xmlns:a16="http://schemas.microsoft.com/office/drawing/2014/main" val="20001"/>
+                      <a16:colId xmlns:a16="http://schemas.microsoft.com/office/drawing/2014/main" xmlns="" val="20001"/>
                     </a:ext>
                   </a:extLst>
                 </a:gridCol>
@@ -14322,7 +14322,7 @@
                 </a:tc>
                 <a:extLst>
                   <a:ext uri="{0D108BD9-81ED-4DB2-BD59-A6C34878D82A}">
-                    <a16:rowId xmlns:a16="http://schemas.microsoft.com/office/drawing/2014/main" val="10000"/>
+                    <a16:rowId xmlns:a16="http://schemas.microsoft.com/office/drawing/2014/main" xmlns="" val="10000"/>
                   </a:ext>
                 </a:extLst>
               </a:tr>
@@ -14470,7 +14470,7 @@
                 </a:tc>
                 <a:extLst>
                   <a:ext uri="{0D108BD9-81ED-4DB2-BD59-A6C34878D82A}">
-                    <a16:rowId xmlns:a16="http://schemas.microsoft.com/office/drawing/2014/main" val="10001"/>
+                    <a16:rowId xmlns:a16="http://schemas.microsoft.com/office/drawing/2014/main" xmlns="" val="10001"/>
                   </a:ext>
                 </a:extLst>
               </a:tr>
@@ -14621,7 +14621,7 @@
                 </a:tc>
                 <a:extLst>
                   <a:ext uri="{0D108BD9-81ED-4DB2-BD59-A6C34878D82A}">
-                    <a16:rowId xmlns:a16="http://schemas.microsoft.com/office/drawing/2014/main" val="10002"/>
+                    <a16:rowId xmlns:a16="http://schemas.microsoft.com/office/drawing/2014/main" xmlns="" val="10002"/>
                   </a:ext>
                 </a:extLst>
               </a:tr>
@@ -14774,7 +14774,7 @@
                 </a:tc>
                 <a:extLst>
                   <a:ext uri="{0D108BD9-81ED-4DB2-BD59-A6C34878D82A}">
-                    <a16:rowId xmlns:a16="http://schemas.microsoft.com/office/drawing/2014/main" val="10003"/>
+                    <a16:rowId xmlns:a16="http://schemas.microsoft.com/office/drawing/2014/main" xmlns="" val="10003"/>
                   </a:ext>
                 </a:extLst>
               </a:tr>
@@ -14926,7 +14926,7 @@
                 </a:tc>
                 <a:extLst>
                   <a:ext uri="{0D108BD9-81ED-4DB2-BD59-A6C34878D82A}">
-                    <a16:rowId xmlns:a16="http://schemas.microsoft.com/office/drawing/2014/main" val="10004"/>
+                    <a16:rowId xmlns:a16="http://schemas.microsoft.com/office/drawing/2014/main" xmlns="" val="10004"/>
                   </a:ext>
                 </a:extLst>
               </a:tr>
@@ -15085,7 +15085,7 @@
                 </a:tc>
                 <a:extLst>
                   <a:ext uri="{0D108BD9-81ED-4DB2-BD59-A6C34878D82A}">
-                    <a16:rowId xmlns:a16="http://schemas.microsoft.com/office/drawing/2014/main" val="10005"/>
+                    <a16:rowId xmlns:a16="http://schemas.microsoft.com/office/drawing/2014/main" xmlns="" val="10005"/>
                   </a:ext>
                 </a:extLst>
               </a:tr>
@@ -15216,7 +15216,7 @@
                 </a:tc>
                 <a:extLst>
                   <a:ext uri="{0D108BD9-81ED-4DB2-BD59-A6C34878D82A}">
-                    <a16:rowId xmlns:a16="http://schemas.microsoft.com/office/drawing/2014/main" val="10006"/>
+                    <a16:rowId xmlns:a16="http://schemas.microsoft.com/office/drawing/2014/main" xmlns="" val="10006"/>
                   </a:ext>
                 </a:extLst>
               </a:tr>
@@ -15357,7 +15357,7 @@
                 </a:tc>
                 <a:extLst>
                   <a:ext uri="{0D108BD9-81ED-4DB2-BD59-A6C34878D82A}">
-                    <a16:rowId xmlns:a16="http://schemas.microsoft.com/office/drawing/2014/main" val="10007"/>
+                    <a16:rowId xmlns:a16="http://schemas.microsoft.com/office/drawing/2014/main" xmlns="" val="10007"/>
                   </a:ext>
                 </a:extLst>
               </a:tr>
@@ -18103,14 +18103,14 @@
                 <a:gridCol w="1443550">
                   <a:extLst>
                     <a:ext uri="{9D8B030D-6E8A-4147-A177-3AD203B41FA5}">
-                      <a16:colId xmlns:a16="http://schemas.microsoft.com/office/drawing/2014/main" val="20000"/>
+                      <a16:colId xmlns:a16="http://schemas.microsoft.com/office/drawing/2014/main" xmlns="" val="20000"/>
                     </a:ext>
                   </a:extLst>
                 </a:gridCol>
                 <a:gridCol w="2680550">
                   <a:extLst>
                     <a:ext uri="{9D8B030D-6E8A-4147-A177-3AD203B41FA5}">
-                      <a16:colId xmlns:a16="http://schemas.microsoft.com/office/drawing/2014/main" val="20001"/>
+                      <a16:colId xmlns:a16="http://schemas.microsoft.com/office/drawing/2014/main" xmlns="" val="20001"/>
                     </a:ext>
                   </a:extLst>
                 </a:gridCol>
@@ -18276,7 +18276,7 @@
                 </a:tc>
                 <a:extLst>
                   <a:ext uri="{0D108BD9-81ED-4DB2-BD59-A6C34878D82A}">
-                    <a16:rowId xmlns:a16="http://schemas.microsoft.com/office/drawing/2014/main" val="10000"/>
+                    <a16:rowId xmlns:a16="http://schemas.microsoft.com/office/drawing/2014/main" xmlns="" val="10000"/>
                   </a:ext>
                 </a:extLst>
               </a:tr>
@@ -18441,7 +18441,7 @@
                 </a:tc>
                 <a:extLst>
                   <a:ext uri="{0D108BD9-81ED-4DB2-BD59-A6C34878D82A}">
-                    <a16:rowId xmlns:a16="http://schemas.microsoft.com/office/drawing/2014/main" val="10001"/>
+                    <a16:rowId xmlns:a16="http://schemas.microsoft.com/office/drawing/2014/main" xmlns="" val="10001"/>
                   </a:ext>
                 </a:extLst>
               </a:tr>
@@ -18529,7 +18529,7 @@
                 </a:tc>
                 <a:extLst>
                   <a:ext uri="{0D108BD9-81ED-4DB2-BD59-A6C34878D82A}">
-                    <a16:rowId xmlns:a16="http://schemas.microsoft.com/office/drawing/2014/main" val="10002"/>
+                    <a16:rowId xmlns:a16="http://schemas.microsoft.com/office/drawing/2014/main" xmlns="" val="10002"/>
                   </a:ext>
                 </a:extLst>
               </a:tr>
@@ -18557,14 +18557,14 @@
                 <a:gridCol w="1407750">
                   <a:extLst>
                     <a:ext uri="{9D8B030D-6E8A-4147-A177-3AD203B41FA5}">
-                      <a16:colId xmlns:a16="http://schemas.microsoft.com/office/drawing/2014/main" val="20000"/>
+                      <a16:colId xmlns:a16="http://schemas.microsoft.com/office/drawing/2014/main" xmlns="" val="20000"/>
                     </a:ext>
                   </a:extLst>
                 </a:gridCol>
                 <a:gridCol w="1407750">
                   <a:extLst>
                     <a:ext uri="{9D8B030D-6E8A-4147-A177-3AD203B41FA5}">
-                      <a16:colId xmlns:a16="http://schemas.microsoft.com/office/drawing/2014/main" val="20001"/>
+                      <a16:colId xmlns:a16="http://schemas.microsoft.com/office/drawing/2014/main" xmlns="" val="20001"/>
                     </a:ext>
                   </a:extLst>
                 </a:gridCol>
@@ -18722,7 +18722,7 @@
                 </a:tc>
                 <a:extLst>
                   <a:ext uri="{0D108BD9-81ED-4DB2-BD59-A6C34878D82A}">
-                    <a16:rowId xmlns:a16="http://schemas.microsoft.com/office/drawing/2014/main" val="10000"/>
+                    <a16:rowId xmlns:a16="http://schemas.microsoft.com/office/drawing/2014/main" xmlns="" val="10000"/>
                   </a:ext>
                 </a:extLst>
               </a:tr>
@@ -18750,14 +18750,14 @@
                 <a:gridCol w="1407750">
                   <a:extLst>
                     <a:ext uri="{9D8B030D-6E8A-4147-A177-3AD203B41FA5}">
-                      <a16:colId xmlns:a16="http://schemas.microsoft.com/office/drawing/2014/main" val="20000"/>
+                      <a16:colId xmlns:a16="http://schemas.microsoft.com/office/drawing/2014/main" xmlns="" val="20000"/>
                     </a:ext>
                   </a:extLst>
                 </a:gridCol>
                 <a:gridCol w="1407750">
                   <a:extLst>
                     <a:ext uri="{9D8B030D-6E8A-4147-A177-3AD203B41FA5}">
-                      <a16:colId xmlns:a16="http://schemas.microsoft.com/office/drawing/2014/main" val="20001"/>
+                      <a16:colId xmlns:a16="http://schemas.microsoft.com/office/drawing/2014/main" xmlns="" val="20001"/>
                     </a:ext>
                   </a:extLst>
                 </a:gridCol>
@@ -18915,7 +18915,7 @@
                 </a:tc>
                 <a:extLst>
                   <a:ext uri="{0D108BD9-81ED-4DB2-BD59-A6C34878D82A}">
-                    <a16:rowId xmlns:a16="http://schemas.microsoft.com/office/drawing/2014/main" val="10000"/>
+                    <a16:rowId xmlns:a16="http://schemas.microsoft.com/office/drawing/2014/main" xmlns="" val="10000"/>
                   </a:ext>
                 </a:extLst>
               </a:tr>
@@ -19011,14 +19011,14 @@
                 <a:gridCol w="382900">
                   <a:extLst>
                     <a:ext uri="{9D8B030D-6E8A-4147-A177-3AD203B41FA5}">
-                      <a16:colId xmlns:a16="http://schemas.microsoft.com/office/drawing/2014/main" val="20000"/>
+                      <a16:colId xmlns:a16="http://schemas.microsoft.com/office/drawing/2014/main" xmlns="" val="20000"/>
                     </a:ext>
                   </a:extLst>
                 </a:gridCol>
                 <a:gridCol w="3149100">
                   <a:extLst>
                     <a:ext uri="{9D8B030D-6E8A-4147-A177-3AD203B41FA5}">
-                      <a16:colId xmlns:a16="http://schemas.microsoft.com/office/drawing/2014/main" val="20001"/>
+                      <a16:colId xmlns:a16="http://schemas.microsoft.com/office/drawing/2014/main" xmlns="" val="20001"/>
                     </a:ext>
                   </a:extLst>
                 </a:gridCol>
@@ -19176,7 +19176,7 @@
                 </a:tc>
                 <a:extLst>
                   <a:ext uri="{0D108BD9-81ED-4DB2-BD59-A6C34878D82A}">
-                    <a16:rowId xmlns:a16="http://schemas.microsoft.com/office/drawing/2014/main" val="10000"/>
+                    <a16:rowId xmlns:a16="http://schemas.microsoft.com/office/drawing/2014/main" xmlns="" val="10000"/>
                   </a:ext>
                 </a:extLst>
               </a:tr>
@@ -19384,7 +19384,7 @@
                 </a:tc>
                 <a:extLst>
                   <a:ext uri="{0D108BD9-81ED-4DB2-BD59-A6C34878D82A}">
-                    <a16:rowId xmlns:a16="http://schemas.microsoft.com/office/drawing/2014/main" val="10001"/>
+                    <a16:rowId xmlns:a16="http://schemas.microsoft.com/office/drawing/2014/main" xmlns="" val="10001"/>
                   </a:ext>
                 </a:extLst>
               </a:tr>
@@ -19519,7 +19519,7 @@
                 </a:tc>
                 <a:extLst>
                   <a:ext uri="{0D108BD9-81ED-4DB2-BD59-A6C34878D82A}">
-                    <a16:rowId xmlns:a16="http://schemas.microsoft.com/office/drawing/2014/main" val="10002"/>
+                    <a16:rowId xmlns:a16="http://schemas.microsoft.com/office/drawing/2014/main" xmlns="" val="10002"/>
                   </a:ext>
                 </a:extLst>
               </a:tr>
@@ -20065,7 +20065,7 @@
           <p:nvPr>
             <p:extLst>
               <p:ext uri="{D42A27DB-BD31-4B8C-83A1-F6EECF244321}">
-                <p14:modId xmlns:p14="http://schemas.microsoft.com/office/powerpoint/2010/main" val="3767653033"/>
+                <p14:modId xmlns:p14="http://schemas.microsoft.com/office/powerpoint/2010/main" val="437952398"/>
               </p:ext>
             </p:extLst>
           </p:nvPr>
@@ -20084,14 +20084,14 @@
                 <a:gridCol w="1443550">
                   <a:extLst>
                     <a:ext uri="{9D8B030D-6E8A-4147-A177-3AD203B41FA5}">
-                      <a16:colId xmlns:a16="http://schemas.microsoft.com/office/drawing/2014/main" val="20000"/>
+                      <a16:colId xmlns:a16="http://schemas.microsoft.com/office/drawing/2014/main" xmlns="" val="20000"/>
                     </a:ext>
                   </a:extLst>
                 </a:gridCol>
                 <a:gridCol w="2680550">
                   <a:extLst>
                     <a:ext uri="{9D8B030D-6E8A-4147-A177-3AD203B41FA5}">
-                      <a16:colId xmlns:a16="http://schemas.microsoft.com/office/drawing/2014/main" val="20001"/>
+                      <a16:colId xmlns:a16="http://schemas.microsoft.com/office/drawing/2014/main" xmlns="" val="20001"/>
                     </a:ext>
                   </a:extLst>
                 </a:gridCol>
@@ -20257,7 +20257,7 @@
                 </a:tc>
                 <a:extLst>
                   <a:ext uri="{0D108BD9-81ED-4DB2-BD59-A6C34878D82A}">
-                    <a16:rowId xmlns:a16="http://schemas.microsoft.com/office/drawing/2014/main" val="10000"/>
+                    <a16:rowId xmlns:a16="http://schemas.microsoft.com/office/drawing/2014/main" xmlns="" val="10000"/>
                   </a:ext>
                 </a:extLst>
               </a:tr>
@@ -20364,12 +20364,20 @@
                         <a:buNone/>
                       </a:pPr>
                       <a:r>
-                        <a:rPr lang="ko-KR" altLang="en-US" sz="1500" b="0" u="none" strike="noStrike" cap="none" smtClean="0">
+                        <a:rPr lang="ko-KR" altLang="en-US" sz="1500" b="0" u="none" strike="noStrike" cap="none" dirty="0" err="1" smtClean="0">
                           <a:solidFill>
                             <a:schemeClr val="dk1"/>
                           </a:solidFill>
                         </a:rPr>
-                        <a:t>회원정보</a:t>
+                        <a:t>세미나존</a:t>
+                      </a:r>
+                      <a:r>
+                        <a:rPr lang="ko-KR" altLang="en-US" sz="1500" b="0" u="none" strike="noStrike" cap="none" dirty="0" smtClean="0">
+                          <a:solidFill>
+                            <a:schemeClr val="dk1"/>
+                          </a:solidFill>
+                        </a:rPr>
+                        <a:t> 관리</a:t>
                       </a:r>
                       <a:endParaRPr sz="1500" b="0" u="none" strike="noStrike" cap="none" dirty="0">
                         <a:solidFill>
@@ -20422,7 +20430,7 @@
                 </a:tc>
                 <a:extLst>
                   <a:ext uri="{0D108BD9-81ED-4DB2-BD59-A6C34878D82A}">
-                    <a16:rowId xmlns:a16="http://schemas.microsoft.com/office/drawing/2014/main" val="10001"/>
+                    <a16:rowId xmlns:a16="http://schemas.microsoft.com/office/drawing/2014/main" xmlns="" val="10001"/>
                   </a:ext>
                 </a:extLst>
               </a:tr>
@@ -20510,7 +20518,7 @@
                 </a:tc>
                 <a:extLst>
                   <a:ext uri="{0D108BD9-81ED-4DB2-BD59-A6C34878D82A}">
-                    <a16:rowId xmlns:a16="http://schemas.microsoft.com/office/drawing/2014/main" val="10002"/>
+                    <a16:rowId xmlns:a16="http://schemas.microsoft.com/office/drawing/2014/main" xmlns="" val="10002"/>
                   </a:ext>
                 </a:extLst>
               </a:tr>
@@ -20538,14 +20546,14 @@
                 <a:gridCol w="1407750">
                   <a:extLst>
                     <a:ext uri="{9D8B030D-6E8A-4147-A177-3AD203B41FA5}">
-                      <a16:colId xmlns:a16="http://schemas.microsoft.com/office/drawing/2014/main" val="20000"/>
+                      <a16:colId xmlns:a16="http://schemas.microsoft.com/office/drawing/2014/main" xmlns="" val="20000"/>
                     </a:ext>
                   </a:extLst>
                 </a:gridCol>
                 <a:gridCol w="1407750">
                   <a:extLst>
                     <a:ext uri="{9D8B030D-6E8A-4147-A177-3AD203B41FA5}">
-                      <a16:colId xmlns:a16="http://schemas.microsoft.com/office/drawing/2014/main" val="20001"/>
+                      <a16:colId xmlns:a16="http://schemas.microsoft.com/office/drawing/2014/main" xmlns="" val="20001"/>
                     </a:ext>
                   </a:extLst>
                 </a:gridCol>
@@ -20703,7 +20711,7 @@
                 </a:tc>
                 <a:extLst>
                   <a:ext uri="{0D108BD9-81ED-4DB2-BD59-A6C34878D82A}">
-                    <a16:rowId xmlns:a16="http://schemas.microsoft.com/office/drawing/2014/main" val="10000"/>
+                    <a16:rowId xmlns:a16="http://schemas.microsoft.com/office/drawing/2014/main" xmlns="" val="10000"/>
                   </a:ext>
                 </a:extLst>
               </a:tr>
@@ -20731,14 +20739,14 @@
                 <a:gridCol w="1407750">
                   <a:extLst>
                     <a:ext uri="{9D8B030D-6E8A-4147-A177-3AD203B41FA5}">
-                      <a16:colId xmlns:a16="http://schemas.microsoft.com/office/drawing/2014/main" val="20000"/>
+                      <a16:colId xmlns:a16="http://schemas.microsoft.com/office/drawing/2014/main" xmlns="" val="20000"/>
                     </a:ext>
                   </a:extLst>
                 </a:gridCol>
                 <a:gridCol w="1407750">
                   <a:extLst>
                     <a:ext uri="{9D8B030D-6E8A-4147-A177-3AD203B41FA5}">
-                      <a16:colId xmlns:a16="http://schemas.microsoft.com/office/drawing/2014/main" val="20001"/>
+                      <a16:colId xmlns:a16="http://schemas.microsoft.com/office/drawing/2014/main" xmlns="" val="20001"/>
                     </a:ext>
                   </a:extLst>
                 </a:gridCol>
@@ -20896,7 +20904,7 @@
                 </a:tc>
                 <a:extLst>
                   <a:ext uri="{0D108BD9-81ED-4DB2-BD59-A6C34878D82A}">
-                    <a16:rowId xmlns:a16="http://schemas.microsoft.com/office/drawing/2014/main" val="10000"/>
+                    <a16:rowId xmlns:a16="http://schemas.microsoft.com/office/drawing/2014/main" xmlns="" val="10000"/>
                   </a:ext>
                 </a:extLst>
               </a:tr>
@@ -20992,14 +21000,14 @@
                 <a:gridCol w="382900">
                   <a:extLst>
                     <a:ext uri="{9D8B030D-6E8A-4147-A177-3AD203B41FA5}">
-                      <a16:colId xmlns:a16="http://schemas.microsoft.com/office/drawing/2014/main" val="20000"/>
+                      <a16:colId xmlns:a16="http://schemas.microsoft.com/office/drawing/2014/main" xmlns="" val="20000"/>
                     </a:ext>
                   </a:extLst>
                 </a:gridCol>
                 <a:gridCol w="3149100">
                   <a:extLst>
                     <a:ext uri="{9D8B030D-6E8A-4147-A177-3AD203B41FA5}">
-                      <a16:colId xmlns:a16="http://schemas.microsoft.com/office/drawing/2014/main" val="20001"/>
+                      <a16:colId xmlns:a16="http://schemas.microsoft.com/office/drawing/2014/main" xmlns="" val="20001"/>
                     </a:ext>
                   </a:extLst>
                 </a:gridCol>
@@ -21157,7 +21165,7 @@
                 </a:tc>
                 <a:extLst>
                   <a:ext uri="{0D108BD9-81ED-4DB2-BD59-A6C34878D82A}">
-                    <a16:rowId xmlns:a16="http://schemas.microsoft.com/office/drawing/2014/main" val="10000"/>
+                    <a16:rowId xmlns:a16="http://schemas.microsoft.com/office/drawing/2014/main" xmlns="" val="10000"/>
                   </a:ext>
                 </a:extLst>
               </a:tr>
@@ -21314,7 +21322,7 @@
                 </a:tc>
                 <a:extLst>
                   <a:ext uri="{0D108BD9-81ED-4DB2-BD59-A6C34878D82A}">
-                    <a16:rowId xmlns:a16="http://schemas.microsoft.com/office/drawing/2014/main" val="10001"/>
+                    <a16:rowId xmlns:a16="http://schemas.microsoft.com/office/drawing/2014/main" xmlns="" val="10001"/>
                   </a:ext>
                 </a:extLst>
               </a:tr>
@@ -21445,7 +21453,7 @@
                 </a:tc>
                 <a:extLst>
                   <a:ext uri="{0D108BD9-81ED-4DB2-BD59-A6C34878D82A}">
-                    <a16:rowId xmlns:a16="http://schemas.microsoft.com/office/drawing/2014/main" val="10002"/>
+                    <a16:rowId xmlns:a16="http://schemas.microsoft.com/office/drawing/2014/main" xmlns="" val="10002"/>
                   </a:ext>
                 </a:extLst>
               </a:tr>
@@ -21991,7 +21999,7 @@
           <p:nvPr>
             <p:extLst>
               <p:ext uri="{D42A27DB-BD31-4B8C-83A1-F6EECF244321}">
-                <p14:modId xmlns:p14="http://schemas.microsoft.com/office/powerpoint/2010/main" val="43082971"/>
+                <p14:modId xmlns:p14="http://schemas.microsoft.com/office/powerpoint/2010/main" val="1029249815"/>
               </p:ext>
             </p:extLst>
           </p:nvPr>
@@ -22010,14 +22018,14 @@
                 <a:gridCol w="1443550">
                   <a:extLst>
                     <a:ext uri="{9D8B030D-6E8A-4147-A177-3AD203B41FA5}">
-                      <a16:colId xmlns:a16="http://schemas.microsoft.com/office/drawing/2014/main" val="20000"/>
+                      <a16:colId xmlns:a16="http://schemas.microsoft.com/office/drawing/2014/main" xmlns="" val="20000"/>
                     </a:ext>
                   </a:extLst>
                 </a:gridCol>
                 <a:gridCol w="2680550">
                   <a:extLst>
                     <a:ext uri="{9D8B030D-6E8A-4147-A177-3AD203B41FA5}">
-                      <a16:colId xmlns:a16="http://schemas.microsoft.com/office/drawing/2014/main" val="20001"/>
+                      <a16:colId xmlns:a16="http://schemas.microsoft.com/office/drawing/2014/main" xmlns="" val="20001"/>
                     </a:ext>
                   </a:extLst>
                 </a:gridCol>
@@ -22183,7 +22191,7 @@
                 </a:tc>
                 <a:extLst>
                   <a:ext uri="{0D108BD9-81ED-4DB2-BD59-A6C34878D82A}">
-                    <a16:rowId xmlns:a16="http://schemas.microsoft.com/office/drawing/2014/main" val="10000"/>
+                    <a16:rowId xmlns:a16="http://schemas.microsoft.com/office/drawing/2014/main" xmlns="" val="10000"/>
                   </a:ext>
                 </a:extLst>
               </a:tr>
@@ -22290,12 +22298,20 @@
                         <a:buNone/>
                       </a:pPr>
                       <a:r>
-                        <a:rPr lang="ko-KR" altLang="en-US" sz="1500" b="0" u="none" strike="noStrike" cap="none" smtClean="0">
+                        <a:rPr lang="ko-KR" altLang="en-US" sz="1500" b="0" u="none" strike="noStrike" cap="none" dirty="0" err="1" smtClean="0">
                           <a:solidFill>
                             <a:schemeClr val="dk1"/>
                           </a:solidFill>
                         </a:rPr>
-                        <a:t>회원정보</a:t>
+                        <a:t>세미나존</a:t>
+                      </a:r>
+                      <a:r>
+                        <a:rPr lang="ko-KR" altLang="en-US" sz="1500" b="0" u="none" strike="noStrike" cap="none" dirty="0" smtClean="0">
+                          <a:solidFill>
+                            <a:schemeClr val="dk1"/>
+                          </a:solidFill>
+                        </a:rPr>
+                        <a:t> 등록 및 수정</a:t>
                       </a:r>
                       <a:endParaRPr sz="1500" b="0" u="none" strike="noStrike" cap="none" dirty="0">
                         <a:solidFill>
@@ -22348,7 +22364,7 @@
                 </a:tc>
                 <a:extLst>
                   <a:ext uri="{0D108BD9-81ED-4DB2-BD59-A6C34878D82A}">
-                    <a16:rowId xmlns:a16="http://schemas.microsoft.com/office/drawing/2014/main" val="10001"/>
+                    <a16:rowId xmlns:a16="http://schemas.microsoft.com/office/drawing/2014/main" xmlns="" val="10001"/>
                   </a:ext>
                 </a:extLst>
               </a:tr>
@@ -22436,7 +22452,7 @@
                 </a:tc>
                 <a:extLst>
                   <a:ext uri="{0D108BD9-81ED-4DB2-BD59-A6C34878D82A}">
-                    <a16:rowId xmlns:a16="http://schemas.microsoft.com/office/drawing/2014/main" val="10002"/>
+                    <a16:rowId xmlns:a16="http://schemas.microsoft.com/office/drawing/2014/main" xmlns="" val="10002"/>
                   </a:ext>
                 </a:extLst>
               </a:tr>
@@ -22464,14 +22480,14 @@
                 <a:gridCol w="1407750">
                   <a:extLst>
                     <a:ext uri="{9D8B030D-6E8A-4147-A177-3AD203B41FA5}">
-                      <a16:colId xmlns:a16="http://schemas.microsoft.com/office/drawing/2014/main" val="20000"/>
+                      <a16:colId xmlns:a16="http://schemas.microsoft.com/office/drawing/2014/main" xmlns="" val="20000"/>
                     </a:ext>
                   </a:extLst>
                 </a:gridCol>
                 <a:gridCol w="1407750">
                   <a:extLst>
                     <a:ext uri="{9D8B030D-6E8A-4147-A177-3AD203B41FA5}">
-                      <a16:colId xmlns:a16="http://schemas.microsoft.com/office/drawing/2014/main" val="20001"/>
+                      <a16:colId xmlns:a16="http://schemas.microsoft.com/office/drawing/2014/main" xmlns="" val="20001"/>
                     </a:ext>
                   </a:extLst>
                 </a:gridCol>
@@ -22629,7 +22645,7 @@
                 </a:tc>
                 <a:extLst>
                   <a:ext uri="{0D108BD9-81ED-4DB2-BD59-A6C34878D82A}">
-                    <a16:rowId xmlns:a16="http://schemas.microsoft.com/office/drawing/2014/main" val="10000"/>
+                    <a16:rowId xmlns:a16="http://schemas.microsoft.com/office/drawing/2014/main" xmlns="" val="10000"/>
                   </a:ext>
                 </a:extLst>
               </a:tr>
@@ -22657,14 +22673,14 @@
                 <a:gridCol w="1407750">
                   <a:extLst>
                     <a:ext uri="{9D8B030D-6E8A-4147-A177-3AD203B41FA5}">
-                      <a16:colId xmlns:a16="http://schemas.microsoft.com/office/drawing/2014/main" val="20000"/>
+                      <a16:colId xmlns:a16="http://schemas.microsoft.com/office/drawing/2014/main" xmlns="" val="20000"/>
                     </a:ext>
                   </a:extLst>
                 </a:gridCol>
                 <a:gridCol w="1407750">
                   <a:extLst>
                     <a:ext uri="{9D8B030D-6E8A-4147-A177-3AD203B41FA5}">
-                      <a16:colId xmlns:a16="http://schemas.microsoft.com/office/drawing/2014/main" val="20001"/>
+                      <a16:colId xmlns:a16="http://schemas.microsoft.com/office/drawing/2014/main" xmlns="" val="20001"/>
                     </a:ext>
                   </a:extLst>
                 </a:gridCol>
@@ -22822,7 +22838,7 @@
                 </a:tc>
                 <a:extLst>
                   <a:ext uri="{0D108BD9-81ED-4DB2-BD59-A6C34878D82A}">
-                    <a16:rowId xmlns:a16="http://schemas.microsoft.com/office/drawing/2014/main" val="10000"/>
+                    <a16:rowId xmlns:a16="http://schemas.microsoft.com/office/drawing/2014/main" xmlns="" val="10000"/>
                   </a:ext>
                 </a:extLst>
               </a:tr>
@@ -22918,14 +22934,14 @@
                 <a:gridCol w="382900">
                   <a:extLst>
                     <a:ext uri="{9D8B030D-6E8A-4147-A177-3AD203B41FA5}">
-                      <a16:colId xmlns:a16="http://schemas.microsoft.com/office/drawing/2014/main" val="20000"/>
+                      <a16:colId xmlns:a16="http://schemas.microsoft.com/office/drawing/2014/main" xmlns="" val="20000"/>
                     </a:ext>
                   </a:extLst>
                 </a:gridCol>
                 <a:gridCol w="3149100">
                   <a:extLst>
                     <a:ext uri="{9D8B030D-6E8A-4147-A177-3AD203B41FA5}">
-                      <a16:colId xmlns:a16="http://schemas.microsoft.com/office/drawing/2014/main" val="20001"/>
+                      <a16:colId xmlns:a16="http://schemas.microsoft.com/office/drawing/2014/main" xmlns="" val="20001"/>
                     </a:ext>
                   </a:extLst>
                 </a:gridCol>
@@ -23083,7 +23099,7 @@
                 </a:tc>
                 <a:extLst>
                   <a:ext uri="{0D108BD9-81ED-4DB2-BD59-A6C34878D82A}">
-                    <a16:rowId xmlns:a16="http://schemas.microsoft.com/office/drawing/2014/main" val="10000"/>
+                    <a16:rowId xmlns:a16="http://schemas.microsoft.com/office/drawing/2014/main" xmlns="" val="10000"/>
                   </a:ext>
                 </a:extLst>
               </a:tr>
@@ -23256,7 +23272,7 @@
                 </a:tc>
                 <a:extLst>
                   <a:ext uri="{0D108BD9-81ED-4DB2-BD59-A6C34878D82A}">
-                    <a16:rowId xmlns:a16="http://schemas.microsoft.com/office/drawing/2014/main" val="10001"/>
+                    <a16:rowId xmlns:a16="http://schemas.microsoft.com/office/drawing/2014/main" xmlns="" val="10001"/>
                   </a:ext>
                 </a:extLst>
               </a:tr>
@@ -23387,7 +23403,7 @@
                 </a:tc>
                 <a:extLst>
                   <a:ext uri="{0D108BD9-81ED-4DB2-BD59-A6C34878D82A}">
-                    <a16:rowId xmlns:a16="http://schemas.microsoft.com/office/drawing/2014/main" val="10002"/>
+                    <a16:rowId xmlns:a16="http://schemas.microsoft.com/office/drawing/2014/main" xmlns="" val="10002"/>
                   </a:ext>
                 </a:extLst>
               </a:tr>
@@ -23952,14 +23968,14 @@
                 <a:gridCol w="1443550">
                   <a:extLst>
                     <a:ext uri="{9D8B030D-6E8A-4147-A177-3AD203B41FA5}">
-                      <a16:colId xmlns:a16="http://schemas.microsoft.com/office/drawing/2014/main" val="20000"/>
+                      <a16:colId xmlns:a16="http://schemas.microsoft.com/office/drawing/2014/main" xmlns="" val="20000"/>
                     </a:ext>
                   </a:extLst>
                 </a:gridCol>
                 <a:gridCol w="2680550">
                   <a:extLst>
                     <a:ext uri="{9D8B030D-6E8A-4147-A177-3AD203B41FA5}">
-                      <a16:colId xmlns:a16="http://schemas.microsoft.com/office/drawing/2014/main" val="20001"/>
+                      <a16:colId xmlns:a16="http://schemas.microsoft.com/office/drawing/2014/main" xmlns="" val="20001"/>
                     </a:ext>
                   </a:extLst>
                 </a:gridCol>
@@ -24125,7 +24141,7 @@
                 </a:tc>
                 <a:extLst>
                   <a:ext uri="{0D108BD9-81ED-4DB2-BD59-A6C34878D82A}">
-                    <a16:rowId xmlns:a16="http://schemas.microsoft.com/office/drawing/2014/main" val="10000"/>
+                    <a16:rowId xmlns:a16="http://schemas.microsoft.com/office/drawing/2014/main" xmlns="" val="10000"/>
                   </a:ext>
                 </a:extLst>
               </a:tr>
@@ -24290,7 +24306,7 @@
                 </a:tc>
                 <a:extLst>
                   <a:ext uri="{0D108BD9-81ED-4DB2-BD59-A6C34878D82A}">
-                    <a16:rowId xmlns:a16="http://schemas.microsoft.com/office/drawing/2014/main" val="10001"/>
+                    <a16:rowId xmlns:a16="http://schemas.microsoft.com/office/drawing/2014/main" xmlns="" val="10001"/>
                   </a:ext>
                 </a:extLst>
               </a:tr>
@@ -24378,7 +24394,7 @@
                 </a:tc>
                 <a:extLst>
                   <a:ext uri="{0D108BD9-81ED-4DB2-BD59-A6C34878D82A}">
-                    <a16:rowId xmlns:a16="http://schemas.microsoft.com/office/drawing/2014/main" val="10002"/>
+                    <a16:rowId xmlns:a16="http://schemas.microsoft.com/office/drawing/2014/main" xmlns="" val="10002"/>
                   </a:ext>
                 </a:extLst>
               </a:tr>
@@ -24406,14 +24422,14 @@
                 <a:gridCol w="1407750">
                   <a:extLst>
                     <a:ext uri="{9D8B030D-6E8A-4147-A177-3AD203B41FA5}">
-                      <a16:colId xmlns:a16="http://schemas.microsoft.com/office/drawing/2014/main" val="20000"/>
+                      <a16:colId xmlns:a16="http://schemas.microsoft.com/office/drawing/2014/main" xmlns="" val="20000"/>
                     </a:ext>
                   </a:extLst>
                 </a:gridCol>
                 <a:gridCol w="1407750">
                   <a:extLst>
                     <a:ext uri="{9D8B030D-6E8A-4147-A177-3AD203B41FA5}">
-                      <a16:colId xmlns:a16="http://schemas.microsoft.com/office/drawing/2014/main" val="20001"/>
+                      <a16:colId xmlns:a16="http://schemas.microsoft.com/office/drawing/2014/main" xmlns="" val="20001"/>
                     </a:ext>
                   </a:extLst>
                 </a:gridCol>
@@ -24571,7 +24587,7 @@
                 </a:tc>
                 <a:extLst>
                   <a:ext uri="{0D108BD9-81ED-4DB2-BD59-A6C34878D82A}">
-                    <a16:rowId xmlns:a16="http://schemas.microsoft.com/office/drawing/2014/main" val="10000"/>
+                    <a16:rowId xmlns:a16="http://schemas.microsoft.com/office/drawing/2014/main" xmlns="" val="10000"/>
                   </a:ext>
                 </a:extLst>
               </a:tr>
@@ -24599,14 +24615,14 @@
                 <a:gridCol w="1407750">
                   <a:extLst>
                     <a:ext uri="{9D8B030D-6E8A-4147-A177-3AD203B41FA5}">
-                      <a16:colId xmlns:a16="http://schemas.microsoft.com/office/drawing/2014/main" val="20000"/>
+                      <a16:colId xmlns:a16="http://schemas.microsoft.com/office/drawing/2014/main" xmlns="" val="20000"/>
                     </a:ext>
                   </a:extLst>
                 </a:gridCol>
                 <a:gridCol w="1407750">
                   <a:extLst>
                     <a:ext uri="{9D8B030D-6E8A-4147-A177-3AD203B41FA5}">
-                      <a16:colId xmlns:a16="http://schemas.microsoft.com/office/drawing/2014/main" val="20001"/>
+                      <a16:colId xmlns:a16="http://schemas.microsoft.com/office/drawing/2014/main" xmlns="" val="20001"/>
                     </a:ext>
                   </a:extLst>
                 </a:gridCol>
@@ -24764,7 +24780,7 @@
                 </a:tc>
                 <a:extLst>
                   <a:ext uri="{0D108BD9-81ED-4DB2-BD59-A6C34878D82A}">
-                    <a16:rowId xmlns:a16="http://schemas.microsoft.com/office/drawing/2014/main" val="10000"/>
+                    <a16:rowId xmlns:a16="http://schemas.microsoft.com/office/drawing/2014/main" xmlns="" val="10000"/>
                   </a:ext>
                 </a:extLst>
               </a:tr>
@@ -24860,14 +24876,14 @@
                 <a:gridCol w="382900">
                   <a:extLst>
                     <a:ext uri="{9D8B030D-6E8A-4147-A177-3AD203B41FA5}">
-                      <a16:colId xmlns:a16="http://schemas.microsoft.com/office/drawing/2014/main" val="20000"/>
+                      <a16:colId xmlns:a16="http://schemas.microsoft.com/office/drawing/2014/main" xmlns="" val="20000"/>
                     </a:ext>
                   </a:extLst>
                 </a:gridCol>
                 <a:gridCol w="3149100">
                   <a:extLst>
                     <a:ext uri="{9D8B030D-6E8A-4147-A177-3AD203B41FA5}">
-                      <a16:colId xmlns:a16="http://schemas.microsoft.com/office/drawing/2014/main" val="20001"/>
+                      <a16:colId xmlns:a16="http://schemas.microsoft.com/office/drawing/2014/main" xmlns="" val="20001"/>
                     </a:ext>
                   </a:extLst>
                 </a:gridCol>
@@ -25025,7 +25041,7 @@
                 </a:tc>
                 <a:extLst>
                   <a:ext uri="{0D108BD9-81ED-4DB2-BD59-A6C34878D82A}">
-                    <a16:rowId xmlns:a16="http://schemas.microsoft.com/office/drawing/2014/main" val="10000"/>
+                    <a16:rowId xmlns:a16="http://schemas.microsoft.com/office/drawing/2014/main" xmlns="" val="10000"/>
                   </a:ext>
                 </a:extLst>
               </a:tr>
@@ -25278,7 +25294,7 @@
                 </a:tc>
                 <a:extLst>
                   <a:ext uri="{0D108BD9-81ED-4DB2-BD59-A6C34878D82A}">
-                    <a16:rowId xmlns:a16="http://schemas.microsoft.com/office/drawing/2014/main" val="10001"/>
+                    <a16:rowId xmlns:a16="http://schemas.microsoft.com/office/drawing/2014/main" xmlns="" val="10001"/>
                   </a:ext>
                 </a:extLst>
               </a:tr>
@@ -25499,7 +25515,7 @@
                 </a:tc>
                 <a:extLst>
                   <a:ext uri="{0D108BD9-81ED-4DB2-BD59-A6C34878D82A}">
-                    <a16:rowId xmlns:a16="http://schemas.microsoft.com/office/drawing/2014/main" val="10002"/>
+                    <a16:rowId xmlns:a16="http://schemas.microsoft.com/office/drawing/2014/main" xmlns="" val="10002"/>
                   </a:ext>
                 </a:extLst>
               </a:tr>
@@ -25736,7 +25752,7 @@
                 </a:tc>
                 <a:extLst>
                   <a:ext uri="{0D108BD9-81ED-4DB2-BD59-A6C34878D82A}">
-                    <a16:rowId xmlns:a16="http://schemas.microsoft.com/office/drawing/2014/main" val="10003"/>
+                    <a16:rowId xmlns:a16="http://schemas.microsoft.com/office/drawing/2014/main" xmlns="" val="10003"/>
                   </a:ext>
                 </a:extLst>
               </a:tr>
@@ -25957,7 +25973,7 @@
                 </a:tc>
                 <a:extLst>
                   <a:ext uri="{0D108BD9-81ED-4DB2-BD59-A6C34878D82A}">
-                    <a16:rowId xmlns:a16="http://schemas.microsoft.com/office/drawing/2014/main" val="10004"/>
+                    <a16:rowId xmlns:a16="http://schemas.microsoft.com/office/drawing/2014/main" xmlns="" val="10004"/>
                   </a:ext>
                 </a:extLst>
               </a:tr>
@@ -26184,7 +26200,7 @@
                 </a:tc>
                 <a:extLst>
                   <a:ext uri="{0D108BD9-81ED-4DB2-BD59-A6C34878D82A}">
-                    <a16:rowId xmlns:a16="http://schemas.microsoft.com/office/drawing/2014/main" val="10005"/>
+                    <a16:rowId xmlns:a16="http://schemas.microsoft.com/office/drawing/2014/main" xmlns="" val="10005"/>
                   </a:ext>
                 </a:extLst>
               </a:tr>
@@ -26861,14 +26877,14 @@
                 <a:gridCol w="1443550">
                   <a:extLst>
                     <a:ext uri="{9D8B030D-6E8A-4147-A177-3AD203B41FA5}">
-                      <a16:colId xmlns:a16="http://schemas.microsoft.com/office/drawing/2014/main" val="20000"/>
+                      <a16:colId xmlns:a16="http://schemas.microsoft.com/office/drawing/2014/main" xmlns="" val="20000"/>
                     </a:ext>
                   </a:extLst>
                 </a:gridCol>
                 <a:gridCol w="2680550">
                   <a:extLst>
                     <a:ext uri="{9D8B030D-6E8A-4147-A177-3AD203B41FA5}">
-                      <a16:colId xmlns:a16="http://schemas.microsoft.com/office/drawing/2014/main" val="20001"/>
+                      <a16:colId xmlns:a16="http://schemas.microsoft.com/office/drawing/2014/main" xmlns="" val="20001"/>
                     </a:ext>
                   </a:extLst>
                 </a:gridCol>
@@ -27034,7 +27050,7 @@
                 </a:tc>
                 <a:extLst>
                   <a:ext uri="{0D108BD9-81ED-4DB2-BD59-A6C34878D82A}">
-                    <a16:rowId xmlns:a16="http://schemas.microsoft.com/office/drawing/2014/main" val="10000"/>
+                    <a16:rowId xmlns:a16="http://schemas.microsoft.com/office/drawing/2014/main" xmlns="" val="10000"/>
                   </a:ext>
                 </a:extLst>
               </a:tr>
@@ -27199,7 +27215,7 @@
                 </a:tc>
                 <a:extLst>
                   <a:ext uri="{0D108BD9-81ED-4DB2-BD59-A6C34878D82A}">
-                    <a16:rowId xmlns:a16="http://schemas.microsoft.com/office/drawing/2014/main" val="10001"/>
+                    <a16:rowId xmlns:a16="http://schemas.microsoft.com/office/drawing/2014/main" xmlns="" val="10001"/>
                   </a:ext>
                 </a:extLst>
               </a:tr>
@@ -27287,7 +27303,7 @@
                 </a:tc>
                 <a:extLst>
                   <a:ext uri="{0D108BD9-81ED-4DB2-BD59-A6C34878D82A}">
-                    <a16:rowId xmlns:a16="http://schemas.microsoft.com/office/drawing/2014/main" val="10002"/>
+                    <a16:rowId xmlns:a16="http://schemas.microsoft.com/office/drawing/2014/main" xmlns="" val="10002"/>
                   </a:ext>
                 </a:extLst>
               </a:tr>
@@ -27315,14 +27331,14 @@
                 <a:gridCol w="1407750">
                   <a:extLst>
                     <a:ext uri="{9D8B030D-6E8A-4147-A177-3AD203B41FA5}">
-                      <a16:colId xmlns:a16="http://schemas.microsoft.com/office/drawing/2014/main" val="20000"/>
+                      <a16:colId xmlns:a16="http://schemas.microsoft.com/office/drawing/2014/main" xmlns="" val="20000"/>
                     </a:ext>
                   </a:extLst>
                 </a:gridCol>
                 <a:gridCol w="1407750">
                   <a:extLst>
                     <a:ext uri="{9D8B030D-6E8A-4147-A177-3AD203B41FA5}">
-                      <a16:colId xmlns:a16="http://schemas.microsoft.com/office/drawing/2014/main" val="20001"/>
+                      <a16:colId xmlns:a16="http://schemas.microsoft.com/office/drawing/2014/main" xmlns="" val="20001"/>
                     </a:ext>
                   </a:extLst>
                 </a:gridCol>
@@ -27480,7 +27496,7 @@
                 </a:tc>
                 <a:extLst>
                   <a:ext uri="{0D108BD9-81ED-4DB2-BD59-A6C34878D82A}">
-                    <a16:rowId xmlns:a16="http://schemas.microsoft.com/office/drawing/2014/main" val="10000"/>
+                    <a16:rowId xmlns:a16="http://schemas.microsoft.com/office/drawing/2014/main" xmlns="" val="10000"/>
                   </a:ext>
                 </a:extLst>
               </a:tr>
@@ -27508,14 +27524,14 @@
                 <a:gridCol w="1407750">
                   <a:extLst>
                     <a:ext uri="{9D8B030D-6E8A-4147-A177-3AD203B41FA5}">
-                      <a16:colId xmlns:a16="http://schemas.microsoft.com/office/drawing/2014/main" val="20000"/>
+                      <a16:colId xmlns:a16="http://schemas.microsoft.com/office/drawing/2014/main" xmlns="" val="20000"/>
                     </a:ext>
                   </a:extLst>
                 </a:gridCol>
                 <a:gridCol w="1407750">
                   <a:extLst>
                     <a:ext uri="{9D8B030D-6E8A-4147-A177-3AD203B41FA5}">
-                      <a16:colId xmlns:a16="http://schemas.microsoft.com/office/drawing/2014/main" val="20001"/>
+                      <a16:colId xmlns:a16="http://schemas.microsoft.com/office/drawing/2014/main" xmlns="" val="20001"/>
                     </a:ext>
                   </a:extLst>
                 </a:gridCol>
@@ -27673,7 +27689,7 @@
                 </a:tc>
                 <a:extLst>
                   <a:ext uri="{0D108BD9-81ED-4DB2-BD59-A6C34878D82A}">
-                    <a16:rowId xmlns:a16="http://schemas.microsoft.com/office/drawing/2014/main" val="10000"/>
+                    <a16:rowId xmlns:a16="http://schemas.microsoft.com/office/drawing/2014/main" xmlns="" val="10000"/>
                   </a:ext>
                 </a:extLst>
               </a:tr>
@@ -27769,14 +27785,14 @@
                 <a:gridCol w="382900">
                   <a:extLst>
                     <a:ext uri="{9D8B030D-6E8A-4147-A177-3AD203B41FA5}">
-                      <a16:colId xmlns:a16="http://schemas.microsoft.com/office/drawing/2014/main" val="20000"/>
+                      <a16:colId xmlns:a16="http://schemas.microsoft.com/office/drawing/2014/main" xmlns="" val="20000"/>
                     </a:ext>
                   </a:extLst>
                 </a:gridCol>
                 <a:gridCol w="3149100">
                   <a:extLst>
                     <a:ext uri="{9D8B030D-6E8A-4147-A177-3AD203B41FA5}">
-                      <a16:colId xmlns:a16="http://schemas.microsoft.com/office/drawing/2014/main" val="20001"/>
+                      <a16:colId xmlns:a16="http://schemas.microsoft.com/office/drawing/2014/main" xmlns="" val="20001"/>
                     </a:ext>
                   </a:extLst>
                 </a:gridCol>
@@ -27934,7 +27950,7 @@
                 </a:tc>
                 <a:extLst>
                   <a:ext uri="{0D108BD9-81ED-4DB2-BD59-A6C34878D82A}">
-                    <a16:rowId xmlns:a16="http://schemas.microsoft.com/office/drawing/2014/main" val="10000"/>
+                    <a16:rowId xmlns:a16="http://schemas.microsoft.com/office/drawing/2014/main" xmlns="" val="10000"/>
                   </a:ext>
                 </a:extLst>
               </a:tr>
@@ -28187,7 +28203,7 @@
                 </a:tc>
                 <a:extLst>
                   <a:ext uri="{0D108BD9-81ED-4DB2-BD59-A6C34878D82A}">
-                    <a16:rowId xmlns:a16="http://schemas.microsoft.com/office/drawing/2014/main" val="10001"/>
+                    <a16:rowId xmlns:a16="http://schemas.microsoft.com/office/drawing/2014/main" xmlns="" val="10001"/>
                   </a:ext>
                 </a:extLst>
               </a:tr>
@@ -28408,7 +28424,7 @@
                 </a:tc>
                 <a:extLst>
                   <a:ext uri="{0D108BD9-81ED-4DB2-BD59-A6C34878D82A}">
-                    <a16:rowId xmlns:a16="http://schemas.microsoft.com/office/drawing/2014/main" val="10002"/>
+                    <a16:rowId xmlns:a16="http://schemas.microsoft.com/office/drawing/2014/main" xmlns="" val="10002"/>
                   </a:ext>
                 </a:extLst>
               </a:tr>
@@ -28645,7 +28661,7 @@
                 </a:tc>
                 <a:extLst>
                   <a:ext uri="{0D108BD9-81ED-4DB2-BD59-A6C34878D82A}">
-                    <a16:rowId xmlns:a16="http://schemas.microsoft.com/office/drawing/2014/main" val="10003"/>
+                    <a16:rowId xmlns:a16="http://schemas.microsoft.com/office/drawing/2014/main" xmlns="" val="10003"/>
                   </a:ext>
                 </a:extLst>
               </a:tr>
@@ -28866,7 +28882,7 @@
                 </a:tc>
                 <a:extLst>
                   <a:ext uri="{0D108BD9-81ED-4DB2-BD59-A6C34878D82A}">
-                    <a16:rowId xmlns:a16="http://schemas.microsoft.com/office/drawing/2014/main" val="10004"/>
+                    <a16:rowId xmlns:a16="http://schemas.microsoft.com/office/drawing/2014/main" xmlns="" val="10004"/>
                   </a:ext>
                 </a:extLst>
               </a:tr>
@@ -29093,7 +29109,7 @@
                 </a:tc>
                 <a:extLst>
                   <a:ext uri="{0D108BD9-81ED-4DB2-BD59-A6C34878D82A}">
-                    <a16:rowId xmlns:a16="http://schemas.microsoft.com/office/drawing/2014/main" val="10005"/>
+                    <a16:rowId xmlns:a16="http://schemas.microsoft.com/office/drawing/2014/main" xmlns="" val="10005"/>
                   </a:ext>
                 </a:extLst>
               </a:tr>
@@ -29224,7 +29240,7 @@
                 </a:tc>
                 <a:extLst>
                   <a:ext uri="{0D108BD9-81ED-4DB2-BD59-A6C34878D82A}">
-                    <a16:rowId xmlns:a16="http://schemas.microsoft.com/office/drawing/2014/main" val="10006"/>
+                    <a16:rowId xmlns:a16="http://schemas.microsoft.com/office/drawing/2014/main" xmlns="" val="10006"/>
                   </a:ext>
                 </a:extLst>
               </a:tr>
@@ -29813,14 +29829,14 @@
                 <a:gridCol w="1443550">
                   <a:extLst>
                     <a:ext uri="{9D8B030D-6E8A-4147-A177-3AD203B41FA5}">
-                      <a16:colId xmlns:a16="http://schemas.microsoft.com/office/drawing/2014/main" val="20000"/>
+                      <a16:colId xmlns:a16="http://schemas.microsoft.com/office/drawing/2014/main" xmlns="" val="20000"/>
                     </a:ext>
                   </a:extLst>
                 </a:gridCol>
                 <a:gridCol w="2680550">
                   <a:extLst>
                     <a:ext uri="{9D8B030D-6E8A-4147-A177-3AD203B41FA5}">
-                      <a16:colId xmlns:a16="http://schemas.microsoft.com/office/drawing/2014/main" val="20001"/>
+                      <a16:colId xmlns:a16="http://schemas.microsoft.com/office/drawing/2014/main" xmlns="" val="20001"/>
                     </a:ext>
                   </a:extLst>
                 </a:gridCol>
@@ -29986,7 +30002,7 @@
                 </a:tc>
                 <a:extLst>
                   <a:ext uri="{0D108BD9-81ED-4DB2-BD59-A6C34878D82A}">
-                    <a16:rowId xmlns:a16="http://schemas.microsoft.com/office/drawing/2014/main" val="10000"/>
+                    <a16:rowId xmlns:a16="http://schemas.microsoft.com/office/drawing/2014/main" xmlns="" val="10000"/>
                   </a:ext>
                 </a:extLst>
               </a:tr>
@@ -30151,7 +30167,7 @@
                 </a:tc>
                 <a:extLst>
                   <a:ext uri="{0D108BD9-81ED-4DB2-BD59-A6C34878D82A}">
-                    <a16:rowId xmlns:a16="http://schemas.microsoft.com/office/drawing/2014/main" val="10001"/>
+                    <a16:rowId xmlns:a16="http://schemas.microsoft.com/office/drawing/2014/main" xmlns="" val="10001"/>
                   </a:ext>
                 </a:extLst>
               </a:tr>
@@ -30239,7 +30255,7 @@
                 </a:tc>
                 <a:extLst>
                   <a:ext uri="{0D108BD9-81ED-4DB2-BD59-A6C34878D82A}">
-                    <a16:rowId xmlns:a16="http://schemas.microsoft.com/office/drawing/2014/main" val="10002"/>
+                    <a16:rowId xmlns:a16="http://schemas.microsoft.com/office/drawing/2014/main" xmlns="" val="10002"/>
                   </a:ext>
                 </a:extLst>
               </a:tr>
@@ -30267,14 +30283,14 @@
                 <a:gridCol w="1407750">
                   <a:extLst>
                     <a:ext uri="{9D8B030D-6E8A-4147-A177-3AD203B41FA5}">
-                      <a16:colId xmlns:a16="http://schemas.microsoft.com/office/drawing/2014/main" val="20000"/>
+                      <a16:colId xmlns:a16="http://schemas.microsoft.com/office/drawing/2014/main" xmlns="" val="20000"/>
                     </a:ext>
                   </a:extLst>
                 </a:gridCol>
                 <a:gridCol w="1407750">
                   <a:extLst>
                     <a:ext uri="{9D8B030D-6E8A-4147-A177-3AD203B41FA5}">
-                      <a16:colId xmlns:a16="http://schemas.microsoft.com/office/drawing/2014/main" val="20001"/>
+                      <a16:colId xmlns:a16="http://schemas.microsoft.com/office/drawing/2014/main" xmlns="" val="20001"/>
                     </a:ext>
                   </a:extLst>
                 </a:gridCol>
@@ -30432,7 +30448,7 @@
                 </a:tc>
                 <a:extLst>
                   <a:ext uri="{0D108BD9-81ED-4DB2-BD59-A6C34878D82A}">
-                    <a16:rowId xmlns:a16="http://schemas.microsoft.com/office/drawing/2014/main" val="10000"/>
+                    <a16:rowId xmlns:a16="http://schemas.microsoft.com/office/drawing/2014/main" xmlns="" val="10000"/>
                   </a:ext>
                 </a:extLst>
               </a:tr>
@@ -30460,14 +30476,14 @@
                 <a:gridCol w="1407750">
                   <a:extLst>
                     <a:ext uri="{9D8B030D-6E8A-4147-A177-3AD203B41FA5}">
-                      <a16:colId xmlns:a16="http://schemas.microsoft.com/office/drawing/2014/main" val="20000"/>
+                      <a16:colId xmlns:a16="http://schemas.microsoft.com/office/drawing/2014/main" xmlns="" val="20000"/>
                     </a:ext>
                   </a:extLst>
                 </a:gridCol>
                 <a:gridCol w="1407750">
                   <a:extLst>
                     <a:ext uri="{9D8B030D-6E8A-4147-A177-3AD203B41FA5}">
-                      <a16:colId xmlns:a16="http://schemas.microsoft.com/office/drawing/2014/main" val="20001"/>
+                      <a16:colId xmlns:a16="http://schemas.microsoft.com/office/drawing/2014/main" xmlns="" val="20001"/>
                     </a:ext>
                   </a:extLst>
                 </a:gridCol>
@@ -30625,7 +30641,7 @@
                 </a:tc>
                 <a:extLst>
                   <a:ext uri="{0D108BD9-81ED-4DB2-BD59-A6C34878D82A}">
-                    <a16:rowId xmlns:a16="http://schemas.microsoft.com/office/drawing/2014/main" val="10000"/>
+                    <a16:rowId xmlns:a16="http://schemas.microsoft.com/office/drawing/2014/main" xmlns="" val="10000"/>
                   </a:ext>
                 </a:extLst>
               </a:tr>
@@ -30721,14 +30737,14 @@
                 <a:gridCol w="382900">
                   <a:extLst>
                     <a:ext uri="{9D8B030D-6E8A-4147-A177-3AD203B41FA5}">
-                      <a16:colId xmlns:a16="http://schemas.microsoft.com/office/drawing/2014/main" val="20000"/>
+                      <a16:colId xmlns:a16="http://schemas.microsoft.com/office/drawing/2014/main" xmlns="" val="20000"/>
                     </a:ext>
                   </a:extLst>
                 </a:gridCol>
                 <a:gridCol w="3149100">
                   <a:extLst>
                     <a:ext uri="{9D8B030D-6E8A-4147-A177-3AD203B41FA5}">
-                      <a16:colId xmlns:a16="http://schemas.microsoft.com/office/drawing/2014/main" val="20001"/>
+                      <a16:colId xmlns:a16="http://schemas.microsoft.com/office/drawing/2014/main" xmlns="" val="20001"/>
                     </a:ext>
                   </a:extLst>
                 </a:gridCol>
@@ -30886,7 +30902,7 @@
                 </a:tc>
                 <a:extLst>
                   <a:ext uri="{0D108BD9-81ED-4DB2-BD59-A6C34878D82A}">
-                    <a16:rowId xmlns:a16="http://schemas.microsoft.com/office/drawing/2014/main" val="10000"/>
+                    <a16:rowId xmlns:a16="http://schemas.microsoft.com/office/drawing/2014/main" xmlns="" val="10000"/>
                   </a:ext>
                 </a:extLst>
               </a:tr>
@@ -31233,7 +31249,7 @@
                 </a:tc>
                 <a:extLst>
                   <a:ext uri="{0D108BD9-81ED-4DB2-BD59-A6C34878D82A}">
-                    <a16:rowId xmlns:a16="http://schemas.microsoft.com/office/drawing/2014/main" val="10001"/>
+                    <a16:rowId xmlns:a16="http://schemas.microsoft.com/office/drawing/2014/main" xmlns="" val="10001"/>
                   </a:ext>
                 </a:extLst>
               </a:tr>
@@ -31454,7 +31470,7 @@
                 </a:tc>
                 <a:extLst>
                   <a:ext uri="{0D108BD9-81ED-4DB2-BD59-A6C34878D82A}">
-                    <a16:rowId xmlns:a16="http://schemas.microsoft.com/office/drawing/2014/main" val="10002"/>
+                    <a16:rowId xmlns:a16="http://schemas.microsoft.com/office/drawing/2014/main" xmlns="" val="10002"/>
                   </a:ext>
                 </a:extLst>
               </a:tr>
@@ -31691,7 +31707,7 @@
                 </a:tc>
                 <a:extLst>
                   <a:ext uri="{0D108BD9-81ED-4DB2-BD59-A6C34878D82A}">
-                    <a16:rowId xmlns:a16="http://schemas.microsoft.com/office/drawing/2014/main" val="10003"/>
+                    <a16:rowId xmlns:a16="http://schemas.microsoft.com/office/drawing/2014/main" xmlns="" val="10003"/>
                   </a:ext>
                 </a:extLst>
               </a:tr>
@@ -31918,7 +31934,7 @@
                 </a:tc>
                 <a:extLst>
                   <a:ext uri="{0D108BD9-81ED-4DB2-BD59-A6C34878D82A}">
-                    <a16:rowId xmlns:a16="http://schemas.microsoft.com/office/drawing/2014/main" val="10004"/>
+                    <a16:rowId xmlns:a16="http://schemas.microsoft.com/office/drawing/2014/main" xmlns="" val="10004"/>
                   </a:ext>
                 </a:extLst>
               </a:tr>
@@ -32049,7 +32065,7 @@
                 </a:tc>
                 <a:extLst>
                   <a:ext uri="{0D108BD9-81ED-4DB2-BD59-A6C34878D82A}">
-                    <a16:rowId xmlns:a16="http://schemas.microsoft.com/office/drawing/2014/main" val="10005"/>
+                    <a16:rowId xmlns:a16="http://schemas.microsoft.com/office/drawing/2014/main" xmlns="" val="10005"/>
                   </a:ext>
                 </a:extLst>
               </a:tr>
@@ -32614,14 +32630,14 @@
                 <a:gridCol w="1443550">
                   <a:extLst>
                     <a:ext uri="{9D8B030D-6E8A-4147-A177-3AD203B41FA5}">
-                      <a16:colId xmlns:a16="http://schemas.microsoft.com/office/drawing/2014/main" val="20000"/>
+                      <a16:colId xmlns:a16="http://schemas.microsoft.com/office/drawing/2014/main" xmlns="" val="20000"/>
                     </a:ext>
                   </a:extLst>
                 </a:gridCol>
                 <a:gridCol w="2680550">
                   <a:extLst>
                     <a:ext uri="{9D8B030D-6E8A-4147-A177-3AD203B41FA5}">
-                      <a16:colId xmlns:a16="http://schemas.microsoft.com/office/drawing/2014/main" val="20001"/>
+                      <a16:colId xmlns:a16="http://schemas.microsoft.com/office/drawing/2014/main" xmlns="" val="20001"/>
                     </a:ext>
                   </a:extLst>
                 </a:gridCol>
@@ -32787,7 +32803,7 @@
                 </a:tc>
                 <a:extLst>
                   <a:ext uri="{0D108BD9-81ED-4DB2-BD59-A6C34878D82A}">
-                    <a16:rowId xmlns:a16="http://schemas.microsoft.com/office/drawing/2014/main" val="10000"/>
+                    <a16:rowId xmlns:a16="http://schemas.microsoft.com/office/drawing/2014/main" xmlns="" val="10000"/>
                   </a:ext>
                 </a:extLst>
               </a:tr>
@@ -32952,7 +32968,7 @@
                 </a:tc>
                 <a:extLst>
                   <a:ext uri="{0D108BD9-81ED-4DB2-BD59-A6C34878D82A}">
-                    <a16:rowId xmlns:a16="http://schemas.microsoft.com/office/drawing/2014/main" val="10001"/>
+                    <a16:rowId xmlns:a16="http://schemas.microsoft.com/office/drawing/2014/main" xmlns="" val="10001"/>
                   </a:ext>
                 </a:extLst>
               </a:tr>
@@ -33040,7 +33056,7 @@
                 </a:tc>
                 <a:extLst>
                   <a:ext uri="{0D108BD9-81ED-4DB2-BD59-A6C34878D82A}">
-                    <a16:rowId xmlns:a16="http://schemas.microsoft.com/office/drawing/2014/main" val="10002"/>
+                    <a16:rowId xmlns:a16="http://schemas.microsoft.com/office/drawing/2014/main" xmlns="" val="10002"/>
                   </a:ext>
                 </a:extLst>
               </a:tr>
@@ -33068,14 +33084,14 @@
                 <a:gridCol w="1407750">
                   <a:extLst>
                     <a:ext uri="{9D8B030D-6E8A-4147-A177-3AD203B41FA5}">
-                      <a16:colId xmlns:a16="http://schemas.microsoft.com/office/drawing/2014/main" val="20000"/>
+                      <a16:colId xmlns:a16="http://schemas.microsoft.com/office/drawing/2014/main" xmlns="" val="20000"/>
                     </a:ext>
                   </a:extLst>
                 </a:gridCol>
                 <a:gridCol w="1407750">
                   <a:extLst>
                     <a:ext uri="{9D8B030D-6E8A-4147-A177-3AD203B41FA5}">
-                      <a16:colId xmlns:a16="http://schemas.microsoft.com/office/drawing/2014/main" val="20001"/>
+                      <a16:colId xmlns:a16="http://schemas.microsoft.com/office/drawing/2014/main" xmlns="" val="20001"/>
                     </a:ext>
                   </a:extLst>
                 </a:gridCol>
@@ -33233,7 +33249,7 @@
                 </a:tc>
                 <a:extLst>
                   <a:ext uri="{0D108BD9-81ED-4DB2-BD59-A6C34878D82A}">
-                    <a16:rowId xmlns:a16="http://schemas.microsoft.com/office/drawing/2014/main" val="10000"/>
+                    <a16:rowId xmlns:a16="http://schemas.microsoft.com/office/drawing/2014/main" xmlns="" val="10000"/>
                   </a:ext>
                 </a:extLst>
               </a:tr>
@@ -33261,14 +33277,14 @@
                 <a:gridCol w="1407750">
                   <a:extLst>
                     <a:ext uri="{9D8B030D-6E8A-4147-A177-3AD203B41FA5}">
-                      <a16:colId xmlns:a16="http://schemas.microsoft.com/office/drawing/2014/main" val="20000"/>
+                      <a16:colId xmlns:a16="http://schemas.microsoft.com/office/drawing/2014/main" xmlns="" val="20000"/>
                     </a:ext>
                   </a:extLst>
                 </a:gridCol>
                 <a:gridCol w="1407750">
                   <a:extLst>
                     <a:ext uri="{9D8B030D-6E8A-4147-A177-3AD203B41FA5}">
-                      <a16:colId xmlns:a16="http://schemas.microsoft.com/office/drawing/2014/main" val="20001"/>
+                      <a16:colId xmlns:a16="http://schemas.microsoft.com/office/drawing/2014/main" xmlns="" val="20001"/>
                     </a:ext>
                   </a:extLst>
                 </a:gridCol>
@@ -33426,7 +33442,7 @@
                 </a:tc>
                 <a:extLst>
                   <a:ext uri="{0D108BD9-81ED-4DB2-BD59-A6C34878D82A}">
-                    <a16:rowId xmlns:a16="http://schemas.microsoft.com/office/drawing/2014/main" val="10000"/>
+                    <a16:rowId xmlns:a16="http://schemas.microsoft.com/office/drawing/2014/main" xmlns="" val="10000"/>
                   </a:ext>
                 </a:extLst>
               </a:tr>
@@ -33522,14 +33538,14 @@
                 <a:gridCol w="382900">
                   <a:extLst>
                     <a:ext uri="{9D8B030D-6E8A-4147-A177-3AD203B41FA5}">
-                      <a16:colId xmlns:a16="http://schemas.microsoft.com/office/drawing/2014/main" val="20000"/>
+                      <a16:colId xmlns:a16="http://schemas.microsoft.com/office/drawing/2014/main" xmlns="" val="20000"/>
                     </a:ext>
                   </a:extLst>
                 </a:gridCol>
                 <a:gridCol w="3149100">
                   <a:extLst>
                     <a:ext uri="{9D8B030D-6E8A-4147-A177-3AD203B41FA5}">
-                      <a16:colId xmlns:a16="http://schemas.microsoft.com/office/drawing/2014/main" val="20001"/>
+                      <a16:colId xmlns:a16="http://schemas.microsoft.com/office/drawing/2014/main" xmlns="" val="20001"/>
                     </a:ext>
                   </a:extLst>
                 </a:gridCol>
@@ -33687,7 +33703,7 @@
                 </a:tc>
                 <a:extLst>
                   <a:ext uri="{0D108BD9-81ED-4DB2-BD59-A6C34878D82A}">
-                    <a16:rowId xmlns:a16="http://schemas.microsoft.com/office/drawing/2014/main" val="10000"/>
+                    <a16:rowId xmlns:a16="http://schemas.microsoft.com/office/drawing/2014/main" xmlns="" val="10000"/>
                   </a:ext>
                 </a:extLst>
               </a:tr>
@@ -33999,7 +34015,7 @@
                 </a:tc>
                 <a:extLst>
                   <a:ext uri="{0D108BD9-81ED-4DB2-BD59-A6C34878D82A}">
-                    <a16:rowId xmlns:a16="http://schemas.microsoft.com/office/drawing/2014/main" val="10001"/>
+                    <a16:rowId xmlns:a16="http://schemas.microsoft.com/office/drawing/2014/main" xmlns="" val="10001"/>
                   </a:ext>
                 </a:extLst>
               </a:tr>
@@ -34130,7 +34146,7 @@
                 </a:tc>
                 <a:extLst>
                   <a:ext uri="{0D108BD9-81ED-4DB2-BD59-A6C34878D82A}">
-                    <a16:rowId xmlns:a16="http://schemas.microsoft.com/office/drawing/2014/main" val="10002"/>
+                    <a16:rowId xmlns:a16="http://schemas.microsoft.com/office/drawing/2014/main" xmlns="" val="10002"/>
                   </a:ext>
                 </a:extLst>
               </a:tr>
@@ -34695,14 +34711,14 @@
                 <a:gridCol w="1443550">
                   <a:extLst>
                     <a:ext uri="{9D8B030D-6E8A-4147-A177-3AD203B41FA5}">
-                      <a16:colId xmlns:a16="http://schemas.microsoft.com/office/drawing/2014/main" val="20000"/>
+                      <a16:colId xmlns:a16="http://schemas.microsoft.com/office/drawing/2014/main" xmlns="" val="20000"/>
                     </a:ext>
                   </a:extLst>
                 </a:gridCol>
                 <a:gridCol w="2680550">
                   <a:extLst>
                     <a:ext uri="{9D8B030D-6E8A-4147-A177-3AD203B41FA5}">
-                      <a16:colId xmlns:a16="http://schemas.microsoft.com/office/drawing/2014/main" val="20001"/>
+                      <a16:colId xmlns:a16="http://schemas.microsoft.com/office/drawing/2014/main" xmlns="" val="20001"/>
                     </a:ext>
                   </a:extLst>
                 </a:gridCol>
@@ -34868,7 +34884,7 @@
                 </a:tc>
                 <a:extLst>
                   <a:ext uri="{0D108BD9-81ED-4DB2-BD59-A6C34878D82A}">
-                    <a16:rowId xmlns:a16="http://schemas.microsoft.com/office/drawing/2014/main" val="10000"/>
+                    <a16:rowId xmlns:a16="http://schemas.microsoft.com/office/drawing/2014/main" xmlns="" val="10000"/>
                   </a:ext>
                 </a:extLst>
               </a:tr>
@@ -35033,7 +35049,7 @@
                 </a:tc>
                 <a:extLst>
                   <a:ext uri="{0D108BD9-81ED-4DB2-BD59-A6C34878D82A}">
-                    <a16:rowId xmlns:a16="http://schemas.microsoft.com/office/drawing/2014/main" val="10001"/>
+                    <a16:rowId xmlns:a16="http://schemas.microsoft.com/office/drawing/2014/main" xmlns="" val="10001"/>
                   </a:ext>
                 </a:extLst>
               </a:tr>
@@ -35121,7 +35137,7 @@
                 </a:tc>
                 <a:extLst>
                   <a:ext uri="{0D108BD9-81ED-4DB2-BD59-A6C34878D82A}">
-                    <a16:rowId xmlns:a16="http://schemas.microsoft.com/office/drawing/2014/main" val="10002"/>
+                    <a16:rowId xmlns:a16="http://schemas.microsoft.com/office/drawing/2014/main" xmlns="" val="10002"/>
                   </a:ext>
                 </a:extLst>
               </a:tr>
@@ -35149,14 +35165,14 @@
                 <a:gridCol w="1407750">
                   <a:extLst>
                     <a:ext uri="{9D8B030D-6E8A-4147-A177-3AD203B41FA5}">
-                      <a16:colId xmlns:a16="http://schemas.microsoft.com/office/drawing/2014/main" val="20000"/>
+                      <a16:colId xmlns:a16="http://schemas.microsoft.com/office/drawing/2014/main" xmlns="" val="20000"/>
                     </a:ext>
                   </a:extLst>
                 </a:gridCol>
                 <a:gridCol w="1407750">
                   <a:extLst>
                     <a:ext uri="{9D8B030D-6E8A-4147-A177-3AD203B41FA5}">
-                      <a16:colId xmlns:a16="http://schemas.microsoft.com/office/drawing/2014/main" val="20001"/>
+                      <a16:colId xmlns:a16="http://schemas.microsoft.com/office/drawing/2014/main" xmlns="" val="20001"/>
                     </a:ext>
                   </a:extLst>
                 </a:gridCol>
@@ -35314,7 +35330,7 @@
                 </a:tc>
                 <a:extLst>
                   <a:ext uri="{0D108BD9-81ED-4DB2-BD59-A6C34878D82A}">
-                    <a16:rowId xmlns:a16="http://schemas.microsoft.com/office/drawing/2014/main" val="10000"/>
+                    <a16:rowId xmlns:a16="http://schemas.microsoft.com/office/drawing/2014/main" xmlns="" val="10000"/>
                   </a:ext>
                 </a:extLst>
               </a:tr>
@@ -35342,14 +35358,14 @@
                 <a:gridCol w="1407750">
                   <a:extLst>
                     <a:ext uri="{9D8B030D-6E8A-4147-A177-3AD203B41FA5}">
-                      <a16:colId xmlns:a16="http://schemas.microsoft.com/office/drawing/2014/main" val="20000"/>
+                      <a16:colId xmlns:a16="http://schemas.microsoft.com/office/drawing/2014/main" xmlns="" val="20000"/>
                     </a:ext>
                   </a:extLst>
                 </a:gridCol>
                 <a:gridCol w="1407750">
                   <a:extLst>
                     <a:ext uri="{9D8B030D-6E8A-4147-A177-3AD203B41FA5}">
-                      <a16:colId xmlns:a16="http://schemas.microsoft.com/office/drawing/2014/main" val="20001"/>
+                      <a16:colId xmlns:a16="http://schemas.microsoft.com/office/drawing/2014/main" xmlns="" val="20001"/>
                     </a:ext>
                   </a:extLst>
                 </a:gridCol>
@@ -35507,7 +35523,7 @@
                 </a:tc>
                 <a:extLst>
                   <a:ext uri="{0D108BD9-81ED-4DB2-BD59-A6C34878D82A}">
-                    <a16:rowId xmlns:a16="http://schemas.microsoft.com/office/drawing/2014/main" val="10000"/>
+                    <a16:rowId xmlns:a16="http://schemas.microsoft.com/office/drawing/2014/main" xmlns="" val="10000"/>
                   </a:ext>
                 </a:extLst>
               </a:tr>
@@ -35599,14 +35615,14 @@
                 <a:gridCol w="382900">
                   <a:extLst>
                     <a:ext uri="{9D8B030D-6E8A-4147-A177-3AD203B41FA5}">
-                      <a16:colId xmlns:a16="http://schemas.microsoft.com/office/drawing/2014/main" val="20000"/>
+                      <a16:colId xmlns:a16="http://schemas.microsoft.com/office/drawing/2014/main" xmlns="" val="20000"/>
                     </a:ext>
                   </a:extLst>
                 </a:gridCol>
                 <a:gridCol w="3149100">
                   <a:extLst>
                     <a:ext uri="{9D8B030D-6E8A-4147-A177-3AD203B41FA5}">
-                      <a16:colId xmlns:a16="http://schemas.microsoft.com/office/drawing/2014/main" val="20001"/>
+                      <a16:colId xmlns:a16="http://schemas.microsoft.com/office/drawing/2014/main" xmlns="" val="20001"/>
                     </a:ext>
                   </a:extLst>
                 </a:gridCol>
@@ -35764,7 +35780,7 @@
                 </a:tc>
                 <a:extLst>
                   <a:ext uri="{0D108BD9-81ED-4DB2-BD59-A6C34878D82A}">
-                    <a16:rowId xmlns:a16="http://schemas.microsoft.com/office/drawing/2014/main" val="10000"/>
+                    <a16:rowId xmlns:a16="http://schemas.microsoft.com/office/drawing/2014/main" xmlns="" val="10000"/>
                   </a:ext>
                 </a:extLst>
               </a:tr>
@@ -36076,7 +36092,7 @@
                 </a:tc>
                 <a:extLst>
                   <a:ext uri="{0D108BD9-81ED-4DB2-BD59-A6C34878D82A}">
-                    <a16:rowId xmlns:a16="http://schemas.microsoft.com/office/drawing/2014/main" val="10001"/>
+                    <a16:rowId xmlns:a16="http://schemas.microsoft.com/office/drawing/2014/main" xmlns="" val="10001"/>
                   </a:ext>
                 </a:extLst>
               </a:tr>
@@ -36207,7 +36223,7 @@
                 </a:tc>
                 <a:extLst>
                   <a:ext uri="{0D108BD9-81ED-4DB2-BD59-A6C34878D82A}">
-                    <a16:rowId xmlns:a16="http://schemas.microsoft.com/office/drawing/2014/main" val="10002"/>
+                    <a16:rowId xmlns:a16="http://schemas.microsoft.com/office/drawing/2014/main" xmlns="" val="10002"/>
                   </a:ext>
                 </a:extLst>
               </a:tr>
@@ -36772,14 +36788,14 @@
                 <a:gridCol w="1443550">
                   <a:extLst>
                     <a:ext uri="{9D8B030D-6E8A-4147-A177-3AD203B41FA5}">
-                      <a16:colId xmlns:a16="http://schemas.microsoft.com/office/drawing/2014/main" val="20000"/>
+                      <a16:colId xmlns:a16="http://schemas.microsoft.com/office/drawing/2014/main" xmlns="" val="20000"/>
                     </a:ext>
                   </a:extLst>
                 </a:gridCol>
                 <a:gridCol w="2680550">
                   <a:extLst>
                     <a:ext uri="{9D8B030D-6E8A-4147-A177-3AD203B41FA5}">
-                      <a16:colId xmlns:a16="http://schemas.microsoft.com/office/drawing/2014/main" val="20001"/>
+                      <a16:colId xmlns:a16="http://schemas.microsoft.com/office/drawing/2014/main" xmlns="" val="20001"/>
                     </a:ext>
                   </a:extLst>
                 </a:gridCol>
@@ -36945,7 +36961,7 @@
                 </a:tc>
                 <a:extLst>
                   <a:ext uri="{0D108BD9-81ED-4DB2-BD59-A6C34878D82A}">
-                    <a16:rowId xmlns:a16="http://schemas.microsoft.com/office/drawing/2014/main" val="10000"/>
+                    <a16:rowId xmlns:a16="http://schemas.microsoft.com/office/drawing/2014/main" xmlns="" val="10000"/>
                   </a:ext>
                 </a:extLst>
               </a:tr>
@@ -37110,7 +37126,7 @@
                 </a:tc>
                 <a:extLst>
                   <a:ext uri="{0D108BD9-81ED-4DB2-BD59-A6C34878D82A}">
-                    <a16:rowId xmlns:a16="http://schemas.microsoft.com/office/drawing/2014/main" val="10001"/>
+                    <a16:rowId xmlns:a16="http://schemas.microsoft.com/office/drawing/2014/main" xmlns="" val="10001"/>
                   </a:ext>
                 </a:extLst>
               </a:tr>
@@ -37198,7 +37214,7 @@
                 </a:tc>
                 <a:extLst>
                   <a:ext uri="{0D108BD9-81ED-4DB2-BD59-A6C34878D82A}">
-                    <a16:rowId xmlns:a16="http://schemas.microsoft.com/office/drawing/2014/main" val="10002"/>
+                    <a16:rowId xmlns:a16="http://schemas.microsoft.com/office/drawing/2014/main" xmlns="" val="10002"/>
                   </a:ext>
                 </a:extLst>
               </a:tr>
@@ -37226,14 +37242,14 @@
                 <a:gridCol w="1407750">
                   <a:extLst>
                     <a:ext uri="{9D8B030D-6E8A-4147-A177-3AD203B41FA5}">
-                      <a16:colId xmlns:a16="http://schemas.microsoft.com/office/drawing/2014/main" val="20000"/>
+                      <a16:colId xmlns:a16="http://schemas.microsoft.com/office/drawing/2014/main" xmlns="" val="20000"/>
                     </a:ext>
                   </a:extLst>
                 </a:gridCol>
                 <a:gridCol w="1407750">
                   <a:extLst>
                     <a:ext uri="{9D8B030D-6E8A-4147-A177-3AD203B41FA5}">
-                      <a16:colId xmlns:a16="http://schemas.microsoft.com/office/drawing/2014/main" val="20001"/>
+                      <a16:colId xmlns:a16="http://schemas.microsoft.com/office/drawing/2014/main" xmlns="" val="20001"/>
                     </a:ext>
                   </a:extLst>
                 </a:gridCol>
@@ -37391,7 +37407,7 @@
                 </a:tc>
                 <a:extLst>
                   <a:ext uri="{0D108BD9-81ED-4DB2-BD59-A6C34878D82A}">
-                    <a16:rowId xmlns:a16="http://schemas.microsoft.com/office/drawing/2014/main" val="10000"/>
+                    <a16:rowId xmlns:a16="http://schemas.microsoft.com/office/drawing/2014/main" xmlns="" val="10000"/>
                   </a:ext>
                 </a:extLst>
               </a:tr>
@@ -37419,14 +37435,14 @@
                 <a:gridCol w="1407750">
                   <a:extLst>
                     <a:ext uri="{9D8B030D-6E8A-4147-A177-3AD203B41FA5}">
-                      <a16:colId xmlns:a16="http://schemas.microsoft.com/office/drawing/2014/main" val="20000"/>
+                      <a16:colId xmlns:a16="http://schemas.microsoft.com/office/drawing/2014/main" xmlns="" val="20000"/>
                     </a:ext>
                   </a:extLst>
                 </a:gridCol>
                 <a:gridCol w="1407750">
                   <a:extLst>
                     <a:ext uri="{9D8B030D-6E8A-4147-A177-3AD203B41FA5}">
-                      <a16:colId xmlns:a16="http://schemas.microsoft.com/office/drawing/2014/main" val="20001"/>
+                      <a16:colId xmlns:a16="http://schemas.microsoft.com/office/drawing/2014/main" xmlns="" val="20001"/>
                     </a:ext>
                   </a:extLst>
                 </a:gridCol>
@@ -37584,7 +37600,7 @@
                 </a:tc>
                 <a:extLst>
                   <a:ext uri="{0D108BD9-81ED-4DB2-BD59-A6C34878D82A}">
-                    <a16:rowId xmlns:a16="http://schemas.microsoft.com/office/drawing/2014/main" val="10000"/>
+                    <a16:rowId xmlns:a16="http://schemas.microsoft.com/office/drawing/2014/main" xmlns="" val="10000"/>
                   </a:ext>
                 </a:extLst>
               </a:tr>
@@ -37676,14 +37692,14 @@
                 <a:gridCol w="382900">
                   <a:extLst>
                     <a:ext uri="{9D8B030D-6E8A-4147-A177-3AD203B41FA5}">
-                      <a16:colId xmlns:a16="http://schemas.microsoft.com/office/drawing/2014/main" val="20000"/>
+                      <a16:colId xmlns:a16="http://schemas.microsoft.com/office/drawing/2014/main" xmlns="" val="20000"/>
                     </a:ext>
                   </a:extLst>
                 </a:gridCol>
                 <a:gridCol w="3149100">
                   <a:extLst>
                     <a:ext uri="{9D8B030D-6E8A-4147-A177-3AD203B41FA5}">
-                      <a16:colId xmlns:a16="http://schemas.microsoft.com/office/drawing/2014/main" val="20001"/>
+                      <a16:colId xmlns:a16="http://schemas.microsoft.com/office/drawing/2014/main" xmlns="" val="20001"/>
                     </a:ext>
                   </a:extLst>
                 </a:gridCol>
@@ -37841,7 +37857,7 @@
                 </a:tc>
                 <a:extLst>
                   <a:ext uri="{0D108BD9-81ED-4DB2-BD59-A6C34878D82A}">
-                    <a16:rowId xmlns:a16="http://schemas.microsoft.com/office/drawing/2014/main" val="10000"/>
+                    <a16:rowId xmlns:a16="http://schemas.microsoft.com/office/drawing/2014/main" xmlns="" val="10000"/>
                   </a:ext>
                 </a:extLst>
               </a:tr>
@@ -38153,7 +38169,7 @@
                 </a:tc>
                 <a:extLst>
                   <a:ext uri="{0D108BD9-81ED-4DB2-BD59-A6C34878D82A}">
-                    <a16:rowId xmlns:a16="http://schemas.microsoft.com/office/drawing/2014/main" val="10001"/>
+                    <a16:rowId xmlns:a16="http://schemas.microsoft.com/office/drawing/2014/main" xmlns="" val="10001"/>
                   </a:ext>
                 </a:extLst>
               </a:tr>
@@ -38284,7 +38300,7 @@
                 </a:tc>
                 <a:extLst>
                   <a:ext uri="{0D108BD9-81ED-4DB2-BD59-A6C34878D82A}">
-                    <a16:rowId xmlns:a16="http://schemas.microsoft.com/office/drawing/2014/main" val="10002"/>
+                    <a16:rowId xmlns:a16="http://schemas.microsoft.com/office/drawing/2014/main" xmlns="" val="10002"/>
                   </a:ext>
                 </a:extLst>
               </a:tr>
@@ -38849,14 +38865,14 @@
                 <a:gridCol w="1443550">
                   <a:extLst>
                     <a:ext uri="{9D8B030D-6E8A-4147-A177-3AD203B41FA5}">
-                      <a16:colId xmlns:a16="http://schemas.microsoft.com/office/drawing/2014/main" val="20000"/>
+                      <a16:colId xmlns:a16="http://schemas.microsoft.com/office/drawing/2014/main" xmlns="" val="20000"/>
                     </a:ext>
                   </a:extLst>
                 </a:gridCol>
                 <a:gridCol w="2680550">
                   <a:extLst>
                     <a:ext uri="{9D8B030D-6E8A-4147-A177-3AD203B41FA5}">
-                      <a16:colId xmlns:a16="http://schemas.microsoft.com/office/drawing/2014/main" val="20001"/>
+                      <a16:colId xmlns:a16="http://schemas.microsoft.com/office/drawing/2014/main" xmlns="" val="20001"/>
                     </a:ext>
                   </a:extLst>
                 </a:gridCol>
@@ -39022,7 +39038,7 @@
                 </a:tc>
                 <a:extLst>
                   <a:ext uri="{0D108BD9-81ED-4DB2-BD59-A6C34878D82A}">
-                    <a16:rowId xmlns:a16="http://schemas.microsoft.com/office/drawing/2014/main" val="10000"/>
+                    <a16:rowId xmlns:a16="http://schemas.microsoft.com/office/drawing/2014/main" xmlns="" val="10000"/>
                   </a:ext>
                 </a:extLst>
               </a:tr>
@@ -39195,7 +39211,7 @@
                 </a:tc>
                 <a:extLst>
                   <a:ext uri="{0D108BD9-81ED-4DB2-BD59-A6C34878D82A}">
-                    <a16:rowId xmlns:a16="http://schemas.microsoft.com/office/drawing/2014/main" val="10001"/>
+                    <a16:rowId xmlns:a16="http://schemas.microsoft.com/office/drawing/2014/main" xmlns="" val="10001"/>
                   </a:ext>
                 </a:extLst>
               </a:tr>
@@ -39283,7 +39299,7 @@
                 </a:tc>
                 <a:extLst>
                   <a:ext uri="{0D108BD9-81ED-4DB2-BD59-A6C34878D82A}">
-                    <a16:rowId xmlns:a16="http://schemas.microsoft.com/office/drawing/2014/main" val="10002"/>
+                    <a16:rowId xmlns:a16="http://schemas.microsoft.com/office/drawing/2014/main" xmlns="" val="10002"/>
                   </a:ext>
                 </a:extLst>
               </a:tr>
@@ -39311,14 +39327,14 @@
                 <a:gridCol w="1407750">
                   <a:extLst>
                     <a:ext uri="{9D8B030D-6E8A-4147-A177-3AD203B41FA5}">
-                      <a16:colId xmlns:a16="http://schemas.microsoft.com/office/drawing/2014/main" val="20000"/>
+                      <a16:colId xmlns:a16="http://schemas.microsoft.com/office/drawing/2014/main" xmlns="" val="20000"/>
                     </a:ext>
                   </a:extLst>
                 </a:gridCol>
                 <a:gridCol w="1407750">
                   <a:extLst>
                     <a:ext uri="{9D8B030D-6E8A-4147-A177-3AD203B41FA5}">
-                      <a16:colId xmlns:a16="http://schemas.microsoft.com/office/drawing/2014/main" val="20001"/>
+                      <a16:colId xmlns:a16="http://schemas.microsoft.com/office/drawing/2014/main" xmlns="" val="20001"/>
                     </a:ext>
                   </a:extLst>
                 </a:gridCol>
@@ -39476,7 +39492,7 @@
                 </a:tc>
                 <a:extLst>
                   <a:ext uri="{0D108BD9-81ED-4DB2-BD59-A6C34878D82A}">
-                    <a16:rowId xmlns:a16="http://schemas.microsoft.com/office/drawing/2014/main" val="10000"/>
+                    <a16:rowId xmlns:a16="http://schemas.microsoft.com/office/drawing/2014/main" xmlns="" val="10000"/>
                   </a:ext>
                 </a:extLst>
               </a:tr>
@@ -39504,14 +39520,14 @@
                 <a:gridCol w="1407750">
                   <a:extLst>
                     <a:ext uri="{9D8B030D-6E8A-4147-A177-3AD203B41FA5}">
-                      <a16:colId xmlns:a16="http://schemas.microsoft.com/office/drawing/2014/main" val="20000"/>
+                      <a16:colId xmlns:a16="http://schemas.microsoft.com/office/drawing/2014/main" xmlns="" val="20000"/>
                     </a:ext>
                   </a:extLst>
                 </a:gridCol>
                 <a:gridCol w="1407750">
                   <a:extLst>
                     <a:ext uri="{9D8B030D-6E8A-4147-A177-3AD203B41FA5}">
-                      <a16:colId xmlns:a16="http://schemas.microsoft.com/office/drawing/2014/main" val="20001"/>
+                      <a16:colId xmlns:a16="http://schemas.microsoft.com/office/drawing/2014/main" xmlns="" val="20001"/>
                     </a:ext>
                   </a:extLst>
                 </a:gridCol>
@@ -39669,7 +39685,7 @@
                 </a:tc>
                 <a:extLst>
                   <a:ext uri="{0D108BD9-81ED-4DB2-BD59-A6C34878D82A}">
-                    <a16:rowId xmlns:a16="http://schemas.microsoft.com/office/drawing/2014/main" val="10000"/>
+                    <a16:rowId xmlns:a16="http://schemas.microsoft.com/office/drawing/2014/main" xmlns="" val="10000"/>
                   </a:ext>
                 </a:extLst>
               </a:tr>
@@ -39765,14 +39781,14 @@
                 <a:gridCol w="382900">
                   <a:extLst>
                     <a:ext uri="{9D8B030D-6E8A-4147-A177-3AD203B41FA5}">
-                      <a16:colId xmlns:a16="http://schemas.microsoft.com/office/drawing/2014/main" val="20000"/>
+                      <a16:colId xmlns:a16="http://schemas.microsoft.com/office/drawing/2014/main" xmlns="" val="20000"/>
                     </a:ext>
                   </a:extLst>
                 </a:gridCol>
                 <a:gridCol w="3149100">
                   <a:extLst>
                     <a:ext uri="{9D8B030D-6E8A-4147-A177-3AD203B41FA5}">
-                      <a16:colId xmlns:a16="http://schemas.microsoft.com/office/drawing/2014/main" val="20001"/>
+                      <a16:colId xmlns:a16="http://schemas.microsoft.com/office/drawing/2014/main" xmlns="" val="20001"/>
                     </a:ext>
                   </a:extLst>
                 </a:gridCol>
@@ -39930,7 +39946,7 @@
                 </a:tc>
                 <a:extLst>
                   <a:ext uri="{0D108BD9-81ED-4DB2-BD59-A6C34878D82A}">
-                    <a16:rowId xmlns:a16="http://schemas.microsoft.com/office/drawing/2014/main" val="10000"/>
+                    <a16:rowId xmlns:a16="http://schemas.microsoft.com/office/drawing/2014/main" xmlns="" val="10000"/>
                   </a:ext>
                 </a:extLst>
               </a:tr>
@@ -40087,7 +40103,7 @@
                 </a:tc>
                 <a:extLst>
                   <a:ext uri="{0D108BD9-81ED-4DB2-BD59-A6C34878D82A}">
-                    <a16:rowId xmlns:a16="http://schemas.microsoft.com/office/drawing/2014/main" val="10001"/>
+                    <a16:rowId xmlns:a16="http://schemas.microsoft.com/office/drawing/2014/main" xmlns="" val="10001"/>
                   </a:ext>
                 </a:extLst>
               </a:tr>
@@ -40218,7 +40234,7 @@
                 </a:tc>
                 <a:extLst>
                   <a:ext uri="{0D108BD9-81ED-4DB2-BD59-A6C34878D82A}">
-                    <a16:rowId xmlns:a16="http://schemas.microsoft.com/office/drawing/2014/main" val="10002"/>
+                    <a16:rowId xmlns:a16="http://schemas.microsoft.com/office/drawing/2014/main" xmlns="" val="10002"/>
                   </a:ext>
                 </a:extLst>
               </a:tr>
@@ -40783,14 +40799,14 @@
                 <a:gridCol w="1443550">
                   <a:extLst>
                     <a:ext uri="{9D8B030D-6E8A-4147-A177-3AD203B41FA5}">
-                      <a16:colId xmlns:a16="http://schemas.microsoft.com/office/drawing/2014/main" val="20000"/>
+                      <a16:colId xmlns:a16="http://schemas.microsoft.com/office/drawing/2014/main" xmlns="" val="20000"/>
                     </a:ext>
                   </a:extLst>
                 </a:gridCol>
                 <a:gridCol w="2680550">
                   <a:extLst>
                     <a:ext uri="{9D8B030D-6E8A-4147-A177-3AD203B41FA5}">
-                      <a16:colId xmlns:a16="http://schemas.microsoft.com/office/drawing/2014/main" val="20001"/>
+                      <a16:colId xmlns:a16="http://schemas.microsoft.com/office/drawing/2014/main" xmlns="" val="20001"/>
                     </a:ext>
                   </a:extLst>
                 </a:gridCol>
@@ -40956,7 +40972,7 @@
                 </a:tc>
                 <a:extLst>
                   <a:ext uri="{0D108BD9-81ED-4DB2-BD59-A6C34878D82A}">
-                    <a16:rowId xmlns:a16="http://schemas.microsoft.com/office/drawing/2014/main" val="10000"/>
+                    <a16:rowId xmlns:a16="http://schemas.microsoft.com/office/drawing/2014/main" xmlns="" val="10000"/>
                   </a:ext>
                 </a:extLst>
               </a:tr>
@@ -41153,7 +41169,7 @@
                 </a:tc>
                 <a:extLst>
                   <a:ext uri="{0D108BD9-81ED-4DB2-BD59-A6C34878D82A}">
-                    <a16:rowId xmlns:a16="http://schemas.microsoft.com/office/drawing/2014/main" val="10001"/>
+                    <a16:rowId xmlns:a16="http://schemas.microsoft.com/office/drawing/2014/main" xmlns="" val="10001"/>
                   </a:ext>
                 </a:extLst>
               </a:tr>
@@ -41241,7 +41257,7 @@
                 </a:tc>
                 <a:extLst>
                   <a:ext uri="{0D108BD9-81ED-4DB2-BD59-A6C34878D82A}">
-                    <a16:rowId xmlns:a16="http://schemas.microsoft.com/office/drawing/2014/main" val="10002"/>
+                    <a16:rowId xmlns:a16="http://schemas.microsoft.com/office/drawing/2014/main" xmlns="" val="10002"/>
                   </a:ext>
                 </a:extLst>
               </a:tr>
@@ -41269,14 +41285,14 @@
                 <a:gridCol w="1407750">
                   <a:extLst>
                     <a:ext uri="{9D8B030D-6E8A-4147-A177-3AD203B41FA5}">
-                      <a16:colId xmlns:a16="http://schemas.microsoft.com/office/drawing/2014/main" val="20000"/>
+                      <a16:colId xmlns:a16="http://schemas.microsoft.com/office/drawing/2014/main" xmlns="" val="20000"/>
                     </a:ext>
                   </a:extLst>
                 </a:gridCol>
                 <a:gridCol w="1407750">
                   <a:extLst>
                     <a:ext uri="{9D8B030D-6E8A-4147-A177-3AD203B41FA5}">
-                      <a16:colId xmlns:a16="http://schemas.microsoft.com/office/drawing/2014/main" val="20001"/>
+                      <a16:colId xmlns:a16="http://schemas.microsoft.com/office/drawing/2014/main" xmlns="" val="20001"/>
                     </a:ext>
                   </a:extLst>
                 </a:gridCol>
@@ -41434,7 +41450,7 @@
                 </a:tc>
                 <a:extLst>
                   <a:ext uri="{0D108BD9-81ED-4DB2-BD59-A6C34878D82A}">
-                    <a16:rowId xmlns:a16="http://schemas.microsoft.com/office/drawing/2014/main" val="10000"/>
+                    <a16:rowId xmlns:a16="http://schemas.microsoft.com/office/drawing/2014/main" xmlns="" val="10000"/>
                   </a:ext>
                 </a:extLst>
               </a:tr>
@@ -41462,14 +41478,14 @@
                 <a:gridCol w="1407750">
                   <a:extLst>
                     <a:ext uri="{9D8B030D-6E8A-4147-A177-3AD203B41FA5}">
-                      <a16:colId xmlns:a16="http://schemas.microsoft.com/office/drawing/2014/main" val="20000"/>
+                      <a16:colId xmlns:a16="http://schemas.microsoft.com/office/drawing/2014/main" xmlns="" val="20000"/>
                     </a:ext>
                   </a:extLst>
                 </a:gridCol>
                 <a:gridCol w="1407750">
                   <a:extLst>
                     <a:ext uri="{9D8B030D-6E8A-4147-A177-3AD203B41FA5}">
-                      <a16:colId xmlns:a16="http://schemas.microsoft.com/office/drawing/2014/main" val="20001"/>
+                      <a16:colId xmlns:a16="http://schemas.microsoft.com/office/drawing/2014/main" xmlns="" val="20001"/>
                     </a:ext>
                   </a:extLst>
                 </a:gridCol>
@@ -41627,7 +41643,7 @@
                 </a:tc>
                 <a:extLst>
                   <a:ext uri="{0D108BD9-81ED-4DB2-BD59-A6C34878D82A}">
-                    <a16:rowId xmlns:a16="http://schemas.microsoft.com/office/drawing/2014/main" val="10000"/>
+                    <a16:rowId xmlns:a16="http://schemas.microsoft.com/office/drawing/2014/main" xmlns="" val="10000"/>
                   </a:ext>
                 </a:extLst>
               </a:tr>
@@ -41723,14 +41739,14 @@
                 <a:gridCol w="382900">
                   <a:extLst>
                     <a:ext uri="{9D8B030D-6E8A-4147-A177-3AD203B41FA5}">
-                      <a16:colId xmlns:a16="http://schemas.microsoft.com/office/drawing/2014/main" val="20000"/>
+                      <a16:colId xmlns:a16="http://schemas.microsoft.com/office/drawing/2014/main" xmlns="" val="20000"/>
                     </a:ext>
                   </a:extLst>
                 </a:gridCol>
                 <a:gridCol w="3149100">
                   <a:extLst>
                     <a:ext uri="{9D8B030D-6E8A-4147-A177-3AD203B41FA5}">
-                      <a16:colId xmlns:a16="http://schemas.microsoft.com/office/drawing/2014/main" val="20001"/>
+                      <a16:colId xmlns:a16="http://schemas.microsoft.com/office/drawing/2014/main" xmlns="" val="20001"/>
                     </a:ext>
                   </a:extLst>
                 </a:gridCol>
@@ -41888,7 +41904,7 @@
                 </a:tc>
                 <a:extLst>
                   <a:ext uri="{0D108BD9-81ED-4DB2-BD59-A6C34878D82A}">
-                    <a16:rowId xmlns:a16="http://schemas.microsoft.com/office/drawing/2014/main" val="10000"/>
+                    <a16:rowId xmlns:a16="http://schemas.microsoft.com/office/drawing/2014/main" xmlns="" val="10000"/>
                   </a:ext>
                 </a:extLst>
               </a:tr>
@@ -42045,7 +42061,7 @@
                 </a:tc>
                 <a:extLst>
                   <a:ext uri="{0D108BD9-81ED-4DB2-BD59-A6C34878D82A}">
-                    <a16:rowId xmlns:a16="http://schemas.microsoft.com/office/drawing/2014/main" val="10001"/>
+                    <a16:rowId xmlns:a16="http://schemas.microsoft.com/office/drawing/2014/main" xmlns="" val="10001"/>
                   </a:ext>
                 </a:extLst>
               </a:tr>
@@ -42176,7 +42192,7 @@
                 </a:tc>
                 <a:extLst>
                   <a:ext uri="{0D108BD9-81ED-4DB2-BD59-A6C34878D82A}">
-                    <a16:rowId xmlns:a16="http://schemas.microsoft.com/office/drawing/2014/main" val="10002"/>
+                    <a16:rowId xmlns:a16="http://schemas.microsoft.com/office/drawing/2014/main" xmlns="" val="10002"/>
                   </a:ext>
                 </a:extLst>
               </a:tr>
@@ -42891,7 +42907,7 @@
   <a:extraClrSchemeLst/>
   <a:extLst>
     <a:ext uri="{05A4C25C-085E-4340-85A3-A5531E510DB2}">
-      <thm15:themeFamily xmlns:thm15="http://schemas.microsoft.com/office/thememl/2012/main" name="Office Theme" id="{62F939B6-93AF-4DB8-9C6B-D6C7DFDC589F}" vid="{4A3C46E8-61CC-4603-A589-7422A47A8E4A}"/>
+      <thm15:themeFamily xmlns:thm15="http://schemas.microsoft.com/office/thememl/2012/main" xmlns="" name="Office Theme" id="{62F939B6-93AF-4DB8-9C6B-D6C7DFDC589F}" vid="{4A3C46E8-61CC-4603-A589-7422A47A8E4A}"/>
     </a:ext>
   </a:extLst>
 </a:theme>
@@ -43152,7 +43168,7 @@
   <a:extraClrSchemeLst/>
   <a:extLst>
     <a:ext uri="{05A4C25C-085E-4340-85A3-A5531E510DB2}">
-      <thm15:themeFamily xmlns:thm15="http://schemas.microsoft.com/office/thememl/2012/main" name="Office Theme" id="{62F939B6-93AF-4DB8-9C6B-D6C7DFDC589F}" vid="{4A3C46E8-61CC-4603-A589-7422A47A8E4A}"/>
+      <thm15:themeFamily xmlns:thm15="http://schemas.microsoft.com/office/thememl/2012/main" xmlns="" name="Office Theme" id="{62F939B6-93AF-4DB8-9C6B-D6C7DFDC589F}" vid="{4A3C46E8-61CC-4603-A589-7422A47A8E4A}"/>
     </a:ext>
   </a:extLst>
 </a:theme>

--- a/0 발표용 파워포인트/project05 - 파워포인트 종합 - 기범.pptx
+++ b/0 발표용 파워포인트/project05 - 파워포인트 종합 - 기범.pptx
@@ -125,7 +125,7 @@
   </p:defaultTextStyle>
   <p:extLst>
     <p:ext uri="{EFAFB233-063F-42B5-8137-9DF3F51BA10A}">
-      <p15:sldGuideLst xmlns:p15="http://schemas.microsoft.com/office/powerpoint/2012/main">
+      <p15:sldGuideLst xmlns:p15="http://schemas.microsoft.com/office/powerpoint/2012/main" xmlns="">
         <p15:guide id="1" orient="horz" pos="2160">
           <p15:clr>
             <a:srgbClr val="A4A3A4"/>
@@ -5634,14 +5634,14 @@
                 <a:gridCol w="311106">
                   <a:extLst>
                     <a:ext uri="{9D8B030D-6E8A-4147-A177-3AD203B41FA5}">
-                      <a16:colId xmlns:a16="http://schemas.microsoft.com/office/drawing/2014/main" xmlns="" val="20000"/>
+                      <a16:colId xmlns="" xmlns:a16="http://schemas.microsoft.com/office/drawing/2014/main" val="20000"/>
                     </a:ext>
                   </a:extLst>
                 </a:gridCol>
                 <a:gridCol w="2558644">
                   <a:extLst>
                     <a:ext uri="{9D8B030D-6E8A-4147-A177-3AD203B41FA5}">
-                      <a16:colId xmlns:a16="http://schemas.microsoft.com/office/drawing/2014/main" xmlns="" val="20001"/>
+                      <a16:colId xmlns="" xmlns:a16="http://schemas.microsoft.com/office/drawing/2014/main" val="20001"/>
                     </a:ext>
                   </a:extLst>
                 </a:gridCol>
@@ -5799,7 +5799,7 @@
                 </a:tc>
                 <a:extLst>
                   <a:ext uri="{0D108BD9-81ED-4DB2-BD59-A6C34878D82A}">
-                    <a16:rowId xmlns:a16="http://schemas.microsoft.com/office/drawing/2014/main" xmlns="" val="10000"/>
+                    <a16:rowId xmlns="" xmlns:a16="http://schemas.microsoft.com/office/drawing/2014/main" val="10000"/>
                   </a:ext>
                 </a:extLst>
               </a:tr>
@@ -5996,7 +5996,7 @@
                 </a:tc>
                 <a:extLst>
                   <a:ext uri="{0D108BD9-81ED-4DB2-BD59-A6C34878D82A}">
-                    <a16:rowId xmlns:a16="http://schemas.microsoft.com/office/drawing/2014/main" xmlns="" val="10001"/>
+                    <a16:rowId xmlns="" xmlns:a16="http://schemas.microsoft.com/office/drawing/2014/main" val="10001"/>
                   </a:ext>
                 </a:extLst>
               </a:tr>
@@ -6154,7 +6154,7 @@
                 </a:tc>
                 <a:extLst>
                   <a:ext uri="{0D108BD9-81ED-4DB2-BD59-A6C34878D82A}">
-                    <a16:rowId xmlns:a16="http://schemas.microsoft.com/office/drawing/2014/main" xmlns="" val="10002"/>
+                    <a16:rowId xmlns="" xmlns:a16="http://schemas.microsoft.com/office/drawing/2014/main" val="10002"/>
                   </a:ext>
                 </a:extLst>
               </a:tr>
@@ -6550,14 +6550,14 @@
                 <a:gridCol w="1152128">
                   <a:extLst>
                     <a:ext uri="{9D8B030D-6E8A-4147-A177-3AD203B41FA5}">
-                      <a16:colId xmlns:a16="http://schemas.microsoft.com/office/drawing/2014/main" xmlns="" val="20000"/>
+                      <a16:colId xmlns="" xmlns:a16="http://schemas.microsoft.com/office/drawing/2014/main" val="20000"/>
                     </a:ext>
                   </a:extLst>
                 </a:gridCol>
                 <a:gridCol w="4896544">
                   <a:extLst>
                     <a:ext uri="{9D8B030D-6E8A-4147-A177-3AD203B41FA5}">
-                      <a16:colId xmlns:a16="http://schemas.microsoft.com/office/drawing/2014/main" xmlns="" val="20001"/>
+                      <a16:colId xmlns="" xmlns:a16="http://schemas.microsoft.com/office/drawing/2014/main" val="20001"/>
                     </a:ext>
                   </a:extLst>
                 </a:gridCol>
@@ -6672,11 +6672,6 @@
                         </a:rPr>
                         <a:t>세미나존 후기 목록</a:t>
                       </a:r>
-                      <a:endParaRPr lang="ko-KR" altLang="en-US" sz="2800" b="0" u="none" strike="noStrike" cap="none" smtClean="0">
-                        <a:solidFill>
-                          <a:schemeClr val="dk1"/>
-                        </a:solidFill>
-                      </a:endParaRPr>
                     </a:p>
                   </a:txBody>
                   <a:tcPr marL="74304" marR="74304" marT="45725" marB="45725" anchor="ctr">
@@ -6723,7 +6718,7 @@
                 </a:tc>
                 <a:extLst>
                   <a:ext uri="{0D108BD9-81ED-4DB2-BD59-A6C34878D82A}">
-                    <a16:rowId xmlns:a16="http://schemas.microsoft.com/office/drawing/2014/main" xmlns="" val="10000"/>
+                    <a16:rowId xmlns="" xmlns:a16="http://schemas.microsoft.com/office/drawing/2014/main" val="10000"/>
                   </a:ext>
                 </a:extLst>
               </a:tr>
@@ -6738,12 +6733,16 @@
             <a:graphicFrameLocks noGrp="1"/>
           </p:cNvGraphicFramePr>
           <p:nvPr>
-            <p:extLst/>
+            <p:extLst>
+              <p:ext uri="{D42A27DB-BD31-4B8C-83A1-F6EECF244321}">
+                <p14:modId xmlns:p14="http://schemas.microsoft.com/office/powerpoint/2010/main" val="3341274024"/>
+              </p:ext>
+            </p:extLst>
           </p:nvPr>
         </p:nvGraphicFramePr>
         <p:xfrm>
-          <a:off x="8213590" y="356415"/>
-          <a:ext cx="2230842" cy="624860"/>
+          <a:off x="8213589" y="356415"/>
+          <a:ext cx="2572943" cy="624860"/>
         </p:xfrm>
         <a:graphic>
           <a:graphicData uri="http://schemas.openxmlformats.org/drawingml/2006/table">
@@ -6752,7 +6751,7 @@
                 <a:noFill/>
               </a:tblPr>
               <a:tblGrid>
-                <a:gridCol w="2230842"/>
+                <a:gridCol w="2572943"/>
               </a:tblGrid>
               <a:tr h="168164">
                 <a:tc>
@@ -6859,14 +6858,14 @@
                         <a:defRPr/>
                       </a:pPr>
                       <a:r>
-                        <a:rPr lang="en-US" altLang="ko-KR" sz="1400" b="0" u="none" strike="noStrike" cap="none" smtClean="0">
+                        <a:rPr lang="en-US" altLang="ko-KR" sz="1400" b="0" u="none" strike="noStrike" cap="none" dirty="0" err="1" smtClean="0">
                           <a:solidFill>
                             <a:schemeClr val="dk1"/>
                           </a:solidFill>
                         </a:rPr>
                         <a:t>kb_user_w_semiZoneComm</a:t>
                       </a:r>
-                      <a:endParaRPr lang="en-US" altLang="ko-KR" sz="1400" b="0" u="none" strike="noStrike" cap="none" smtClean="0">
+                      <a:endParaRPr lang="en-US" altLang="ko-KR" sz="1400" b="0" u="none" strike="noStrike" cap="none" dirty="0" smtClean="0">
                         <a:solidFill>
                           <a:schemeClr val="dk1"/>
                         </a:solidFill>
@@ -7081,14 +7080,14 @@
                 <a:gridCol w="311106">
                   <a:extLst>
                     <a:ext uri="{9D8B030D-6E8A-4147-A177-3AD203B41FA5}">
-                      <a16:colId xmlns:a16="http://schemas.microsoft.com/office/drawing/2014/main" xmlns="" val="20000"/>
+                      <a16:colId xmlns="" xmlns:a16="http://schemas.microsoft.com/office/drawing/2014/main" val="20000"/>
                     </a:ext>
                   </a:extLst>
                 </a:gridCol>
                 <a:gridCol w="2558644">
                   <a:extLst>
                     <a:ext uri="{9D8B030D-6E8A-4147-A177-3AD203B41FA5}">
-                      <a16:colId xmlns:a16="http://schemas.microsoft.com/office/drawing/2014/main" xmlns="" val="20001"/>
+                      <a16:colId xmlns="" xmlns:a16="http://schemas.microsoft.com/office/drawing/2014/main" val="20001"/>
                     </a:ext>
                   </a:extLst>
                 </a:gridCol>
@@ -7246,7 +7245,7 @@
                 </a:tc>
                 <a:extLst>
                   <a:ext uri="{0D108BD9-81ED-4DB2-BD59-A6C34878D82A}">
-                    <a16:rowId xmlns:a16="http://schemas.microsoft.com/office/drawing/2014/main" xmlns="" val="10000"/>
+                    <a16:rowId xmlns="" xmlns:a16="http://schemas.microsoft.com/office/drawing/2014/main" val="10000"/>
                   </a:ext>
                 </a:extLst>
               </a:tr>
@@ -7403,7 +7402,7 @@
                 </a:tc>
                 <a:extLst>
                   <a:ext uri="{0D108BD9-81ED-4DB2-BD59-A6C34878D82A}">
-                    <a16:rowId xmlns:a16="http://schemas.microsoft.com/office/drawing/2014/main" xmlns="" val="10001"/>
+                    <a16:rowId xmlns="" xmlns:a16="http://schemas.microsoft.com/office/drawing/2014/main" val="10001"/>
                   </a:ext>
                 </a:extLst>
               </a:tr>
@@ -7534,7 +7533,7 @@
                 </a:tc>
                 <a:extLst>
                   <a:ext uri="{0D108BD9-81ED-4DB2-BD59-A6C34878D82A}">
-                    <a16:rowId xmlns:a16="http://schemas.microsoft.com/office/drawing/2014/main" xmlns="" val="10002"/>
+                    <a16:rowId xmlns="" xmlns:a16="http://schemas.microsoft.com/office/drawing/2014/main" val="10002"/>
                   </a:ext>
                 </a:extLst>
               </a:tr>
@@ -7930,14 +7929,14 @@
                 <a:gridCol w="1152128">
                   <a:extLst>
                     <a:ext uri="{9D8B030D-6E8A-4147-A177-3AD203B41FA5}">
-                      <a16:colId xmlns:a16="http://schemas.microsoft.com/office/drawing/2014/main" xmlns="" val="20000"/>
+                      <a16:colId xmlns="" xmlns:a16="http://schemas.microsoft.com/office/drawing/2014/main" val="20000"/>
                     </a:ext>
                   </a:extLst>
                 </a:gridCol>
                 <a:gridCol w="4896544">
                   <a:extLst>
                     <a:ext uri="{9D8B030D-6E8A-4147-A177-3AD203B41FA5}">
-                      <a16:colId xmlns:a16="http://schemas.microsoft.com/office/drawing/2014/main" xmlns="" val="20001"/>
+                      <a16:colId xmlns="" xmlns:a16="http://schemas.microsoft.com/office/drawing/2014/main" val="20001"/>
                     </a:ext>
                   </a:extLst>
                 </a:gridCol>
@@ -8052,11 +8051,6 @@
                         </a:rPr>
                         <a:t>세미나존 후기 목록</a:t>
                       </a:r>
-                      <a:endParaRPr lang="ko-KR" altLang="en-US" sz="2800" b="0" u="none" strike="noStrike" cap="none" smtClean="0">
-                        <a:solidFill>
-                          <a:schemeClr val="dk1"/>
-                        </a:solidFill>
-                      </a:endParaRPr>
                     </a:p>
                   </a:txBody>
                   <a:tcPr marL="74304" marR="74304" marT="45725" marB="45725" anchor="ctr">
@@ -8103,7 +8097,7 @@
                 </a:tc>
                 <a:extLst>
                   <a:ext uri="{0D108BD9-81ED-4DB2-BD59-A6C34878D82A}">
-                    <a16:rowId xmlns:a16="http://schemas.microsoft.com/office/drawing/2014/main" xmlns="" val="10000"/>
+                    <a16:rowId xmlns="" xmlns:a16="http://schemas.microsoft.com/office/drawing/2014/main" val="10000"/>
                   </a:ext>
                 </a:extLst>
               </a:tr>
@@ -8118,12 +8112,16 @@
             <a:graphicFrameLocks noGrp="1"/>
           </p:cNvGraphicFramePr>
           <p:nvPr>
-            <p:extLst/>
+            <p:extLst>
+              <p:ext uri="{D42A27DB-BD31-4B8C-83A1-F6EECF244321}">
+                <p14:modId xmlns:p14="http://schemas.microsoft.com/office/powerpoint/2010/main" val="3533929888"/>
+              </p:ext>
+            </p:extLst>
           </p:nvPr>
         </p:nvGraphicFramePr>
         <p:xfrm>
           <a:off x="8376574" y="244417"/>
-          <a:ext cx="2230842" cy="594380"/>
+          <a:ext cx="2545426" cy="594380"/>
         </p:xfrm>
         <a:graphic>
           <a:graphicData uri="http://schemas.openxmlformats.org/drawingml/2006/table">
@@ -8132,7 +8130,7 @@
                 <a:noFill/>
               </a:tblPr>
               <a:tblGrid>
-                <a:gridCol w="2230842"/>
+                <a:gridCol w="2545426"/>
               </a:tblGrid>
               <a:tr h="168164">
                 <a:tc>
@@ -8239,14 +8237,14 @@
                         <a:defRPr/>
                       </a:pPr>
                       <a:r>
-                        <a:rPr lang="en-US" altLang="ko-KR" sz="1200" b="0" u="none" strike="noStrike" cap="none" smtClean="0">
+                        <a:rPr lang="en-US" altLang="ko-KR" sz="1200" b="0" u="none" strike="noStrike" cap="none" dirty="0" err="1" smtClean="0">
                           <a:solidFill>
                             <a:schemeClr val="dk1"/>
                           </a:solidFill>
                         </a:rPr>
                         <a:t>kb_user_w_semiZoneCommReg</a:t>
                       </a:r>
-                      <a:endParaRPr lang="en-US" altLang="ko-KR" sz="1200" b="0" u="none" strike="noStrike" cap="none" smtClean="0">
+                      <a:endParaRPr lang="en-US" altLang="ko-KR" sz="1200" b="0" u="none" strike="noStrike" cap="none" dirty="0" smtClean="0">
                         <a:solidFill>
                           <a:schemeClr val="dk1"/>
                         </a:solidFill>
@@ -8461,14 +8459,14 @@
                 <a:gridCol w="311106">
                   <a:extLst>
                     <a:ext uri="{9D8B030D-6E8A-4147-A177-3AD203B41FA5}">
-                      <a16:colId xmlns:a16="http://schemas.microsoft.com/office/drawing/2014/main" xmlns="" val="20000"/>
+                      <a16:colId xmlns="" xmlns:a16="http://schemas.microsoft.com/office/drawing/2014/main" val="20000"/>
                     </a:ext>
                   </a:extLst>
                 </a:gridCol>
                 <a:gridCol w="2558644">
                   <a:extLst>
                     <a:ext uri="{9D8B030D-6E8A-4147-A177-3AD203B41FA5}">
-                      <a16:colId xmlns:a16="http://schemas.microsoft.com/office/drawing/2014/main" xmlns="" val="20001"/>
+                      <a16:colId xmlns="" xmlns:a16="http://schemas.microsoft.com/office/drawing/2014/main" val="20001"/>
                     </a:ext>
                   </a:extLst>
                 </a:gridCol>
@@ -8626,7 +8624,7 @@
                 </a:tc>
                 <a:extLst>
                   <a:ext uri="{0D108BD9-81ED-4DB2-BD59-A6C34878D82A}">
-                    <a16:rowId xmlns:a16="http://schemas.microsoft.com/office/drawing/2014/main" xmlns="" val="10000"/>
+                    <a16:rowId xmlns="" xmlns:a16="http://schemas.microsoft.com/office/drawing/2014/main" val="10000"/>
                   </a:ext>
                 </a:extLst>
               </a:tr>
@@ -8783,7 +8781,7 @@
                 </a:tc>
                 <a:extLst>
                   <a:ext uri="{0D108BD9-81ED-4DB2-BD59-A6C34878D82A}">
-                    <a16:rowId xmlns:a16="http://schemas.microsoft.com/office/drawing/2014/main" xmlns="" val="10001"/>
+                    <a16:rowId xmlns="" xmlns:a16="http://schemas.microsoft.com/office/drawing/2014/main" val="10001"/>
                   </a:ext>
                 </a:extLst>
               </a:tr>
@@ -8914,7 +8912,7 @@
                 </a:tc>
                 <a:extLst>
                   <a:ext uri="{0D108BD9-81ED-4DB2-BD59-A6C34878D82A}">
-                    <a16:rowId xmlns:a16="http://schemas.microsoft.com/office/drawing/2014/main" xmlns="" val="10002"/>
+                    <a16:rowId xmlns="" xmlns:a16="http://schemas.microsoft.com/office/drawing/2014/main" val="10002"/>
                   </a:ext>
                 </a:extLst>
               </a:tr>
@@ -9310,14 +9308,14 @@
                 <a:gridCol w="1152128">
                   <a:extLst>
                     <a:ext uri="{9D8B030D-6E8A-4147-A177-3AD203B41FA5}">
-                      <a16:colId xmlns:a16="http://schemas.microsoft.com/office/drawing/2014/main" xmlns="" val="20000"/>
+                      <a16:colId xmlns="" xmlns:a16="http://schemas.microsoft.com/office/drawing/2014/main" val="20000"/>
                     </a:ext>
                   </a:extLst>
                 </a:gridCol>
                 <a:gridCol w="4896544">
                   <a:extLst>
                     <a:ext uri="{9D8B030D-6E8A-4147-A177-3AD203B41FA5}">
-                      <a16:colId xmlns:a16="http://schemas.microsoft.com/office/drawing/2014/main" xmlns="" val="20001"/>
+                      <a16:colId xmlns="" xmlns:a16="http://schemas.microsoft.com/office/drawing/2014/main" val="20001"/>
                     </a:ext>
                   </a:extLst>
                 </a:gridCol>
@@ -9432,11 +9430,6 @@
                         </a:rPr>
                         <a:t>세미나존 후기 목록</a:t>
                       </a:r>
-                      <a:endParaRPr lang="ko-KR" altLang="en-US" sz="2800" b="0" u="none" strike="noStrike" cap="none" smtClean="0">
-                        <a:solidFill>
-                          <a:schemeClr val="dk1"/>
-                        </a:solidFill>
-                      </a:endParaRPr>
                     </a:p>
                   </a:txBody>
                   <a:tcPr marL="74304" marR="74304" marT="45725" marB="45725" anchor="ctr">
@@ -9483,7 +9476,7 @@
                 </a:tc>
                 <a:extLst>
                   <a:ext uri="{0D108BD9-81ED-4DB2-BD59-A6C34878D82A}">
-                    <a16:rowId xmlns:a16="http://schemas.microsoft.com/office/drawing/2014/main" xmlns="" val="10000"/>
+                    <a16:rowId xmlns="" xmlns:a16="http://schemas.microsoft.com/office/drawing/2014/main" val="10000"/>
                   </a:ext>
                 </a:extLst>
               </a:tr>
@@ -9503,7 +9496,7 @@
         </p:nvGraphicFramePr>
         <p:xfrm>
           <a:off x="8213590" y="356415"/>
-          <a:ext cx="2230842" cy="624860"/>
+          <a:ext cx="2230842" cy="838220"/>
         </p:xfrm>
         <a:graphic>
           <a:graphicData uri="http://schemas.openxmlformats.org/drawingml/2006/table">
@@ -9626,11 +9619,6 @@
                         </a:rPr>
                         <a:t>kb_user_m_semiZoneComm</a:t>
                       </a:r>
-                      <a:endParaRPr lang="en-US" altLang="ko-KR" sz="1400" b="0" u="none" strike="noStrike" cap="none" smtClean="0">
-                        <a:solidFill>
-                          <a:schemeClr val="dk1"/>
-                        </a:solidFill>
-                      </a:endParaRPr>
                     </a:p>
                   </a:txBody>
                   <a:tcPr marL="74304" marR="74304" marT="45725" marB="45725" anchor="ctr">
@@ -9841,14 +9829,14 @@
                 <a:gridCol w="311106">
                   <a:extLst>
                     <a:ext uri="{9D8B030D-6E8A-4147-A177-3AD203B41FA5}">
-                      <a16:colId xmlns:a16="http://schemas.microsoft.com/office/drawing/2014/main" xmlns="" val="20000"/>
+                      <a16:colId xmlns="" xmlns:a16="http://schemas.microsoft.com/office/drawing/2014/main" val="20000"/>
                     </a:ext>
                   </a:extLst>
                 </a:gridCol>
                 <a:gridCol w="2558644">
                   <a:extLst>
                     <a:ext uri="{9D8B030D-6E8A-4147-A177-3AD203B41FA5}">
-                      <a16:colId xmlns:a16="http://schemas.microsoft.com/office/drawing/2014/main" xmlns="" val="20001"/>
+                      <a16:colId xmlns="" xmlns:a16="http://schemas.microsoft.com/office/drawing/2014/main" val="20001"/>
                     </a:ext>
                   </a:extLst>
                 </a:gridCol>
@@ -10006,7 +9994,7 @@
                 </a:tc>
                 <a:extLst>
                   <a:ext uri="{0D108BD9-81ED-4DB2-BD59-A6C34878D82A}">
-                    <a16:rowId xmlns:a16="http://schemas.microsoft.com/office/drawing/2014/main" xmlns="" val="10000"/>
+                    <a16:rowId xmlns="" xmlns:a16="http://schemas.microsoft.com/office/drawing/2014/main" val="10000"/>
                   </a:ext>
                 </a:extLst>
               </a:tr>
@@ -10163,7 +10151,7 @@
                 </a:tc>
                 <a:extLst>
                   <a:ext uri="{0D108BD9-81ED-4DB2-BD59-A6C34878D82A}">
-                    <a16:rowId xmlns:a16="http://schemas.microsoft.com/office/drawing/2014/main" xmlns="" val="10001"/>
+                    <a16:rowId xmlns="" xmlns:a16="http://schemas.microsoft.com/office/drawing/2014/main" val="10001"/>
                   </a:ext>
                 </a:extLst>
               </a:tr>
@@ -10294,7 +10282,7 @@
                 </a:tc>
                 <a:extLst>
                   <a:ext uri="{0D108BD9-81ED-4DB2-BD59-A6C34878D82A}">
-                    <a16:rowId xmlns:a16="http://schemas.microsoft.com/office/drawing/2014/main" xmlns="" val="10002"/>
+                    <a16:rowId xmlns="" xmlns:a16="http://schemas.microsoft.com/office/drawing/2014/main" val="10002"/>
                   </a:ext>
                 </a:extLst>
               </a:tr>
@@ -10690,14 +10678,14 @@
                 <a:gridCol w="1152128">
                   <a:extLst>
                     <a:ext uri="{9D8B030D-6E8A-4147-A177-3AD203B41FA5}">
-                      <a16:colId xmlns:a16="http://schemas.microsoft.com/office/drawing/2014/main" xmlns="" val="20000"/>
+                      <a16:colId xmlns="" xmlns:a16="http://schemas.microsoft.com/office/drawing/2014/main" val="20000"/>
                     </a:ext>
                   </a:extLst>
                 </a:gridCol>
                 <a:gridCol w="4896544">
                   <a:extLst>
                     <a:ext uri="{9D8B030D-6E8A-4147-A177-3AD203B41FA5}">
-                      <a16:colId xmlns:a16="http://schemas.microsoft.com/office/drawing/2014/main" xmlns="" val="20001"/>
+                      <a16:colId xmlns="" xmlns:a16="http://schemas.microsoft.com/office/drawing/2014/main" val="20001"/>
                     </a:ext>
                   </a:extLst>
                 </a:gridCol>
@@ -10812,11 +10800,6 @@
                         </a:rPr>
                         <a:t>세미나존 후기 목록</a:t>
                       </a:r>
-                      <a:endParaRPr lang="ko-KR" altLang="en-US" sz="2800" b="0" u="none" strike="noStrike" cap="none" smtClean="0">
-                        <a:solidFill>
-                          <a:schemeClr val="dk1"/>
-                        </a:solidFill>
-                      </a:endParaRPr>
                     </a:p>
                   </a:txBody>
                   <a:tcPr marL="74304" marR="74304" marT="45725" marB="45725" anchor="ctr">
@@ -10863,7 +10846,7 @@
                 </a:tc>
                 <a:extLst>
                   <a:ext uri="{0D108BD9-81ED-4DB2-BD59-A6C34878D82A}">
-                    <a16:rowId xmlns:a16="http://schemas.microsoft.com/office/drawing/2014/main" xmlns="" val="10000"/>
+                    <a16:rowId xmlns="" xmlns:a16="http://schemas.microsoft.com/office/drawing/2014/main" val="10000"/>
                   </a:ext>
                 </a:extLst>
               </a:tr>
@@ -10878,12 +10861,16 @@
             <a:graphicFrameLocks noGrp="1"/>
           </p:cNvGraphicFramePr>
           <p:nvPr>
-            <p:extLst/>
+            <p:extLst>
+              <p:ext uri="{D42A27DB-BD31-4B8C-83A1-F6EECF244321}">
+                <p14:modId xmlns:p14="http://schemas.microsoft.com/office/powerpoint/2010/main" val="1489012046"/>
+              </p:ext>
+            </p:extLst>
           </p:nvPr>
         </p:nvGraphicFramePr>
         <p:xfrm>
-          <a:off x="8376574" y="244417"/>
-          <a:ext cx="2230842" cy="594380"/>
+          <a:off x="8376573" y="244417"/>
+          <a:ext cx="2503093" cy="594380"/>
         </p:xfrm>
         <a:graphic>
           <a:graphicData uri="http://schemas.openxmlformats.org/drawingml/2006/table">
@@ -10892,7 +10879,7 @@
                 <a:noFill/>
               </a:tblPr>
               <a:tblGrid>
-                <a:gridCol w="2230842"/>
+                <a:gridCol w="2503093"/>
               </a:tblGrid>
               <a:tr h="168164">
                 <a:tc>
@@ -10999,14 +10986,14 @@
                         <a:defRPr/>
                       </a:pPr>
                       <a:r>
-                        <a:rPr lang="en-US" altLang="ko-KR" sz="1200" b="0" u="none" strike="noStrike" cap="none" smtClean="0">
+                        <a:rPr lang="en-US" altLang="ko-KR" sz="1200" b="0" u="none" strike="noStrike" cap="none" dirty="0" err="1" smtClean="0">
                           <a:solidFill>
                             <a:schemeClr val="dk1"/>
                           </a:solidFill>
                         </a:rPr>
                         <a:t>kb_user_m_semiZoneCommReg</a:t>
                       </a:r>
-                      <a:endParaRPr lang="en-US" altLang="ko-KR" sz="1200" b="0" u="none" strike="noStrike" cap="none" smtClean="0">
+                      <a:endParaRPr lang="en-US" altLang="ko-KR" sz="1200" b="0" u="none" strike="noStrike" cap="none" dirty="0" smtClean="0">
                         <a:solidFill>
                           <a:schemeClr val="dk1"/>
                         </a:solidFill>
@@ -11119,14 +11106,14 @@
                 <a:gridCol w="311106">
                   <a:extLst>
                     <a:ext uri="{9D8B030D-6E8A-4147-A177-3AD203B41FA5}">
-                      <a16:colId xmlns="" xmlns:a16="http://schemas.microsoft.com/office/drawing/2014/main" val="20000"/>
+                      <a16:colId xmlns:a16="http://schemas.microsoft.com/office/drawing/2014/main" xmlns="" val="20000"/>
                     </a:ext>
                   </a:extLst>
                 </a:gridCol>
                 <a:gridCol w="2558644">
                   <a:extLst>
                     <a:ext uri="{9D8B030D-6E8A-4147-A177-3AD203B41FA5}">
-                      <a16:colId xmlns="" xmlns:a16="http://schemas.microsoft.com/office/drawing/2014/main" val="20001"/>
+                      <a16:colId xmlns:a16="http://schemas.microsoft.com/office/drawing/2014/main" xmlns="" val="20001"/>
                     </a:ext>
                   </a:extLst>
                 </a:gridCol>
@@ -11284,7 +11271,7 @@
                 </a:tc>
                 <a:extLst>
                   <a:ext uri="{0D108BD9-81ED-4DB2-BD59-A6C34878D82A}">
-                    <a16:rowId xmlns="" xmlns:a16="http://schemas.microsoft.com/office/drawing/2014/main" val="10000"/>
+                    <a16:rowId xmlns:a16="http://schemas.microsoft.com/office/drawing/2014/main" xmlns="" val="10000"/>
                   </a:ext>
                 </a:extLst>
               </a:tr>
@@ -11432,7 +11419,7 @@
                 </a:tc>
                 <a:extLst>
                   <a:ext uri="{0D108BD9-81ED-4DB2-BD59-A6C34878D82A}">
-                    <a16:rowId xmlns="" xmlns:a16="http://schemas.microsoft.com/office/drawing/2014/main" val="10001"/>
+                    <a16:rowId xmlns:a16="http://schemas.microsoft.com/office/drawing/2014/main" xmlns="" val="10001"/>
                   </a:ext>
                 </a:extLst>
               </a:tr>
@@ -11583,7 +11570,7 @@
                 </a:tc>
                 <a:extLst>
                   <a:ext uri="{0D108BD9-81ED-4DB2-BD59-A6C34878D82A}">
-                    <a16:rowId xmlns="" xmlns:a16="http://schemas.microsoft.com/office/drawing/2014/main" val="10002"/>
+                    <a16:rowId xmlns:a16="http://schemas.microsoft.com/office/drawing/2014/main" xmlns="" val="10002"/>
                   </a:ext>
                 </a:extLst>
               </a:tr>
@@ -11736,7 +11723,7 @@
                 </a:tc>
                 <a:extLst>
                   <a:ext uri="{0D108BD9-81ED-4DB2-BD59-A6C34878D82A}">
-                    <a16:rowId xmlns="" xmlns:a16="http://schemas.microsoft.com/office/drawing/2014/main" val="10003"/>
+                    <a16:rowId xmlns:a16="http://schemas.microsoft.com/office/drawing/2014/main" xmlns="" val="10003"/>
                   </a:ext>
                 </a:extLst>
               </a:tr>
@@ -11888,7 +11875,7 @@
                 </a:tc>
                 <a:extLst>
                   <a:ext uri="{0D108BD9-81ED-4DB2-BD59-A6C34878D82A}">
-                    <a16:rowId xmlns="" xmlns:a16="http://schemas.microsoft.com/office/drawing/2014/main" val="10004"/>
+                    <a16:rowId xmlns:a16="http://schemas.microsoft.com/office/drawing/2014/main" xmlns="" val="10004"/>
                   </a:ext>
                 </a:extLst>
               </a:tr>
@@ -12047,7 +12034,7 @@
                 </a:tc>
                 <a:extLst>
                   <a:ext uri="{0D108BD9-81ED-4DB2-BD59-A6C34878D82A}">
-                    <a16:rowId xmlns="" xmlns:a16="http://schemas.microsoft.com/office/drawing/2014/main" val="10005"/>
+                    <a16:rowId xmlns:a16="http://schemas.microsoft.com/office/drawing/2014/main" xmlns="" val="10005"/>
                   </a:ext>
                 </a:extLst>
               </a:tr>
@@ -12178,7 +12165,7 @@
                 </a:tc>
                 <a:extLst>
                   <a:ext uri="{0D108BD9-81ED-4DB2-BD59-A6C34878D82A}">
-                    <a16:rowId xmlns="" xmlns:a16="http://schemas.microsoft.com/office/drawing/2014/main" val="10006"/>
+                    <a16:rowId xmlns:a16="http://schemas.microsoft.com/office/drawing/2014/main" xmlns="" val="10006"/>
                   </a:ext>
                 </a:extLst>
               </a:tr>
@@ -12319,7 +12306,7 @@
                 </a:tc>
                 <a:extLst>
                   <a:ext uri="{0D108BD9-81ED-4DB2-BD59-A6C34878D82A}">
-                    <a16:rowId xmlns="" xmlns:a16="http://schemas.microsoft.com/office/drawing/2014/main" val="10007"/>
+                    <a16:rowId xmlns:a16="http://schemas.microsoft.com/office/drawing/2014/main" xmlns="" val="10007"/>
                   </a:ext>
                 </a:extLst>
               </a:tr>
@@ -12434,11 +12421,6 @@
               </a:rPr>
               <a:t> 배너 관리</a:t>
             </a:r>
-            <a:endParaRPr lang="ko-KR" altLang="en-US" sz="1463" dirty="0">
-              <a:solidFill>
-                <a:schemeClr val="tx1"/>
-              </a:solidFill>
-            </a:endParaRPr>
           </a:p>
         </p:txBody>
       </p:sp>
@@ -12553,11 +12535,6 @@
               </a:rPr>
               <a:t>삭제  이동</a:t>
             </a:r>
-            <a:endParaRPr lang="ko-KR" altLang="en-US" sz="1463" b="1" dirty="0">
-              <a:solidFill>
-                <a:schemeClr val="tx1"/>
-              </a:solidFill>
-            </a:endParaRPr>
           </a:p>
         </p:txBody>
       </p:sp>
@@ -12761,23 +12738,7 @@
                   <a:schemeClr val="tx1"/>
                 </a:solidFill>
               </a:rPr>
-              <a:t>2020-02-01</a:t>
-            </a:r>
-            <a:r>
-              <a:rPr lang="en-US" altLang="ko-KR" sz="1300" dirty="0">
-                <a:solidFill>
-                  <a:schemeClr val="tx1"/>
-                </a:solidFill>
-              </a:rPr>
-              <a:t>	</a:t>
-            </a:r>
-            <a:r>
-              <a:rPr lang="en-US" altLang="ko-KR" sz="1300" dirty="0">
-                <a:solidFill>
-                  <a:schemeClr val="tx1"/>
-                </a:solidFill>
-              </a:rPr>
-              <a:t>1	banner1.jpg	www.naver.com</a:t>
+              <a:t>2020-02-01	1	banner1.jpg	www.naver.com</a:t>
             </a:r>
             <a:endParaRPr lang="ko-KR" altLang="en-US" sz="1300" dirty="0">
               <a:solidFill>
@@ -12832,23 +12793,7 @@
                   <a:schemeClr val="tx1"/>
                 </a:solidFill>
               </a:rPr>
-              <a:t>2020-02-03</a:t>
-            </a:r>
-            <a:r>
-              <a:rPr lang="en-US" altLang="ko-KR" sz="1300" dirty="0">
-                <a:solidFill>
-                  <a:schemeClr val="tx1"/>
-                </a:solidFill>
-              </a:rPr>
-              <a:t>	</a:t>
-            </a:r>
-            <a:r>
-              <a:rPr lang="en-US" altLang="ko-KR" sz="1300" dirty="0">
-                <a:solidFill>
-                  <a:schemeClr val="tx1"/>
-                </a:solidFill>
-              </a:rPr>
-              <a:t>2	banner2.jpg	www.yahoo.co.kr</a:t>
+              <a:t>2020-02-03	2	banner2.jpg	www.yahoo.co.kr</a:t>
             </a:r>
             <a:endParaRPr lang="ko-KR" altLang="en-US" sz="1300" dirty="0">
               <a:solidFill>
@@ -12903,23 +12848,7 @@
                   <a:schemeClr val="tx1"/>
                 </a:solidFill>
               </a:rPr>
-              <a:t>2020-02-03</a:t>
-            </a:r>
-            <a:r>
-              <a:rPr lang="en-US" altLang="ko-KR" sz="1300" dirty="0">
-                <a:solidFill>
-                  <a:schemeClr val="tx1"/>
-                </a:solidFill>
-              </a:rPr>
-              <a:t>	</a:t>
-            </a:r>
-            <a:r>
-              <a:rPr lang="en-US" altLang="ko-KR" sz="1300" dirty="0">
-                <a:solidFill>
-                  <a:schemeClr val="tx1"/>
-                </a:solidFill>
-              </a:rPr>
-              <a:t>3	banner3.jpg	www.google.com</a:t>
+              <a:t>2020-02-03	3	banner3.jpg	www.google.com</a:t>
             </a:r>
             <a:endParaRPr lang="ko-KR" altLang="en-US" sz="1300" dirty="0">
               <a:solidFill>
@@ -12974,23 +12903,7 @@
                   <a:schemeClr val="tx1"/>
                 </a:solidFill>
               </a:rPr>
-              <a:t>2020-02-17</a:t>
-            </a:r>
-            <a:r>
-              <a:rPr lang="en-US" altLang="ko-KR" sz="1300" dirty="0">
-                <a:solidFill>
-                  <a:schemeClr val="tx1"/>
-                </a:solidFill>
-              </a:rPr>
-              <a:t>	</a:t>
-            </a:r>
-            <a:r>
-              <a:rPr lang="en-US" altLang="ko-KR" sz="1300" dirty="0">
-                <a:solidFill>
-                  <a:schemeClr val="tx1"/>
-                </a:solidFill>
-              </a:rPr>
-              <a:t>6	banner7.jpg	www.coffebean.co.kr</a:t>
+              <a:t>2020-02-17	6	banner7.jpg	www.coffebean.co.kr</a:t>
             </a:r>
             <a:endParaRPr lang="ko-KR" altLang="en-US" sz="1300" dirty="0">
               <a:solidFill>
@@ -13076,23 +12989,7 @@
                   <a:schemeClr val="tx1"/>
                 </a:solidFill>
               </a:rPr>
-              <a:t>2020-02-15</a:t>
-            </a:r>
-            <a:r>
-              <a:rPr lang="en-US" altLang="ko-KR" sz="1300" dirty="0">
-                <a:solidFill>
-                  <a:schemeClr val="tx1"/>
-                </a:solidFill>
-              </a:rPr>
-              <a:t>	</a:t>
-            </a:r>
-            <a:r>
-              <a:rPr lang="en-US" altLang="ko-KR" sz="1300" dirty="0">
-                <a:solidFill>
-                  <a:schemeClr val="tx1"/>
-                </a:solidFill>
-              </a:rPr>
-              <a:t>4	banner5.jpg	www.starbucks.co.kr</a:t>
+              <a:t>2020-02-15	4	banner5.jpg	www.starbucks.co.kr</a:t>
             </a:r>
             <a:endParaRPr lang="ko-KR" altLang="en-US" sz="1300" dirty="0">
               <a:solidFill>
@@ -13178,23 +13075,7 @@
                   <a:schemeClr val="tx1"/>
                 </a:solidFill>
               </a:rPr>
-              <a:t>2020-02-17</a:t>
-            </a:r>
-            <a:r>
-              <a:rPr lang="en-US" altLang="ko-KR" sz="1300" dirty="0">
-                <a:solidFill>
-                  <a:schemeClr val="tx1"/>
-                </a:solidFill>
-              </a:rPr>
-              <a:t>	</a:t>
-            </a:r>
-            <a:r>
-              <a:rPr lang="en-US" altLang="ko-KR" sz="1300" dirty="0">
-                <a:solidFill>
-                  <a:schemeClr val="tx1"/>
-                </a:solidFill>
-              </a:rPr>
-              <a:t>5	banner6.jpg	</a:t>
+              <a:t>2020-02-17	5	banner6.jpg	</a:t>
             </a:r>
             <a:r>
               <a:rPr lang="en-US" altLang="ko-KR" sz="1300" dirty="0">
@@ -13297,23 +13178,7 @@
                   <a:schemeClr val="tx1"/>
                 </a:solidFill>
               </a:rPr>
-              <a:t>2020-02-18</a:t>
-            </a:r>
-            <a:r>
-              <a:rPr lang="en-US" altLang="ko-KR" sz="1300" dirty="0">
-                <a:solidFill>
-                  <a:schemeClr val="tx1"/>
-                </a:solidFill>
-              </a:rPr>
-              <a:t>	</a:t>
-            </a:r>
-            <a:r>
-              <a:rPr lang="en-US" altLang="ko-KR" sz="1300" dirty="0">
-                <a:solidFill>
-                  <a:schemeClr val="tx1"/>
-                </a:solidFill>
-              </a:rPr>
-              <a:t>7	banner8.jpg	www.davinci.co.kr	</a:t>
+              <a:t>2020-02-18	7	banner8.jpg	www.davinci.co.kr	</a:t>
             </a:r>
             <a:endParaRPr lang="ko-KR" altLang="en-US" sz="1300" dirty="0">
               <a:solidFill>
@@ -13399,23 +13264,7 @@
                   <a:schemeClr val="tx1"/>
                 </a:solidFill>
               </a:rPr>
-              <a:t>2020-02-13</a:t>
-            </a:r>
-            <a:r>
-              <a:rPr lang="en-US" altLang="ko-KR" sz="1300" dirty="0">
-                <a:solidFill>
-                  <a:schemeClr val="tx1"/>
-                </a:solidFill>
-              </a:rPr>
-              <a:t>	</a:t>
-            </a:r>
-            <a:r>
-              <a:rPr lang="en-US" altLang="ko-KR" sz="1300" dirty="0">
-                <a:solidFill>
-                  <a:schemeClr val="tx1"/>
-                </a:solidFill>
-              </a:rPr>
-              <a:t>8	banner4.jpg	www.hollys.com</a:t>
+              <a:t>2020-02-13	8	banner4.jpg	www.hollys.com</a:t>
             </a:r>
             <a:endParaRPr lang="ko-KR" altLang="en-US" sz="1300" dirty="0">
               <a:solidFill>
@@ -14309,11 +14158,6 @@
               </a:rPr>
               <a:t>삭제</a:t>
             </a:r>
-            <a:endParaRPr lang="ko-KR" altLang="en-US" sz="1400">
-              <a:solidFill>
-                <a:schemeClr val="tx1"/>
-              </a:solidFill>
-            </a:endParaRPr>
           </a:p>
         </p:txBody>
       </p:sp>
@@ -14361,11 +14205,6 @@
               </a:rPr>
               <a:t>삭제</a:t>
             </a:r>
-            <a:endParaRPr lang="ko-KR" altLang="en-US" sz="1400">
-              <a:solidFill>
-                <a:schemeClr val="tx1"/>
-              </a:solidFill>
-            </a:endParaRPr>
           </a:p>
         </p:txBody>
       </p:sp>
@@ -14413,11 +14252,6 @@
               </a:rPr>
               <a:t>삭제</a:t>
             </a:r>
-            <a:endParaRPr lang="ko-KR" altLang="en-US" sz="1400">
-              <a:solidFill>
-                <a:schemeClr val="tx1"/>
-              </a:solidFill>
-            </a:endParaRPr>
           </a:p>
         </p:txBody>
       </p:sp>
@@ -14465,11 +14299,6 @@
               </a:rPr>
               <a:t>삭제</a:t>
             </a:r>
-            <a:endParaRPr lang="ko-KR" altLang="en-US" sz="1400">
-              <a:solidFill>
-                <a:schemeClr val="tx1"/>
-              </a:solidFill>
-            </a:endParaRPr>
           </a:p>
         </p:txBody>
       </p:sp>
@@ -14517,11 +14346,6 @@
               </a:rPr>
               <a:t>삭제</a:t>
             </a:r>
-            <a:endParaRPr lang="ko-KR" altLang="en-US" sz="1400">
-              <a:solidFill>
-                <a:schemeClr val="tx1"/>
-              </a:solidFill>
-            </a:endParaRPr>
           </a:p>
         </p:txBody>
       </p:sp>
@@ -14569,11 +14393,6 @@
               </a:rPr>
               <a:t>삭제</a:t>
             </a:r>
-            <a:endParaRPr lang="ko-KR" altLang="en-US" sz="1400">
-              <a:solidFill>
-                <a:schemeClr val="tx1"/>
-              </a:solidFill>
-            </a:endParaRPr>
           </a:p>
         </p:txBody>
       </p:sp>
@@ -14621,11 +14440,6 @@
               </a:rPr>
               <a:t>삭제</a:t>
             </a:r>
-            <a:endParaRPr lang="ko-KR" altLang="en-US" sz="1400">
-              <a:solidFill>
-                <a:schemeClr val="tx1"/>
-              </a:solidFill>
-            </a:endParaRPr>
           </a:p>
         </p:txBody>
       </p:sp>
@@ -14673,11 +14487,6 @@
               </a:rPr>
               <a:t>삭제</a:t>
             </a:r>
-            <a:endParaRPr lang="ko-KR" altLang="en-US" sz="1400">
-              <a:solidFill>
-                <a:schemeClr val="tx1"/>
-              </a:solidFill>
-            </a:endParaRPr>
           </a:p>
         </p:txBody>
       </p:sp>
@@ -14725,11 +14534,6 @@
               </a:rPr>
               <a:t>등록하기</a:t>
             </a:r>
-            <a:endParaRPr lang="ko-KR" altLang="en-US" sz="1463" dirty="0">
-              <a:solidFill>
-                <a:schemeClr val="tx1"/>
-              </a:solidFill>
-            </a:endParaRPr>
           </a:p>
         </p:txBody>
       </p:sp>
@@ -14777,11 +14581,6 @@
               </a:rPr>
               <a:t>이미지를 등록하세요</a:t>
             </a:r>
-            <a:endParaRPr lang="ko-KR" altLang="en-US" sz="1463" dirty="0">
-              <a:solidFill>
-                <a:schemeClr val="tx1"/>
-              </a:solidFill>
-            </a:endParaRPr>
           </a:p>
         </p:txBody>
       </p:sp>
@@ -14829,11 +14628,6 @@
               </a:rPr>
               <a:t>링크 주소 입력</a:t>
             </a:r>
-            <a:endParaRPr lang="ko-KR" altLang="en-US" sz="1463" dirty="0">
-              <a:solidFill>
-                <a:schemeClr val="tx1"/>
-              </a:solidFill>
-            </a:endParaRPr>
           </a:p>
         </p:txBody>
       </p:sp>
@@ -14968,14 +14762,14 @@
                 <a:gridCol w="1152128">
                   <a:extLst>
                     <a:ext uri="{9D8B030D-6E8A-4147-A177-3AD203B41FA5}">
-                      <a16:colId xmlns:a16="http://schemas.microsoft.com/office/drawing/2014/main" xmlns="" val="20000"/>
+                      <a16:colId xmlns="" xmlns:a16="http://schemas.microsoft.com/office/drawing/2014/main" val="20000"/>
                     </a:ext>
                   </a:extLst>
                 </a:gridCol>
                 <a:gridCol w="4896544">
                   <a:extLst>
                     <a:ext uri="{9D8B030D-6E8A-4147-A177-3AD203B41FA5}">
-                      <a16:colId xmlns:a16="http://schemas.microsoft.com/office/drawing/2014/main" xmlns="" val="20001"/>
+                      <a16:colId xmlns="" xmlns:a16="http://schemas.microsoft.com/office/drawing/2014/main" val="20001"/>
                     </a:ext>
                   </a:extLst>
                 </a:gridCol>
@@ -15090,11 +14884,6 @@
                         </a:rPr>
                         <a:t>캐러셀 배너 관리</a:t>
                       </a:r>
-                      <a:endParaRPr lang="ko-KR" altLang="en-US" sz="2800" b="0" u="none" strike="noStrike" cap="none" smtClean="0">
-                        <a:solidFill>
-                          <a:schemeClr val="dk1"/>
-                        </a:solidFill>
-                      </a:endParaRPr>
                     </a:p>
                   </a:txBody>
                   <a:tcPr marL="74304" marR="74304" marT="45725" marB="45725" anchor="ctr">
@@ -15141,7 +14930,7 @@
                 </a:tc>
                 <a:extLst>
                   <a:ext uri="{0D108BD9-81ED-4DB2-BD59-A6C34878D82A}">
-                    <a16:rowId xmlns:a16="http://schemas.microsoft.com/office/drawing/2014/main" xmlns="" val="10000"/>
+                    <a16:rowId xmlns="" xmlns:a16="http://schemas.microsoft.com/office/drawing/2014/main" val="10000"/>
                   </a:ext>
                 </a:extLst>
               </a:tr>
@@ -15284,11 +15073,6 @@
                         </a:rPr>
                         <a:t>kb_admin_carousel</a:t>
                       </a:r>
-                      <a:endParaRPr lang="en-US" altLang="ko-KR" sz="1200" b="0" u="none" strike="noStrike" cap="none" smtClean="0">
-                        <a:solidFill>
-                          <a:schemeClr val="dk1"/>
-                        </a:solidFill>
-                      </a:endParaRPr>
                     </a:p>
                   </a:txBody>
                   <a:tcPr marL="74304" marR="74304" marT="45725" marB="45725" anchor="ctr">
@@ -15499,14 +15283,14 @@
                 <a:gridCol w="311106">
                   <a:extLst>
                     <a:ext uri="{9D8B030D-6E8A-4147-A177-3AD203B41FA5}">
-                      <a16:colId xmlns:a16="http://schemas.microsoft.com/office/drawing/2014/main" xmlns="" val="20000"/>
+                      <a16:colId xmlns="" xmlns:a16="http://schemas.microsoft.com/office/drawing/2014/main" val="20000"/>
                     </a:ext>
                   </a:extLst>
                 </a:gridCol>
                 <a:gridCol w="2558644">
                   <a:extLst>
                     <a:ext uri="{9D8B030D-6E8A-4147-A177-3AD203B41FA5}">
-                      <a16:colId xmlns:a16="http://schemas.microsoft.com/office/drawing/2014/main" xmlns="" val="20001"/>
+                      <a16:colId xmlns="" xmlns:a16="http://schemas.microsoft.com/office/drawing/2014/main" val="20001"/>
                     </a:ext>
                   </a:extLst>
                 </a:gridCol>
@@ -15664,7 +15448,7 @@
                 </a:tc>
                 <a:extLst>
                   <a:ext uri="{0D108BD9-81ED-4DB2-BD59-A6C34878D82A}">
-                    <a16:rowId xmlns:a16="http://schemas.microsoft.com/office/drawing/2014/main" xmlns="" val="10000"/>
+                    <a16:rowId xmlns="" xmlns:a16="http://schemas.microsoft.com/office/drawing/2014/main" val="10000"/>
                   </a:ext>
                 </a:extLst>
               </a:tr>
@@ -15872,7 +15656,7 @@
                 </a:tc>
                 <a:extLst>
                   <a:ext uri="{0D108BD9-81ED-4DB2-BD59-A6C34878D82A}">
-                    <a16:rowId xmlns:a16="http://schemas.microsoft.com/office/drawing/2014/main" xmlns="" val="10001"/>
+                    <a16:rowId xmlns="" xmlns:a16="http://schemas.microsoft.com/office/drawing/2014/main" val="10001"/>
                   </a:ext>
                 </a:extLst>
               </a:tr>
@@ -16007,7 +15791,7 @@
                 </a:tc>
                 <a:extLst>
                   <a:ext uri="{0D108BD9-81ED-4DB2-BD59-A6C34878D82A}">
-                    <a16:rowId xmlns:a16="http://schemas.microsoft.com/office/drawing/2014/main" xmlns="" val="10002"/>
+                    <a16:rowId xmlns="" xmlns:a16="http://schemas.microsoft.com/office/drawing/2014/main" val="10002"/>
                   </a:ext>
                 </a:extLst>
               </a:tr>
@@ -16403,14 +16187,14 @@
                 <a:gridCol w="1152128">
                   <a:extLst>
                     <a:ext uri="{9D8B030D-6E8A-4147-A177-3AD203B41FA5}">
-                      <a16:colId xmlns:a16="http://schemas.microsoft.com/office/drawing/2014/main" xmlns="" val="20000"/>
+                      <a16:colId xmlns="" xmlns:a16="http://schemas.microsoft.com/office/drawing/2014/main" val="20000"/>
                     </a:ext>
                   </a:extLst>
                 </a:gridCol>
                 <a:gridCol w="4896544">
                   <a:extLst>
                     <a:ext uri="{9D8B030D-6E8A-4147-A177-3AD203B41FA5}">
-                      <a16:colId xmlns:a16="http://schemas.microsoft.com/office/drawing/2014/main" xmlns="" val="20001"/>
+                      <a16:colId xmlns="" xmlns:a16="http://schemas.microsoft.com/office/drawing/2014/main" val="20001"/>
                     </a:ext>
                   </a:extLst>
                 </a:gridCol>
@@ -16525,11 +16309,6 @@
                         </a:rPr>
                         <a:t>회원정보</a:t>
                       </a:r>
-                      <a:endParaRPr lang="ko-KR" altLang="en-US" sz="2800" b="0" u="none" strike="noStrike" cap="none" smtClean="0">
-                        <a:solidFill>
-                          <a:schemeClr val="dk1"/>
-                        </a:solidFill>
-                      </a:endParaRPr>
                     </a:p>
                   </a:txBody>
                   <a:tcPr marL="74304" marR="74304" marT="45725" marB="45725" anchor="ctr">
@@ -16576,7 +16355,7 @@
                 </a:tc>
                 <a:extLst>
                   <a:ext uri="{0D108BD9-81ED-4DB2-BD59-A6C34878D82A}">
-                    <a16:rowId xmlns:a16="http://schemas.microsoft.com/office/drawing/2014/main" xmlns="" val="10000"/>
+                    <a16:rowId xmlns="" xmlns:a16="http://schemas.microsoft.com/office/drawing/2014/main" val="10000"/>
                   </a:ext>
                 </a:extLst>
               </a:tr>
@@ -16719,11 +16498,6 @@
                         </a:rPr>
                         <a:t>kb_admin_member</a:t>
                       </a:r>
-                      <a:endParaRPr lang="en-US" altLang="ko-KR" sz="1400" b="0" u="none" strike="noStrike" cap="none" smtClean="0">
-                        <a:solidFill>
-                          <a:schemeClr val="dk1"/>
-                        </a:solidFill>
-                      </a:endParaRPr>
                     </a:p>
                   </a:txBody>
                   <a:tcPr marL="74304" marR="74304" marT="45725" marB="45725" anchor="ctr">
@@ -16934,14 +16708,14 @@
                 <a:gridCol w="311106">
                   <a:extLst>
                     <a:ext uri="{9D8B030D-6E8A-4147-A177-3AD203B41FA5}">
-                      <a16:colId xmlns:a16="http://schemas.microsoft.com/office/drawing/2014/main" xmlns="" val="20000"/>
+                      <a16:colId xmlns="" xmlns:a16="http://schemas.microsoft.com/office/drawing/2014/main" val="20000"/>
                     </a:ext>
                   </a:extLst>
                 </a:gridCol>
                 <a:gridCol w="2558644">
                   <a:extLst>
                     <a:ext uri="{9D8B030D-6E8A-4147-A177-3AD203B41FA5}">
-                      <a16:colId xmlns:a16="http://schemas.microsoft.com/office/drawing/2014/main" xmlns="" val="20001"/>
+                      <a16:colId xmlns="" xmlns:a16="http://schemas.microsoft.com/office/drawing/2014/main" val="20001"/>
                     </a:ext>
                   </a:extLst>
                 </a:gridCol>
@@ -17099,7 +16873,7 @@
                 </a:tc>
                 <a:extLst>
                   <a:ext uri="{0D108BD9-81ED-4DB2-BD59-A6C34878D82A}">
-                    <a16:rowId xmlns:a16="http://schemas.microsoft.com/office/drawing/2014/main" xmlns="" val="10000"/>
+                    <a16:rowId xmlns="" xmlns:a16="http://schemas.microsoft.com/office/drawing/2014/main" val="10000"/>
                   </a:ext>
                 </a:extLst>
               </a:tr>
@@ -17256,7 +17030,7 @@
                 </a:tc>
                 <a:extLst>
                   <a:ext uri="{0D108BD9-81ED-4DB2-BD59-A6C34878D82A}">
-                    <a16:rowId xmlns:a16="http://schemas.microsoft.com/office/drawing/2014/main" xmlns="" val="10001"/>
+                    <a16:rowId xmlns="" xmlns:a16="http://schemas.microsoft.com/office/drawing/2014/main" val="10001"/>
                   </a:ext>
                 </a:extLst>
               </a:tr>
@@ -17387,7 +17161,7 @@
                 </a:tc>
                 <a:extLst>
                   <a:ext uri="{0D108BD9-81ED-4DB2-BD59-A6C34878D82A}">
-                    <a16:rowId xmlns:a16="http://schemas.microsoft.com/office/drawing/2014/main" xmlns="" val="10002"/>
+                    <a16:rowId xmlns="" xmlns:a16="http://schemas.microsoft.com/office/drawing/2014/main" val="10002"/>
                   </a:ext>
                 </a:extLst>
               </a:tr>
@@ -17783,14 +17557,14 @@
                 <a:gridCol w="1152128">
                   <a:extLst>
                     <a:ext uri="{9D8B030D-6E8A-4147-A177-3AD203B41FA5}">
-                      <a16:colId xmlns:a16="http://schemas.microsoft.com/office/drawing/2014/main" xmlns="" val="20000"/>
+                      <a16:colId xmlns="" xmlns:a16="http://schemas.microsoft.com/office/drawing/2014/main" val="20000"/>
                     </a:ext>
                   </a:extLst>
                 </a:gridCol>
                 <a:gridCol w="4896544">
                   <a:extLst>
                     <a:ext uri="{9D8B030D-6E8A-4147-A177-3AD203B41FA5}">
-                      <a16:colId xmlns:a16="http://schemas.microsoft.com/office/drawing/2014/main" xmlns="" val="20001"/>
+                      <a16:colId xmlns="" xmlns:a16="http://schemas.microsoft.com/office/drawing/2014/main" val="20001"/>
                     </a:ext>
                   </a:extLst>
                 </a:gridCol>
@@ -17905,11 +17679,6 @@
                         </a:rPr>
                         <a:t>세미나존 관리</a:t>
                       </a:r>
-                      <a:endParaRPr lang="ko-KR" altLang="en-US" sz="2800" b="0" u="none" strike="noStrike" cap="none" smtClean="0">
-                        <a:solidFill>
-                          <a:schemeClr val="dk1"/>
-                        </a:solidFill>
-                      </a:endParaRPr>
                     </a:p>
                   </a:txBody>
                   <a:tcPr marL="74304" marR="74304" marT="45725" marB="45725" anchor="ctr">
@@ -17956,7 +17725,7 @@
                 </a:tc>
                 <a:extLst>
                   <a:ext uri="{0D108BD9-81ED-4DB2-BD59-A6C34878D82A}">
-                    <a16:rowId xmlns:a16="http://schemas.microsoft.com/office/drawing/2014/main" xmlns="" val="10000"/>
+                    <a16:rowId xmlns="" xmlns:a16="http://schemas.microsoft.com/office/drawing/2014/main" val="10000"/>
                   </a:ext>
                 </a:extLst>
               </a:tr>
@@ -18099,11 +17868,6 @@
                         </a:rPr>
                         <a:t>kb_admin_semiZone</a:t>
                       </a:r>
-                      <a:endParaRPr lang="en-US" altLang="ko-KR" sz="1400" b="0" u="none" strike="noStrike" cap="none" smtClean="0">
-                        <a:solidFill>
-                          <a:schemeClr val="dk1"/>
-                        </a:solidFill>
-                      </a:endParaRPr>
                     </a:p>
                   </a:txBody>
                   <a:tcPr marL="74304" marR="74304" marT="45725" marB="45725" anchor="ctr">
@@ -18314,14 +18078,14 @@
                 <a:gridCol w="311106">
                   <a:extLst>
                     <a:ext uri="{9D8B030D-6E8A-4147-A177-3AD203B41FA5}">
-                      <a16:colId xmlns:a16="http://schemas.microsoft.com/office/drawing/2014/main" xmlns="" val="20000"/>
+                      <a16:colId xmlns="" xmlns:a16="http://schemas.microsoft.com/office/drawing/2014/main" val="20000"/>
                     </a:ext>
                   </a:extLst>
                 </a:gridCol>
                 <a:gridCol w="2558644">
                   <a:extLst>
                     <a:ext uri="{9D8B030D-6E8A-4147-A177-3AD203B41FA5}">
-                      <a16:colId xmlns:a16="http://schemas.microsoft.com/office/drawing/2014/main" xmlns="" val="20001"/>
+                      <a16:colId xmlns="" xmlns:a16="http://schemas.microsoft.com/office/drawing/2014/main" val="20001"/>
                     </a:ext>
                   </a:extLst>
                 </a:gridCol>
@@ -18479,7 +18243,7 @@
                 </a:tc>
                 <a:extLst>
                   <a:ext uri="{0D108BD9-81ED-4DB2-BD59-A6C34878D82A}">
-                    <a16:rowId xmlns:a16="http://schemas.microsoft.com/office/drawing/2014/main" xmlns="" val="10000"/>
+                    <a16:rowId xmlns="" xmlns:a16="http://schemas.microsoft.com/office/drawing/2014/main" val="10000"/>
                   </a:ext>
                 </a:extLst>
               </a:tr>
@@ -18652,7 +18416,7 @@
                 </a:tc>
                 <a:extLst>
                   <a:ext uri="{0D108BD9-81ED-4DB2-BD59-A6C34878D82A}">
-                    <a16:rowId xmlns:a16="http://schemas.microsoft.com/office/drawing/2014/main" xmlns="" val="10001"/>
+                    <a16:rowId xmlns="" xmlns:a16="http://schemas.microsoft.com/office/drawing/2014/main" val="10001"/>
                   </a:ext>
                 </a:extLst>
               </a:tr>
@@ -18783,7 +18547,7 @@
                 </a:tc>
                 <a:extLst>
                   <a:ext uri="{0D108BD9-81ED-4DB2-BD59-A6C34878D82A}">
-                    <a16:rowId xmlns:a16="http://schemas.microsoft.com/office/drawing/2014/main" xmlns="" val="10002"/>
+                    <a16:rowId xmlns="" xmlns:a16="http://schemas.microsoft.com/office/drawing/2014/main" val="10002"/>
                   </a:ext>
                 </a:extLst>
               </a:tr>
@@ -19179,14 +18943,14 @@
                 <a:gridCol w="1152128">
                   <a:extLst>
                     <a:ext uri="{9D8B030D-6E8A-4147-A177-3AD203B41FA5}">
-                      <a16:colId xmlns:a16="http://schemas.microsoft.com/office/drawing/2014/main" xmlns="" val="20000"/>
+                      <a16:colId xmlns="" xmlns:a16="http://schemas.microsoft.com/office/drawing/2014/main" val="20000"/>
                     </a:ext>
                   </a:extLst>
                 </a:gridCol>
                 <a:gridCol w="4896544">
                   <a:extLst>
                     <a:ext uri="{9D8B030D-6E8A-4147-A177-3AD203B41FA5}">
-                      <a16:colId xmlns:a16="http://schemas.microsoft.com/office/drawing/2014/main" xmlns="" val="20001"/>
+                      <a16:colId xmlns="" xmlns:a16="http://schemas.microsoft.com/office/drawing/2014/main" val="20001"/>
                     </a:ext>
                   </a:extLst>
                 </a:gridCol>
@@ -19301,11 +19065,6 @@
                         </a:rPr>
                         <a:t>세미나존 등록 및 수정</a:t>
                       </a:r>
-                      <a:endParaRPr lang="ko-KR" altLang="en-US" sz="2800" b="0" u="none" strike="noStrike" cap="none" smtClean="0">
-                        <a:solidFill>
-                          <a:schemeClr val="dk1"/>
-                        </a:solidFill>
-                      </a:endParaRPr>
                     </a:p>
                   </a:txBody>
                   <a:tcPr marL="74304" marR="74304" marT="45725" marB="45725" anchor="ctr">
@@ -19352,7 +19111,7 @@
                 </a:tc>
                 <a:extLst>
                   <a:ext uri="{0D108BD9-81ED-4DB2-BD59-A6C34878D82A}">
-                    <a16:rowId xmlns:a16="http://schemas.microsoft.com/office/drawing/2014/main" xmlns="" val="10000"/>
+                    <a16:rowId xmlns="" xmlns:a16="http://schemas.microsoft.com/office/drawing/2014/main" val="10000"/>
                   </a:ext>
                 </a:extLst>
               </a:tr>
@@ -19495,11 +19254,6 @@
                         </a:rPr>
                         <a:t>kb_admin_semiZoneUpt</a:t>
                       </a:r>
-                      <a:endParaRPr lang="en-US" altLang="ko-KR" sz="1400" b="0" u="none" strike="noStrike" cap="none" smtClean="0">
-                        <a:solidFill>
-                          <a:schemeClr val="dk1"/>
-                        </a:solidFill>
-                      </a:endParaRPr>
                     </a:p>
                   </a:txBody>
                   <a:tcPr marL="74304" marR="74304" marT="45725" marB="45725" anchor="ctr">
@@ -19659,14 +19413,14 @@
                 <a:gridCol w="1152128">
                   <a:extLst>
                     <a:ext uri="{9D8B030D-6E8A-4147-A177-3AD203B41FA5}">
-                      <a16:colId xmlns:a16="http://schemas.microsoft.com/office/drawing/2014/main" xmlns="" val="20000"/>
+                      <a16:colId xmlns="" xmlns:a16="http://schemas.microsoft.com/office/drawing/2014/main" val="20000"/>
                     </a:ext>
                   </a:extLst>
                 </a:gridCol>
                 <a:gridCol w="4896544">
                   <a:extLst>
                     <a:ext uri="{9D8B030D-6E8A-4147-A177-3AD203B41FA5}">
-                      <a16:colId xmlns:a16="http://schemas.microsoft.com/office/drawing/2014/main" xmlns="" val="20001"/>
+                      <a16:colId xmlns="" xmlns:a16="http://schemas.microsoft.com/office/drawing/2014/main" val="20001"/>
                     </a:ext>
                   </a:extLst>
                 </a:gridCol>
@@ -19850,7 +19604,7 @@
                 </a:tc>
                 <a:extLst>
                   <a:ext uri="{0D108BD9-81ED-4DB2-BD59-A6C34878D82A}">
-                    <a16:rowId xmlns:a16="http://schemas.microsoft.com/office/drawing/2014/main" xmlns="" val="10000"/>
+                    <a16:rowId xmlns="" xmlns:a16="http://schemas.microsoft.com/office/drawing/2014/main" val="10000"/>
                   </a:ext>
                 </a:extLst>
               </a:tr>
@@ -19931,14 +19685,14 @@
                 <a:gridCol w="311106">
                   <a:extLst>
                     <a:ext uri="{9D8B030D-6E8A-4147-A177-3AD203B41FA5}">
-                      <a16:colId xmlns:a16="http://schemas.microsoft.com/office/drawing/2014/main" xmlns="" val="20000"/>
+                      <a16:colId xmlns="" xmlns:a16="http://schemas.microsoft.com/office/drawing/2014/main" val="20000"/>
                     </a:ext>
                   </a:extLst>
                 </a:gridCol>
                 <a:gridCol w="2558644">
                   <a:extLst>
                     <a:ext uri="{9D8B030D-6E8A-4147-A177-3AD203B41FA5}">
-                      <a16:colId xmlns:a16="http://schemas.microsoft.com/office/drawing/2014/main" xmlns="" val="20001"/>
+                      <a16:colId xmlns="" xmlns:a16="http://schemas.microsoft.com/office/drawing/2014/main" val="20001"/>
                     </a:ext>
                   </a:extLst>
                 </a:gridCol>
@@ -20096,7 +19850,7 @@
                 </a:tc>
                 <a:extLst>
                   <a:ext uri="{0D108BD9-81ED-4DB2-BD59-A6C34878D82A}">
-                    <a16:rowId xmlns:a16="http://schemas.microsoft.com/office/drawing/2014/main" xmlns="" val="10000"/>
+                    <a16:rowId xmlns="" xmlns:a16="http://schemas.microsoft.com/office/drawing/2014/main" val="10000"/>
                   </a:ext>
                 </a:extLst>
               </a:tr>
@@ -20349,7 +20103,7 @@
                 </a:tc>
                 <a:extLst>
                   <a:ext uri="{0D108BD9-81ED-4DB2-BD59-A6C34878D82A}">
-                    <a16:rowId xmlns:a16="http://schemas.microsoft.com/office/drawing/2014/main" xmlns="" val="10001"/>
+                    <a16:rowId xmlns="" xmlns:a16="http://schemas.microsoft.com/office/drawing/2014/main" val="10001"/>
                   </a:ext>
                 </a:extLst>
               </a:tr>
@@ -20570,7 +20324,7 @@
                 </a:tc>
                 <a:extLst>
                   <a:ext uri="{0D108BD9-81ED-4DB2-BD59-A6C34878D82A}">
-                    <a16:rowId xmlns:a16="http://schemas.microsoft.com/office/drawing/2014/main" xmlns="" val="10002"/>
+                    <a16:rowId xmlns="" xmlns:a16="http://schemas.microsoft.com/office/drawing/2014/main" val="10002"/>
                   </a:ext>
                 </a:extLst>
               </a:tr>
@@ -20807,7 +20561,7 @@
                 </a:tc>
                 <a:extLst>
                   <a:ext uri="{0D108BD9-81ED-4DB2-BD59-A6C34878D82A}">
-                    <a16:rowId xmlns:a16="http://schemas.microsoft.com/office/drawing/2014/main" xmlns="" val="10003"/>
+                    <a16:rowId xmlns="" xmlns:a16="http://schemas.microsoft.com/office/drawing/2014/main" val="10003"/>
                   </a:ext>
                 </a:extLst>
               </a:tr>
@@ -21028,7 +20782,7 @@
                 </a:tc>
                 <a:extLst>
                   <a:ext uri="{0D108BD9-81ED-4DB2-BD59-A6C34878D82A}">
-                    <a16:rowId xmlns:a16="http://schemas.microsoft.com/office/drawing/2014/main" xmlns="" val="10004"/>
+                    <a16:rowId xmlns="" xmlns:a16="http://schemas.microsoft.com/office/drawing/2014/main" val="10004"/>
                   </a:ext>
                 </a:extLst>
               </a:tr>
@@ -21255,7 +21009,7 @@
                 </a:tc>
                 <a:extLst>
                   <a:ext uri="{0D108BD9-81ED-4DB2-BD59-A6C34878D82A}">
-                    <a16:rowId xmlns:a16="http://schemas.microsoft.com/office/drawing/2014/main" xmlns="" val="10005"/>
+                    <a16:rowId xmlns="" xmlns:a16="http://schemas.microsoft.com/office/drawing/2014/main" val="10005"/>
                   </a:ext>
                 </a:extLst>
               </a:tr>
@@ -21739,14 +21493,14 @@
                 <a:gridCol w="311106">
                   <a:extLst>
                     <a:ext uri="{9D8B030D-6E8A-4147-A177-3AD203B41FA5}">
-                      <a16:colId xmlns:a16="http://schemas.microsoft.com/office/drawing/2014/main" xmlns="" val="20000"/>
+                      <a16:colId xmlns="" xmlns:a16="http://schemas.microsoft.com/office/drawing/2014/main" val="20000"/>
                     </a:ext>
                   </a:extLst>
                 </a:gridCol>
                 <a:gridCol w="2558644">
                   <a:extLst>
                     <a:ext uri="{9D8B030D-6E8A-4147-A177-3AD203B41FA5}">
-                      <a16:colId xmlns:a16="http://schemas.microsoft.com/office/drawing/2014/main" xmlns="" val="20001"/>
+                      <a16:colId xmlns="" xmlns:a16="http://schemas.microsoft.com/office/drawing/2014/main" val="20001"/>
                     </a:ext>
                   </a:extLst>
                 </a:gridCol>
@@ -21904,7 +21658,7 @@
                 </a:tc>
                 <a:extLst>
                   <a:ext uri="{0D108BD9-81ED-4DB2-BD59-A6C34878D82A}">
-                    <a16:rowId xmlns:a16="http://schemas.microsoft.com/office/drawing/2014/main" xmlns="" val="10000"/>
+                    <a16:rowId xmlns="" xmlns:a16="http://schemas.microsoft.com/office/drawing/2014/main" val="10000"/>
                   </a:ext>
                 </a:extLst>
               </a:tr>
@@ -22157,7 +21911,7 @@
                 </a:tc>
                 <a:extLst>
                   <a:ext uri="{0D108BD9-81ED-4DB2-BD59-A6C34878D82A}">
-                    <a16:rowId xmlns:a16="http://schemas.microsoft.com/office/drawing/2014/main" xmlns="" val="10001"/>
+                    <a16:rowId xmlns="" xmlns:a16="http://schemas.microsoft.com/office/drawing/2014/main" val="10001"/>
                   </a:ext>
                 </a:extLst>
               </a:tr>
@@ -22378,7 +22132,7 @@
                 </a:tc>
                 <a:extLst>
                   <a:ext uri="{0D108BD9-81ED-4DB2-BD59-A6C34878D82A}">
-                    <a16:rowId xmlns:a16="http://schemas.microsoft.com/office/drawing/2014/main" xmlns="" val="10002"/>
+                    <a16:rowId xmlns="" xmlns:a16="http://schemas.microsoft.com/office/drawing/2014/main" val="10002"/>
                   </a:ext>
                 </a:extLst>
               </a:tr>
@@ -22615,7 +22369,7 @@
                 </a:tc>
                 <a:extLst>
                   <a:ext uri="{0D108BD9-81ED-4DB2-BD59-A6C34878D82A}">
-                    <a16:rowId xmlns:a16="http://schemas.microsoft.com/office/drawing/2014/main" xmlns="" val="10003"/>
+                    <a16:rowId xmlns="" xmlns:a16="http://schemas.microsoft.com/office/drawing/2014/main" val="10003"/>
                   </a:ext>
                 </a:extLst>
               </a:tr>
@@ -22836,7 +22590,7 @@
                 </a:tc>
                 <a:extLst>
                   <a:ext uri="{0D108BD9-81ED-4DB2-BD59-A6C34878D82A}">
-                    <a16:rowId xmlns:a16="http://schemas.microsoft.com/office/drawing/2014/main" xmlns="" val="10004"/>
+                    <a16:rowId xmlns="" xmlns:a16="http://schemas.microsoft.com/office/drawing/2014/main" val="10004"/>
                   </a:ext>
                 </a:extLst>
               </a:tr>
@@ -23063,7 +22817,7 @@
                 </a:tc>
                 <a:extLst>
                   <a:ext uri="{0D108BD9-81ED-4DB2-BD59-A6C34878D82A}">
-                    <a16:rowId xmlns:a16="http://schemas.microsoft.com/office/drawing/2014/main" xmlns="" val="10005"/>
+                    <a16:rowId xmlns="" xmlns:a16="http://schemas.microsoft.com/office/drawing/2014/main" val="10005"/>
                   </a:ext>
                 </a:extLst>
               </a:tr>
@@ -23194,7 +22948,7 @@
                 </a:tc>
                 <a:extLst>
                   <a:ext uri="{0D108BD9-81ED-4DB2-BD59-A6C34878D82A}">
-                    <a16:rowId xmlns:a16="http://schemas.microsoft.com/office/drawing/2014/main" xmlns="" val="10006"/>
+                    <a16:rowId xmlns="" xmlns:a16="http://schemas.microsoft.com/office/drawing/2014/main" val="10006"/>
                   </a:ext>
                 </a:extLst>
               </a:tr>
@@ -23672,14 +23426,14 @@
                 <a:gridCol w="1152128">
                   <a:extLst>
                     <a:ext uri="{9D8B030D-6E8A-4147-A177-3AD203B41FA5}">
-                      <a16:colId xmlns:a16="http://schemas.microsoft.com/office/drawing/2014/main" xmlns="" val="20000"/>
+                      <a16:colId xmlns="" xmlns:a16="http://schemas.microsoft.com/office/drawing/2014/main" val="20000"/>
                     </a:ext>
                   </a:extLst>
                 </a:gridCol>
                 <a:gridCol w="4896544">
                   <a:extLst>
                     <a:ext uri="{9D8B030D-6E8A-4147-A177-3AD203B41FA5}">
-                      <a16:colId xmlns:a16="http://schemas.microsoft.com/office/drawing/2014/main" xmlns="" val="20001"/>
+                      <a16:colId xmlns="" xmlns:a16="http://schemas.microsoft.com/office/drawing/2014/main" val="20001"/>
                     </a:ext>
                   </a:extLst>
                 </a:gridCol>
@@ -23810,15 +23564,7 @@
                             <a:schemeClr val="dk1"/>
                           </a:solidFill>
                         </a:rPr>
-                        <a:t>- </a:t>
-                      </a:r>
-                      <a:r>
-                        <a:rPr lang="en-US" altLang="ko-KR" sz="1500" b="0" u="none" strike="noStrike" cap="none" baseline="0" smtClean="0">
-                          <a:solidFill>
-                            <a:schemeClr val="dk1"/>
-                          </a:solidFill>
-                        </a:rPr>
-                        <a:t> </a:t>
+                        <a:t>-  </a:t>
                       </a:r>
                       <a:r>
                         <a:rPr lang="ko-KR" altLang="en-US" sz="1500" b="0" u="none" strike="noStrike" cap="none" baseline="0" smtClean="0">
@@ -23879,7 +23625,7 @@
                 </a:tc>
                 <a:extLst>
                   <a:ext uri="{0D108BD9-81ED-4DB2-BD59-A6C34878D82A}">
-                    <a16:rowId xmlns:a16="http://schemas.microsoft.com/office/drawing/2014/main" xmlns="" val="10000"/>
+                    <a16:rowId xmlns="" xmlns:a16="http://schemas.microsoft.com/office/drawing/2014/main" val="10000"/>
                   </a:ext>
                 </a:extLst>
               </a:tr>
@@ -24239,14 +23985,14 @@
                 <a:gridCol w="311106">
                   <a:extLst>
                     <a:ext uri="{9D8B030D-6E8A-4147-A177-3AD203B41FA5}">
-                      <a16:colId xmlns:a16="http://schemas.microsoft.com/office/drawing/2014/main" xmlns="" val="20000"/>
+                      <a16:colId xmlns="" xmlns:a16="http://schemas.microsoft.com/office/drawing/2014/main" val="20000"/>
                     </a:ext>
                   </a:extLst>
                 </a:gridCol>
                 <a:gridCol w="2558644">
                   <a:extLst>
                     <a:ext uri="{9D8B030D-6E8A-4147-A177-3AD203B41FA5}">
-                      <a16:colId xmlns:a16="http://schemas.microsoft.com/office/drawing/2014/main" xmlns="" val="20001"/>
+                      <a16:colId xmlns="" xmlns:a16="http://schemas.microsoft.com/office/drawing/2014/main" val="20001"/>
                     </a:ext>
                   </a:extLst>
                 </a:gridCol>
@@ -24404,7 +24150,7 @@
                 </a:tc>
                 <a:extLst>
                   <a:ext uri="{0D108BD9-81ED-4DB2-BD59-A6C34878D82A}">
-                    <a16:rowId xmlns:a16="http://schemas.microsoft.com/office/drawing/2014/main" xmlns="" val="10000"/>
+                    <a16:rowId xmlns="" xmlns:a16="http://schemas.microsoft.com/office/drawing/2014/main" val="10000"/>
                   </a:ext>
                 </a:extLst>
               </a:tr>
@@ -24751,7 +24497,7 @@
                 </a:tc>
                 <a:extLst>
                   <a:ext uri="{0D108BD9-81ED-4DB2-BD59-A6C34878D82A}">
-                    <a16:rowId xmlns:a16="http://schemas.microsoft.com/office/drawing/2014/main" xmlns="" val="10001"/>
+                    <a16:rowId xmlns="" xmlns:a16="http://schemas.microsoft.com/office/drawing/2014/main" val="10001"/>
                   </a:ext>
                 </a:extLst>
               </a:tr>
@@ -24972,7 +24718,7 @@
                 </a:tc>
                 <a:extLst>
                   <a:ext uri="{0D108BD9-81ED-4DB2-BD59-A6C34878D82A}">
-                    <a16:rowId xmlns:a16="http://schemas.microsoft.com/office/drawing/2014/main" xmlns="" val="10002"/>
+                    <a16:rowId xmlns="" xmlns:a16="http://schemas.microsoft.com/office/drawing/2014/main" val="10002"/>
                   </a:ext>
                 </a:extLst>
               </a:tr>
@@ -25209,7 +24955,7 @@
                 </a:tc>
                 <a:extLst>
                   <a:ext uri="{0D108BD9-81ED-4DB2-BD59-A6C34878D82A}">
-                    <a16:rowId xmlns:a16="http://schemas.microsoft.com/office/drawing/2014/main" xmlns="" val="10003"/>
+                    <a16:rowId xmlns="" xmlns:a16="http://schemas.microsoft.com/office/drawing/2014/main" val="10003"/>
                   </a:ext>
                 </a:extLst>
               </a:tr>
@@ -25436,7 +25182,7 @@
                 </a:tc>
                 <a:extLst>
                   <a:ext uri="{0D108BD9-81ED-4DB2-BD59-A6C34878D82A}">
-                    <a16:rowId xmlns:a16="http://schemas.microsoft.com/office/drawing/2014/main" xmlns="" val="10004"/>
+                    <a16:rowId xmlns="" xmlns:a16="http://schemas.microsoft.com/office/drawing/2014/main" val="10004"/>
                   </a:ext>
                 </a:extLst>
               </a:tr>
@@ -25567,7 +25313,7 @@
                 </a:tc>
                 <a:extLst>
                   <a:ext uri="{0D108BD9-81ED-4DB2-BD59-A6C34878D82A}">
-                    <a16:rowId xmlns:a16="http://schemas.microsoft.com/office/drawing/2014/main" xmlns="" val="10005"/>
+                    <a16:rowId xmlns="" xmlns:a16="http://schemas.microsoft.com/office/drawing/2014/main" val="10005"/>
                   </a:ext>
                 </a:extLst>
               </a:tr>
@@ -25963,14 +25709,14 @@
                 <a:gridCol w="1152128">
                   <a:extLst>
                     <a:ext uri="{9D8B030D-6E8A-4147-A177-3AD203B41FA5}">
-                      <a16:colId xmlns:a16="http://schemas.microsoft.com/office/drawing/2014/main" xmlns="" val="20000"/>
+                      <a16:colId xmlns="" xmlns:a16="http://schemas.microsoft.com/office/drawing/2014/main" val="20000"/>
                     </a:ext>
                   </a:extLst>
                 </a:gridCol>
                 <a:gridCol w="4896544">
                   <a:extLst>
                     <a:ext uri="{9D8B030D-6E8A-4147-A177-3AD203B41FA5}">
-                      <a16:colId xmlns:a16="http://schemas.microsoft.com/office/drawing/2014/main" xmlns="" val="20001"/>
+                      <a16:colId xmlns="" xmlns:a16="http://schemas.microsoft.com/office/drawing/2014/main" val="20001"/>
                     </a:ext>
                   </a:extLst>
                 </a:gridCol>
@@ -26101,15 +25847,7 @@
                             <a:schemeClr val="dk1"/>
                           </a:solidFill>
                         </a:rPr>
-                        <a:t>- </a:t>
-                      </a:r>
-                      <a:r>
-                        <a:rPr lang="en-US" altLang="ko-KR" sz="1500" b="0" u="none" strike="noStrike" cap="none" baseline="0" smtClean="0">
-                          <a:solidFill>
-                            <a:schemeClr val="dk1"/>
-                          </a:solidFill>
-                        </a:rPr>
-                        <a:t> FOOTER</a:t>
+                        <a:t>-  FOOTER</a:t>
                       </a:r>
                       <a:endParaRPr lang="ko-KR" altLang="en-US" sz="1500" b="0" u="none" strike="noStrike" cap="none" dirty="0" smtClean="0">
                         <a:solidFill>
@@ -26162,7 +25900,7 @@
                 </a:tc>
                 <a:extLst>
                   <a:ext uri="{0D108BD9-81ED-4DB2-BD59-A6C34878D82A}">
-                    <a16:rowId xmlns:a16="http://schemas.microsoft.com/office/drawing/2014/main" xmlns="" val="10000"/>
+                    <a16:rowId xmlns="" xmlns:a16="http://schemas.microsoft.com/office/drawing/2014/main" val="10000"/>
                   </a:ext>
                 </a:extLst>
               </a:tr>
@@ -26522,14 +26260,14 @@
                 <a:gridCol w="311106">
                   <a:extLst>
                     <a:ext uri="{9D8B030D-6E8A-4147-A177-3AD203B41FA5}">
-                      <a16:colId xmlns:a16="http://schemas.microsoft.com/office/drawing/2014/main" xmlns="" val="20000"/>
+                      <a16:colId xmlns="" xmlns:a16="http://schemas.microsoft.com/office/drawing/2014/main" val="20000"/>
                     </a:ext>
                   </a:extLst>
                 </a:gridCol>
                 <a:gridCol w="2558644">
                   <a:extLst>
                     <a:ext uri="{9D8B030D-6E8A-4147-A177-3AD203B41FA5}">
-                      <a16:colId xmlns:a16="http://schemas.microsoft.com/office/drawing/2014/main" xmlns="" val="20001"/>
+                      <a16:colId xmlns="" xmlns:a16="http://schemas.microsoft.com/office/drawing/2014/main" val="20001"/>
                     </a:ext>
                   </a:extLst>
                 </a:gridCol>
@@ -26687,7 +26425,7 @@
                 </a:tc>
                 <a:extLst>
                   <a:ext uri="{0D108BD9-81ED-4DB2-BD59-A6C34878D82A}">
-                    <a16:rowId xmlns:a16="http://schemas.microsoft.com/office/drawing/2014/main" xmlns="" val="10000"/>
+                    <a16:rowId xmlns="" xmlns:a16="http://schemas.microsoft.com/office/drawing/2014/main" val="10000"/>
                   </a:ext>
                 </a:extLst>
               </a:tr>
@@ -26999,7 +26737,7 @@
                 </a:tc>
                 <a:extLst>
                   <a:ext uri="{0D108BD9-81ED-4DB2-BD59-A6C34878D82A}">
-                    <a16:rowId xmlns:a16="http://schemas.microsoft.com/office/drawing/2014/main" xmlns="" val="10001"/>
+                    <a16:rowId xmlns="" xmlns:a16="http://schemas.microsoft.com/office/drawing/2014/main" val="10001"/>
                   </a:ext>
                 </a:extLst>
               </a:tr>
@@ -27130,7 +26868,7 @@
                 </a:tc>
                 <a:extLst>
                   <a:ext uri="{0D108BD9-81ED-4DB2-BD59-A6C34878D82A}">
-                    <a16:rowId xmlns:a16="http://schemas.microsoft.com/office/drawing/2014/main" xmlns="" val="10002"/>
+                    <a16:rowId xmlns="" xmlns:a16="http://schemas.microsoft.com/office/drawing/2014/main" val="10002"/>
                   </a:ext>
                 </a:extLst>
               </a:tr>
@@ -27717,14 +27455,14 @@
                 <a:gridCol w="1152128">
                   <a:extLst>
                     <a:ext uri="{9D8B030D-6E8A-4147-A177-3AD203B41FA5}">
-                      <a16:colId xmlns:a16="http://schemas.microsoft.com/office/drawing/2014/main" xmlns="" val="20000"/>
+                      <a16:colId xmlns="" xmlns:a16="http://schemas.microsoft.com/office/drawing/2014/main" val="20000"/>
                     </a:ext>
                   </a:extLst>
                 </a:gridCol>
                 <a:gridCol w="4896544">
                   <a:extLst>
                     <a:ext uri="{9D8B030D-6E8A-4147-A177-3AD203B41FA5}">
-                      <a16:colId xmlns:a16="http://schemas.microsoft.com/office/drawing/2014/main" xmlns="" val="20001"/>
+                      <a16:colId xmlns="" xmlns:a16="http://schemas.microsoft.com/office/drawing/2014/main" val="20001"/>
                     </a:ext>
                   </a:extLst>
                 </a:gridCol>
@@ -27900,7 +27638,7 @@
                 </a:tc>
                 <a:extLst>
                   <a:ext uri="{0D108BD9-81ED-4DB2-BD59-A6C34878D82A}">
-                    <a16:rowId xmlns:a16="http://schemas.microsoft.com/office/drawing/2014/main" xmlns="" val="10000"/>
+                    <a16:rowId xmlns="" xmlns:a16="http://schemas.microsoft.com/office/drawing/2014/main" val="10000"/>
                   </a:ext>
                 </a:extLst>
               </a:tr>
@@ -28069,14 +27807,14 @@
                 <a:gridCol w="311106">
                   <a:extLst>
                     <a:ext uri="{9D8B030D-6E8A-4147-A177-3AD203B41FA5}">
-                      <a16:colId xmlns:a16="http://schemas.microsoft.com/office/drawing/2014/main" xmlns="" val="20000"/>
+                      <a16:colId xmlns="" xmlns:a16="http://schemas.microsoft.com/office/drawing/2014/main" val="20000"/>
                     </a:ext>
                   </a:extLst>
                 </a:gridCol>
                 <a:gridCol w="2558644">
                   <a:extLst>
                     <a:ext uri="{9D8B030D-6E8A-4147-A177-3AD203B41FA5}">
-                      <a16:colId xmlns:a16="http://schemas.microsoft.com/office/drawing/2014/main" xmlns="" val="20001"/>
+                      <a16:colId xmlns="" xmlns:a16="http://schemas.microsoft.com/office/drawing/2014/main" val="20001"/>
                     </a:ext>
                   </a:extLst>
                 </a:gridCol>
@@ -28234,7 +27972,7 @@
                 </a:tc>
                 <a:extLst>
                   <a:ext uri="{0D108BD9-81ED-4DB2-BD59-A6C34878D82A}">
-                    <a16:rowId xmlns:a16="http://schemas.microsoft.com/office/drawing/2014/main" xmlns="" val="10000"/>
+                    <a16:rowId xmlns="" xmlns:a16="http://schemas.microsoft.com/office/drawing/2014/main" val="10000"/>
                   </a:ext>
                 </a:extLst>
               </a:tr>
@@ -28546,7 +28284,7 @@
                 </a:tc>
                 <a:extLst>
                   <a:ext uri="{0D108BD9-81ED-4DB2-BD59-A6C34878D82A}">
-                    <a16:rowId xmlns:a16="http://schemas.microsoft.com/office/drawing/2014/main" xmlns="" val="10001"/>
+                    <a16:rowId xmlns="" xmlns:a16="http://schemas.microsoft.com/office/drawing/2014/main" val="10001"/>
                   </a:ext>
                 </a:extLst>
               </a:tr>
@@ -28677,7 +28415,7 @@
                 </a:tc>
                 <a:extLst>
                   <a:ext uri="{0D108BD9-81ED-4DB2-BD59-A6C34878D82A}">
-                    <a16:rowId xmlns:a16="http://schemas.microsoft.com/office/drawing/2014/main" xmlns="" val="10002"/>
+                    <a16:rowId xmlns="" xmlns:a16="http://schemas.microsoft.com/office/drawing/2014/main" val="10002"/>
                   </a:ext>
                 </a:extLst>
               </a:tr>
@@ -29073,14 +28811,14 @@
                 <a:gridCol w="1152128">
                   <a:extLst>
                     <a:ext uri="{9D8B030D-6E8A-4147-A177-3AD203B41FA5}">
-                      <a16:colId xmlns:a16="http://schemas.microsoft.com/office/drawing/2014/main" xmlns="" val="20000"/>
+                      <a16:colId xmlns="" xmlns:a16="http://schemas.microsoft.com/office/drawing/2014/main" val="20000"/>
                     </a:ext>
                   </a:extLst>
                 </a:gridCol>
                 <a:gridCol w="4896544">
                   <a:extLst>
                     <a:ext uri="{9D8B030D-6E8A-4147-A177-3AD203B41FA5}">
-                      <a16:colId xmlns:a16="http://schemas.microsoft.com/office/drawing/2014/main" xmlns="" val="20001"/>
+                      <a16:colId xmlns="" xmlns:a16="http://schemas.microsoft.com/office/drawing/2014/main" val="20001"/>
                     </a:ext>
                   </a:extLst>
                 </a:gridCol>
@@ -29272,7 +29010,7 @@
                 </a:tc>
                 <a:extLst>
                   <a:ext uri="{0D108BD9-81ED-4DB2-BD59-A6C34878D82A}">
-                    <a16:rowId xmlns:a16="http://schemas.microsoft.com/office/drawing/2014/main" xmlns="" val="10000"/>
+                    <a16:rowId xmlns="" xmlns:a16="http://schemas.microsoft.com/office/drawing/2014/main" val="10000"/>
                   </a:ext>
                 </a:extLst>
               </a:tr>
@@ -29632,14 +29370,14 @@
                 <a:gridCol w="311106">
                   <a:extLst>
                     <a:ext uri="{9D8B030D-6E8A-4147-A177-3AD203B41FA5}">
-                      <a16:colId xmlns:a16="http://schemas.microsoft.com/office/drawing/2014/main" xmlns="" val="20000"/>
+                      <a16:colId xmlns="" xmlns:a16="http://schemas.microsoft.com/office/drawing/2014/main" val="20000"/>
                     </a:ext>
                   </a:extLst>
                 </a:gridCol>
                 <a:gridCol w="2558644">
                   <a:extLst>
                     <a:ext uri="{9D8B030D-6E8A-4147-A177-3AD203B41FA5}">
-                      <a16:colId xmlns:a16="http://schemas.microsoft.com/office/drawing/2014/main" xmlns="" val="20001"/>
+                      <a16:colId xmlns="" xmlns:a16="http://schemas.microsoft.com/office/drawing/2014/main" val="20001"/>
                     </a:ext>
                   </a:extLst>
                 </a:gridCol>
@@ -29797,7 +29535,7 @@
                 </a:tc>
                 <a:extLst>
                   <a:ext uri="{0D108BD9-81ED-4DB2-BD59-A6C34878D82A}">
-                    <a16:rowId xmlns:a16="http://schemas.microsoft.com/office/drawing/2014/main" xmlns="" val="10000"/>
+                    <a16:rowId xmlns="" xmlns:a16="http://schemas.microsoft.com/office/drawing/2014/main" val="10000"/>
                   </a:ext>
                 </a:extLst>
               </a:tr>
@@ -30109,7 +29847,7 @@
                 </a:tc>
                 <a:extLst>
                   <a:ext uri="{0D108BD9-81ED-4DB2-BD59-A6C34878D82A}">
-                    <a16:rowId xmlns:a16="http://schemas.microsoft.com/office/drawing/2014/main" xmlns="" val="10001"/>
+                    <a16:rowId xmlns="" xmlns:a16="http://schemas.microsoft.com/office/drawing/2014/main" val="10001"/>
                   </a:ext>
                 </a:extLst>
               </a:tr>
@@ -30240,7 +29978,7 @@
                 </a:tc>
                 <a:extLst>
                   <a:ext uri="{0D108BD9-81ED-4DB2-BD59-A6C34878D82A}">
-                    <a16:rowId xmlns:a16="http://schemas.microsoft.com/office/drawing/2014/main" xmlns="" val="10002"/>
+                    <a16:rowId xmlns="" xmlns:a16="http://schemas.microsoft.com/office/drawing/2014/main" val="10002"/>
                   </a:ext>
                 </a:extLst>
               </a:tr>
@@ -30636,14 +30374,14 @@
                 <a:gridCol w="1152128">
                   <a:extLst>
                     <a:ext uri="{9D8B030D-6E8A-4147-A177-3AD203B41FA5}">
-                      <a16:colId xmlns:a16="http://schemas.microsoft.com/office/drawing/2014/main" xmlns="" val="20000"/>
+                      <a16:colId xmlns="" xmlns:a16="http://schemas.microsoft.com/office/drawing/2014/main" val="20000"/>
                     </a:ext>
                   </a:extLst>
                 </a:gridCol>
                 <a:gridCol w="4896544">
                   <a:extLst>
                     <a:ext uri="{9D8B030D-6E8A-4147-A177-3AD203B41FA5}">
-                      <a16:colId xmlns:a16="http://schemas.microsoft.com/office/drawing/2014/main" xmlns="" val="20001"/>
+                      <a16:colId xmlns="" xmlns:a16="http://schemas.microsoft.com/office/drawing/2014/main" val="20001"/>
                     </a:ext>
                   </a:extLst>
                 </a:gridCol>
@@ -30819,7 +30557,7 @@
                 </a:tc>
                 <a:extLst>
                   <a:ext uri="{0D108BD9-81ED-4DB2-BD59-A6C34878D82A}">
-                    <a16:rowId xmlns:a16="http://schemas.microsoft.com/office/drawing/2014/main" xmlns="" val="10000"/>
+                    <a16:rowId xmlns="" xmlns:a16="http://schemas.microsoft.com/office/drawing/2014/main" val="10000"/>
                   </a:ext>
                 </a:extLst>
               </a:tr>
@@ -31179,14 +30917,14 @@
                 <a:gridCol w="311106">
                   <a:extLst>
                     <a:ext uri="{9D8B030D-6E8A-4147-A177-3AD203B41FA5}">
-                      <a16:colId xmlns:a16="http://schemas.microsoft.com/office/drawing/2014/main" xmlns="" val="20000"/>
+                      <a16:colId xmlns="" xmlns:a16="http://schemas.microsoft.com/office/drawing/2014/main" val="20000"/>
                     </a:ext>
                   </a:extLst>
                 </a:gridCol>
                 <a:gridCol w="2558644">
                   <a:extLst>
                     <a:ext uri="{9D8B030D-6E8A-4147-A177-3AD203B41FA5}">
-                      <a16:colId xmlns:a16="http://schemas.microsoft.com/office/drawing/2014/main" xmlns="" val="20001"/>
+                      <a16:colId xmlns="" xmlns:a16="http://schemas.microsoft.com/office/drawing/2014/main" val="20001"/>
                     </a:ext>
                   </a:extLst>
                 </a:gridCol>
@@ -31344,7 +31082,7 @@
                 </a:tc>
                 <a:extLst>
                   <a:ext uri="{0D108BD9-81ED-4DB2-BD59-A6C34878D82A}">
-                    <a16:rowId xmlns:a16="http://schemas.microsoft.com/office/drawing/2014/main" xmlns="" val="10000"/>
+                    <a16:rowId xmlns="" xmlns:a16="http://schemas.microsoft.com/office/drawing/2014/main" val="10000"/>
                   </a:ext>
                 </a:extLst>
               </a:tr>
@@ -31501,7 +31239,7 @@
                 </a:tc>
                 <a:extLst>
                   <a:ext uri="{0D108BD9-81ED-4DB2-BD59-A6C34878D82A}">
-                    <a16:rowId xmlns:a16="http://schemas.microsoft.com/office/drawing/2014/main" xmlns="" val="10001"/>
+                    <a16:rowId xmlns="" xmlns:a16="http://schemas.microsoft.com/office/drawing/2014/main" val="10001"/>
                   </a:ext>
                 </a:extLst>
               </a:tr>
@@ -31659,7 +31397,7 @@
                 </a:tc>
                 <a:extLst>
                   <a:ext uri="{0D108BD9-81ED-4DB2-BD59-A6C34878D82A}">
-                    <a16:rowId xmlns:a16="http://schemas.microsoft.com/office/drawing/2014/main" xmlns="" val="10002"/>
+                    <a16:rowId xmlns="" xmlns:a16="http://schemas.microsoft.com/office/drawing/2014/main" val="10002"/>
                   </a:ext>
                 </a:extLst>
               </a:tr>
@@ -32055,14 +31793,14 @@
                 <a:gridCol w="1152128">
                   <a:extLst>
                     <a:ext uri="{9D8B030D-6E8A-4147-A177-3AD203B41FA5}">
-                      <a16:colId xmlns:a16="http://schemas.microsoft.com/office/drawing/2014/main" xmlns="" val="20000"/>
+                      <a16:colId xmlns="" xmlns:a16="http://schemas.microsoft.com/office/drawing/2014/main" val="20000"/>
                     </a:ext>
                   </a:extLst>
                 </a:gridCol>
                 <a:gridCol w="4896544">
                   <a:extLst>
                     <a:ext uri="{9D8B030D-6E8A-4147-A177-3AD203B41FA5}">
-                      <a16:colId xmlns:a16="http://schemas.microsoft.com/office/drawing/2014/main" xmlns="" val="20001"/>
+                      <a16:colId xmlns="" xmlns:a16="http://schemas.microsoft.com/office/drawing/2014/main" val="20001"/>
                     </a:ext>
                   </a:extLst>
                 </a:gridCol>
@@ -32230,7 +31968,7 @@
                 </a:tc>
                 <a:extLst>
                   <a:ext uri="{0D108BD9-81ED-4DB2-BD59-A6C34878D82A}">
-                    <a16:rowId xmlns:a16="http://schemas.microsoft.com/office/drawing/2014/main" xmlns="" val="10000"/>
+                    <a16:rowId xmlns="" xmlns:a16="http://schemas.microsoft.com/office/drawing/2014/main" val="10000"/>
                   </a:ext>
                 </a:extLst>
               </a:tr>
@@ -32245,12 +31983,16 @@
             <a:graphicFrameLocks noGrp="1"/>
           </p:cNvGraphicFramePr>
           <p:nvPr>
-            <p:extLst/>
+            <p:extLst>
+              <p:ext uri="{D42A27DB-BD31-4B8C-83A1-F6EECF244321}">
+                <p14:modId xmlns:p14="http://schemas.microsoft.com/office/powerpoint/2010/main" val="2395344618"/>
+              </p:ext>
+            </p:extLst>
           </p:nvPr>
         </p:nvGraphicFramePr>
         <p:xfrm>
-          <a:off x="8213590" y="356415"/>
-          <a:ext cx="2230842" cy="640100"/>
+          <a:off x="8213589" y="356415"/>
+          <a:ext cx="2666077" cy="640100"/>
         </p:xfrm>
         <a:graphic>
           <a:graphicData uri="http://schemas.openxmlformats.org/drawingml/2006/table">
@@ -32259,7 +32001,7 @@
                 <a:noFill/>
               </a:tblPr>
               <a:tblGrid>
-                <a:gridCol w="2230842"/>
+                <a:gridCol w="2666077"/>
               </a:tblGrid>
               <a:tr h="168164">
                 <a:tc>
@@ -32366,14 +32108,14 @@
                         <a:defRPr/>
                       </a:pPr>
                       <a:r>
-                        <a:rPr lang="en-US" altLang="ko-KR" sz="1500" b="0" u="none" strike="noStrike" cap="none" smtClean="0">
+                        <a:rPr lang="en-US" altLang="ko-KR" sz="1500" b="0" u="none" strike="noStrike" cap="none" dirty="0" err="1" smtClean="0">
                           <a:solidFill>
                             <a:schemeClr val="dk1"/>
                           </a:solidFill>
                         </a:rPr>
                         <a:t>kb_user_w_semiZoneIntro</a:t>
                       </a:r>
-                      <a:endParaRPr lang="en-US" altLang="ko-KR" sz="1500" b="0" u="none" strike="noStrike" cap="none" smtClean="0">
+                      <a:endParaRPr lang="en-US" altLang="ko-KR" sz="1500" b="0" u="none" strike="noStrike" cap="none" dirty="0" smtClean="0">
                         <a:solidFill>
                           <a:schemeClr val="dk1"/>
                         </a:solidFill>
@@ -32588,14 +32330,14 @@
                 <a:gridCol w="311106">
                   <a:extLst>
                     <a:ext uri="{9D8B030D-6E8A-4147-A177-3AD203B41FA5}">
-                      <a16:colId xmlns:a16="http://schemas.microsoft.com/office/drawing/2014/main" xmlns="" val="20000"/>
+                      <a16:colId xmlns="" xmlns:a16="http://schemas.microsoft.com/office/drawing/2014/main" val="20000"/>
                     </a:ext>
                   </a:extLst>
                 </a:gridCol>
                 <a:gridCol w="2558644">
                   <a:extLst>
                     <a:ext uri="{9D8B030D-6E8A-4147-A177-3AD203B41FA5}">
-                      <a16:colId xmlns:a16="http://schemas.microsoft.com/office/drawing/2014/main" xmlns="" val="20001"/>
+                      <a16:colId xmlns="" xmlns:a16="http://schemas.microsoft.com/office/drawing/2014/main" val="20001"/>
                     </a:ext>
                   </a:extLst>
                 </a:gridCol>
@@ -32753,7 +32495,7 @@
                 </a:tc>
                 <a:extLst>
                   <a:ext uri="{0D108BD9-81ED-4DB2-BD59-A6C34878D82A}">
-                    <a16:rowId xmlns:a16="http://schemas.microsoft.com/office/drawing/2014/main" xmlns="" val="10000"/>
+                    <a16:rowId xmlns="" xmlns:a16="http://schemas.microsoft.com/office/drawing/2014/main" val="10000"/>
                   </a:ext>
                 </a:extLst>
               </a:tr>
@@ -32910,7 +32652,7 @@
                 </a:tc>
                 <a:extLst>
                   <a:ext uri="{0D108BD9-81ED-4DB2-BD59-A6C34878D82A}">
-                    <a16:rowId xmlns:a16="http://schemas.microsoft.com/office/drawing/2014/main" xmlns="" val="10001"/>
+                    <a16:rowId xmlns="" xmlns:a16="http://schemas.microsoft.com/office/drawing/2014/main" val="10001"/>
                   </a:ext>
                 </a:extLst>
               </a:tr>
@@ -33041,7 +32783,7 @@
                 </a:tc>
                 <a:extLst>
                   <a:ext uri="{0D108BD9-81ED-4DB2-BD59-A6C34878D82A}">
-                    <a16:rowId xmlns:a16="http://schemas.microsoft.com/office/drawing/2014/main" xmlns="" val="10002"/>
+                    <a16:rowId xmlns="" xmlns:a16="http://schemas.microsoft.com/office/drawing/2014/main" val="10002"/>
                   </a:ext>
                 </a:extLst>
               </a:tr>
@@ -33437,14 +33179,14 @@
                 <a:gridCol w="1152128">
                   <a:extLst>
                     <a:ext uri="{9D8B030D-6E8A-4147-A177-3AD203B41FA5}">
-                      <a16:colId xmlns:a16="http://schemas.microsoft.com/office/drawing/2014/main" xmlns="" val="20000"/>
+                      <a16:colId xmlns="" xmlns:a16="http://schemas.microsoft.com/office/drawing/2014/main" val="20000"/>
                     </a:ext>
                   </a:extLst>
                 </a:gridCol>
                 <a:gridCol w="4896544">
                   <a:extLst>
                     <a:ext uri="{9D8B030D-6E8A-4147-A177-3AD203B41FA5}">
-                      <a16:colId xmlns:a16="http://schemas.microsoft.com/office/drawing/2014/main" xmlns="" val="20001"/>
+                      <a16:colId xmlns="" xmlns:a16="http://schemas.microsoft.com/office/drawing/2014/main" val="20001"/>
                     </a:ext>
                   </a:extLst>
                 </a:gridCol>
@@ -33628,7 +33370,7 @@
                 </a:tc>
                 <a:extLst>
                   <a:ext uri="{0D108BD9-81ED-4DB2-BD59-A6C34878D82A}">
-                    <a16:rowId xmlns:a16="http://schemas.microsoft.com/office/drawing/2014/main" xmlns="" val="10000"/>
+                    <a16:rowId xmlns="" xmlns:a16="http://schemas.microsoft.com/office/drawing/2014/main" val="10000"/>
                   </a:ext>
                 </a:extLst>
               </a:tr>
@@ -33643,12 +33385,16 @@
             <a:graphicFrameLocks noGrp="1"/>
           </p:cNvGraphicFramePr>
           <p:nvPr>
-            <p:extLst/>
+            <p:extLst>
+              <p:ext uri="{D42A27DB-BD31-4B8C-83A1-F6EECF244321}">
+                <p14:modId xmlns:p14="http://schemas.microsoft.com/office/powerpoint/2010/main" val="3711600246"/>
+              </p:ext>
+            </p:extLst>
           </p:nvPr>
         </p:nvGraphicFramePr>
         <p:xfrm>
-          <a:off x="8213590" y="356415"/>
-          <a:ext cx="2230842" cy="640100"/>
+          <a:off x="8213589" y="356415"/>
+          <a:ext cx="2640677" cy="640100"/>
         </p:xfrm>
         <a:graphic>
           <a:graphicData uri="http://schemas.openxmlformats.org/drawingml/2006/table">
@@ -33657,7 +33403,7 @@
                 <a:noFill/>
               </a:tblPr>
               <a:tblGrid>
-                <a:gridCol w="2230842"/>
+                <a:gridCol w="2640677"/>
               </a:tblGrid>
               <a:tr h="168164">
                 <a:tc>
@@ -33764,14 +33510,14 @@
                         <a:defRPr/>
                       </a:pPr>
                       <a:r>
-                        <a:rPr lang="en-US" altLang="ko-KR" sz="1500" b="0" u="none" strike="noStrike" cap="none" smtClean="0">
+                        <a:rPr lang="en-US" altLang="ko-KR" sz="1500" b="0" u="none" strike="noStrike" cap="none" dirty="0" err="1" smtClean="0">
                           <a:solidFill>
                             <a:schemeClr val="dk1"/>
                           </a:solidFill>
                         </a:rPr>
                         <a:t>kb_user_m_semiZoneIntro</a:t>
                       </a:r>
-                      <a:endParaRPr lang="en-US" altLang="ko-KR" sz="1500" b="0" u="none" strike="noStrike" cap="none" smtClean="0">
+                      <a:endParaRPr lang="en-US" altLang="ko-KR" sz="1500" b="0" u="none" strike="noStrike" cap="none" dirty="0" smtClean="0">
                         <a:solidFill>
                           <a:schemeClr val="dk1"/>
                         </a:solidFill>
@@ -34100,7 +33846,7 @@
   <a:extraClrSchemeLst/>
   <a:extLst>
     <a:ext uri="{05A4C25C-085E-4340-85A3-A5531E510DB2}">
-      <thm15:themeFamily xmlns:thm15="http://schemas.microsoft.com/office/thememl/2012/main" name="Office Theme" id="{62F939B6-93AF-4DB8-9C6B-D6C7DFDC589F}" vid="{4A3C46E8-61CC-4603-A589-7422A47A8E4A}"/>
+      <thm15:themeFamily xmlns:thm15="http://schemas.microsoft.com/office/thememl/2012/main" xmlns="" name="Office Theme" id="{62F939B6-93AF-4DB8-9C6B-D6C7DFDC589F}" vid="{4A3C46E8-61CC-4603-A589-7422A47A8E4A}"/>
     </a:ext>
   </a:extLst>
 </a:theme>
@@ -34361,7 +34107,7 @@
   <a:extraClrSchemeLst/>
   <a:extLst>
     <a:ext uri="{05A4C25C-085E-4340-85A3-A5531E510DB2}">
-      <thm15:themeFamily xmlns:thm15="http://schemas.microsoft.com/office/thememl/2012/main" name="Office Theme" id="{62F939B6-93AF-4DB8-9C6B-D6C7DFDC589F}" vid="{4A3C46E8-61CC-4603-A589-7422A47A8E4A}"/>
+      <thm15:themeFamily xmlns:thm15="http://schemas.microsoft.com/office/thememl/2012/main" xmlns="" name="Office Theme" id="{62F939B6-93AF-4DB8-9C6B-D6C7DFDC589F}" vid="{4A3C46E8-61CC-4603-A589-7422A47A8E4A}"/>
     </a:ext>
   </a:extLst>
 </a:theme>

--- a/0 발표용 파워포인트/project05 - 파워포인트 종합 - 기범.pptx
+++ b/0 발표용 파워포인트/project05 - 파워포인트 종합 - 기범.pptx
@@ -226,7 +226,7 @@
             <a:fld id="{EFE7F2A0-C7D9-4DBD-AE3B-C1A712DCE501}" type="datetimeFigureOut">
               <a:rPr lang="ko-KR" altLang="en-US" smtClean="0"/>
               <a:pPr/>
-              <a:t>2020-04-02</a:t>
+              <a:t>2020-04-07</a:t>
             </a:fld>
             <a:endParaRPr lang="ko-KR" altLang="en-US"/>
           </a:p>
@@ -627,7 +627,7 @@
             <a:fld id="{272C3D53-FEDF-49EC-8F65-FFFC138B637E}" type="datetimeFigureOut">
               <a:rPr lang="ko-KR" altLang="en-US" smtClean="0"/>
               <a:pPr/>
-              <a:t>2020-04-02</a:t>
+              <a:t>2020-04-07</a:t>
             </a:fld>
             <a:endParaRPr lang="ko-KR" altLang="en-US"/>
           </a:p>
@@ -799,7 +799,7 @@
             <a:fld id="{272C3D53-FEDF-49EC-8F65-FFFC138B637E}" type="datetimeFigureOut">
               <a:rPr lang="ko-KR" altLang="en-US" smtClean="0"/>
               <a:pPr/>
-              <a:t>2020-04-02</a:t>
+              <a:t>2020-04-07</a:t>
             </a:fld>
             <a:endParaRPr lang="ko-KR" altLang="en-US"/>
           </a:p>
@@ -981,7 +981,7 @@
             <a:fld id="{272C3D53-FEDF-49EC-8F65-FFFC138B637E}" type="datetimeFigureOut">
               <a:rPr lang="ko-KR" altLang="en-US" smtClean="0"/>
               <a:pPr/>
-              <a:t>2020-04-02</a:t>
+              <a:t>2020-04-07</a:t>
             </a:fld>
             <a:endParaRPr lang="ko-KR" altLang="en-US"/>
           </a:p>
@@ -1177,7 +1177,7 @@
             <a:fld id="{ED3D6733-6F27-4404-AB51-585418F146E5}" type="datetimeFigureOut">
               <a:rPr lang="ko-KR" altLang="en-US" smtClean="0"/>
               <a:pPr/>
-              <a:t>2020-04-02</a:t>
+              <a:t>2020-04-07</a:t>
             </a:fld>
             <a:endParaRPr lang="ko-KR" altLang="en-US"/>
           </a:p>
@@ -1470,7 +1470,7 @@
             <a:fld id="{272C3D53-FEDF-49EC-8F65-FFFC138B637E}" type="datetimeFigureOut">
               <a:rPr lang="ko-KR" altLang="en-US" smtClean="0"/>
               <a:pPr/>
-              <a:t>2020-04-02</a:t>
+              <a:t>2020-04-07</a:t>
             </a:fld>
             <a:endParaRPr lang="ko-KR" altLang="en-US"/>
           </a:p>
@@ -1718,7 +1718,7 @@
             <a:fld id="{272C3D53-FEDF-49EC-8F65-FFFC138B637E}" type="datetimeFigureOut">
               <a:rPr lang="ko-KR" altLang="en-US" smtClean="0"/>
               <a:pPr/>
-              <a:t>2020-04-02</a:t>
+              <a:t>2020-04-07</a:t>
             </a:fld>
             <a:endParaRPr lang="ko-KR" altLang="en-US"/>
           </a:p>
@@ -1952,7 +1952,7 @@
             <a:fld id="{272C3D53-FEDF-49EC-8F65-FFFC138B637E}" type="datetimeFigureOut">
               <a:rPr lang="ko-KR" altLang="en-US" smtClean="0"/>
               <a:pPr/>
-              <a:t>2020-04-02</a:t>
+              <a:t>2020-04-07</a:t>
             </a:fld>
             <a:endParaRPr lang="ko-KR" altLang="en-US"/>
           </a:p>
@@ -2321,7 +2321,7 @@
             <a:fld id="{272C3D53-FEDF-49EC-8F65-FFFC138B637E}" type="datetimeFigureOut">
               <a:rPr lang="ko-KR" altLang="en-US" smtClean="0"/>
               <a:pPr/>
-              <a:t>2020-04-02</a:t>
+              <a:t>2020-04-07</a:t>
             </a:fld>
             <a:endParaRPr lang="ko-KR" altLang="en-US"/>
           </a:p>
@@ -2441,7 +2441,7 @@
             <a:fld id="{272C3D53-FEDF-49EC-8F65-FFFC138B637E}" type="datetimeFigureOut">
               <a:rPr lang="ko-KR" altLang="en-US" smtClean="0"/>
               <a:pPr/>
-              <a:t>2020-04-02</a:t>
+              <a:t>2020-04-07</a:t>
             </a:fld>
             <a:endParaRPr lang="ko-KR" altLang="en-US"/>
           </a:p>
@@ -2538,7 +2538,7 @@
             <a:fld id="{272C3D53-FEDF-49EC-8F65-FFFC138B637E}" type="datetimeFigureOut">
               <a:rPr lang="ko-KR" altLang="en-US" smtClean="0"/>
               <a:pPr/>
-              <a:t>2020-04-02</a:t>
+              <a:t>2020-04-07</a:t>
             </a:fld>
             <a:endParaRPr lang="ko-KR" altLang="en-US"/>
           </a:p>
@@ -2817,7 +2817,7 @@
             <a:fld id="{272C3D53-FEDF-49EC-8F65-FFFC138B637E}" type="datetimeFigureOut">
               <a:rPr lang="ko-KR" altLang="en-US" smtClean="0"/>
               <a:pPr/>
-              <a:t>2020-04-02</a:t>
+              <a:t>2020-04-07</a:t>
             </a:fld>
             <a:endParaRPr lang="ko-KR" altLang="en-US"/>
           </a:p>
@@ -3072,7 +3072,7 @@
             <a:fld id="{272C3D53-FEDF-49EC-8F65-FFFC138B637E}" type="datetimeFigureOut">
               <a:rPr lang="ko-KR" altLang="en-US" smtClean="0"/>
               <a:pPr/>
-              <a:t>2020-04-02</a:t>
+              <a:t>2020-04-07</a:t>
             </a:fld>
             <a:endParaRPr lang="ko-KR" altLang="en-US"/>
           </a:p>
@@ -3287,7 +3287,7 @@
             <a:fld id="{272C3D53-FEDF-49EC-8F65-FFFC138B637E}" type="datetimeFigureOut">
               <a:rPr lang="ko-KR" altLang="en-US" smtClean="0"/>
               <a:pPr/>
-              <a:t>2020-04-02</a:t>
+              <a:t>2020-04-07</a:t>
             </a:fld>
             <a:endParaRPr lang="ko-KR" altLang="en-US"/>
           </a:p>
@@ -3828,22 +3828,42 @@
               <a:defRPr/>
             </a:pPr>
             <a:r>
-              <a:rPr lang="ko-KR" altLang="en-US" sz="4400" b="0"/>
+              <a:rPr lang="en-US" altLang="ko-KR" sz="4000" b="0" smtClean="0"/>
+              <a:t>[</a:t>
+            </a:r>
+            <a:r>
+              <a:rPr lang="ko-KR" altLang="en-US" sz="4000" b="0" smtClean="0"/>
+              <a:t>화면설계</a:t>
+            </a:r>
+            <a:r>
+              <a:rPr lang="en-US" altLang="ko-KR" sz="4000" b="0" smtClean="0"/>
+              <a:t>]</a:t>
+            </a:r>
+            <a:r>
+              <a:rPr lang="ko-KR" altLang="en-US" sz="4000" b="0" smtClean="0"/>
+              <a:t>사용자 </a:t>
+            </a:r>
+            <a:r>
+              <a:rPr lang="en-US" altLang="ko-KR" sz="4000" b="0" smtClean="0"/>
+              <a:t>- </a:t>
+            </a:r>
+            <a:r>
+              <a:rPr lang="ko-KR" altLang="en-US" sz="4000" b="0" smtClean="0"/>
               <a:t>세미나존 </a:t>
             </a:r>
             <a:r>
-              <a:rPr lang="ko-KR" altLang="en-US" sz="4400" b="0" smtClean="0"/>
+              <a:rPr lang="ko-KR" altLang="en-US" sz="4000" b="0" smtClean="0"/>
               <a:t>정보</a:t>
             </a:r>
             <a:r>
-              <a:rPr lang="en-US" altLang="ko-KR" sz="4400" b="0" smtClean="0"/>
+              <a:rPr lang="en-US" altLang="ko-KR" sz="4000" b="0" smtClean="0"/>
               <a:t>-</a:t>
             </a:r>
             <a:r>
-              <a:rPr lang="ko-KR" altLang="en-US" sz="4400" b="0" smtClean="0"/>
+              <a:rPr lang="ko-KR" altLang="en-US" sz="4000" b="0" smtClean="0"/>
               <a:t>모바일</a:t>
             </a:r>
-            <a:endParaRPr lang="ko-KR" altLang="en-US" sz="4400" b="0" dirty="0"/>
+            <a:endParaRPr lang="ko-KR" altLang="en-US" sz="4000" b="0" dirty="0"/>
           </a:p>
         </p:txBody>
       </p:sp>
@@ -3920,14 +3940,14 @@
                 <a:gridCol w="311106">
                   <a:extLst>
                     <a:ext uri="{9D8B030D-6E8A-4147-A177-3AD203B41FA5}">
-                      <a16:colId xmlns:a16="http://schemas.microsoft.com/office/drawing/2014/main" xmlns="" val="20000"/>
+                      <a16:colId xmlns="" xmlns:a16="http://schemas.microsoft.com/office/drawing/2014/main" val="20000"/>
                     </a:ext>
                   </a:extLst>
                 </a:gridCol>
                 <a:gridCol w="2558644">
                   <a:extLst>
                     <a:ext uri="{9D8B030D-6E8A-4147-A177-3AD203B41FA5}">
-                      <a16:colId xmlns:a16="http://schemas.microsoft.com/office/drawing/2014/main" xmlns="" val="20001"/>
+                      <a16:colId xmlns="" xmlns:a16="http://schemas.microsoft.com/office/drawing/2014/main" val="20001"/>
                     </a:ext>
                   </a:extLst>
                 </a:gridCol>
@@ -4085,7 +4105,7 @@
                 </a:tc>
                 <a:extLst>
                   <a:ext uri="{0D108BD9-81ED-4DB2-BD59-A6C34878D82A}">
-                    <a16:rowId xmlns:a16="http://schemas.microsoft.com/office/drawing/2014/main" xmlns="" val="10000"/>
+                    <a16:rowId xmlns="" xmlns:a16="http://schemas.microsoft.com/office/drawing/2014/main" val="10000"/>
                   </a:ext>
                 </a:extLst>
               </a:tr>
@@ -4242,7 +4262,7 @@
                 </a:tc>
                 <a:extLst>
                   <a:ext uri="{0D108BD9-81ED-4DB2-BD59-A6C34878D82A}">
-                    <a16:rowId xmlns:a16="http://schemas.microsoft.com/office/drawing/2014/main" xmlns="" val="10001"/>
+                    <a16:rowId xmlns="" xmlns:a16="http://schemas.microsoft.com/office/drawing/2014/main" val="10001"/>
                   </a:ext>
                 </a:extLst>
               </a:tr>
@@ -4373,7 +4393,7 @@
                 </a:tc>
                 <a:extLst>
                   <a:ext uri="{0D108BD9-81ED-4DB2-BD59-A6C34878D82A}">
-                    <a16:rowId xmlns:a16="http://schemas.microsoft.com/office/drawing/2014/main" xmlns="" val="10002"/>
+                    <a16:rowId xmlns="" xmlns:a16="http://schemas.microsoft.com/office/drawing/2014/main" val="10002"/>
                   </a:ext>
                 </a:extLst>
               </a:tr>
@@ -4715,8 +4735,32 @@
               <a:defRPr/>
             </a:pPr>
             <a:r>
-              <a:rPr lang="ko-KR" altLang="en-US" sz="4400" b="0"/>
-              <a:t>세미나존 후기 목록</a:t>
+              <a:rPr lang="en-US" altLang="ko-KR" sz="4000" b="0" smtClean="0"/>
+              <a:t>[</a:t>
+            </a:r>
+            <a:r>
+              <a:rPr lang="ko-KR" altLang="en-US" sz="4000" b="0" smtClean="0"/>
+              <a:t>화면설계</a:t>
+            </a:r>
+            <a:r>
+              <a:rPr lang="en-US" altLang="ko-KR" sz="4000" b="0" smtClean="0"/>
+              <a:t>]</a:t>
+            </a:r>
+            <a:r>
+              <a:rPr lang="ko-KR" altLang="en-US" sz="4000" b="0" smtClean="0"/>
+              <a:t>사용자 </a:t>
+            </a:r>
+            <a:r>
+              <a:rPr lang="en-US" altLang="ko-KR" sz="4000" b="0" smtClean="0"/>
+              <a:t>- </a:t>
+            </a:r>
+            <a:r>
+              <a:rPr lang="ko-KR" altLang="en-US" sz="4000" b="0" smtClean="0"/>
+              <a:t>세미나존 </a:t>
+            </a:r>
+            <a:r>
+              <a:rPr lang="ko-KR" altLang="en-US" sz="4000" b="0"/>
+              <a:t>후기 목록</a:t>
             </a:r>
           </a:p>
         </p:txBody>
@@ -4794,14 +4838,14 @@
                 <a:gridCol w="311106">
                   <a:extLst>
                     <a:ext uri="{9D8B030D-6E8A-4147-A177-3AD203B41FA5}">
-                      <a16:colId xmlns:a16="http://schemas.microsoft.com/office/drawing/2014/main" xmlns="" val="20000"/>
+                      <a16:colId xmlns="" xmlns:a16="http://schemas.microsoft.com/office/drawing/2014/main" val="20000"/>
                     </a:ext>
                   </a:extLst>
                 </a:gridCol>
                 <a:gridCol w="2558644">
                   <a:extLst>
                     <a:ext uri="{9D8B030D-6E8A-4147-A177-3AD203B41FA5}">
-                      <a16:colId xmlns:a16="http://schemas.microsoft.com/office/drawing/2014/main" xmlns="" val="20001"/>
+                      <a16:colId xmlns="" xmlns:a16="http://schemas.microsoft.com/office/drawing/2014/main" val="20001"/>
                     </a:ext>
                   </a:extLst>
                 </a:gridCol>
@@ -4959,7 +5003,7 @@
                 </a:tc>
                 <a:extLst>
                   <a:ext uri="{0D108BD9-81ED-4DB2-BD59-A6C34878D82A}">
-                    <a16:rowId xmlns:a16="http://schemas.microsoft.com/office/drawing/2014/main" xmlns="" val="10000"/>
+                    <a16:rowId xmlns="" xmlns:a16="http://schemas.microsoft.com/office/drawing/2014/main" val="10000"/>
                   </a:ext>
                 </a:extLst>
               </a:tr>
@@ -5156,7 +5200,7 @@
                 </a:tc>
                 <a:extLst>
                   <a:ext uri="{0D108BD9-81ED-4DB2-BD59-A6C34878D82A}">
-                    <a16:rowId xmlns:a16="http://schemas.microsoft.com/office/drawing/2014/main" xmlns="" val="10001"/>
+                    <a16:rowId xmlns="" xmlns:a16="http://schemas.microsoft.com/office/drawing/2014/main" val="10001"/>
                   </a:ext>
                 </a:extLst>
               </a:tr>
@@ -5314,7 +5358,7 @@
                 </a:tc>
                 <a:extLst>
                   <a:ext uri="{0D108BD9-81ED-4DB2-BD59-A6C34878D82A}">
-                    <a16:rowId xmlns:a16="http://schemas.microsoft.com/office/drawing/2014/main" xmlns="" val="10002"/>
+                    <a16:rowId xmlns="" xmlns:a16="http://schemas.microsoft.com/office/drawing/2014/main" val="10002"/>
                   </a:ext>
                 </a:extLst>
               </a:tr>
@@ -5599,26 +5643,46 @@
               <a:defRPr/>
             </a:pPr>
             <a:r>
-              <a:rPr lang="ko-KR" altLang="en-US" sz="4400" b="0"/>
+              <a:rPr lang="en-US" altLang="ko-KR" sz="3200" b="0" smtClean="0"/>
+              <a:t>[</a:t>
+            </a:r>
+            <a:r>
+              <a:rPr lang="ko-KR" altLang="en-US" sz="3200" b="0" smtClean="0"/>
+              <a:t>화면설계</a:t>
+            </a:r>
+            <a:r>
+              <a:rPr lang="en-US" altLang="ko-KR" sz="3200" b="0" smtClean="0"/>
+              <a:t>] </a:t>
+            </a:r>
+            <a:r>
+              <a:rPr lang="ko-KR" altLang="en-US" sz="3200" b="0" smtClean="0"/>
+              <a:t>사용자 </a:t>
+            </a:r>
+            <a:r>
+              <a:rPr lang="en-US" altLang="ko-KR" sz="3200" b="0" smtClean="0"/>
+              <a:t>- </a:t>
+            </a:r>
+            <a:r>
+              <a:rPr lang="ko-KR" altLang="en-US" sz="3200" b="0" smtClean="0"/>
               <a:t>세미나존 </a:t>
             </a:r>
             <a:r>
-              <a:rPr lang="ko-KR" altLang="en-US" sz="4400" b="0"/>
+              <a:rPr lang="ko-KR" altLang="en-US" sz="3200" b="0"/>
               <a:t>후기 </a:t>
             </a:r>
             <a:r>
-              <a:rPr lang="ko-KR" altLang="en-US" sz="4400" b="0" smtClean="0"/>
+              <a:rPr lang="ko-KR" altLang="en-US" sz="3200" b="0" smtClean="0"/>
               <a:t>목록 </a:t>
             </a:r>
             <a:r>
-              <a:rPr lang="en-US" altLang="ko-KR" sz="4400" b="0" smtClean="0"/>
+              <a:rPr lang="en-US" altLang="ko-KR" sz="3200" b="0" smtClean="0"/>
               <a:t>-</a:t>
             </a:r>
             <a:r>
-              <a:rPr lang="ko-KR" altLang="en-US" sz="4400" b="0" smtClean="0"/>
+              <a:rPr lang="ko-KR" altLang="en-US" sz="3200" b="0" smtClean="0"/>
               <a:t>상세내용</a:t>
             </a:r>
-            <a:endParaRPr lang="ko-KR" altLang="en-US" sz="4400" b="0"/>
+            <a:endParaRPr lang="ko-KR" altLang="en-US" sz="3200" b="0"/>
           </a:p>
         </p:txBody>
       </p:sp>
@@ -5695,14 +5759,14 @@
                 <a:gridCol w="311106">
                   <a:extLst>
                     <a:ext uri="{9D8B030D-6E8A-4147-A177-3AD203B41FA5}">
-                      <a16:colId xmlns:a16="http://schemas.microsoft.com/office/drawing/2014/main" xmlns="" val="20000"/>
+                      <a16:colId xmlns="" xmlns:a16="http://schemas.microsoft.com/office/drawing/2014/main" val="20000"/>
                     </a:ext>
                   </a:extLst>
                 </a:gridCol>
                 <a:gridCol w="2558644">
                   <a:extLst>
                     <a:ext uri="{9D8B030D-6E8A-4147-A177-3AD203B41FA5}">
-                      <a16:colId xmlns:a16="http://schemas.microsoft.com/office/drawing/2014/main" xmlns="" val="20001"/>
+                      <a16:colId xmlns="" xmlns:a16="http://schemas.microsoft.com/office/drawing/2014/main" val="20001"/>
                     </a:ext>
                   </a:extLst>
                 </a:gridCol>
@@ -5860,7 +5924,7 @@
                 </a:tc>
                 <a:extLst>
                   <a:ext uri="{0D108BD9-81ED-4DB2-BD59-A6C34878D82A}">
-                    <a16:rowId xmlns:a16="http://schemas.microsoft.com/office/drawing/2014/main" xmlns="" val="10000"/>
+                    <a16:rowId xmlns="" xmlns:a16="http://schemas.microsoft.com/office/drawing/2014/main" val="10000"/>
                   </a:ext>
                 </a:extLst>
               </a:tr>
@@ -6017,7 +6081,7 @@
                 </a:tc>
                 <a:extLst>
                   <a:ext uri="{0D108BD9-81ED-4DB2-BD59-A6C34878D82A}">
-                    <a16:rowId xmlns:a16="http://schemas.microsoft.com/office/drawing/2014/main" xmlns="" val="10001"/>
+                    <a16:rowId xmlns="" xmlns:a16="http://schemas.microsoft.com/office/drawing/2014/main" val="10001"/>
                   </a:ext>
                 </a:extLst>
               </a:tr>
@@ -6302,26 +6366,46 @@
               <a:defRPr/>
             </a:pPr>
             <a:r>
-              <a:rPr lang="ko-KR" altLang="en-US" sz="4400" b="0"/>
+              <a:rPr lang="en-US" altLang="ko-KR" sz="3200" b="0" smtClean="0"/>
+              <a:t>[</a:t>
+            </a:r>
+            <a:r>
+              <a:rPr lang="ko-KR" altLang="en-US" sz="3200" b="0" smtClean="0"/>
+              <a:t>화면설계</a:t>
+            </a:r>
+            <a:r>
+              <a:rPr lang="en-US" altLang="ko-KR" sz="3200" b="0" smtClean="0"/>
+              <a:t>] </a:t>
+            </a:r>
+            <a:r>
+              <a:rPr lang="ko-KR" altLang="en-US" sz="3200" b="0" smtClean="0"/>
+              <a:t>사용자 </a:t>
+            </a:r>
+            <a:r>
+              <a:rPr lang="en-US" altLang="ko-KR" sz="3200" b="0" smtClean="0"/>
+              <a:t>- </a:t>
+            </a:r>
+            <a:r>
+              <a:rPr lang="ko-KR" altLang="en-US" sz="3200" b="0" smtClean="0"/>
               <a:t>세미나존 </a:t>
             </a:r>
             <a:r>
-              <a:rPr lang="ko-KR" altLang="en-US" sz="4400" b="0"/>
+              <a:rPr lang="ko-KR" altLang="en-US" sz="3200" b="0"/>
               <a:t>후기 </a:t>
             </a:r>
             <a:r>
-              <a:rPr lang="ko-KR" altLang="en-US" sz="4400" b="0" smtClean="0"/>
+              <a:rPr lang="ko-KR" altLang="en-US" sz="3200" b="0" smtClean="0"/>
               <a:t>목록 </a:t>
             </a:r>
             <a:r>
-              <a:rPr lang="en-US" altLang="ko-KR" sz="4400" b="0" smtClean="0"/>
+              <a:rPr lang="en-US" altLang="ko-KR" sz="3200" b="0" smtClean="0"/>
               <a:t>-</a:t>
             </a:r>
             <a:r>
-              <a:rPr lang="ko-KR" altLang="en-US" sz="4400" b="0" smtClean="0"/>
+              <a:rPr lang="ko-KR" altLang="en-US" sz="3200" b="0" smtClean="0"/>
               <a:t>모바일</a:t>
             </a:r>
-            <a:endParaRPr lang="ko-KR" altLang="en-US" sz="4400" b="0"/>
+            <a:endParaRPr lang="ko-KR" altLang="en-US" sz="3200" b="0"/>
           </a:p>
         </p:txBody>
       </p:sp>
@@ -6398,14 +6482,14 @@
                 <a:gridCol w="311106">
                   <a:extLst>
                     <a:ext uri="{9D8B030D-6E8A-4147-A177-3AD203B41FA5}">
-                      <a16:colId xmlns:a16="http://schemas.microsoft.com/office/drawing/2014/main" xmlns="" val="20000"/>
+                      <a16:colId xmlns="" xmlns:a16="http://schemas.microsoft.com/office/drawing/2014/main" val="20000"/>
                     </a:ext>
                   </a:extLst>
                 </a:gridCol>
                 <a:gridCol w="2558644">
                   <a:extLst>
                     <a:ext uri="{9D8B030D-6E8A-4147-A177-3AD203B41FA5}">
-                      <a16:colId xmlns:a16="http://schemas.microsoft.com/office/drawing/2014/main" xmlns="" val="20001"/>
+                      <a16:colId xmlns="" xmlns:a16="http://schemas.microsoft.com/office/drawing/2014/main" val="20001"/>
                     </a:ext>
                   </a:extLst>
                 </a:gridCol>
@@ -6563,7 +6647,7 @@
                 </a:tc>
                 <a:extLst>
                   <a:ext uri="{0D108BD9-81ED-4DB2-BD59-A6C34878D82A}">
-                    <a16:rowId xmlns:a16="http://schemas.microsoft.com/office/drawing/2014/main" xmlns="" val="10000"/>
+                    <a16:rowId xmlns="" xmlns:a16="http://schemas.microsoft.com/office/drawing/2014/main" val="10000"/>
                   </a:ext>
                 </a:extLst>
               </a:tr>
@@ -6720,7 +6804,7 @@
                 </a:tc>
                 <a:extLst>
                   <a:ext uri="{0D108BD9-81ED-4DB2-BD59-A6C34878D82A}">
-                    <a16:rowId xmlns:a16="http://schemas.microsoft.com/office/drawing/2014/main" xmlns="" val="10001"/>
+                    <a16:rowId xmlns="" xmlns:a16="http://schemas.microsoft.com/office/drawing/2014/main" val="10001"/>
                   </a:ext>
                 </a:extLst>
               </a:tr>
@@ -7057,42 +7141,62 @@
               <a:defRPr/>
             </a:pPr>
             <a:r>
-              <a:rPr lang="ko-KR" altLang="en-US" sz="4000" b="0"/>
+              <a:rPr lang="en-US" altLang="ko-KR" sz="2800" b="0"/>
+              <a:t>[</a:t>
+            </a:r>
+            <a:r>
+              <a:rPr lang="ko-KR" altLang="en-US" sz="2800" b="0"/>
+              <a:t>화면설계</a:t>
+            </a:r>
+            <a:r>
+              <a:rPr lang="en-US" altLang="ko-KR" sz="2800" b="0" smtClean="0"/>
+              <a:t>]</a:t>
+            </a:r>
+            <a:r>
+              <a:rPr lang="ko-KR" altLang="en-US" sz="2800" b="0" smtClean="0"/>
+              <a:t>사용자</a:t>
+            </a:r>
+            <a:r>
+              <a:rPr lang="en-US" altLang="ko-KR" sz="2800" b="0" smtClean="0"/>
+              <a:t>- </a:t>
+            </a:r>
+            <a:r>
+              <a:rPr lang="ko-KR" altLang="en-US" sz="2800" b="0" smtClean="0"/>
               <a:t>세미나존 </a:t>
             </a:r>
             <a:r>
-              <a:rPr lang="ko-KR" altLang="en-US" sz="4000" b="0"/>
+              <a:rPr lang="ko-KR" altLang="en-US" sz="2800" b="0"/>
               <a:t>후기 </a:t>
             </a:r>
             <a:r>
-              <a:rPr lang="ko-KR" altLang="en-US" sz="4000" b="0" smtClean="0"/>
+              <a:rPr lang="ko-KR" altLang="en-US" sz="2800" b="0" smtClean="0"/>
               <a:t>목록</a:t>
             </a:r>
             <a:r>
-              <a:rPr lang="en-US" altLang="ko-KR" sz="4000" b="0" smtClean="0"/>
+              <a:rPr lang="en-US" altLang="ko-KR" sz="2800" b="0" smtClean="0"/>
               <a:t>(</a:t>
             </a:r>
             <a:r>
-              <a:rPr lang="ko-KR" altLang="en-US" sz="4000" b="0" smtClean="0"/>
+              <a:rPr lang="ko-KR" altLang="en-US" sz="2800" b="0" smtClean="0"/>
               <a:t>상세내용</a:t>
             </a:r>
             <a:r>
-              <a:rPr lang="en-US" altLang="ko-KR" sz="4000" b="0" smtClean="0"/>
+              <a:rPr lang="en-US" altLang="ko-KR" sz="2800" b="0" smtClean="0"/>
               <a:t>)</a:t>
             </a:r>
             <a:r>
-              <a:rPr lang="ko-KR" altLang="en-US" sz="4000" b="0" smtClean="0"/>
+              <a:rPr lang="ko-KR" altLang="en-US" sz="2800" b="0" smtClean="0"/>
               <a:t> </a:t>
             </a:r>
             <a:r>
-              <a:rPr lang="en-US" altLang="ko-KR" sz="4000" b="0" smtClean="0"/>
+              <a:rPr lang="en-US" altLang="ko-KR" sz="2800" b="0" smtClean="0"/>
               <a:t>-</a:t>
             </a:r>
             <a:r>
-              <a:rPr lang="ko-KR" altLang="en-US" sz="4000" b="0" smtClean="0"/>
+              <a:rPr lang="ko-KR" altLang="en-US" sz="2800" b="0" smtClean="0"/>
               <a:t>모바일</a:t>
             </a:r>
-            <a:endParaRPr lang="ko-KR" altLang="en-US" sz="4000" b="0"/>
+            <a:endParaRPr lang="ko-KR" altLang="en-US" sz="2800" b="0"/>
           </a:p>
         </p:txBody>
       </p:sp>
@@ -7169,14 +7273,14 @@
                 <a:gridCol w="311106">
                   <a:extLst>
                     <a:ext uri="{9D8B030D-6E8A-4147-A177-3AD203B41FA5}">
-                      <a16:colId xmlns:a16="http://schemas.microsoft.com/office/drawing/2014/main" xmlns="" val="20000"/>
+                      <a16:colId xmlns="" xmlns:a16="http://schemas.microsoft.com/office/drawing/2014/main" val="20000"/>
                     </a:ext>
                   </a:extLst>
                 </a:gridCol>
                 <a:gridCol w="2558644">
                   <a:extLst>
                     <a:ext uri="{9D8B030D-6E8A-4147-A177-3AD203B41FA5}">
-                      <a16:colId xmlns:a16="http://schemas.microsoft.com/office/drawing/2014/main" xmlns="" val="20001"/>
+                      <a16:colId xmlns="" xmlns:a16="http://schemas.microsoft.com/office/drawing/2014/main" val="20001"/>
                     </a:ext>
                   </a:extLst>
                 </a:gridCol>
@@ -7334,7 +7438,7 @@
                 </a:tc>
                 <a:extLst>
                   <a:ext uri="{0D108BD9-81ED-4DB2-BD59-A6C34878D82A}">
-                    <a16:rowId xmlns:a16="http://schemas.microsoft.com/office/drawing/2014/main" xmlns="" val="10000"/>
+                    <a16:rowId xmlns="" xmlns:a16="http://schemas.microsoft.com/office/drawing/2014/main" val="10000"/>
                   </a:ext>
                 </a:extLst>
               </a:tr>
@@ -7491,7 +7595,7 @@
                 </a:tc>
                 <a:extLst>
                   <a:ext uri="{0D108BD9-81ED-4DB2-BD59-A6C34878D82A}">
-                    <a16:rowId xmlns:a16="http://schemas.microsoft.com/office/drawing/2014/main" xmlns="" val="10001"/>
+                    <a16:rowId xmlns="" xmlns:a16="http://schemas.microsoft.com/office/drawing/2014/main" val="10001"/>
                   </a:ext>
                 </a:extLst>
               </a:tr>
@@ -7622,7 +7726,7 @@
                 </a:tc>
                 <a:extLst>
                   <a:ext uri="{0D108BD9-81ED-4DB2-BD59-A6C34878D82A}">
-                    <a16:rowId xmlns:a16="http://schemas.microsoft.com/office/drawing/2014/main" xmlns="" val="10002"/>
+                    <a16:rowId xmlns="" xmlns:a16="http://schemas.microsoft.com/office/drawing/2014/main" val="10002"/>
                   </a:ext>
                 </a:extLst>
               </a:tr>
@@ -7907,8 +8011,32 @@
               <a:defRPr/>
             </a:pPr>
             <a:r>
+              <a:rPr lang="en-US" altLang="ko-KR" sz="4000" b="0"/>
+              <a:t>[</a:t>
+            </a:r>
+            <a:r>
               <a:rPr lang="ko-KR" altLang="en-US" sz="4000" b="0"/>
-              <a:t>캐러셀 배너 관리</a:t>
+              <a:t>화면설계</a:t>
+            </a:r>
+            <a:r>
+              <a:rPr lang="en-US" altLang="ko-KR" sz="4000" b="0" smtClean="0"/>
+              <a:t>] </a:t>
+            </a:r>
+            <a:r>
+              <a:rPr lang="ko-KR" altLang="en-US" sz="4000" b="0" smtClean="0"/>
+              <a:t>관리자 </a:t>
+            </a:r>
+            <a:r>
+              <a:rPr lang="en-US" altLang="ko-KR" sz="4000" b="0" smtClean="0"/>
+              <a:t>- </a:t>
+            </a:r>
+            <a:r>
+              <a:rPr lang="ko-KR" altLang="en-US" sz="4000" b="0" smtClean="0"/>
+              <a:t>캐러셀 </a:t>
+            </a:r>
+            <a:r>
+              <a:rPr lang="ko-KR" altLang="en-US" sz="4000" b="0"/>
+              <a:t>배너 관리</a:t>
             </a:r>
           </a:p>
         </p:txBody>
@@ -7935,14 +8063,14 @@
                 <a:gridCol w="311106">
                   <a:extLst>
                     <a:ext uri="{9D8B030D-6E8A-4147-A177-3AD203B41FA5}">
-                      <a16:colId xmlns="" xmlns:a16="http://schemas.microsoft.com/office/drawing/2014/main" val="20000"/>
+                      <a16:colId xmlns:a16="http://schemas.microsoft.com/office/drawing/2014/main" xmlns="" val="20000"/>
                     </a:ext>
                   </a:extLst>
                 </a:gridCol>
                 <a:gridCol w="2558644">
                   <a:extLst>
                     <a:ext uri="{9D8B030D-6E8A-4147-A177-3AD203B41FA5}">
-                      <a16:colId xmlns="" xmlns:a16="http://schemas.microsoft.com/office/drawing/2014/main" val="20001"/>
+                      <a16:colId xmlns:a16="http://schemas.microsoft.com/office/drawing/2014/main" xmlns="" val="20001"/>
                     </a:ext>
                   </a:extLst>
                 </a:gridCol>
@@ -8100,7 +8228,7 @@
                 </a:tc>
                 <a:extLst>
                   <a:ext uri="{0D108BD9-81ED-4DB2-BD59-A6C34878D82A}">
-                    <a16:rowId xmlns="" xmlns:a16="http://schemas.microsoft.com/office/drawing/2014/main" val="10000"/>
+                    <a16:rowId xmlns:a16="http://schemas.microsoft.com/office/drawing/2014/main" xmlns="" val="10000"/>
                   </a:ext>
                 </a:extLst>
               </a:tr>
@@ -8248,7 +8376,7 @@
                 </a:tc>
                 <a:extLst>
                   <a:ext uri="{0D108BD9-81ED-4DB2-BD59-A6C34878D82A}">
-                    <a16:rowId xmlns="" xmlns:a16="http://schemas.microsoft.com/office/drawing/2014/main" val="10001"/>
+                    <a16:rowId xmlns:a16="http://schemas.microsoft.com/office/drawing/2014/main" xmlns="" val="10001"/>
                   </a:ext>
                 </a:extLst>
               </a:tr>
@@ -10930,20 +11058,28 @@
               <a:defRPr/>
             </a:pPr>
             <a:r>
+              <a:rPr lang="en-US" altLang="ko-KR" sz="4000" b="0"/>
+              <a:t>[</a:t>
+            </a:r>
+            <a:r>
               <a:rPr lang="ko-KR" altLang="en-US" sz="4000" b="0"/>
+              <a:t>화면설계</a:t>
+            </a:r>
+            <a:r>
+              <a:rPr lang="en-US" altLang="ko-KR" sz="4000" b="0" smtClean="0"/>
+              <a:t>] </a:t>
+            </a:r>
+            <a:r>
+              <a:rPr lang="ko-KR" altLang="en-US" sz="4000" b="0" smtClean="0"/>
+              <a:t>관리자</a:t>
+            </a:r>
+            <a:r>
+              <a:rPr lang="en-US" altLang="ko-KR" sz="4000" b="0" smtClean="0"/>
+              <a:t>- </a:t>
+            </a:r>
+            <a:r>
+              <a:rPr lang="ko-KR" altLang="en-US" sz="4000" b="0" smtClean="0"/>
               <a:t>회원정보관리</a:t>
-            </a:r>
-            <a:r>
-              <a:rPr lang="en-US" altLang="ko-KR" sz="4000" b="0"/>
-              <a:t>(</a:t>
-            </a:r>
-            <a:r>
-              <a:rPr lang="ko-KR" altLang="en-US" sz="4000" b="0"/>
-              <a:t>관리자</a:t>
-            </a:r>
-            <a:r>
-              <a:rPr lang="en-US" altLang="ko-KR" sz="4000" b="0"/>
-              <a:t>)</a:t>
             </a:r>
             <a:endParaRPr lang="ko-KR" altLang="en-US" sz="4000" b="0"/>
           </a:p>
@@ -11022,14 +11158,14 @@
                 <a:gridCol w="311106">
                   <a:extLst>
                     <a:ext uri="{9D8B030D-6E8A-4147-A177-3AD203B41FA5}">
-                      <a16:colId xmlns:a16="http://schemas.microsoft.com/office/drawing/2014/main" xmlns="" val="20000"/>
+                      <a16:colId xmlns="" xmlns:a16="http://schemas.microsoft.com/office/drawing/2014/main" val="20000"/>
                     </a:ext>
                   </a:extLst>
                 </a:gridCol>
                 <a:gridCol w="2558644">
                   <a:extLst>
                     <a:ext uri="{9D8B030D-6E8A-4147-A177-3AD203B41FA5}">
-                      <a16:colId xmlns:a16="http://schemas.microsoft.com/office/drawing/2014/main" xmlns="" val="20001"/>
+                      <a16:colId xmlns="" xmlns:a16="http://schemas.microsoft.com/office/drawing/2014/main" val="20001"/>
                     </a:ext>
                   </a:extLst>
                 </a:gridCol>
@@ -11187,7 +11323,7 @@
                 </a:tc>
                 <a:extLst>
                   <a:ext uri="{0D108BD9-81ED-4DB2-BD59-A6C34878D82A}">
-                    <a16:rowId xmlns:a16="http://schemas.microsoft.com/office/drawing/2014/main" xmlns="" val="10000"/>
+                    <a16:rowId xmlns="" xmlns:a16="http://schemas.microsoft.com/office/drawing/2014/main" val="10000"/>
                   </a:ext>
                 </a:extLst>
               </a:tr>
@@ -11395,7 +11531,7 @@
                 </a:tc>
                 <a:extLst>
                   <a:ext uri="{0D108BD9-81ED-4DB2-BD59-A6C34878D82A}">
-                    <a16:rowId xmlns:a16="http://schemas.microsoft.com/office/drawing/2014/main" xmlns="" val="10001"/>
+                    <a16:rowId xmlns="" xmlns:a16="http://schemas.microsoft.com/office/drawing/2014/main" val="10001"/>
                   </a:ext>
                 </a:extLst>
               </a:tr>
@@ -11530,7 +11666,7 @@
                 </a:tc>
                 <a:extLst>
                   <a:ext uri="{0D108BD9-81ED-4DB2-BD59-A6C34878D82A}">
-                    <a16:rowId xmlns:a16="http://schemas.microsoft.com/office/drawing/2014/main" xmlns="" val="10002"/>
+                    <a16:rowId xmlns="" xmlns:a16="http://schemas.microsoft.com/office/drawing/2014/main" val="10002"/>
                   </a:ext>
                 </a:extLst>
               </a:tr>
@@ -11867,8 +12003,32 @@
               <a:defRPr/>
             </a:pPr>
             <a:r>
+              <a:rPr lang="en-US" altLang="ko-KR" sz="4000" b="0"/>
+              <a:t>[</a:t>
+            </a:r>
+            <a:r>
               <a:rPr lang="ko-KR" altLang="en-US" sz="4000" b="0"/>
-              <a:t>세미나존 관리</a:t>
+              <a:t>화면설계</a:t>
+            </a:r>
+            <a:r>
+              <a:rPr lang="en-US" altLang="ko-KR" sz="4000" b="0"/>
+              <a:t>] </a:t>
+            </a:r>
+            <a:r>
+              <a:rPr lang="ko-KR" altLang="en-US" sz="4000" b="0" smtClean="0"/>
+              <a:t>관리자 </a:t>
+            </a:r>
+            <a:r>
+              <a:rPr lang="en-US" altLang="ko-KR" sz="4000" b="0" smtClean="0"/>
+              <a:t>- </a:t>
+            </a:r>
+            <a:r>
+              <a:rPr lang="ko-KR" altLang="en-US" sz="4000" b="0" smtClean="0"/>
+              <a:t>세미나존 </a:t>
+            </a:r>
+            <a:r>
+              <a:rPr lang="ko-KR" altLang="en-US" sz="4000" b="0"/>
+              <a:t>관리</a:t>
             </a:r>
           </a:p>
         </p:txBody>
@@ -11946,14 +12106,14 @@
                 <a:gridCol w="311106">
                   <a:extLst>
                     <a:ext uri="{9D8B030D-6E8A-4147-A177-3AD203B41FA5}">
-                      <a16:colId xmlns:a16="http://schemas.microsoft.com/office/drawing/2014/main" xmlns="" val="20000"/>
+                      <a16:colId xmlns="" xmlns:a16="http://schemas.microsoft.com/office/drawing/2014/main" val="20000"/>
                     </a:ext>
                   </a:extLst>
                 </a:gridCol>
                 <a:gridCol w="2558644">
                   <a:extLst>
                     <a:ext uri="{9D8B030D-6E8A-4147-A177-3AD203B41FA5}">
-                      <a16:colId xmlns:a16="http://schemas.microsoft.com/office/drawing/2014/main" xmlns="" val="20001"/>
+                      <a16:colId xmlns="" xmlns:a16="http://schemas.microsoft.com/office/drawing/2014/main" val="20001"/>
                     </a:ext>
                   </a:extLst>
                 </a:gridCol>
@@ -12111,7 +12271,7 @@
                 </a:tc>
                 <a:extLst>
                   <a:ext uri="{0D108BD9-81ED-4DB2-BD59-A6C34878D82A}">
-                    <a16:rowId xmlns:a16="http://schemas.microsoft.com/office/drawing/2014/main" xmlns="" val="10000"/>
+                    <a16:rowId xmlns="" xmlns:a16="http://schemas.microsoft.com/office/drawing/2014/main" val="10000"/>
                   </a:ext>
                 </a:extLst>
               </a:tr>
@@ -12268,7 +12428,7 @@
                 </a:tc>
                 <a:extLst>
                   <a:ext uri="{0D108BD9-81ED-4DB2-BD59-A6C34878D82A}">
-                    <a16:rowId xmlns:a16="http://schemas.microsoft.com/office/drawing/2014/main" xmlns="" val="10001"/>
+                    <a16:rowId xmlns="" xmlns:a16="http://schemas.microsoft.com/office/drawing/2014/main" val="10001"/>
                   </a:ext>
                 </a:extLst>
               </a:tr>
@@ -12399,7 +12559,7 @@
                 </a:tc>
                 <a:extLst>
                   <a:ext uri="{0D108BD9-81ED-4DB2-BD59-A6C34878D82A}">
-                    <a16:rowId xmlns:a16="http://schemas.microsoft.com/office/drawing/2014/main" xmlns="" val="10002"/>
+                    <a16:rowId xmlns="" xmlns:a16="http://schemas.microsoft.com/office/drawing/2014/main" val="10002"/>
                   </a:ext>
                 </a:extLst>
               </a:tr>
@@ -12679,8 +12839,32 @@
               <a:defRPr/>
             </a:pPr>
             <a:r>
-              <a:rPr lang="ko-KR" altLang="en-US" sz="4000" b="0"/>
-              <a:t>세미나존 등록 및 수정</a:t>
+              <a:rPr lang="en-US" altLang="ko-KR" sz="3600" b="0"/>
+              <a:t>[</a:t>
+            </a:r>
+            <a:r>
+              <a:rPr lang="ko-KR" altLang="en-US" sz="3600" b="0"/>
+              <a:t>화면설계</a:t>
+            </a:r>
+            <a:r>
+              <a:rPr lang="en-US" altLang="ko-KR" sz="3600" b="0"/>
+              <a:t>] </a:t>
+            </a:r>
+            <a:r>
+              <a:rPr lang="ko-KR" altLang="en-US" sz="3600" b="0" smtClean="0"/>
+              <a:t>관리자 </a:t>
+            </a:r>
+            <a:r>
+              <a:rPr lang="en-US" altLang="ko-KR" sz="3600" b="0" smtClean="0"/>
+              <a:t>-</a:t>
+            </a:r>
+            <a:r>
+              <a:rPr lang="ko-KR" altLang="en-US" sz="3600" b="0" smtClean="0"/>
+              <a:t>세미나존 </a:t>
+            </a:r>
+            <a:r>
+              <a:rPr lang="ko-KR" altLang="en-US" sz="3600" b="0"/>
+              <a:t>등록 및 수정</a:t>
             </a:r>
           </a:p>
         </p:txBody>
@@ -12758,14 +12942,14 @@
                 <a:gridCol w="311106">
                   <a:extLst>
                     <a:ext uri="{9D8B030D-6E8A-4147-A177-3AD203B41FA5}">
-                      <a16:colId xmlns:a16="http://schemas.microsoft.com/office/drawing/2014/main" xmlns="" val="20000"/>
+                      <a16:colId xmlns="" xmlns:a16="http://schemas.microsoft.com/office/drawing/2014/main" val="20000"/>
                     </a:ext>
                   </a:extLst>
                 </a:gridCol>
                 <a:gridCol w="2558644">
                   <a:extLst>
                     <a:ext uri="{9D8B030D-6E8A-4147-A177-3AD203B41FA5}">
-                      <a16:colId xmlns:a16="http://schemas.microsoft.com/office/drawing/2014/main" xmlns="" val="20001"/>
+                      <a16:colId xmlns="" xmlns:a16="http://schemas.microsoft.com/office/drawing/2014/main" val="20001"/>
                     </a:ext>
                   </a:extLst>
                 </a:gridCol>
@@ -12923,7 +13107,7 @@
                 </a:tc>
                 <a:extLst>
                   <a:ext uri="{0D108BD9-81ED-4DB2-BD59-A6C34878D82A}">
-                    <a16:rowId xmlns:a16="http://schemas.microsoft.com/office/drawing/2014/main" xmlns="" val="10000"/>
+                    <a16:rowId xmlns="" xmlns:a16="http://schemas.microsoft.com/office/drawing/2014/main" val="10000"/>
                   </a:ext>
                 </a:extLst>
               </a:tr>
@@ -13096,7 +13280,7 @@
                 </a:tc>
                 <a:extLst>
                   <a:ext uri="{0D108BD9-81ED-4DB2-BD59-A6C34878D82A}">
-                    <a16:rowId xmlns:a16="http://schemas.microsoft.com/office/drawing/2014/main" xmlns="" val="10001"/>
+                    <a16:rowId xmlns="" xmlns:a16="http://schemas.microsoft.com/office/drawing/2014/main" val="10001"/>
                   </a:ext>
                 </a:extLst>
               </a:tr>
@@ -13227,7 +13411,7 @@
                 </a:tc>
                 <a:extLst>
                   <a:ext uri="{0D108BD9-81ED-4DB2-BD59-A6C34878D82A}">
-                    <a16:rowId xmlns:a16="http://schemas.microsoft.com/office/drawing/2014/main" xmlns="" val="10002"/>
+                    <a16:rowId xmlns="" xmlns:a16="http://schemas.microsoft.com/office/drawing/2014/main" val="10002"/>
                   </a:ext>
                 </a:extLst>
               </a:tr>
@@ -13549,7 +13733,9 @@
         </p:nvSpPr>
         <p:spPr/>
         <p:txBody>
-          <a:bodyPr/>
+          <a:bodyPr>
+            <a:normAutofit fontScale="90000"/>
+          </a:bodyPr>
           <a:lstStyle/>
           <a:p>
             <a:pPr lvl="0">
@@ -13566,11 +13752,31 @@
               <a:defRPr/>
             </a:pPr>
             <a:r>
-              <a:rPr lang="ko-KR" altLang="en-US" sz="4400" b="0"/>
+              <a:rPr lang="en-US" altLang="ko-KR" sz="4400" b="0" smtClean="0"/>
+              <a:t>[</a:t>
+            </a:r>
+            <a:r>
+              <a:rPr lang="ko-KR" altLang="en-US" sz="4400" b="0" smtClean="0"/>
+              <a:t>화면설계</a:t>
+            </a:r>
+            <a:r>
+              <a:rPr lang="en-US" altLang="ko-KR" sz="4400" b="0" smtClean="0"/>
+              <a:t>] </a:t>
+            </a:r>
+            <a:r>
+              <a:rPr lang="ko-KR" altLang="en-US" sz="4400" b="0" smtClean="0"/>
+              <a:t>사용자 </a:t>
+            </a:r>
+            <a:r>
+              <a:rPr lang="en-US" altLang="ko-KR" sz="4400" b="0" smtClean="0"/>
+              <a:t>- </a:t>
+            </a:r>
+            <a:r>
+              <a:rPr lang="ko-KR" altLang="en-US" sz="4400" b="0" smtClean="0"/>
               <a:t>메인페이지</a:t>
             </a:r>
             <a:r>
-              <a:rPr lang="ko-KR" altLang="en-US" sz="2800" b="0"/>
+              <a:rPr lang="ko-KR" altLang="en-US" sz="2800" b="0" smtClean="0"/>
               <a:t> </a:t>
             </a:r>
             <a:r>
@@ -13705,14 +13911,14 @@
                 <a:gridCol w="311106">
                   <a:extLst>
                     <a:ext uri="{9D8B030D-6E8A-4147-A177-3AD203B41FA5}">
-                      <a16:colId xmlns:a16="http://schemas.microsoft.com/office/drawing/2014/main" xmlns="" val="20000"/>
+                      <a16:colId xmlns="" xmlns:a16="http://schemas.microsoft.com/office/drawing/2014/main" val="20000"/>
                     </a:ext>
                   </a:extLst>
                 </a:gridCol>
                 <a:gridCol w="2558644">
                   <a:extLst>
                     <a:ext uri="{9D8B030D-6E8A-4147-A177-3AD203B41FA5}">
-                      <a16:colId xmlns:a16="http://schemas.microsoft.com/office/drawing/2014/main" xmlns="" val="20001"/>
+                      <a16:colId xmlns="" xmlns:a16="http://schemas.microsoft.com/office/drawing/2014/main" val="20001"/>
                     </a:ext>
                   </a:extLst>
                 </a:gridCol>
@@ -13870,7 +14076,7 @@
                 </a:tc>
                 <a:extLst>
                   <a:ext uri="{0D108BD9-81ED-4DB2-BD59-A6C34878D82A}">
-                    <a16:rowId xmlns:a16="http://schemas.microsoft.com/office/drawing/2014/main" xmlns="" val="10000"/>
+                    <a16:rowId xmlns="" xmlns:a16="http://schemas.microsoft.com/office/drawing/2014/main" val="10000"/>
                   </a:ext>
                 </a:extLst>
               </a:tr>
@@ -14123,7 +14329,7 @@
                 </a:tc>
                 <a:extLst>
                   <a:ext uri="{0D108BD9-81ED-4DB2-BD59-A6C34878D82A}">
-                    <a16:rowId xmlns:a16="http://schemas.microsoft.com/office/drawing/2014/main" xmlns="" val="10001"/>
+                    <a16:rowId xmlns="" xmlns:a16="http://schemas.microsoft.com/office/drawing/2014/main" val="10001"/>
                   </a:ext>
                 </a:extLst>
               </a:tr>
@@ -14344,7 +14550,7 @@
                 </a:tc>
                 <a:extLst>
                   <a:ext uri="{0D108BD9-81ED-4DB2-BD59-A6C34878D82A}">
-                    <a16:rowId xmlns:a16="http://schemas.microsoft.com/office/drawing/2014/main" xmlns="" val="10002"/>
+                    <a16:rowId xmlns="" xmlns:a16="http://schemas.microsoft.com/office/drawing/2014/main" val="10002"/>
                   </a:ext>
                 </a:extLst>
               </a:tr>
@@ -14581,7 +14787,7 @@
                 </a:tc>
                 <a:extLst>
                   <a:ext uri="{0D108BD9-81ED-4DB2-BD59-A6C34878D82A}">
-                    <a16:rowId xmlns:a16="http://schemas.microsoft.com/office/drawing/2014/main" xmlns="" val="10003"/>
+                    <a16:rowId xmlns="" xmlns:a16="http://schemas.microsoft.com/office/drawing/2014/main" val="10003"/>
                   </a:ext>
                 </a:extLst>
               </a:tr>
@@ -14802,7 +15008,7 @@
                 </a:tc>
                 <a:extLst>
                   <a:ext uri="{0D108BD9-81ED-4DB2-BD59-A6C34878D82A}">
-                    <a16:rowId xmlns:a16="http://schemas.microsoft.com/office/drawing/2014/main" xmlns="" val="10004"/>
+                    <a16:rowId xmlns="" xmlns:a16="http://schemas.microsoft.com/office/drawing/2014/main" val="10004"/>
                   </a:ext>
                 </a:extLst>
               </a:tr>
@@ -15029,7 +15235,7 @@
                 </a:tc>
                 <a:extLst>
                   <a:ext uri="{0D108BD9-81ED-4DB2-BD59-A6C34878D82A}">
-                    <a16:rowId xmlns:a16="http://schemas.microsoft.com/office/drawing/2014/main" xmlns="" val="10005"/>
+                    <a16:rowId xmlns="" xmlns:a16="http://schemas.microsoft.com/office/drawing/2014/main" val="10005"/>
                   </a:ext>
                 </a:extLst>
               </a:tr>
@@ -15408,11 +15614,31 @@
           <a:lstStyle/>
           <a:p>
             <a:r>
-              <a:rPr lang="ko-KR" altLang="en-US" sz="4000" b="0"/>
+              <a:rPr lang="en-US" altLang="ko-KR" sz="4000" b="0" smtClean="0"/>
+              <a:t>[</a:t>
+            </a:r>
+            <a:r>
+              <a:rPr lang="ko-KR" altLang="en-US" sz="4000" b="0" smtClean="0"/>
+              <a:t>화면구현</a:t>
+            </a:r>
+            <a:r>
+              <a:rPr lang="en-US" altLang="ko-KR" sz="4000" b="0" smtClean="0"/>
+              <a:t>] </a:t>
+            </a:r>
+            <a:r>
+              <a:rPr lang="ko-KR" altLang="en-US" sz="4000" b="0" smtClean="0"/>
+              <a:t>사용자 </a:t>
+            </a:r>
+            <a:r>
+              <a:rPr lang="en-US" altLang="ko-KR" sz="4000" b="0" smtClean="0"/>
+              <a:t>- </a:t>
+            </a:r>
+            <a:r>
+              <a:rPr lang="ko-KR" altLang="en-US" sz="4000" b="0" smtClean="0"/>
               <a:t>메인페이지</a:t>
             </a:r>
             <a:r>
-              <a:rPr lang="ko-KR" altLang="en-US" sz="2400" b="0"/>
+              <a:rPr lang="ko-KR" altLang="en-US" sz="2400" b="0" smtClean="0"/>
               <a:t> </a:t>
             </a:r>
             <a:r>
@@ -15709,7 +15935,7 @@
         <p:spPr/>
         <p:txBody>
           <a:bodyPr>
-            <a:normAutofit fontScale="90000"/>
+            <a:noAutofit/>
           </a:bodyPr>
           <a:lstStyle/>
           <a:p>
@@ -15727,22 +15953,42 @@
               <a:defRPr/>
             </a:pPr>
             <a:r>
-              <a:rPr lang="ko-KR" altLang="en-US" sz="6600" b="0"/>
+              <a:rPr lang="en-US" altLang="ko-KR" sz="4400" b="0" smtClean="0"/>
+              <a:t>[</a:t>
+            </a:r>
+            <a:r>
+              <a:rPr lang="ko-KR" altLang="en-US" sz="4400" b="0" smtClean="0"/>
+              <a:t>화면설계</a:t>
+            </a:r>
+            <a:r>
+              <a:rPr lang="en-US" altLang="ko-KR" sz="4400" b="0" smtClean="0"/>
+              <a:t>] </a:t>
+            </a:r>
+            <a:r>
+              <a:rPr lang="ko-KR" altLang="en-US" sz="4400" b="0" smtClean="0"/>
+              <a:t>사용자 </a:t>
+            </a:r>
+            <a:r>
+              <a:rPr lang="en-US" altLang="ko-KR" sz="4400" b="0" smtClean="0"/>
+              <a:t>- </a:t>
+            </a:r>
+            <a:r>
+              <a:rPr lang="ko-KR" altLang="en-US" sz="4400" b="0" smtClean="0"/>
               <a:t>메인페이지</a:t>
             </a:r>
             <a:r>
-              <a:rPr lang="ko-KR" altLang="en-US" sz="4400" b="0"/>
+              <a:rPr lang="ko-KR" altLang="en-US" sz="2800" b="0" smtClean="0"/>
               <a:t> </a:t>
             </a:r>
             <a:r>
-              <a:rPr lang="en-US" altLang="ko-KR" sz="4400" b="0"/>
+              <a:rPr lang="en-US" altLang="ko-KR" sz="2800" b="0"/>
               <a:t>-  </a:t>
             </a:r>
             <a:r>
-              <a:rPr lang="ko-KR" altLang="en-US" sz="4400" b="0"/>
+              <a:rPr lang="ko-KR" altLang="en-US" sz="2800" b="0"/>
               <a:t>컨텐츠</a:t>
             </a:r>
-            <a:endParaRPr lang="ko-KR" altLang="en-US" sz="4400" b="0" dirty="0"/>
+            <a:endParaRPr lang="ko-KR" altLang="en-US" sz="2800" b="0" dirty="0"/>
           </a:p>
         </p:txBody>
       </p:sp>
@@ -15867,14 +16113,14 @@
                 <a:gridCol w="311106">
                   <a:extLst>
                     <a:ext uri="{9D8B030D-6E8A-4147-A177-3AD203B41FA5}">
-                      <a16:colId xmlns:a16="http://schemas.microsoft.com/office/drawing/2014/main" xmlns="" val="20000"/>
+                      <a16:colId xmlns="" xmlns:a16="http://schemas.microsoft.com/office/drawing/2014/main" val="20000"/>
                     </a:ext>
                   </a:extLst>
                 </a:gridCol>
                 <a:gridCol w="2558644">
                   <a:extLst>
                     <a:ext uri="{9D8B030D-6E8A-4147-A177-3AD203B41FA5}">
-                      <a16:colId xmlns:a16="http://schemas.microsoft.com/office/drawing/2014/main" xmlns="" val="20001"/>
+                      <a16:colId xmlns="" xmlns:a16="http://schemas.microsoft.com/office/drawing/2014/main" val="20001"/>
                     </a:ext>
                   </a:extLst>
                 </a:gridCol>
@@ -16032,7 +16278,7 @@
                 </a:tc>
                 <a:extLst>
                   <a:ext uri="{0D108BD9-81ED-4DB2-BD59-A6C34878D82A}">
-                    <a16:rowId xmlns:a16="http://schemas.microsoft.com/office/drawing/2014/main" xmlns="" val="10000"/>
+                    <a16:rowId xmlns="" xmlns:a16="http://schemas.microsoft.com/office/drawing/2014/main" val="10000"/>
                   </a:ext>
                 </a:extLst>
               </a:tr>
@@ -16285,7 +16531,7 @@
                 </a:tc>
                 <a:extLst>
                   <a:ext uri="{0D108BD9-81ED-4DB2-BD59-A6C34878D82A}">
-                    <a16:rowId xmlns:a16="http://schemas.microsoft.com/office/drawing/2014/main" xmlns="" val="10001"/>
+                    <a16:rowId xmlns="" xmlns:a16="http://schemas.microsoft.com/office/drawing/2014/main" val="10001"/>
                   </a:ext>
                 </a:extLst>
               </a:tr>
@@ -16506,7 +16752,7 @@
                 </a:tc>
                 <a:extLst>
                   <a:ext uri="{0D108BD9-81ED-4DB2-BD59-A6C34878D82A}">
-                    <a16:rowId xmlns:a16="http://schemas.microsoft.com/office/drawing/2014/main" xmlns="" val="10002"/>
+                    <a16:rowId xmlns="" xmlns:a16="http://schemas.microsoft.com/office/drawing/2014/main" val="10002"/>
                   </a:ext>
                 </a:extLst>
               </a:tr>
@@ -16743,7 +16989,7 @@
                 </a:tc>
                 <a:extLst>
                   <a:ext uri="{0D108BD9-81ED-4DB2-BD59-A6C34878D82A}">
-                    <a16:rowId xmlns:a16="http://schemas.microsoft.com/office/drawing/2014/main" xmlns="" val="10003"/>
+                    <a16:rowId xmlns="" xmlns:a16="http://schemas.microsoft.com/office/drawing/2014/main" val="10003"/>
                   </a:ext>
                 </a:extLst>
               </a:tr>
@@ -16964,7 +17210,7 @@
                 </a:tc>
                 <a:extLst>
                   <a:ext uri="{0D108BD9-81ED-4DB2-BD59-A6C34878D82A}">
-                    <a16:rowId xmlns:a16="http://schemas.microsoft.com/office/drawing/2014/main" xmlns="" val="10004"/>
+                    <a16:rowId xmlns="" xmlns:a16="http://schemas.microsoft.com/office/drawing/2014/main" val="10004"/>
                   </a:ext>
                 </a:extLst>
               </a:tr>
@@ -17191,7 +17437,7 @@
                 </a:tc>
                 <a:extLst>
                   <a:ext uri="{0D108BD9-81ED-4DB2-BD59-A6C34878D82A}">
-                    <a16:rowId xmlns:a16="http://schemas.microsoft.com/office/drawing/2014/main" xmlns="" val="10005"/>
+                    <a16:rowId xmlns="" xmlns:a16="http://schemas.microsoft.com/office/drawing/2014/main" val="10005"/>
                   </a:ext>
                 </a:extLst>
               </a:tr>
@@ -17717,7 +17963,7 @@
         <p:spPr/>
         <p:txBody>
           <a:bodyPr>
-            <a:normAutofit fontScale="90000"/>
+            <a:noAutofit/>
           </a:bodyPr>
           <a:lstStyle/>
           <a:p>
@@ -17735,22 +17981,42 @@
               <a:defRPr/>
             </a:pPr>
             <a:r>
-              <a:rPr lang="ko-KR" altLang="en-US" sz="6600" b="0"/>
+              <a:rPr lang="en-US" altLang="ko-KR" sz="4400" b="0" smtClean="0"/>
+              <a:t>[</a:t>
+            </a:r>
+            <a:r>
+              <a:rPr lang="ko-KR" altLang="en-US" sz="4400" b="0" smtClean="0"/>
+              <a:t>화면설계</a:t>
+            </a:r>
+            <a:r>
+              <a:rPr lang="en-US" altLang="ko-KR" sz="4400" b="0" smtClean="0"/>
+              <a:t>] </a:t>
+            </a:r>
+            <a:r>
+              <a:rPr lang="ko-KR" altLang="en-US" sz="4400" b="0" smtClean="0"/>
+              <a:t>사용자 </a:t>
+            </a:r>
+            <a:r>
+              <a:rPr lang="en-US" altLang="ko-KR" sz="4400" b="0" smtClean="0"/>
+              <a:t>- </a:t>
+            </a:r>
+            <a:r>
+              <a:rPr lang="ko-KR" altLang="en-US" sz="4400" b="0" smtClean="0"/>
               <a:t>메인페이지</a:t>
             </a:r>
             <a:r>
-              <a:rPr lang="ko-KR" altLang="en-US" sz="4400" b="0"/>
+              <a:rPr lang="ko-KR" altLang="en-US" sz="2800" b="0" smtClean="0"/>
               <a:t> </a:t>
             </a:r>
             <a:r>
-              <a:rPr lang="en-US" altLang="ko-KR" sz="4400" b="0"/>
+              <a:rPr lang="en-US" altLang="ko-KR" sz="2800" b="0"/>
               <a:t>-  </a:t>
             </a:r>
             <a:r>
-              <a:rPr lang="en-US" altLang="ko-KR" sz="4400" b="0" smtClean="0"/>
+              <a:rPr lang="en-US" altLang="ko-KR" sz="2800" b="0" smtClean="0"/>
               <a:t>Footer</a:t>
             </a:r>
-            <a:endParaRPr lang="ko-KR" altLang="en-US" sz="4400" b="0" dirty="0"/>
+            <a:endParaRPr lang="ko-KR" altLang="en-US" sz="2800" b="0" dirty="0"/>
           </a:p>
         </p:txBody>
       </p:sp>
@@ -17827,14 +18093,14 @@
                 <a:gridCol w="311106">
                   <a:extLst>
                     <a:ext uri="{9D8B030D-6E8A-4147-A177-3AD203B41FA5}">
-                      <a16:colId xmlns:a16="http://schemas.microsoft.com/office/drawing/2014/main" xmlns="" val="20000"/>
+                      <a16:colId xmlns="" xmlns:a16="http://schemas.microsoft.com/office/drawing/2014/main" val="20000"/>
                     </a:ext>
                   </a:extLst>
                 </a:gridCol>
                 <a:gridCol w="2558644">
                   <a:extLst>
                     <a:ext uri="{9D8B030D-6E8A-4147-A177-3AD203B41FA5}">
-                      <a16:colId xmlns:a16="http://schemas.microsoft.com/office/drawing/2014/main" xmlns="" val="20001"/>
+                      <a16:colId xmlns="" xmlns:a16="http://schemas.microsoft.com/office/drawing/2014/main" val="20001"/>
                     </a:ext>
                   </a:extLst>
                 </a:gridCol>
@@ -17992,7 +18258,7 @@
                 </a:tc>
                 <a:extLst>
                   <a:ext uri="{0D108BD9-81ED-4DB2-BD59-A6C34878D82A}">
-                    <a16:rowId xmlns:a16="http://schemas.microsoft.com/office/drawing/2014/main" xmlns="" val="10000"/>
+                    <a16:rowId xmlns="" xmlns:a16="http://schemas.microsoft.com/office/drawing/2014/main" val="10000"/>
                   </a:ext>
                 </a:extLst>
               </a:tr>
@@ -18339,7 +18605,7 @@
                 </a:tc>
                 <a:extLst>
                   <a:ext uri="{0D108BD9-81ED-4DB2-BD59-A6C34878D82A}">
-                    <a16:rowId xmlns:a16="http://schemas.microsoft.com/office/drawing/2014/main" xmlns="" val="10001"/>
+                    <a16:rowId xmlns="" xmlns:a16="http://schemas.microsoft.com/office/drawing/2014/main" val="10001"/>
                   </a:ext>
                 </a:extLst>
               </a:tr>
@@ -18560,7 +18826,7 @@
                 </a:tc>
                 <a:extLst>
                   <a:ext uri="{0D108BD9-81ED-4DB2-BD59-A6C34878D82A}">
-                    <a16:rowId xmlns:a16="http://schemas.microsoft.com/office/drawing/2014/main" xmlns="" val="10002"/>
+                    <a16:rowId xmlns="" xmlns:a16="http://schemas.microsoft.com/office/drawing/2014/main" val="10002"/>
                   </a:ext>
                 </a:extLst>
               </a:tr>
@@ -18797,7 +19063,7 @@
                 </a:tc>
                 <a:extLst>
                   <a:ext uri="{0D108BD9-81ED-4DB2-BD59-A6C34878D82A}">
-                    <a16:rowId xmlns:a16="http://schemas.microsoft.com/office/drawing/2014/main" xmlns="" val="10003"/>
+                    <a16:rowId xmlns="" xmlns:a16="http://schemas.microsoft.com/office/drawing/2014/main" val="10003"/>
                   </a:ext>
                 </a:extLst>
               </a:tr>
@@ -19024,7 +19290,7 @@
                 </a:tc>
                 <a:extLst>
                   <a:ext uri="{0D108BD9-81ED-4DB2-BD59-A6C34878D82A}">
-                    <a16:rowId xmlns:a16="http://schemas.microsoft.com/office/drawing/2014/main" xmlns="" val="10004"/>
+                    <a16:rowId xmlns="" xmlns:a16="http://schemas.microsoft.com/office/drawing/2014/main" val="10004"/>
                   </a:ext>
                 </a:extLst>
               </a:tr>
@@ -19354,7 +19620,7 @@
         <p:spPr/>
         <p:txBody>
           <a:bodyPr>
-            <a:normAutofit fontScale="90000"/>
+            <a:noAutofit/>
           </a:bodyPr>
           <a:lstStyle/>
           <a:p>
@@ -19372,14 +19638,38 @@
               <a:defRPr/>
             </a:pPr>
             <a:r>
-              <a:rPr lang="ko-KR" altLang="en-US" sz="6600" b="0"/>
-              <a:t>로그인 페이지</a:t>
-            </a:r>
-            <a:r>
-              <a:rPr lang="ko-KR" altLang="en-US" sz="4400" b="0"/>
+              <a:rPr lang="en-US" altLang="ko-KR" sz="4800" b="0" smtClean="0"/>
+              <a:t>[</a:t>
+            </a:r>
+            <a:r>
+              <a:rPr lang="ko-KR" altLang="en-US" sz="4800" b="0" smtClean="0"/>
+              <a:t>화면설계</a:t>
+            </a:r>
+            <a:r>
+              <a:rPr lang="en-US" altLang="ko-KR" sz="4800" b="0" smtClean="0"/>
+              <a:t>] </a:t>
+            </a:r>
+            <a:r>
+              <a:rPr lang="ko-KR" altLang="en-US" sz="4800" b="0" smtClean="0"/>
+              <a:t>사용자 </a:t>
+            </a:r>
+            <a:r>
+              <a:rPr lang="en-US" altLang="ko-KR" sz="4800" b="0" smtClean="0"/>
+              <a:t>- </a:t>
+            </a:r>
+            <a:r>
+              <a:rPr lang="ko-KR" altLang="en-US" sz="4800" b="0" smtClean="0"/>
+              <a:t>로그인 </a:t>
+            </a:r>
+            <a:r>
+              <a:rPr lang="ko-KR" altLang="en-US" sz="4800" b="0"/>
+              <a:t>페이지</a:t>
+            </a:r>
+            <a:r>
+              <a:rPr lang="ko-KR" altLang="en-US" sz="3200" b="0"/>
               <a:t> </a:t>
             </a:r>
-            <a:endParaRPr lang="ko-KR" altLang="en-US" sz="4400" b="0" dirty="0"/>
+            <a:endParaRPr lang="ko-KR" altLang="en-US" sz="3200" b="0" dirty="0"/>
           </a:p>
         </p:txBody>
       </p:sp>
@@ -19456,14 +19746,14 @@
                 <a:gridCol w="311106">
                   <a:extLst>
                     <a:ext uri="{9D8B030D-6E8A-4147-A177-3AD203B41FA5}">
-                      <a16:colId xmlns:a16="http://schemas.microsoft.com/office/drawing/2014/main" xmlns="" val="20000"/>
+                      <a16:colId xmlns="" xmlns:a16="http://schemas.microsoft.com/office/drawing/2014/main" val="20000"/>
                     </a:ext>
                   </a:extLst>
                 </a:gridCol>
                 <a:gridCol w="2558644">
                   <a:extLst>
                     <a:ext uri="{9D8B030D-6E8A-4147-A177-3AD203B41FA5}">
-                      <a16:colId xmlns:a16="http://schemas.microsoft.com/office/drawing/2014/main" xmlns="" val="20001"/>
+                      <a16:colId xmlns="" xmlns:a16="http://schemas.microsoft.com/office/drawing/2014/main" val="20001"/>
                     </a:ext>
                   </a:extLst>
                 </a:gridCol>
@@ -19621,7 +19911,7 @@
                 </a:tc>
                 <a:extLst>
                   <a:ext uri="{0D108BD9-81ED-4DB2-BD59-A6C34878D82A}">
-                    <a16:rowId xmlns:a16="http://schemas.microsoft.com/office/drawing/2014/main" xmlns="" val="10000"/>
+                    <a16:rowId xmlns="" xmlns:a16="http://schemas.microsoft.com/office/drawing/2014/main" val="10000"/>
                   </a:ext>
                 </a:extLst>
               </a:tr>
@@ -19933,7 +20223,7 @@
                 </a:tc>
                 <a:extLst>
                   <a:ext uri="{0D108BD9-81ED-4DB2-BD59-A6C34878D82A}">
-                    <a16:rowId xmlns:a16="http://schemas.microsoft.com/office/drawing/2014/main" xmlns="" val="10001"/>
+                    <a16:rowId xmlns="" xmlns:a16="http://schemas.microsoft.com/office/drawing/2014/main" val="10001"/>
                   </a:ext>
                 </a:extLst>
               </a:tr>
@@ -20064,7 +20354,7 @@
                 </a:tc>
                 <a:extLst>
                   <a:ext uri="{0D108BD9-81ED-4DB2-BD59-A6C34878D82A}">
-                    <a16:rowId xmlns:a16="http://schemas.microsoft.com/office/drawing/2014/main" xmlns="" val="10002"/>
+                    <a16:rowId xmlns="" xmlns:a16="http://schemas.microsoft.com/office/drawing/2014/main" val="10002"/>
                   </a:ext>
                 </a:extLst>
               </a:tr>
@@ -20412,22 +20702,42 @@
               <a:defRPr/>
             </a:pPr>
             <a:r>
-              <a:rPr lang="ko-KR" altLang="en-US" sz="6600" b="0"/>
+              <a:rPr lang="en-US" altLang="ko-KR" sz="4400" b="0" smtClean="0"/>
+              <a:t>[</a:t>
+            </a:r>
+            <a:r>
+              <a:rPr lang="ko-KR" altLang="en-US" sz="4400" b="0" smtClean="0"/>
+              <a:t>화면설계</a:t>
+            </a:r>
+            <a:r>
+              <a:rPr lang="en-US" altLang="ko-KR" sz="4400" b="0" smtClean="0"/>
+              <a:t>] </a:t>
+            </a:r>
+            <a:r>
+              <a:rPr lang="ko-KR" altLang="en-US" sz="4400" b="0" smtClean="0"/>
+              <a:t>사용자 </a:t>
+            </a:r>
+            <a:r>
+              <a:rPr lang="en-US" altLang="ko-KR" sz="4400" b="0" smtClean="0"/>
+              <a:t>- </a:t>
+            </a:r>
+            <a:r>
+              <a:rPr lang="ko-KR" altLang="en-US" sz="4400" b="0" smtClean="0"/>
               <a:t>메인페이지</a:t>
             </a:r>
             <a:r>
-              <a:rPr lang="ko-KR" altLang="en-US" sz="4400" b="0"/>
+              <a:rPr lang="ko-KR" altLang="en-US" sz="2800" b="0" smtClean="0"/>
               <a:t> </a:t>
             </a:r>
             <a:r>
-              <a:rPr lang="en-US" altLang="ko-KR" sz="4400" b="0"/>
+              <a:rPr lang="en-US" altLang="ko-KR" sz="2800" b="0"/>
               <a:t>- </a:t>
             </a:r>
             <a:r>
-              <a:rPr lang="ko-KR" altLang="en-US" sz="4400" b="0"/>
+              <a:rPr lang="ko-KR" altLang="en-US" sz="2800" b="0"/>
               <a:t>모바일</a:t>
             </a:r>
-            <a:endParaRPr lang="ko-KR" altLang="en-US" sz="4400" b="0" dirty="0"/>
+            <a:endParaRPr lang="ko-KR" altLang="en-US" sz="2800" b="0" dirty="0"/>
           </a:p>
         </p:txBody>
       </p:sp>
@@ -20504,14 +20814,14 @@
                 <a:gridCol w="311106">
                   <a:extLst>
                     <a:ext uri="{9D8B030D-6E8A-4147-A177-3AD203B41FA5}">
-                      <a16:colId xmlns:a16="http://schemas.microsoft.com/office/drawing/2014/main" xmlns="" val="20000"/>
+                      <a16:colId xmlns="" xmlns:a16="http://schemas.microsoft.com/office/drawing/2014/main" val="20000"/>
                     </a:ext>
                   </a:extLst>
                 </a:gridCol>
                 <a:gridCol w="2558644">
                   <a:extLst>
                     <a:ext uri="{9D8B030D-6E8A-4147-A177-3AD203B41FA5}">
-                      <a16:colId xmlns:a16="http://schemas.microsoft.com/office/drawing/2014/main" xmlns="" val="20001"/>
+                      <a16:colId xmlns="" xmlns:a16="http://schemas.microsoft.com/office/drawing/2014/main" val="20001"/>
                     </a:ext>
                   </a:extLst>
                 </a:gridCol>
@@ -20669,7 +20979,7 @@
                 </a:tc>
                 <a:extLst>
                   <a:ext uri="{0D108BD9-81ED-4DB2-BD59-A6C34878D82A}">
-                    <a16:rowId xmlns:a16="http://schemas.microsoft.com/office/drawing/2014/main" xmlns="" val="10000"/>
+                    <a16:rowId xmlns="" xmlns:a16="http://schemas.microsoft.com/office/drawing/2014/main" val="10000"/>
                   </a:ext>
                 </a:extLst>
               </a:tr>
@@ -20981,7 +21291,7 @@
                 </a:tc>
                 <a:extLst>
                   <a:ext uri="{0D108BD9-81ED-4DB2-BD59-A6C34878D82A}">
-                    <a16:rowId xmlns:a16="http://schemas.microsoft.com/office/drawing/2014/main" xmlns="" val="10001"/>
+                    <a16:rowId xmlns="" xmlns:a16="http://schemas.microsoft.com/office/drawing/2014/main" val="10001"/>
                   </a:ext>
                 </a:extLst>
               </a:tr>
@@ -21112,7 +21422,7 @@
                 </a:tc>
                 <a:extLst>
                   <a:ext uri="{0D108BD9-81ED-4DB2-BD59-A6C34878D82A}">
-                    <a16:rowId xmlns:a16="http://schemas.microsoft.com/office/drawing/2014/main" xmlns="" val="10002"/>
+                    <a16:rowId xmlns="" xmlns:a16="http://schemas.microsoft.com/office/drawing/2014/main" val="10002"/>
                   </a:ext>
                 </a:extLst>
               </a:tr>
@@ -21439,7 +21749,12 @@
             <p:ph type="title"/>
           </p:nvPr>
         </p:nvSpPr>
-        <p:spPr/>
+        <p:spPr>
+          <a:xfrm>
+            <a:off x="887266" y="140419"/>
+            <a:ext cx="9646078" cy="796908"/>
+          </a:xfrm>
+        </p:spPr>
         <p:txBody>
           <a:bodyPr>
             <a:noAutofit/>
@@ -21460,14 +21775,42 @@
               <a:defRPr/>
             </a:pPr>
             <a:r>
-              <a:rPr lang="ko-KR" altLang="en-US" sz="6600" b="0"/>
+              <a:rPr lang="en-US" altLang="ko-KR" sz="4000" b="0" smtClean="0"/>
+              <a:t>[</a:t>
+            </a:r>
+            <a:r>
+              <a:rPr lang="ko-KR" altLang="en-US" sz="4000" b="0" smtClean="0"/>
+              <a:t>화면설계</a:t>
+            </a:r>
+            <a:r>
+              <a:rPr lang="en-US" altLang="ko-KR" sz="4000" b="0" smtClean="0"/>
+              <a:t>] </a:t>
+            </a:r>
+            <a:r>
+              <a:rPr lang="ko-KR" altLang="en-US" sz="4000" b="0" smtClean="0"/>
+              <a:t>사용자 </a:t>
+            </a:r>
+            <a:r>
+              <a:rPr lang="en-US" altLang="ko-KR" sz="4000" b="0" smtClean="0"/>
+              <a:t>- </a:t>
+            </a:r>
+            <a:r>
+              <a:rPr lang="ko-KR" altLang="en-US" sz="4000" b="0" smtClean="0"/>
               <a:t>로그인 페이지</a:t>
             </a:r>
             <a:r>
-              <a:rPr lang="ko-KR" altLang="en-US" sz="4400" b="0"/>
+              <a:rPr lang="en-US" altLang="ko-KR" sz="2800" b="0" smtClean="0"/>
+              <a:t>-</a:t>
+            </a:r>
+            <a:r>
+              <a:rPr lang="ko-KR" altLang="en-US" sz="2800" b="0" smtClean="0"/>
+              <a:t>모바일</a:t>
+            </a:r>
+            <a:r>
+              <a:rPr lang="ko-KR" altLang="en-US" sz="2400" b="0" smtClean="0"/>
               <a:t> </a:t>
             </a:r>
-            <a:endParaRPr lang="ko-KR" altLang="en-US" sz="4400" b="0" dirty="0"/>
+            <a:endParaRPr lang="ko-KR" altLang="en-US" sz="2400" b="0" dirty="0"/>
           </a:p>
         </p:txBody>
       </p:sp>
@@ -21544,14 +21887,14 @@
                 <a:gridCol w="311106">
                   <a:extLst>
                     <a:ext uri="{9D8B030D-6E8A-4147-A177-3AD203B41FA5}">
-                      <a16:colId xmlns:a16="http://schemas.microsoft.com/office/drawing/2014/main" xmlns="" val="20000"/>
+                      <a16:colId xmlns="" xmlns:a16="http://schemas.microsoft.com/office/drawing/2014/main" val="20000"/>
                     </a:ext>
                   </a:extLst>
                 </a:gridCol>
                 <a:gridCol w="2558644">
                   <a:extLst>
                     <a:ext uri="{9D8B030D-6E8A-4147-A177-3AD203B41FA5}">
-                      <a16:colId xmlns:a16="http://schemas.microsoft.com/office/drawing/2014/main" xmlns="" val="20001"/>
+                      <a16:colId xmlns="" xmlns:a16="http://schemas.microsoft.com/office/drawing/2014/main" val="20001"/>
                     </a:ext>
                   </a:extLst>
                 </a:gridCol>
@@ -21709,7 +22052,7 @@
                 </a:tc>
                 <a:extLst>
                   <a:ext uri="{0D108BD9-81ED-4DB2-BD59-A6C34878D82A}">
-                    <a16:rowId xmlns:a16="http://schemas.microsoft.com/office/drawing/2014/main" xmlns="" val="10000"/>
+                    <a16:rowId xmlns="" xmlns:a16="http://schemas.microsoft.com/office/drawing/2014/main" val="10000"/>
                   </a:ext>
                 </a:extLst>
               </a:tr>
@@ -22021,7 +22364,7 @@
                 </a:tc>
                 <a:extLst>
                   <a:ext uri="{0D108BD9-81ED-4DB2-BD59-A6C34878D82A}">
-                    <a16:rowId xmlns:a16="http://schemas.microsoft.com/office/drawing/2014/main" xmlns="" val="10001"/>
+                    <a16:rowId xmlns="" xmlns:a16="http://schemas.microsoft.com/office/drawing/2014/main" val="10001"/>
                   </a:ext>
                 </a:extLst>
               </a:tr>
@@ -22152,7 +22495,7 @@
                 </a:tc>
                 <a:extLst>
                   <a:ext uri="{0D108BD9-81ED-4DB2-BD59-A6C34878D82A}">
-                    <a16:rowId xmlns:a16="http://schemas.microsoft.com/office/drawing/2014/main" xmlns="" val="10002"/>
+                    <a16:rowId xmlns="" xmlns:a16="http://schemas.microsoft.com/office/drawing/2014/main" val="10002"/>
                   </a:ext>
                 </a:extLst>
               </a:tr>
@@ -22500,7 +22843,27 @@
               <a:defRPr/>
             </a:pPr>
             <a:r>
-              <a:rPr lang="ko-KR" altLang="en-US" sz="4400" b="0"/>
+              <a:rPr lang="en-US" altLang="ko-KR" sz="4400" b="0" smtClean="0"/>
+              <a:t>[</a:t>
+            </a:r>
+            <a:r>
+              <a:rPr lang="ko-KR" altLang="en-US" sz="4400" b="0" smtClean="0"/>
+              <a:t>화면설계</a:t>
+            </a:r>
+            <a:r>
+              <a:rPr lang="en-US" altLang="ko-KR" sz="4400" b="0" smtClean="0"/>
+              <a:t>] </a:t>
+            </a:r>
+            <a:r>
+              <a:rPr lang="ko-KR" altLang="en-US" sz="4400" b="0" smtClean="0"/>
+              <a:t>사용자 </a:t>
+            </a:r>
+            <a:r>
+              <a:rPr lang="en-US" altLang="ko-KR" sz="4400" b="0" smtClean="0"/>
+              <a:t>- </a:t>
+            </a:r>
+            <a:r>
+              <a:rPr lang="ko-KR" altLang="en-US" sz="4400" b="0" smtClean="0"/>
               <a:t>세미나존 </a:t>
             </a:r>
             <a:r>
@@ -22635,14 +22998,14 @@
                 <a:gridCol w="311106">
                   <a:extLst>
                     <a:ext uri="{9D8B030D-6E8A-4147-A177-3AD203B41FA5}">
-                      <a16:colId xmlns:a16="http://schemas.microsoft.com/office/drawing/2014/main" xmlns="" val="20000"/>
+                      <a16:colId xmlns="" xmlns:a16="http://schemas.microsoft.com/office/drawing/2014/main" val="20000"/>
                     </a:ext>
                   </a:extLst>
                 </a:gridCol>
                 <a:gridCol w="2558644">
                   <a:extLst>
                     <a:ext uri="{9D8B030D-6E8A-4147-A177-3AD203B41FA5}">
-                      <a16:colId xmlns:a16="http://schemas.microsoft.com/office/drawing/2014/main" xmlns="" val="20001"/>
+                      <a16:colId xmlns="" xmlns:a16="http://schemas.microsoft.com/office/drawing/2014/main" val="20001"/>
                     </a:ext>
                   </a:extLst>
                 </a:gridCol>
@@ -22800,7 +23163,7 @@
                 </a:tc>
                 <a:extLst>
                   <a:ext uri="{0D108BD9-81ED-4DB2-BD59-A6C34878D82A}">
-                    <a16:rowId xmlns:a16="http://schemas.microsoft.com/office/drawing/2014/main" xmlns="" val="10000"/>
+                    <a16:rowId xmlns="" xmlns:a16="http://schemas.microsoft.com/office/drawing/2014/main" val="10000"/>
                   </a:ext>
                 </a:extLst>
               </a:tr>
@@ -22957,7 +23320,7 @@
                 </a:tc>
                 <a:extLst>
                   <a:ext uri="{0D108BD9-81ED-4DB2-BD59-A6C34878D82A}">
-                    <a16:rowId xmlns:a16="http://schemas.microsoft.com/office/drawing/2014/main" xmlns="" val="10001"/>
+                    <a16:rowId xmlns="" xmlns:a16="http://schemas.microsoft.com/office/drawing/2014/main" val="10001"/>
                   </a:ext>
                 </a:extLst>
               </a:tr>
@@ -23115,7 +23478,7 @@
                 </a:tc>
                 <a:extLst>
                   <a:ext uri="{0D108BD9-81ED-4DB2-BD59-A6C34878D82A}">
-                    <a16:rowId xmlns:a16="http://schemas.microsoft.com/office/drawing/2014/main" xmlns="" val="10002"/>
+                    <a16:rowId xmlns="" xmlns:a16="http://schemas.microsoft.com/office/drawing/2014/main" val="10002"/>
                   </a:ext>
                 </a:extLst>
               </a:tr>

--- a/0 발표용 파워포인트/project05 - 파워포인트 종합 - 기범.pptx
+++ b/0 발표용 파워포인트/project05 - 파워포인트 종합 - 기범.pptx
@@ -3828,42 +3828,38 @@
               <a:defRPr/>
             </a:pPr>
             <a:r>
-              <a:rPr lang="en-US" altLang="ko-KR" sz="4000" b="0" smtClean="0"/>
+              <a:rPr lang="en-US" altLang="ko-KR" sz="3600" b="0" smtClean="0"/>
               <a:t>[</a:t>
             </a:r>
             <a:r>
-              <a:rPr lang="ko-KR" altLang="en-US" sz="4000" b="0" smtClean="0"/>
+              <a:rPr lang="ko-KR" altLang="en-US" sz="3600" b="0" smtClean="0"/>
               <a:t>화면설계</a:t>
             </a:r>
             <a:r>
-              <a:rPr lang="en-US" altLang="ko-KR" sz="4000" b="0" smtClean="0"/>
+              <a:rPr lang="en-US" altLang="ko-KR" sz="3600" b="0" smtClean="0"/>
               <a:t>]</a:t>
             </a:r>
             <a:r>
-              <a:rPr lang="ko-KR" altLang="en-US" sz="4000" b="0" smtClean="0"/>
+              <a:rPr lang="ko-KR" altLang="en-US" sz="3600" b="0" smtClean="0"/>
               <a:t>사용자 </a:t>
             </a:r>
             <a:r>
-              <a:rPr lang="en-US" altLang="ko-KR" sz="4000" b="0" smtClean="0"/>
+              <a:rPr lang="en-US" altLang="ko-KR" sz="3600" b="0" smtClean="0"/>
+              <a:t>– </a:t>
+            </a:r>
+            <a:r>
+              <a:rPr lang="ko-KR" altLang="en-US" sz="3600" b="0" smtClean="0"/>
+              <a:t>모바일 </a:t>
+            </a:r>
+            <a:r>
+              <a:rPr lang="en-US" altLang="ko-KR" sz="3600" b="0" smtClean="0"/>
               <a:t>- </a:t>
             </a:r>
             <a:r>
-              <a:rPr lang="ko-KR" altLang="en-US" sz="4000" b="0" smtClean="0"/>
-              <a:t>세미나존 </a:t>
-            </a:r>
-            <a:r>
-              <a:rPr lang="ko-KR" altLang="en-US" sz="4000" b="0" smtClean="0"/>
-              <a:t>정보</a:t>
-            </a:r>
-            <a:r>
-              <a:rPr lang="en-US" altLang="ko-KR" sz="4000" b="0" smtClean="0"/>
-              <a:t>-</a:t>
-            </a:r>
-            <a:r>
-              <a:rPr lang="ko-KR" altLang="en-US" sz="4000" b="0" smtClean="0"/>
-              <a:t>모바일</a:t>
-            </a:r>
-            <a:endParaRPr lang="ko-KR" altLang="en-US" sz="4000" b="0" dirty="0"/>
+              <a:rPr lang="ko-KR" altLang="en-US" sz="3600" b="0" smtClean="0"/>
+              <a:t>세미나존 정보</a:t>
+            </a:r>
+            <a:endParaRPr lang="ko-KR" altLang="en-US" sz="3600" b="0" dirty="0"/>
           </a:p>
         </p:txBody>
       </p:sp>
@@ -3940,14 +3936,14 @@
                 <a:gridCol w="311106">
                   <a:extLst>
                     <a:ext uri="{9D8B030D-6E8A-4147-A177-3AD203B41FA5}">
-                      <a16:colId xmlns="" xmlns:a16="http://schemas.microsoft.com/office/drawing/2014/main" val="20000"/>
+                      <a16:colId xmlns:a16="http://schemas.microsoft.com/office/drawing/2014/main" xmlns="" val="20000"/>
                     </a:ext>
                   </a:extLst>
                 </a:gridCol>
                 <a:gridCol w="2558644">
                   <a:extLst>
                     <a:ext uri="{9D8B030D-6E8A-4147-A177-3AD203B41FA5}">
-                      <a16:colId xmlns="" xmlns:a16="http://schemas.microsoft.com/office/drawing/2014/main" val="20001"/>
+                      <a16:colId xmlns:a16="http://schemas.microsoft.com/office/drawing/2014/main" xmlns="" val="20001"/>
                     </a:ext>
                   </a:extLst>
                 </a:gridCol>
@@ -4105,7 +4101,7 @@
                 </a:tc>
                 <a:extLst>
                   <a:ext uri="{0D108BD9-81ED-4DB2-BD59-A6C34878D82A}">
-                    <a16:rowId xmlns="" xmlns:a16="http://schemas.microsoft.com/office/drawing/2014/main" val="10000"/>
+                    <a16:rowId xmlns:a16="http://schemas.microsoft.com/office/drawing/2014/main" xmlns="" val="10000"/>
                   </a:ext>
                 </a:extLst>
               </a:tr>
@@ -4262,7 +4258,7 @@
                 </a:tc>
                 <a:extLst>
                   <a:ext uri="{0D108BD9-81ED-4DB2-BD59-A6C34878D82A}">
-                    <a16:rowId xmlns="" xmlns:a16="http://schemas.microsoft.com/office/drawing/2014/main" val="10001"/>
+                    <a16:rowId xmlns:a16="http://schemas.microsoft.com/office/drawing/2014/main" xmlns="" val="10001"/>
                   </a:ext>
                 </a:extLst>
               </a:tr>
@@ -4393,7 +4389,7 @@
                 </a:tc>
                 <a:extLst>
                   <a:ext uri="{0D108BD9-81ED-4DB2-BD59-A6C34878D82A}">
-                    <a16:rowId xmlns="" xmlns:a16="http://schemas.microsoft.com/office/drawing/2014/main" val="10002"/>
+                    <a16:rowId xmlns:a16="http://schemas.microsoft.com/office/drawing/2014/main" xmlns="" val="10002"/>
                   </a:ext>
                 </a:extLst>
               </a:tr>
@@ -4735,31 +4731,39 @@
               <a:defRPr/>
             </a:pPr>
             <a:r>
-              <a:rPr lang="en-US" altLang="ko-KR" sz="4000" b="0" smtClean="0"/>
+              <a:rPr lang="en-US" altLang="ko-KR" sz="3600" b="0" smtClean="0"/>
               <a:t>[</a:t>
             </a:r>
             <a:r>
-              <a:rPr lang="ko-KR" altLang="en-US" sz="4000" b="0" smtClean="0"/>
+              <a:rPr lang="ko-KR" altLang="en-US" sz="3600" b="0" smtClean="0"/>
               <a:t>화면설계</a:t>
             </a:r>
             <a:r>
-              <a:rPr lang="en-US" altLang="ko-KR" sz="4000" b="0" smtClean="0"/>
+              <a:rPr lang="en-US" altLang="ko-KR" sz="3600" b="0" smtClean="0"/>
               <a:t>]</a:t>
             </a:r>
             <a:r>
-              <a:rPr lang="ko-KR" altLang="en-US" sz="4000" b="0" smtClean="0"/>
+              <a:rPr lang="ko-KR" altLang="en-US" sz="3600" b="0" smtClean="0"/>
               <a:t>사용자 </a:t>
             </a:r>
             <a:r>
-              <a:rPr lang="en-US" altLang="ko-KR" sz="4000" b="0" smtClean="0"/>
+              <a:rPr lang="en-US" altLang="ko-KR" sz="3600" b="0" smtClean="0"/>
+              <a:t>– </a:t>
+            </a:r>
+            <a:r>
+              <a:rPr lang="ko-KR" altLang="en-US" sz="3600" b="0" smtClean="0"/>
+              <a:t>웹 </a:t>
+            </a:r>
+            <a:r>
+              <a:rPr lang="en-US" altLang="ko-KR" sz="3600" b="0" smtClean="0"/>
               <a:t>- </a:t>
             </a:r>
             <a:r>
-              <a:rPr lang="ko-KR" altLang="en-US" sz="4000" b="0" smtClean="0"/>
+              <a:rPr lang="ko-KR" altLang="en-US" sz="3600" b="0" smtClean="0"/>
               <a:t>세미나존 </a:t>
             </a:r>
             <a:r>
-              <a:rPr lang="ko-KR" altLang="en-US" sz="4000" b="0"/>
+              <a:rPr lang="ko-KR" altLang="en-US" sz="3600" b="0"/>
               <a:t>후기 목록</a:t>
             </a:r>
           </a:p>
@@ -4838,14 +4842,14 @@
                 <a:gridCol w="311106">
                   <a:extLst>
                     <a:ext uri="{9D8B030D-6E8A-4147-A177-3AD203B41FA5}">
-                      <a16:colId xmlns="" xmlns:a16="http://schemas.microsoft.com/office/drawing/2014/main" val="20000"/>
+                      <a16:colId xmlns:a16="http://schemas.microsoft.com/office/drawing/2014/main" xmlns="" val="20000"/>
                     </a:ext>
                   </a:extLst>
                 </a:gridCol>
                 <a:gridCol w="2558644">
                   <a:extLst>
                     <a:ext uri="{9D8B030D-6E8A-4147-A177-3AD203B41FA5}">
-                      <a16:colId xmlns="" xmlns:a16="http://schemas.microsoft.com/office/drawing/2014/main" val="20001"/>
+                      <a16:colId xmlns:a16="http://schemas.microsoft.com/office/drawing/2014/main" xmlns="" val="20001"/>
                     </a:ext>
                   </a:extLst>
                 </a:gridCol>
@@ -5003,7 +5007,7 @@
                 </a:tc>
                 <a:extLst>
                   <a:ext uri="{0D108BD9-81ED-4DB2-BD59-A6C34878D82A}">
-                    <a16:rowId xmlns="" xmlns:a16="http://schemas.microsoft.com/office/drawing/2014/main" val="10000"/>
+                    <a16:rowId xmlns:a16="http://schemas.microsoft.com/office/drawing/2014/main" xmlns="" val="10000"/>
                   </a:ext>
                 </a:extLst>
               </a:tr>
@@ -5200,7 +5204,7 @@
                 </a:tc>
                 <a:extLst>
                   <a:ext uri="{0D108BD9-81ED-4DB2-BD59-A6C34878D82A}">
-                    <a16:rowId xmlns="" xmlns:a16="http://schemas.microsoft.com/office/drawing/2014/main" val="10001"/>
+                    <a16:rowId xmlns:a16="http://schemas.microsoft.com/office/drawing/2014/main" xmlns="" val="10001"/>
                   </a:ext>
                 </a:extLst>
               </a:tr>
@@ -5358,7 +5362,7 @@
                 </a:tc>
                 <a:extLst>
                   <a:ext uri="{0D108BD9-81ED-4DB2-BD59-A6C34878D82A}">
-                    <a16:rowId xmlns="" xmlns:a16="http://schemas.microsoft.com/office/drawing/2014/main" val="10002"/>
+                    <a16:rowId xmlns:a16="http://schemas.microsoft.com/office/drawing/2014/main" xmlns="" val="10002"/>
                   </a:ext>
                 </a:extLst>
               </a:tr>
@@ -5643,46 +5647,54 @@
               <a:defRPr/>
             </a:pPr>
             <a:r>
-              <a:rPr lang="en-US" altLang="ko-KR" sz="3200" b="0" smtClean="0"/>
+              <a:rPr lang="en-US" altLang="ko-KR" sz="2800" b="0" smtClean="0"/>
               <a:t>[</a:t>
             </a:r>
             <a:r>
-              <a:rPr lang="ko-KR" altLang="en-US" sz="3200" b="0" smtClean="0"/>
+              <a:rPr lang="ko-KR" altLang="en-US" sz="2800" b="0" smtClean="0"/>
               <a:t>화면설계</a:t>
             </a:r>
             <a:r>
-              <a:rPr lang="en-US" altLang="ko-KR" sz="3200" b="0" smtClean="0"/>
+              <a:rPr lang="en-US" altLang="ko-KR" sz="2800" b="0" smtClean="0"/>
               <a:t>] </a:t>
             </a:r>
             <a:r>
-              <a:rPr lang="ko-KR" altLang="en-US" sz="3200" b="0" smtClean="0"/>
+              <a:rPr lang="ko-KR" altLang="en-US" sz="2800" b="0" smtClean="0"/>
               <a:t>사용자 </a:t>
             </a:r>
             <a:r>
-              <a:rPr lang="en-US" altLang="ko-KR" sz="3200" b="0" smtClean="0"/>
+              <a:rPr lang="en-US" altLang="ko-KR" sz="2800" b="0" smtClean="0"/>
+              <a:t>– </a:t>
+            </a:r>
+            <a:r>
+              <a:rPr lang="ko-KR" altLang="en-US" sz="2800" b="0" smtClean="0"/>
+              <a:t>웹 </a:t>
+            </a:r>
+            <a:r>
+              <a:rPr lang="en-US" altLang="ko-KR" sz="2800" b="0" smtClean="0"/>
               <a:t>- </a:t>
             </a:r>
             <a:r>
-              <a:rPr lang="ko-KR" altLang="en-US" sz="3200" b="0" smtClean="0"/>
+              <a:rPr lang="ko-KR" altLang="en-US" sz="2800" b="0" smtClean="0"/>
               <a:t>세미나존 </a:t>
             </a:r>
             <a:r>
-              <a:rPr lang="ko-KR" altLang="en-US" sz="3200" b="0"/>
+              <a:rPr lang="ko-KR" altLang="en-US" sz="2800" b="0"/>
               <a:t>후기 </a:t>
             </a:r>
             <a:r>
-              <a:rPr lang="ko-KR" altLang="en-US" sz="3200" b="0" smtClean="0"/>
+              <a:rPr lang="ko-KR" altLang="en-US" sz="2800" b="0" smtClean="0"/>
               <a:t>목록 </a:t>
             </a:r>
             <a:r>
-              <a:rPr lang="en-US" altLang="ko-KR" sz="3200" b="0" smtClean="0"/>
+              <a:rPr lang="en-US" altLang="ko-KR" sz="2800" b="0" smtClean="0"/>
               <a:t>-</a:t>
             </a:r>
             <a:r>
-              <a:rPr lang="ko-KR" altLang="en-US" sz="3200" b="0" smtClean="0"/>
+              <a:rPr lang="ko-KR" altLang="en-US" sz="2800" b="0" smtClean="0"/>
               <a:t>상세내용</a:t>
             </a:r>
-            <a:endParaRPr lang="ko-KR" altLang="en-US" sz="3200" b="0"/>
+            <a:endParaRPr lang="ko-KR" altLang="en-US" sz="2800" b="0"/>
           </a:p>
         </p:txBody>
       </p:sp>
@@ -5759,14 +5771,14 @@
                 <a:gridCol w="311106">
                   <a:extLst>
                     <a:ext uri="{9D8B030D-6E8A-4147-A177-3AD203B41FA5}">
-                      <a16:colId xmlns="" xmlns:a16="http://schemas.microsoft.com/office/drawing/2014/main" val="20000"/>
+                      <a16:colId xmlns:a16="http://schemas.microsoft.com/office/drawing/2014/main" xmlns="" val="20000"/>
                     </a:ext>
                   </a:extLst>
                 </a:gridCol>
                 <a:gridCol w="2558644">
                   <a:extLst>
                     <a:ext uri="{9D8B030D-6E8A-4147-A177-3AD203B41FA5}">
-                      <a16:colId xmlns="" xmlns:a16="http://schemas.microsoft.com/office/drawing/2014/main" val="20001"/>
+                      <a16:colId xmlns:a16="http://schemas.microsoft.com/office/drawing/2014/main" xmlns="" val="20001"/>
                     </a:ext>
                   </a:extLst>
                 </a:gridCol>
@@ -5924,7 +5936,7 @@
                 </a:tc>
                 <a:extLst>
                   <a:ext uri="{0D108BD9-81ED-4DB2-BD59-A6C34878D82A}">
-                    <a16:rowId xmlns="" xmlns:a16="http://schemas.microsoft.com/office/drawing/2014/main" val="10000"/>
+                    <a16:rowId xmlns:a16="http://schemas.microsoft.com/office/drawing/2014/main" xmlns="" val="10000"/>
                   </a:ext>
                 </a:extLst>
               </a:tr>
@@ -6081,7 +6093,7 @@
                 </a:tc>
                 <a:extLst>
                   <a:ext uri="{0D108BD9-81ED-4DB2-BD59-A6C34878D82A}">
-                    <a16:rowId xmlns="" xmlns:a16="http://schemas.microsoft.com/office/drawing/2014/main" val="10001"/>
+                    <a16:rowId xmlns:a16="http://schemas.microsoft.com/office/drawing/2014/main" xmlns="" val="10001"/>
                   </a:ext>
                 </a:extLst>
               </a:tr>
@@ -6383,6 +6395,18 @@
             </a:r>
             <a:r>
               <a:rPr lang="en-US" altLang="ko-KR" sz="3200" b="0" smtClean="0"/>
+              <a:t>– </a:t>
+            </a:r>
+            <a:r>
+              <a:rPr lang="ko-KR" altLang="en-US" sz="3200" b="0" smtClean="0"/>
+              <a:t>모바일</a:t>
+            </a:r>
+            <a:r>
+              <a:rPr lang="en-US" altLang="ko-KR" sz="3200" b="0"/>
+              <a:t> </a:t>
+            </a:r>
+            <a:r>
+              <a:rPr lang="en-US" altLang="ko-KR" sz="3200" b="0" smtClean="0"/>
               <a:t>- </a:t>
             </a:r>
             <a:r>
@@ -6395,15 +6419,7 @@
             </a:r>
             <a:r>
               <a:rPr lang="ko-KR" altLang="en-US" sz="3200" b="0" smtClean="0"/>
-              <a:t>목록 </a:t>
-            </a:r>
-            <a:r>
-              <a:rPr lang="en-US" altLang="ko-KR" sz="3200" b="0" smtClean="0"/>
-              <a:t>-</a:t>
-            </a:r>
-            <a:r>
-              <a:rPr lang="ko-KR" altLang="en-US" sz="3200" b="0" smtClean="0"/>
-              <a:t>모바일</a:t>
+              <a:t>목록</a:t>
             </a:r>
             <a:endParaRPr lang="ko-KR" altLang="en-US" sz="3200" b="0"/>
           </a:p>
@@ -6482,14 +6498,14 @@
                 <a:gridCol w="311106">
                   <a:extLst>
                     <a:ext uri="{9D8B030D-6E8A-4147-A177-3AD203B41FA5}">
-                      <a16:colId xmlns="" xmlns:a16="http://schemas.microsoft.com/office/drawing/2014/main" val="20000"/>
+                      <a16:colId xmlns:a16="http://schemas.microsoft.com/office/drawing/2014/main" xmlns="" val="20000"/>
                     </a:ext>
                   </a:extLst>
                 </a:gridCol>
                 <a:gridCol w="2558644">
                   <a:extLst>
                     <a:ext uri="{9D8B030D-6E8A-4147-A177-3AD203B41FA5}">
-                      <a16:colId xmlns="" xmlns:a16="http://schemas.microsoft.com/office/drawing/2014/main" val="20001"/>
+                      <a16:colId xmlns:a16="http://schemas.microsoft.com/office/drawing/2014/main" xmlns="" val="20001"/>
                     </a:ext>
                   </a:extLst>
                 </a:gridCol>
@@ -6647,7 +6663,7 @@
                 </a:tc>
                 <a:extLst>
                   <a:ext uri="{0D108BD9-81ED-4DB2-BD59-A6C34878D82A}">
-                    <a16:rowId xmlns="" xmlns:a16="http://schemas.microsoft.com/office/drawing/2014/main" val="10000"/>
+                    <a16:rowId xmlns:a16="http://schemas.microsoft.com/office/drawing/2014/main" xmlns="" val="10000"/>
                   </a:ext>
                 </a:extLst>
               </a:tr>
@@ -6804,7 +6820,7 @@
                 </a:tc>
                 <a:extLst>
                   <a:ext uri="{0D108BD9-81ED-4DB2-BD59-A6C34878D82A}">
-                    <a16:rowId xmlns="" xmlns:a16="http://schemas.microsoft.com/office/drawing/2014/main" val="10001"/>
+                    <a16:rowId xmlns:a16="http://schemas.microsoft.com/office/drawing/2014/main" xmlns="" val="10001"/>
                   </a:ext>
                 </a:extLst>
               </a:tr>
@@ -7162,6 +7178,14 @@
             </a:r>
             <a:r>
               <a:rPr lang="ko-KR" altLang="en-US" sz="2800" b="0" smtClean="0"/>
+              <a:t>모바일 </a:t>
+            </a:r>
+            <a:r>
+              <a:rPr lang="en-US" altLang="ko-KR" sz="2800" b="0" smtClean="0"/>
+              <a:t>– </a:t>
+            </a:r>
+            <a:r>
+              <a:rPr lang="ko-KR" altLang="en-US" sz="2800" b="0" smtClean="0"/>
               <a:t>세미나존 </a:t>
             </a:r>
             <a:r>
@@ -7170,31 +7194,15 @@
             </a:r>
             <a:r>
               <a:rPr lang="ko-KR" altLang="en-US" sz="2800" b="0" smtClean="0"/>
-              <a:t>목록</a:t>
+              <a:t>목록 </a:t>
             </a:r>
             <a:r>
               <a:rPr lang="en-US" altLang="ko-KR" sz="2800" b="0" smtClean="0"/>
-              <a:t>(</a:t>
+              <a:t>- </a:t>
             </a:r>
             <a:r>
               <a:rPr lang="ko-KR" altLang="en-US" sz="2800" b="0" smtClean="0"/>
-              <a:t>상세내용</a:t>
-            </a:r>
-            <a:r>
-              <a:rPr lang="en-US" altLang="ko-KR" sz="2800" b="0" smtClean="0"/>
-              <a:t>)</a:t>
-            </a:r>
-            <a:r>
-              <a:rPr lang="ko-KR" altLang="en-US" sz="2800" b="0" smtClean="0"/>
-              <a:t> </a:t>
-            </a:r>
-            <a:r>
-              <a:rPr lang="en-US" altLang="ko-KR" sz="2800" b="0" smtClean="0"/>
-              <a:t>-</a:t>
-            </a:r>
-            <a:r>
-              <a:rPr lang="ko-KR" altLang="en-US" sz="2800" b="0" smtClean="0"/>
-              <a:t>모바일</a:t>
+              <a:t>상세내용 </a:t>
             </a:r>
             <a:endParaRPr lang="ko-KR" altLang="en-US" sz="2800" b="0"/>
           </a:p>
@@ -7273,14 +7281,14 @@
                 <a:gridCol w="311106">
                   <a:extLst>
                     <a:ext uri="{9D8B030D-6E8A-4147-A177-3AD203B41FA5}">
-                      <a16:colId xmlns="" xmlns:a16="http://schemas.microsoft.com/office/drawing/2014/main" val="20000"/>
+                      <a16:colId xmlns:a16="http://schemas.microsoft.com/office/drawing/2014/main" xmlns="" val="20000"/>
                     </a:ext>
                   </a:extLst>
                 </a:gridCol>
                 <a:gridCol w="2558644">
                   <a:extLst>
                     <a:ext uri="{9D8B030D-6E8A-4147-A177-3AD203B41FA5}">
-                      <a16:colId xmlns="" xmlns:a16="http://schemas.microsoft.com/office/drawing/2014/main" val="20001"/>
+                      <a16:colId xmlns:a16="http://schemas.microsoft.com/office/drawing/2014/main" xmlns="" val="20001"/>
                     </a:ext>
                   </a:extLst>
                 </a:gridCol>
@@ -7438,7 +7446,7 @@
                 </a:tc>
                 <a:extLst>
                   <a:ext uri="{0D108BD9-81ED-4DB2-BD59-A6C34878D82A}">
-                    <a16:rowId xmlns="" xmlns:a16="http://schemas.microsoft.com/office/drawing/2014/main" val="10000"/>
+                    <a16:rowId xmlns:a16="http://schemas.microsoft.com/office/drawing/2014/main" xmlns="" val="10000"/>
                   </a:ext>
                 </a:extLst>
               </a:tr>
@@ -7595,7 +7603,7 @@
                 </a:tc>
                 <a:extLst>
                   <a:ext uri="{0D108BD9-81ED-4DB2-BD59-A6C34878D82A}">
-                    <a16:rowId xmlns="" xmlns:a16="http://schemas.microsoft.com/office/drawing/2014/main" val="10001"/>
+                    <a16:rowId xmlns:a16="http://schemas.microsoft.com/office/drawing/2014/main" xmlns="" val="10001"/>
                   </a:ext>
                 </a:extLst>
               </a:tr>
@@ -7726,7 +7734,7 @@
                 </a:tc>
                 <a:extLst>
                   <a:ext uri="{0D108BD9-81ED-4DB2-BD59-A6C34878D82A}">
-                    <a16:rowId xmlns="" xmlns:a16="http://schemas.microsoft.com/office/drawing/2014/main" val="10002"/>
+                    <a16:rowId xmlns:a16="http://schemas.microsoft.com/office/drawing/2014/main" xmlns="" val="10002"/>
                   </a:ext>
                 </a:extLst>
               </a:tr>
@@ -8011,31 +8019,39 @@
               <a:defRPr/>
             </a:pPr>
             <a:r>
-              <a:rPr lang="en-US" altLang="ko-KR" sz="4000" b="0"/>
+              <a:rPr lang="en-US" altLang="ko-KR" sz="3600" b="0"/>
               <a:t>[</a:t>
             </a:r>
             <a:r>
-              <a:rPr lang="ko-KR" altLang="en-US" sz="4000" b="0"/>
+              <a:rPr lang="ko-KR" altLang="en-US" sz="3600" b="0"/>
               <a:t>화면설계</a:t>
             </a:r>
             <a:r>
-              <a:rPr lang="en-US" altLang="ko-KR" sz="4000" b="0" smtClean="0"/>
+              <a:rPr lang="en-US" altLang="ko-KR" sz="3600" b="0" smtClean="0"/>
               <a:t>] </a:t>
             </a:r>
             <a:r>
-              <a:rPr lang="ko-KR" altLang="en-US" sz="4000" b="0" smtClean="0"/>
+              <a:rPr lang="ko-KR" altLang="en-US" sz="3600" b="0" smtClean="0"/>
               <a:t>관리자 </a:t>
             </a:r>
             <a:r>
-              <a:rPr lang="en-US" altLang="ko-KR" sz="4000" b="0" smtClean="0"/>
+              <a:rPr lang="en-US" altLang="ko-KR" sz="3600" b="0" smtClean="0"/>
+              <a:t>– </a:t>
+            </a:r>
+            <a:r>
+              <a:rPr lang="ko-KR" altLang="en-US" sz="3600" b="0" smtClean="0"/>
+              <a:t>웹 </a:t>
+            </a:r>
+            <a:r>
+              <a:rPr lang="en-US" altLang="ko-KR" sz="3600" b="0" smtClean="0"/>
               <a:t>- </a:t>
             </a:r>
             <a:r>
-              <a:rPr lang="ko-KR" altLang="en-US" sz="4000" b="0" smtClean="0"/>
+              <a:rPr lang="ko-KR" altLang="en-US" sz="3600" b="0" smtClean="0"/>
               <a:t>캐러셀 </a:t>
             </a:r>
             <a:r>
-              <a:rPr lang="ko-KR" altLang="en-US" sz="4000" b="0"/>
+              <a:rPr lang="ko-KR" altLang="en-US" sz="3600" b="0"/>
               <a:t>배너 관리</a:t>
             </a:r>
           </a:p>
@@ -8063,14 +8079,14 @@
                 <a:gridCol w="311106">
                   <a:extLst>
                     <a:ext uri="{9D8B030D-6E8A-4147-A177-3AD203B41FA5}">
-                      <a16:colId xmlns:a16="http://schemas.microsoft.com/office/drawing/2014/main" xmlns="" val="20000"/>
+                      <a16:colId xmlns="" xmlns:a16="http://schemas.microsoft.com/office/drawing/2014/main" val="20000"/>
                     </a:ext>
                   </a:extLst>
                 </a:gridCol>
                 <a:gridCol w="2558644">
                   <a:extLst>
                     <a:ext uri="{9D8B030D-6E8A-4147-A177-3AD203B41FA5}">
-                      <a16:colId xmlns:a16="http://schemas.microsoft.com/office/drawing/2014/main" xmlns="" val="20001"/>
+                      <a16:colId xmlns="" xmlns:a16="http://schemas.microsoft.com/office/drawing/2014/main" val="20001"/>
                     </a:ext>
                   </a:extLst>
                 </a:gridCol>
@@ -8228,7 +8244,7 @@
                 </a:tc>
                 <a:extLst>
                   <a:ext uri="{0D108BD9-81ED-4DB2-BD59-A6C34878D82A}">
-                    <a16:rowId xmlns:a16="http://schemas.microsoft.com/office/drawing/2014/main" xmlns="" val="10000"/>
+                    <a16:rowId xmlns="" xmlns:a16="http://schemas.microsoft.com/office/drawing/2014/main" val="10000"/>
                   </a:ext>
                 </a:extLst>
               </a:tr>
@@ -8376,7 +8392,7 @@
                 </a:tc>
                 <a:extLst>
                   <a:ext uri="{0D108BD9-81ED-4DB2-BD59-A6C34878D82A}">
-                    <a16:rowId xmlns:a16="http://schemas.microsoft.com/office/drawing/2014/main" xmlns="" val="10001"/>
+                    <a16:rowId xmlns="" xmlns:a16="http://schemas.microsoft.com/office/drawing/2014/main" val="10001"/>
                   </a:ext>
                 </a:extLst>
               </a:tr>
@@ -11079,6 +11095,14 @@
             </a:r>
             <a:r>
               <a:rPr lang="ko-KR" altLang="en-US" sz="4000" b="0" smtClean="0"/>
+              <a:t>웹 </a:t>
+            </a:r>
+            <a:r>
+              <a:rPr lang="en-US" altLang="ko-KR" sz="4000" b="0" smtClean="0"/>
+              <a:t>- </a:t>
+            </a:r>
+            <a:r>
+              <a:rPr lang="ko-KR" altLang="en-US" sz="4000" b="0" smtClean="0"/>
               <a:t>회원정보관리</a:t>
             </a:r>
             <a:endParaRPr lang="ko-KR" altLang="en-US" sz="4000" b="0"/>
@@ -11158,14 +11182,14 @@
                 <a:gridCol w="311106">
                   <a:extLst>
                     <a:ext uri="{9D8B030D-6E8A-4147-A177-3AD203B41FA5}">
-                      <a16:colId xmlns="" xmlns:a16="http://schemas.microsoft.com/office/drawing/2014/main" val="20000"/>
+                      <a16:colId xmlns:a16="http://schemas.microsoft.com/office/drawing/2014/main" xmlns="" val="20000"/>
                     </a:ext>
                   </a:extLst>
                 </a:gridCol>
                 <a:gridCol w="2558644">
                   <a:extLst>
                     <a:ext uri="{9D8B030D-6E8A-4147-A177-3AD203B41FA5}">
-                      <a16:colId xmlns="" xmlns:a16="http://schemas.microsoft.com/office/drawing/2014/main" val="20001"/>
+                      <a16:colId xmlns:a16="http://schemas.microsoft.com/office/drawing/2014/main" xmlns="" val="20001"/>
                     </a:ext>
                   </a:extLst>
                 </a:gridCol>
@@ -11323,7 +11347,7 @@
                 </a:tc>
                 <a:extLst>
                   <a:ext uri="{0D108BD9-81ED-4DB2-BD59-A6C34878D82A}">
-                    <a16:rowId xmlns="" xmlns:a16="http://schemas.microsoft.com/office/drawing/2014/main" val="10000"/>
+                    <a16:rowId xmlns:a16="http://schemas.microsoft.com/office/drawing/2014/main" xmlns="" val="10000"/>
                   </a:ext>
                 </a:extLst>
               </a:tr>
@@ -11531,7 +11555,7 @@
                 </a:tc>
                 <a:extLst>
                   <a:ext uri="{0D108BD9-81ED-4DB2-BD59-A6C34878D82A}">
-                    <a16:rowId xmlns="" xmlns:a16="http://schemas.microsoft.com/office/drawing/2014/main" val="10001"/>
+                    <a16:rowId xmlns:a16="http://schemas.microsoft.com/office/drawing/2014/main" xmlns="" val="10001"/>
                   </a:ext>
                 </a:extLst>
               </a:tr>
@@ -11666,7 +11690,7 @@
                 </a:tc>
                 <a:extLst>
                   <a:ext uri="{0D108BD9-81ED-4DB2-BD59-A6C34878D82A}">
-                    <a16:rowId xmlns="" xmlns:a16="http://schemas.microsoft.com/office/drawing/2014/main" val="10002"/>
+                    <a16:rowId xmlns:a16="http://schemas.microsoft.com/office/drawing/2014/main" xmlns="" val="10002"/>
                   </a:ext>
                 </a:extLst>
               </a:tr>
@@ -12017,6 +12041,14 @@
             <a:r>
               <a:rPr lang="ko-KR" altLang="en-US" sz="4000" b="0" smtClean="0"/>
               <a:t>관리자 </a:t>
+            </a:r>
+            <a:r>
+              <a:rPr lang="en-US" altLang="ko-KR" sz="4000" b="0" smtClean="0"/>
+              <a:t>– </a:t>
+            </a:r>
+            <a:r>
+              <a:rPr lang="ko-KR" altLang="en-US" sz="4000" b="0" smtClean="0"/>
+              <a:t>웹 </a:t>
             </a:r>
             <a:r>
               <a:rPr lang="en-US" altLang="ko-KR" sz="4000" b="0" smtClean="0"/>
@@ -12106,14 +12138,14 @@
                 <a:gridCol w="311106">
                   <a:extLst>
                     <a:ext uri="{9D8B030D-6E8A-4147-A177-3AD203B41FA5}">
-                      <a16:colId xmlns="" xmlns:a16="http://schemas.microsoft.com/office/drawing/2014/main" val="20000"/>
+                      <a16:colId xmlns:a16="http://schemas.microsoft.com/office/drawing/2014/main" xmlns="" val="20000"/>
                     </a:ext>
                   </a:extLst>
                 </a:gridCol>
                 <a:gridCol w="2558644">
                   <a:extLst>
                     <a:ext uri="{9D8B030D-6E8A-4147-A177-3AD203B41FA5}">
-                      <a16:colId xmlns="" xmlns:a16="http://schemas.microsoft.com/office/drawing/2014/main" val="20001"/>
+                      <a16:colId xmlns:a16="http://schemas.microsoft.com/office/drawing/2014/main" xmlns="" val="20001"/>
                     </a:ext>
                   </a:extLst>
                 </a:gridCol>
@@ -12271,7 +12303,7 @@
                 </a:tc>
                 <a:extLst>
                   <a:ext uri="{0D108BD9-81ED-4DB2-BD59-A6C34878D82A}">
-                    <a16:rowId xmlns="" xmlns:a16="http://schemas.microsoft.com/office/drawing/2014/main" val="10000"/>
+                    <a16:rowId xmlns:a16="http://schemas.microsoft.com/office/drawing/2014/main" xmlns="" val="10000"/>
                   </a:ext>
                 </a:extLst>
               </a:tr>
@@ -12428,7 +12460,7 @@
                 </a:tc>
                 <a:extLst>
                   <a:ext uri="{0D108BD9-81ED-4DB2-BD59-A6C34878D82A}">
-                    <a16:rowId xmlns="" xmlns:a16="http://schemas.microsoft.com/office/drawing/2014/main" val="10001"/>
+                    <a16:rowId xmlns:a16="http://schemas.microsoft.com/office/drawing/2014/main" xmlns="" val="10001"/>
                   </a:ext>
                 </a:extLst>
               </a:tr>
@@ -12559,7 +12591,7 @@
                 </a:tc>
                 <a:extLst>
                   <a:ext uri="{0D108BD9-81ED-4DB2-BD59-A6C34878D82A}">
-                    <a16:rowId xmlns="" xmlns:a16="http://schemas.microsoft.com/office/drawing/2014/main" val="10002"/>
+                    <a16:rowId xmlns:a16="http://schemas.microsoft.com/office/drawing/2014/main" xmlns="" val="10002"/>
                   </a:ext>
                 </a:extLst>
               </a:tr>
@@ -12839,31 +12871,39 @@
               <a:defRPr/>
             </a:pPr>
             <a:r>
-              <a:rPr lang="en-US" altLang="ko-KR" sz="3600" b="0"/>
+              <a:rPr lang="en-US" altLang="ko-KR" sz="3200" b="0"/>
               <a:t>[</a:t>
             </a:r>
             <a:r>
-              <a:rPr lang="ko-KR" altLang="en-US" sz="3600" b="0"/>
+              <a:rPr lang="ko-KR" altLang="en-US" sz="3200" b="0"/>
               <a:t>화면설계</a:t>
             </a:r>
             <a:r>
-              <a:rPr lang="en-US" altLang="ko-KR" sz="3600" b="0"/>
+              <a:rPr lang="en-US" altLang="ko-KR" sz="3200" b="0"/>
               <a:t>] </a:t>
             </a:r>
             <a:r>
-              <a:rPr lang="ko-KR" altLang="en-US" sz="3600" b="0" smtClean="0"/>
+              <a:rPr lang="ko-KR" altLang="en-US" sz="3200" b="0" smtClean="0"/>
               <a:t>관리자 </a:t>
             </a:r>
             <a:r>
-              <a:rPr lang="en-US" altLang="ko-KR" sz="3600" b="0" smtClean="0"/>
-              <a:t>-</a:t>
-            </a:r>
-            <a:r>
-              <a:rPr lang="ko-KR" altLang="en-US" sz="3600" b="0" smtClean="0"/>
+              <a:rPr lang="en-US" altLang="ko-KR" sz="3200" b="0" smtClean="0"/>
+              <a:t>–</a:t>
+            </a:r>
+            <a:r>
+              <a:rPr lang="ko-KR" altLang="en-US" sz="3200" b="0" smtClean="0"/>
+              <a:t>웹 </a:t>
+            </a:r>
+            <a:r>
+              <a:rPr lang="en-US" altLang="ko-KR" sz="3200" b="0" smtClean="0"/>
+              <a:t>- </a:t>
+            </a:r>
+            <a:r>
+              <a:rPr lang="ko-KR" altLang="en-US" sz="3200" b="0" smtClean="0"/>
               <a:t>세미나존 </a:t>
             </a:r>
             <a:r>
-              <a:rPr lang="ko-KR" altLang="en-US" sz="3600" b="0"/>
+              <a:rPr lang="ko-KR" altLang="en-US" sz="3200" b="0"/>
               <a:t>등록 및 수정</a:t>
             </a:r>
           </a:p>
@@ -12942,14 +12982,14 @@
                 <a:gridCol w="311106">
                   <a:extLst>
                     <a:ext uri="{9D8B030D-6E8A-4147-A177-3AD203B41FA5}">
-                      <a16:colId xmlns="" xmlns:a16="http://schemas.microsoft.com/office/drawing/2014/main" val="20000"/>
+                      <a16:colId xmlns:a16="http://schemas.microsoft.com/office/drawing/2014/main" xmlns="" val="20000"/>
                     </a:ext>
                   </a:extLst>
                 </a:gridCol>
                 <a:gridCol w="2558644">
                   <a:extLst>
                     <a:ext uri="{9D8B030D-6E8A-4147-A177-3AD203B41FA5}">
-                      <a16:colId xmlns="" xmlns:a16="http://schemas.microsoft.com/office/drawing/2014/main" val="20001"/>
+                      <a16:colId xmlns:a16="http://schemas.microsoft.com/office/drawing/2014/main" xmlns="" val="20001"/>
                     </a:ext>
                   </a:extLst>
                 </a:gridCol>
@@ -13107,7 +13147,7 @@
                 </a:tc>
                 <a:extLst>
                   <a:ext uri="{0D108BD9-81ED-4DB2-BD59-A6C34878D82A}">
-                    <a16:rowId xmlns="" xmlns:a16="http://schemas.microsoft.com/office/drawing/2014/main" val="10000"/>
+                    <a16:rowId xmlns:a16="http://schemas.microsoft.com/office/drawing/2014/main" xmlns="" val="10000"/>
                   </a:ext>
                 </a:extLst>
               </a:tr>
@@ -13280,7 +13320,7 @@
                 </a:tc>
                 <a:extLst>
                   <a:ext uri="{0D108BD9-81ED-4DB2-BD59-A6C34878D82A}">
-                    <a16:rowId xmlns="" xmlns:a16="http://schemas.microsoft.com/office/drawing/2014/main" val="10001"/>
+                    <a16:rowId xmlns:a16="http://schemas.microsoft.com/office/drawing/2014/main" xmlns="" val="10001"/>
                   </a:ext>
                 </a:extLst>
               </a:tr>
@@ -13411,7 +13451,7 @@
                 </a:tc>
                 <a:extLst>
                   <a:ext uri="{0D108BD9-81ED-4DB2-BD59-A6C34878D82A}">
-                    <a16:rowId xmlns="" xmlns:a16="http://schemas.microsoft.com/office/drawing/2014/main" val="10002"/>
+                    <a16:rowId xmlns:a16="http://schemas.microsoft.com/office/drawing/2014/main" xmlns="" val="10002"/>
                   </a:ext>
                 </a:extLst>
               </a:tr>
@@ -13734,7 +13774,7 @@
         <p:spPr/>
         <p:txBody>
           <a:bodyPr>
-            <a:normAutofit fontScale="90000"/>
+            <a:normAutofit/>
           </a:bodyPr>
           <a:lstStyle/>
           <a:p>
@@ -13752,38 +13792,46 @@
               <a:defRPr/>
             </a:pPr>
             <a:r>
-              <a:rPr lang="en-US" altLang="ko-KR" sz="4400" b="0" smtClean="0"/>
+              <a:rPr lang="en-US" altLang="ko-KR" sz="3600" b="0" smtClean="0"/>
               <a:t>[</a:t>
             </a:r>
             <a:r>
-              <a:rPr lang="ko-KR" altLang="en-US" sz="4400" b="0" smtClean="0"/>
+              <a:rPr lang="ko-KR" altLang="en-US" sz="3600" b="0" smtClean="0"/>
               <a:t>화면설계</a:t>
             </a:r>
             <a:r>
-              <a:rPr lang="en-US" altLang="ko-KR" sz="4400" b="0" smtClean="0"/>
+              <a:rPr lang="en-US" altLang="ko-KR" sz="3600" b="0" smtClean="0"/>
               <a:t>] </a:t>
             </a:r>
             <a:r>
-              <a:rPr lang="ko-KR" altLang="en-US" sz="4400" b="0" smtClean="0"/>
+              <a:rPr lang="ko-KR" altLang="en-US" sz="3600" b="0" smtClean="0"/>
               <a:t>사용자 </a:t>
             </a:r>
             <a:r>
-              <a:rPr lang="en-US" altLang="ko-KR" sz="4400" b="0" smtClean="0"/>
+              <a:rPr lang="en-US" altLang="ko-KR" sz="3600" b="0" smtClean="0"/>
+              <a:t>– </a:t>
+            </a:r>
+            <a:r>
+              <a:rPr lang="ko-KR" altLang="en-US" sz="3600" b="0" smtClean="0"/>
+              <a:t>웹 </a:t>
+            </a:r>
+            <a:r>
+              <a:rPr lang="en-US" altLang="ko-KR" sz="3600" b="0" smtClean="0"/>
               <a:t>- </a:t>
             </a:r>
             <a:r>
-              <a:rPr lang="ko-KR" altLang="en-US" sz="4400" b="0" smtClean="0"/>
+              <a:rPr lang="ko-KR" altLang="en-US" sz="3600" b="0" smtClean="0"/>
               <a:t>메인페이지</a:t>
             </a:r>
             <a:r>
-              <a:rPr lang="ko-KR" altLang="en-US" sz="2800" b="0" smtClean="0"/>
+              <a:rPr lang="ko-KR" altLang="en-US" sz="2400" b="0" smtClean="0"/>
               <a:t> </a:t>
             </a:r>
             <a:r>
-              <a:rPr lang="en-US" altLang="ko-KR" sz="2800" b="0"/>
+              <a:rPr lang="en-US" altLang="ko-KR" sz="2400" b="0"/>
               <a:t>- HEADER</a:t>
             </a:r>
-            <a:endParaRPr lang="ko-KR" altLang="en-US" sz="2800" b="0" dirty="0"/>
+            <a:endParaRPr lang="ko-KR" altLang="en-US" sz="2400" b="0" dirty="0"/>
           </a:p>
         </p:txBody>
       </p:sp>
@@ -13911,14 +13959,14 @@
                 <a:gridCol w="311106">
                   <a:extLst>
                     <a:ext uri="{9D8B030D-6E8A-4147-A177-3AD203B41FA5}">
-                      <a16:colId xmlns="" xmlns:a16="http://schemas.microsoft.com/office/drawing/2014/main" val="20000"/>
+                      <a16:colId xmlns:a16="http://schemas.microsoft.com/office/drawing/2014/main" xmlns="" val="20000"/>
                     </a:ext>
                   </a:extLst>
                 </a:gridCol>
                 <a:gridCol w="2558644">
                   <a:extLst>
                     <a:ext uri="{9D8B030D-6E8A-4147-A177-3AD203B41FA5}">
-                      <a16:colId xmlns="" xmlns:a16="http://schemas.microsoft.com/office/drawing/2014/main" val="20001"/>
+                      <a16:colId xmlns:a16="http://schemas.microsoft.com/office/drawing/2014/main" xmlns="" val="20001"/>
                     </a:ext>
                   </a:extLst>
                 </a:gridCol>
@@ -14076,7 +14124,7 @@
                 </a:tc>
                 <a:extLst>
                   <a:ext uri="{0D108BD9-81ED-4DB2-BD59-A6C34878D82A}">
-                    <a16:rowId xmlns="" xmlns:a16="http://schemas.microsoft.com/office/drawing/2014/main" val="10000"/>
+                    <a16:rowId xmlns:a16="http://schemas.microsoft.com/office/drawing/2014/main" xmlns="" val="10000"/>
                   </a:ext>
                 </a:extLst>
               </a:tr>
@@ -14329,7 +14377,7 @@
                 </a:tc>
                 <a:extLst>
                   <a:ext uri="{0D108BD9-81ED-4DB2-BD59-A6C34878D82A}">
-                    <a16:rowId xmlns="" xmlns:a16="http://schemas.microsoft.com/office/drawing/2014/main" val="10001"/>
+                    <a16:rowId xmlns:a16="http://schemas.microsoft.com/office/drawing/2014/main" xmlns="" val="10001"/>
                   </a:ext>
                 </a:extLst>
               </a:tr>
@@ -14550,7 +14598,7 @@
                 </a:tc>
                 <a:extLst>
                   <a:ext uri="{0D108BD9-81ED-4DB2-BD59-A6C34878D82A}">
-                    <a16:rowId xmlns="" xmlns:a16="http://schemas.microsoft.com/office/drawing/2014/main" val="10002"/>
+                    <a16:rowId xmlns:a16="http://schemas.microsoft.com/office/drawing/2014/main" xmlns="" val="10002"/>
                   </a:ext>
                 </a:extLst>
               </a:tr>
@@ -14787,7 +14835,7 @@
                 </a:tc>
                 <a:extLst>
                   <a:ext uri="{0D108BD9-81ED-4DB2-BD59-A6C34878D82A}">
-                    <a16:rowId xmlns="" xmlns:a16="http://schemas.microsoft.com/office/drawing/2014/main" val="10003"/>
+                    <a16:rowId xmlns:a16="http://schemas.microsoft.com/office/drawing/2014/main" xmlns="" val="10003"/>
                   </a:ext>
                 </a:extLst>
               </a:tr>
@@ -15008,7 +15056,7 @@
                 </a:tc>
                 <a:extLst>
                   <a:ext uri="{0D108BD9-81ED-4DB2-BD59-A6C34878D82A}">
-                    <a16:rowId xmlns="" xmlns:a16="http://schemas.microsoft.com/office/drawing/2014/main" val="10004"/>
+                    <a16:rowId xmlns:a16="http://schemas.microsoft.com/office/drawing/2014/main" xmlns="" val="10004"/>
                   </a:ext>
                 </a:extLst>
               </a:tr>
@@ -15235,7 +15283,7 @@
                 </a:tc>
                 <a:extLst>
                   <a:ext uri="{0D108BD9-81ED-4DB2-BD59-A6C34878D82A}">
-                    <a16:rowId xmlns="" xmlns:a16="http://schemas.microsoft.com/office/drawing/2014/main" val="10005"/>
+                    <a16:rowId xmlns:a16="http://schemas.microsoft.com/office/drawing/2014/main" xmlns="" val="10005"/>
                   </a:ext>
                 </a:extLst>
               </a:tr>
@@ -15610,7 +15658,9 @@
         </p:nvSpPr>
         <p:spPr/>
         <p:txBody>
-          <a:bodyPr/>
+          <a:bodyPr>
+            <a:normAutofit fontScale="90000"/>
+          </a:bodyPr>
           <a:lstStyle/>
           <a:p>
             <a:r>
@@ -15628,6 +15678,14 @@
             <a:r>
               <a:rPr lang="ko-KR" altLang="en-US" sz="4000" b="0" smtClean="0"/>
               <a:t>사용자 </a:t>
+            </a:r>
+            <a:r>
+              <a:rPr lang="en-US" altLang="ko-KR" sz="4000" b="0" smtClean="0"/>
+              <a:t>– </a:t>
+            </a:r>
+            <a:r>
+              <a:rPr lang="ko-KR" altLang="en-US" sz="4000" b="0" smtClean="0"/>
+              <a:t>웹 </a:t>
             </a:r>
             <a:r>
               <a:rPr lang="en-US" altLang="ko-KR" sz="4000" b="0" smtClean="0"/>
@@ -15953,31 +16011,39 @@
               <a:defRPr/>
             </a:pPr>
             <a:r>
-              <a:rPr lang="en-US" altLang="ko-KR" sz="4400" b="0" smtClean="0"/>
+              <a:rPr lang="en-US" altLang="ko-KR" sz="3600" b="0" smtClean="0"/>
               <a:t>[</a:t>
             </a:r>
             <a:r>
-              <a:rPr lang="ko-KR" altLang="en-US" sz="4400" b="0" smtClean="0"/>
+              <a:rPr lang="ko-KR" altLang="en-US" sz="3600" b="0" smtClean="0"/>
               <a:t>화면설계</a:t>
             </a:r>
             <a:r>
-              <a:rPr lang="en-US" altLang="ko-KR" sz="4400" b="0" smtClean="0"/>
+              <a:rPr lang="en-US" altLang="ko-KR" sz="3600" b="0" smtClean="0"/>
               <a:t>] </a:t>
             </a:r>
             <a:r>
-              <a:rPr lang="ko-KR" altLang="en-US" sz="4400" b="0" smtClean="0"/>
+              <a:rPr lang="ko-KR" altLang="en-US" sz="3600" b="0" smtClean="0"/>
               <a:t>사용자 </a:t>
             </a:r>
             <a:r>
-              <a:rPr lang="en-US" altLang="ko-KR" sz="4400" b="0" smtClean="0"/>
+              <a:rPr lang="en-US" altLang="ko-KR" sz="3600" b="0" smtClean="0"/>
+              <a:t>– </a:t>
+            </a:r>
+            <a:r>
+              <a:rPr lang="ko-KR" altLang="en-US" sz="3600" b="0" smtClean="0"/>
+              <a:t>웹 </a:t>
+            </a:r>
+            <a:r>
+              <a:rPr lang="en-US" altLang="ko-KR" sz="3600" b="0" smtClean="0"/>
               <a:t>- </a:t>
             </a:r>
             <a:r>
-              <a:rPr lang="ko-KR" altLang="en-US" sz="4400" b="0" smtClean="0"/>
+              <a:rPr lang="ko-KR" altLang="en-US" sz="3600" b="0" smtClean="0"/>
               <a:t>메인페이지</a:t>
             </a:r>
             <a:r>
-              <a:rPr lang="ko-KR" altLang="en-US" sz="2800" b="0" smtClean="0"/>
+              <a:rPr lang="ko-KR" altLang="en-US" sz="2000" b="0" smtClean="0"/>
               <a:t> </a:t>
             </a:r>
             <a:r>
@@ -16113,14 +16179,14 @@
                 <a:gridCol w="311106">
                   <a:extLst>
                     <a:ext uri="{9D8B030D-6E8A-4147-A177-3AD203B41FA5}">
-                      <a16:colId xmlns="" xmlns:a16="http://schemas.microsoft.com/office/drawing/2014/main" val="20000"/>
+                      <a16:colId xmlns:a16="http://schemas.microsoft.com/office/drawing/2014/main" xmlns="" val="20000"/>
                     </a:ext>
                   </a:extLst>
                 </a:gridCol>
                 <a:gridCol w="2558644">
                   <a:extLst>
                     <a:ext uri="{9D8B030D-6E8A-4147-A177-3AD203B41FA5}">
-                      <a16:colId xmlns="" xmlns:a16="http://schemas.microsoft.com/office/drawing/2014/main" val="20001"/>
+                      <a16:colId xmlns:a16="http://schemas.microsoft.com/office/drawing/2014/main" xmlns="" val="20001"/>
                     </a:ext>
                   </a:extLst>
                 </a:gridCol>
@@ -16278,7 +16344,7 @@
                 </a:tc>
                 <a:extLst>
                   <a:ext uri="{0D108BD9-81ED-4DB2-BD59-A6C34878D82A}">
-                    <a16:rowId xmlns="" xmlns:a16="http://schemas.microsoft.com/office/drawing/2014/main" val="10000"/>
+                    <a16:rowId xmlns:a16="http://schemas.microsoft.com/office/drawing/2014/main" xmlns="" val="10000"/>
                   </a:ext>
                 </a:extLst>
               </a:tr>
@@ -16531,7 +16597,7 @@
                 </a:tc>
                 <a:extLst>
                   <a:ext uri="{0D108BD9-81ED-4DB2-BD59-A6C34878D82A}">
-                    <a16:rowId xmlns="" xmlns:a16="http://schemas.microsoft.com/office/drawing/2014/main" val="10001"/>
+                    <a16:rowId xmlns:a16="http://schemas.microsoft.com/office/drawing/2014/main" xmlns="" val="10001"/>
                   </a:ext>
                 </a:extLst>
               </a:tr>
@@ -16752,7 +16818,7 @@
                 </a:tc>
                 <a:extLst>
                   <a:ext uri="{0D108BD9-81ED-4DB2-BD59-A6C34878D82A}">
-                    <a16:rowId xmlns="" xmlns:a16="http://schemas.microsoft.com/office/drawing/2014/main" val="10002"/>
+                    <a16:rowId xmlns:a16="http://schemas.microsoft.com/office/drawing/2014/main" xmlns="" val="10002"/>
                   </a:ext>
                 </a:extLst>
               </a:tr>
@@ -16989,7 +17055,7 @@
                 </a:tc>
                 <a:extLst>
                   <a:ext uri="{0D108BD9-81ED-4DB2-BD59-A6C34878D82A}">
-                    <a16:rowId xmlns="" xmlns:a16="http://schemas.microsoft.com/office/drawing/2014/main" val="10003"/>
+                    <a16:rowId xmlns:a16="http://schemas.microsoft.com/office/drawing/2014/main" xmlns="" val="10003"/>
                   </a:ext>
                 </a:extLst>
               </a:tr>
@@ -17210,7 +17276,7 @@
                 </a:tc>
                 <a:extLst>
                   <a:ext uri="{0D108BD9-81ED-4DB2-BD59-A6C34878D82A}">
-                    <a16:rowId xmlns="" xmlns:a16="http://schemas.microsoft.com/office/drawing/2014/main" val="10004"/>
+                    <a16:rowId xmlns:a16="http://schemas.microsoft.com/office/drawing/2014/main" xmlns="" val="10004"/>
                   </a:ext>
                 </a:extLst>
               </a:tr>
@@ -17437,7 +17503,7 @@
                 </a:tc>
                 <a:extLst>
                   <a:ext uri="{0D108BD9-81ED-4DB2-BD59-A6C34878D82A}">
-                    <a16:rowId xmlns="" xmlns:a16="http://schemas.microsoft.com/office/drawing/2014/main" val="10005"/>
+                    <a16:rowId xmlns:a16="http://schemas.microsoft.com/office/drawing/2014/main" xmlns="" val="10005"/>
                   </a:ext>
                 </a:extLst>
               </a:tr>
@@ -17981,31 +18047,43 @@
               <a:defRPr/>
             </a:pPr>
             <a:r>
-              <a:rPr lang="en-US" altLang="ko-KR" sz="4400" b="0" smtClean="0"/>
+              <a:rPr lang="en-US" altLang="ko-KR" sz="3600" b="0" smtClean="0"/>
               <a:t>[</a:t>
             </a:r>
             <a:r>
-              <a:rPr lang="ko-KR" altLang="en-US" sz="4400" b="0" smtClean="0"/>
+              <a:rPr lang="ko-KR" altLang="en-US" sz="3600" b="0" smtClean="0"/>
               <a:t>화면설계</a:t>
             </a:r>
             <a:r>
-              <a:rPr lang="en-US" altLang="ko-KR" sz="4400" b="0" smtClean="0"/>
+              <a:rPr lang="en-US" altLang="ko-KR" sz="3600" b="0" smtClean="0"/>
               <a:t>] </a:t>
             </a:r>
             <a:r>
-              <a:rPr lang="ko-KR" altLang="en-US" sz="4400" b="0" smtClean="0"/>
+              <a:rPr lang="ko-KR" altLang="en-US" sz="3600" b="0" smtClean="0"/>
               <a:t>사용자 </a:t>
             </a:r>
             <a:r>
-              <a:rPr lang="en-US" altLang="ko-KR" sz="4400" b="0" smtClean="0"/>
+              <a:rPr lang="en-US" altLang="ko-KR" sz="3600" b="0" smtClean="0"/>
+              <a:t>– </a:t>
+            </a:r>
+            <a:r>
+              <a:rPr lang="ko-KR" altLang="en-US" sz="3600" b="0" smtClean="0"/>
+              <a:t>웹 </a:t>
+            </a:r>
+            <a:r>
+              <a:rPr lang="en-US" altLang="ko-KR" sz="3600" b="0" smtClean="0"/>
               <a:t>- </a:t>
             </a:r>
             <a:r>
-              <a:rPr lang="ko-KR" altLang="en-US" sz="4400" b="0" smtClean="0"/>
+              <a:rPr lang="en-US" altLang="ko-KR" sz="3600" b="0" smtClean="0"/>
+              <a:t> </a:t>
+            </a:r>
+            <a:r>
+              <a:rPr lang="ko-KR" altLang="en-US" sz="3600" b="0" smtClean="0"/>
               <a:t>메인페이지</a:t>
             </a:r>
             <a:r>
-              <a:rPr lang="ko-KR" altLang="en-US" sz="2800" b="0" smtClean="0"/>
+              <a:rPr lang="ko-KR" altLang="en-US" sz="2000" b="0" smtClean="0"/>
               <a:t> </a:t>
             </a:r>
             <a:r>
@@ -18093,14 +18171,14 @@
                 <a:gridCol w="311106">
                   <a:extLst>
                     <a:ext uri="{9D8B030D-6E8A-4147-A177-3AD203B41FA5}">
-                      <a16:colId xmlns="" xmlns:a16="http://schemas.microsoft.com/office/drawing/2014/main" val="20000"/>
+                      <a16:colId xmlns:a16="http://schemas.microsoft.com/office/drawing/2014/main" xmlns="" val="20000"/>
                     </a:ext>
                   </a:extLst>
                 </a:gridCol>
                 <a:gridCol w="2558644">
                   <a:extLst>
                     <a:ext uri="{9D8B030D-6E8A-4147-A177-3AD203B41FA5}">
-                      <a16:colId xmlns="" xmlns:a16="http://schemas.microsoft.com/office/drawing/2014/main" val="20001"/>
+                      <a16:colId xmlns:a16="http://schemas.microsoft.com/office/drawing/2014/main" xmlns="" val="20001"/>
                     </a:ext>
                   </a:extLst>
                 </a:gridCol>
@@ -18258,7 +18336,7 @@
                 </a:tc>
                 <a:extLst>
                   <a:ext uri="{0D108BD9-81ED-4DB2-BD59-A6C34878D82A}">
-                    <a16:rowId xmlns="" xmlns:a16="http://schemas.microsoft.com/office/drawing/2014/main" val="10000"/>
+                    <a16:rowId xmlns:a16="http://schemas.microsoft.com/office/drawing/2014/main" xmlns="" val="10000"/>
                   </a:ext>
                 </a:extLst>
               </a:tr>
@@ -18605,7 +18683,7 @@
                 </a:tc>
                 <a:extLst>
                   <a:ext uri="{0D108BD9-81ED-4DB2-BD59-A6C34878D82A}">
-                    <a16:rowId xmlns="" xmlns:a16="http://schemas.microsoft.com/office/drawing/2014/main" val="10001"/>
+                    <a16:rowId xmlns:a16="http://schemas.microsoft.com/office/drawing/2014/main" xmlns="" val="10001"/>
                   </a:ext>
                 </a:extLst>
               </a:tr>
@@ -18826,7 +18904,7 @@
                 </a:tc>
                 <a:extLst>
                   <a:ext uri="{0D108BD9-81ED-4DB2-BD59-A6C34878D82A}">
-                    <a16:rowId xmlns="" xmlns:a16="http://schemas.microsoft.com/office/drawing/2014/main" val="10002"/>
+                    <a16:rowId xmlns:a16="http://schemas.microsoft.com/office/drawing/2014/main" xmlns="" val="10002"/>
                   </a:ext>
                 </a:extLst>
               </a:tr>
@@ -19063,7 +19141,7 @@
                 </a:tc>
                 <a:extLst>
                   <a:ext uri="{0D108BD9-81ED-4DB2-BD59-A6C34878D82A}">
-                    <a16:rowId xmlns="" xmlns:a16="http://schemas.microsoft.com/office/drawing/2014/main" val="10003"/>
+                    <a16:rowId xmlns:a16="http://schemas.microsoft.com/office/drawing/2014/main" xmlns="" val="10003"/>
                   </a:ext>
                 </a:extLst>
               </a:tr>
@@ -19290,7 +19368,7 @@
                 </a:tc>
                 <a:extLst>
                   <a:ext uri="{0D108BD9-81ED-4DB2-BD59-A6C34878D82A}">
-                    <a16:rowId xmlns="" xmlns:a16="http://schemas.microsoft.com/office/drawing/2014/main" val="10004"/>
+                    <a16:rowId xmlns:a16="http://schemas.microsoft.com/office/drawing/2014/main" xmlns="" val="10004"/>
                   </a:ext>
                 </a:extLst>
               </a:tr>
@@ -19638,38 +19716,46 @@
               <a:defRPr/>
             </a:pPr>
             <a:r>
-              <a:rPr lang="en-US" altLang="ko-KR" sz="4800" b="0" smtClean="0"/>
+              <a:rPr lang="en-US" altLang="ko-KR" sz="4000" b="0" smtClean="0"/>
               <a:t>[</a:t>
             </a:r>
             <a:r>
-              <a:rPr lang="ko-KR" altLang="en-US" sz="4800" b="0" smtClean="0"/>
+              <a:rPr lang="ko-KR" altLang="en-US" sz="4000" b="0" smtClean="0"/>
               <a:t>화면설계</a:t>
             </a:r>
             <a:r>
-              <a:rPr lang="en-US" altLang="ko-KR" sz="4800" b="0" smtClean="0"/>
+              <a:rPr lang="en-US" altLang="ko-KR" sz="4000" b="0" smtClean="0"/>
               <a:t>] </a:t>
             </a:r>
             <a:r>
-              <a:rPr lang="ko-KR" altLang="en-US" sz="4800" b="0" smtClean="0"/>
+              <a:rPr lang="ko-KR" altLang="en-US" sz="4000" b="0" smtClean="0"/>
               <a:t>사용자 </a:t>
             </a:r>
             <a:r>
-              <a:rPr lang="en-US" altLang="ko-KR" sz="4800" b="0" smtClean="0"/>
+              <a:rPr lang="en-US" altLang="ko-KR" sz="4000" b="0" smtClean="0"/>
+              <a:t>– </a:t>
+            </a:r>
+            <a:r>
+              <a:rPr lang="ko-KR" altLang="en-US" sz="4000" b="0" smtClean="0"/>
+              <a:t>웹 </a:t>
+            </a:r>
+            <a:r>
+              <a:rPr lang="en-US" altLang="ko-KR" sz="4000" b="0" smtClean="0"/>
               <a:t>- </a:t>
             </a:r>
             <a:r>
-              <a:rPr lang="ko-KR" altLang="en-US" sz="4800" b="0" smtClean="0"/>
+              <a:rPr lang="ko-KR" altLang="en-US" sz="4000" b="0" smtClean="0"/>
               <a:t>로그인 </a:t>
             </a:r>
             <a:r>
-              <a:rPr lang="ko-KR" altLang="en-US" sz="4800" b="0"/>
+              <a:rPr lang="ko-KR" altLang="en-US" sz="4000" b="0"/>
               <a:t>페이지</a:t>
             </a:r>
             <a:r>
-              <a:rPr lang="ko-KR" altLang="en-US" sz="3200" b="0"/>
+              <a:rPr lang="ko-KR" altLang="en-US" sz="2400" b="0"/>
               <a:t> </a:t>
             </a:r>
-            <a:endParaRPr lang="ko-KR" altLang="en-US" sz="3200" b="0" dirty="0"/>
+            <a:endParaRPr lang="ko-KR" altLang="en-US" sz="2400" b="0" dirty="0"/>
           </a:p>
         </p:txBody>
       </p:sp>
@@ -19746,14 +19832,14 @@
                 <a:gridCol w="311106">
                   <a:extLst>
                     <a:ext uri="{9D8B030D-6E8A-4147-A177-3AD203B41FA5}">
-                      <a16:colId xmlns="" xmlns:a16="http://schemas.microsoft.com/office/drawing/2014/main" val="20000"/>
+                      <a16:colId xmlns:a16="http://schemas.microsoft.com/office/drawing/2014/main" xmlns="" val="20000"/>
                     </a:ext>
                   </a:extLst>
                 </a:gridCol>
                 <a:gridCol w="2558644">
                   <a:extLst>
                     <a:ext uri="{9D8B030D-6E8A-4147-A177-3AD203B41FA5}">
-                      <a16:colId xmlns="" xmlns:a16="http://schemas.microsoft.com/office/drawing/2014/main" val="20001"/>
+                      <a16:colId xmlns:a16="http://schemas.microsoft.com/office/drawing/2014/main" xmlns="" val="20001"/>
                     </a:ext>
                   </a:extLst>
                 </a:gridCol>
@@ -19911,7 +19997,7 @@
                 </a:tc>
                 <a:extLst>
                   <a:ext uri="{0D108BD9-81ED-4DB2-BD59-A6C34878D82A}">
-                    <a16:rowId xmlns="" xmlns:a16="http://schemas.microsoft.com/office/drawing/2014/main" val="10000"/>
+                    <a16:rowId xmlns:a16="http://schemas.microsoft.com/office/drawing/2014/main" xmlns="" val="10000"/>
                   </a:ext>
                 </a:extLst>
               </a:tr>
@@ -20223,7 +20309,7 @@
                 </a:tc>
                 <a:extLst>
                   <a:ext uri="{0D108BD9-81ED-4DB2-BD59-A6C34878D82A}">
-                    <a16:rowId xmlns="" xmlns:a16="http://schemas.microsoft.com/office/drawing/2014/main" val="10001"/>
+                    <a16:rowId xmlns:a16="http://schemas.microsoft.com/office/drawing/2014/main" xmlns="" val="10001"/>
                   </a:ext>
                 </a:extLst>
               </a:tr>
@@ -20354,7 +20440,7 @@
                 </a:tc>
                 <a:extLst>
                   <a:ext uri="{0D108BD9-81ED-4DB2-BD59-A6C34878D82A}">
-                    <a16:rowId xmlns="" xmlns:a16="http://schemas.microsoft.com/office/drawing/2014/main" val="10002"/>
+                    <a16:rowId xmlns:a16="http://schemas.microsoft.com/office/drawing/2014/main" xmlns="" val="10002"/>
                   </a:ext>
                 </a:extLst>
               </a:tr>
@@ -20702,42 +20788,38 @@
               <a:defRPr/>
             </a:pPr>
             <a:r>
-              <a:rPr lang="en-US" altLang="ko-KR" sz="4400" b="0" smtClean="0"/>
+              <a:rPr lang="en-US" altLang="ko-KR" sz="4000" b="0" smtClean="0"/>
               <a:t>[</a:t>
             </a:r>
             <a:r>
-              <a:rPr lang="ko-KR" altLang="en-US" sz="4400" b="0" smtClean="0"/>
+              <a:rPr lang="ko-KR" altLang="en-US" sz="4000" b="0" smtClean="0"/>
               <a:t>화면설계</a:t>
             </a:r>
             <a:r>
-              <a:rPr lang="en-US" altLang="ko-KR" sz="4400" b="0" smtClean="0"/>
+              <a:rPr lang="en-US" altLang="ko-KR" sz="4000" b="0" smtClean="0"/>
               <a:t>] </a:t>
             </a:r>
             <a:r>
-              <a:rPr lang="ko-KR" altLang="en-US" sz="4400" b="0" smtClean="0"/>
+              <a:rPr lang="ko-KR" altLang="en-US" sz="4000" b="0" smtClean="0"/>
               <a:t>사용자 </a:t>
             </a:r>
             <a:r>
-              <a:rPr lang="en-US" altLang="ko-KR" sz="4400" b="0" smtClean="0"/>
-              <a:t>- </a:t>
-            </a:r>
-            <a:r>
-              <a:rPr lang="ko-KR" altLang="en-US" sz="4400" b="0" smtClean="0"/>
+              <a:rPr lang="en-US" altLang="ko-KR" sz="4000" b="0" smtClean="0"/>
+              <a:t>– </a:t>
+            </a:r>
+            <a:r>
+              <a:rPr lang="ko-KR" altLang="en-US" sz="4000" b="0" smtClean="0"/>
+              <a:t>모바일 </a:t>
+            </a:r>
+            <a:r>
+              <a:rPr lang="en-US" altLang="ko-KR" sz="4000" b="0" smtClean="0"/>
+              <a:t>-</a:t>
+            </a:r>
+            <a:r>
+              <a:rPr lang="ko-KR" altLang="en-US" sz="4000" b="0" smtClean="0"/>
               <a:t>메인페이지</a:t>
             </a:r>
-            <a:r>
-              <a:rPr lang="ko-KR" altLang="en-US" sz="2800" b="0" smtClean="0"/>
-              <a:t> </a:t>
-            </a:r>
-            <a:r>
-              <a:rPr lang="en-US" altLang="ko-KR" sz="2800" b="0"/>
-              <a:t>- </a:t>
-            </a:r>
-            <a:r>
-              <a:rPr lang="ko-KR" altLang="en-US" sz="2800" b="0"/>
-              <a:t>모바일</a:t>
-            </a:r>
-            <a:endParaRPr lang="ko-KR" altLang="en-US" sz="2800" b="0" dirty="0"/>
+            <a:endParaRPr lang="ko-KR" altLang="en-US" sz="2400" b="0" dirty="0"/>
           </a:p>
         </p:txBody>
       </p:sp>
@@ -20814,14 +20896,14 @@
                 <a:gridCol w="311106">
                   <a:extLst>
                     <a:ext uri="{9D8B030D-6E8A-4147-A177-3AD203B41FA5}">
-                      <a16:colId xmlns="" xmlns:a16="http://schemas.microsoft.com/office/drawing/2014/main" val="20000"/>
+                      <a16:colId xmlns:a16="http://schemas.microsoft.com/office/drawing/2014/main" xmlns="" val="20000"/>
                     </a:ext>
                   </a:extLst>
                 </a:gridCol>
                 <a:gridCol w="2558644">
                   <a:extLst>
                     <a:ext uri="{9D8B030D-6E8A-4147-A177-3AD203B41FA5}">
-                      <a16:colId xmlns="" xmlns:a16="http://schemas.microsoft.com/office/drawing/2014/main" val="20001"/>
+                      <a16:colId xmlns:a16="http://schemas.microsoft.com/office/drawing/2014/main" xmlns="" val="20001"/>
                     </a:ext>
                   </a:extLst>
                 </a:gridCol>
@@ -20979,7 +21061,7 @@
                 </a:tc>
                 <a:extLst>
                   <a:ext uri="{0D108BD9-81ED-4DB2-BD59-A6C34878D82A}">
-                    <a16:rowId xmlns="" xmlns:a16="http://schemas.microsoft.com/office/drawing/2014/main" val="10000"/>
+                    <a16:rowId xmlns:a16="http://schemas.microsoft.com/office/drawing/2014/main" xmlns="" val="10000"/>
                   </a:ext>
                 </a:extLst>
               </a:tr>
@@ -21291,7 +21373,7 @@
                 </a:tc>
                 <a:extLst>
                   <a:ext uri="{0D108BD9-81ED-4DB2-BD59-A6C34878D82A}">
-                    <a16:rowId xmlns="" xmlns:a16="http://schemas.microsoft.com/office/drawing/2014/main" val="10001"/>
+                    <a16:rowId xmlns:a16="http://schemas.microsoft.com/office/drawing/2014/main" xmlns="" val="10001"/>
                   </a:ext>
                 </a:extLst>
               </a:tr>
@@ -21422,7 +21504,7 @@
                 </a:tc>
                 <a:extLst>
                   <a:ext uri="{0D108BD9-81ED-4DB2-BD59-A6C34878D82A}">
-                    <a16:rowId xmlns="" xmlns:a16="http://schemas.microsoft.com/office/drawing/2014/main" val="10002"/>
+                    <a16:rowId xmlns:a16="http://schemas.microsoft.com/office/drawing/2014/main" xmlns="" val="10002"/>
                   </a:ext>
                 </a:extLst>
               </a:tr>
@@ -21775,42 +21857,50 @@
               <a:defRPr/>
             </a:pPr>
             <a:r>
-              <a:rPr lang="en-US" altLang="ko-KR" sz="4000" b="0" smtClean="0"/>
+              <a:rPr lang="en-US" altLang="ko-KR" sz="3600" b="0" smtClean="0"/>
               <a:t>[</a:t>
             </a:r>
             <a:r>
-              <a:rPr lang="ko-KR" altLang="en-US" sz="4000" b="0" smtClean="0"/>
+              <a:rPr lang="ko-KR" altLang="en-US" sz="3600" b="0" smtClean="0"/>
               <a:t>화면설계</a:t>
             </a:r>
             <a:r>
-              <a:rPr lang="en-US" altLang="ko-KR" sz="4000" b="0" smtClean="0"/>
+              <a:rPr lang="en-US" altLang="ko-KR" sz="3600" b="0" smtClean="0"/>
               <a:t>] </a:t>
             </a:r>
             <a:r>
-              <a:rPr lang="ko-KR" altLang="en-US" sz="4000" b="0" smtClean="0"/>
+              <a:rPr lang="ko-KR" altLang="en-US" sz="3600" b="0" smtClean="0"/>
               <a:t>사용자 </a:t>
             </a:r>
             <a:r>
-              <a:rPr lang="en-US" altLang="ko-KR" sz="4000" b="0" smtClean="0"/>
-              <a:t>- </a:t>
-            </a:r>
-            <a:r>
-              <a:rPr lang="ko-KR" altLang="en-US" sz="4000" b="0" smtClean="0"/>
-              <a:t>로그인 페이지</a:t>
-            </a:r>
-            <a:r>
-              <a:rPr lang="en-US" altLang="ko-KR" sz="2800" b="0" smtClean="0"/>
+              <a:rPr lang="en-US" altLang="ko-KR" sz="3600" b="0" smtClean="0"/>
+              <a:t>– </a:t>
+            </a:r>
+            <a:r>
+              <a:rPr lang="ko-KR" altLang="en-US" sz="3600" b="0" smtClean="0"/>
+              <a:t>모바일 </a:t>
+            </a:r>
+            <a:r>
+              <a:rPr lang="en-US" altLang="ko-KR" sz="3600" b="0" smtClean="0"/>
               <a:t>-</a:t>
             </a:r>
             <a:r>
-              <a:rPr lang="ko-KR" altLang="en-US" sz="2800" b="0" smtClean="0"/>
-              <a:t>모바일</a:t>
-            </a:r>
-            <a:r>
-              <a:rPr lang="ko-KR" altLang="en-US" sz="2400" b="0" smtClean="0"/>
+              <a:rPr lang="en-US" altLang="ko-KR" sz="3600" b="0" smtClean="0"/>
               <a:t> </a:t>
             </a:r>
-            <a:endParaRPr lang="ko-KR" altLang="en-US" sz="2400" b="0" dirty="0"/>
+            <a:r>
+              <a:rPr lang="ko-KR" altLang="en-US" sz="3600" b="0" smtClean="0"/>
+              <a:t>로그인 </a:t>
+            </a:r>
+            <a:r>
+              <a:rPr lang="ko-KR" altLang="en-US" sz="3600" b="0" smtClean="0"/>
+              <a:t>페이지</a:t>
+            </a:r>
+            <a:r>
+              <a:rPr lang="ko-KR" altLang="en-US" sz="2000" b="0" smtClean="0"/>
+              <a:t> </a:t>
+            </a:r>
+            <a:endParaRPr lang="ko-KR" altLang="en-US" sz="2000" b="0" dirty="0"/>
           </a:p>
         </p:txBody>
       </p:sp>
@@ -21887,14 +21977,14 @@
                 <a:gridCol w="311106">
                   <a:extLst>
                     <a:ext uri="{9D8B030D-6E8A-4147-A177-3AD203B41FA5}">
-                      <a16:colId xmlns="" xmlns:a16="http://schemas.microsoft.com/office/drawing/2014/main" val="20000"/>
+                      <a16:colId xmlns:a16="http://schemas.microsoft.com/office/drawing/2014/main" xmlns="" val="20000"/>
                     </a:ext>
                   </a:extLst>
                 </a:gridCol>
                 <a:gridCol w="2558644">
                   <a:extLst>
                     <a:ext uri="{9D8B030D-6E8A-4147-A177-3AD203B41FA5}">
-                      <a16:colId xmlns="" xmlns:a16="http://schemas.microsoft.com/office/drawing/2014/main" val="20001"/>
+                      <a16:colId xmlns:a16="http://schemas.microsoft.com/office/drawing/2014/main" xmlns="" val="20001"/>
                     </a:ext>
                   </a:extLst>
                 </a:gridCol>
@@ -22052,7 +22142,7 @@
                 </a:tc>
                 <a:extLst>
                   <a:ext uri="{0D108BD9-81ED-4DB2-BD59-A6C34878D82A}">
-                    <a16:rowId xmlns="" xmlns:a16="http://schemas.microsoft.com/office/drawing/2014/main" val="10000"/>
+                    <a16:rowId xmlns:a16="http://schemas.microsoft.com/office/drawing/2014/main" xmlns="" val="10000"/>
                   </a:ext>
                 </a:extLst>
               </a:tr>
@@ -22364,7 +22454,7 @@
                 </a:tc>
                 <a:extLst>
                   <a:ext uri="{0D108BD9-81ED-4DB2-BD59-A6C34878D82A}">
-                    <a16:rowId xmlns="" xmlns:a16="http://schemas.microsoft.com/office/drawing/2014/main" val="10001"/>
+                    <a16:rowId xmlns:a16="http://schemas.microsoft.com/office/drawing/2014/main" xmlns="" val="10001"/>
                   </a:ext>
                 </a:extLst>
               </a:tr>
@@ -22495,7 +22585,7 @@
                 </a:tc>
                 <a:extLst>
                   <a:ext uri="{0D108BD9-81ED-4DB2-BD59-A6C34878D82A}">
-                    <a16:rowId xmlns="" xmlns:a16="http://schemas.microsoft.com/office/drawing/2014/main" val="10002"/>
+                    <a16:rowId xmlns:a16="http://schemas.microsoft.com/office/drawing/2014/main" xmlns="" val="10002"/>
                   </a:ext>
                 </a:extLst>
               </a:tr>
@@ -22843,34 +22933,42 @@
               <a:defRPr/>
             </a:pPr>
             <a:r>
-              <a:rPr lang="en-US" altLang="ko-KR" sz="4400" b="0" smtClean="0"/>
+              <a:rPr lang="en-US" altLang="ko-KR" sz="4000" b="0" smtClean="0"/>
               <a:t>[</a:t>
             </a:r>
             <a:r>
-              <a:rPr lang="ko-KR" altLang="en-US" sz="4400" b="0" smtClean="0"/>
+              <a:rPr lang="ko-KR" altLang="en-US" sz="4000" b="0" smtClean="0"/>
               <a:t>화면설계</a:t>
             </a:r>
             <a:r>
-              <a:rPr lang="en-US" altLang="ko-KR" sz="4400" b="0" smtClean="0"/>
+              <a:rPr lang="en-US" altLang="ko-KR" sz="4000" b="0" smtClean="0"/>
               <a:t>] </a:t>
             </a:r>
             <a:r>
-              <a:rPr lang="ko-KR" altLang="en-US" sz="4400" b="0" smtClean="0"/>
+              <a:rPr lang="ko-KR" altLang="en-US" sz="4000" b="0" smtClean="0"/>
               <a:t>사용자 </a:t>
             </a:r>
             <a:r>
-              <a:rPr lang="en-US" altLang="ko-KR" sz="4400" b="0" smtClean="0"/>
+              <a:rPr lang="en-US" altLang="ko-KR" sz="4000" b="0" smtClean="0"/>
+              <a:t>– </a:t>
+            </a:r>
+            <a:r>
+              <a:rPr lang="ko-KR" altLang="en-US" sz="4000" b="0" smtClean="0"/>
+              <a:t>웹 </a:t>
+            </a:r>
+            <a:r>
+              <a:rPr lang="en-US" altLang="ko-KR" sz="4000" b="0" smtClean="0"/>
               <a:t>- </a:t>
             </a:r>
             <a:r>
-              <a:rPr lang="ko-KR" altLang="en-US" sz="4400" b="0" smtClean="0"/>
+              <a:rPr lang="ko-KR" altLang="en-US" sz="4000" b="0" smtClean="0"/>
               <a:t>세미나존 </a:t>
             </a:r>
             <a:r>
-              <a:rPr lang="ko-KR" altLang="en-US" sz="4400" b="0" smtClean="0"/>
+              <a:rPr lang="ko-KR" altLang="en-US" sz="4000" b="0" smtClean="0"/>
               <a:t>정보</a:t>
             </a:r>
-            <a:endParaRPr lang="ko-KR" altLang="en-US" sz="4400" b="0" dirty="0"/>
+            <a:endParaRPr lang="ko-KR" altLang="en-US" sz="4000" b="0" dirty="0"/>
           </a:p>
         </p:txBody>
       </p:sp>
@@ -22998,14 +23096,14 @@
                 <a:gridCol w="311106">
                   <a:extLst>
                     <a:ext uri="{9D8B030D-6E8A-4147-A177-3AD203B41FA5}">
-                      <a16:colId xmlns="" xmlns:a16="http://schemas.microsoft.com/office/drawing/2014/main" val="20000"/>
+                      <a16:colId xmlns:a16="http://schemas.microsoft.com/office/drawing/2014/main" xmlns="" val="20000"/>
                     </a:ext>
                   </a:extLst>
                 </a:gridCol>
                 <a:gridCol w="2558644">
                   <a:extLst>
                     <a:ext uri="{9D8B030D-6E8A-4147-A177-3AD203B41FA5}">
-                      <a16:colId xmlns="" xmlns:a16="http://schemas.microsoft.com/office/drawing/2014/main" val="20001"/>
+                      <a16:colId xmlns:a16="http://schemas.microsoft.com/office/drawing/2014/main" xmlns="" val="20001"/>
                     </a:ext>
                   </a:extLst>
                 </a:gridCol>
@@ -23163,7 +23261,7 @@
                 </a:tc>
                 <a:extLst>
                   <a:ext uri="{0D108BD9-81ED-4DB2-BD59-A6C34878D82A}">
-                    <a16:rowId xmlns="" xmlns:a16="http://schemas.microsoft.com/office/drawing/2014/main" val="10000"/>
+                    <a16:rowId xmlns:a16="http://schemas.microsoft.com/office/drawing/2014/main" xmlns="" val="10000"/>
                   </a:ext>
                 </a:extLst>
               </a:tr>
@@ -23320,7 +23418,7 @@
                 </a:tc>
                 <a:extLst>
                   <a:ext uri="{0D108BD9-81ED-4DB2-BD59-A6C34878D82A}">
-                    <a16:rowId xmlns="" xmlns:a16="http://schemas.microsoft.com/office/drawing/2014/main" val="10001"/>
+                    <a16:rowId xmlns:a16="http://schemas.microsoft.com/office/drawing/2014/main" xmlns="" val="10001"/>
                   </a:ext>
                 </a:extLst>
               </a:tr>
@@ -23478,7 +23576,7 @@
                 </a:tc>
                 <a:extLst>
                   <a:ext uri="{0D108BD9-81ED-4DB2-BD59-A6C34878D82A}">
-                    <a16:rowId xmlns="" xmlns:a16="http://schemas.microsoft.com/office/drawing/2014/main" val="10002"/>
+                    <a16:rowId xmlns:a16="http://schemas.microsoft.com/office/drawing/2014/main" xmlns="" val="10002"/>
                   </a:ext>
                 </a:extLst>
               </a:tr>

--- a/0 발표용 파워포인트/project05 - 파워포인트 종합 - 기범.pptx
+++ b/0 발표용 파워포인트/project05 - 파워포인트 종합 - 기범.pptx
@@ -5,7 +5,7 @@
     <p:sldMasterId id="2147483648" r:id="rId1"/>
   </p:sldMasterIdLst>
   <p:notesMasterIdLst>
-    <p:notesMasterId r:id="rId31"/>
+    <p:notesMasterId r:id="rId32"/>
   </p:notesMasterIdLst>
   <p:sldIdLst>
     <p:sldId id="256" r:id="rId2"/>
@@ -28,15 +28,16 @@
     <p:sldId id="261" r:id="rId19"/>
     <p:sldId id="262" r:id="rId20"/>
     <p:sldId id="263" r:id="rId21"/>
-    <p:sldId id="264" r:id="rId22"/>
-    <p:sldId id="265" r:id="rId23"/>
-    <p:sldId id="266" r:id="rId24"/>
-    <p:sldId id="267" r:id="rId25"/>
-    <p:sldId id="268" r:id="rId26"/>
-    <p:sldId id="269" r:id="rId27"/>
-    <p:sldId id="270" r:id="rId28"/>
-    <p:sldId id="271" r:id="rId29"/>
-    <p:sldId id="272" r:id="rId30"/>
+    <p:sldId id="285" r:id="rId22"/>
+    <p:sldId id="264" r:id="rId23"/>
+    <p:sldId id="265" r:id="rId24"/>
+    <p:sldId id="266" r:id="rId25"/>
+    <p:sldId id="267" r:id="rId26"/>
+    <p:sldId id="268" r:id="rId27"/>
+    <p:sldId id="269" r:id="rId28"/>
+    <p:sldId id="270" r:id="rId29"/>
+    <p:sldId id="271" r:id="rId30"/>
+    <p:sldId id="272" r:id="rId31"/>
   </p:sldIdLst>
   <p:sldSz cx="12192000" cy="6858000"/>
   <p:notesSz cx="6858000" cy="9144000"/>
@@ -237,7 +238,7 @@
             <a:fld id="{EFE7F2A0-C7D9-4DBD-AE3B-C1A712DCE501}" type="datetimeFigureOut">
               <a:rPr lang="ko-KR" altLang="en-US" smtClean="0"/>
               <a:pPr/>
-              <a:t>2020-04-09</a:t>
+              <a:t>2020-04-16</a:t>
             </a:fld>
             <a:endParaRPr lang="ko-KR" altLang="en-US"/>
           </a:p>
@@ -638,7 +639,7 @@
             <a:fld id="{272C3D53-FEDF-49EC-8F65-FFFC138B637E}" type="datetimeFigureOut">
               <a:rPr lang="ko-KR" altLang="en-US" smtClean="0"/>
               <a:pPr/>
-              <a:t>2020-04-09</a:t>
+              <a:t>2020-04-16</a:t>
             </a:fld>
             <a:endParaRPr lang="ko-KR" altLang="en-US"/>
           </a:p>
@@ -810,7 +811,7 @@
             <a:fld id="{272C3D53-FEDF-49EC-8F65-FFFC138B637E}" type="datetimeFigureOut">
               <a:rPr lang="ko-KR" altLang="en-US" smtClean="0"/>
               <a:pPr/>
-              <a:t>2020-04-09</a:t>
+              <a:t>2020-04-16</a:t>
             </a:fld>
             <a:endParaRPr lang="ko-KR" altLang="en-US"/>
           </a:p>
@@ -992,7 +993,7 @@
             <a:fld id="{272C3D53-FEDF-49EC-8F65-FFFC138B637E}" type="datetimeFigureOut">
               <a:rPr lang="ko-KR" altLang="en-US" smtClean="0"/>
               <a:pPr/>
-              <a:t>2020-04-09</a:t>
+              <a:t>2020-04-16</a:t>
             </a:fld>
             <a:endParaRPr lang="ko-KR" altLang="en-US"/>
           </a:p>
@@ -1188,7 +1189,7 @@
             <a:fld id="{ED3D6733-6F27-4404-AB51-585418F146E5}" type="datetimeFigureOut">
               <a:rPr lang="ko-KR" altLang="en-US" smtClean="0"/>
               <a:pPr/>
-              <a:t>2020-04-09</a:t>
+              <a:t>2020-04-16</a:t>
             </a:fld>
             <a:endParaRPr lang="ko-KR" altLang="en-US"/>
           </a:p>
@@ -1481,7 +1482,7 @@
             <a:fld id="{272C3D53-FEDF-49EC-8F65-FFFC138B637E}" type="datetimeFigureOut">
               <a:rPr lang="ko-KR" altLang="en-US" smtClean="0"/>
               <a:pPr/>
-              <a:t>2020-04-09</a:t>
+              <a:t>2020-04-16</a:t>
             </a:fld>
             <a:endParaRPr lang="ko-KR" altLang="en-US"/>
           </a:p>
@@ -1729,7 +1730,7 @@
             <a:fld id="{272C3D53-FEDF-49EC-8F65-FFFC138B637E}" type="datetimeFigureOut">
               <a:rPr lang="ko-KR" altLang="en-US" smtClean="0"/>
               <a:pPr/>
-              <a:t>2020-04-09</a:t>
+              <a:t>2020-04-16</a:t>
             </a:fld>
             <a:endParaRPr lang="ko-KR" altLang="en-US"/>
           </a:p>
@@ -1963,7 +1964,7 @@
             <a:fld id="{272C3D53-FEDF-49EC-8F65-FFFC138B637E}" type="datetimeFigureOut">
               <a:rPr lang="ko-KR" altLang="en-US" smtClean="0"/>
               <a:pPr/>
-              <a:t>2020-04-09</a:t>
+              <a:t>2020-04-16</a:t>
             </a:fld>
             <a:endParaRPr lang="ko-KR" altLang="en-US"/>
           </a:p>
@@ -2332,7 +2333,7 @@
             <a:fld id="{272C3D53-FEDF-49EC-8F65-FFFC138B637E}" type="datetimeFigureOut">
               <a:rPr lang="ko-KR" altLang="en-US" smtClean="0"/>
               <a:pPr/>
-              <a:t>2020-04-09</a:t>
+              <a:t>2020-04-16</a:t>
             </a:fld>
             <a:endParaRPr lang="ko-KR" altLang="en-US"/>
           </a:p>
@@ -2452,7 +2453,7 @@
             <a:fld id="{272C3D53-FEDF-49EC-8F65-FFFC138B637E}" type="datetimeFigureOut">
               <a:rPr lang="ko-KR" altLang="en-US" smtClean="0"/>
               <a:pPr/>
-              <a:t>2020-04-09</a:t>
+              <a:t>2020-04-16</a:t>
             </a:fld>
             <a:endParaRPr lang="ko-KR" altLang="en-US"/>
           </a:p>
@@ -2549,7 +2550,7 @@
             <a:fld id="{272C3D53-FEDF-49EC-8F65-FFFC138B637E}" type="datetimeFigureOut">
               <a:rPr lang="ko-KR" altLang="en-US" smtClean="0"/>
               <a:pPr/>
-              <a:t>2020-04-09</a:t>
+              <a:t>2020-04-16</a:t>
             </a:fld>
             <a:endParaRPr lang="ko-KR" altLang="en-US"/>
           </a:p>
@@ -2828,7 +2829,7 @@
             <a:fld id="{272C3D53-FEDF-49EC-8F65-FFFC138B637E}" type="datetimeFigureOut">
               <a:rPr lang="ko-KR" altLang="en-US" smtClean="0"/>
               <a:pPr/>
-              <a:t>2020-04-09</a:t>
+              <a:t>2020-04-16</a:t>
             </a:fld>
             <a:endParaRPr lang="ko-KR" altLang="en-US"/>
           </a:p>
@@ -3083,7 +3084,7 @@
             <a:fld id="{272C3D53-FEDF-49EC-8F65-FFFC138B637E}" type="datetimeFigureOut">
               <a:rPr lang="ko-KR" altLang="en-US" smtClean="0"/>
               <a:pPr/>
-              <a:t>2020-04-09</a:t>
+              <a:t>2020-04-16</a:t>
             </a:fld>
             <a:endParaRPr lang="ko-KR" altLang="en-US"/>
           </a:p>
@@ -3298,7 +3299,7 @@
             <a:fld id="{272C3D53-FEDF-49EC-8F65-FFFC138B637E}" type="datetimeFigureOut">
               <a:rPr lang="ko-KR" altLang="en-US" smtClean="0"/>
               <a:pPr/>
-              <a:t>2020-04-09</a:t>
+              <a:t>2020-04-16</a:t>
             </a:fld>
             <a:endParaRPr lang="ko-KR" altLang="en-US"/>
           </a:p>
@@ -3947,14 +3948,14 @@
                 <a:gridCol w="311106">
                   <a:extLst>
                     <a:ext uri="{9D8B030D-6E8A-4147-A177-3AD203B41FA5}">
-                      <a16:colId xmlns="" xmlns:a16="http://schemas.microsoft.com/office/drawing/2014/main" val="20000"/>
+                      <a16:colId xmlns:a16="http://schemas.microsoft.com/office/drawing/2014/main" xmlns="" val="20000"/>
                     </a:ext>
                   </a:extLst>
                 </a:gridCol>
                 <a:gridCol w="2558644">
                   <a:extLst>
                     <a:ext uri="{9D8B030D-6E8A-4147-A177-3AD203B41FA5}">
-                      <a16:colId xmlns="" xmlns:a16="http://schemas.microsoft.com/office/drawing/2014/main" val="20001"/>
+                      <a16:colId xmlns:a16="http://schemas.microsoft.com/office/drawing/2014/main" xmlns="" val="20001"/>
                     </a:ext>
                   </a:extLst>
                 </a:gridCol>
@@ -4112,7 +4113,7 @@
                 </a:tc>
                 <a:extLst>
                   <a:ext uri="{0D108BD9-81ED-4DB2-BD59-A6C34878D82A}">
-                    <a16:rowId xmlns="" xmlns:a16="http://schemas.microsoft.com/office/drawing/2014/main" val="10000"/>
+                    <a16:rowId xmlns:a16="http://schemas.microsoft.com/office/drawing/2014/main" xmlns="" val="10000"/>
                   </a:ext>
                 </a:extLst>
               </a:tr>
@@ -4269,7 +4270,7 @@
                 </a:tc>
                 <a:extLst>
                   <a:ext uri="{0D108BD9-81ED-4DB2-BD59-A6C34878D82A}">
-                    <a16:rowId xmlns="" xmlns:a16="http://schemas.microsoft.com/office/drawing/2014/main" val="10001"/>
+                    <a16:rowId xmlns:a16="http://schemas.microsoft.com/office/drawing/2014/main" xmlns="" val="10001"/>
                   </a:ext>
                 </a:extLst>
               </a:tr>
@@ -4400,7 +4401,7 @@
                 </a:tc>
                 <a:extLst>
                   <a:ext uri="{0D108BD9-81ED-4DB2-BD59-A6C34878D82A}">
-                    <a16:rowId xmlns="" xmlns:a16="http://schemas.microsoft.com/office/drawing/2014/main" val="10002"/>
+                    <a16:rowId xmlns:a16="http://schemas.microsoft.com/office/drawing/2014/main" xmlns="" val="10002"/>
                   </a:ext>
                 </a:extLst>
               </a:tr>
@@ -4759,32 +4760,8 @@
         </p:blipFill>
         <p:spPr>
           <a:xfrm>
-            <a:off x="6475956" y="2127467"/>
+            <a:off x="6500669" y="3140721"/>
             <a:ext cx="5611008" cy="1200150"/>
-          </a:xfrm>
-          <a:prstGeom prst="rect">
-            <a:avLst/>
-          </a:prstGeom>
-        </p:spPr>
-      </p:pic>
-      <p:pic>
-        <p:nvPicPr>
-          <p:cNvPr id="6" name="그림 5"/>
-          <p:cNvPicPr>
-            <a:picLocks noChangeAspect="1"/>
-          </p:cNvPicPr>
-          <p:nvPr/>
-        </p:nvPicPr>
-        <p:blipFill>
-          <a:blip r:embed="rId4"/>
-          <a:stretch>
-            <a:fillRect/>
-          </a:stretch>
-        </p:blipFill>
-        <p:spPr>
-          <a:xfrm>
-            <a:off x="6475956" y="3862692"/>
-            <a:ext cx="5523978" cy="1642113"/>
           </a:xfrm>
           <a:prstGeom prst="rect">
             <a:avLst/>
@@ -4935,8 +4912,56 @@
         </p:blipFill>
         <p:spPr>
           <a:xfrm>
-            <a:off x="7039626" y="2862654"/>
+            <a:off x="7253810" y="4436081"/>
             <a:ext cx="4746321" cy="1533525"/>
+          </a:xfrm>
+          <a:prstGeom prst="rect">
+            <a:avLst/>
+          </a:prstGeom>
+        </p:spPr>
+      </p:pic>
+      <p:pic>
+        <p:nvPicPr>
+          <p:cNvPr id="3" name="그림 2"/>
+          <p:cNvPicPr>
+            <a:picLocks noChangeAspect="1"/>
+          </p:cNvPicPr>
+          <p:nvPr/>
+        </p:nvPicPr>
+        <p:blipFill>
+          <a:blip r:embed="rId4"/>
+          <a:stretch>
+            <a:fillRect/>
+          </a:stretch>
+        </p:blipFill>
+        <p:spPr>
+          <a:xfrm>
+            <a:off x="7253809" y="1547356"/>
+            <a:ext cx="4746321" cy="257175"/>
+          </a:xfrm>
+          <a:prstGeom prst="rect">
+            <a:avLst/>
+          </a:prstGeom>
+        </p:spPr>
+      </p:pic>
+      <p:pic>
+        <p:nvPicPr>
+          <p:cNvPr id="6" name="그림 5"/>
+          <p:cNvPicPr>
+            <a:picLocks noChangeAspect="1"/>
+          </p:cNvPicPr>
+          <p:nvPr/>
+        </p:nvPicPr>
+        <p:blipFill>
+          <a:blip r:embed="rId5"/>
+          <a:stretch>
+            <a:fillRect/>
+          </a:stretch>
+        </p:blipFill>
+        <p:spPr>
+          <a:xfrm>
+            <a:off x="7253809" y="2201143"/>
+            <a:ext cx="4580231" cy="1838325"/>
           </a:xfrm>
           <a:prstGeom prst="rect">
             <a:avLst/>
@@ -5112,14 +5137,14 @@
                 <a:gridCol w="311106">
                   <a:extLst>
                     <a:ext uri="{9D8B030D-6E8A-4147-A177-3AD203B41FA5}">
-                      <a16:colId xmlns="" xmlns:a16="http://schemas.microsoft.com/office/drawing/2014/main" val="20000"/>
+                      <a16:colId xmlns:a16="http://schemas.microsoft.com/office/drawing/2014/main" xmlns="" val="20000"/>
                     </a:ext>
                   </a:extLst>
                 </a:gridCol>
                 <a:gridCol w="2558644">
                   <a:extLst>
                     <a:ext uri="{9D8B030D-6E8A-4147-A177-3AD203B41FA5}">
-                      <a16:colId xmlns="" xmlns:a16="http://schemas.microsoft.com/office/drawing/2014/main" val="20001"/>
+                      <a16:colId xmlns:a16="http://schemas.microsoft.com/office/drawing/2014/main" xmlns="" val="20001"/>
                     </a:ext>
                   </a:extLst>
                 </a:gridCol>
@@ -5277,7 +5302,7 @@
                 </a:tc>
                 <a:extLst>
                   <a:ext uri="{0D108BD9-81ED-4DB2-BD59-A6C34878D82A}">
-                    <a16:rowId xmlns="" xmlns:a16="http://schemas.microsoft.com/office/drawing/2014/main" val="10000"/>
+                    <a16:rowId xmlns:a16="http://schemas.microsoft.com/office/drawing/2014/main" xmlns="" val="10000"/>
                   </a:ext>
                 </a:extLst>
               </a:tr>
@@ -5434,7 +5459,7 @@
                 </a:tc>
                 <a:extLst>
                   <a:ext uri="{0D108BD9-81ED-4DB2-BD59-A6C34878D82A}">
-                    <a16:rowId xmlns="" xmlns:a16="http://schemas.microsoft.com/office/drawing/2014/main" val="10001"/>
+                    <a16:rowId xmlns:a16="http://schemas.microsoft.com/office/drawing/2014/main" xmlns="" val="10001"/>
                   </a:ext>
                 </a:extLst>
               </a:tr>
@@ -5565,7 +5590,7 @@
                 </a:tc>
                 <a:extLst>
                   <a:ext uri="{0D108BD9-81ED-4DB2-BD59-A6C34878D82A}">
-                    <a16:rowId xmlns="" xmlns:a16="http://schemas.microsoft.com/office/drawing/2014/main" val="10002"/>
+                    <a16:rowId xmlns:a16="http://schemas.microsoft.com/office/drawing/2014/main" xmlns="" val="10002"/>
                   </a:ext>
                 </a:extLst>
               </a:tr>
@@ -5924,8 +5949,80 @@
         </p:blipFill>
         <p:spPr>
           <a:xfrm>
-            <a:off x="6150279" y="3190939"/>
+            <a:off x="6059663" y="1349483"/>
             <a:ext cx="5866161" cy="1152525"/>
+          </a:xfrm>
+          <a:prstGeom prst="rect">
+            <a:avLst/>
+          </a:prstGeom>
+        </p:spPr>
+      </p:pic>
+      <p:pic>
+        <p:nvPicPr>
+          <p:cNvPr id="2" name="그림 1"/>
+          <p:cNvPicPr>
+            <a:picLocks noChangeAspect="1"/>
+          </p:cNvPicPr>
+          <p:nvPr/>
+        </p:nvPicPr>
+        <p:blipFill>
+          <a:blip r:embed="rId4"/>
+          <a:stretch>
+            <a:fillRect/>
+          </a:stretch>
+        </p:blipFill>
+        <p:spPr>
+          <a:xfrm>
+            <a:off x="6106683" y="3819999"/>
+            <a:ext cx="5819141" cy="2707333"/>
+          </a:xfrm>
+          <a:prstGeom prst="rect">
+            <a:avLst/>
+          </a:prstGeom>
+        </p:spPr>
+      </p:pic>
+      <p:pic>
+        <p:nvPicPr>
+          <p:cNvPr id="3" name="그림 2"/>
+          <p:cNvPicPr>
+            <a:picLocks noChangeAspect="1"/>
+          </p:cNvPicPr>
+          <p:nvPr/>
+        </p:nvPicPr>
+        <p:blipFill>
+          <a:blip r:embed="rId5"/>
+          <a:stretch>
+            <a:fillRect/>
+          </a:stretch>
+        </p:blipFill>
+        <p:spPr>
+          <a:xfrm>
+            <a:off x="6059663" y="2634631"/>
+            <a:ext cx="5217641" cy="314325"/>
+          </a:xfrm>
+          <a:prstGeom prst="rect">
+            <a:avLst/>
+          </a:prstGeom>
+        </p:spPr>
+      </p:pic>
+      <p:pic>
+        <p:nvPicPr>
+          <p:cNvPr id="4" name="그림 3"/>
+          <p:cNvPicPr>
+            <a:picLocks noChangeAspect="1"/>
+          </p:cNvPicPr>
+          <p:nvPr/>
+        </p:nvPicPr>
+        <p:blipFill>
+          <a:blip r:embed="rId6"/>
+          <a:stretch>
+            <a:fillRect/>
+          </a:stretch>
+        </p:blipFill>
+        <p:spPr>
+          <a:xfrm>
+            <a:off x="6059663" y="3081579"/>
+            <a:ext cx="2466975" cy="333375"/>
           </a:xfrm>
           <a:prstGeom prst="rect">
             <a:avLst/>
@@ -6101,14 +6198,14 @@
                 <a:gridCol w="311106">
                   <a:extLst>
                     <a:ext uri="{9D8B030D-6E8A-4147-A177-3AD203B41FA5}">
-                      <a16:colId xmlns="" xmlns:a16="http://schemas.microsoft.com/office/drawing/2014/main" val="20000"/>
+                      <a16:colId xmlns:a16="http://schemas.microsoft.com/office/drawing/2014/main" xmlns="" val="20000"/>
                     </a:ext>
                   </a:extLst>
                 </a:gridCol>
                 <a:gridCol w="2558644">
                   <a:extLst>
                     <a:ext uri="{9D8B030D-6E8A-4147-A177-3AD203B41FA5}">
-                      <a16:colId xmlns="" xmlns:a16="http://schemas.microsoft.com/office/drawing/2014/main" val="20001"/>
+                      <a16:colId xmlns:a16="http://schemas.microsoft.com/office/drawing/2014/main" xmlns="" val="20001"/>
                     </a:ext>
                   </a:extLst>
                 </a:gridCol>
@@ -6266,7 +6363,7 @@
                 </a:tc>
                 <a:extLst>
                   <a:ext uri="{0D108BD9-81ED-4DB2-BD59-A6C34878D82A}">
-                    <a16:rowId xmlns="" xmlns:a16="http://schemas.microsoft.com/office/drawing/2014/main" val="10000"/>
+                    <a16:rowId xmlns:a16="http://schemas.microsoft.com/office/drawing/2014/main" xmlns="" val="10000"/>
                   </a:ext>
                 </a:extLst>
               </a:tr>
@@ -6431,7 +6528,7 @@
                 </a:tc>
                 <a:extLst>
                   <a:ext uri="{0D108BD9-81ED-4DB2-BD59-A6C34878D82A}">
-                    <a16:rowId xmlns="" xmlns:a16="http://schemas.microsoft.com/office/drawing/2014/main" val="10001"/>
+                    <a16:rowId xmlns:a16="http://schemas.microsoft.com/office/drawing/2014/main" xmlns="" val="10001"/>
                   </a:ext>
                 </a:extLst>
               </a:tr>
@@ -6562,7 +6659,7 @@
                 </a:tc>
                 <a:extLst>
                   <a:ext uri="{0D108BD9-81ED-4DB2-BD59-A6C34878D82A}">
-                    <a16:rowId xmlns="" xmlns:a16="http://schemas.microsoft.com/office/drawing/2014/main" val="10002"/>
+                    <a16:rowId xmlns:a16="http://schemas.microsoft.com/office/drawing/2014/main" xmlns="" val="10002"/>
                   </a:ext>
                 </a:extLst>
               </a:tr>
@@ -6917,8 +7014,32 @@
         </p:blipFill>
         <p:spPr>
           <a:xfrm>
-            <a:off x="7828768" y="3138944"/>
+            <a:off x="7779341" y="4226360"/>
             <a:ext cx="4108602" cy="1657350"/>
+          </a:xfrm>
+          <a:prstGeom prst="rect">
+            <a:avLst/>
+          </a:prstGeom>
+        </p:spPr>
+      </p:pic>
+      <p:pic>
+        <p:nvPicPr>
+          <p:cNvPr id="3" name="그림 2"/>
+          <p:cNvPicPr>
+            <a:picLocks noChangeAspect="1"/>
+          </p:cNvPicPr>
+          <p:nvPr/>
+        </p:nvPicPr>
+        <p:blipFill>
+          <a:blip r:embed="rId4"/>
+          <a:stretch>
+            <a:fillRect/>
+          </a:stretch>
+        </p:blipFill>
+        <p:spPr>
+          <a:xfrm>
+            <a:off x="7660654" y="1513022"/>
+            <a:ext cx="4345975" cy="2341863"/>
           </a:xfrm>
           <a:prstGeom prst="rect">
             <a:avLst/>
@@ -6977,6 +7098,30 @@
           <a:bodyPr/>
           <a:lstStyle/>
           <a:p>
+            <a:r>
+              <a:rPr lang="en-US" altLang="ko-KR" smtClean="0"/>
+              <a:t>[</a:t>
+            </a:r>
+            <a:r>
+              <a:rPr lang="ko-KR" altLang="en-US" smtClean="0"/>
+              <a:t>화면구현</a:t>
+            </a:r>
+            <a:r>
+              <a:rPr lang="en-US" altLang="ko-KR" smtClean="0"/>
+              <a:t>] </a:t>
+            </a:r>
+            <a:r>
+              <a:rPr lang="ko-KR" altLang="en-US" smtClean="0"/>
+              <a:t>사용자 </a:t>
+            </a:r>
+            <a:r>
+              <a:rPr lang="en-US" altLang="ko-KR" smtClean="0"/>
+              <a:t>– </a:t>
+            </a:r>
+            <a:r>
+              <a:rPr lang="ko-KR" altLang="en-US" smtClean="0"/>
+              <a:t>웹 비밀번호 변경 완료</a:t>
+            </a:r>
             <a:endParaRPr lang="ko-KR" altLang="en-US"/>
           </a:p>
         </p:txBody>
@@ -6997,8 +7142,56 @@
         </p:blipFill>
         <p:spPr>
           <a:xfrm>
-            <a:off x="2008799" y="2007229"/>
+            <a:off x="451848" y="2015467"/>
             <a:ext cx="7553325" cy="3895725"/>
+          </a:xfrm>
+          <a:prstGeom prst="rect">
+            <a:avLst/>
+          </a:prstGeom>
+        </p:spPr>
+      </p:pic>
+      <p:pic>
+        <p:nvPicPr>
+          <p:cNvPr id="3" name="그림 2"/>
+          <p:cNvPicPr>
+            <a:picLocks noChangeAspect="1"/>
+          </p:cNvPicPr>
+          <p:nvPr/>
+        </p:nvPicPr>
+        <p:blipFill>
+          <a:blip r:embed="rId3"/>
+          <a:stretch>
+            <a:fillRect/>
+          </a:stretch>
+        </p:blipFill>
+        <p:spPr>
+          <a:xfrm>
+            <a:off x="5189837" y="1588229"/>
+            <a:ext cx="6705600" cy="238125"/>
+          </a:xfrm>
+          <a:prstGeom prst="rect">
+            <a:avLst/>
+          </a:prstGeom>
+        </p:spPr>
+      </p:pic>
+      <p:pic>
+        <p:nvPicPr>
+          <p:cNvPr id="5" name="그림 4"/>
+          <p:cNvPicPr>
+            <a:picLocks noChangeAspect="1"/>
+          </p:cNvPicPr>
+          <p:nvPr/>
+        </p:nvPicPr>
+        <p:blipFill>
+          <a:blip r:embed="rId4"/>
+          <a:stretch>
+            <a:fillRect/>
+          </a:stretch>
+        </p:blipFill>
+        <p:spPr>
+          <a:xfrm>
+            <a:off x="7084541" y="2319467"/>
+            <a:ext cx="4810896" cy="1338133"/>
           </a:xfrm>
           <a:prstGeom prst="rect">
             <a:avLst/>
@@ -7181,14 +7374,14 @@
                 <a:gridCol w="311106">
                   <a:extLst>
                     <a:ext uri="{9D8B030D-6E8A-4147-A177-3AD203B41FA5}">
-                      <a16:colId xmlns="" xmlns:a16="http://schemas.microsoft.com/office/drawing/2014/main" val="20000"/>
+                      <a16:colId xmlns:a16="http://schemas.microsoft.com/office/drawing/2014/main" xmlns="" val="20000"/>
                     </a:ext>
                   </a:extLst>
                 </a:gridCol>
                 <a:gridCol w="2558644">
                   <a:extLst>
                     <a:ext uri="{9D8B030D-6E8A-4147-A177-3AD203B41FA5}">
-                      <a16:colId xmlns="" xmlns:a16="http://schemas.microsoft.com/office/drawing/2014/main" val="20001"/>
+                      <a16:colId xmlns:a16="http://schemas.microsoft.com/office/drawing/2014/main" xmlns="" val="20001"/>
                     </a:ext>
                   </a:extLst>
                 </a:gridCol>
@@ -7346,7 +7539,7 @@
                 </a:tc>
                 <a:extLst>
                   <a:ext uri="{0D108BD9-81ED-4DB2-BD59-A6C34878D82A}">
-                    <a16:rowId xmlns="" xmlns:a16="http://schemas.microsoft.com/office/drawing/2014/main" val="10000"/>
+                    <a16:rowId xmlns:a16="http://schemas.microsoft.com/office/drawing/2014/main" xmlns="" val="10000"/>
                   </a:ext>
                 </a:extLst>
               </a:tr>
@@ -7658,7 +7851,7 @@
                 </a:tc>
                 <a:extLst>
                   <a:ext uri="{0D108BD9-81ED-4DB2-BD59-A6C34878D82A}">
-                    <a16:rowId xmlns="" xmlns:a16="http://schemas.microsoft.com/office/drawing/2014/main" val="10001"/>
+                    <a16:rowId xmlns:a16="http://schemas.microsoft.com/office/drawing/2014/main" xmlns="" val="10001"/>
                   </a:ext>
                 </a:extLst>
               </a:tr>
@@ -7789,7 +7982,7 @@
                 </a:tc>
                 <a:extLst>
                   <a:ext uri="{0D108BD9-81ED-4DB2-BD59-A6C34878D82A}">
-                    <a16:rowId xmlns="" xmlns:a16="http://schemas.microsoft.com/office/drawing/2014/main" val="10002"/>
+                    <a16:rowId xmlns:a16="http://schemas.microsoft.com/office/drawing/2014/main" xmlns="" val="10002"/>
                   </a:ext>
                 </a:extLst>
               </a:tr>
@@ -8254,14 +8447,14 @@
                 <a:gridCol w="311106">
                   <a:extLst>
                     <a:ext uri="{9D8B030D-6E8A-4147-A177-3AD203B41FA5}">
-                      <a16:colId xmlns="" xmlns:a16="http://schemas.microsoft.com/office/drawing/2014/main" val="20000"/>
+                      <a16:colId xmlns:a16="http://schemas.microsoft.com/office/drawing/2014/main" xmlns="" val="20000"/>
                     </a:ext>
                   </a:extLst>
                 </a:gridCol>
                 <a:gridCol w="2558644">
                   <a:extLst>
                     <a:ext uri="{9D8B030D-6E8A-4147-A177-3AD203B41FA5}">
-                      <a16:colId xmlns="" xmlns:a16="http://schemas.microsoft.com/office/drawing/2014/main" val="20001"/>
+                      <a16:colId xmlns:a16="http://schemas.microsoft.com/office/drawing/2014/main" xmlns="" val="20001"/>
                     </a:ext>
                   </a:extLst>
                 </a:gridCol>
@@ -8419,7 +8612,7 @@
                 </a:tc>
                 <a:extLst>
                   <a:ext uri="{0D108BD9-81ED-4DB2-BD59-A6C34878D82A}">
-                    <a16:rowId xmlns="" xmlns:a16="http://schemas.microsoft.com/office/drawing/2014/main" val="10000"/>
+                    <a16:rowId xmlns:a16="http://schemas.microsoft.com/office/drawing/2014/main" xmlns="" val="10000"/>
                   </a:ext>
                 </a:extLst>
               </a:tr>
@@ -8731,7 +8924,7 @@
                 </a:tc>
                 <a:extLst>
                   <a:ext uri="{0D108BD9-81ED-4DB2-BD59-A6C34878D82A}">
-                    <a16:rowId xmlns="" xmlns:a16="http://schemas.microsoft.com/office/drawing/2014/main" val="10001"/>
+                    <a16:rowId xmlns:a16="http://schemas.microsoft.com/office/drawing/2014/main" xmlns="" val="10001"/>
                   </a:ext>
                 </a:extLst>
               </a:tr>
@@ -8862,7 +9055,7 @@
                 </a:tc>
                 <a:extLst>
                   <a:ext uri="{0D108BD9-81ED-4DB2-BD59-A6C34878D82A}">
-                    <a16:rowId xmlns="" xmlns:a16="http://schemas.microsoft.com/office/drawing/2014/main" val="10002"/>
+                    <a16:rowId xmlns:a16="http://schemas.microsoft.com/office/drawing/2014/main" xmlns="" val="10002"/>
                   </a:ext>
                 </a:extLst>
               </a:tr>
@@ -9377,14 +9570,14 @@
                 <a:gridCol w="311106">
                   <a:extLst>
                     <a:ext uri="{9D8B030D-6E8A-4147-A177-3AD203B41FA5}">
-                      <a16:colId xmlns="" xmlns:a16="http://schemas.microsoft.com/office/drawing/2014/main" val="20000"/>
+                      <a16:colId xmlns:a16="http://schemas.microsoft.com/office/drawing/2014/main" xmlns="" val="20000"/>
                     </a:ext>
                   </a:extLst>
                 </a:gridCol>
                 <a:gridCol w="2558644">
                   <a:extLst>
                     <a:ext uri="{9D8B030D-6E8A-4147-A177-3AD203B41FA5}">
-                      <a16:colId xmlns="" xmlns:a16="http://schemas.microsoft.com/office/drawing/2014/main" val="20001"/>
+                      <a16:colId xmlns:a16="http://schemas.microsoft.com/office/drawing/2014/main" xmlns="" val="20001"/>
                     </a:ext>
                   </a:extLst>
                 </a:gridCol>
@@ -9542,7 +9735,7 @@
                 </a:tc>
                 <a:extLst>
                   <a:ext uri="{0D108BD9-81ED-4DB2-BD59-A6C34878D82A}">
-                    <a16:rowId xmlns="" xmlns:a16="http://schemas.microsoft.com/office/drawing/2014/main" val="10000"/>
+                    <a16:rowId xmlns:a16="http://schemas.microsoft.com/office/drawing/2014/main" xmlns="" val="10000"/>
                   </a:ext>
                 </a:extLst>
               </a:tr>
@@ -9795,7 +9988,7 @@
                 </a:tc>
                 <a:extLst>
                   <a:ext uri="{0D108BD9-81ED-4DB2-BD59-A6C34878D82A}">
-                    <a16:rowId xmlns="" xmlns:a16="http://schemas.microsoft.com/office/drawing/2014/main" val="10001"/>
+                    <a16:rowId xmlns:a16="http://schemas.microsoft.com/office/drawing/2014/main" xmlns="" val="10001"/>
                   </a:ext>
                 </a:extLst>
               </a:tr>
@@ -10016,7 +10209,7 @@
                 </a:tc>
                 <a:extLst>
                   <a:ext uri="{0D108BD9-81ED-4DB2-BD59-A6C34878D82A}">
-                    <a16:rowId xmlns="" xmlns:a16="http://schemas.microsoft.com/office/drawing/2014/main" val="10002"/>
+                    <a16:rowId xmlns:a16="http://schemas.microsoft.com/office/drawing/2014/main" xmlns="" val="10002"/>
                   </a:ext>
                 </a:extLst>
               </a:tr>
@@ -10253,7 +10446,7 @@
                 </a:tc>
                 <a:extLst>
                   <a:ext uri="{0D108BD9-81ED-4DB2-BD59-A6C34878D82A}">
-                    <a16:rowId xmlns="" xmlns:a16="http://schemas.microsoft.com/office/drawing/2014/main" val="10003"/>
+                    <a16:rowId xmlns:a16="http://schemas.microsoft.com/office/drawing/2014/main" xmlns="" val="10003"/>
                   </a:ext>
                 </a:extLst>
               </a:tr>
@@ -10474,7 +10667,7 @@
                 </a:tc>
                 <a:extLst>
                   <a:ext uri="{0D108BD9-81ED-4DB2-BD59-A6C34878D82A}">
-                    <a16:rowId xmlns="" xmlns:a16="http://schemas.microsoft.com/office/drawing/2014/main" val="10004"/>
+                    <a16:rowId xmlns:a16="http://schemas.microsoft.com/office/drawing/2014/main" xmlns="" val="10004"/>
                   </a:ext>
                 </a:extLst>
               </a:tr>
@@ -10701,7 +10894,7 @@
                 </a:tc>
                 <a:extLst>
                   <a:ext uri="{0D108BD9-81ED-4DB2-BD59-A6C34878D82A}">
-                    <a16:rowId xmlns="" xmlns:a16="http://schemas.microsoft.com/office/drawing/2014/main" val="10005"/>
+                    <a16:rowId xmlns:a16="http://schemas.microsoft.com/office/drawing/2014/main" xmlns="" val="10005"/>
                   </a:ext>
                 </a:extLst>
               </a:tr>
@@ -11254,14 +11447,14 @@
                 <a:gridCol w="311106">
                   <a:extLst>
                     <a:ext uri="{9D8B030D-6E8A-4147-A177-3AD203B41FA5}">
-                      <a16:colId xmlns="" xmlns:a16="http://schemas.microsoft.com/office/drawing/2014/main" val="20000"/>
+                      <a16:colId xmlns:a16="http://schemas.microsoft.com/office/drawing/2014/main" xmlns="" val="20000"/>
                     </a:ext>
                   </a:extLst>
                 </a:gridCol>
                 <a:gridCol w="2558644">
                   <a:extLst>
                     <a:ext uri="{9D8B030D-6E8A-4147-A177-3AD203B41FA5}">
-                      <a16:colId xmlns="" xmlns:a16="http://schemas.microsoft.com/office/drawing/2014/main" val="20001"/>
+                      <a16:colId xmlns:a16="http://schemas.microsoft.com/office/drawing/2014/main" xmlns="" val="20001"/>
                     </a:ext>
                   </a:extLst>
                 </a:gridCol>
@@ -11419,7 +11612,7 @@
                 </a:tc>
                 <a:extLst>
                   <a:ext uri="{0D108BD9-81ED-4DB2-BD59-A6C34878D82A}">
-                    <a16:rowId xmlns="" xmlns:a16="http://schemas.microsoft.com/office/drawing/2014/main" val="10000"/>
+                    <a16:rowId xmlns:a16="http://schemas.microsoft.com/office/drawing/2014/main" xmlns="" val="10000"/>
                   </a:ext>
                 </a:extLst>
               </a:tr>
@@ -11576,7 +11769,7 @@
                 </a:tc>
                 <a:extLst>
                   <a:ext uri="{0D108BD9-81ED-4DB2-BD59-A6C34878D82A}">
-                    <a16:rowId xmlns="" xmlns:a16="http://schemas.microsoft.com/office/drawing/2014/main" val="10001"/>
+                    <a16:rowId xmlns:a16="http://schemas.microsoft.com/office/drawing/2014/main" xmlns="" val="10001"/>
                   </a:ext>
                 </a:extLst>
               </a:tr>
@@ -11734,7 +11927,7 @@
                 </a:tc>
                 <a:extLst>
                   <a:ext uri="{0D108BD9-81ED-4DB2-BD59-A6C34878D82A}">
-                    <a16:rowId xmlns="" xmlns:a16="http://schemas.microsoft.com/office/drawing/2014/main" val="10002"/>
+                    <a16:rowId xmlns:a16="http://schemas.microsoft.com/office/drawing/2014/main" xmlns="" val="10002"/>
                   </a:ext>
                 </a:extLst>
               </a:tr>
@@ -12033,6 +12226,222 @@
 </file>
 
 <file path=ppt/slides/slide21.xml><?xml version="1.0" encoding="utf-8"?>
+<p:sld xmlns:a="http://schemas.openxmlformats.org/drawingml/2006/main" xmlns:r="http://schemas.openxmlformats.org/officeDocument/2006/relationships" xmlns:p="http://schemas.openxmlformats.org/presentationml/2006/main">
+  <p:cSld>
+    <p:spTree>
+      <p:nvGrpSpPr>
+        <p:cNvPr id="1" name=""/>
+        <p:cNvGrpSpPr/>
+        <p:nvPr/>
+      </p:nvGrpSpPr>
+      <p:grpSpPr>
+        <a:xfrm>
+          <a:off x="0" y="0"/>
+          <a:ext cx="0" cy="0"/>
+          <a:chOff x="0" y="0"/>
+          <a:chExt cx="0" cy="0"/>
+        </a:xfrm>
+      </p:grpSpPr>
+      <p:sp>
+        <p:nvSpPr>
+          <p:cNvPr id="5" name="제목 1"/>
+          <p:cNvSpPr>
+            <a:spLocks noGrp="1"/>
+          </p:cNvSpPr>
+          <p:nvPr>
+            <p:ph type="title"/>
+          </p:nvPr>
+        </p:nvSpPr>
+        <p:spPr/>
+        <p:txBody>
+          <a:bodyPr>
+            <a:noAutofit/>
+          </a:bodyPr>
+          <a:lstStyle/>
+          <a:p>
+            <a:pPr>
+              <a:lnSpc>
+                <a:spcPct val="100000"/>
+              </a:lnSpc>
+              <a:spcBef>
+                <a:spcPts val="0"/>
+              </a:spcBef>
+              <a:buClr>
+                <a:srgbClr val="000000"/>
+              </a:buClr>
+              <a:buSzPts val="1500"/>
+              <a:defRPr/>
+            </a:pPr>
+            <a:r>
+              <a:rPr lang="en-US" altLang="ko-KR" sz="4000" b="0" smtClean="0"/>
+              <a:t>[</a:t>
+            </a:r>
+            <a:r>
+              <a:rPr lang="ko-KR" altLang="en-US" sz="4000" b="0" smtClean="0"/>
+              <a:t>화면구현</a:t>
+            </a:r>
+            <a:r>
+              <a:rPr lang="en-US" altLang="ko-KR" sz="4000" b="0" smtClean="0"/>
+              <a:t>] </a:t>
+            </a:r>
+            <a:r>
+              <a:rPr lang="ko-KR" altLang="en-US" sz="4000" b="0" smtClean="0"/>
+              <a:t>사용자 </a:t>
+            </a:r>
+            <a:r>
+              <a:rPr lang="en-US" altLang="ko-KR" sz="4000" b="0" smtClean="0"/>
+              <a:t>– </a:t>
+            </a:r>
+            <a:r>
+              <a:rPr lang="ko-KR" altLang="en-US" sz="4000" b="0" smtClean="0"/>
+              <a:t>웹 </a:t>
+            </a:r>
+            <a:r>
+              <a:rPr lang="en-US" altLang="ko-KR" sz="4000" b="0" smtClean="0"/>
+              <a:t>- </a:t>
+            </a:r>
+            <a:r>
+              <a:rPr lang="ko-KR" altLang="en-US" sz="4000" b="0" smtClean="0"/>
+              <a:t>세미나존 정보</a:t>
+            </a:r>
+            <a:endParaRPr lang="ko-KR" altLang="en-US" sz="4000" b="0" dirty="0"/>
+          </a:p>
+        </p:txBody>
+      </p:sp>
+      <p:pic>
+        <p:nvPicPr>
+          <p:cNvPr id="6" name="그림 5"/>
+          <p:cNvPicPr>
+            <a:picLocks noChangeAspect="1"/>
+          </p:cNvPicPr>
+          <p:nvPr/>
+        </p:nvPicPr>
+        <p:blipFill>
+          <a:blip r:embed="rId2"/>
+          <a:stretch>
+            <a:fillRect/>
+          </a:stretch>
+        </p:blipFill>
+        <p:spPr>
+          <a:xfrm>
+            <a:off x="189470" y="1252150"/>
+            <a:ext cx="5247503" cy="2714411"/>
+          </a:xfrm>
+          <a:prstGeom prst="rect">
+            <a:avLst/>
+          </a:prstGeom>
+        </p:spPr>
+      </p:pic>
+      <p:pic>
+        <p:nvPicPr>
+          <p:cNvPr id="7" name="그림 6"/>
+          <p:cNvPicPr>
+            <a:picLocks noChangeAspect="1"/>
+          </p:cNvPicPr>
+          <p:nvPr/>
+        </p:nvPicPr>
+        <p:blipFill>
+          <a:blip r:embed="rId3"/>
+          <a:stretch>
+            <a:fillRect/>
+          </a:stretch>
+        </p:blipFill>
+        <p:spPr>
+          <a:xfrm>
+            <a:off x="189470" y="4069492"/>
+            <a:ext cx="5247503" cy="2506830"/>
+          </a:xfrm>
+          <a:prstGeom prst="rect">
+            <a:avLst/>
+          </a:prstGeom>
+        </p:spPr>
+      </p:pic>
+      <p:pic>
+        <p:nvPicPr>
+          <p:cNvPr id="8" name="그림 7"/>
+          <p:cNvPicPr>
+            <a:picLocks noChangeAspect="1"/>
+          </p:cNvPicPr>
+          <p:nvPr/>
+        </p:nvPicPr>
+        <p:blipFill>
+          <a:blip r:embed="rId4"/>
+          <a:stretch>
+            <a:fillRect/>
+          </a:stretch>
+        </p:blipFill>
+        <p:spPr>
+          <a:xfrm>
+            <a:off x="5639185" y="1740886"/>
+            <a:ext cx="6334125" cy="295275"/>
+          </a:xfrm>
+          <a:prstGeom prst="rect">
+            <a:avLst/>
+          </a:prstGeom>
+        </p:spPr>
+      </p:pic>
+      <p:pic>
+        <p:nvPicPr>
+          <p:cNvPr id="9" name="그림 8"/>
+          <p:cNvPicPr>
+            <a:picLocks noChangeAspect="1"/>
+          </p:cNvPicPr>
+          <p:nvPr/>
+        </p:nvPicPr>
+        <p:blipFill>
+          <a:blip r:embed="rId5"/>
+          <a:stretch>
+            <a:fillRect/>
+          </a:stretch>
+        </p:blipFill>
+        <p:spPr>
+          <a:xfrm>
+            <a:off x="5639185" y="2336070"/>
+            <a:ext cx="5606235" cy="1362075"/>
+          </a:xfrm>
+          <a:prstGeom prst="rect">
+            <a:avLst/>
+          </a:prstGeom>
+        </p:spPr>
+      </p:pic>
+      <p:pic>
+        <p:nvPicPr>
+          <p:cNvPr id="10" name="그림 9"/>
+          <p:cNvPicPr>
+            <a:picLocks noChangeAspect="1"/>
+          </p:cNvPicPr>
+          <p:nvPr/>
+        </p:nvPicPr>
+        <p:blipFill>
+          <a:blip r:embed="rId6"/>
+          <a:stretch>
+            <a:fillRect/>
+          </a:stretch>
+        </p:blipFill>
+        <p:spPr>
+          <a:xfrm>
+            <a:off x="5785461" y="3998054"/>
+            <a:ext cx="5739273" cy="1968714"/>
+          </a:xfrm>
+          <a:prstGeom prst="rect">
+            <a:avLst/>
+          </a:prstGeom>
+        </p:spPr>
+      </p:pic>
+    </p:spTree>
+    <p:extLst>
+      <p:ext uri="{BB962C8B-B14F-4D97-AF65-F5344CB8AC3E}">
+        <p14:creationId xmlns:p14="http://schemas.microsoft.com/office/powerpoint/2010/main" val="50603343"/>
+      </p:ext>
+    </p:extLst>
+  </p:cSld>
+  <p:clrMapOvr>
+    <a:masterClrMapping/>
+  </p:clrMapOvr>
+</p:sld>
+</file>
+
+<file path=ppt/slides/slide22.xml><?xml version="1.0" encoding="utf-8"?>
 <p:sld xmlns:a="http://schemas.openxmlformats.org/drawingml/2006/main" xmlns:r="http://schemas.openxmlformats.org/officeDocument/2006/relationships" xmlns:p="http://schemas.openxmlformats.org/presentationml/2006/main">
   <p:cSld>
     <p:spTree>
@@ -12188,14 +12597,14 @@
                 <a:gridCol w="311106">
                   <a:extLst>
                     <a:ext uri="{9D8B030D-6E8A-4147-A177-3AD203B41FA5}">
-                      <a16:colId xmlns="" xmlns:a16="http://schemas.microsoft.com/office/drawing/2014/main" val="20000"/>
+                      <a16:colId xmlns:a16="http://schemas.microsoft.com/office/drawing/2014/main" xmlns="" val="20000"/>
                     </a:ext>
                   </a:extLst>
                 </a:gridCol>
                 <a:gridCol w="2558644">
                   <a:extLst>
                     <a:ext uri="{9D8B030D-6E8A-4147-A177-3AD203B41FA5}">
-                      <a16:colId xmlns="" xmlns:a16="http://schemas.microsoft.com/office/drawing/2014/main" val="20001"/>
+                      <a16:colId xmlns:a16="http://schemas.microsoft.com/office/drawing/2014/main" xmlns="" val="20001"/>
                     </a:ext>
                   </a:extLst>
                 </a:gridCol>
@@ -12353,7 +12762,7 @@
                 </a:tc>
                 <a:extLst>
                   <a:ext uri="{0D108BD9-81ED-4DB2-BD59-A6C34878D82A}">
-                    <a16:rowId xmlns="" xmlns:a16="http://schemas.microsoft.com/office/drawing/2014/main" val="10000"/>
+                    <a16:rowId xmlns:a16="http://schemas.microsoft.com/office/drawing/2014/main" xmlns="" val="10000"/>
                   </a:ext>
                 </a:extLst>
               </a:tr>
@@ -12510,7 +12919,7 @@
                 </a:tc>
                 <a:extLst>
                   <a:ext uri="{0D108BD9-81ED-4DB2-BD59-A6C34878D82A}">
-                    <a16:rowId xmlns="" xmlns:a16="http://schemas.microsoft.com/office/drawing/2014/main" val="10001"/>
+                    <a16:rowId xmlns:a16="http://schemas.microsoft.com/office/drawing/2014/main" xmlns="" val="10001"/>
                   </a:ext>
                 </a:extLst>
               </a:tr>
@@ -12641,7 +13050,7 @@
                 </a:tc>
                 <a:extLst>
                   <a:ext uri="{0D108BD9-81ED-4DB2-BD59-A6C34878D82A}">
-                    <a16:rowId xmlns="" xmlns:a16="http://schemas.microsoft.com/office/drawing/2014/main" val="10002"/>
+                    <a16:rowId xmlns:a16="http://schemas.microsoft.com/office/drawing/2014/main" xmlns="" val="10002"/>
                   </a:ext>
                 </a:extLst>
               </a:tr>
@@ -12939,7 +13348,7 @@
 </p:sld>
 </file>
 
-<file path=ppt/slides/slide22.xml><?xml version="1.0" encoding="utf-8"?>
+<file path=ppt/slides/slide23.xml><?xml version="1.0" encoding="utf-8"?>
 <p:sld xmlns:a="http://schemas.openxmlformats.org/drawingml/2006/main" xmlns:r="http://schemas.openxmlformats.org/officeDocument/2006/relationships" xmlns:p="http://schemas.openxmlformats.org/presentationml/2006/main">
   <p:cSld>
     <p:spTree>
@@ -13094,14 +13503,14 @@
                 <a:gridCol w="311106">
                   <a:extLst>
                     <a:ext uri="{9D8B030D-6E8A-4147-A177-3AD203B41FA5}">
-                      <a16:colId xmlns="" xmlns:a16="http://schemas.microsoft.com/office/drawing/2014/main" val="20000"/>
+                      <a16:colId xmlns:a16="http://schemas.microsoft.com/office/drawing/2014/main" xmlns="" val="20000"/>
                     </a:ext>
                   </a:extLst>
                 </a:gridCol>
                 <a:gridCol w="2558644">
                   <a:extLst>
                     <a:ext uri="{9D8B030D-6E8A-4147-A177-3AD203B41FA5}">
-                      <a16:colId xmlns="" xmlns:a16="http://schemas.microsoft.com/office/drawing/2014/main" val="20001"/>
+                      <a16:colId xmlns:a16="http://schemas.microsoft.com/office/drawing/2014/main" xmlns="" val="20001"/>
                     </a:ext>
                   </a:extLst>
                 </a:gridCol>
@@ -13259,7 +13668,7 @@
                 </a:tc>
                 <a:extLst>
                   <a:ext uri="{0D108BD9-81ED-4DB2-BD59-A6C34878D82A}">
-                    <a16:rowId xmlns="" xmlns:a16="http://schemas.microsoft.com/office/drawing/2014/main" val="10000"/>
+                    <a16:rowId xmlns:a16="http://schemas.microsoft.com/office/drawing/2014/main" xmlns="" val="10000"/>
                   </a:ext>
                 </a:extLst>
               </a:tr>
@@ -13456,7 +13865,7 @@
                 </a:tc>
                 <a:extLst>
                   <a:ext uri="{0D108BD9-81ED-4DB2-BD59-A6C34878D82A}">
-                    <a16:rowId xmlns="" xmlns:a16="http://schemas.microsoft.com/office/drawing/2014/main" val="10001"/>
+                    <a16:rowId xmlns:a16="http://schemas.microsoft.com/office/drawing/2014/main" xmlns="" val="10001"/>
                   </a:ext>
                 </a:extLst>
               </a:tr>
@@ -13614,7 +14023,7 @@
                 </a:tc>
                 <a:extLst>
                   <a:ext uri="{0D108BD9-81ED-4DB2-BD59-A6C34878D82A}">
-                    <a16:rowId xmlns="" xmlns:a16="http://schemas.microsoft.com/office/drawing/2014/main" val="10002"/>
+                    <a16:rowId xmlns:a16="http://schemas.microsoft.com/office/drawing/2014/main" xmlns="" val="10002"/>
                   </a:ext>
                 </a:extLst>
               </a:tr>
@@ -13855,7 +14264,7 @@
 </p:sld>
 </file>
 
-<file path=ppt/slides/slide23.xml><?xml version="1.0" encoding="utf-8"?>
+<file path=ppt/slides/slide24.xml><?xml version="1.0" encoding="utf-8"?>
 <p:sld xmlns:a="http://schemas.openxmlformats.org/drawingml/2006/main" xmlns:r="http://schemas.openxmlformats.org/officeDocument/2006/relationships" xmlns:p="http://schemas.openxmlformats.org/presentationml/2006/main">
   <p:cSld>
     <p:spTree>
@@ -14023,14 +14432,14 @@
                 <a:gridCol w="311106">
                   <a:extLst>
                     <a:ext uri="{9D8B030D-6E8A-4147-A177-3AD203B41FA5}">
-                      <a16:colId xmlns="" xmlns:a16="http://schemas.microsoft.com/office/drawing/2014/main" val="20000"/>
+                      <a16:colId xmlns:a16="http://schemas.microsoft.com/office/drawing/2014/main" xmlns="" val="20000"/>
                     </a:ext>
                   </a:extLst>
                 </a:gridCol>
                 <a:gridCol w="2558644">
                   <a:extLst>
                     <a:ext uri="{9D8B030D-6E8A-4147-A177-3AD203B41FA5}">
-                      <a16:colId xmlns="" xmlns:a16="http://schemas.microsoft.com/office/drawing/2014/main" val="20001"/>
+                      <a16:colId xmlns:a16="http://schemas.microsoft.com/office/drawing/2014/main" xmlns="" val="20001"/>
                     </a:ext>
                   </a:extLst>
                 </a:gridCol>
@@ -14188,7 +14597,7 @@
                 </a:tc>
                 <a:extLst>
                   <a:ext uri="{0D108BD9-81ED-4DB2-BD59-A6C34878D82A}">
-                    <a16:rowId xmlns="" xmlns:a16="http://schemas.microsoft.com/office/drawing/2014/main" val="10000"/>
+                    <a16:rowId xmlns:a16="http://schemas.microsoft.com/office/drawing/2014/main" xmlns="" val="10000"/>
                   </a:ext>
                 </a:extLst>
               </a:tr>
@@ -14345,7 +14754,7 @@
                 </a:tc>
                 <a:extLst>
                   <a:ext uri="{0D108BD9-81ED-4DB2-BD59-A6C34878D82A}">
-                    <a16:rowId xmlns="" xmlns:a16="http://schemas.microsoft.com/office/drawing/2014/main" val="10001"/>
+                    <a16:rowId xmlns:a16="http://schemas.microsoft.com/office/drawing/2014/main" xmlns="" val="10001"/>
                   </a:ext>
                 </a:extLst>
               </a:tr>
@@ -14586,7 +14995,7 @@
 </p:sld>
 </file>
 
-<file path=ppt/slides/slide24.xml><?xml version="1.0" encoding="utf-8"?>
+<file path=ppt/slides/slide25.xml><?xml version="1.0" encoding="utf-8"?>
 <p:sld xmlns:a="http://schemas.openxmlformats.org/drawingml/2006/main" xmlns:r="http://schemas.openxmlformats.org/officeDocument/2006/relationships" xmlns:p="http://schemas.openxmlformats.org/presentationml/2006/main">
   <p:cSld>
     <p:spTree>
@@ -14750,14 +15159,14 @@
                 <a:gridCol w="311106">
                   <a:extLst>
                     <a:ext uri="{9D8B030D-6E8A-4147-A177-3AD203B41FA5}">
-                      <a16:colId xmlns="" xmlns:a16="http://schemas.microsoft.com/office/drawing/2014/main" val="20000"/>
+                      <a16:colId xmlns:a16="http://schemas.microsoft.com/office/drawing/2014/main" xmlns="" val="20000"/>
                     </a:ext>
                   </a:extLst>
                 </a:gridCol>
                 <a:gridCol w="2558644">
                   <a:extLst>
                     <a:ext uri="{9D8B030D-6E8A-4147-A177-3AD203B41FA5}">
-                      <a16:colId xmlns="" xmlns:a16="http://schemas.microsoft.com/office/drawing/2014/main" val="20001"/>
+                      <a16:colId xmlns:a16="http://schemas.microsoft.com/office/drawing/2014/main" xmlns="" val="20001"/>
                     </a:ext>
                   </a:extLst>
                 </a:gridCol>
@@ -14915,7 +15324,7 @@
                 </a:tc>
                 <a:extLst>
                   <a:ext uri="{0D108BD9-81ED-4DB2-BD59-A6C34878D82A}">
-                    <a16:rowId xmlns="" xmlns:a16="http://schemas.microsoft.com/office/drawing/2014/main" val="10000"/>
+                    <a16:rowId xmlns:a16="http://schemas.microsoft.com/office/drawing/2014/main" xmlns="" val="10000"/>
                   </a:ext>
                 </a:extLst>
               </a:tr>
@@ -15072,7 +15481,7 @@
                 </a:tc>
                 <a:extLst>
                   <a:ext uri="{0D108BD9-81ED-4DB2-BD59-A6C34878D82A}">
-                    <a16:rowId xmlns="" xmlns:a16="http://schemas.microsoft.com/office/drawing/2014/main" val="10001"/>
+                    <a16:rowId xmlns:a16="http://schemas.microsoft.com/office/drawing/2014/main" xmlns="" val="10001"/>
                   </a:ext>
                 </a:extLst>
               </a:tr>
@@ -15365,7 +15774,7 @@
 </p:sld>
 </file>
 
-<file path=ppt/slides/slide25.xml><?xml version="1.0" encoding="utf-8"?>
+<file path=ppt/slides/slide26.xml><?xml version="1.0" encoding="utf-8"?>
 <p:sld xmlns:a="http://schemas.openxmlformats.org/drawingml/2006/main" xmlns:r="http://schemas.openxmlformats.org/officeDocument/2006/relationships" xmlns:p="http://schemas.openxmlformats.org/presentationml/2006/main">
   <p:cSld>
     <p:spTree>
@@ -15533,14 +15942,14 @@
                 <a:gridCol w="311106">
                   <a:extLst>
                     <a:ext uri="{9D8B030D-6E8A-4147-A177-3AD203B41FA5}">
-                      <a16:colId xmlns="" xmlns:a16="http://schemas.microsoft.com/office/drawing/2014/main" val="20000"/>
+                      <a16:colId xmlns:a16="http://schemas.microsoft.com/office/drawing/2014/main" xmlns="" val="20000"/>
                     </a:ext>
                   </a:extLst>
                 </a:gridCol>
                 <a:gridCol w="2558644">
                   <a:extLst>
                     <a:ext uri="{9D8B030D-6E8A-4147-A177-3AD203B41FA5}">
-                      <a16:colId xmlns="" xmlns:a16="http://schemas.microsoft.com/office/drawing/2014/main" val="20001"/>
+                      <a16:colId xmlns:a16="http://schemas.microsoft.com/office/drawing/2014/main" xmlns="" val="20001"/>
                     </a:ext>
                   </a:extLst>
                 </a:gridCol>
@@ -15698,7 +16107,7 @@
                 </a:tc>
                 <a:extLst>
                   <a:ext uri="{0D108BD9-81ED-4DB2-BD59-A6C34878D82A}">
-                    <a16:rowId xmlns="" xmlns:a16="http://schemas.microsoft.com/office/drawing/2014/main" val="10000"/>
+                    <a16:rowId xmlns:a16="http://schemas.microsoft.com/office/drawing/2014/main" xmlns="" val="10000"/>
                   </a:ext>
                 </a:extLst>
               </a:tr>
@@ -15855,7 +16264,7 @@
                 </a:tc>
                 <a:extLst>
                   <a:ext uri="{0D108BD9-81ED-4DB2-BD59-A6C34878D82A}">
-                    <a16:rowId xmlns="" xmlns:a16="http://schemas.microsoft.com/office/drawing/2014/main" val="10001"/>
+                    <a16:rowId xmlns:a16="http://schemas.microsoft.com/office/drawing/2014/main" xmlns="" val="10001"/>
                   </a:ext>
                 </a:extLst>
               </a:tr>
@@ -15986,7 +16395,7 @@
                 </a:tc>
                 <a:extLst>
                   <a:ext uri="{0D108BD9-81ED-4DB2-BD59-A6C34878D82A}">
-                    <a16:rowId xmlns="" xmlns:a16="http://schemas.microsoft.com/office/drawing/2014/main" val="10002"/>
+                    <a16:rowId xmlns:a16="http://schemas.microsoft.com/office/drawing/2014/main" xmlns="" val="10002"/>
                   </a:ext>
                 </a:extLst>
               </a:tr>
@@ -16227,7 +16636,7 @@
 </p:sld>
 </file>
 
-<file path=ppt/slides/slide26.xml><?xml version="1.0" encoding="utf-8"?>
+<file path=ppt/slides/slide27.xml><?xml version="1.0" encoding="utf-8"?>
 <p:sld xmlns:a="http://schemas.openxmlformats.org/drawingml/2006/main" xmlns:r="http://schemas.openxmlformats.org/officeDocument/2006/relationships" xmlns:p="http://schemas.openxmlformats.org/presentationml/2006/main">
   <p:cSld>
     <p:spTree>
@@ -16331,14 +16740,14 @@
                 <a:gridCol w="311106">
                   <a:extLst>
                     <a:ext uri="{9D8B030D-6E8A-4147-A177-3AD203B41FA5}">
-                      <a16:colId xmlns:a16="http://schemas.microsoft.com/office/drawing/2014/main" xmlns="" val="20000"/>
+                      <a16:colId xmlns="" xmlns:a16="http://schemas.microsoft.com/office/drawing/2014/main" val="20000"/>
                     </a:ext>
                   </a:extLst>
                 </a:gridCol>
                 <a:gridCol w="2558644">
                   <a:extLst>
                     <a:ext uri="{9D8B030D-6E8A-4147-A177-3AD203B41FA5}">
-                      <a16:colId xmlns:a16="http://schemas.microsoft.com/office/drawing/2014/main" xmlns="" val="20001"/>
+                      <a16:colId xmlns="" xmlns:a16="http://schemas.microsoft.com/office/drawing/2014/main" val="20001"/>
                     </a:ext>
                   </a:extLst>
                 </a:gridCol>
@@ -16496,7 +16905,7 @@
                 </a:tc>
                 <a:extLst>
                   <a:ext uri="{0D108BD9-81ED-4DB2-BD59-A6C34878D82A}">
-                    <a16:rowId xmlns:a16="http://schemas.microsoft.com/office/drawing/2014/main" xmlns="" val="10000"/>
+                    <a16:rowId xmlns="" xmlns:a16="http://schemas.microsoft.com/office/drawing/2014/main" val="10000"/>
                   </a:ext>
                 </a:extLst>
               </a:tr>
@@ -16644,7 +17053,7 @@
                 </a:tc>
                 <a:extLst>
                   <a:ext uri="{0D108BD9-81ED-4DB2-BD59-A6C34878D82A}">
-                    <a16:rowId xmlns:a16="http://schemas.microsoft.com/office/drawing/2014/main" xmlns="" val="10001"/>
+                    <a16:rowId xmlns="" xmlns:a16="http://schemas.microsoft.com/office/drawing/2014/main" val="10001"/>
                   </a:ext>
                 </a:extLst>
               </a:tr>
@@ -19282,7 +19691,7 @@
 </p:sld>
 </file>
 
-<file path=ppt/slides/slide27.xml><?xml version="1.0" encoding="utf-8"?>
+<file path=ppt/slides/slide28.xml><?xml version="1.0" encoding="utf-8"?>
 <p:sld xmlns:a="http://schemas.openxmlformats.org/drawingml/2006/main" xmlns:r="http://schemas.openxmlformats.org/officeDocument/2006/relationships" xmlns:p="http://schemas.openxmlformats.org/presentationml/2006/main">
   <p:cSld>
     <p:spTree>
@@ -19434,14 +19843,14 @@
                 <a:gridCol w="311106">
                   <a:extLst>
                     <a:ext uri="{9D8B030D-6E8A-4147-A177-3AD203B41FA5}">
-                      <a16:colId xmlns="" xmlns:a16="http://schemas.microsoft.com/office/drawing/2014/main" val="20000"/>
+                      <a16:colId xmlns:a16="http://schemas.microsoft.com/office/drawing/2014/main" xmlns="" val="20000"/>
                     </a:ext>
                   </a:extLst>
                 </a:gridCol>
                 <a:gridCol w="2558644">
                   <a:extLst>
                     <a:ext uri="{9D8B030D-6E8A-4147-A177-3AD203B41FA5}">
-                      <a16:colId xmlns="" xmlns:a16="http://schemas.microsoft.com/office/drawing/2014/main" val="20001"/>
+                      <a16:colId xmlns:a16="http://schemas.microsoft.com/office/drawing/2014/main" xmlns="" val="20001"/>
                     </a:ext>
                   </a:extLst>
                 </a:gridCol>
@@ -19599,7 +20008,7 @@
                 </a:tc>
                 <a:extLst>
                   <a:ext uri="{0D108BD9-81ED-4DB2-BD59-A6C34878D82A}">
-                    <a16:rowId xmlns="" xmlns:a16="http://schemas.microsoft.com/office/drawing/2014/main" val="10000"/>
+                    <a16:rowId xmlns:a16="http://schemas.microsoft.com/office/drawing/2014/main" xmlns="" val="10000"/>
                   </a:ext>
                 </a:extLst>
               </a:tr>
@@ -19807,7 +20216,7 @@
                 </a:tc>
                 <a:extLst>
                   <a:ext uri="{0D108BD9-81ED-4DB2-BD59-A6C34878D82A}">
-                    <a16:rowId xmlns="" xmlns:a16="http://schemas.microsoft.com/office/drawing/2014/main" val="10001"/>
+                    <a16:rowId xmlns:a16="http://schemas.microsoft.com/office/drawing/2014/main" xmlns="" val="10001"/>
                   </a:ext>
                 </a:extLst>
               </a:tr>
@@ -19942,7 +20351,7 @@
                 </a:tc>
                 <a:extLst>
                   <a:ext uri="{0D108BD9-81ED-4DB2-BD59-A6C34878D82A}">
-                    <a16:rowId xmlns="" xmlns:a16="http://schemas.microsoft.com/office/drawing/2014/main" val="10002"/>
+                    <a16:rowId xmlns:a16="http://schemas.microsoft.com/office/drawing/2014/main" xmlns="" val="10002"/>
                   </a:ext>
                 </a:extLst>
               </a:tr>
@@ -20235,7 +20644,7 @@
 </p:sld>
 </file>
 
-<file path=ppt/slides/slide28.xml><?xml version="1.0" encoding="utf-8"?>
+<file path=ppt/slides/slide29.xml><?xml version="1.0" encoding="utf-8"?>
 <p:sld xmlns:a="http://schemas.openxmlformats.org/drawingml/2006/main" xmlns:r="http://schemas.openxmlformats.org/officeDocument/2006/relationships" xmlns:p="http://schemas.openxmlformats.org/presentationml/2006/main">
   <p:cSld>
     <p:spTree>
@@ -20390,14 +20799,14 @@
                 <a:gridCol w="311106">
                   <a:extLst>
                     <a:ext uri="{9D8B030D-6E8A-4147-A177-3AD203B41FA5}">
-                      <a16:colId xmlns="" xmlns:a16="http://schemas.microsoft.com/office/drawing/2014/main" val="20000"/>
+                      <a16:colId xmlns:a16="http://schemas.microsoft.com/office/drawing/2014/main" xmlns="" val="20000"/>
                     </a:ext>
                   </a:extLst>
                 </a:gridCol>
                 <a:gridCol w="2558644">
                   <a:extLst>
                     <a:ext uri="{9D8B030D-6E8A-4147-A177-3AD203B41FA5}">
-                      <a16:colId xmlns="" xmlns:a16="http://schemas.microsoft.com/office/drawing/2014/main" val="20001"/>
+                      <a16:colId xmlns:a16="http://schemas.microsoft.com/office/drawing/2014/main" xmlns="" val="20001"/>
                     </a:ext>
                   </a:extLst>
                 </a:gridCol>
@@ -20555,7 +20964,7 @@
                 </a:tc>
                 <a:extLst>
                   <a:ext uri="{0D108BD9-81ED-4DB2-BD59-A6C34878D82A}">
-                    <a16:rowId xmlns="" xmlns:a16="http://schemas.microsoft.com/office/drawing/2014/main" val="10000"/>
+                    <a16:rowId xmlns:a16="http://schemas.microsoft.com/office/drawing/2014/main" xmlns="" val="10000"/>
                   </a:ext>
                 </a:extLst>
               </a:tr>
@@ -20712,7 +21121,7 @@
                 </a:tc>
                 <a:extLst>
                   <a:ext uri="{0D108BD9-81ED-4DB2-BD59-A6C34878D82A}">
-                    <a16:rowId xmlns="" xmlns:a16="http://schemas.microsoft.com/office/drawing/2014/main" val="10001"/>
+                    <a16:rowId xmlns:a16="http://schemas.microsoft.com/office/drawing/2014/main" xmlns="" val="10001"/>
                   </a:ext>
                 </a:extLst>
               </a:tr>
@@ -20843,7 +21252,7 @@
                 </a:tc>
                 <a:extLst>
                   <a:ext uri="{0D108BD9-81ED-4DB2-BD59-A6C34878D82A}">
-                    <a16:rowId xmlns="" xmlns:a16="http://schemas.microsoft.com/office/drawing/2014/main" val="10002"/>
+                    <a16:rowId xmlns:a16="http://schemas.microsoft.com/office/drawing/2014/main" xmlns="" val="10002"/>
                   </a:ext>
                 </a:extLst>
               </a:tr>
@@ -21079,7 +21488,372 @@
 </p:sld>
 </file>
 
-<file path=ppt/slides/slide29.xml><?xml version="1.0" encoding="utf-8"?>
+<file path=ppt/slides/slide3.xml><?xml version="1.0" encoding="utf-8"?>
+<p:sld xmlns:a="http://schemas.openxmlformats.org/drawingml/2006/main" xmlns:r="http://schemas.openxmlformats.org/officeDocument/2006/relationships" xmlns:p="http://schemas.openxmlformats.org/presentationml/2006/main">
+  <p:cSld>
+    <p:spTree>
+      <p:nvGrpSpPr>
+        <p:cNvPr id="1" name=""/>
+        <p:cNvGrpSpPr/>
+        <p:nvPr/>
+      </p:nvGrpSpPr>
+      <p:grpSpPr>
+        <a:xfrm>
+          <a:off x="0" y="0"/>
+          <a:ext cx="0" cy="0"/>
+          <a:chOff x="0" y="0"/>
+          <a:chExt cx="0" cy="0"/>
+        </a:xfrm>
+      </p:grpSpPr>
+      <p:sp>
+        <p:nvSpPr>
+          <p:cNvPr id="2" name="제목 1"/>
+          <p:cNvSpPr>
+            <a:spLocks noGrp="1"/>
+          </p:cNvSpPr>
+          <p:nvPr>
+            <p:ph type="title"/>
+          </p:nvPr>
+        </p:nvSpPr>
+        <p:spPr/>
+        <p:txBody>
+          <a:bodyPr>
+            <a:normAutofit fontScale="90000"/>
+          </a:bodyPr>
+          <a:lstStyle/>
+          <a:p>
+            <a:r>
+              <a:rPr lang="en-US" altLang="ko-KR" sz="4000" b="0" smtClean="0"/>
+              <a:t>[</a:t>
+            </a:r>
+            <a:r>
+              <a:rPr lang="ko-KR" altLang="en-US" sz="4000" b="0" smtClean="0"/>
+              <a:t>화면구현</a:t>
+            </a:r>
+            <a:r>
+              <a:rPr lang="en-US" altLang="ko-KR" sz="4000" b="0" smtClean="0"/>
+              <a:t>] </a:t>
+            </a:r>
+            <a:r>
+              <a:rPr lang="ko-KR" altLang="en-US" sz="4000" b="0" smtClean="0"/>
+              <a:t>사용자 </a:t>
+            </a:r>
+            <a:r>
+              <a:rPr lang="en-US" altLang="ko-KR" sz="4000" b="0" smtClean="0"/>
+              <a:t>– </a:t>
+            </a:r>
+            <a:r>
+              <a:rPr lang="ko-KR" altLang="en-US" sz="4000" b="0" smtClean="0"/>
+              <a:t>웹 </a:t>
+            </a:r>
+            <a:r>
+              <a:rPr lang="en-US" altLang="ko-KR" sz="4000" b="0" smtClean="0"/>
+              <a:t>- </a:t>
+            </a:r>
+            <a:r>
+              <a:rPr lang="ko-KR" altLang="en-US" sz="4000" b="0" smtClean="0"/>
+              <a:t>메인페이지</a:t>
+            </a:r>
+            <a:r>
+              <a:rPr lang="ko-KR" altLang="en-US" sz="2400" b="0" smtClean="0"/>
+              <a:t> </a:t>
+            </a:r>
+            <a:r>
+              <a:rPr lang="en-US" altLang="ko-KR" sz="2400" b="0"/>
+              <a:t>- HEADER</a:t>
+            </a:r>
+            <a:endParaRPr lang="ko-KR" altLang="en-US"/>
+          </a:p>
+        </p:txBody>
+      </p:sp>
+      <p:pic>
+        <p:nvPicPr>
+          <p:cNvPr id="4" name="그림 3"/>
+          <p:cNvPicPr>
+            <a:picLocks noChangeAspect="1"/>
+          </p:cNvPicPr>
+          <p:nvPr/>
+        </p:nvPicPr>
+        <p:blipFill>
+          <a:blip r:embed="rId2"/>
+          <a:stretch>
+            <a:fillRect/>
+          </a:stretch>
+        </p:blipFill>
+        <p:spPr>
+          <a:xfrm>
+            <a:off x="90616" y="1447060"/>
+            <a:ext cx="9086335" cy="1963406"/>
+          </a:xfrm>
+          <a:prstGeom prst="rect">
+            <a:avLst/>
+          </a:prstGeom>
+        </p:spPr>
+      </p:pic>
+      <p:graphicFrame>
+        <p:nvGraphicFramePr>
+          <p:cNvPr id="6" name="표 5"/>
+          <p:cNvGraphicFramePr>
+            <a:graphicFrameLocks noGrp="1"/>
+          </p:cNvGraphicFramePr>
+          <p:nvPr>
+            <p:extLst>
+              <p:ext uri="{D42A27DB-BD31-4B8C-83A1-F6EECF244321}">
+                <p14:modId xmlns:p14="http://schemas.microsoft.com/office/powerpoint/2010/main" val="867841464"/>
+              </p:ext>
+            </p:extLst>
+          </p:nvPr>
+        </p:nvGraphicFramePr>
+        <p:xfrm>
+          <a:off x="9292795" y="1447060"/>
+          <a:ext cx="2788860" cy="640100"/>
+        </p:xfrm>
+        <a:graphic>
+          <a:graphicData uri="http://schemas.openxmlformats.org/drawingml/2006/table">
+            <a:tbl>
+              <a:tblPr firstRow="1" bandRow="1">
+                <a:noFill/>
+              </a:tblPr>
+              <a:tblGrid>
+                <a:gridCol w="2788860"/>
+              </a:tblGrid>
+              <a:tr h="168164">
+                <a:tc>
+                  <a:txBody>
+                    <a:bodyPr/>
+                    <a:lstStyle/>
+                    <a:p>
+                      <a:pPr marL="0" marR="0" lvl="0" indent="0" algn="ctr" rtl="0">
+                        <a:lnSpc>
+                          <a:spcPct val="100000"/>
+                        </a:lnSpc>
+                        <a:spcBef>
+                          <a:spcPts val="0"/>
+                        </a:spcBef>
+                        <a:spcAft>
+                          <a:spcPts val="0"/>
+                        </a:spcAft>
+                        <a:buClr>
+                          <a:srgbClr val="000000"/>
+                        </a:buClr>
+                        <a:buSzPts val="1500"/>
+                        <a:buFont typeface="Arial"/>
+                        <a:buNone/>
+                      </a:pPr>
+                      <a:r>
+                        <a:rPr lang="ko-KR" altLang="en-US" sz="1500" b="0" u="none" strike="noStrike" cap="none" dirty="0" smtClean="0">
+                          <a:solidFill>
+                            <a:schemeClr val="dk1"/>
+                          </a:solidFill>
+                        </a:rPr>
+                        <a:t>화면코드</a:t>
+                      </a:r>
+                      <a:endParaRPr sz="1500" b="0" u="none" strike="noStrike" cap="none" dirty="0">
+                        <a:solidFill>
+                          <a:schemeClr val="dk1"/>
+                        </a:solidFill>
+                      </a:endParaRPr>
+                    </a:p>
+                  </a:txBody>
+                  <a:tcPr marL="74304" marR="74304" marT="45725" marB="45725" anchor="ctr">
+                    <a:lnL w="12700" cap="flat" cmpd="sng">
+                      <a:solidFill>
+                        <a:schemeClr val="dk1"/>
+                      </a:solidFill>
+                      <a:prstDash val="solid"/>
+                      <a:round/>
+                      <a:headEnd type="none" w="sm" len="sm"/>
+                      <a:tailEnd type="none" w="sm" len="sm"/>
+                    </a:lnL>
+                    <a:lnR w="12700" cap="flat" cmpd="sng">
+                      <a:solidFill>
+                        <a:schemeClr val="dk1"/>
+                      </a:solidFill>
+                      <a:prstDash val="solid"/>
+                      <a:round/>
+                      <a:headEnd type="none" w="sm" len="sm"/>
+                      <a:tailEnd type="none" w="sm" len="sm"/>
+                    </a:lnR>
+                    <a:lnT w="12700" cap="flat" cmpd="sng">
+                      <a:solidFill>
+                        <a:schemeClr val="dk1"/>
+                      </a:solidFill>
+                      <a:prstDash val="solid"/>
+                      <a:round/>
+                      <a:headEnd type="none" w="sm" len="sm"/>
+                      <a:tailEnd type="none" w="sm" len="sm"/>
+                    </a:lnT>
+                    <a:lnB w="12700" cap="flat" cmpd="sng" algn="ctr">
+                      <a:solidFill>
+                        <a:schemeClr val="dk1"/>
+                      </a:solidFill>
+                      <a:prstDash val="solid"/>
+                      <a:round/>
+                      <a:headEnd type="none" w="sm" len="sm"/>
+                      <a:tailEnd type="none" w="sm" len="sm"/>
+                    </a:lnB>
+                    <a:solidFill>
+                      <a:srgbClr val="D8D8D8"/>
+                    </a:solidFill>
+                  </a:tcPr>
+                </a:tc>
+              </a:tr>
+              <a:tr h="168164">
+                <a:tc>
+                  <a:txBody>
+                    <a:bodyPr/>
+                    <a:lstStyle/>
+                    <a:p>
+                      <a:pPr marL="0" marR="0" lvl="0" indent="0" algn="ctr" defTabSz="914400" rtl="0" eaLnBrk="1" fontAlgn="auto" latinLnBrk="1" hangingPunct="1">
+                        <a:lnSpc>
+                          <a:spcPct val="100000"/>
+                        </a:lnSpc>
+                        <a:spcBef>
+                          <a:spcPts val="0"/>
+                        </a:spcBef>
+                        <a:spcAft>
+                          <a:spcPts val="0"/>
+                        </a:spcAft>
+                        <a:buClr>
+                          <a:srgbClr val="000000"/>
+                        </a:buClr>
+                        <a:buSzPts val="1500"/>
+                        <a:buFont typeface="Arial"/>
+                        <a:buNone/>
+                        <a:tabLst/>
+                        <a:defRPr/>
+                      </a:pPr>
+                      <a:r>
+                        <a:rPr lang="en-US" altLang="ko-KR" sz="1500" b="0" u="none" strike="noStrike" cap="none" smtClean="0">
+                          <a:solidFill>
+                            <a:schemeClr val="dk1"/>
+                          </a:solidFill>
+                        </a:rPr>
+                        <a:t>kb_user_w_mainHeader</a:t>
+                      </a:r>
+                      <a:endParaRPr lang="en-US" altLang="ko-KR" sz="1500" b="0" u="none" strike="noStrike" cap="none" dirty="0" smtClean="0">
+                        <a:solidFill>
+                          <a:schemeClr val="dk1"/>
+                        </a:solidFill>
+                      </a:endParaRPr>
+                    </a:p>
+                  </a:txBody>
+                  <a:tcPr marL="74304" marR="74304" marT="45725" marB="45725" anchor="ctr">
+                    <a:lnL w="12700" cap="flat" cmpd="sng" algn="ctr">
+                      <a:solidFill>
+                        <a:schemeClr val="dk1"/>
+                      </a:solidFill>
+                      <a:prstDash val="solid"/>
+                      <a:round/>
+                      <a:headEnd type="none" w="sm" len="sm"/>
+                      <a:tailEnd type="none" w="sm" len="sm"/>
+                    </a:lnL>
+                    <a:lnR w="12700" cap="flat" cmpd="sng" algn="ctr">
+                      <a:solidFill>
+                        <a:schemeClr val="dk1"/>
+                      </a:solidFill>
+                      <a:prstDash val="solid"/>
+                      <a:round/>
+                      <a:headEnd type="none" w="sm" len="sm"/>
+                      <a:tailEnd type="none" w="sm" len="sm"/>
+                    </a:lnR>
+                    <a:lnT w="12700" cap="flat" cmpd="sng" algn="ctr">
+                      <a:solidFill>
+                        <a:schemeClr val="dk1"/>
+                      </a:solidFill>
+                      <a:prstDash val="solid"/>
+                      <a:round/>
+                      <a:headEnd type="none" w="sm" len="sm"/>
+                      <a:tailEnd type="none" w="sm" len="sm"/>
+                    </a:lnT>
+                    <a:lnB w="12700" cap="flat" cmpd="sng">
+                      <a:solidFill>
+                        <a:schemeClr val="dk1"/>
+                      </a:solidFill>
+                      <a:prstDash val="solid"/>
+                      <a:round/>
+                      <a:headEnd type="none" w="sm" len="sm"/>
+                      <a:tailEnd type="none" w="sm" len="sm"/>
+                    </a:lnB>
+                    <a:solidFill>
+                      <a:schemeClr val="bg1"/>
+                    </a:solidFill>
+                  </a:tcPr>
+                </a:tc>
+              </a:tr>
+            </a:tbl>
+          </a:graphicData>
+        </a:graphic>
+      </p:graphicFrame>
+      <p:pic>
+        <p:nvPicPr>
+          <p:cNvPr id="3" name="그림 2"/>
+          <p:cNvPicPr>
+            <a:picLocks noChangeAspect="1"/>
+          </p:cNvPicPr>
+          <p:nvPr/>
+        </p:nvPicPr>
+        <p:blipFill>
+          <a:blip r:embed="rId3"/>
+          <a:stretch>
+            <a:fillRect/>
+          </a:stretch>
+        </p:blipFill>
+        <p:spPr>
+          <a:xfrm>
+            <a:off x="267012" y="3943986"/>
+            <a:ext cx="5345455" cy="1314450"/>
+          </a:xfrm>
+          <a:prstGeom prst="rect">
+            <a:avLst/>
+          </a:prstGeom>
+        </p:spPr>
+      </p:pic>
+      <p:pic>
+        <p:nvPicPr>
+          <p:cNvPr id="7" name="그림 6"/>
+          <p:cNvPicPr>
+            <a:picLocks noChangeAspect="1"/>
+          </p:cNvPicPr>
+          <p:nvPr/>
+        </p:nvPicPr>
+        <p:blipFill>
+          <a:blip r:embed="rId4"/>
+          <a:stretch>
+            <a:fillRect/>
+          </a:stretch>
+        </p:blipFill>
+        <p:spPr>
+          <a:xfrm>
+            <a:off x="6005383" y="3943986"/>
+            <a:ext cx="5800983" cy="1362075"/>
+          </a:xfrm>
+          <a:prstGeom prst="rect">
+            <a:avLst/>
+          </a:prstGeom>
+        </p:spPr>
+      </p:pic>
+    </p:spTree>
+    <p:extLst>
+      <p:ext uri="{BB962C8B-B14F-4D97-AF65-F5344CB8AC3E}">
+        <p14:creationId xmlns:p14="http://schemas.microsoft.com/office/powerpoint/2010/main" val="1759384167"/>
+      </p:ext>
+    </p:extLst>
+  </p:cSld>
+  <p:clrMapOvr>
+    <a:masterClrMapping/>
+  </p:clrMapOvr>
+  <p:timing>
+    <p:tnLst>
+      <p:par>
+        <p:cTn id="1" dur="indefinite" restart="never" nodeType="tmRoot"/>
+      </p:par>
+    </p:tnLst>
+  </p:timing>
+</p:sld>
+</file>
+
+<file path=ppt/slides/slide30.xml><?xml version="1.0" encoding="utf-8"?>
 <p:sld xmlns:a="http://schemas.openxmlformats.org/drawingml/2006/main" xmlns:r="http://schemas.openxmlformats.org/officeDocument/2006/relationships" xmlns:p="http://schemas.openxmlformats.org/presentationml/2006/main">
   <p:cSld>
     <p:spTree>
@@ -21234,14 +22008,14 @@
                 <a:gridCol w="311106">
                   <a:extLst>
                     <a:ext uri="{9D8B030D-6E8A-4147-A177-3AD203B41FA5}">
-                      <a16:colId xmlns="" xmlns:a16="http://schemas.microsoft.com/office/drawing/2014/main" val="20000"/>
+                      <a16:colId xmlns:a16="http://schemas.microsoft.com/office/drawing/2014/main" xmlns="" val="20000"/>
                     </a:ext>
                   </a:extLst>
                 </a:gridCol>
                 <a:gridCol w="2558644">
                   <a:extLst>
                     <a:ext uri="{9D8B030D-6E8A-4147-A177-3AD203B41FA5}">
-                      <a16:colId xmlns="" xmlns:a16="http://schemas.microsoft.com/office/drawing/2014/main" val="20001"/>
+                      <a16:colId xmlns:a16="http://schemas.microsoft.com/office/drawing/2014/main" xmlns="" val="20001"/>
                     </a:ext>
                   </a:extLst>
                 </a:gridCol>
@@ -21399,7 +22173,7 @@
                 </a:tc>
                 <a:extLst>
                   <a:ext uri="{0D108BD9-81ED-4DB2-BD59-A6C34878D82A}">
-                    <a16:rowId xmlns="" xmlns:a16="http://schemas.microsoft.com/office/drawing/2014/main" val="10000"/>
+                    <a16:rowId xmlns:a16="http://schemas.microsoft.com/office/drawing/2014/main" xmlns="" val="10000"/>
                   </a:ext>
                 </a:extLst>
               </a:tr>
@@ -21572,7 +22346,7 @@
                 </a:tc>
                 <a:extLst>
                   <a:ext uri="{0D108BD9-81ED-4DB2-BD59-A6C34878D82A}">
-                    <a16:rowId xmlns="" xmlns:a16="http://schemas.microsoft.com/office/drawing/2014/main" val="10001"/>
+                    <a16:rowId xmlns:a16="http://schemas.microsoft.com/office/drawing/2014/main" xmlns="" val="10001"/>
                   </a:ext>
                 </a:extLst>
               </a:tr>
@@ -21703,7 +22477,7 @@
                 </a:tc>
                 <a:extLst>
                   <a:ext uri="{0D108BD9-81ED-4DB2-BD59-A6C34878D82A}">
-                    <a16:rowId xmlns="" xmlns:a16="http://schemas.microsoft.com/office/drawing/2014/main" val="10002"/>
+                    <a16:rowId xmlns:a16="http://schemas.microsoft.com/office/drawing/2014/main" xmlns="" val="10002"/>
                   </a:ext>
                 </a:extLst>
               </a:tr>
@@ -21980,347 +22754,6 @@
     <p:extLst>
       <p:ext uri="{BB962C8B-B14F-4D97-AF65-F5344CB8AC3E}">
         <p14:creationId xmlns:p14="http://schemas.microsoft.com/office/powerpoint/2010/main" val="2799326429"/>
-      </p:ext>
-    </p:extLst>
-  </p:cSld>
-  <p:clrMapOvr>
-    <a:masterClrMapping/>
-  </p:clrMapOvr>
-  <p:timing>
-    <p:tnLst>
-      <p:par>
-        <p:cTn id="1" dur="indefinite" restart="never" nodeType="tmRoot"/>
-      </p:par>
-    </p:tnLst>
-  </p:timing>
-</p:sld>
-</file>
-
-<file path=ppt/slides/slide3.xml><?xml version="1.0" encoding="utf-8"?>
-<p:sld xmlns:a="http://schemas.openxmlformats.org/drawingml/2006/main" xmlns:r="http://schemas.openxmlformats.org/officeDocument/2006/relationships" xmlns:p="http://schemas.openxmlformats.org/presentationml/2006/main">
-  <p:cSld>
-    <p:spTree>
-      <p:nvGrpSpPr>
-        <p:cNvPr id="1" name=""/>
-        <p:cNvGrpSpPr/>
-        <p:nvPr/>
-      </p:nvGrpSpPr>
-      <p:grpSpPr>
-        <a:xfrm>
-          <a:off x="0" y="0"/>
-          <a:ext cx="0" cy="0"/>
-          <a:chOff x="0" y="0"/>
-          <a:chExt cx="0" cy="0"/>
-        </a:xfrm>
-      </p:grpSpPr>
-      <p:sp>
-        <p:nvSpPr>
-          <p:cNvPr id="2" name="제목 1"/>
-          <p:cNvSpPr>
-            <a:spLocks noGrp="1"/>
-          </p:cNvSpPr>
-          <p:nvPr>
-            <p:ph type="title"/>
-          </p:nvPr>
-        </p:nvSpPr>
-        <p:spPr/>
-        <p:txBody>
-          <a:bodyPr>
-            <a:normAutofit fontScale="90000"/>
-          </a:bodyPr>
-          <a:lstStyle/>
-          <a:p>
-            <a:r>
-              <a:rPr lang="en-US" altLang="ko-KR" sz="4000" b="0" smtClean="0"/>
-              <a:t>[</a:t>
-            </a:r>
-            <a:r>
-              <a:rPr lang="ko-KR" altLang="en-US" sz="4000" b="0" smtClean="0"/>
-              <a:t>화면구현</a:t>
-            </a:r>
-            <a:r>
-              <a:rPr lang="en-US" altLang="ko-KR" sz="4000" b="0" smtClean="0"/>
-              <a:t>] </a:t>
-            </a:r>
-            <a:r>
-              <a:rPr lang="ko-KR" altLang="en-US" sz="4000" b="0" smtClean="0"/>
-              <a:t>사용자 </a:t>
-            </a:r>
-            <a:r>
-              <a:rPr lang="en-US" altLang="ko-KR" sz="4000" b="0" smtClean="0"/>
-              <a:t>– </a:t>
-            </a:r>
-            <a:r>
-              <a:rPr lang="ko-KR" altLang="en-US" sz="4000" b="0" smtClean="0"/>
-              <a:t>웹 </a:t>
-            </a:r>
-            <a:r>
-              <a:rPr lang="en-US" altLang="ko-KR" sz="4000" b="0" smtClean="0"/>
-              <a:t>- </a:t>
-            </a:r>
-            <a:r>
-              <a:rPr lang="ko-KR" altLang="en-US" sz="4000" b="0" smtClean="0"/>
-              <a:t>메인페이지</a:t>
-            </a:r>
-            <a:r>
-              <a:rPr lang="ko-KR" altLang="en-US" sz="2400" b="0" smtClean="0"/>
-              <a:t> </a:t>
-            </a:r>
-            <a:r>
-              <a:rPr lang="en-US" altLang="ko-KR" sz="2400" b="0"/>
-              <a:t>- HEADER</a:t>
-            </a:r>
-            <a:endParaRPr lang="ko-KR" altLang="en-US"/>
-          </a:p>
-        </p:txBody>
-      </p:sp>
-      <p:pic>
-        <p:nvPicPr>
-          <p:cNvPr id="4" name="그림 3"/>
-          <p:cNvPicPr>
-            <a:picLocks noChangeAspect="1"/>
-          </p:cNvPicPr>
-          <p:nvPr/>
-        </p:nvPicPr>
-        <p:blipFill>
-          <a:blip r:embed="rId2"/>
-          <a:stretch>
-            <a:fillRect/>
-          </a:stretch>
-        </p:blipFill>
-        <p:spPr>
-          <a:xfrm>
-            <a:off x="90616" y="1447060"/>
-            <a:ext cx="9086335" cy="1963406"/>
-          </a:xfrm>
-          <a:prstGeom prst="rect">
-            <a:avLst/>
-          </a:prstGeom>
-        </p:spPr>
-      </p:pic>
-      <p:pic>
-        <p:nvPicPr>
-          <p:cNvPr id="5" name="그림 4"/>
-          <p:cNvPicPr>
-            <a:picLocks noChangeAspect="1"/>
-          </p:cNvPicPr>
-          <p:nvPr/>
-        </p:nvPicPr>
-        <p:blipFill>
-          <a:blip r:embed="rId3"/>
-          <a:stretch>
-            <a:fillRect/>
-          </a:stretch>
-        </p:blipFill>
-        <p:spPr>
-          <a:xfrm>
-            <a:off x="357703" y="3815353"/>
-            <a:ext cx="7324725" cy="2845317"/>
-          </a:xfrm>
-          <a:prstGeom prst="rect">
-            <a:avLst/>
-          </a:prstGeom>
-        </p:spPr>
-      </p:pic>
-      <p:graphicFrame>
-        <p:nvGraphicFramePr>
-          <p:cNvPr id="6" name="표 5"/>
-          <p:cNvGraphicFramePr>
-            <a:graphicFrameLocks noGrp="1"/>
-          </p:cNvGraphicFramePr>
-          <p:nvPr>
-            <p:extLst>
-              <p:ext uri="{D42A27DB-BD31-4B8C-83A1-F6EECF244321}">
-                <p14:modId xmlns:p14="http://schemas.microsoft.com/office/powerpoint/2010/main" val="867841464"/>
-              </p:ext>
-            </p:extLst>
-          </p:nvPr>
-        </p:nvGraphicFramePr>
-        <p:xfrm>
-          <a:off x="9292795" y="1447060"/>
-          <a:ext cx="2788860" cy="640100"/>
-        </p:xfrm>
-        <a:graphic>
-          <a:graphicData uri="http://schemas.openxmlformats.org/drawingml/2006/table">
-            <a:tbl>
-              <a:tblPr firstRow="1" bandRow="1">
-                <a:noFill/>
-              </a:tblPr>
-              <a:tblGrid>
-                <a:gridCol w="2788860"/>
-              </a:tblGrid>
-              <a:tr h="168164">
-                <a:tc>
-                  <a:txBody>
-                    <a:bodyPr/>
-                    <a:lstStyle/>
-                    <a:p>
-                      <a:pPr marL="0" marR="0" lvl="0" indent="0" algn="ctr" rtl="0">
-                        <a:lnSpc>
-                          <a:spcPct val="100000"/>
-                        </a:lnSpc>
-                        <a:spcBef>
-                          <a:spcPts val="0"/>
-                        </a:spcBef>
-                        <a:spcAft>
-                          <a:spcPts val="0"/>
-                        </a:spcAft>
-                        <a:buClr>
-                          <a:srgbClr val="000000"/>
-                        </a:buClr>
-                        <a:buSzPts val="1500"/>
-                        <a:buFont typeface="Arial"/>
-                        <a:buNone/>
-                      </a:pPr>
-                      <a:r>
-                        <a:rPr lang="ko-KR" altLang="en-US" sz="1500" b="0" u="none" strike="noStrike" cap="none" dirty="0" smtClean="0">
-                          <a:solidFill>
-                            <a:schemeClr val="dk1"/>
-                          </a:solidFill>
-                        </a:rPr>
-                        <a:t>화면코드</a:t>
-                      </a:r>
-                      <a:endParaRPr sz="1500" b="0" u="none" strike="noStrike" cap="none" dirty="0">
-                        <a:solidFill>
-                          <a:schemeClr val="dk1"/>
-                        </a:solidFill>
-                      </a:endParaRPr>
-                    </a:p>
-                  </a:txBody>
-                  <a:tcPr marL="74304" marR="74304" marT="45725" marB="45725" anchor="ctr">
-                    <a:lnL w="12700" cap="flat" cmpd="sng">
-                      <a:solidFill>
-                        <a:schemeClr val="dk1"/>
-                      </a:solidFill>
-                      <a:prstDash val="solid"/>
-                      <a:round/>
-                      <a:headEnd type="none" w="sm" len="sm"/>
-                      <a:tailEnd type="none" w="sm" len="sm"/>
-                    </a:lnL>
-                    <a:lnR w="12700" cap="flat" cmpd="sng">
-                      <a:solidFill>
-                        <a:schemeClr val="dk1"/>
-                      </a:solidFill>
-                      <a:prstDash val="solid"/>
-                      <a:round/>
-                      <a:headEnd type="none" w="sm" len="sm"/>
-                      <a:tailEnd type="none" w="sm" len="sm"/>
-                    </a:lnR>
-                    <a:lnT w="12700" cap="flat" cmpd="sng">
-                      <a:solidFill>
-                        <a:schemeClr val="dk1"/>
-                      </a:solidFill>
-                      <a:prstDash val="solid"/>
-                      <a:round/>
-                      <a:headEnd type="none" w="sm" len="sm"/>
-                      <a:tailEnd type="none" w="sm" len="sm"/>
-                    </a:lnT>
-                    <a:lnB w="12700" cap="flat" cmpd="sng" algn="ctr">
-                      <a:solidFill>
-                        <a:schemeClr val="dk1"/>
-                      </a:solidFill>
-                      <a:prstDash val="solid"/>
-                      <a:round/>
-                      <a:headEnd type="none" w="sm" len="sm"/>
-                      <a:tailEnd type="none" w="sm" len="sm"/>
-                    </a:lnB>
-                    <a:solidFill>
-                      <a:srgbClr val="D8D8D8"/>
-                    </a:solidFill>
-                  </a:tcPr>
-                </a:tc>
-              </a:tr>
-              <a:tr h="168164">
-                <a:tc>
-                  <a:txBody>
-                    <a:bodyPr/>
-                    <a:lstStyle/>
-                    <a:p>
-                      <a:pPr marL="0" marR="0" lvl="0" indent="0" algn="ctr" defTabSz="914400" rtl="0" eaLnBrk="1" fontAlgn="auto" latinLnBrk="1" hangingPunct="1">
-                        <a:lnSpc>
-                          <a:spcPct val="100000"/>
-                        </a:lnSpc>
-                        <a:spcBef>
-                          <a:spcPts val="0"/>
-                        </a:spcBef>
-                        <a:spcAft>
-                          <a:spcPts val="0"/>
-                        </a:spcAft>
-                        <a:buClr>
-                          <a:srgbClr val="000000"/>
-                        </a:buClr>
-                        <a:buSzPts val="1500"/>
-                        <a:buFont typeface="Arial"/>
-                        <a:buNone/>
-                        <a:tabLst/>
-                        <a:defRPr/>
-                      </a:pPr>
-                      <a:r>
-                        <a:rPr lang="en-US" altLang="ko-KR" sz="1500" b="0" u="none" strike="noStrike" cap="none" smtClean="0">
-                          <a:solidFill>
-                            <a:schemeClr val="dk1"/>
-                          </a:solidFill>
-                        </a:rPr>
-                        <a:t>kb_user_w_mainHeader</a:t>
-                      </a:r>
-                      <a:endParaRPr lang="en-US" altLang="ko-KR" sz="1500" b="0" u="none" strike="noStrike" cap="none" dirty="0" smtClean="0">
-                        <a:solidFill>
-                          <a:schemeClr val="dk1"/>
-                        </a:solidFill>
-                      </a:endParaRPr>
-                    </a:p>
-                  </a:txBody>
-                  <a:tcPr marL="74304" marR="74304" marT="45725" marB="45725" anchor="ctr">
-                    <a:lnL w="12700" cap="flat" cmpd="sng" algn="ctr">
-                      <a:solidFill>
-                        <a:schemeClr val="dk1"/>
-                      </a:solidFill>
-                      <a:prstDash val="solid"/>
-                      <a:round/>
-                      <a:headEnd type="none" w="sm" len="sm"/>
-                      <a:tailEnd type="none" w="sm" len="sm"/>
-                    </a:lnL>
-                    <a:lnR w="12700" cap="flat" cmpd="sng" algn="ctr">
-                      <a:solidFill>
-                        <a:schemeClr val="dk1"/>
-                      </a:solidFill>
-                      <a:prstDash val="solid"/>
-                      <a:round/>
-                      <a:headEnd type="none" w="sm" len="sm"/>
-                      <a:tailEnd type="none" w="sm" len="sm"/>
-                    </a:lnR>
-                    <a:lnT w="12700" cap="flat" cmpd="sng" algn="ctr">
-                      <a:solidFill>
-                        <a:schemeClr val="dk1"/>
-                      </a:solidFill>
-                      <a:prstDash val="solid"/>
-                      <a:round/>
-                      <a:headEnd type="none" w="sm" len="sm"/>
-                      <a:tailEnd type="none" w="sm" len="sm"/>
-                    </a:lnT>
-                    <a:lnB w="12700" cap="flat" cmpd="sng">
-                      <a:solidFill>
-                        <a:schemeClr val="dk1"/>
-                      </a:solidFill>
-                      <a:prstDash val="solid"/>
-                      <a:round/>
-                      <a:headEnd type="none" w="sm" len="sm"/>
-                      <a:tailEnd type="none" w="sm" len="sm"/>
-                    </a:lnB>
-                    <a:solidFill>
-                      <a:schemeClr val="bg1"/>
-                    </a:solidFill>
-                  </a:tcPr>
-                </a:tc>
-              </a:tr>
-            </a:tbl>
-          </a:graphicData>
-        </a:graphic>
-      </p:graphicFrame>
-    </p:spTree>
-    <p:extLst>
-      <p:ext uri="{BB962C8B-B14F-4D97-AF65-F5344CB8AC3E}">
-        <p14:creationId xmlns:p14="http://schemas.microsoft.com/office/powerpoint/2010/main" val="1759384167"/>
       </p:ext>
     </p:extLst>
   </p:cSld>
@@ -22553,14 +22986,14 @@
                 <a:gridCol w="311106">
                   <a:extLst>
                     <a:ext uri="{9D8B030D-6E8A-4147-A177-3AD203B41FA5}">
-                      <a16:colId xmlns="" xmlns:a16="http://schemas.microsoft.com/office/drawing/2014/main" val="20000"/>
+                      <a16:colId xmlns:a16="http://schemas.microsoft.com/office/drawing/2014/main" xmlns="" val="20000"/>
                     </a:ext>
                   </a:extLst>
                 </a:gridCol>
                 <a:gridCol w="2558644">
                   <a:extLst>
                     <a:ext uri="{9D8B030D-6E8A-4147-A177-3AD203B41FA5}">
-                      <a16:colId xmlns="" xmlns:a16="http://schemas.microsoft.com/office/drawing/2014/main" val="20001"/>
+                      <a16:colId xmlns:a16="http://schemas.microsoft.com/office/drawing/2014/main" xmlns="" val="20001"/>
                     </a:ext>
                   </a:extLst>
                 </a:gridCol>
@@ -22718,7 +23151,7 @@
                 </a:tc>
                 <a:extLst>
                   <a:ext uri="{0D108BD9-81ED-4DB2-BD59-A6C34878D82A}">
-                    <a16:rowId xmlns="" xmlns:a16="http://schemas.microsoft.com/office/drawing/2014/main" val="10000"/>
+                    <a16:rowId xmlns:a16="http://schemas.microsoft.com/office/drawing/2014/main" xmlns="" val="10000"/>
                   </a:ext>
                 </a:extLst>
               </a:tr>
@@ -22971,7 +23404,7 @@
                 </a:tc>
                 <a:extLst>
                   <a:ext uri="{0D108BD9-81ED-4DB2-BD59-A6C34878D82A}">
-                    <a16:rowId xmlns="" xmlns:a16="http://schemas.microsoft.com/office/drawing/2014/main" val="10001"/>
+                    <a16:rowId xmlns:a16="http://schemas.microsoft.com/office/drawing/2014/main" xmlns="" val="10001"/>
                   </a:ext>
                 </a:extLst>
               </a:tr>
@@ -23192,7 +23625,7 @@
                 </a:tc>
                 <a:extLst>
                   <a:ext uri="{0D108BD9-81ED-4DB2-BD59-A6C34878D82A}">
-                    <a16:rowId xmlns="" xmlns:a16="http://schemas.microsoft.com/office/drawing/2014/main" val="10002"/>
+                    <a16:rowId xmlns:a16="http://schemas.microsoft.com/office/drawing/2014/main" xmlns="" val="10002"/>
                   </a:ext>
                 </a:extLst>
               </a:tr>
@@ -23429,7 +23862,7 @@
                 </a:tc>
                 <a:extLst>
                   <a:ext uri="{0D108BD9-81ED-4DB2-BD59-A6C34878D82A}">
-                    <a16:rowId xmlns="" xmlns:a16="http://schemas.microsoft.com/office/drawing/2014/main" val="10003"/>
+                    <a16:rowId xmlns:a16="http://schemas.microsoft.com/office/drawing/2014/main" xmlns="" val="10003"/>
                   </a:ext>
                 </a:extLst>
               </a:tr>
@@ -23650,7 +24083,7 @@
                 </a:tc>
                 <a:extLst>
                   <a:ext uri="{0D108BD9-81ED-4DB2-BD59-A6C34878D82A}">
-                    <a16:rowId xmlns="" xmlns:a16="http://schemas.microsoft.com/office/drawing/2014/main" val="10004"/>
+                    <a16:rowId xmlns:a16="http://schemas.microsoft.com/office/drawing/2014/main" xmlns="" val="10004"/>
                   </a:ext>
                 </a:extLst>
               </a:tr>
@@ -23877,7 +24310,7 @@
                 </a:tc>
                 <a:extLst>
                   <a:ext uri="{0D108BD9-81ED-4DB2-BD59-A6C34878D82A}">
-                    <a16:rowId xmlns="" xmlns:a16="http://schemas.microsoft.com/office/drawing/2014/main" val="10005"/>
+                    <a16:rowId xmlns:a16="http://schemas.microsoft.com/office/drawing/2014/main" xmlns="" val="10005"/>
                   </a:ext>
                 </a:extLst>
               </a:tr>
@@ -24479,7 +24912,7 @@
       </p:pic>
       <p:pic>
         <p:nvPicPr>
-          <p:cNvPr id="5" name="그림 4"/>
+          <p:cNvPr id="3" name="그림 2"/>
           <p:cNvPicPr>
             <a:picLocks noChangeAspect="1"/>
           </p:cNvPicPr>
@@ -24493,8 +24926,8 @@
         </p:blipFill>
         <p:spPr>
           <a:xfrm>
-            <a:off x="6739003" y="1916482"/>
-            <a:ext cx="5198301" cy="2016691"/>
+            <a:off x="7039627" y="1583080"/>
+            <a:ext cx="4691054" cy="1843861"/>
           </a:xfrm>
           <a:prstGeom prst="rect">
             <a:avLst/>
@@ -24503,7 +24936,7 @@
       </p:pic>
       <p:pic>
         <p:nvPicPr>
-          <p:cNvPr id="6" name="그림 5"/>
+          <p:cNvPr id="7" name="그림 6"/>
           <p:cNvPicPr>
             <a:picLocks noChangeAspect="1"/>
           </p:cNvPicPr>
@@ -24517,8 +24950,32 @@
         </p:blipFill>
         <p:spPr>
           <a:xfrm>
-            <a:off x="9338153" y="2090781"/>
-            <a:ext cx="2712671" cy="4561606"/>
+            <a:off x="6905625" y="5680229"/>
+            <a:ext cx="4825056" cy="457200"/>
+          </a:xfrm>
+          <a:prstGeom prst="rect">
+            <a:avLst/>
+          </a:prstGeom>
+        </p:spPr>
+      </p:pic>
+      <p:pic>
+        <p:nvPicPr>
+          <p:cNvPr id="8" name="그림 7"/>
+          <p:cNvPicPr>
+            <a:picLocks noChangeAspect="1"/>
+          </p:cNvPicPr>
+          <p:nvPr/>
+        </p:nvPicPr>
+        <p:blipFill>
+          <a:blip r:embed="rId5"/>
+          <a:stretch>
+            <a:fillRect/>
+          </a:stretch>
+        </p:blipFill>
+        <p:spPr>
+          <a:xfrm>
+            <a:off x="7039627" y="3780138"/>
+            <a:ext cx="4771888" cy="1752600"/>
           </a:xfrm>
           <a:prstGeom prst="rect">
             <a:avLst/>
@@ -24538,75 +24995,7 @@
   <p:timing>
     <p:tnLst>
       <p:par>
-        <p:cTn id="1" dur="indefinite" restart="never" nodeType="tmRoot">
-          <p:childTnLst>
-            <p:seq concurrent="1" nextAc="seek">
-              <p:cTn id="2" dur="indefinite" nodeType="mainSeq">
-                <p:childTnLst>
-                  <p:par>
-                    <p:cTn id="3" fill="hold">
-                      <p:stCondLst>
-                        <p:cond delay="indefinite"/>
-                      </p:stCondLst>
-                      <p:childTnLst>
-                        <p:par>
-                          <p:cTn id="4" fill="hold">
-                            <p:stCondLst>
-                              <p:cond delay="0"/>
-                            </p:stCondLst>
-                            <p:childTnLst>
-                              <p:par>
-                                <p:cTn id="5" presetID="1" presetClass="entr" presetSubtype="0" fill="hold" nodeType="clickEffect">
-                                  <p:stCondLst>
-                                    <p:cond delay="0"/>
-                                  </p:stCondLst>
-                                  <p:childTnLst>
-                                    <p:set>
-                                      <p:cBhvr>
-                                        <p:cTn id="6" dur="1" fill="hold">
-                                          <p:stCondLst>
-                                            <p:cond delay="0"/>
-                                          </p:stCondLst>
-                                        </p:cTn>
-                                        <p:tgtEl>
-                                          <p:spTgt spid="6"/>
-                                        </p:tgtEl>
-                                        <p:attrNameLst>
-                                          <p:attrName>style.visibility</p:attrName>
-                                        </p:attrNameLst>
-                                      </p:cBhvr>
-                                      <p:to>
-                                        <p:strVal val="visible"/>
-                                      </p:to>
-                                    </p:set>
-                                  </p:childTnLst>
-                                </p:cTn>
-                              </p:par>
-                            </p:childTnLst>
-                          </p:cTn>
-                        </p:par>
-                      </p:childTnLst>
-                    </p:cTn>
-                  </p:par>
-                </p:childTnLst>
-              </p:cTn>
-              <p:prevCondLst>
-                <p:cond evt="onPrev" delay="0">
-                  <p:tgtEl>
-                    <p:sldTgt/>
-                  </p:tgtEl>
-                </p:cond>
-              </p:prevCondLst>
-              <p:nextCondLst>
-                <p:cond evt="onNext" delay="0">
-                  <p:tgtEl>
-                    <p:sldTgt/>
-                  </p:tgtEl>
-                </p:cond>
-              </p:nextCondLst>
-            </p:seq>
-          </p:childTnLst>
-        </p:cTn>
+        <p:cTn id="1" dur="indefinite" restart="never" nodeType="tmRoot"/>
       </p:par>
     </p:tnLst>
   </p:timing>
@@ -24781,14 +25170,14 @@
                 <a:gridCol w="311106">
                   <a:extLst>
                     <a:ext uri="{9D8B030D-6E8A-4147-A177-3AD203B41FA5}">
-                      <a16:colId xmlns="" xmlns:a16="http://schemas.microsoft.com/office/drawing/2014/main" val="20000"/>
+                      <a16:colId xmlns:a16="http://schemas.microsoft.com/office/drawing/2014/main" xmlns="" val="20000"/>
                     </a:ext>
                   </a:extLst>
                 </a:gridCol>
                 <a:gridCol w="2558644">
                   <a:extLst>
                     <a:ext uri="{9D8B030D-6E8A-4147-A177-3AD203B41FA5}">
-                      <a16:colId xmlns="" xmlns:a16="http://schemas.microsoft.com/office/drawing/2014/main" val="20001"/>
+                      <a16:colId xmlns:a16="http://schemas.microsoft.com/office/drawing/2014/main" xmlns="" val="20001"/>
                     </a:ext>
                   </a:extLst>
                 </a:gridCol>
@@ -24946,7 +25335,7 @@
                 </a:tc>
                 <a:extLst>
                   <a:ext uri="{0D108BD9-81ED-4DB2-BD59-A6C34878D82A}">
-                    <a16:rowId xmlns="" xmlns:a16="http://schemas.microsoft.com/office/drawing/2014/main" val="10000"/>
+                    <a16:rowId xmlns:a16="http://schemas.microsoft.com/office/drawing/2014/main" xmlns="" val="10000"/>
                   </a:ext>
                 </a:extLst>
               </a:tr>
@@ -25293,7 +25682,7 @@
                 </a:tc>
                 <a:extLst>
                   <a:ext uri="{0D108BD9-81ED-4DB2-BD59-A6C34878D82A}">
-                    <a16:rowId xmlns="" xmlns:a16="http://schemas.microsoft.com/office/drawing/2014/main" val="10001"/>
+                    <a16:rowId xmlns:a16="http://schemas.microsoft.com/office/drawing/2014/main" xmlns="" val="10001"/>
                   </a:ext>
                 </a:extLst>
               </a:tr>
@@ -25514,7 +25903,7 @@
                 </a:tc>
                 <a:extLst>
                   <a:ext uri="{0D108BD9-81ED-4DB2-BD59-A6C34878D82A}">
-                    <a16:rowId xmlns="" xmlns:a16="http://schemas.microsoft.com/office/drawing/2014/main" val="10002"/>
+                    <a16:rowId xmlns:a16="http://schemas.microsoft.com/office/drawing/2014/main" xmlns="" val="10002"/>
                   </a:ext>
                 </a:extLst>
               </a:tr>
@@ -25751,7 +26140,7 @@
                 </a:tc>
                 <a:extLst>
                   <a:ext uri="{0D108BD9-81ED-4DB2-BD59-A6C34878D82A}">
-                    <a16:rowId xmlns="" xmlns:a16="http://schemas.microsoft.com/office/drawing/2014/main" val="10003"/>
+                    <a16:rowId xmlns:a16="http://schemas.microsoft.com/office/drawing/2014/main" xmlns="" val="10003"/>
                   </a:ext>
                 </a:extLst>
               </a:tr>
@@ -25978,7 +26367,7 @@
                 </a:tc>
                 <a:extLst>
                   <a:ext uri="{0D108BD9-81ED-4DB2-BD59-A6C34878D82A}">
-                    <a16:rowId xmlns="" xmlns:a16="http://schemas.microsoft.com/office/drawing/2014/main" val="10004"/>
+                    <a16:rowId xmlns:a16="http://schemas.microsoft.com/office/drawing/2014/main" xmlns="" val="10004"/>
                   </a:ext>
                 </a:extLst>
               </a:tr>
@@ -26562,14 +26951,14 @@
                 <a:gridCol w="311106">
                   <a:extLst>
                     <a:ext uri="{9D8B030D-6E8A-4147-A177-3AD203B41FA5}">
-                      <a16:colId xmlns="" xmlns:a16="http://schemas.microsoft.com/office/drawing/2014/main" val="20000"/>
+                      <a16:colId xmlns:a16="http://schemas.microsoft.com/office/drawing/2014/main" xmlns="" val="20000"/>
                     </a:ext>
                   </a:extLst>
                 </a:gridCol>
                 <a:gridCol w="2558644">
                   <a:extLst>
                     <a:ext uri="{9D8B030D-6E8A-4147-A177-3AD203B41FA5}">
-                      <a16:colId xmlns="" xmlns:a16="http://schemas.microsoft.com/office/drawing/2014/main" val="20001"/>
+                      <a16:colId xmlns:a16="http://schemas.microsoft.com/office/drawing/2014/main" xmlns="" val="20001"/>
                     </a:ext>
                   </a:extLst>
                 </a:gridCol>
@@ -26727,7 +27116,7 @@
                 </a:tc>
                 <a:extLst>
                   <a:ext uri="{0D108BD9-81ED-4DB2-BD59-A6C34878D82A}">
-                    <a16:rowId xmlns="" xmlns:a16="http://schemas.microsoft.com/office/drawing/2014/main" val="10000"/>
+                    <a16:rowId xmlns:a16="http://schemas.microsoft.com/office/drawing/2014/main" xmlns="" val="10000"/>
                   </a:ext>
                 </a:extLst>
               </a:tr>
@@ -27039,7 +27428,7 @@
                 </a:tc>
                 <a:extLst>
                   <a:ext uri="{0D108BD9-81ED-4DB2-BD59-A6C34878D82A}">
-                    <a16:rowId xmlns="" xmlns:a16="http://schemas.microsoft.com/office/drawing/2014/main" val="10001"/>
+                    <a16:rowId xmlns:a16="http://schemas.microsoft.com/office/drawing/2014/main" xmlns="" val="10001"/>
                   </a:ext>
                 </a:extLst>
               </a:tr>
@@ -27170,7 +27559,7 @@
                 </a:tc>
                 <a:extLst>
                   <a:ext uri="{0D108BD9-81ED-4DB2-BD59-A6C34878D82A}">
-                    <a16:rowId xmlns="" xmlns:a16="http://schemas.microsoft.com/office/drawing/2014/main" val="10002"/>
+                    <a16:rowId xmlns:a16="http://schemas.microsoft.com/office/drawing/2014/main" xmlns="" val="10002"/>
                   </a:ext>
                 </a:extLst>
               </a:tr>
@@ -27568,7 +27957,7 @@
       </p:pic>
       <p:pic>
         <p:nvPicPr>
-          <p:cNvPr id="5" name="그림 4"/>
+          <p:cNvPr id="3" name="그림 2"/>
           <p:cNvPicPr>
             <a:picLocks noChangeAspect="1"/>
           </p:cNvPicPr>
@@ -27582,8 +27971,56 @@
         </p:blipFill>
         <p:spPr>
           <a:xfrm>
-            <a:off x="5561556" y="1803748"/>
-            <a:ext cx="6630443" cy="3469710"/>
+            <a:off x="6491416" y="1593892"/>
+            <a:ext cx="5421655" cy="276225"/>
+          </a:xfrm>
+          <a:prstGeom prst="rect">
+            <a:avLst/>
+          </a:prstGeom>
+        </p:spPr>
+      </p:pic>
+      <p:pic>
+        <p:nvPicPr>
+          <p:cNvPr id="6" name="그림 5"/>
+          <p:cNvPicPr>
+            <a:picLocks noChangeAspect="1"/>
+          </p:cNvPicPr>
+          <p:nvPr/>
+        </p:nvPicPr>
+        <p:blipFill>
+          <a:blip r:embed="rId4"/>
+          <a:stretch>
+            <a:fillRect/>
+          </a:stretch>
+        </p:blipFill>
+        <p:spPr>
+          <a:xfrm>
+            <a:off x="6582031" y="2015696"/>
+            <a:ext cx="4699172" cy="1814899"/>
+          </a:xfrm>
+          <a:prstGeom prst="rect">
+            <a:avLst/>
+          </a:prstGeom>
+        </p:spPr>
+      </p:pic>
+      <p:pic>
+        <p:nvPicPr>
+          <p:cNvPr id="7" name="그림 6"/>
+          <p:cNvPicPr>
+            <a:picLocks noChangeAspect="1"/>
+          </p:cNvPicPr>
+          <p:nvPr/>
+        </p:nvPicPr>
+        <p:blipFill>
+          <a:blip r:embed="rId5"/>
+          <a:stretch>
+            <a:fillRect/>
+          </a:stretch>
+        </p:blipFill>
+        <p:spPr>
+          <a:xfrm>
+            <a:off x="6340817" y="3976174"/>
+            <a:ext cx="5181600" cy="1285875"/>
           </a:xfrm>
           <a:prstGeom prst="rect">
             <a:avLst/>

--- a/0 발표용 파워포인트/project05 - 파워포인트 종합 - 기범.pptx
+++ b/0 발표용 파워포인트/project05 - 파워포인트 종합 - 기범.pptx
@@ -10,25 +10,25 @@
   <p:sldIdLst>
     <p:sldId id="256" r:id="rId2"/>
     <p:sldId id="257" r:id="rId3"/>
-    <p:sldId id="273" r:id="rId4"/>
+    <p:sldId id="286" r:id="rId4"/>
     <p:sldId id="258" r:id="rId5"/>
-    <p:sldId id="274" r:id="rId6"/>
+    <p:sldId id="287" r:id="rId6"/>
     <p:sldId id="259" r:id="rId7"/>
     <p:sldId id="275" r:id="rId8"/>
     <p:sldId id="260" r:id="rId9"/>
-    <p:sldId id="276" r:id="rId10"/>
+    <p:sldId id="288" r:id="rId10"/>
     <p:sldId id="277" r:id="rId11"/>
-    <p:sldId id="278" r:id="rId12"/>
-    <p:sldId id="279" r:id="rId13"/>
+    <p:sldId id="289" r:id="rId12"/>
+    <p:sldId id="290" r:id="rId13"/>
     <p:sldId id="281" r:id="rId14"/>
-    <p:sldId id="280" r:id="rId15"/>
+    <p:sldId id="291" r:id="rId15"/>
     <p:sldId id="283" r:id="rId16"/>
-    <p:sldId id="282" r:id="rId17"/>
-    <p:sldId id="284" r:id="rId18"/>
+    <p:sldId id="292" r:id="rId17"/>
+    <p:sldId id="293" r:id="rId18"/>
     <p:sldId id="261" r:id="rId19"/>
     <p:sldId id="262" r:id="rId20"/>
     <p:sldId id="263" r:id="rId21"/>
-    <p:sldId id="285" r:id="rId22"/>
+    <p:sldId id="294" r:id="rId22"/>
     <p:sldId id="264" r:id="rId23"/>
     <p:sldId id="265" r:id="rId24"/>
     <p:sldId id="266" r:id="rId25"/>
@@ -3948,14 +3948,14 @@
                 <a:gridCol w="311106">
                   <a:extLst>
                     <a:ext uri="{9D8B030D-6E8A-4147-A177-3AD203B41FA5}">
-                      <a16:colId xmlns:a16="http://schemas.microsoft.com/office/drawing/2014/main" xmlns="" val="20000"/>
+                      <a16:colId xmlns="" xmlns:a16="http://schemas.microsoft.com/office/drawing/2014/main" val="20000"/>
                     </a:ext>
                   </a:extLst>
                 </a:gridCol>
                 <a:gridCol w="2558644">
                   <a:extLst>
                     <a:ext uri="{9D8B030D-6E8A-4147-A177-3AD203B41FA5}">
-                      <a16:colId xmlns:a16="http://schemas.microsoft.com/office/drawing/2014/main" xmlns="" val="20001"/>
+                      <a16:colId xmlns="" xmlns:a16="http://schemas.microsoft.com/office/drawing/2014/main" val="20001"/>
                     </a:ext>
                   </a:extLst>
                 </a:gridCol>
@@ -4113,7 +4113,7 @@
                 </a:tc>
                 <a:extLst>
                   <a:ext uri="{0D108BD9-81ED-4DB2-BD59-A6C34878D82A}">
-                    <a16:rowId xmlns:a16="http://schemas.microsoft.com/office/drawing/2014/main" xmlns="" val="10000"/>
+                    <a16:rowId xmlns="" xmlns:a16="http://schemas.microsoft.com/office/drawing/2014/main" val="10000"/>
                   </a:ext>
                 </a:extLst>
               </a:tr>
@@ -4270,7 +4270,7 @@
                 </a:tc>
                 <a:extLst>
                   <a:ext uri="{0D108BD9-81ED-4DB2-BD59-A6C34878D82A}">
-                    <a16:rowId xmlns:a16="http://schemas.microsoft.com/office/drawing/2014/main" xmlns="" val="10001"/>
+                    <a16:rowId xmlns="" xmlns:a16="http://schemas.microsoft.com/office/drawing/2014/main" val="10001"/>
                   </a:ext>
                 </a:extLst>
               </a:tr>
@@ -4401,7 +4401,7 @@
                 </a:tc>
                 <a:extLst>
                   <a:ext uri="{0D108BD9-81ED-4DB2-BD59-A6C34878D82A}">
-                    <a16:rowId xmlns:a16="http://schemas.microsoft.com/office/drawing/2014/main" xmlns="" val="10002"/>
+                    <a16:rowId xmlns="" xmlns:a16="http://schemas.microsoft.com/office/drawing/2014/main" val="10002"/>
                   </a:ext>
                 </a:extLst>
               </a:tr>
@@ -4742,6 +4742,11 @@
           <a:prstGeom prst="rect">
             <a:avLst/>
           </a:prstGeom>
+          <a:ln w="25400">
+            <a:solidFill>
+              <a:schemeClr val="tx1"/>
+            </a:solidFill>
+          </a:ln>
         </p:spPr>
       </p:pic>
       <p:pic>
@@ -4760,18 +4765,23 @@
         </p:blipFill>
         <p:spPr>
           <a:xfrm>
-            <a:off x="6500669" y="3140721"/>
-            <a:ext cx="5611008" cy="1200150"/>
+            <a:off x="7408505" y="3140721"/>
+            <a:ext cx="4703171" cy="1200150"/>
           </a:xfrm>
           <a:prstGeom prst="rect">
             <a:avLst/>
           </a:prstGeom>
+          <a:ln>
+            <a:solidFill>
+              <a:schemeClr val="tx1"/>
+            </a:solidFill>
+          </a:ln>
         </p:spPr>
       </p:pic>
     </p:spTree>
     <p:extLst>
       <p:ext uri="{BB962C8B-B14F-4D97-AF65-F5344CB8AC3E}">
-        <p14:creationId xmlns:p14="http://schemas.microsoft.com/office/powerpoint/2010/main" val="3021588398"/>
+        <p14:creationId xmlns:p14="http://schemas.microsoft.com/office/powerpoint/2010/main" val="1754061389"/>
       </p:ext>
     </p:extLst>
   </p:cSld>
@@ -4889,11 +4899,16 @@
         <p:spPr>
           <a:xfrm>
             <a:off x="713852" y="1547356"/>
-            <a:ext cx="7181850" cy="4514850"/>
+            <a:ext cx="6172140" cy="4514850"/>
           </a:xfrm>
           <a:prstGeom prst="rect">
             <a:avLst/>
           </a:prstGeom>
+          <a:ln w="25400">
+            <a:solidFill>
+              <a:schemeClr val="tx1"/>
+            </a:solidFill>
+          </a:ln>
         </p:spPr>
       </p:pic>
       <p:pic>
@@ -4918,6 +4933,11 @@
           <a:prstGeom prst="rect">
             <a:avLst/>
           </a:prstGeom>
+          <a:ln>
+            <a:solidFill>
+              <a:schemeClr val="tx1"/>
+            </a:solidFill>
+          </a:ln>
         </p:spPr>
       </p:pic>
       <p:pic>
@@ -4942,6 +4962,11 @@
           <a:prstGeom prst="rect">
             <a:avLst/>
           </a:prstGeom>
+          <a:ln>
+            <a:solidFill>
+              <a:schemeClr val="tx1"/>
+            </a:solidFill>
+          </a:ln>
         </p:spPr>
       </p:pic>
       <p:pic>
@@ -4966,12 +4991,17 @@
           <a:prstGeom prst="rect">
             <a:avLst/>
           </a:prstGeom>
+          <a:ln>
+            <a:solidFill>
+              <a:schemeClr val="tx1"/>
+            </a:solidFill>
+          </a:ln>
         </p:spPr>
       </p:pic>
     </p:spTree>
     <p:extLst>
       <p:ext uri="{BB962C8B-B14F-4D97-AF65-F5344CB8AC3E}">
-        <p14:creationId xmlns:p14="http://schemas.microsoft.com/office/powerpoint/2010/main" val="911296186"/>
+        <p14:creationId xmlns:p14="http://schemas.microsoft.com/office/powerpoint/2010/main" val="1787956189"/>
       </p:ext>
     </p:extLst>
   </p:cSld>
@@ -5137,14 +5167,14 @@
                 <a:gridCol w="311106">
                   <a:extLst>
                     <a:ext uri="{9D8B030D-6E8A-4147-A177-3AD203B41FA5}">
-                      <a16:colId xmlns:a16="http://schemas.microsoft.com/office/drawing/2014/main" xmlns="" val="20000"/>
+                      <a16:colId xmlns="" xmlns:a16="http://schemas.microsoft.com/office/drawing/2014/main" val="20000"/>
                     </a:ext>
                   </a:extLst>
                 </a:gridCol>
                 <a:gridCol w="2558644">
                   <a:extLst>
                     <a:ext uri="{9D8B030D-6E8A-4147-A177-3AD203B41FA5}">
-                      <a16:colId xmlns:a16="http://schemas.microsoft.com/office/drawing/2014/main" xmlns="" val="20001"/>
+                      <a16:colId xmlns="" xmlns:a16="http://schemas.microsoft.com/office/drawing/2014/main" val="20001"/>
                     </a:ext>
                   </a:extLst>
                 </a:gridCol>
@@ -5302,7 +5332,7 @@
                 </a:tc>
                 <a:extLst>
                   <a:ext uri="{0D108BD9-81ED-4DB2-BD59-A6C34878D82A}">
-                    <a16:rowId xmlns:a16="http://schemas.microsoft.com/office/drawing/2014/main" xmlns="" val="10000"/>
+                    <a16:rowId xmlns="" xmlns:a16="http://schemas.microsoft.com/office/drawing/2014/main" val="10000"/>
                   </a:ext>
                 </a:extLst>
               </a:tr>
@@ -5459,7 +5489,7 @@
                 </a:tc>
                 <a:extLst>
                   <a:ext uri="{0D108BD9-81ED-4DB2-BD59-A6C34878D82A}">
-                    <a16:rowId xmlns:a16="http://schemas.microsoft.com/office/drawing/2014/main" xmlns="" val="10001"/>
+                    <a16:rowId xmlns="" xmlns:a16="http://schemas.microsoft.com/office/drawing/2014/main" val="10001"/>
                   </a:ext>
                 </a:extLst>
               </a:tr>
@@ -5590,7 +5620,7 @@
                 </a:tc>
                 <a:extLst>
                   <a:ext uri="{0D108BD9-81ED-4DB2-BD59-A6C34878D82A}">
-                    <a16:rowId xmlns:a16="http://schemas.microsoft.com/office/drawing/2014/main" xmlns="" val="10002"/>
+                    <a16:rowId xmlns="" xmlns:a16="http://schemas.microsoft.com/office/drawing/2014/main" val="10002"/>
                   </a:ext>
                 </a:extLst>
               </a:tr>
@@ -5931,6 +5961,11 @@
           <a:prstGeom prst="rect">
             <a:avLst/>
           </a:prstGeom>
+          <a:ln w="25400">
+            <a:solidFill>
+              <a:schemeClr val="tx1"/>
+            </a:solidFill>
+          </a:ln>
         </p:spPr>
       </p:pic>
       <p:pic>
@@ -5955,6 +5990,11 @@
           <a:prstGeom prst="rect">
             <a:avLst/>
           </a:prstGeom>
+          <a:ln>
+            <a:solidFill>
+              <a:schemeClr val="tx1"/>
+            </a:solidFill>
+          </a:ln>
         </p:spPr>
       </p:pic>
       <p:pic>
@@ -5979,6 +6019,11 @@
           <a:prstGeom prst="rect">
             <a:avLst/>
           </a:prstGeom>
+          <a:ln>
+            <a:solidFill>
+              <a:schemeClr val="tx1"/>
+            </a:solidFill>
+          </a:ln>
         </p:spPr>
       </p:pic>
       <p:pic>
@@ -6003,6 +6048,11 @@
           <a:prstGeom prst="rect">
             <a:avLst/>
           </a:prstGeom>
+          <a:ln>
+            <a:solidFill>
+              <a:schemeClr val="tx1"/>
+            </a:solidFill>
+          </a:ln>
         </p:spPr>
       </p:pic>
       <p:pic>
@@ -6027,12 +6077,17 @@
           <a:prstGeom prst="rect">
             <a:avLst/>
           </a:prstGeom>
+          <a:ln>
+            <a:solidFill>
+              <a:schemeClr val="tx1"/>
+            </a:solidFill>
+          </a:ln>
         </p:spPr>
       </p:pic>
     </p:spTree>
     <p:extLst>
       <p:ext uri="{BB962C8B-B14F-4D97-AF65-F5344CB8AC3E}">
-        <p14:creationId xmlns:p14="http://schemas.microsoft.com/office/powerpoint/2010/main" val="31092353"/>
+        <p14:creationId xmlns:p14="http://schemas.microsoft.com/office/powerpoint/2010/main" val="2681767795"/>
       </p:ext>
     </p:extLst>
   </p:cSld>
@@ -6198,14 +6253,14 @@
                 <a:gridCol w="311106">
                   <a:extLst>
                     <a:ext uri="{9D8B030D-6E8A-4147-A177-3AD203B41FA5}">
-                      <a16:colId xmlns:a16="http://schemas.microsoft.com/office/drawing/2014/main" xmlns="" val="20000"/>
+                      <a16:colId xmlns="" xmlns:a16="http://schemas.microsoft.com/office/drawing/2014/main" val="20000"/>
                     </a:ext>
                   </a:extLst>
                 </a:gridCol>
                 <a:gridCol w="2558644">
                   <a:extLst>
                     <a:ext uri="{9D8B030D-6E8A-4147-A177-3AD203B41FA5}">
-                      <a16:colId xmlns:a16="http://schemas.microsoft.com/office/drawing/2014/main" xmlns="" val="20001"/>
+                      <a16:colId xmlns="" xmlns:a16="http://schemas.microsoft.com/office/drawing/2014/main" val="20001"/>
                     </a:ext>
                   </a:extLst>
                 </a:gridCol>
@@ -6363,7 +6418,7 @@
                 </a:tc>
                 <a:extLst>
                   <a:ext uri="{0D108BD9-81ED-4DB2-BD59-A6C34878D82A}">
-                    <a16:rowId xmlns:a16="http://schemas.microsoft.com/office/drawing/2014/main" xmlns="" val="10000"/>
+                    <a16:rowId xmlns="" xmlns:a16="http://schemas.microsoft.com/office/drawing/2014/main" val="10000"/>
                   </a:ext>
                 </a:extLst>
               </a:tr>
@@ -6528,7 +6583,7 @@
                 </a:tc>
                 <a:extLst>
                   <a:ext uri="{0D108BD9-81ED-4DB2-BD59-A6C34878D82A}">
-                    <a16:rowId xmlns:a16="http://schemas.microsoft.com/office/drawing/2014/main" xmlns="" val="10001"/>
+                    <a16:rowId xmlns="" xmlns:a16="http://schemas.microsoft.com/office/drawing/2014/main" val="10001"/>
                   </a:ext>
                 </a:extLst>
               </a:tr>
@@ -6659,7 +6714,7 @@
                 </a:tc>
                 <a:extLst>
                   <a:ext uri="{0D108BD9-81ED-4DB2-BD59-A6C34878D82A}">
-                    <a16:rowId xmlns:a16="http://schemas.microsoft.com/office/drawing/2014/main" xmlns="" val="10002"/>
+                    <a16:rowId xmlns="" xmlns:a16="http://schemas.microsoft.com/office/drawing/2014/main" val="10002"/>
                   </a:ext>
                 </a:extLst>
               </a:tr>
@@ -6996,6 +7051,11 @@
           <a:prstGeom prst="rect">
             <a:avLst/>
           </a:prstGeom>
+          <a:ln w="25400">
+            <a:solidFill>
+              <a:schemeClr val="tx1"/>
+            </a:solidFill>
+          </a:ln>
         </p:spPr>
       </p:pic>
       <p:pic>
@@ -7020,6 +7080,11 @@
           <a:prstGeom prst="rect">
             <a:avLst/>
           </a:prstGeom>
+          <a:ln>
+            <a:solidFill>
+              <a:schemeClr val="tx1"/>
+            </a:solidFill>
+          </a:ln>
         </p:spPr>
       </p:pic>
       <p:pic>
@@ -7044,12 +7109,17 @@
           <a:prstGeom prst="rect">
             <a:avLst/>
           </a:prstGeom>
+          <a:ln>
+            <a:solidFill>
+              <a:schemeClr val="tx1"/>
+            </a:solidFill>
+          </a:ln>
         </p:spPr>
       </p:pic>
     </p:spTree>
     <p:extLst>
       <p:ext uri="{BB962C8B-B14F-4D97-AF65-F5344CB8AC3E}">
-        <p14:creationId xmlns:p14="http://schemas.microsoft.com/office/powerpoint/2010/main" val="1800779480"/>
+        <p14:creationId xmlns:p14="http://schemas.microsoft.com/office/powerpoint/2010/main" val="744218723"/>
       </p:ext>
     </p:extLst>
   </p:cSld>
@@ -7142,12 +7212,17 @@
         </p:blipFill>
         <p:spPr>
           <a:xfrm>
-            <a:off x="451848" y="2015467"/>
-            <a:ext cx="7553325" cy="3895725"/>
+            <a:off x="451849" y="2015467"/>
+            <a:ext cx="5948952" cy="3895725"/>
           </a:xfrm>
           <a:prstGeom prst="rect">
             <a:avLst/>
           </a:prstGeom>
+          <a:ln w="25400">
+            <a:solidFill>
+              <a:schemeClr val="tx1"/>
+            </a:solidFill>
+          </a:ln>
         </p:spPr>
       </p:pic>
       <p:pic>
@@ -7166,12 +7241,17 @@
         </p:blipFill>
         <p:spPr>
           <a:xfrm>
-            <a:off x="5189837" y="1588229"/>
-            <a:ext cx="6705600" cy="238125"/>
+            <a:off x="7007290" y="2539952"/>
+            <a:ext cx="5018775" cy="238125"/>
           </a:xfrm>
           <a:prstGeom prst="rect">
             <a:avLst/>
           </a:prstGeom>
+          <a:ln>
+            <a:solidFill>
+              <a:schemeClr val="tx1"/>
+            </a:solidFill>
+          </a:ln>
         </p:spPr>
       </p:pic>
       <p:pic>
@@ -7190,18 +7270,23 @@
         </p:blipFill>
         <p:spPr>
           <a:xfrm>
-            <a:off x="7084541" y="2319467"/>
-            <a:ext cx="4810896" cy="1338133"/>
+            <a:off x="7007290" y="3066356"/>
+            <a:ext cx="5018775" cy="1338133"/>
           </a:xfrm>
           <a:prstGeom prst="rect">
             <a:avLst/>
           </a:prstGeom>
+          <a:ln>
+            <a:solidFill>
+              <a:schemeClr val="tx1"/>
+            </a:solidFill>
+          </a:ln>
         </p:spPr>
       </p:pic>
     </p:spTree>
     <p:extLst>
       <p:ext uri="{BB962C8B-B14F-4D97-AF65-F5344CB8AC3E}">
-        <p14:creationId xmlns:p14="http://schemas.microsoft.com/office/powerpoint/2010/main" val="330680996"/>
+        <p14:creationId xmlns:p14="http://schemas.microsoft.com/office/powerpoint/2010/main" val="2483473405"/>
       </p:ext>
     </p:extLst>
   </p:cSld>
@@ -7374,14 +7459,14 @@
                 <a:gridCol w="311106">
                   <a:extLst>
                     <a:ext uri="{9D8B030D-6E8A-4147-A177-3AD203B41FA5}">
-                      <a16:colId xmlns:a16="http://schemas.microsoft.com/office/drawing/2014/main" xmlns="" val="20000"/>
+                      <a16:colId xmlns="" xmlns:a16="http://schemas.microsoft.com/office/drawing/2014/main" val="20000"/>
                     </a:ext>
                   </a:extLst>
                 </a:gridCol>
                 <a:gridCol w="2558644">
                   <a:extLst>
                     <a:ext uri="{9D8B030D-6E8A-4147-A177-3AD203B41FA5}">
-                      <a16:colId xmlns:a16="http://schemas.microsoft.com/office/drawing/2014/main" xmlns="" val="20001"/>
+                      <a16:colId xmlns="" xmlns:a16="http://schemas.microsoft.com/office/drawing/2014/main" val="20001"/>
                     </a:ext>
                   </a:extLst>
                 </a:gridCol>
@@ -7539,7 +7624,7 @@
                 </a:tc>
                 <a:extLst>
                   <a:ext uri="{0D108BD9-81ED-4DB2-BD59-A6C34878D82A}">
-                    <a16:rowId xmlns:a16="http://schemas.microsoft.com/office/drawing/2014/main" xmlns="" val="10000"/>
+                    <a16:rowId xmlns="" xmlns:a16="http://schemas.microsoft.com/office/drawing/2014/main" val="10000"/>
                   </a:ext>
                 </a:extLst>
               </a:tr>
@@ -7851,7 +7936,7 @@
                 </a:tc>
                 <a:extLst>
                   <a:ext uri="{0D108BD9-81ED-4DB2-BD59-A6C34878D82A}">
-                    <a16:rowId xmlns:a16="http://schemas.microsoft.com/office/drawing/2014/main" xmlns="" val="10001"/>
+                    <a16:rowId xmlns="" xmlns:a16="http://schemas.microsoft.com/office/drawing/2014/main" val="10001"/>
                   </a:ext>
                 </a:extLst>
               </a:tr>
@@ -7982,7 +8067,7 @@
                 </a:tc>
                 <a:extLst>
                   <a:ext uri="{0D108BD9-81ED-4DB2-BD59-A6C34878D82A}">
-                    <a16:rowId xmlns:a16="http://schemas.microsoft.com/office/drawing/2014/main" xmlns="" val="10002"/>
+                    <a16:rowId xmlns="" xmlns:a16="http://schemas.microsoft.com/office/drawing/2014/main" val="10002"/>
                   </a:ext>
                 </a:extLst>
               </a:tr>
@@ -8447,14 +8532,14 @@
                 <a:gridCol w="311106">
                   <a:extLst>
                     <a:ext uri="{9D8B030D-6E8A-4147-A177-3AD203B41FA5}">
-                      <a16:colId xmlns:a16="http://schemas.microsoft.com/office/drawing/2014/main" xmlns="" val="20000"/>
+                      <a16:colId xmlns="" xmlns:a16="http://schemas.microsoft.com/office/drawing/2014/main" val="20000"/>
                     </a:ext>
                   </a:extLst>
                 </a:gridCol>
                 <a:gridCol w="2558644">
                   <a:extLst>
                     <a:ext uri="{9D8B030D-6E8A-4147-A177-3AD203B41FA5}">
-                      <a16:colId xmlns:a16="http://schemas.microsoft.com/office/drawing/2014/main" xmlns="" val="20001"/>
+                      <a16:colId xmlns="" xmlns:a16="http://schemas.microsoft.com/office/drawing/2014/main" val="20001"/>
                     </a:ext>
                   </a:extLst>
                 </a:gridCol>
@@ -8612,7 +8697,7 @@
                 </a:tc>
                 <a:extLst>
                   <a:ext uri="{0D108BD9-81ED-4DB2-BD59-A6C34878D82A}">
-                    <a16:rowId xmlns:a16="http://schemas.microsoft.com/office/drawing/2014/main" xmlns="" val="10000"/>
+                    <a16:rowId xmlns="" xmlns:a16="http://schemas.microsoft.com/office/drawing/2014/main" val="10000"/>
                   </a:ext>
                 </a:extLst>
               </a:tr>
@@ -8924,7 +9009,7 @@
                 </a:tc>
                 <a:extLst>
                   <a:ext uri="{0D108BD9-81ED-4DB2-BD59-A6C34878D82A}">
-                    <a16:rowId xmlns:a16="http://schemas.microsoft.com/office/drawing/2014/main" xmlns="" val="10001"/>
+                    <a16:rowId xmlns="" xmlns:a16="http://schemas.microsoft.com/office/drawing/2014/main" val="10001"/>
                   </a:ext>
                 </a:extLst>
               </a:tr>
@@ -9055,7 +9140,7 @@
                 </a:tc>
                 <a:extLst>
                   <a:ext uri="{0D108BD9-81ED-4DB2-BD59-A6C34878D82A}">
-                    <a16:rowId xmlns:a16="http://schemas.microsoft.com/office/drawing/2014/main" xmlns="" val="10002"/>
+                    <a16:rowId xmlns="" xmlns:a16="http://schemas.microsoft.com/office/drawing/2014/main" val="10002"/>
                   </a:ext>
                 </a:extLst>
               </a:tr>
@@ -9570,14 +9655,14 @@
                 <a:gridCol w="311106">
                   <a:extLst>
                     <a:ext uri="{9D8B030D-6E8A-4147-A177-3AD203B41FA5}">
-                      <a16:colId xmlns:a16="http://schemas.microsoft.com/office/drawing/2014/main" xmlns="" val="20000"/>
+                      <a16:colId xmlns="" xmlns:a16="http://schemas.microsoft.com/office/drawing/2014/main" val="20000"/>
                     </a:ext>
                   </a:extLst>
                 </a:gridCol>
                 <a:gridCol w="2558644">
                   <a:extLst>
                     <a:ext uri="{9D8B030D-6E8A-4147-A177-3AD203B41FA5}">
-                      <a16:colId xmlns:a16="http://schemas.microsoft.com/office/drawing/2014/main" xmlns="" val="20001"/>
+                      <a16:colId xmlns="" xmlns:a16="http://schemas.microsoft.com/office/drawing/2014/main" val="20001"/>
                     </a:ext>
                   </a:extLst>
                 </a:gridCol>
@@ -9735,7 +9820,7 @@
                 </a:tc>
                 <a:extLst>
                   <a:ext uri="{0D108BD9-81ED-4DB2-BD59-A6C34878D82A}">
-                    <a16:rowId xmlns:a16="http://schemas.microsoft.com/office/drawing/2014/main" xmlns="" val="10000"/>
+                    <a16:rowId xmlns="" xmlns:a16="http://schemas.microsoft.com/office/drawing/2014/main" val="10000"/>
                   </a:ext>
                 </a:extLst>
               </a:tr>
@@ -9988,7 +10073,7 @@
                 </a:tc>
                 <a:extLst>
                   <a:ext uri="{0D108BD9-81ED-4DB2-BD59-A6C34878D82A}">
-                    <a16:rowId xmlns:a16="http://schemas.microsoft.com/office/drawing/2014/main" xmlns="" val="10001"/>
+                    <a16:rowId xmlns="" xmlns:a16="http://schemas.microsoft.com/office/drawing/2014/main" val="10001"/>
                   </a:ext>
                 </a:extLst>
               </a:tr>
@@ -10209,7 +10294,7 @@
                 </a:tc>
                 <a:extLst>
                   <a:ext uri="{0D108BD9-81ED-4DB2-BD59-A6C34878D82A}">
-                    <a16:rowId xmlns:a16="http://schemas.microsoft.com/office/drawing/2014/main" xmlns="" val="10002"/>
+                    <a16:rowId xmlns="" xmlns:a16="http://schemas.microsoft.com/office/drawing/2014/main" val="10002"/>
                   </a:ext>
                 </a:extLst>
               </a:tr>
@@ -10446,7 +10531,7 @@
                 </a:tc>
                 <a:extLst>
                   <a:ext uri="{0D108BD9-81ED-4DB2-BD59-A6C34878D82A}">
-                    <a16:rowId xmlns:a16="http://schemas.microsoft.com/office/drawing/2014/main" xmlns="" val="10003"/>
+                    <a16:rowId xmlns="" xmlns:a16="http://schemas.microsoft.com/office/drawing/2014/main" val="10003"/>
                   </a:ext>
                 </a:extLst>
               </a:tr>
@@ -10667,7 +10752,7 @@
                 </a:tc>
                 <a:extLst>
                   <a:ext uri="{0D108BD9-81ED-4DB2-BD59-A6C34878D82A}">
-                    <a16:rowId xmlns:a16="http://schemas.microsoft.com/office/drawing/2014/main" xmlns="" val="10004"/>
+                    <a16:rowId xmlns="" xmlns:a16="http://schemas.microsoft.com/office/drawing/2014/main" val="10004"/>
                   </a:ext>
                 </a:extLst>
               </a:tr>
@@ -10894,7 +10979,7 @@
                 </a:tc>
                 <a:extLst>
                   <a:ext uri="{0D108BD9-81ED-4DB2-BD59-A6C34878D82A}">
-                    <a16:rowId xmlns:a16="http://schemas.microsoft.com/office/drawing/2014/main" xmlns="" val="10005"/>
+                    <a16:rowId xmlns="" xmlns:a16="http://schemas.microsoft.com/office/drawing/2014/main" val="10005"/>
                   </a:ext>
                 </a:extLst>
               </a:tr>
@@ -11447,14 +11532,14 @@
                 <a:gridCol w="311106">
                   <a:extLst>
                     <a:ext uri="{9D8B030D-6E8A-4147-A177-3AD203B41FA5}">
-                      <a16:colId xmlns:a16="http://schemas.microsoft.com/office/drawing/2014/main" xmlns="" val="20000"/>
+                      <a16:colId xmlns="" xmlns:a16="http://schemas.microsoft.com/office/drawing/2014/main" val="20000"/>
                     </a:ext>
                   </a:extLst>
                 </a:gridCol>
                 <a:gridCol w="2558644">
                   <a:extLst>
                     <a:ext uri="{9D8B030D-6E8A-4147-A177-3AD203B41FA5}">
-                      <a16:colId xmlns:a16="http://schemas.microsoft.com/office/drawing/2014/main" xmlns="" val="20001"/>
+                      <a16:colId xmlns="" xmlns:a16="http://schemas.microsoft.com/office/drawing/2014/main" val="20001"/>
                     </a:ext>
                   </a:extLst>
                 </a:gridCol>
@@ -11612,7 +11697,7 @@
                 </a:tc>
                 <a:extLst>
                   <a:ext uri="{0D108BD9-81ED-4DB2-BD59-A6C34878D82A}">
-                    <a16:rowId xmlns:a16="http://schemas.microsoft.com/office/drawing/2014/main" xmlns="" val="10000"/>
+                    <a16:rowId xmlns="" xmlns:a16="http://schemas.microsoft.com/office/drawing/2014/main" val="10000"/>
                   </a:ext>
                 </a:extLst>
               </a:tr>
@@ -11769,7 +11854,7 @@
                 </a:tc>
                 <a:extLst>
                   <a:ext uri="{0D108BD9-81ED-4DB2-BD59-A6C34878D82A}">
-                    <a16:rowId xmlns:a16="http://schemas.microsoft.com/office/drawing/2014/main" xmlns="" val="10001"/>
+                    <a16:rowId xmlns="" xmlns:a16="http://schemas.microsoft.com/office/drawing/2014/main" val="10001"/>
                   </a:ext>
                 </a:extLst>
               </a:tr>
@@ -11927,7 +12012,7 @@
                 </a:tc>
                 <a:extLst>
                   <a:ext uri="{0D108BD9-81ED-4DB2-BD59-A6C34878D82A}">
-                    <a16:rowId xmlns:a16="http://schemas.microsoft.com/office/drawing/2014/main" xmlns="" val="10002"/>
+                    <a16:rowId xmlns="" xmlns:a16="http://schemas.microsoft.com/office/drawing/2014/main" val="10002"/>
                   </a:ext>
                 </a:extLst>
               </a:tr>
@@ -12330,6 +12415,11 @@
           <a:prstGeom prst="rect">
             <a:avLst/>
           </a:prstGeom>
+          <a:ln w="25400">
+            <a:solidFill>
+              <a:schemeClr val="tx1"/>
+            </a:solidFill>
+          </a:ln>
         </p:spPr>
       </p:pic>
       <p:pic>
@@ -12354,6 +12444,11 @@
           <a:prstGeom prst="rect">
             <a:avLst/>
           </a:prstGeom>
+          <a:ln w="25400">
+            <a:solidFill>
+              <a:schemeClr val="tx1"/>
+            </a:solidFill>
+          </a:ln>
         </p:spPr>
       </p:pic>
       <p:pic>
@@ -12378,6 +12473,11 @@
           <a:prstGeom prst="rect">
             <a:avLst/>
           </a:prstGeom>
+          <a:ln>
+            <a:solidFill>
+              <a:schemeClr val="tx1"/>
+            </a:solidFill>
+          </a:ln>
         </p:spPr>
       </p:pic>
       <p:pic>
@@ -12402,6 +12502,11 @@
           <a:prstGeom prst="rect">
             <a:avLst/>
           </a:prstGeom>
+          <a:ln>
+            <a:solidFill>
+              <a:schemeClr val="tx1"/>
+            </a:solidFill>
+          </a:ln>
         </p:spPr>
       </p:pic>
       <p:pic>
@@ -12426,12 +12531,17 @@
           <a:prstGeom prst="rect">
             <a:avLst/>
           </a:prstGeom>
+          <a:ln>
+            <a:solidFill>
+              <a:schemeClr val="tx1"/>
+            </a:solidFill>
+          </a:ln>
         </p:spPr>
       </p:pic>
     </p:spTree>
     <p:extLst>
       <p:ext uri="{BB962C8B-B14F-4D97-AF65-F5344CB8AC3E}">
-        <p14:creationId xmlns:p14="http://schemas.microsoft.com/office/powerpoint/2010/main" val="50603343"/>
+        <p14:creationId xmlns:p14="http://schemas.microsoft.com/office/powerpoint/2010/main" val="350698218"/>
       </p:ext>
     </p:extLst>
   </p:cSld>
@@ -12597,14 +12707,14 @@
                 <a:gridCol w="311106">
                   <a:extLst>
                     <a:ext uri="{9D8B030D-6E8A-4147-A177-3AD203B41FA5}">
-                      <a16:colId xmlns:a16="http://schemas.microsoft.com/office/drawing/2014/main" xmlns="" val="20000"/>
+                      <a16:colId xmlns="" xmlns:a16="http://schemas.microsoft.com/office/drawing/2014/main" val="20000"/>
                     </a:ext>
                   </a:extLst>
                 </a:gridCol>
                 <a:gridCol w="2558644">
                   <a:extLst>
                     <a:ext uri="{9D8B030D-6E8A-4147-A177-3AD203B41FA5}">
-                      <a16:colId xmlns:a16="http://schemas.microsoft.com/office/drawing/2014/main" xmlns="" val="20001"/>
+                      <a16:colId xmlns="" xmlns:a16="http://schemas.microsoft.com/office/drawing/2014/main" val="20001"/>
                     </a:ext>
                   </a:extLst>
                 </a:gridCol>
@@ -12762,7 +12872,7 @@
                 </a:tc>
                 <a:extLst>
                   <a:ext uri="{0D108BD9-81ED-4DB2-BD59-A6C34878D82A}">
-                    <a16:rowId xmlns:a16="http://schemas.microsoft.com/office/drawing/2014/main" xmlns="" val="10000"/>
+                    <a16:rowId xmlns="" xmlns:a16="http://schemas.microsoft.com/office/drawing/2014/main" val="10000"/>
                   </a:ext>
                 </a:extLst>
               </a:tr>
@@ -12919,7 +13029,7 @@
                 </a:tc>
                 <a:extLst>
                   <a:ext uri="{0D108BD9-81ED-4DB2-BD59-A6C34878D82A}">
-                    <a16:rowId xmlns:a16="http://schemas.microsoft.com/office/drawing/2014/main" xmlns="" val="10001"/>
+                    <a16:rowId xmlns="" xmlns:a16="http://schemas.microsoft.com/office/drawing/2014/main" val="10001"/>
                   </a:ext>
                 </a:extLst>
               </a:tr>
@@ -13050,7 +13160,7 @@
                 </a:tc>
                 <a:extLst>
                   <a:ext uri="{0D108BD9-81ED-4DB2-BD59-A6C34878D82A}">
-                    <a16:rowId xmlns:a16="http://schemas.microsoft.com/office/drawing/2014/main" xmlns="" val="10002"/>
+                    <a16:rowId xmlns="" xmlns:a16="http://schemas.microsoft.com/office/drawing/2014/main" val="10002"/>
                   </a:ext>
                 </a:extLst>
               </a:tr>
@@ -13503,14 +13613,14 @@
                 <a:gridCol w="311106">
                   <a:extLst>
                     <a:ext uri="{9D8B030D-6E8A-4147-A177-3AD203B41FA5}">
-                      <a16:colId xmlns:a16="http://schemas.microsoft.com/office/drawing/2014/main" xmlns="" val="20000"/>
+                      <a16:colId xmlns="" xmlns:a16="http://schemas.microsoft.com/office/drawing/2014/main" val="20000"/>
                     </a:ext>
                   </a:extLst>
                 </a:gridCol>
                 <a:gridCol w="2558644">
                   <a:extLst>
                     <a:ext uri="{9D8B030D-6E8A-4147-A177-3AD203B41FA5}">
-                      <a16:colId xmlns:a16="http://schemas.microsoft.com/office/drawing/2014/main" xmlns="" val="20001"/>
+                      <a16:colId xmlns="" xmlns:a16="http://schemas.microsoft.com/office/drawing/2014/main" val="20001"/>
                     </a:ext>
                   </a:extLst>
                 </a:gridCol>
@@ -13668,7 +13778,7 @@
                 </a:tc>
                 <a:extLst>
                   <a:ext uri="{0D108BD9-81ED-4DB2-BD59-A6C34878D82A}">
-                    <a16:rowId xmlns:a16="http://schemas.microsoft.com/office/drawing/2014/main" xmlns="" val="10000"/>
+                    <a16:rowId xmlns="" xmlns:a16="http://schemas.microsoft.com/office/drawing/2014/main" val="10000"/>
                   </a:ext>
                 </a:extLst>
               </a:tr>
@@ -13865,7 +13975,7 @@
                 </a:tc>
                 <a:extLst>
                   <a:ext uri="{0D108BD9-81ED-4DB2-BD59-A6C34878D82A}">
-                    <a16:rowId xmlns:a16="http://schemas.microsoft.com/office/drawing/2014/main" xmlns="" val="10001"/>
+                    <a16:rowId xmlns="" xmlns:a16="http://schemas.microsoft.com/office/drawing/2014/main" val="10001"/>
                   </a:ext>
                 </a:extLst>
               </a:tr>
@@ -14023,7 +14133,7 @@
                 </a:tc>
                 <a:extLst>
                   <a:ext uri="{0D108BD9-81ED-4DB2-BD59-A6C34878D82A}">
-                    <a16:rowId xmlns:a16="http://schemas.microsoft.com/office/drawing/2014/main" xmlns="" val="10002"/>
+                    <a16:rowId xmlns="" xmlns:a16="http://schemas.microsoft.com/office/drawing/2014/main" val="10002"/>
                   </a:ext>
                 </a:extLst>
               </a:tr>
@@ -14432,14 +14542,14 @@
                 <a:gridCol w="311106">
                   <a:extLst>
                     <a:ext uri="{9D8B030D-6E8A-4147-A177-3AD203B41FA5}">
-                      <a16:colId xmlns:a16="http://schemas.microsoft.com/office/drawing/2014/main" xmlns="" val="20000"/>
+                      <a16:colId xmlns="" xmlns:a16="http://schemas.microsoft.com/office/drawing/2014/main" val="20000"/>
                     </a:ext>
                   </a:extLst>
                 </a:gridCol>
                 <a:gridCol w="2558644">
                   <a:extLst>
                     <a:ext uri="{9D8B030D-6E8A-4147-A177-3AD203B41FA5}">
-                      <a16:colId xmlns:a16="http://schemas.microsoft.com/office/drawing/2014/main" xmlns="" val="20001"/>
+                      <a16:colId xmlns="" xmlns:a16="http://schemas.microsoft.com/office/drawing/2014/main" val="20001"/>
                     </a:ext>
                   </a:extLst>
                 </a:gridCol>
@@ -14597,7 +14707,7 @@
                 </a:tc>
                 <a:extLst>
                   <a:ext uri="{0D108BD9-81ED-4DB2-BD59-A6C34878D82A}">
-                    <a16:rowId xmlns:a16="http://schemas.microsoft.com/office/drawing/2014/main" xmlns="" val="10000"/>
+                    <a16:rowId xmlns="" xmlns:a16="http://schemas.microsoft.com/office/drawing/2014/main" val="10000"/>
                   </a:ext>
                 </a:extLst>
               </a:tr>
@@ -14754,7 +14864,7 @@
                 </a:tc>
                 <a:extLst>
                   <a:ext uri="{0D108BD9-81ED-4DB2-BD59-A6C34878D82A}">
-                    <a16:rowId xmlns:a16="http://schemas.microsoft.com/office/drawing/2014/main" xmlns="" val="10001"/>
+                    <a16:rowId xmlns="" xmlns:a16="http://schemas.microsoft.com/office/drawing/2014/main" val="10001"/>
                   </a:ext>
                 </a:extLst>
               </a:tr>
@@ -15159,14 +15269,14 @@
                 <a:gridCol w="311106">
                   <a:extLst>
                     <a:ext uri="{9D8B030D-6E8A-4147-A177-3AD203B41FA5}">
-                      <a16:colId xmlns:a16="http://schemas.microsoft.com/office/drawing/2014/main" xmlns="" val="20000"/>
+                      <a16:colId xmlns="" xmlns:a16="http://schemas.microsoft.com/office/drawing/2014/main" val="20000"/>
                     </a:ext>
                   </a:extLst>
                 </a:gridCol>
                 <a:gridCol w="2558644">
                   <a:extLst>
                     <a:ext uri="{9D8B030D-6E8A-4147-A177-3AD203B41FA5}">
-                      <a16:colId xmlns:a16="http://schemas.microsoft.com/office/drawing/2014/main" xmlns="" val="20001"/>
+                      <a16:colId xmlns="" xmlns:a16="http://schemas.microsoft.com/office/drawing/2014/main" val="20001"/>
                     </a:ext>
                   </a:extLst>
                 </a:gridCol>
@@ -15324,7 +15434,7 @@
                 </a:tc>
                 <a:extLst>
                   <a:ext uri="{0D108BD9-81ED-4DB2-BD59-A6C34878D82A}">
-                    <a16:rowId xmlns:a16="http://schemas.microsoft.com/office/drawing/2014/main" xmlns="" val="10000"/>
+                    <a16:rowId xmlns="" xmlns:a16="http://schemas.microsoft.com/office/drawing/2014/main" val="10000"/>
                   </a:ext>
                 </a:extLst>
               </a:tr>
@@ -15481,7 +15591,7 @@
                 </a:tc>
                 <a:extLst>
                   <a:ext uri="{0D108BD9-81ED-4DB2-BD59-A6C34878D82A}">
-                    <a16:rowId xmlns:a16="http://schemas.microsoft.com/office/drawing/2014/main" xmlns="" val="10001"/>
+                    <a16:rowId xmlns="" xmlns:a16="http://schemas.microsoft.com/office/drawing/2014/main" val="10001"/>
                   </a:ext>
                 </a:extLst>
               </a:tr>
@@ -15942,14 +16052,14 @@
                 <a:gridCol w="311106">
                   <a:extLst>
                     <a:ext uri="{9D8B030D-6E8A-4147-A177-3AD203B41FA5}">
-                      <a16:colId xmlns:a16="http://schemas.microsoft.com/office/drawing/2014/main" xmlns="" val="20000"/>
+                      <a16:colId xmlns="" xmlns:a16="http://schemas.microsoft.com/office/drawing/2014/main" val="20000"/>
                     </a:ext>
                   </a:extLst>
                 </a:gridCol>
                 <a:gridCol w="2558644">
                   <a:extLst>
                     <a:ext uri="{9D8B030D-6E8A-4147-A177-3AD203B41FA5}">
-                      <a16:colId xmlns:a16="http://schemas.microsoft.com/office/drawing/2014/main" xmlns="" val="20001"/>
+                      <a16:colId xmlns="" xmlns:a16="http://schemas.microsoft.com/office/drawing/2014/main" val="20001"/>
                     </a:ext>
                   </a:extLst>
                 </a:gridCol>
@@ -16107,7 +16217,7 @@
                 </a:tc>
                 <a:extLst>
                   <a:ext uri="{0D108BD9-81ED-4DB2-BD59-A6C34878D82A}">
-                    <a16:rowId xmlns:a16="http://schemas.microsoft.com/office/drawing/2014/main" xmlns="" val="10000"/>
+                    <a16:rowId xmlns="" xmlns:a16="http://schemas.microsoft.com/office/drawing/2014/main" val="10000"/>
                   </a:ext>
                 </a:extLst>
               </a:tr>
@@ -16264,7 +16374,7 @@
                 </a:tc>
                 <a:extLst>
                   <a:ext uri="{0D108BD9-81ED-4DB2-BD59-A6C34878D82A}">
-                    <a16:rowId xmlns:a16="http://schemas.microsoft.com/office/drawing/2014/main" xmlns="" val="10001"/>
+                    <a16:rowId xmlns="" xmlns:a16="http://schemas.microsoft.com/office/drawing/2014/main" val="10001"/>
                   </a:ext>
                 </a:extLst>
               </a:tr>
@@ -16395,7 +16505,7 @@
                 </a:tc>
                 <a:extLst>
                   <a:ext uri="{0D108BD9-81ED-4DB2-BD59-A6C34878D82A}">
-                    <a16:rowId xmlns:a16="http://schemas.microsoft.com/office/drawing/2014/main" xmlns="" val="10002"/>
+                    <a16:rowId xmlns="" xmlns:a16="http://schemas.microsoft.com/office/drawing/2014/main" val="10002"/>
                   </a:ext>
                 </a:extLst>
               </a:tr>
@@ -16740,14 +16850,14 @@
                 <a:gridCol w="311106">
                   <a:extLst>
                     <a:ext uri="{9D8B030D-6E8A-4147-A177-3AD203B41FA5}">
-                      <a16:colId xmlns="" xmlns:a16="http://schemas.microsoft.com/office/drawing/2014/main" val="20000"/>
+                      <a16:colId xmlns:a16="http://schemas.microsoft.com/office/drawing/2014/main" xmlns="" val="20000"/>
                     </a:ext>
                   </a:extLst>
                 </a:gridCol>
                 <a:gridCol w="2558644">
                   <a:extLst>
                     <a:ext uri="{9D8B030D-6E8A-4147-A177-3AD203B41FA5}">
-                      <a16:colId xmlns="" xmlns:a16="http://schemas.microsoft.com/office/drawing/2014/main" val="20001"/>
+                      <a16:colId xmlns:a16="http://schemas.microsoft.com/office/drawing/2014/main" xmlns="" val="20001"/>
                     </a:ext>
                   </a:extLst>
                 </a:gridCol>
@@ -16905,7 +17015,7 @@
                 </a:tc>
                 <a:extLst>
                   <a:ext uri="{0D108BD9-81ED-4DB2-BD59-A6C34878D82A}">
-                    <a16:rowId xmlns="" xmlns:a16="http://schemas.microsoft.com/office/drawing/2014/main" val="10000"/>
+                    <a16:rowId xmlns:a16="http://schemas.microsoft.com/office/drawing/2014/main" xmlns="" val="10000"/>
                   </a:ext>
                 </a:extLst>
               </a:tr>
@@ -17053,7 +17163,7 @@
                 </a:tc>
                 <a:extLst>
                   <a:ext uri="{0D108BD9-81ED-4DB2-BD59-A6C34878D82A}">
-                    <a16:rowId xmlns="" xmlns:a16="http://schemas.microsoft.com/office/drawing/2014/main" val="10001"/>
+                    <a16:rowId xmlns:a16="http://schemas.microsoft.com/office/drawing/2014/main" xmlns="" val="10001"/>
                   </a:ext>
                 </a:extLst>
               </a:tr>
@@ -19843,14 +19953,14 @@
                 <a:gridCol w="311106">
                   <a:extLst>
                     <a:ext uri="{9D8B030D-6E8A-4147-A177-3AD203B41FA5}">
-                      <a16:colId xmlns:a16="http://schemas.microsoft.com/office/drawing/2014/main" xmlns="" val="20000"/>
+                      <a16:colId xmlns="" xmlns:a16="http://schemas.microsoft.com/office/drawing/2014/main" val="20000"/>
                     </a:ext>
                   </a:extLst>
                 </a:gridCol>
                 <a:gridCol w="2558644">
                   <a:extLst>
                     <a:ext uri="{9D8B030D-6E8A-4147-A177-3AD203B41FA5}">
-                      <a16:colId xmlns:a16="http://schemas.microsoft.com/office/drawing/2014/main" xmlns="" val="20001"/>
+                      <a16:colId xmlns="" xmlns:a16="http://schemas.microsoft.com/office/drawing/2014/main" val="20001"/>
                     </a:ext>
                   </a:extLst>
                 </a:gridCol>
@@ -20008,7 +20118,7 @@
                 </a:tc>
                 <a:extLst>
                   <a:ext uri="{0D108BD9-81ED-4DB2-BD59-A6C34878D82A}">
-                    <a16:rowId xmlns:a16="http://schemas.microsoft.com/office/drawing/2014/main" xmlns="" val="10000"/>
+                    <a16:rowId xmlns="" xmlns:a16="http://schemas.microsoft.com/office/drawing/2014/main" val="10000"/>
                   </a:ext>
                 </a:extLst>
               </a:tr>
@@ -20216,7 +20326,7 @@
                 </a:tc>
                 <a:extLst>
                   <a:ext uri="{0D108BD9-81ED-4DB2-BD59-A6C34878D82A}">
-                    <a16:rowId xmlns:a16="http://schemas.microsoft.com/office/drawing/2014/main" xmlns="" val="10001"/>
+                    <a16:rowId xmlns="" xmlns:a16="http://schemas.microsoft.com/office/drawing/2014/main" val="10001"/>
                   </a:ext>
                 </a:extLst>
               </a:tr>
@@ -20351,7 +20461,7 @@
                 </a:tc>
                 <a:extLst>
                   <a:ext uri="{0D108BD9-81ED-4DB2-BD59-A6C34878D82A}">
-                    <a16:rowId xmlns:a16="http://schemas.microsoft.com/office/drawing/2014/main" xmlns="" val="10002"/>
+                    <a16:rowId xmlns="" xmlns:a16="http://schemas.microsoft.com/office/drawing/2014/main" val="10002"/>
                   </a:ext>
                 </a:extLst>
               </a:tr>
@@ -20799,14 +20909,14 @@
                 <a:gridCol w="311106">
                   <a:extLst>
                     <a:ext uri="{9D8B030D-6E8A-4147-A177-3AD203B41FA5}">
-                      <a16:colId xmlns:a16="http://schemas.microsoft.com/office/drawing/2014/main" xmlns="" val="20000"/>
+                      <a16:colId xmlns="" xmlns:a16="http://schemas.microsoft.com/office/drawing/2014/main" val="20000"/>
                     </a:ext>
                   </a:extLst>
                 </a:gridCol>
                 <a:gridCol w="2558644">
                   <a:extLst>
                     <a:ext uri="{9D8B030D-6E8A-4147-A177-3AD203B41FA5}">
-                      <a16:colId xmlns:a16="http://schemas.microsoft.com/office/drawing/2014/main" xmlns="" val="20001"/>
+                      <a16:colId xmlns="" xmlns:a16="http://schemas.microsoft.com/office/drawing/2014/main" val="20001"/>
                     </a:ext>
                   </a:extLst>
                 </a:gridCol>
@@ -20964,7 +21074,7 @@
                 </a:tc>
                 <a:extLst>
                   <a:ext uri="{0D108BD9-81ED-4DB2-BD59-A6C34878D82A}">
-                    <a16:rowId xmlns:a16="http://schemas.microsoft.com/office/drawing/2014/main" xmlns="" val="10000"/>
+                    <a16:rowId xmlns="" xmlns:a16="http://schemas.microsoft.com/office/drawing/2014/main" val="10000"/>
                   </a:ext>
                 </a:extLst>
               </a:tr>
@@ -21121,7 +21231,7 @@
                 </a:tc>
                 <a:extLst>
                   <a:ext uri="{0D108BD9-81ED-4DB2-BD59-A6C34878D82A}">
-                    <a16:rowId xmlns:a16="http://schemas.microsoft.com/office/drawing/2014/main" xmlns="" val="10001"/>
+                    <a16:rowId xmlns="" xmlns:a16="http://schemas.microsoft.com/office/drawing/2014/main" val="10001"/>
                   </a:ext>
                 </a:extLst>
               </a:tr>
@@ -21252,7 +21362,7 @@
                 </a:tc>
                 <a:extLst>
                   <a:ext uri="{0D108BD9-81ED-4DB2-BD59-A6C34878D82A}">
-                    <a16:rowId xmlns:a16="http://schemas.microsoft.com/office/drawing/2014/main" xmlns="" val="10002"/>
+                    <a16:rowId xmlns="" xmlns:a16="http://schemas.microsoft.com/office/drawing/2014/main" val="10002"/>
                   </a:ext>
                 </a:extLst>
               </a:tr>
@@ -21588,6 +21698,11 @@
           <a:prstGeom prst="rect">
             <a:avLst/>
           </a:prstGeom>
+          <a:ln w="25400">
+            <a:solidFill>
+              <a:schemeClr val="tx1"/>
+            </a:solidFill>
+          </a:ln>
         </p:spPr>
       </p:pic>
       <p:graphicFrame>
@@ -21597,11 +21712,7 @@
             <a:graphicFrameLocks noGrp="1"/>
           </p:cNvGraphicFramePr>
           <p:nvPr>
-            <p:extLst>
-              <p:ext uri="{D42A27DB-BD31-4B8C-83A1-F6EECF244321}">
-                <p14:modId xmlns:p14="http://schemas.microsoft.com/office/powerpoint/2010/main" val="867841464"/>
-              </p:ext>
-            </p:extLst>
+            <p:extLst/>
           </p:nvPr>
         </p:nvGraphicFramePr>
         <p:xfrm>
@@ -21807,6 +21918,11 @@
           <a:prstGeom prst="rect">
             <a:avLst/>
           </a:prstGeom>
+          <a:ln>
+            <a:solidFill>
+              <a:schemeClr val="tx1"/>
+            </a:solidFill>
+          </a:ln>
         </p:spPr>
       </p:pic>
       <p:pic>
@@ -21831,12 +21947,102 @@
           <a:prstGeom prst="rect">
             <a:avLst/>
           </a:prstGeom>
+          <a:ln>
+            <a:solidFill>
+              <a:schemeClr val="tx1"/>
+            </a:solidFill>
+          </a:ln>
         </p:spPr>
       </p:pic>
+      <p:sp>
+        <p:nvSpPr>
+          <p:cNvPr id="5" name="직사각형 4"/>
+          <p:cNvSpPr/>
+          <p:nvPr/>
+        </p:nvSpPr>
+        <p:spPr>
+          <a:xfrm>
+            <a:off x="7380514" y="1447060"/>
+            <a:ext cx="559837" cy="269773"/>
+          </a:xfrm>
+          <a:prstGeom prst="rect">
+            <a:avLst/>
+          </a:prstGeom>
+          <a:noFill/>
+          <a:ln w="25400">
+            <a:solidFill>
+              <a:srgbClr val="FF0000"/>
+            </a:solidFill>
+          </a:ln>
+        </p:spPr>
+        <p:style>
+          <a:lnRef idx="2">
+            <a:schemeClr val="accent1">
+              <a:shade val="50000"/>
+            </a:schemeClr>
+          </a:lnRef>
+          <a:fillRef idx="1">
+            <a:schemeClr val="accent1"/>
+          </a:fillRef>
+          <a:effectRef idx="0">
+            <a:schemeClr val="accent1"/>
+          </a:effectRef>
+          <a:fontRef idx="minor">
+            <a:schemeClr val="lt1"/>
+          </a:fontRef>
+        </p:style>
+        <p:txBody>
+          <a:bodyPr rtlCol="0" anchor="ctr"/>
+          <a:lstStyle/>
+          <a:p>
+            <a:pPr algn="ctr"/>
+            <a:endParaRPr lang="ko-KR" altLang="en-US"/>
+          </a:p>
+        </p:txBody>
+      </p:sp>
+      <p:cxnSp>
+        <p:nvCxnSpPr>
+          <p:cNvPr id="9" name="직선 화살표 연결선 8"/>
+          <p:cNvCxnSpPr>
+            <a:stCxn id="5" idx="2"/>
+            <a:endCxn id="3" idx="0"/>
+          </p:cNvCxnSpPr>
+          <p:nvPr/>
+        </p:nvCxnSpPr>
+        <p:spPr>
+          <a:xfrm flipH="1">
+            <a:off x="2939740" y="1716833"/>
+            <a:ext cx="4720693" cy="2227153"/>
+          </a:xfrm>
+          <a:prstGeom prst="straightConnector1">
+            <a:avLst/>
+          </a:prstGeom>
+          <a:ln w="25400">
+            <a:solidFill>
+              <a:srgbClr val="FF0000"/>
+            </a:solidFill>
+            <a:tailEnd type="triangle"/>
+          </a:ln>
+        </p:spPr>
+        <p:style>
+          <a:lnRef idx="1">
+            <a:schemeClr val="accent1"/>
+          </a:lnRef>
+          <a:fillRef idx="0">
+            <a:schemeClr val="accent1"/>
+          </a:fillRef>
+          <a:effectRef idx="0">
+            <a:schemeClr val="accent1"/>
+          </a:effectRef>
+          <a:fontRef idx="minor">
+            <a:schemeClr val="tx1"/>
+          </a:fontRef>
+        </p:style>
+      </p:cxnSp>
     </p:spTree>
     <p:extLst>
       <p:ext uri="{BB962C8B-B14F-4D97-AF65-F5344CB8AC3E}">
-        <p14:creationId xmlns:p14="http://schemas.microsoft.com/office/powerpoint/2010/main" val="1759384167"/>
+        <p14:creationId xmlns:p14="http://schemas.microsoft.com/office/powerpoint/2010/main" val="1289131614"/>
       </p:ext>
     </p:extLst>
   </p:cSld>
@@ -22008,14 +22214,14 @@
                 <a:gridCol w="311106">
                   <a:extLst>
                     <a:ext uri="{9D8B030D-6E8A-4147-A177-3AD203B41FA5}">
-                      <a16:colId xmlns:a16="http://schemas.microsoft.com/office/drawing/2014/main" xmlns="" val="20000"/>
+                      <a16:colId xmlns="" xmlns:a16="http://schemas.microsoft.com/office/drawing/2014/main" val="20000"/>
                     </a:ext>
                   </a:extLst>
                 </a:gridCol>
                 <a:gridCol w="2558644">
                   <a:extLst>
                     <a:ext uri="{9D8B030D-6E8A-4147-A177-3AD203B41FA5}">
-                      <a16:colId xmlns:a16="http://schemas.microsoft.com/office/drawing/2014/main" xmlns="" val="20001"/>
+                      <a16:colId xmlns="" xmlns:a16="http://schemas.microsoft.com/office/drawing/2014/main" val="20001"/>
                     </a:ext>
                   </a:extLst>
                 </a:gridCol>
@@ -22173,7 +22379,7 @@
                 </a:tc>
                 <a:extLst>
                   <a:ext uri="{0D108BD9-81ED-4DB2-BD59-A6C34878D82A}">
-                    <a16:rowId xmlns:a16="http://schemas.microsoft.com/office/drawing/2014/main" xmlns="" val="10000"/>
+                    <a16:rowId xmlns="" xmlns:a16="http://schemas.microsoft.com/office/drawing/2014/main" val="10000"/>
                   </a:ext>
                 </a:extLst>
               </a:tr>
@@ -22346,7 +22552,7 @@
                 </a:tc>
                 <a:extLst>
                   <a:ext uri="{0D108BD9-81ED-4DB2-BD59-A6C34878D82A}">
-                    <a16:rowId xmlns:a16="http://schemas.microsoft.com/office/drawing/2014/main" xmlns="" val="10001"/>
+                    <a16:rowId xmlns="" xmlns:a16="http://schemas.microsoft.com/office/drawing/2014/main" val="10001"/>
                   </a:ext>
                 </a:extLst>
               </a:tr>
@@ -22477,7 +22683,7 @@
                 </a:tc>
                 <a:extLst>
                   <a:ext uri="{0D108BD9-81ED-4DB2-BD59-A6C34878D82A}">
-                    <a16:rowId xmlns:a16="http://schemas.microsoft.com/office/drawing/2014/main" xmlns="" val="10002"/>
+                    <a16:rowId xmlns="" xmlns:a16="http://schemas.microsoft.com/office/drawing/2014/main" val="10002"/>
                   </a:ext>
                 </a:extLst>
               </a:tr>
@@ -22986,14 +23192,14 @@
                 <a:gridCol w="311106">
                   <a:extLst>
                     <a:ext uri="{9D8B030D-6E8A-4147-A177-3AD203B41FA5}">
-                      <a16:colId xmlns:a16="http://schemas.microsoft.com/office/drawing/2014/main" xmlns="" val="20000"/>
+                      <a16:colId xmlns="" xmlns:a16="http://schemas.microsoft.com/office/drawing/2014/main" val="20000"/>
                     </a:ext>
                   </a:extLst>
                 </a:gridCol>
                 <a:gridCol w="2558644">
                   <a:extLst>
                     <a:ext uri="{9D8B030D-6E8A-4147-A177-3AD203B41FA5}">
-                      <a16:colId xmlns:a16="http://schemas.microsoft.com/office/drawing/2014/main" xmlns="" val="20001"/>
+                      <a16:colId xmlns="" xmlns:a16="http://schemas.microsoft.com/office/drawing/2014/main" val="20001"/>
                     </a:ext>
                   </a:extLst>
                 </a:gridCol>
@@ -23151,7 +23357,7 @@
                 </a:tc>
                 <a:extLst>
                   <a:ext uri="{0D108BD9-81ED-4DB2-BD59-A6C34878D82A}">
-                    <a16:rowId xmlns:a16="http://schemas.microsoft.com/office/drawing/2014/main" xmlns="" val="10000"/>
+                    <a16:rowId xmlns="" xmlns:a16="http://schemas.microsoft.com/office/drawing/2014/main" val="10000"/>
                   </a:ext>
                 </a:extLst>
               </a:tr>
@@ -23404,7 +23610,7 @@
                 </a:tc>
                 <a:extLst>
                   <a:ext uri="{0D108BD9-81ED-4DB2-BD59-A6C34878D82A}">
-                    <a16:rowId xmlns:a16="http://schemas.microsoft.com/office/drawing/2014/main" xmlns="" val="10001"/>
+                    <a16:rowId xmlns="" xmlns:a16="http://schemas.microsoft.com/office/drawing/2014/main" val="10001"/>
                   </a:ext>
                 </a:extLst>
               </a:tr>
@@ -23625,7 +23831,7 @@
                 </a:tc>
                 <a:extLst>
                   <a:ext uri="{0D108BD9-81ED-4DB2-BD59-A6C34878D82A}">
-                    <a16:rowId xmlns:a16="http://schemas.microsoft.com/office/drawing/2014/main" xmlns="" val="10002"/>
+                    <a16:rowId xmlns="" xmlns:a16="http://schemas.microsoft.com/office/drawing/2014/main" val="10002"/>
                   </a:ext>
                 </a:extLst>
               </a:tr>
@@ -23862,7 +24068,7 @@
                 </a:tc>
                 <a:extLst>
                   <a:ext uri="{0D108BD9-81ED-4DB2-BD59-A6C34878D82A}">
-                    <a16:rowId xmlns:a16="http://schemas.microsoft.com/office/drawing/2014/main" xmlns="" val="10003"/>
+                    <a16:rowId xmlns="" xmlns:a16="http://schemas.microsoft.com/office/drawing/2014/main" val="10003"/>
                   </a:ext>
                 </a:extLst>
               </a:tr>
@@ -24083,7 +24289,7 @@
                 </a:tc>
                 <a:extLst>
                   <a:ext uri="{0D108BD9-81ED-4DB2-BD59-A6C34878D82A}">
-                    <a16:rowId xmlns:a16="http://schemas.microsoft.com/office/drawing/2014/main" xmlns="" val="10004"/>
+                    <a16:rowId xmlns="" xmlns:a16="http://schemas.microsoft.com/office/drawing/2014/main" val="10004"/>
                   </a:ext>
                 </a:extLst>
               </a:tr>
@@ -24310,7 +24516,7 @@
                 </a:tc>
                 <a:extLst>
                   <a:ext uri="{0D108BD9-81ED-4DB2-BD59-A6C34878D82A}">
-                    <a16:rowId xmlns:a16="http://schemas.microsoft.com/office/drawing/2014/main" xmlns="" val="10005"/>
+                    <a16:rowId xmlns="" xmlns:a16="http://schemas.microsoft.com/office/drawing/2014/main" val="10005"/>
                   </a:ext>
                 </a:extLst>
               </a:tr>
@@ -24888,7 +25094,7 @@
       </p:sp>
       <p:pic>
         <p:nvPicPr>
-          <p:cNvPr id="4" name="그림 3"/>
+          <p:cNvPr id="3" name="그림 2"/>
           <p:cNvPicPr>
             <a:picLocks noChangeAspect="1"/>
           </p:cNvPicPr>
@@ -24902,17 +25108,22 @@
         </p:blipFill>
         <p:spPr>
           <a:xfrm>
-            <a:off x="0" y="1478071"/>
-            <a:ext cx="7039627" cy="5066778"/>
+            <a:off x="7173629" y="1683588"/>
+            <a:ext cx="4691054" cy="1843861"/>
           </a:xfrm>
           <a:prstGeom prst="rect">
             <a:avLst/>
           </a:prstGeom>
+          <a:ln>
+            <a:solidFill>
+              <a:schemeClr val="tx1"/>
+            </a:solidFill>
+          </a:ln>
         </p:spPr>
       </p:pic>
       <p:pic>
         <p:nvPicPr>
-          <p:cNvPr id="3" name="그림 2"/>
+          <p:cNvPr id="7" name="그림 6"/>
           <p:cNvPicPr>
             <a:picLocks noChangeAspect="1"/>
           </p:cNvPicPr>
@@ -24926,17 +25137,22 @@
         </p:blipFill>
         <p:spPr>
           <a:xfrm>
-            <a:off x="7039627" y="1583080"/>
-            <a:ext cx="4691054" cy="1843861"/>
+            <a:off x="7120461" y="5785427"/>
+            <a:ext cx="4825056" cy="457200"/>
           </a:xfrm>
           <a:prstGeom prst="rect">
             <a:avLst/>
           </a:prstGeom>
+          <a:ln>
+            <a:solidFill>
+              <a:schemeClr val="tx1"/>
+            </a:solidFill>
+          </a:ln>
         </p:spPr>
       </p:pic>
       <p:pic>
         <p:nvPicPr>
-          <p:cNvPr id="7" name="그림 6"/>
+          <p:cNvPr id="8" name="그림 7"/>
           <p:cNvPicPr>
             <a:picLocks noChangeAspect="1"/>
           </p:cNvPicPr>
@@ -24950,17 +25166,22 @@
         </p:blipFill>
         <p:spPr>
           <a:xfrm>
-            <a:off x="6905625" y="5680229"/>
-            <a:ext cx="4825056" cy="457200"/>
+            <a:off x="7173629" y="3780138"/>
+            <a:ext cx="4771888" cy="1752600"/>
           </a:xfrm>
           <a:prstGeom prst="rect">
             <a:avLst/>
           </a:prstGeom>
+          <a:ln>
+            <a:solidFill>
+              <a:schemeClr val="tx1"/>
+            </a:solidFill>
+          </a:ln>
         </p:spPr>
       </p:pic>
       <p:pic>
         <p:nvPicPr>
-          <p:cNvPr id="8" name="그림 7"/>
+          <p:cNvPr id="4" name="그림 3"/>
           <p:cNvPicPr>
             <a:picLocks noChangeAspect="1"/>
           </p:cNvPicPr>
@@ -24974,18 +25195,23 @@
         </p:blipFill>
         <p:spPr>
           <a:xfrm>
-            <a:off x="7039627" y="3780138"/>
-            <a:ext cx="4771888" cy="1752600"/>
+            <a:off x="0" y="1478071"/>
+            <a:ext cx="7039627" cy="5066778"/>
           </a:xfrm>
           <a:prstGeom prst="rect">
             <a:avLst/>
           </a:prstGeom>
+          <a:ln w="28575">
+            <a:solidFill>
+              <a:schemeClr val="tx1"/>
+            </a:solidFill>
+          </a:ln>
         </p:spPr>
       </p:pic>
     </p:spTree>
     <p:extLst>
       <p:ext uri="{BB962C8B-B14F-4D97-AF65-F5344CB8AC3E}">
-        <p14:creationId xmlns:p14="http://schemas.microsoft.com/office/powerpoint/2010/main" val="229608114"/>
+        <p14:creationId xmlns:p14="http://schemas.microsoft.com/office/powerpoint/2010/main" val="308736731"/>
       </p:ext>
     </p:extLst>
   </p:cSld>
@@ -25170,14 +25396,14 @@
                 <a:gridCol w="311106">
                   <a:extLst>
                     <a:ext uri="{9D8B030D-6E8A-4147-A177-3AD203B41FA5}">
-                      <a16:colId xmlns:a16="http://schemas.microsoft.com/office/drawing/2014/main" xmlns="" val="20000"/>
+                      <a16:colId xmlns="" xmlns:a16="http://schemas.microsoft.com/office/drawing/2014/main" val="20000"/>
                     </a:ext>
                   </a:extLst>
                 </a:gridCol>
                 <a:gridCol w="2558644">
                   <a:extLst>
                     <a:ext uri="{9D8B030D-6E8A-4147-A177-3AD203B41FA5}">
-                      <a16:colId xmlns:a16="http://schemas.microsoft.com/office/drawing/2014/main" xmlns="" val="20001"/>
+                      <a16:colId xmlns="" xmlns:a16="http://schemas.microsoft.com/office/drawing/2014/main" val="20001"/>
                     </a:ext>
                   </a:extLst>
                 </a:gridCol>
@@ -25335,7 +25561,7 @@
                 </a:tc>
                 <a:extLst>
                   <a:ext uri="{0D108BD9-81ED-4DB2-BD59-A6C34878D82A}">
-                    <a16:rowId xmlns:a16="http://schemas.microsoft.com/office/drawing/2014/main" xmlns="" val="10000"/>
+                    <a16:rowId xmlns="" xmlns:a16="http://schemas.microsoft.com/office/drawing/2014/main" val="10000"/>
                   </a:ext>
                 </a:extLst>
               </a:tr>
@@ -25682,7 +25908,7 @@
                 </a:tc>
                 <a:extLst>
                   <a:ext uri="{0D108BD9-81ED-4DB2-BD59-A6C34878D82A}">
-                    <a16:rowId xmlns:a16="http://schemas.microsoft.com/office/drawing/2014/main" xmlns="" val="10001"/>
+                    <a16:rowId xmlns="" xmlns:a16="http://schemas.microsoft.com/office/drawing/2014/main" val="10001"/>
                   </a:ext>
                 </a:extLst>
               </a:tr>
@@ -25903,7 +26129,7 @@
                 </a:tc>
                 <a:extLst>
                   <a:ext uri="{0D108BD9-81ED-4DB2-BD59-A6C34878D82A}">
-                    <a16:rowId xmlns:a16="http://schemas.microsoft.com/office/drawing/2014/main" xmlns="" val="10002"/>
+                    <a16:rowId xmlns="" xmlns:a16="http://schemas.microsoft.com/office/drawing/2014/main" val="10002"/>
                   </a:ext>
                 </a:extLst>
               </a:tr>
@@ -26140,7 +26366,7 @@
                 </a:tc>
                 <a:extLst>
                   <a:ext uri="{0D108BD9-81ED-4DB2-BD59-A6C34878D82A}">
-                    <a16:rowId xmlns:a16="http://schemas.microsoft.com/office/drawing/2014/main" xmlns="" val="10003"/>
+                    <a16:rowId xmlns="" xmlns:a16="http://schemas.microsoft.com/office/drawing/2014/main" val="10003"/>
                   </a:ext>
                 </a:extLst>
               </a:tr>
@@ -26367,7 +26593,7 @@
                 </a:tc>
                 <a:extLst>
                   <a:ext uri="{0D108BD9-81ED-4DB2-BD59-A6C34878D82A}">
-                    <a16:rowId xmlns:a16="http://schemas.microsoft.com/office/drawing/2014/main" xmlns="" val="10004"/>
+                    <a16:rowId xmlns="" xmlns:a16="http://schemas.microsoft.com/office/drawing/2014/main" val="10004"/>
                   </a:ext>
                 </a:extLst>
               </a:tr>
@@ -26765,6 +26991,11 @@
           <a:prstGeom prst="rect">
             <a:avLst/>
           </a:prstGeom>
+          <a:ln w="25400">
+            <a:solidFill>
+              <a:schemeClr val="tx1"/>
+            </a:solidFill>
+          </a:ln>
         </p:spPr>
       </p:pic>
     </p:spTree>
@@ -26951,14 +27182,14 @@
                 <a:gridCol w="311106">
                   <a:extLst>
                     <a:ext uri="{9D8B030D-6E8A-4147-A177-3AD203B41FA5}">
-                      <a16:colId xmlns:a16="http://schemas.microsoft.com/office/drawing/2014/main" xmlns="" val="20000"/>
+                      <a16:colId xmlns="" xmlns:a16="http://schemas.microsoft.com/office/drawing/2014/main" val="20000"/>
                     </a:ext>
                   </a:extLst>
                 </a:gridCol>
                 <a:gridCol w="2558644">
                   <a:extLst>
                     <a:ext uri="{9D8B030D-6E8A-4147-A177-3AD203B41FA5}">
-                      <a16:colId xmlns:a16="http://schemas.microsoft.com/office/drawing/2014/main" xmlns="" val="20001"/>
+                      <a16:colId xmlns="" xmlns:a16="http://schemas.microsoft.com/office/drawing/2014/main" val="20001"/>
                     </a:ext>
                   </a:extLst>
                 </a:gridCol>
@@ -27116,7 +27347,7 @@
                 </a:tc>
                 <a:extLst>
                   <a:ext uri="{0D108BD9-81ED-4DB2-BD59-A6C34878D82A}">
-                    <a16:rowId xmlns:a16="http://schemas.microsoft.com/office/drawing/2014/main" xmlns="" val="10000"/>
+                    <a16:rowId xmlns="" xmlns:a16="http://schemas.microsoft.com/office/drawing/2014/main" val="10000"/>
                   </a:ext>
                 </a:extLst>
               </a:tr>
@@ -27428,7 +27659,7 @@
                 </a:tc>
                 <a:extLst>
                   <a:ext uri="{0D108BD9-81ED-4DB2-BD59-A6C34878D82A}">
-                    <a16:rowId xmlns:a16="http://schemas.microsoft.com/office/drawing/2014/main" xmlns="" val="10001"/>
+                    <a16:rowId xmlns="" xmlns:a16="http://schemas.microsoft.com/office/drawing/2014/main" val="10001"/>
                   </a:ext>
                 </a:extLst>
               </a:tr>
@@ -27559,7 +27790,7 @@
                 </a:tc>
                 <a:extLst>
                   <a:ext uri="{0D108BD9-81ED-4DB2-BD59-A6C34878D82A}">
-                    <a16:rowId xmlns:a16="http://schemas.microsoft.com/office/drawing/2014/main" xmlns="" val="10002"/>
+                    <a16:rowId xmlns="" xmlns:a16="http://schemas.microsoft.com/office/drawing/2014/main" val="10002"/>
                   </a:ext>
                 </a:extLst>
               </a:tr>
@@ -27953,6 +28184,11 @@
           <a:prstGeom prst="rect">
             <a:avLst/>
           </a:prstGeom>
+          <a:ln w="25400">
+            <a:solidFill>
+              <a:schemeClr val="tx1"/>
+            </a:solidFill>
+          </a:ln>
         </p:spPr>
       </p:pic>
       <p:pic>
@@ -27977,6 +28213,11 @@
           <a:prstGeom prst="rect">
             <a:avLst/>
           </a:prstGeom>
+          <a:ln>
+            <a:solidFill>
+              <a:schemeClr val="tx1"/>
+            </a:solidFill>
+          </a:ln>
         </p:spPr>
       </p:pic>
       <p:pic>
@@ -28001,6 +28242,11 @@
           <a:prstGeom prst="rect">
             <a:avLst/>
           </a:prstGeom>
+          <a:ln>
+            <a:solidFill>
+              <a:schemeClr val="tx1"/>
+            </a:solidFill>
+          </a:ln>
         </p:spPr>
       </p:pic>
       <p:pic>
@@ -28019,18 +28265,23 @@
         </p:blipFill>
         <p:spPr>
           <a:xfrm>
-            <a:off x="6340817" y="3976174"/>
+            <a:off x="6582031" y="4011868"/>
             <a:ext cx="5181600" cy="1285875"/>
           </a:xfrm>
           <a:prstGeom prst="rect">
             <a:avLst/>
           </a:prstGeom>
+          <a:ln>
+            <a:solidFill>
+              <a:schemeClr val="tx1"/>
+            </a:solidFill>
+          </a:ln>
         </p:spPr>
       </p:pic>
     </p:spTree>
     <p:extLst>
       <p:ext uri="{BB962C8B-B14F-4D97-AF65-F5344CB8AC3E}">
-        <p14:creationId xmlns:p14="http://schemas.microsoft.com/office/powerpoint/2010/main" val="51637992"/>
+        <p14:creationId xmlns:p14="http://schemas.microsoft.com/office/powerpoint/2010/main" val="4255139540"/>
       </p:ext>
     </p:extLst>
   </p:cSld>

--- a/0 발표용 파워포인트/project05 - 파워포인트 종합 - 기범.pptx
+++ b/0 발표용 파워포인트/project05 - 파워포인트 종합 - 기범.pptx
@@ -5,39 +5,46 @@
     <p:sldMasterId id="2147483648" r:id="rId1"/>
   </p:sldMasterIdLst>
   <p:notesMasterIdLst>
-    <p:notesMasterId r:id="rId32"/>
+    <p:notesMasterId r:id="rId39"/>
   </p:notesMasterIdLst>
   <p:sldIdLst>
     <p:sldId id="256" r:id="rId2"/>
     <p:sldId id="257" r:id="rId3"/>
-    <p:sldId id="286" r:id="rId4"/>
+    <p:sldId id="295" r:id="rId4"/>
     <p:sldId id="258" r:id="rId5"/>
     <p:sldId id="287" r:id="rId6"/>
     <p:sldId id="259" r:id="rId7"/>
     <p:sldId id="275" r:id="rId8"/>
     <p:sldId id="260" r:id="rId9"/>
-    <p:sldId id="288" r:id="rId10"/>
-    <p:sldId id="277" r:id="rId11"/>
-    <p:sldId id="289" r:id="rId12"/>
-    <p:sldId id="290" r:id="rId13"/>
-    <p:sldId id="281" r:id="rId14"/>
-    <p:sldId id="291" r:id="rId15"/>
-    <p:sldId id="283" r:id="rId16"/>
-    <p:sldId id="292" r:id="rId17"/>
-    <p:sldId id="293" r:id="rId18"/>
-    <p:sldId id="261" r:id="rId19"/>
-    <p:sldId id="262" r:id="rId20"/>
-    <p:sldId id="263" r:id="rId21"/>
-    <p:sldId id="294" r:id="rId22"/>
-    <p:sldId id="264" r:id="rId23"/>
-    <p:sldId id="265" r:id="rId24"/>
-    <p:sldId id="266" r:id="rId25"/>
-    <p:sldId id="267" r:id="rId26"/>
-    <p:sldId id="268" r:id="rId27"/>
-    <p:sldId id="269" r:id="rId28"/>
-    <p:sldId id="270" r:id="rId29"/>
-    <p:sldId id="271" r:id="rId30"/>
-    <p:sldId id="272" r:id="rId31"/>
+    <p:sldId id="296" r:id="rId10"/>
+    <p:sldId id="297" r:id="rId11"/>
+    <p:sldId id="277" r:id="rId12"/>
+    <p:sldId id="289" r:id="rId13"/>
+    <p:sldId id="298" r:id="rId14"/>
+    <p:sldId id="281" r:id="rId15"/>
+    <p:sldId id="299" r:id="rId16"/>
+    <p:sldId id="283" r:id="rId17"/>
+    <p:sldId id="300" r:id="rId18"/>
+    <p:sldId id="301" r:id="rId19"/>
+    <p:sldId id="293" r:id="rId20"/>
+    <p:sldId id="261" r:id="rId21"/>
+    <p:sldId id="305" r:id="rId22"/>
+    <p:sldId id="306" r:id="rId23"/>
+    <p:sldId id="262" r:id="rId24"/>
+    <p:sldId id="307" r:id="rId25"/>
+    <p:sldId id="263" r:id="rId26"/>
+    <p:sldId id="302" r:id="rId27"/>
+    <p:sldId id="303" r:id="rId28"/>
+    <p:sldId id="304" r:id="rId29"/>
+    <p:sldId id="264" r:id="rId30"/>
+    <p:sldId id="265" r:id="rId31"/>
+    <p:sldId id="266" r:id="rId32"/>
+    <p:sldId id="267" r:id="rId33"/>
+    <p:sldId id="268" r:id="rId34"/>
+    <p:sldId id="269" r:id="rId35"/>
+    <p:sldId id="270" r:id="rId36"/>
+    <p:sldId id="271" r:id="rId37"/>
+    <p:sldId id="272" r:id="rId38"/>
   </p:sldIdLst>
   <p:sldSz cx="12192000" cy="6858000"/>
   <p:notesSz cx="6858000" cy="9144000"/>
@@ -238,7 +245,7 @@
             <a:fld id="{EFE7F2A0-C7D9-4DBD-AE3B-C1A712DCE501}" type="datetimeFigureOut">
               <a:rPr lang="ko-KR" altLang="en-US" smtClean="0"/>
               <a:pPr/>
-              <a:t>2020-04-16</a:t>
+              <a:t>2020-04-23</a:t>
             </a:fld>
             <a:endParaRPr lang="ko-KR" altLang="en-US"/>
           </a:p>
@@ -639,7 +646,7 @@
             <a:fld id="{272C3D53-FEDF-49EC-8F65-FFFC138B637E}" type="datetimeFigureOut">
               <a:rPr lang="ko-KR" altLang="en-US" smtClean="0"/>
               <a:pPr/>
-              <a:t>2020-04-16</a:t>
+              <a:t>2020-04-23</a:t>
             </a:fld>
             <a:endParaRPr lang="ko-KR" altLang="en-US"/>
           </a:p>
@@ -811,7 +818,7 @@
             <a:fld id="{272C3D53-FEDF-49EC-8F65-FFFC138B637E}" type="datetimeFigureOut">
               <a:rPr lang="ko-KR" altLang="en-US" smtClean="0"/>
               <a:pPr/>
-              <a:t>2020-04-16</a:t>
+              <a:t>2020-04-23</a:t>
             </a:fld>
             <a:endParaRPr lang="ko-KR" altLang="en-US"/>
           </a:p>
@@ -993,7 +1000,7 @@
             <a:fld id="{272C3D53-FEDF-49EC-8F65-FFFC138B637E}" type="datetimeFigureOut">
               <a:rPr lang="ko-KR" altLang="en-US" smtClean="0"/>
               <a:pPr/>
-              <a:t>2020-04-16</a:t>
+              <a:t>2020-04-23</a:t>
             </a:fld>
             <a:endParaRPr lang="ko-KR" altLang="en-US"/>
           </a:p>
@@ -1189,7 +1196,7 @@
             <a:fld id="{ED3D6733-6F27-4404-AB51-585418F146E5}" type="datetimeFigureOut">
               <a:rPr lang="ko-KR" altLang="en-US" smtClean="0"/>
               <a:pPr/>
-              <a:t>2020-04-16</a:t>
+              <a:t>2020-04-23</a:t>
             </a:fld>
             <a:endParaRPr lang="ko-KR" altLang="en-US"/>
           </a:p>
@@ -1482,7 +1489,7 @@
             <a:fld id="{272C3D53-FEDF-49EC-8F65-FFFC138B637E}" type="datetimeFigureOut">
               <a:rPr lang="ko-KR" altLang="en-US" smtClean="0"/>
               <a:pPr/>
-              <a:t>2020-04-16</a:t>
+              <a:t>2020-04-23</a:t>
             </a:fld>
             <a:endParaRPr lang="ko-KR" altLang="en-US"/>
           </a:p>
@@ -1730,7 +1737,7 @@
             <a:fld id="{272C3D53-FEDF-49EC-8F65-FFFC138B637E}" type="datetimeFigureOut">
               <a:rPr lang="ko-KR" altLang="en-US" smtClean="0"/>
               <a:pPr/>
-              <a:t>2020-04-16</a:t>
+              <a:t>2020-04-23</a:t>
             </a:fld>
             <a:endParaRPr lang="ko-KR" altLang="en-US"/>
           </a:p>
@@ -1964,7 +1971,7 @@
             <a:fld id="{272C3D53-FEDF-49EC-8F65-FFFC138B637E}" type="datetimeFigureOut">
               <a:rPr lang="ko-KR" altLang="en-US" smtClean="0"/>
               <a:pPr/>
-              <a:t>2020-04-16</a:t>
+              <a:t>2020-04-23</a:t>
             </a:fld>
             <a:endParaRPr lang="ko-KR" altLang="en-US"/>
           </a:p>
@@ -2333,7 +2340,7 @@
             <a:fld id="{272C3D53-FEDF-49EC-8F65-FFFC138B637E}" type="datetimeFigureOut">
               <a:rPr lang="ko-KR" altLang="en-US" smtClean="0"/>
               <a:pPr/>
-              <a:t>2020-04-16</a:t>
+              <a:t>2020-04-23</a:t>
             </a:fld>
             <a:endParaRPr lang="ko-KR" altLang="en-US"/>
           </a:p>
@@ -2453,7 +2460,7 @@
             <a:fld id="{272C3D53-FEDF-49EC-8F65-FFFC138B637E}" type="datetimeFigureOut">
               <a:rPr lang="ko-KR" altLang="en-US" smtClean="0"/>
               <a:pPr/>
-              <a:t>2020-04-16</a:t>
+              <a:t>2020-04-23</a:t>
             </a:fld>
             <a:endParaRPr lang="ko-KR" altLang="en-US"/>
           </a:p>
@@ -2550,7 +2557,7 @@
             <a:fld id="{272C3D53-FEDF-49EC-8F65-FFFC138B637E}" type="datetimeFigureOut">
               <a:rPr lang="ko-KR" altLang="en-US" smtClean="0"/>
               <a:pPr/>
-              <a:t>2020-04-16</a:t>
+              <a:t>2020-04-23</a:t>
             </a:fld>
             <a:endParaRPr lang="ko-KR" altLang="en-US"/>
           </a:p>
@@ -2829,7 +2836,7 @@
             <a:fld id="{272C3D53-FEDF-49EC-8F65-FFFC138B637E}" type="datetimeFigureOut">
               <a:rPr lang="ko-KR" altLang="en-US" smtClean="0"/>
               <a:pPr/>
-              <a:t>2020-04-16</a:t>
+              <a:t>2020-04-23</a:t>
             </a:fld>
             <a:endParaRPr lang="ko-KR" altLang="en-US"/>
           </a:p>
@@ -3084,7 +3091,7 @@
             <a:fld id="{272C3D53-FEDF-49EC-8F65-FFFC138B637E}" type="datetimeFigureOut">
               <a:rPr lang="ko-KR" altLang="en-US" smtClean="0"/>
               <a:pPr/>
-              <a:t>2020-04-16</a:t>
+              <a:t>2020-04-23</a:t>
             </a:fld>
             <a:endParaRPr lang="ko-KR" altLang="en-US"/>
           </a:p>
@@ -3299,7 +3306,7 @@
             <a:fld id="{272C3D53-FEDF-49EC-8F65-FFFC138B637E}" type="datetimeFigureOut">
               <a:rPr lang="ko-KR" altLang="en-US" smtClean="0"/>
               <a:pPr/>
-              <a:t>2020-04-16</a:t>
+              <a:t>2020-04-23</a:t>
             </a:fld>
             <a:endParaRPr lang="ko-KR" altLang="en-US"/>
           </a:p>
@@ -3836,6 +3843,168 @@
               <a:t>[</a:t>
             </a:r>
             <a:r>
+              <a:rPr lang="ko-KR" altLang="en-US" sz="2800" b="0" smtClean="0"/>
+              <a:t>화면구현</a:t>
+            </a:r>
+            <a:r>
+              <a:rPr lang="en-US" altLang="ko-KR" sz="2800" b="0" smtClean="0"/>
+              <a:t>] </a:t>
+            </a:r>
+            <a:r>
+              <a:rPr lang="ko-KR" altLang="en-US" sz="2800" b="0"/>
+              <a:t>사용자 </a:t>
+            </a:r>
+            <a:r>
+              <a:rPr lang="en-US" altLang="ko-KR" sz="2800" b="0"/>
+              <a:t>– </a:t>
+            </a:r>
+            <a:r>
+              <a:rPr lang="ko-KR" altLang="en-US" sz="2800" b="0"/>
+              <a:t>웹 </a:t>
+            </a:r>
+            <a:r>
+              <a:rPr lang="en-US" altLang="ko-KR" sz="2800" b="0"/>
+              <a:t>- </a:t>
+            </a:r>
+            <a:r>
+              <a:rPr lang="ko-KR" altLang="en-US" sz="2800" b="0"/>
+              <a:t>로그인 </a:t>
+            </a:r>
+            <a:r>
+              <a:rPr lang="ko-KR" altLang="en-US" sz="2800" b="0" smtClean="0"/>
+              <a:t>페이지 </a:t>
+            </a:r>
+            <a:r>
+              <a:rPr lang="en-US" altLang="ko-KR" sz="2800" b="0" smtClean="0"/>
+              <a:t>– </a:t>
+            </a:r>
+            <a:r>
+              <a:rPr lang="ko-KR" altLang="en-US" sz="2800" b="0" smtClean="0"/>
+              <a:t>로그인 실패</a:t>
+            </a:r>
+            <a:r>
+              <a:rPr lang="ko-KR" altLang="en-US" sz="1600" b="0" smtClean="0"/>
+              <a:t> </a:t>
+            </a:r>
+            <a:endParaRPr lang="ko-KR" altLang="en-US"/>
+          </a:p>
+        </p:txBody>
+      </p:sp>
+      <p:pic>
+        <p:nvPicPr>
+          <p:cNvPr id="7" name="그림 6"/>
+          <p:cNvPicPr>
+            <a:picLocks noChangeAspect="1"/>
+          </p:cNvPicPr>
+          <p:nvPr/>
+        </p:nvPicPr>
+        <p:blipFill>
+          <a:blip r:embed="rId2"/>
+          <a:stretch>
+            <a:fillRect/>
+          </a:stretch>
+        </p:blipFill>
+        <p:spPr>
+          <a:xfrm>
+            <a:off x="341334" y="1518314"/>
+            <a:ext cx="5647574" cy="4454117"/>
+          </a:xfrm>
+          <a:prstGeom prst="rect">
+            <a:avLst/>
+          </a:prstGeom>
+          <a:ln w="25400">
+            <a:solidFill>
+              <a:schemeClr val="tx1"/>
+            </a:solidFill>
+          </a:ln>
+        </p:spPr>
+      </p:pic>
+      <p:pic>
+        <p:nvPicPr>
+          <p:cNvPr id="8" name="그림 7"/>
+          <p:cNvPicPr>
+            <a:picLocks noChangeAspect="1"/>
+          </p:cNvPicPr>
+          <p:nvPr/>
+        </p:nvPicPr>
+        <p:blipFill>
+          <a:blip r:embed="rId3"/>
+          <a:stretch>
+            <a:fillRect/>
+          </a:stretch>
+        </p:blipFill>
+        <p:spPr>
+          <a:xfrm>
+            <a:off x="6278433" y="1964197"/>
+            <a:ext cx="5438775" cy="3562350"/>
+          </a:xfrm>
+          <a:prstGeom prst="rect">
+            <a:avLst/>
+          </a:prstGeom>
+          <a:ln>
+            <a:solidFill>
+              <a:schemeClr val="tx1"/>
+            </a:solidFill>
+          </a:ln>
+        </p:spPr>
+      </p:pic>
+    </p:spTree>
+    <p:extLst>
+      <p:ext uri="{BB962C8B-B14F-4D97-AF65-F5344CB8AC3E}">
+        <p14:creationId xmlns:p14="http://schemas.microsoft.com/office/powerpoint/2010/main" val="2268337864"/>
+      </p:ext>
+    </p:extLst>
+  </p:cSld>
+  <p:clrMapOvr>
+    <a:masterClrMapping/>
+  </p:clrMapOvr>
+  <p:timing>
+    <p:tnLst>
+      <p:par>
+        <p:cTn id="1" dur="indefinite" restart="never" nodeType="tmRoot"/>
+      </p:par>
+    </p:tnLst>
+  </p:timing>
+</p:sld>
+</file>
+
+<file path=ppt/slides/slide11.xml><?xml version="1.0" encoding="utf-8"?>
+<p:sld xmlns:a="http://schemas.openxmlformats.org/drawingml/2006/main" xmlns:r="http://schemas.openxmlformats.org/officeDocument/2006/relationships" xmlns:p="http://schemas.openxmlformats.org/presentationml/2006/main">
+  <p:cSld>
+    <p:spTree>
+      <p:nvGrpSpPr>
+        <p:cNvPr id="1" name=""/>
+        <p:cNvGrpSpPr/>
+        <p:nvPr/>
+      </p:nvGrpSpPr>
+      <p:grpSpPr>
+        <a:xfrm>
+          <a:off x="0" y="0"/>
+          <a:ext cx="0" cy="0"/>
+          <a:chOff x="0" y="0"/>
+          <a:chExt cx="0" cy="0"/>
+        </a:xfrm>
+      </p:grpSpPr>
+      <p:sp>
+        <p:nvSpPr>
+          <p:cNvPr id="2" name="제목 1"/>
+          <p:cNvSpPr>
+            <a:spLocks noGrp="1"/>
+          </p:cNvSpPr>
+          <p:nvPr>
+            <p:ph type="title"/>
+          </p:nvPr>
+        </p:nvSpPr>
+        <p:spPr/>
+        <p:txBody>
+          <a:bodyPr/>
+          <a:lstStyle/>
+          <a:p>
+            <a:r>
+              <a:rPr lang="en-US" altLang="ko-KR" sz="2800" b="0"/>
+              <a:t>[</a:t>
+            </a:r>
+            <a:r>
               <a:rPr lang="ko-KR" altLang="en-US" sz="2800" b="0"/>
               <a:t>화면설계</a:t>
             </a:r>
@@ -3948,14 +4117,14 @@
                 <a:gridCol w="311106">
                   <a:extLst>
                     <a:ext uri="{9D8B030D-6E8A-4147-A177-3AD203B41FA5}">
-                      <a16:colId xmlns="" xmlns:a16="http://schemas.microsoft.com/office/drawing/2014/main" val="20000"/>
+                      <a16:colId xmlns:a16="http://schemas.microsoft.com/office/drawing/2014/main" xmlns="" val="20000"/>
                     </a:ext>
                   </a:extLst>
                 </a:gridCol>
                 <a:gridCol w="2558644">
                   <a:extLst>
                     <a:ext uri="{9D8B030D-6E8A-4147-A177-3AD203B41FA5}">
-                      <a16:colId xmlns="" xmlns:a16="http://schemas.microsoft.com/office/drawing/2014/main" val="20001"/>
+                      <a16:colId xmlns:a16="http://schemas.microsoft.com/office/drawing/2014/main" xmlns="" val="20001"/>
                     </a:ext>
                   </a:extLst>
                 </a:gridCol>
@@ -4113,7 +4282,7 @@
                 </a:tc>
                 <a:extLst>
                   <a:ext uri="{0D108BD9-81ED-4DB2-BD59-A6C34878D82A}">
-                    <a16:rowId xmlns="" xmlns:a16="http://schemas.microsoft.com/office/drawing/2014/main" val="10000"/>
+                    <a16:rowId xmlns:a16="http://schemas.microsoft.com/office/drawing/2014/main" xmlns="" val="10000"/>
                   </a:ext>
                 </a:extLst>
               </a:tr>
@@ -4270,7 +4439,7 @@
                 </a:tc>
                 <a:extLst>
                   <a:ext uri="{0D108BD9-81ED-4DB2-BD59-A6C34878D82A}">
-                    <a16:rowId xmlns="" xmlns:a16="http://schemas.microsoft.com/office/drawing/2014/main" val="10001"/>
+                    <a16:rowId xmlns:a16="http://schemas.microsoft.com/office/drawing/2014/main" xmlns="" val="10001"/>
                   </a:ext>
                 </a:extLst>
               </a:tr>
@@ -4401,7 +4570,7 @@
                 </a:tc>
                 <a:extLst>
                   <a:ext uri="{0D108BD9-81ED-4DB2-BD59-A6C34878D82A}">
-                    <a16:rowId xmlns="" xmlns:a16="http://schemas.microsoft.com/office/drawing/2014/main" val="10002"/>
+                    <a16:rowId xmlns:a16="http://schemas.microsoft.com/office/drawing/2014/main" xmlns="" val="10002"/>
                   </a:ext>
                 </a:extLst>
               </a:tr>
@@ -4648,7 +4817,7 @@
 </p:sld>
 </file>
 
-<file path=ppt/slides/slide11.xml><?xml version="1.0" encoding="utf-8"?>
+<file path=ppt/slides/slide12.xml><?xml version="1.0" encoding="utf-8"?>
 <p:sld xmlns:a="http://schemas.openxmlformats.org/drawingml/2006/main" xmlns:r="http://schemas.openxmlformats.org/officeDocument/2006/relationships" xmlns:p="http://schemas.openxmlformats.org/presentationml/2006/main">
   <p:cSld>
     <p:spTree>
@@ -4798,7 +4967,7 @@
 </p:sld>
 </file>
 
-<file path=ppt/slides/slide12.xml><?xml version="1.0" encoding="utf-8"?>
+<file path=ppt/slides/slide13.xml><?xml version="1.0" encoding="utf-8"?>
 <p:sld xmlns:a="http://schemas.openxmlformats.org/drawingml/2006/main" xmlns:r="http://schemas.openxmlformats.org/officeDocument/2006/relationships" xmlns:p="http://schemas.openxmlformats.org/presentationml/2006/main">
   <p:cSld>
     <p:spTree>
@@ -4913,7 +5082,7 @@
       </p:pic>
       <p:pic>
         <p:nvPicPr>
-          <p:cNvPr id="5" name="그림 4"/>
+          <p:cNvPr id="3" name="그림 2"/>
           <p:cNvPicPr>
             <a:picLocks noChangeAspect="1"/>
           </p:cNvPicPr>
@@ -4927,36 +5096,7 @@
         </p:blipFill>
         <p:spPr>
           <a:xfrm>
-            <a:off x="7253810" y="4436081"/>
-            <a:ext cx="4746321" cy="1533525"/>
-          </a:xfrm>
-          <a:prstGeom prst="rect">
-            <a:avLst/>
-          </a:prstGeom>
-          <a:ln>
-            <a:solidFill>
-              <a:schemeClr val="tx1"/>
-            </a:solidFill>
-          </a:ln>
-        </p:spPr>
-      </p:pic>
-      <p:pic>
-        <p:nvPicPr>
-          <p:cNvPr id="3" name="그림 2"/>
-          <p:cNvPicPr>
-            <a:picLocks noChangeAspect="1"/>
-          </p:cNvPicPr>
-          <p:nvPr/>
-        </p:nvPicPr>
-        <p:blipFill>
-          <a:blip r:embed="rId4"/>
-          <a:stretch>
-            <a:fillRect/>
-          </a:stretch>
-        </p:blipFill>
-        <p:spPr>
-          <a:xfrm>
-            <a:off x="7253809" y="1547356"/>
+            <a:off x="7253807" y="2155572"/>
             <a:ext cx="4746321" cy="257175"/>
           </a:xfrm>
           <a:prstGeom prst="rect">
@@ -4971,7 +5111,36 @@
       </p:pic>
       <p:pic>
         <p:nvPicPr>
-          <p:cNvPr id="6" name="그림 5"/>
+          <p:cNvPr id="7" name="그림 6"/>
+          <p:cNvPicPr>
+            <a:picLocks noChangeAspect="1"/>
+          </p:cNvPicPr>
+          <p:nvPr/>
+        </p:nvPicPr>
+        <p:blipFill>
+          <a:blip r:embed="rId4"/>
+          <a:stretch>
+            <a:fillRect/>
+          </a:stretch>
+        </p:blipFill>
+        <p:spPr>
+          <a:xfrm>
+            <a:off x="7289673" y="4643405"/>
+            <a:ext cx="4674587" cy="1485900"/>
+          </a:xfrm>
+          <a:prstGeom prst="rect">
+            <a:avLst/>
+          </a:prstGeom>
+          <a:ln>
+            <a:solidFill>
+              <a:schemeClr val="tx1"/>
+            </a:solidFill>
+          </a:ln>
+        </p:spPr>
+      </p:pic>
+      <p:pic>
+        <p:nvPicPr>
+          <p:cNvPr id="8" name="그림 7"/>
           <p:cNvPicPr>
             <a:picLocks noChangeAspect="1"/>
           </p:cNvPicPr>
@@ -4985,8 +5154,8 @@
         </p:blipFill>
         <p:spPr>
           <a:xfrm>
-            <a:off x="7253809" y="2201143"/>
-            <a:ext cx="4580231" cy="1838325"/>
+            <a:off x="7382157" y="2893669"/>
+            <a:ext cx="4489622" cy="1400175"/>
           </a:xfrm>
           <a:prstGeom prst="rect">
             <a:avLst/>
@@ -5001,7 +5170,7 @@
     </p:spTree>
     <p:extLst>
       <p:ext uri="{BB962C8B-B14F-4D97-AF65-F5344CB8AC3E}">
-        <p14:creationId xmlns:p14="http://schemas.microsoft.com/office/powerpoint/2010/main" val="1787956189"/>
+        <p14:creationId xmlns:p14="http://schemas.microsoft.com/office/powerpoint/2010/main" val="1624116158"/>
       </p:ext>
     </p:extLst>
   </p:cSld>
@@ -5018,7 +5187,7 @@
 </p:sld>
 </file>
 
-<file path=ppt/slides/slide13.xml><?xml version="1.0" encoding="utf-8"?>
+<file path=ppt/slides/slide14.xml><?xml version="1.0" encoding="utf-8"?>
 <p:sld xmlns:a="http://schemas.openxmlformats.org/drawingml/2006/main" xmlns:r="http://schemas.openxmlformats.org/officeDocument/2006/relationships" xmlns:p="http://schemas.openxmlformats.org/presentationml/2006/main">
   <p:cSld>
     <p:spTree>
@@ -5167,14 +5336,14 @@
                 <a:gridCol w="311106">
                   <a:extLst>
                     <a:ext uri="{9D8B030D-6E8A-4147-A177-3AD203B41FA5}">
-                      <a16:colId xmlns="" xmlns:a16="http://schemas.microsoft.com/office/drawing/2014/main" val="20000"/>
+                      <a16:colId xmlns:a16="http://schemas.microsoft.com/office/drawing/2014/main" xmlns="" val="20000"/>
                     </a:ext>
                   </a:extLst>
                 </a:gridCol>
                 <a:gridCol w="2558644">
                   <a:extLst>
                     <a:ext uri="{9D8B030D-6E8A-4147-A177-3AD203B41FA5}">
-                      <a16:colId xmlns="" xmlns:a16="http://schemas.microsoft.com/office/drawing/2014/main" val="20001"/>
+                      <a16:colId xmlns:a16="http://schemas.microsoft.com/office/drawing/2014/main" xmlns="" val="20001"/>
                     </a:ext>
                   </a:extLst>
                 </a:gridCol>
@@ -5332,7 +5501,7 @@
                 </a:tc>
                 <a:extLst>
                   <a:ext uri="{0D108BD9-81ED-4DB2-BD59-A6C34878D82A}">
-                    <a16:rowId xmlns="" xmlns:a16="http://schemas.microsoft.com/office/drawing/2014/main" val="10000"/>
+                    <a16:rowId xmlns:a16="http://schemas.microsoft.com/office/drawing/2014/main" xmlns="" val="10000"/>
                   </a:ext>
                 </a:extLst>
               </a:tr>
@@ -5489,7 +5658,7 @@
                 </a:tc>
                 <a:extLst>
                   <a:ext uri="{0D108BD9-81ED-4DB2-BD59-A6C34878D82A}">
-                    <a16:rowId xmlns="" xmlns:a16="http://schemas.microsoft.com/office/drawing/2014/main" val="10001"/>
+                    <a16:rowId xmlns:a16="http://schemas.microsoft.com/office/drawing/2014/main" xmlns="" val="10001"/>
                   </a:ext>
                 </a:extLst>
               </a:tr>
@@ -5620,7 +5789,7 @@
                 </a:tc>
                 <a:extLst>
                   <a:ext uri="{0D108BD9-81ED-4DB2-BD59-A6C34878D82A}">
-                    <a16:rowId xmlns="" xmlns:a16="http://schemas.microsoft.com/office/drawing/2014/main" val="10002"/>
+                    <a16:rowId xmlns:a16="http://schemas.microsoft.com/office/drawing/2014/main" xmlns="" val="10002"/>
                   </a:ext>
                 </a:extLst>
               </a:tr>
@@ -5867,7 +6036,7 @@
 </p:sld>
 </file>
 
-<file path=ppt/slides/slide14.xml><?xml version="1.0" encoding="utf-8"?>
+<file path=ppt/slides/slide15.xml><?xml version="1.0" encoding="utf-8"?>
 <p:sld xmlns:a="http://schemas.openxmlformats.org/drawingml/2006/main" xmlns:r="http://schemas.openxmlformats.org/officeDocument/2006/relationships" xmlns:p="http://schemas.openxmlformats.org/presentationml/2006/main">
   <p:cSld>
     <p:spTree>
@@ -5999,7 +6168,7 @@
       </p:pic>
       <p:pic>
         <p:nvPicPr>
-          <p:cNvPr id="2" name="그림 1"/>
+          <p:cNvPr id="3" name="그림 2"/>
           <p:cNvPicPr>
             <a:picLocks noChangeAspect="1"/>
           </p:cNvPicPr>
@@ -6007,35 +6176,6 @@
         </p:nvPicPr>
         <p:blipFill>
           <a:blip r:embed="rId4"/>
-          <a:stretch>
-            <a:fillRect/>
-          </a:stretch>
-        </p:blipFill>
-        <p:spPr>
-          <a:xfrm>
-            <a:off x="6106683" y="3819999"/>
-            <a:ext cx="5819141" cy="2707333"/>
-          </a:xfrm>
-          <a:prstGeom prst="rect">
-            <a:avLst/>
-          </a:prstGeom>
-          <a:ln>
-            <a:solidFill>
-              <a:schemeClr val="tx1"/>
-            </a:solidFill>
-          </a:ln>
-        </p:spPr>
-      </p:pic>
-      <p:pic>
-        <p:nvPicPr>
-          <p:cNvPr id="3" name="그림 2"/>
-          <p:cNvPicPr>
-            <a:picLocks noChangeAspect="1"/>
-          </p:cNvPicPr>
-          <p:nvPr/>
-        </p:nvPicPr>
-        <p:blipFill>
-          <a:blip r:embed="rId5"/>
           <a:stretch>
             <a:fillRect/>
           </a:stretch>
@@ -6064,7 +6204,7 @@
           <p:nvPr/>
         </p:nvPicPr>
         <p:blipFill>
-          <a:blip r:embed="rId6"/>
+          <a:blip r:embed="rId5"/>
           <a:stretch>
             <a:fillRect/>
           </a:stretch>
@@ -6084,10 +6224,39 @@
           </a:ln>
         </p:spPr>
       </p:pic>
+      <p:pic>
+        <p:nvPicPr>
+          <p:cNvPr id="8" name="그림 7"/>
+          <p:cNvPicPr>
+            <a:picLocks noChangeAspect="1"/>
+          </p:cNvPicPr>
+          <p:nvPr/>
+        </p:nvPicPr>
+        <p:blipFill>
+          <a:blip r:embed="rId6"/>
+          <a:stretch>
+            <a:fillRect/>
+          </a:stretch>
+        </p:blipFill>
+        <p:spPr>
+          <a:xfrm>
+            <a:off x="6119020" y="3698788"/>
+            <a:ext cx="5098926" cy="2670459"/>
+          </a:xfrm>
+          <a:prstGeom prst="rect">
+            <a:avLst/>
+          </a:prstGeom>
+          <a:ln>
+            <a:solidFill>
+              <a:schemeClr val="tx1"/>
+            </a:solidFill>
+          </a:ln>
+        </p:spPr>
+      </p:pic>
     </p:spTree>
     <p:extLst>
       <p:ext uri="{BB962C8B-B14F-4D97-AF65-F5344CB8AC3E}">
-        <p14:creationId xmlns:p14="http://schemas.microsoft.com/office/powerpoint/2010/main" val="2681767795"/>
+        <p14:creationId xmlns:p14="http://schemas.microsoft.com/office/powerpoint/2010/main" val="2838344166"/>
       </p:ext>
     </p:extLst>
   </p:cSld>
@@ -6104,7 +6273,7 @@
 </p:sld>
 </file>
 
-<file path=ppt/slides/slide15.xml><?xml version="1.0" encoding="utf-8"?>
+<file path=ppt/slides/slide16.xml><?xml version="1.0" encoding="utf-8"?>
 <p:sld xmlns:a="http://schemas.openxmlformats.org/drawingml/2006/main" xmlns:r="http://schemas.openxmlformats.org/officeDocument/2006/relationships" xmlns:p="http://schemas.openxmlformats.org/presentationml/2006/main">
   <p:cSld>
     <p:spTree>
@@ -6253,14 +6422,14 @@
                 <a:gridCol w="311106">
                   <a:extLst>
                     <a:ext uri="{9D8B030D-6E8A-4147-A177-3AD203B41FA5}">
-                      <a16:colId xmlns="" xmlns:a16="http://schemas.microsoft.com/office/drawing/2014/main" val="20000"/>
+                      <a16:colId xmlns:a16="http://schemas.microsoft.com/office/drawing/2014/main" xmlns="" val="20000"/>
                     </a:ext>
                   </a:extLst>
                 </a:gridCol>
                 <a:gridCol w="2558644">
                   <a:extLst>
                     <a:ext uri="{9D8B030D-6E8A-4147-A177-3AD203B41FA5}">
-                      <a16:colId xmlns="" xmlns:a16="http://schemas.microsoft.com/office/drawing/2014/main" val="20001"/>
+                      <a16:colId xmlns:a16="http://schemas.microsoft.com/office/drawing/2014/main" xmlns="" val="20001"/>
                     </a:ext>
                   </a:extLst>
                 </a:gridCol>
@@ -6418,7 +6587,7 @@
                 </a:tc>
                 <a:extLst>
                   <a:ext uri="{0D108BD9-81ED-4DB2-BD59-A6C34878D82A}">
-                    <a16:rowId xmlns="" xmlns:a16="http://schemas.microsoft.com/office/drawing/2014/main" val="10000"/>
+                    <a16:rowId xmlns:a16="http://schemas.microsoft.com/office/drawing/2014/main" xmlns="" val="10000"/>
                   </a:ext>
                 </a:extLst>
               </a:tr>
@@ -6583,7 +6752,7 @@
                 </a:tc>
                 <a:extLst>
                   <a:ext uri="{0D108BD9-81ED-4DB2-BD59-A6C34878D82A}">
-                    <a16:rowId xmlns="" xmlns:a16="http://schemas.microsoft.com/office/drawing/2014/main" val="10001"/>
+                    <a16:rowId xmlns:a16="http://schemas.microsoft.com/office/drawing/2014/main" xmlns="" val="10001"/>
                   </a:ext>
                 </a:extLst>
               </a:tr>
@@ -6714,7 +6883,7 @@
                 </a:tc>
                 <a:extLst>
                   <a:ext uri="{0D108BD9-81ED-4DB2-BD59-A6C34878D82A}">
-                    <a16:rowId xmlns="" xmlns:a16="http://schemas.microsoft.com/office/drawing/2014/main" val="10002"/>
+                    <a16:rowId xmlns:a16="http://schemas.microsoft.com/office/drawing/2014/main" xmlns="" val="10002"/>
                   </a:ext>
                 </a:extLst>
               </a:tr>
@@ -6957,7 +7126,7 @@
 </p:sld>
 </file>
 
-<file path=ppt/slides/slide16.xml><?xml version="1.0" encoding="utf-8"?>
+<file path=ppt/slides/slide17.xml><?xml version="1.0" encoding="utf-8"?>
 <p:sld xmlns:a="http://schemas.openxmlformats.org/drawingml/2006/main" xmlns:r="http://schemas.openxmlformats.org/officeDocument/2006/relationships" xmlns:p="http://schemas.openxmlformats.org/presentationml/2006/main">
   <p:cSld>
     <p:spTree>
@@ -7031,7 +7200,7 @@
       </p:sp>
       <p:pic>
         <p:nvPicPr>
-          <p:cNvPr id="7" name="그림 6"/>
+          <p:cNvPr id="4" name="그림 3"/>
           <p:cNvPicPr>
             <a:picLocks noChangeAspect="1"/>
           </p:cNvPicPr>
@@ -7045,8 +7214,8 @@
         </p:blipFill>
         <p:spPr>
           <a:xfrm>
-            <a:off x="829001" y="1826060"/>
-            <a:ext cx="6600825" cy="4057650"/>
+            <a:off x="249206" y="1414658"/>
+            <a:ext cx="6972300" cy="2280266"/>
           </a:xfrm>
           <a:prstGeom prst="rect">
             <a:avLst/>
@@ -7060,7 +7229,7 @@
       </p:pic>
       <p:pic>
         <p:nvPicPr>
-          <p:cNvPr id="8" name="그림 7"/>
+          <p:cNvPr id="5" name="그림 4"/>
           <p:cNvPicPr>
             <a:picLocks noChangeAspect="1"/>
           </p:cNvPicPr>
@@ -7074,8 +7243,37 @@
         </p:blipFill>
         <p:spPr>
           <a:xfrm>
-            <a:off x="7779341" y="4226360"/>
-            <a:ext cx="4108602" cy="1657350"/>
+            <a:off x="249206" y="3854885"/>
+            <a:ext cx="6581775" cy="2424617"/>
+          </a:xfrm>
+          <a:prstGeom prst="rect">
+            <a:avLst/>
+          </a:prstGeom>
+          <a:ln w="25400">
+            <a:solidFill>
+              <a:schemeClr val="tx1"/>
+            </a:solidFill>
+          </a:ln>
+        </p:spPr>
+      </p:pic>
+      <p:pic>
+        <p:nvPicPr>
+          <p:cNvPr id="6" name="그림 5"/>
+          <p:cNvPicPr>
+            <a:picLocks noChangeAspect="1"/>
+          </p:cNvPicPr>
+          <p:nvPr/>
+        </p:nvPicPr>
+        <p:blipFill>
+          <a:blip r:embed="rId4"/>
+          <a:stretch>
+            <a:fillRect/>
+          </a:stretch>
+        </p:blipFill>
+        <p:spPr>
+          <a:xfrm>
+            <a:off x="7436498" y="4513101"/>
+            <a:ext cx="3805626" cy="1657350"/>
           </a:xfrm>
           <a:prstGeom prst="rect">
             <a:avLst/>
@@ -7089,22 +7287,22 @@
       </p:pic>
       <p:pic>
         <p:nvPicPr>
-          <p:cNvPr id="3" name="그림 2"/>
+          <p:cNvPr id="9" name="그림 8"/>
           <p:cNvPicPr>
             <a:picLocks noChangeAspect="1"/>
           </p:cNvPicPr>
           <p:nvPr/>
         </p:nvPicPr>
         <p:blipFill>
-          <a:blip r:embed="rId4"/>
+          <a:blip r:embed="rId5"/>
           <a:stretch>
             <a:fillRect/>
           </a:stretch>
         </p:blipFill>
         <p:spPr>
           <a:xfrm>
-            <a:off x="7660654" y="1513022"/>
-            <a:ext cx="4345975" cy="2341863"/>
+            <a:off x="7571889" y="1614197"/>
+            <a:ext cx="3534844" cy="2577970"/>
           </a:xfrm>
           <a:prstGeom prst="rect">
             <a:avLst/>
@@ -7119,7 +7317,7 @@
     </p:spTree>
     <p:extLst>
       <p:ext uri="{BB962C8B-B14F-4D97-AF65-F5344CB8AC3E}">
-        <p14:creationId xmlns:p14="http://schemas.microsoft.com/office/powerpoint/2010/main" val="744218723"/>
+        <p14:creationId xmlns:p14="http://schemas.microsoft.com/office/powerpoint/2010/main" val="1720451094"/>
       </p:ext>
     </p:extLst>
   </p:cSld>
@@ -7136,7 +7334,206 @@
 </p:sld>
 </file>
 
-<file path=ppt/slides/slide17.xml><?xml version="1.0" encoding="utf-8"?>
+<file path=ppt/slides/slide18.xml><?xml version="1.0" encoding="utf-8"?>
+<p:sld xmlns:a="http://schemas.openxmlformats.org/drawingml/2006/main" xmlns:r="http://schemas.openxmlformats.org/officeDocument/2006/relationships" xmlns:p="http://schemas.openxmlformats.org/presentationml/2006/main">
+  <p:cSld>
+    <p:spTree>
+      <p:nvGrpSpPr>
+        <p:cNvPr id="1" name=""/>
+        <p:cNvGrpSpPr/>
+        <p:nvPr/>
+      </p:nvGrpSpPr>
+      <p:grpSpPr>
+        <a:xfrm>
+          <a:off x="0" y="0"/>
+          <a:ext cx="0" cy="0"/>
+          <a:chOff x="0" y="0"/>
+          <a:chExt cx="0" cy="0"/>
+        </a:xfrm>
+      </p:grpSpPr>
+      <p:sp>
+        <p:nvSpPr>
+          <p:cNvPr id="4" name="제목 1"/>
+          <p:cNvSpPr txBox="1">
+            <a:spLocks/>
+          </p:cNvSpPr>
+          <p:nvPr/>
+        </p:nvSpPr>
+        <p:spPr>
+          <a:xfrm>
+            <a:off x="859450" y="128989"/>
+            <a:ext cx="9646078" cy="796908"/>
+          </a:xfrm>
+          <a:prstGeom prst="rect">
+            <a:avLst/>
+          </a:prstGeom>
+        </p:spPr>
+        <p:txBody>
+          <a:bodyPr vert="horz" lIns="91440" tIns="45720" rIns="91440" bIns="45720" rtlCol="0" anchor="ctr">
+            <a:normAutofit/>
+          </a:bodyPr>
+          <a:lstStyle>
+            <a:lvl1pPr algn="l" defTabSz="914400" rtl="0" eaLnBrk="1" latinLnBrk="1" hangingPunct="1">
+              <a:lnSpc>
+                <a:spcPct val="90000"/>
+              </a:lnSpc>
+              <a:spcBef>
+                <a:spcPct val="0"/>
+              </a:spcBef>
+              <a:buNone/>
+              <a:defRPr lang="ko-KR" altLang="en-US" sz="2500" b="1" kern="1200" baseline="0" dirty="0">
+                <a:solidFill>
+                  <a:schemeClr val="bg1"/>
+                </a:solidFill>
+                <a:effectLst/>
+                <a:latin typeface="+mj-lt"/>
+                <a:ea typeface="맑은 고딕" pitchFamily="50" charset="-127"/>
+                <a:cs typeface="+mj-cs"/>
+              </a:defRPr>
+            </a:lvl1pPr>
+          </a:lstStyle>
+          <a:p>
+            <a:r>
+              <a:rPr lang="en-US" altLang="ko-KR" sz="2800" b="0" smtClean="0"/>
+              <a:t>[</a:t>
+            </a:r>
+            <a:r>
+              <a:rPr lang="ko-KR" altLang="en-US" sz="2800" b="0" smtClean="0"/>
+              <a:t>화면구현</a:t>
+            </a:r>
+            <a:r>
+              <a:rPr lang="en-US" altLang="ko-KR" sz="2800" b="0" smtClean="0"/>
+              <a:t>] </a:t>
+            </a:r>
+            <a:r>
+              <a:rPr lang="ko-KR" altLang="en-US" sz="2800" b="0" smtClean="0"/>
+              <a:t>사용자 </a:t>
+            </a:r>
+            <a:r>
+              <a:rPr lang="en-US" altLang="ko-KR" sz="2800" b="0" smtClean="0"/>
+              <a:t>– </a:t>
+            </a:r>
+            <a:r>
+              <a:rPr lang="ko-KR" altLang="en-US" sz="2800" b="0" smtClean="0"/>
+              <a:t>웹 </a:t>
+            </a:r>
+            <a:r>
+              <a:rPr lang="en-US" altLang="ko-KR" sz="2800" b="0" smtClean="0"/>
+              <a:t>– </a:t>
+            </a:r>
+            <a:r>
+              <a:rPr lang="ko-KR" altLang="en-US" sz="2800" b="0" smtClean="0"/>
+              <a:t>비밀번호 변경 완료 및 실패</a:t>
+            </a:r>
+            <a:r>
+              <a:rPr lang="ko-KR" altLang="en-US" sz="1600" b="0" smtClean="0"/>
+              <a:t> </a:t>
+            </a:r>
+            <a:endParaRPr lang="ko-KR" altLang="en-US"/>
+          </a:p>
+        </p:txBody>
+      </p:sp>
+      <p:pic>
+        <p:nvPicPr>
+          <p:cNvPr id="5" name="그림 4"/>
+          <p:cNvPicPr>
+            <a:picLocks noChangeAspect="1"/>
+          </p:cNvPicPr>
+          <p:nvPr/>
+        </p:nvPicPr>
+        <p:blipFill>
+          <a:blip r:embed="rId2"/>
+          <a:stretch>
+            <a:fillRect/>
+          </a:stretch>
+        </p:blipFill>
+        <p:spPr>
+          <a:xfrm>
+            <a:off x="202226" y="3666930"/>
+            <a:ext cx="5321643" cy="2827175"/>
+          </a:xfrm>
+          <a:prstGeom prst="rect">
+            <a:avLst/>
+          </a:prstGeom>
+          <a:ln w="25400">
+            <a:solidFill>
+              <a:schemeClr val="tx1"/>
+            </a:solidFill>
+          </a:ln>
+        </p:spPr>
+      </p:pic>
+      <p:pic>
+        <p:nvPicPr>
+          <p:cNvPr id="6" name="그림 5"/>
+          <p:cNvPicPr>
+            <a:picLocks noChangeAspect="1"/>
+          </p:cNvPicPr>
+          <p:nvPr/>
+        </p:nvPicPr>
+        <p:blipFill>
+          <a:blip r:embed="rId3"/>
+          <a:stretch>
+            <a:fillRect/>
+          </a:stretch>
+        </p:blipFill>
+        <p:spPr>
+          <a:xfrm>
+            <a:off x="202226" y="1290346"/>
+            <a:ext cx="5321643" cy="2143319"/>
+          </a:xfrm>
+          <a:prstGeom prst="rect">
+            <a:avLst/>
+          </a:prstGeom>
+          <a:ln w="25400">
+            <a:solidFill>
+              <a:schemeClr val="tx1"/>
+            </a:solidFill>
+          </a:ln>
+        </p:spPr>
+      </p:pic>
+      <p:pic>
+        <p:nvPicPr>
+          <p:cNvPr id="7" name="그림 6"/>
+          <p:cNvPicPr>
+            <a:picLocks noChangeAspect="1"/>
+          </p:cNvPicPr>
+          <p:nvPr/>
+        </p:nvPicPr>
+        <p:blipFill>
+          <a:blip r:embed="rId4"/>
+          <a:stretch>
+            <a:fillRect/>
+          </a:stretch>
+        </p:blipFill>
+        <p:spPr>
+          <a:xfrm>
+            <a:off x="5896946" y="1895572"/>
+            <a:ext cx="5831827" cy="4429125"/>
+          </a:xfrm>
+          <a:prstGeom prst="rect">
+            <a:avLst/>
+          </a:prstGeom>
+          <a:ln>
+            <a:solidFill>
+              <a:schemeClr val="tx1"/>
+            </a:solidFill>
+          </a:ln>
+        </p:spPr>
+      </p:pic>
+    </p:spTree>
+    <p:extLst>
+      <p:ext uri="{BB962C8B-B14F-4D97-AF65-F5344CB8AC3E}">
+        <p14:creationId xmlns:p14="http://schemas.microsoft.com/office/powerpoint/2010/main" val="825477976"/>
+      </p:ext>
+    </p:extLst>
+  </p:cSld>
+  <p:clrMapOvr>
+    <a:masterClrMapping/>
+  </p:clrMapOvr>
+</p:sld>
+</file>
+
+<file path=ppt/slides/slide19.xml><?xml version="1.0" encoding="utf-8"?>
 <p:sld xmlns:a="http://schemas.openxmlformats.org/drawingml/2006/main" xmlns:r="http://schemas.openxmlformats.org/officeDocument/2006/relationships" xmlns:p="http://schemas.openxmlformats.org/presentationml/2006/main">
   <p:cSld>
     <p:spTree>
@@ -7303,7 +7700,1892 @@
 </p:sld>
 </file>
 
-<file path=ppt/slides/slide18.xml><?xml version="1.0" encoding="utf-8"?>
+<file path=ppt/slides/slide2.xml><?xml version="1.0" encoding="utf-8"?>
+<p:sld xmlns:a="http://schemas.openxmlformats.org/drawingml/2006/main" xmlns:r="http://schemas.openxmlformats.org/officeDocument/2006/relationships" xmlns:p="http://schemas.openxmlformats.org/presentationml/2006/main">
+  <p:cSld>
+    <p:spTree>
+      <p:nvGrpSpPr>
+        <p:cNvPr id="1" name=""/>
+        <p:cNvGrpSpPr/>
+        <p:nvPr/>
+      </p:nvGrpSpPr>
+      <p:grpSpPr>
+        <a:xfrm>
+          <a:off x="0" y="0"/>
+          <a:ext cx="0" cy="0"/>
+          <a:chOff x="0" y="0"/>
+          <a:chExt cx="0" cy="0"/>
+        </a:xfrm>
+      </p:grpSpPr>
+      <p:sp>
+        <p:nvSpPr>
+          <p:cNvPr id="2" name="제목 1"/>
+          <p:cNvSpPr>
+            <a:spLocks noGrp="1"/>
+          </p:cNvSpPr>
+          <p:nvPr>
+            <p:ph type="title"/>
+          </p:nvPr>
+        </p:nvSpPr>
+        <p:spPr/>
+        <p:txBody>
+          <a:bodyPr>
+            <a:normAutofit/>
+          </a:bodyPr>
+          <a:lstStyle/>
+          <a:p>
+            <a:pPr lvl="0">
+              <a:lnSpc>
+                <a:spcPct val="100000"/>
+              </a:lnSpc>
+              <a:spcBef>
+                <a:spcPts val="0"/>
+              </a:spcBef>
+              <a:buClr>
+                <a:srgbClr val="000000"/>
+              </a:buClr>
+              <a:buSzPts val="1500"/>
+              <a:defRPr/>
+            </a:pPr>
+            <a:r>
+              <a:rPr lang="en-US" altLang="ko-KR" sz="3600" b="0" smtClean="0"/>
+              <a:t>[</a:t>
+            </a:r>
+            <a:r>
+              <a:rPr lang="ko-KR" altLang="en-US" sz="3600" b="0" smtClean="0"/>
+              <a:t>화면설계</a:t>
+            </a:r>
+            <a:r>
+              <a:rPr lang="en-US" altLang="ko-KR" sz="3600" b="0" smtClean="0"/>
+              <a:t>] </a:t>
+            </a:r>
+            <a:r>
+              <a:rPr lang="ko-KR" altLang="en-US" sz="3600" b="0" smtClean="0"/>
+              <a:t>사용자 </a:t>
+            </a:r>
+            <a:r>
+              <a:rPr lang="en-US" altLang="ko-KR" sz="3600" b="0" smtClean="0"/>
+              <a:t>– </a:t>
+            </a:r>
+            <a:r>
+              <a:rPr lang="ko-KR" altLang="en-US" sz="3600" b="0" smtClean="0"/>
+              <a:t>웹 </a:t>
+            </a:r>
+            <a:r>
+              <a:rPr lang="en-US" altLang="ko-KR" sz="3600" b="0" smtClean="0"/>
+              <a:t>- </a:t>
+            </a:r>
+            <a:r>
+              <a:rPr lang="ko-KR" altLang="en-US" sz="3600" b="0" smtClean="0"/>
+              <a:t>메인페이지</a:t>
+            </a:r>
+            <a:r>
+              <a:rPr lang="ko-KR" altLang="en-US" sz="2400" b="0" smtClean="0"/>
+              <a:t> </a:t>
+            </a:r>
+            <a:r>
+              <a:rPr lang="en-US" altLang="ko-KR" sz="2400" b="0"/>
+              <a:t>- HEADER</a:t>
+            </a:r>
+            <a:endParaRPr lang="ko-KR" altLang="en-US" sz="2400" b="0" dirty="0"/>
+          </a:p>
+        </p:txBody>
+      </p:sp>
+      <p:sp>
+        <p:nvSpPr>
+          <p:cNvPr id="5" name="Google Shape;164;g7c553259d1_0_81"/>
+          <p:cNvSpPr/>
+          <p:nvPr/>
+        </p:nvSpPr>
+        <p:spPr>
+          <a:xfrm>
+            <a:off x="3891869" y="5974235"/>
+            <a:ext cx="2789963" cy="292800"/>
+          </a:xfrm>
+          <a:prstGeom prst="rect">
+            <a:avLst/>
+          </a:prstGeom>
+          <a:solidFill>
+            <a:schemeClr val="lt1"/>
+          </a:solidFill>
+          <a:ln w="12700" cap="flat" cmpd="sng">
+            <a:solidFill>
+              <a:schemeClr val="dk1"/>
+            </a:solidFill>
+            <a:prstDash val="solid"/>
+            <a:miter lim="800000"/>
+            <a:headEnd type="none" w="sm" len="sm"/>
+            <a:tailEnd type="none" w="sm" len="sm"/>
+          </a:ln>
+        </p:spPr>
+        <p:txBody>
+          <a:bodyPr spcFirstLastPara="1" wrap="square" lIns="91425" tIns="45700" rIns="91425" bIns="45700" anchor="ctr" anchorCtr="0">
+            <a:noAutofit/>
+          </a:bodyPr>
+          <a:lstStyle/>
+          <a:p>
+            <a:pPr algn="ctr">
+              <a:buClr>
+                <a:srgbClr val="000000"/>
+              </a:buClr>
+              <a:buSzPts val="1800"/>
+            </a:pPr>
+            <a:endParaRPr>
+              <a:solidFill>
+                <a:schemeClr val="dk1"/>
+              </a:solidFill>
+              <a:latin typeface="Malgun Gothic"/>
+              <a:ea typeface="Malgun Gothic"/>
+              <a:cs typeface="Malgun Gothic"/>
+              <a:sym typeface="Malgun Gothic"/>
+            </a:endParaRPr>
+          </a:p>
+        </p:txBody>
+      </p:sp>
+      <p:sp>
+        <p:nvSpPr>
+          <p:cNvPr id="6" name="Google Shape;168;g7c553259d1_0_81"/>
+          <p:cNvSpPr/>
+          <p:nvPr/>
+        </p:nvSpPr>
+        <p:spPr>
+          <a:xfrm>
+            <a:off x="560723" y="1442690"/>
+            <a:ext cx="6526163" cy="5349900"/>
+          </a:xfrm>
+          <a:prstGeom prst="rect">
+            <a:avLst/>
+          </a:prstGeom>
+          <a:solidFill>
+            <a:schemeClr val="lt1"/>
+          </a:solidFill>
+          <a:ln w="12700" cap="flat" cmpd="sng">
+            <a:solidFill>
+              <a:schemeClr val="dk1"/>
+            </a:solidFill>
+            <a:prstDash val="solid"/>
+            <a:miter lim="800000"/>
+            <a:headEnd type="none" w="sm" len="sm"/>
+            <a:tailEnd type="none" w="sm" len="sm"/>
+          </a:ln>
+        </p:spPr>
+        <p:txBody>
+          <a:bodyPr spcFirstLastPara="1" wrap="square" lIns="91425" tIns="45700" rIns="91425" bIns="45700" anchor="ctr" anchorCtr="0">
+            <a:noAutofit/>
+          </a:bodyPr>
+          <a:lstStyle/>
+          <a:p>
+            <a:pPr algn="ctr">
+              <a:buClr>
+                <a:srgbClr val="000000"/>
+              </a:buClr>
+              <a:buSzPts val="1500"/>
+            </a:pPr>
+            <a:endParaRPr sz="1500" dirty="0">
+              <a:solidFill>
+                <a:schemeClr val="dk1"/>
+              </a:solidFill>
+              <a:latin typeface="Malgun Gothic"/>
+              <a:ea typeface="Malgun Gothic"/>
+              <a:cs typeface="Malgun Gothic"/>
+              <a:sym typeface="Malgun Gothic"/>
+            </a:endParaRPr>
+          </a:p>
+        </p:txBody>
+      </p:sp>
+      <p:graphicFrame>
+        <p:nvGraphicFramePr>
+          <p:cNvPr id="7" name="Google Shape;169;g7c553259d1_0_81"/>
+          <p:cNvGraphicFramePr/>
+          <p:nvPr>
+            <p:extLst/>
+          </p:nvPr>
+        </p:nvGraphicFramePr>
+        <p:xfrm>
+          <a:off x="8650244" y="2039603"/>
+          <a:ext cx="2869750" cy="4668974"/>
+        </p:xfrm>
+        <a:graphic>
+          <a:graphicData uri="http://schemas.openxmlformats.org/drawingml/2006/table">
+            <a:tbl>
+              <a:tblPr firstRow="1" bandRow="1">
+                <a:noFill/>
+              </a:tblPr>
+              <a:tblGrid>
+                <a:gridCol w="311106">
+                  <a:extLst>
+                    <a:ext uri="{9D8B030D-6E8A-4147-A177-3AD203B41FA5}">
+                      <a16:colId xmlns:a16="http://schemas.microsoft.com/office/drawing/2014/main" xmlns="" val="20000"/>
+                    </a:ext>
+                  </a:extLst>
+                </a:gridCol>
+                <a:gridCol w="2558644">
+                  <a:extLst>
+                    <a:ext uri="{9D8B030D-6E8A-4147-A177-3AD203B41FA5}">
+                      <a16:colId xmlns:a16="http://schemas.microsoft.com/office/drawing/2014/main" xmlns="" val="20001"/>
+                    </a:ext>
+                  </a:extLst>
+                </a:gridCol>
+              </a:tblGrid>
+              <a:tr h="356150">
+                <a:tc>
+                  <a:txBody>
+                    <a:bodyPr/>
+                    <a:lstStyle/>
+                    <a:p>
+                      <a:pPr marL="0" marR="0" lvl="0" indent="0" algn="ctr" rtl="0">
+                        <a:lnSpc>
+                          <a:spcPct val="100000"/>
+                        </a:lnSpc>
+                        <a:spcBef>
+                          <a:spcPts val="0"/>
+                        </a:spcBef>
+                        <a:spcAft>
+                          <a:spcPts val="0"/>
+                        </a:spcAft>
+                        <a:buClr>
+                          <a:srgbClr val="000000"/>
+                        </a:buClr>
+                        <a:buSzPts val="1500"/>
+                        <a:buFont typeface="Arial"/>
+                        <a:buNone/>
+                      </a:pPr>
+                      <a:r>
+                        <a:rPr lang="ko-KR" sz="1500" u="none" strike="noStrike" cap="none" dirty="0">
+                          <a:solidFill>
+                            <a:schemeClr val="dk1"/>
+                          </a:solidFill>
+                        </a:rPr>
+                        <a:t>#</a:t>
+                      </a:r>
+                      <a:endParaRPr sz="1500" u="none" strike="noStrike" cap="none" dirty="0">
+                        <a:solidFill>
+                          <a:schemeClr val="dk1"/>
+                        </a:solidFill>
+                      </a:endParaRPr>
+                    </a:p>
+                  </a:txBody>
+                  <a:tcPr marL="74304" marR="74304" marT="45725" marB="45725" anchor="ctr">
+                    <a:lnL w="12700" cap="flat" cmpd="sng">
+                      <a:solidFill>
+                        <a:schemeClr val="dk1"/>
+                      </a:solidFill>
+                      <a:prstDash val="solid"/>
+                      <a:round/>
+                      <a:headEnd type="none" w="sm" len="sm"/>
+                      <a:tailEnd type="none" w="sm" len="sm"/>
+                    </a:lnL>
+                    <a:lnR w="12700" cap="flat" cmpd="sng">
+                      <a:solidFill>
+                        <a:schemeClr val="dk1"/>
+                      </a:solidFill>
+                      <a:prstDash val="solid"/>
+                      <a:round/>
+                      <a:headEnd type="none" w="sm" len="sm"/>
+                      <a:tailEnd type="none" w="sm" len="sm"/>
+                    </a:lnR>
+                    <a:lnT w="12700" cap="flat" cmpd="sng">
+                      <a:solidFill>
+                        <a:schemeClr val="dk1"/>
+                      </a:solidFill>
+                      <a:prstDash val="solid"/>
+                      <a:round/>
+                      <a:headEnd type="none" w="sm" len="sm"/>
+                      <a:tailEnd type="none" w="sm" len="sm"/>
+                    </a:lnT>
+                    <a:lnB w="12700" cap="flat" cmpd="sng" algn="ctr">
+                      <a:solidFill>
+                        <a:schemeClr val="dk1"/>
+                      </a:solidFill>
+                      <a:prstDash val="solid"/>
+                      <a:round/>
+                      <a:headEnd type="none" w="sm" len="sm"/>
+                      <a:tailEnd type="none" w="sm" len="sm"/>
+                    </a:lnB>
+                    <a:solidFill>
+                      <a:srgbClr val="D8D8D8"/>
+                    </a:solidFill>
+                  </a:tcPr>
+                </a:tc>
+                <a:tc>
+                  <a:txBody>
+                    <a:bodyPr/>
+                    <a:lstStyle/>
+                    <a:p>
+                      <a:pPr marL="0" marR="0" lvl="0" indent="0" algn="ctr" rtl="0">
+                        <a:lnSpc>
+                          <a:spcPct val="100000"/>
+                        </a:lnSpc>
+                        <a:spcBef>
+                          <a:spcPts val="0"/>
+                        </a:spcBef>
+                        <a:spcAft>
+                          <a:spcPts val="0"/>
+                        </a:spcAft>
+                        <a:buClr>
+                          <a:srgbClr val="000000"/>
+                        </a:buClr>
+                        <a:buSzPts val="1500"/>
+                        <a:buFont typeface="Arial"/>
+                        <a:buNone/>
+                      </a:pPr>
+                      <a:endParaRPr sz="1500" u="none" strike="noStrike" cap="none" dirty="0">
+                        <a:solidFill>
+                          <a:schemeClr val="dk1"/>
+                        </a:solidFill>
+                      </a:endParaRPr>
+                    </a:p>
+                  </a:txBody>
+                  <a:tcPr marL="74304" marR="74304" marT="45725" marB="45725" anchor="ctr">
+                    <a:lnL w="12700" cap="flat" cmpd="sng">
+                      <a:solidFill>
+                        <a:schemeClr val="dk1"/>
+                      </a:solidFill>
+                      <a:prstDash val="solid"/>
+                      <a:round/>
+                      <a:headEnd type="none" w="sm" len="sm"/>
+                      <a:tailEnd type="none" w="sm" len="sm"/>
+                    </a:lnL>
+                    <a:lnR w="12700" cap="flat" cmpd="sng">
+                      <a:solidFill>
+                        <a:schemeClr val="dk1"/>
+                      </a:solidFill>
+                      <a:prstDash val="solid"/>
+                      <a:round/>
+                      <a:headEnd type="none" w="sm" len="sm"/>
+                      <a:tailEnd type="none" w="sm" len="sm"/>
+                    </a:lnR>
+                    <a:lnT w="12700" cap="flat" cmpd="sng">
+                      <a:solidFill>
+                        <a:schemeClr val="dk1"/>
+                      </a:solidFill>
+                      <a:prstDash val="solid"/>
+                      <a:round/>
+                      <a:headEnd type="none" w="sm" len="sm"/>
+                      <a:tailEnd type="none" w="sm" len="sm"/>
+                    </a:lnT>
+                    <a:lnB w="12700" cap="flat" cmpd="sng" algn="ctr">
+                      <a:solidFill>
+                        <a:schemeClr val="dk1"/>
+                      </a:solidFill>
+                      <a:prstDash val="solid"/>
+                      <a:round/>
+                      <a:headEnd type="none" w="sm" len="sm"/>
+                      <a:tailEnd type="none" w="sm" len="sm"/>
+                    </a:lnB>
+                    <a:solidFill>
+                      <a:srgbClr val="D8D8D8"/>
+                    </a:solidFill>
+                  </a:tcPr>
+                </a:tc>
+                <a:extLst>
+                  <a:ext uri="{0D108BD9-81ED-4DB2-BD59-A6C34878D82A}">
+                    <a16:rowId xmlns:a16="http://schemas.microsoft.com/office/drawing/2014/main" xmlns="" val="10000"/>
+                  </a:ext>
+                </a:extLst>
+              </a:tr>
+              <a:tr h="972399">
+                <a:tc>
+                  <a:txBody>
+                    <a:bodyPr/>
+                    <a:lstStyle/>
+                    <a:p>
+                      <a:pPr marL="0" marR="0" lvl="0" indent="0" algn="ctr" rtl="0">
+                        <a:lnSpc>
+                          <a:spcPct val="100000"/>
+                        </a:lnSpc>
+                        <a:spcBef>
+                          <a:spcPts val="0"/>
+                        </a:spcBef>
+                        <a:spcAft>
+                          <a:spcPts val="0"/>
+                        </a:spcAft>
+                        <a:buClr>
+                          <a:srgbClr val="000000"/>
+                        </a:buClr>
+                        <a:buSzPts val="1500"/>
+                        <a:buFont typeface="Arial"/>
+                        <a:buNone/>
+                      </a:pPr>
+                      <a:r>
+                        <a:rPr lang="en-US" sz="1500" dirty="0" smtClean="0"/>
+                        <a:t>1</a:t>
+                      </a:r>
+                      <a:endParaRPr sz="1500" dirty="0"/>
+                    </a:p>
+                  </a:txBody>
+                  <a:tcPr marL="74304" marR="74304" marT="45725" marB="45725" anchor="ctr">
+                    <a:lnL w="12700" cap="flat" cmpd="sng">
+                      <a:solidFill>
+                        <a:schemeClr val="dk1"/>
+                      </a:solidFill>
+                      <a:prstDash val="solid"/>
+                      <a:round/>
+                      <a:headEnd type="none" w="sm" len="sm"/>
+                      <a:tailEnd type="none" w="sm" len="sm"/>
+                    </a:lnL>
+                    <a:lnR w="12700" cap="flat" cmpd="sng">
+                      <a:solidFill>
+                        <a:schemeClr val="dk1"/>
+                      </a:solidFill>
+                      <a:prstDash val="solid"/>
+                      <a:round/>
+                      <a:headEnd type="none" w="sm" len="sm"/>
+                      <a:tailEnd type="none" w="sm" len="sm"/>
+                    </a:lnR>
+                    <a:lnT w="12700" cap="flat" cmpd="sng">
+                      <a:solidFill>
+                        <a:schemeClr val="dk1"/>
+                      </a:solidFill>
+                      <a:prstDash val="solid"/>
+                      <a:round/>
+                      <a:headEnd type="none" w="sm" len="sm"/>
+                      <a:tailEnd type="none" w="sm" len="sm"/>
+                    </a:lnT>
+                    <a:lnB w="12700" cap="flat" cmpd="sng">
+                      <a:solidFill>
+                        <a:schemeClr val="dk1"/>
+                      </a:solidFill>
+                      <a:prstDash val="solid"/>
+                      <a:round/>
+                      <a:headEnd type="none" w="sm" len="sm"/>
+                      <a:tailEnd type="none" w="sm" len="sm"/>
+                    </a:lnB>
+                    <a:solidFill>
+                      <a:schemeClr val="lt1"/>
+                    </a:solidFill>
+                  </a:tcPr>
+                </a:tc>
+                <a:tc>
+                  <a:txBody>
+                    <a:bodyPr/>
+                    <a:lstStyle/>
+                    <a:p>
+                      <a:pPr marL="0" marR="0" lvl="0" indent="0" algn="l" rtl="0">
+                        <a:lnSpc>
+                          <a:spcPct val="100000"/>
+                        </a:lnSpc>
+                        <a:spcBef>
+                          <a:spcPts val="0"/>
+                        </a:spcBef>
+                        <a:spcAft>
+                          <a:spcPts val="0"/>
+                        </a:spcAft>
+                        <a:buClr>
+                          <a:srgbClr val="000000"/>
+                        </a:buClr>
+                        <a:buSzPts val="1500"/>
+                        <a:buFont typeface="Arial"/>
+                        <a:buNone/>
+                      </a:pPr>
+                      <a:r>
+                        <a:rPr lang="ko-KR" altLang="en-US" sz="1500" b="0" u="none" strike="noStrike" cap="none" dirty="0" smtClean="0">
+                          <a:solidFill>
+                            <a:schemeClr val="dk1"/>
+                          </a:solidFill>
+                        </a:rPr>
+                        <a:t>메인 헤더 페이지</a:t>
+                      </a:r>
+                      <a:endParaRPr lang="en-US" altLang="ko-KR" sz="1500" b="0" u="none" strike="noStrike" cap="none" baseline="0" dirty="0" smtClean="0">
+                        <a:solidFill>
+                          <a:schemeClr val="dk1"/>
+                        </a:solidFill>
+                      </a:endParaRPr>
+                    </a:p>
+                    <a:p>
+                      <a:pPr marL="0" marR="0" lvl="0" indent="0" algn="l" rtl="0">
+                        <a:lnSpc>
+                          <a:spcPct val="100000"/>
+                        </a:lnSpc>
+                        <a:spcBef>
+                          <a:spcPts val="0"/>
+                        </a:spcBef>
+                        <a:spcAft>
+                          <a:spcPts val="0"/>
+                        </a:spcAft>
+                        <a:buClr>
+                          <a:srgbClr val="000000"/>
+                        </a:buClr>
+                        <a:buSzPts val="1500"/>
+                        <a:buFont typeface="Arial"/>
+                        <a:buNone/>
+                      </a:pPr>
+                      <a:r>
+                        <a:rPr lang="en-US" sz="1500" b="0" u="none" strike="noStrike" cap="none" baseline="0" dirty="0" smtClean="0">
+                          <a:solidFill>
+                            <a:schemeClr val="dk1"/>
+                          </a:solidFill>
+                        </a:rPr>
+                        <a:t>- </a:t>
+                      </a:r>
+                      <a:r>
+                        <a:rPr lang="ko-KR" altLang="en-US" sz="1500" b="0" u="none" strike="noStrike" cap="none" baseline="0" dirty="0" smtClean="0">
+                          <a:solidFill>
+                            <a:schemeClr val="dk1"/>
+                          </a:solidFill>
+                        </a:rPr>
+                        <a:t>로고와 </a:t>
+                      </a:r>
+                      <a:r>
+                        <a:rPr lang="ko-KR" altLang="en-US" sz="1500" b="0" u="none" strike="noStrike" cap="none" baseline="0" dirty="0" err="1" smtClean="0">
+                          <a:solidFill>
+                            <a:schemeClr val="dk1"/>
+                          </a:solidFill>
+                        </a:rPr>
+                        <a:t>검색창</a:t>
+                      </a:r>
+                      <a:r>
+                        <a:rPr lang="en-US" altLang="ko-KR" sz="1500" b="0" u="none" strike="noStrike" cap="none" baseline="0" dirty="0" smtClean="0">
+                          <a:solidFill>
+                            <a:schemeClr val="dk1"/>
+                          </a:solidFill>
+                        </a:rPr>
+                        <a:t>, </a:t>
+                      </a:r>
+                      <a:r>
+                        <a:rPr lang="ko-KR" altLang="en-US" sz="1500" b="0" u="none" strike="noStrike" cap="none" baseline="0" dirty="0" smtClean="0">
+                          <a:solidFill>
+                            <a:schemeClr val="dk1"/>
+                          </a:solidFill>
+                        </a:rPr>
+                        <a:t>알림 </a:t>
+                      </a:r>
+                      <a:r>
+                        <a:rPr lang="ko-KR" altLang="en-US" sz="1500" b="0" u="none" strike="noStrike" cap="none" baseline="0" dirty="0" err="1" smtClean="0">
+                          <a:solidFill>
+                            <a:schemeClr val="dk1"/>
+                          </a:solidFill>
+                        </a:rPr>
+                        <a:t>모달창</a:t>
+                      </a:r>
+                      <a:r>
+                        <a:rPr lang="en-US" altLang="ko-KR" sz="1500" b="0" u="none" strike="noStrike" cap="none" baseline="0" dirty="0" smtClean="0">
+                          <a:solidFill>
+                            <a:schemeClr val="dk1"/>
+                          </a:solidFill>
+                        </a:rPr>
+                        <a:t>, </a:t>
+                      </a:r>
+                      <a:r>
+                        <a:rPr lang="ko-KR" altLang="en-US" sz="1500" b="0" u="none" strike="noStrike" cap="none" baseline="0" dirty="0" err="1" smtClean="0">
+                          <a:solidFill>
+                            <a:schemeClr val="dk1"/>
+                          </a:solidFill>
+                        </a:rPr>
+                        <a:t>메뉴바</a:t>
+                      </a:r>
+                      <a:r>
+                        <a:rPr lang="ko-KR" altLang="en-US" sz="1500" b="0" u="none" strike="noStrike" cap="none" baseline="0" dirty="0" smtClean="0">
+                          <a:solidFill>
+                            <a:schemeClr val="dk1"/>
+                          </a:solidFill>
+                        </a:rPr>
+                        <a:t> 구현</a:t>
+                      </a:r>
+                      <a:endParaRPr sz="1500" b="0" u="none" strike="noStrike" cap="none" dirty="0">
+                        <a:solidFill>
+                          <a:schemeClr val="dk1"/>
+                        </a:solidFill>
+                      </a:endParaRPr>
+                    </a:p>
+                  </a:txBody>
+                  <a:tcPr marL="74304" marR="74304" marT="45725" marB="45725">
+                    <a:lnL w="12700" cap="flat" cmpd="sng">
+                      <a:solidFill>
+                        <a:schemeClr val="dk1"/>
+                      </a:solidFill>
+                      <a:prstDash val="solid"/>
+                      <a:round/>
+                      <a:headEnd type="none" w="sm" len="sm"/>
+                      <a:tailEnd type="none" w="sm" len="sm"/>
+                    </a:lnL>
+                    <a:lnR w="12700" cap="flat" cmpd="sng">
+                      <a:solidFill>
+                        <a:schemeClr val="dk1"/>
+                      </a:solidFill>
+                      <a:prstDash val="solid"/>
+                      <a:round/>
+                      <a:headEnd type="none" w="sm" len="sm"/>
+                      <a:tailEnd type="none" w="sm" len="sm"/>
+                    </a:lnR>
+                    <a:lnT w="12700" cap="flat" cmpd="sng">
+                      <a:solidFill>
+                        <a:schemeClr val="dk1"/>
+                      </a:solidFill>
+                      <a:prstDash val="solid"/>
+                      <a:round/>
+                      <a:headEnd type="none" w="sm" len="sm"/>
+                      <a:tailEnd type="none" w="sm" len="sm"/>
+                    </a:lnT>
+                    <a:lnB w="12700" cap="flat" cmpd="sng">
+                      <a:solidFill>
+                        <a:schemeClr val="dk1"/>
+                      </a:solidFill>
+                      <a:prstDash val="solid"/>
+                      <a:round/>
+                      <a:headEnd type="none" w="sm" len="sm"/>
+                      <a:tailEnd type="none" w="sm" len="sm"/>
+                    </a:lnB>
+                    <a:solidFill>
+                      <a:schemeClr val="lt1"/>
+                    </a:solidFill>
+                  </a:tcPr>
+                </a:tc>
+                <a:extLst>
+                  <a:ext uri="{0D108BD9-81ED-4DB2-BD59-A6C34878D82A}">
+                    <a16:rowId xmlns:a16="http://schemas.microsoft.com/office/drawing/2014/main" xmlns="" val="10001"/>
+                  </a:ext>
+                </a:extLst>
+              </a:tr>
+              <a:tr h="551475">
+                <a:tc>
+                  <a:txBody>
+                    <a:bodyPr/>
+                    <a:lstStyle/>
+                    <a:p>
+                      <a:pPr marL="0" marR="0" lvl="0" indent="0" algn="ctr" rtl="0">
+                        <a:lnSpc>
+                          <a:spcPct val="100000"/>
+                        </a:lnSpc>
+                        <a:spcBef>
+                          <a:spcPts val="0"/>
+                        </a:spcBef>
+                        <a:spcAft>
+                          <a:spcPts val="0"/>
+                        </a:spcAft>
+                        <a:buClr>
+                          <a:srgbClr val="000000"/>
+                        </a:buClr>
+                        <a:buSzPts val="1500"/>
+                        <a:buFont typeface="Arial"/>
+                        <a:buNone/>
+                      </a:pPr>
+                      <a:r>
+                        <a:rPr lang="en-US" sz="1500" u="none" strike="noStrike" cap="none" dirty="0" smtClean="0">
+                          <a:solidFill>
+                            <a:schemeClr val="dk1"/>
+                          </a:solidFill>
+                        </a:rPr>
+                        <a:t>2</a:t>
+                      </a:r>
+                      <a:endParaRPr sz="1500" u="none" strike="noStrike" cap="none" dirty="0">
+                        <a:solidFill>
+                          <a:schemeClr val="dk1"/>
+                        </a:solidFill>
+                      </a:endParaRPr>
+                    </a:p>
+                  </a:txBody>
+                  <a:tcPr marL="74304" marR="74304" marT="45725" marB="45725" anchor="ctr">
+                    <a:lnL w="12700" cap="flat" cmpd="sng">
+                      <a:solidFill>
+                        <a:schemeClr val="dk1"/>
+                      </a:solidFill>
+                      <a:prstDash val="solid"/>
+                      <a:round/>
+                      <a:headEnd type="none" w="sm" len="sm"/>
+                      <a:tailEnd type="none" w="sm" len="sm"/>
+                    </a:lnL>
+                    <a:lnR w="12700" cap="flat" cmpd="sng">
+                      <a:solidFill>
+                        <a:schemeClr val="dk1"/>
+                      </a:solidFill>
+                      <a:prstDash val="solid"/>
+                      <a:round/>
+                      <a:headEnd type="none" w="sm" len="sm"/>
+                      <a:tailEnd type="none" w="sm" len="sm"/>
+                    </a:lnR>
+                    <a:lnT w="12700" cap="flat" cmpd="sng">
+                      <a:solidFill>
+                        <a:schemeClr val="dk1"/>
+                      </a:solidFill>
+                      <a:prstDash val="solid"/>
+                      <a:round/>
+                      <a:headEnd type="none" w="sm" len="sm"/>
+                      <a:tailEnd type="none" w="sm" len="sm"/>
+                    </a:lnT>
+                    <a:lnB w="12700" cap="flat" cmpd="sng">
+                      <a:solidFill>
+                        <a:schemeClr val="dk1"/>
+                      </a:solidFill>
+                      <a:prstDash val="solid"/>
+                      <a:round/>
+                      <a:headEnd type="none" w="sm" len="sm"/>
+                      <a:tailEnd type="none" w="sm" len="sm"/>
+                    </a:lnB>
+                    <a:solidFill>
+                      <a:schemeClr val="lt1"/>
+                    </a:solidFill>
+                  </a:tcPr>
+                </a:tc>
+                <a:tc>
+                  <a:txBody>
+                    <a:bodyPr/>
+                    <a:lstStyle/>
+                    <a:p>
+                      <a:pPr marL="0" marR="0" lvl="0" indent="0" algn="l" rtl="0">
+                        <a:lnSpc>
+                          <a:spcPct val="100000"/>
+                        </a:lnSpc>
+                        <a:spcBef>
+                          <a:spcPts val="0"/>
+                        </a:spcBef>
+                        <a:spcAft>
+                          <a:spcPts val="0"/>
+                        </a:spcAft>
+                        <a:buClr>
+                          <a:srgbClr val="000000"/>
+                        </a:buClr>
+                        <a:buSzPts val="1500"/>
+                        <a:buFont typeface="Arial"/>
+                        <a:buNone/>
+                      </a:pPr>
+                      <a:r>
+                        <a:rPr lang="ko-KR" altLang="en-US" sz="1500" u="none" strike="noStrike" cap="none" dirty="0" err="1" smtClean="0">
+                          <a:solidFill>
+                            <a:schemeClr val="dk1"/>
+                          </a:solidFill>
+                        </a:rPr>
+                        <a:t>세미나존</a:t>
+                      </a:r>
+                      <a:endParaRPr lang="en-US" altLang="ko-KR" sz="1500" u="none" strike="noStrike" cap="none" dirty="0" smtClean="0">
+                        <a:solidFill>
+                          <a:schemeClr val="dk1"/>
+                        </a:solidFill>
+                      </a:endParaRPr>
+                    </a:p>
+                    <a:p>
+                      <a:pPr marL="0" marR="0" lvl="0" indent="0" algn="l" rtl="0">
+                        <a:lnSpc>
+                          <a:spcPct val="100000"/>
+                        </a:lnSpc>
+                        <a:spcBef>
+                          <a:spcPts val="0"/>
+                        </a:spcBef>
+                        <a:spcAft>
+                          <a:spcPts val="0"/>
+                        </a:spcAft>
+                        <a:buClr>
+                          <a:srgbClr val="000000"/>
+                        </a:buClr>
+                        <a:buSzPts val="1500"/>
+                        <a:buFont typeface="Arial"/>
+                        <a:buNone/>
+                      </a:pPr>
+                      <a:r>
+                        <a:rPr lang="en-US" sz="1500" u="none" strike="noStrike" cap="none" dirty="0" smtClean="0">
+                          <a:solidFill>
+                            <a:schemeClr val="dk1"/>
+                          </a:solidFill>
+                        </a:rPr>
+                        <a:t>-</a:t>
+                      </a:r>
+                      <a:r>
+                        <a:rPr lang="en-US" sz="1500" u="none" strike="noStrike" cap="none" baseline="0" dirty="0" smtClean="0">
+                          <a:solidFill>
+                            <a:schemeClr val="dk1"/>
+                          </a:solidFill>
+                        </a:rPr>
+                        <a:t> </a:t>
+                      </a:r>
+                      <a:r>
+                        <a:rPr lang="ko-KR" altLang="en-US" sz="1500" u="none" strike="noStrike" cap="none" baseline="0" dirty="0" err="1" smtClean="0">
+                          <a:solidFill>
+                            <a:schemeClr val="dk1"/>
+                          </a:solidFill>
+                        </a:rPr>
+                        <a:t>세미나존</a:t>
+                      </a:r>
+                      <a:r>
+                        <a:rPr lang="ko-KR" altLang="en-US" sz="1500" u="none" strike="noStrike" cap="none" baseline="0" dirty="0" smtClean="0">
+                          <a:solidFill>
+                            <a:schemeClr val="dk1"/>
+                          </a:solidFill>
+                        </a:rPr>
+                        <a:t> 마다의 특징을 설명해주는 페이지</a:t>
+                      </a:r>
+                      <a:endParaRPr sz="1500" u="none" strike="noStrike" cap="none" dirty="0">
+                        <a:solidFill>
+                          <a:schemeClr val="dk1"/>
+                        </a:solidFill>
+                      </a:endParaRPr>
+                    </a:p>
+                  </a:txBody>
+                  <a:tcPr marL="74304" marR="74304" marT="45725" marB="45725">
+                    <a:lnL w="12700" cap="flat" cmpd="sng">
+                      <a:solidFill>
+                        <a:schemeClr val="dk1"/>
+                      </a:solidFill>
+                      <a:prstDash val="solid"/>
+                      <a:round/>
+                      <a:headEnd type="none" w="sm" len="sm"/>
+                      <a:tailEnd type="none" w="sm" len="sm"/>
+                    </a:lnL>
+                    <a:lnR w="12700" cap="flat" cmpd="sng">
+                      <a:solidFill>
+                        <a:schemeClr val="dk1"/>
+                      </a:solidFill>
+                      <a:prstDash val="solid"/>
+                      <a:round/>
+                      <a:headEnd type="none" w="sm" len="sm"/>
+                      <a:tailEnd type="none" w="sm" len="sm"/>
+                    </a:lnR>
+                    <a:lnT w="12700" cap="flat" cmpd="sng">
+                      <a:solidFill>
+                        <a:schemeClr val="dk1"/>
+                      </a:solidFill>
+                      <a:prstDash val="solid"/>
+                      <a:round/>
+                      <a:headEnd type="none" w="sm" len="sm"/>
+                      <a:tailEnd type="none" w="sm" len="sm"/>
+                    </a:lnT>
+                    <a:lnB w="12700" cap="flat" cmpd="sng">
+                      <a:solidFill>
+                        <a:schemeClr val="dk1"/>
+                      </a:solidFill>
+                      <a:prstDash val="solid"/>
+                      <a:round/>
+                      <a:headEnd type="none" w="sm" len="sm"/>
+                      <a:tailEnd type="none" w="sm" len="sm"/>
+                    </a:lnB>
+                    <a:solidFill>
+                      <a:schemeClr val="lt1"/>
+                    </a:solidFill>
+                  </a:tcPr>
+                </a:tc>
+                <a:extLst>
+                  <a:ext uri="{0D108BD9-81ED-4DB2-BD59-A6C34878D82A}">
+                    <a16:rowId xmlns:a16="http://schemas.microsoft.com/office/drawing/2014/main" xmlns="" val="10002"/>
+                  </a:ext>
+                </a:extLst>
+              </a:tr>
+              <a:tr h="781250">
+                <a:tc>
+                  <a:txBody>
+                    <a:bodyPr/>
+                    <a:lstStyle/>
+                    <a:p>
+                      <a:pPr marL="0" marR="0" lvl="0" indent="0" algn="ctr" rtl="0">
+                        <a:lnSpc>
+                          <a:spcPct val="100000"/>
+                        </a:lnSpc>
+                        <a:spcBef>
+                          <a:spcPts val="0"/>
+                        </a:spcBef>
+                        <a:spcAft>
+                          <a:spcPts val="0"/>
+                        </a:spcAft>
+                        <a:buClr>
+                          <a:srgbClr val="000000"/>
+                        </a:buClr>
+                        <a:buSzPts val="1500"/>
+                        <a:buFont typeface="Arial"/>
+                        <a:buNone/>
+                      </a:pPr>
+                      <a:r>
+                        <a:rPr lang="en-US" sz="1500" u="none" strike="noStrike" cap="none" dirty="0" smtClean="0">
+                          <a:solidFill>
+                            <a:schemeClr val="dk1"/>
+                          </a:solidFill>
+                        </a:rPr>
+                        <a:t>3</a:t>
+                      </a:r>
+                      <a:endParaRPr sz="1500" u="none" strike="noStrike" cap="none" dirty="0">
+                        <a:solidFill>
+                          <a:schemeClr val="dk1"/>
+                        </a:solidFill>
+                      </a:endParaRPr>
+                    </a:p>
+                  </a:txBody>
+                  <a:tcPr marL="74304" marR="74304" marT="45725" marB="45725" anchor="ctr">
+                    <a:lnL w="12700" cap="flat" cmpd="sng">
+                      <a:solidFill>
+                        <a:schemeClr val="dk1"/>
+                      </a:solidFill>
+                      <a:prstDash val="solid"/>
+                      <a:round/>
+                      <a:headEnd type="none" w="sm" len="sm"/>
+                      <a:tailEnd type="none" w="sm" len="sm"/>
+                    </a:lnL>
+                    <a:lnR w="12700" cap="flat" cmpd="sng">
+                      <a:solidFill>
+                        <a:schemeClr val="dk1"/>
+                      </a:solidFill>
+                      <a:prstDash val="solid"/>
+                      <a:round/>
+                      <a:headEnd type="none" w="sm" len="sm"/>
+                      <a:tailEnd type="none" w="sm" len="sm"/>
+                    </a:lnR>
+                    <a:lnT w="12700" cap="flat" cmpd="sng">
+                      <a:solidFill>
+                        <a:schemeClr val="dk1"/>
+                      </a:solidFill>
+                      <a:prstDash val="solid"/>
+                      <a:round/>
+                      <a:headEnd type="none" w="sm" len="sm"/>
+                      <a:tailEnd type="none" w="sm" len="sm"/>
+                    </a:lnT>
+                    <a:lnB w="12700" cap="flat" cmpd="sng">
+                      <a:solidFill>
+                        <a:schemeClr val="dk1"/>
+                      </a:solidFill>
+                      <a:prstDash val="solid"/>
+                      <a:round/>
+                      <a:headEnd type="none" w="sm" len="sm"/>
+                      <a:tailEnd type="none" w="sm" len="sm"/>
+                    </a:lnB>
+                    <a:solidFill>
+                      <a:schemeClr val="lt1"/>
+                    </a:solidFill>
+                  </a:tcPr>
+                </a:tc>
+                <a:tc>
+                  <a:txBody>
+                    <a:bodyPr/>
+                    <a:lstStyle/>
+                    <a:p>
+                      <a:pPr marL="0" marR="0" lvl="0" indent="0" algn="l" rtl="0">
+                        <a:lnSpc>
+                          <a:spcPct val="100000"/>
+                        </a:lnSpc>
+                        <a:spcBef>
+                          <a:spcPts val="0"/>
+                        </a:spcBef>
+                        <a:spcAft>
+                          <a:spcPts val="0"/>
+                        </a:spcAft>
+                        <a:buClr>
+                          <a:srgbClr val="000000"/>
+                        </a:buClr>
+                        <a:buSzPts val="1500"/>
+                        <a:buFont typeface="Arial"/>
+                        <a:buNone/>
+                      </a:pPr>
+                      <a:r>
+                        <a:rPr lang="ko-KR" altLang="en-US" sz="1500" u="none" strike="noStrike" cap="none" dirty="0" smtClean="0">
+                          <a:solidFill>
+                            <a:schemeClr val="dk1"/>
+                          </a:solidFill>
+                        </a:rPr>
+                        <a:t>추천 세미나</a:t>
+                      </a:r>
+                      <a:endParaRPr lang="en-US" altLang="ko-KR" sz="1500" u="none" strike="noStrike" cap="none" dirty="0" smtClean="0">
+                        <a:solidFill>
+                          <a:schemeClr val="dk1"/>
+                        </a:solidFill>
+                      </a:endParaRPr>
+                    </a:p>
+                    <a:p>
+                      <a:pPr marL="285750" marR="0" lvl="0" indent="-285750" algn="l" rtl="0">
+                        <a:lnSpc>
+                          <a:spcPct val="100000"/>
+                        </a:lnSpc>
+                        <a:spcBef>
+                          <a:spcPts val="0"/>
+                        </a:spcBef>
+                        <a:spcAft>
+                          <a:spcPts val="0"/>
+                        </a:spcAft>
+                        <a:buClr>
+                          <a:srgbClr val="000000"/>
+                        </a:buClr>
+                        <a:buSzPts val="1500"/>
+                        <a:buFontTx/>
+                        <a:buChar char="-"/>
+                      </a:pPr>
+                      <a:r>
+                        <a:rPr lang="ko-KR" altLang="en-US" sz="1500" u="none" strike="noStrike" cap="none" baseline="0" dirty="0" smtClean="0">
+                          <a:solidFill>
+                            <a:schemeClr val="dk1"/>
+                          </a:solidFill>
+                        </a:rPr>
+                        <a:t>등록 수가 가장 많은 순서대로</a:t>
+                      </a:r>
+                      <a:endParaRPr lang="en-US" altLang="ko-KR" sz="1500" u="none" strike="noStrike" cap="none" baseline="0" dirty="0" smtClean="0">
+                        <a:solidFill>
+                          <a:schemeClr val="dk1"/>
+                        </a:solidFill>
+                      </a:endParaRPr>
+                    </a:p>
+                    <a:p>
+                      <a:pPr marL="0" marR="0" lvl="0" indent="0" algn="l" rtl="0">
+                        <a:lnSpc>
+                          <a:spcPct val="100000"/>
+                        </a:lnSpc>
+                        <a:spcBef>
+                          <a:spcPts val="0"/>
+                        </a:spcBef>
+                        <a:spcAft>
+                          <a:spcPts val="0"/>
+                        </a:spcAft>
+                        <a:buClr>
+                          <a:srgbClr val="000000"/>
+                        </a:buClr>
+                        <a:buSzPts val="1500"/>
+                        <a:buFontTx/>
+                        <a:buNone/>
+                      </a:pPr>
+                      <a:r>
+                        <a:rPr lang="en-US" sz="1500" u="none" strike="noStrike" cap="none" baseline="0" dirty="0" smtClean="0">
+                          <a:solidFill>
+                            <a:schemeClr val="dk1"/>
+                          </a:solidFill>
+                        </a:rPr>
+                        <a:t> </a:t>
+                      </a:r>
+                      <a:r>
+                        <a:rPr lang="ko-KR" altLang="en-US" sz="1500" u="none" strike="noStrike" cap="none" baseline="0" dirty="0" smtClean="0">
+                          <a:solidFill>
+                            <a:schemeClr val="dk1"/>
+                          </a:solidFill>
+                        </a:rPr>
+                        <a:t>해당 세미나가 노출이 됨</a:t>
+                      </a:r>
+                      <a:endParaRPr sz="1500" u="none" strike="noStrike" cap="none" dirty="0">
+                        <a:solidFill>
+                          <a:schemeClr val="dk1"/>
+                        </a:solidFill>
+                      </a:endParaRPr>
+                    </a:p>
+                  </a:txBody>
+                  <a:tcPr marL="74304" marR="74304" marT="45725" marB="45725">
+                    <a:lnL w="12700" cap="flat" cmpd="sng">
+                      <a:solidFill>
+                        <a:schemeClr val="dk1"/>
+                      </a:solidFill>
+                      <a:prstDash val="solid"/>
+                      <a:round/>
+                      <a:headEnd type="none" w="sm" len="sm"/>
+                      <a:tailEnd type="none" w="sm" len="sm"/>
+                    </a:lnL>
+                    <a:lnR w="12700" cap="flat" cmpd="sng">
+                      <a:solidFill>
+                        <a:schemeClr val="dk1"/>
+                      </a:solidFill>
+                      <a:prstDash val="solid"/>
+                      <a:round/>
+                      <a:headEnd type="none" w="sm" len="sm"/>
+                      <a:tailEnd type="none" w="sm" len="sm"/>
+                    </a:lnR>
+                    <a:lnT w="12700" cap="flat" cmpd="sng">
+                      <a:solidFill>
+                        <a:schemeClr val="dk1"/>
+                      </a:solidFill>
+                      <a:prstDash val="solid"/>
+                      <a:round/>
+                      <a:headEnd type="none" w="sm" len="sm"/>
+                      <a:tailEnd type="none" w="sm" len="sm"/>
+                    </a:lnT>
+                    <a:lnB w="12700" cap="flat" cmpd="sng">
+                      <a:solidFill>
+                        <a:schemeClr val="dk1"/>
+                      </a:solidFill>
+                      <a:prstDash val="solid"/>
+                      <a:round/>
+                      <a:headEnd type="none" w="sm" len="sm"/>
+                      <a:tailEnd type="none" w="sm" len="sm"/>
+                    </a:lnB>
+                    <a:solidFill>
+                      <a:schemeClr val="lt1"/>
+                    </a:solidFill>
+                  </a:tcPr>
+                </a:tc>
+                <a:extLst>
+                  <a:ext uri="{0D108BD9-81ED-4DB2-BD59-A6C34878D82A}">
+                    <a16:rowId xmlns:a16="http://schemas.microsoft.com/office/drawing/2014/main" xmlns="" val="10003"/>
+                  </a:ext>
+                </a:extLst>
+              </a:tr>
+              <a:tr h="551475">
+                <a:tc>
+                  <a:txBody>
+                    <a:bodyPr/>
+                    <a:lstStyle/>
+                    <a:p>
+                      <a:pPr marL="0" marR="0" lvl="0" indent="0" algn="ctr" rtl="0">
+                        <a:lnSpc>
+                          <a:spcPct val="100000"/>
+                        </a:lnSpc>
+                        <a:spcBef>
+                          <a:spcPts val="0"/>
+                        </a:spcBef>
+                        <a:spcAft>
+                          <a:spcPts val="0"/>
+                        </a:spcAft>
+                        <a:buClr>
+                          <a:srgbClr val="000000"/>
+                        </a:buClr>
+                        <a:buSzPts val="1500"/>
+                        <a:buFont typeface="Arial"/>
+                        <a:buNone/>
+                      </a:pPr>
+                      <a:r>
+                        <a:rPr lang="en-US" sz="1500" u="none" strike="noStrike" cap="none" dirty="0" smtClean="0">
+                          <a:solidFill>
+                            <a:schemeClr val="dk1"/>
+                          </a:solidFill>
+                        </a:rPr>
+                        <a:t>4</a:t>
+                      </a:r>
+                      <a:endParaRPr sz="1500" u="none" strike="noStrike" cap="none" dirty="0">
+                        <a:solidFill>
+                          <a:schemeClr val="dk1"/>
+                        </a:solidFill>
+                      </a:endParaRPr>
+                    </a:p>
+                  </a:txBody>
+                  <a:tcPr marL="74304" marR="74304" marT="45725" marB="45725" anchor="ctr">
+                    <a:lnL w="12700" cap="flat" cmpd="sng">
+                      <a:solidFill>
+                        <a:schemeClr val="dk1"/>
+                      </a:solidFill>
+                      <a:prstDash val="solid"/>
+                      <a:round/>
+                      <a:headEnd type="none" w="sm" len="sm"/>
+                      <a:tailEnd type="none" w="sm" len="sm"/>
+                    </a:lnL>
+                    <a:lnR w="12700" cap="flat" cmpd="sng">
+                      <a:solidFill>
+                        <a:schemeClr val="dk1"/>
+                      </a:solidFill>
+                      <a:prstDash val="solid"/>
+                      <a:round/>
+                      <a:headEnd type="none" w="sm" len="sm"/>
+                      <a:tailEnd type="none" w="sm" len="sm"/>
+                    </a:lnR>
+                    <a:lnT w="12700" cap="flat" cmpd="sng">
+                      <a:solidFill>
+                        <a:schemeClr val="dk1"/>
+                      </a:solidFill>
+                      <a:prstDash val="solid"/>
+                      <a:round/>
+                      <a:headEnd type="none" w="sm" len="sm"/>
+                      <a:tailEnd type="none" w="sm" len="sm"/>
+                    </a:lnT>
+                    <a:lnB w="12700" cap="flat" cmpd="sng">
+                      <a:solidFill>
+                        <a:schemeClr val="dk1"/>
+                      </a:solidFill>
+                      <a:prstDash val="solid"/>
+                      <a:round/>
+                      <a:headEnd type="none" w="sm" len="sm"/>
+                      <a:tailEnd type="none" w="sm" len="sm"/>
+                    </a:lnB>
+                    <a:solidFill>
+                      <a:schemeClr val="lt1"/>
+                    </a:solidFill>
+                  </a:tcPr>
+                </a:tc>
+                <a:tc>
+                  <a:txBody>
+                    <a:bodyPr/>
+                    <a:lstStyle/>
+                    <a:p>
+                      <a:pPr marL="0" marR="0" lvl="0" indent="0" algn="l" rtl="0">
+                        <a:lnSpc>
+                          <a:spcPct val="100000"/>
+                        </a:lnSpc>
+                        <a:spcBef>
+                          <a:spcPts val="0"/>
+                        </a:spcBef>
+                        <a:spcAft>
+                          <a:spcPts val="0"/>
+                        </a:spcAft>
+                        <a:buClr>
+                          <a:srgbClr val="000000"/>
+                        </a:buClr>
+                        <a:buSzPts val="1500"/>
+                        <a:buFont typeface="Arial"/>
+                        <a:buNone/>
+                      </a:pPr>
+                      <a:r>
+                        <a:rPr lang="ko-KR" altLang="en-US" sz="1500" u="none" strike="noStrike" cap="none" dirty="0" smtClean="0">
+                          <a:solidFill>
+                            <a:schemeClr val="dk1"/>
+                          </a:solidFill>
+                        </a:rPr>
+                        <a:t>메인 </a:t>
+                      </a:r>
+                      <a:r>
+                        <a:rPr lang="en-US" altLang="ko-KR" sz="1500" u="none" strike="noStrike" cap="none" dirty="0" smtClean="0">
+                          <a:solidFill>
+                            <a:schemeClr val="dk1"/>
+                          </a:solidFill>
+                        </a:rPr>
+                        <a:t>Footer </a:t>
+                      </a:r>
+                      <a:r>
+                        <a:rPr lang="ko-KR" altLang="en-US" sz="1500" u="none" strike="noStrike" cap="none" dirty="0" smtClean="0">
+                          <a:solidFill>
+                            <a:schemeClr val="dk1"/>
+                          </a:solidFill>
+                        </a:rPr>
+                        <a:t>페이지</a:t>
+                      </a:r>
+                      <a:endParaRPr lang="en-US" altLang="ko-KR" sz="1500" u="none" strike="noStrike" cap="none" dirty="0" smtClean="0">
+                        <a:solidFill>
+                          <a:schemeClr val="dk1"/>
+                        </a:solidFill>
+                      </a:endParaRPr>
+                    </a:p>
+                    <a:p>
+                      <a:pPr marL="0" marR="0" lvl="0" indent="0" algn="l" rtl="0">
+                        <a:lnSpc>
+                          <a:spcPct val="100000"/>
+                        </a:lnSpc>
+                        <a:spcBef>
+                          <a:spcPts val="0"/>
+                        </a:spcBef>
+                        <a:spcAft>
+                          <a:spcPts val="0"/>
+                        </a:spcAft>
+                        <a:buClr>
+                          <a:srgbClr val="000000"/>
+                        </a:buClr>
+                        <a:buSzPts val="1500"/>
+                        <a:buFont typeface="Arial"/>
+                        <a:buNone/>
+                      </a:pPr>
+                      <a:r>
+                        <a:rPr lang="en-US" sz="1500" u="none" strike="noStrike" cap="none" dirty="0" smtClean="0">
+                          <a:solidFill>
+                            <a:schemeClr val="dk1"/>
+                          </a:solidFill>
+                        </a:rPr>
+                        <a:t>- </a:t>
+                      </a:r>
+                      <a:r>
+                        <a:rPr lang="ko-KR" altLang="en-US" sz="1500" u="none" strike="noStrike" cap="none" dirty="0" smtClean="0">
+                          <a:solidFill>
+                            <a:schemeClr val="dk1"/>
+                          </a:solidFill>
+                        </a:rPr>
+                        <a:t>회사 정보를 나타냄</a:t>
+                      </a:r>
+                      <a:endParaRPr sz="1500" u="none" strike="noStrike" cap="none" dirty="0">
+                        <a:solidFill>
+                          <a:schemeClr val="dk1"/>
+                        </a:solidFill>
+                      </a:endParaRPr>
+                    </a:p>
+                  </a:txBody>
+                  <a:tcPr marL="74304" marR="74304" marT="45725" marB="45725">
+                    <a:lnL w="12700" cap="flat" cmpd="sng">
+                      <a:solidFill>
+                        <a:schemeClr val="dk1"/>
+                      </a:solidFill>
+                      <a:prstDash val="solid"/>
+                      <a:round/>
+                      <a:headEnd type="none" w="sm" len="sm"/>
+                      <a:tailEnd type="none" w="sm" len="sm"/>
+                    </a:lnL>
+                    <a:lnR w="12700" cap="flat" cmpd="sng">
+                      <a:solidFill>
+                        <a:schemeClr val="dk1"/>
+                      </a:solidFill>
+                      <a:prstDash val="solid"/>
+                      <a:round/>
+                      <a:headEnd type="none" w="sm" len="sm"/>
+                      <a:tailEnd type="none" w="sm" len="sm"/>
+                    </a:lnR>
+                    <a:lnT w="12700" cap="flat" cmpd="sng">
+                      <a:solidFill>
+                        <a:schemeClr val="dk1"/>
+                      </a:solidFill>
+                      <a:prstDash val="solid"/>
+                      <a:round/>
+                      <a:headEnd type="none" w="sm" len="sm"/>
+                      <a:tailEnd type="none" w="sm" len="sm"/>
+                    </a:lnT>
+                    <a:lnB w="12700" cap="flat" cmpd="sng">
+                      <a:solidFill>
+                        <a:schemeClr val="dk1"/>
+                      </a:solidFill>
+                      <a:prstDash val="solid"/>
+                      <a:round/>
+                      <a:headEnd type="none" w="sm" len="sm"/>
+                      <a:tailEnd type="none" w="sm" len="sm"/>
+                    </a:lnB>
+                    <a:solidFill>
+                      <a:schemeClr val="lt1"/>
+                    </a:solidFill>
+                  </a:tcPr>
+                </a:tc>
+                <a:extLst>
+                  <a:ext uri="{0D108BD9-81ED-4DB2-BD59-A6C34878D82A}">
+                    <a16:rowId xmlns:a16="http://schemas.microsoft.com/office/drawing/2014/main" xmlns="" val="10004"/>
+                  </a:ext>
+                </a:extLst>
+              </a:tr>
+              <a:tr h="644050">
+                <a:tc>
+                  <a:txBody>
+                    <a:bodyPr/>
+                    <a:lstStyle/>
+                    <a:p>
+                      <a:pPr marL="0" marR="0" lvl="0" indent="0" algn="ctr" rtl="0">
+                        <a:lnSpc>
+                          <a:spcPct val="100000"/>
+                        </a:lnSpc>
+                        <a:spcBef>
+                          <a:spcPts val="0"/>
+                        </a:spcBef>
+                        <a:spcAft>
+                          <a:spcPts val="0"/>
+                        </a:spcAft>
+                        <a:buClr>
+                          <a:srgbClr val="000000"/>
+                        </a:buClr>
+                        <a:buSzPts val="1500"/>
+                        <a:buFont typeface="Arial"/>
+                        <a:buNone/>
+                      </a:pPr>
+                      <a:r>
+                        <a:rPr lang="en-US" sz="1500" u="none" strike="noStrike" cap="none" dirty="0" smtClean="0">
+                          <a:solidFill>
+                            <a:schemeClr val="dk1"/>
+                          </a:solidFill>
+                        </a:rPr>
+                        <a:t>5</a:t>
+                      </a:r>
+                      <a:endParaRPr sz="1500" u="none" strike="noStrike" cap="none" dirty="0">
+                        <a:solidFill>
+                          <a:schemeClr val="dk1"/>
+                        </a:solidFill>
+                      </a:endParaRPr>
+                    </a:p>
+                  </a:txBody>
+                  <a:tcPr marL="74304" marR="74304" marT="45725" marB="45725" anchor="ctr">
+                    <a:lnL w="12700" cap="flat" cmpd="sng">
+                      <a:solidFill>
+                        <a:schemeClr val="dk1"/>
+                      </a:solidFill>
+                      <a:prstDash val="solid"/>
+                      <a:round/>
+                      <a:headEnd type="none" w="sm" len="sm"/>
+                      <a:tailEnd type="none" w="sm" len="sm"/>
+                    </a:lnL>
+                    <a:lnR w="12700" cap="flat" cmpd="sng">
+                      <a:solidFill>
+                        <a:schemeClr val="dk1"/>
+                      </a:solidFill>
+                      <a:prstDash val="solid"/>
+                      <a:round/>
+                      <a:headEnd type="none" w="sm" len="sm"/>
+                      <a:tailEnd type="none" w="sm" len="sm"/>
+                    </a:lnR>
+                    <a:lnT w="12700" cap="flat" cmpd="sng">
+                      <a:solidFill>
+                        <a:schemeClr val="dk1"/>
+                      </a:solidFill>
+                      <a:prstDash val="solid"/>
+                      <a:round/>
+                      <a:headEnd type="none" w="sm" len="sm"/>
+                      <a:tailEnd type="none" w="sm" len="sm"/>
+                    </a:lnT>
+                    <a:lnB w="12700" cap="flat" cmpd="sng">
+                      <a:solidFill>
+                        <a:schemeClr val="dk1"/>
+                      </a:solidFill>
+                      <a:prstDash val="solid"/>
+                      <a:round/>
+                      <a:headEnd type="none" w="sm" len="sm"/>
+                      <a:tailEnd type="none" w="sm" len="sm"/>
+                    </a:lnB>
+                    <a:solidFill>
+                      <a:schemeClr val="lt1"/>
+                    </a:solidFill>
+                  </a:tcPr>
+                </a:tc>
+                <a:tc>
+                  <a:txBody>
+                    <a:bodyPr/>
+                    <a:lstStyle/>
+                    <a:p>
+                      <a:pPr marL="0" marR="0" lvl="0" indent="0" algn="l" rtl="0">
+                        <a:lnSpc>
+                          <a:spcPct val="100000"/>
+                        </a:lnSpc>
+                        <a:spcBef>
+                          <a:spcPts val="0"/>
+                        </a:spcBef>
+                        <a:spcAft>
+                          <a:spcPts val="0"/>
+                        </a:spcAft>
+                        <a:buNone/>
+                      </a:pPr>
+                      <a:r>
+                        <a:rPr lang="ko-KR" altLang="en-US" sz="1500" u="none" strike="noStrike" cap="none" dirty="0" err="1" smtClean="0">
+                          <a:solidFill>
+                            <a:schemeClr val="dk1"/>
+                          </a:solidFill>
+                        </a:rPr>
+                        <a:t>캐러셀</a:t>
+                      </a:r>
+                      <a:r>
+                        <a:rPr lang="ko-KR" altLang="en-US" sz="1500" u="none" strike="noStrike" cap="none" dirty="0" smtClean="0">
+                          <a:solidFill>
+                            <a:schemeClr val="dk1"/>
+                          </a:solidFill>
+                        </a:rPr>
+                        <a:t> 배너</a:t>
+                      </a:r>
+                      <a:endParaRPr lang="en-US" altLang="ko-KR" sz="1500" u="none" strike="noStrike" cap="none" dirty="0" smtClean="0">
+                        <a:solidFill>
+                          <a:schemeClr val="dk1"/>
+                        </a:solidFill>
+                      </a:endParaRPr>
+                    </a:p>
+                    <a:p>
+                      <a:pPr marL="0" marR="0" lvl="0" indent="0" algn="l" rtl="0">
+                        <a:lnSpc>
+                          <a:spcPct val="100000"/>
+                        </a:lnSpc>
+                        <a:spcBef>
+                          <a:spcPts val="0"/>
+                        </a:spcBef>
+                        <a:spcAft>
+                          <a:spcPts val="0"/>
+                        </a:spcAft>
+                        <a:buNone/>
+                      </a:pPr>
+                      <a:r>
+                        <a:rPr lang="en-US" sz="1500" u="none" strike="noStrike" cap="none" dirty="0" smtClean="0">
+                          <a:solidFill>
+                            <a:schemeClr val="dk1"/>
+                          </a:solidFill>
+                        </a:rPr>
+                        <a:t>-</a:t>
+                      </a:r>
+                      <a:r>
+                        <a:rPr lang="en-US" sz="1500" u="none" strike="noStrike" cap="none" baseline="0" dirty="0" smtClean="0">
+                          <a:solidFill>
+                            <a:schemeClr val="dk1"/>
+                          </a:solidFill>
+                        </a:rPr>
+                        <a:t> </a:t>
+                      </a:r>
+                      <a:r>
+                        <a:rPr lang="ko-KR" altLang="en-US" sz="1500" u="none" strike="noStrike" cap="none" baseline="0" dirty="0" smtClean="0">
+                          <a:solidFill>
+                            <a:schemeClr val="dk1"/>
+                          </a:solidFill>
+                        </a:rPr>
+                        <a:t>인기 많은 세미나 홍보 이미지를 </a:t>
+                      </a:r>
+                      <a:r>
+                        <a:rPr lang="ko-KR" altLang="en-US" sz="1500" u="none" strike="noStrike" cap="none" baseline="0" dirty="0" err="1" smtClean="0">
+                          <a:solidFill>
+                            <a:schemeClr val="dk1"/>
+                          </a:solidFill>
+                        </a:rPr>
+                        <a:t>캐러셀</a:t>
+                      </a:r>
+                      <a:r>
+                        <a:rPr lang="ko-KR" altLang="en-US" sz="1500" u="none" strike="noStrike" cap="none" baseline="0" dirty="0" smtClean="0">
+                          <a:solidFill>
+                            <a:schemeClr val="dk1"/>
+                          </a:solidFill>
+                        </a:rPr>
+                        <a:t> 배너로 노출 시킴</a:t>
+                      </a:r>
+                      <a:endParaRPr sz="1500" u="none" strike="noStrike" cap="none" dirty="0">
+                        <a:solidFill>
+                          <a:schemeClr val="dk1"/>
+                        </a:solidFill>
+                      </a:endParaRPr>
+                    </a:p>
+                  </a:txBody>
+                  <a:tcPr marL="74304" marR="74304" marT="45725" marB="45725">
+                    <a:lnL w="12700" cap="flat" cmpd="sng">
+                      <a:solidFill>
+                        <a:schemeClr val="dk1"/>
+                      </a:solidFill>
+                      <a:prstDash val="solid"/>
+                      <a:round/>
+                      <a:headEnd type="none" w="sm" len="sm"/>
+                      <a:tailEnd type="none" w="sm" len="sm"/>
+                    </a:lnL>
+                    <a:lnR w="12700" cap="flat" cmpd="sng">
+                      <a:solidFill>
+                        <a:schemeClr val="dk1"/>
+                      </a:solidFill>
+                      <a:prstDash val="solid"/>
+                      <a:round/>
+                      <a:headEnd type="none" w="sm" len="sm"/>
+                      <a:tailEnd type="none" w="sm" len="sm"/>
+                    </a:lnR>
+                    <a:lnT w="12700" cap="flat" cmpd="sng">
+                      <a:solidFill>
+                        <a:schemeClr val="dk1"/>
+                      </a:solidFill>
+                      <a:prstDash val="solid"/>
+                      <a:round/>
+                      <a:headEnd type="none" w="sm" len="sm"/>
+                      <a:tailEnd type="none" w="sm" len="sm"/>
+                    </a:lnT>
+                    <a:lnB w="12700" cap="flat" cmpd="sng">
+                      <a:solidFill>
+                        <a:schemeClr val="dk1"/>
+                      </a:solidFill>
+                      <a:prstDash val="solid"/>
+                      <a:round/>
+                      <a:headEnd type="none" w="sm" len="sm"/>
+                      <a:tailEnd type="none" w="sm" len="sm"/>
+                    </a:lnB>
+                    <a:solidFill>
+                      <a:schemeClr val="lt1"/>
+                    </a:solidFill>
+                  </a:tcPr>
+                </a:tc>
+                <a:extLst>
+                  <a:ext uri="{0D108BD9-81ED-4DB2-BD59-A6C34878D82A}">
+                    <a16:rowId xmlns:a16="http://schemas.microsoft.com/office/drawing/2014/main" xmlns="" val="10005"/>
+                  </a:ext>
+                </a:extLst>
+              </a:tr>
+            </a:tbl>
+          </a:graphicData>
+        </a:graphic>
+      </p:graphicFrame>
+      <p:sp>
+        <p:nvSpPr>
+          <p:cNvPr id="8" name="직사각형 7"/>
+          <p:cNvSpPr/>
+          <p:nvPr/>
+        </p:nvSpPr>
+        <p:spPr>
+          <a:xfrm>
+            <a:off x="766123" y="1630346"/>
+            <a:ext cx="6251490" cy="2216724"/>
+          </a:xfrm>
+          <a:prstGeom prst="rect">
+            <a:avLst/>
+          </a:prstGeom>
+          <a:noFill/>
+          <a:ln w="25400">
+            <a:solidFill>
+              <a:srgbClr val="FF0000"/>
+            </a:solidFill>
+          </a:ln>
+        </p:spPr>
+        <p:style>
+          <a:lnRef idx="2">
+            <a:schemeClr val="accent1">
+              <a:shade val="50000"/>
+            </a:schemeClr>
+          </a:lnRef>
+          <a:fillRef idx="1">
+            <a:schemeClr val="accent1"/>
+          </a:fillRef>
+          <a:effectRef idx="0">
+            <a:schemeClr val="accent1"/>
+          </a:effectRef>
+          <a:fontRef idx="minor">
+            <a:schemeClr val="lt1"/>
+          </a:fontRef>
+        </p:style>
+        <p:txBody>
+          <a:bodyPr rtlCol="0" anchor="ctr"/>
+          <a:lstStyle/>
+          <a:p>
+            <a:pPr algn="ctr"/>
+            <a:endParaRPr lang="ko-KR" altLang="en-US"/>
+          </a:p>
+        </p:txBody>
+      </p:sp>
+      <p:pic>
+        <p:nvPicPr>
+          <p:cNvPr id="9" name="그림 8"/>
+          <p:cNvPicPr>
+            <a:picLocks noChangeAspect="1"/>
+          </p:cNvPicPr>
+          <p:nvPr/>
+        </p:nvPicPr>
+        <p:blipFill>
+          <a:blip r:embed="rId2"/>
+          <a:stretch>
+            <a:fillRect/>
+          </a:stretch>
+        </p:blipFill>
+        <p:spPr>
+          <a:xfrm>
+            <a:off x="834186" y="1752237"/>
+            <a:ext cx="6115365" cy="1967739"/>
+          </a:xfrm>
+          <a:prstGeom prst="rect">
+            <a:avLst/>
+          </a:prstGeom>
+        </p:spPr>
+      </p:pic>
+      <p:sp>
+        <p:nvSpPr>
+          <p:cNvPr id="10" name="Google Shape;173;g7c553259d1_0_81"/>
+          <p:cNvSpPr/>
+          <p:nvPr/>
+        </p:nvSpPr>
+        <p:spPr>
+          <a:xfrm>
+            <a:off x="889095" y="1625137"/>
+            <a:ext cx="245944" cy="324600"/>
+          </a:xfrm>
+          <a:prstGeom prst="rect">
+            <a:avLst/>
+          </a:prstGeom>
+          <a:solidFill>
+            <a:srgbClr val="FF0000"/>
+          </a:solidFill>
+          <a:ln>
+            <a:noFill/>
+          </a:ln>
+        </p:spPr>
+        <p:txBody>
+          <a:bodyPr spcFirstLastPara="1" wrap="square" lIns="91425" tIns="45700" rIns="91425" bIns="45700" anchor="ctr" anchorCtr="0">
+            <a:noAutofit/>
+          </a:bodyPr>
+          <a:lstStyle/>
+          <a:p>
+            <a:pPr algn="ctr">
+              <a:buClr>
+                <a:srgbClr val="000000"/>
+              </a:buClr>
+              <a:buSzPts val="1800"/>
+            </a:pPr>
+            <a:r>
+              <a:rPr lang="en-US" altLang="ko-KR" b="1" dirty="0">
+                <a:solidFill>
+                  <a:schemeClr val="dk1"/>
+                </a:solidFill>
+                <a:latin typeface="Malgun Gothic"/>
+                <a:ea typeface="Malgun Gothic"/>
+                <a:cs typeface="Malgun Gothic"/>
+                <a:sym typeface="Malgun Gothic"/>
+              </a:rPr>
+              <a:t>1</a:t>
+            </a:r>
+            <a:endParaRPr b="1" dirty="0">
+              <a:solidFill>
+                <a:schemeClr val="dk1"/>
+              </a:solidFill>
+              <a:latin typeface="Malgun Gothic"/>
+              <a:ea typeface="Malgun Gothic"/>
+              <a:cs typeface="Malgun Gothic"/>
+              <a:sym typeface="Malgun Gothic"/>
+            </a:endParaRPr>
+          </a:p>
+        </p:txBody>
+      </p:sp>
+      <p:graphicFrame>
+        <p:nvGraphicFramePr>
+          <p:cNvPr id="11" name="표 10"/>
+          <p:cNvGraphicFramePr>
+            <a:graphicFrameLocks noGrp="1"/>
+          </p:cNvGraphicFramePr>
+          <p:nvPr>
+            <p:extLst/>
+          </p:nvPr>
+        </p:nvGraphicFramePr>
+        <p:xfrm>
+          <a:off x="8650244" y="1305087"/>
+          <a:ext cx="2788860" cy="640100"/>
+        </p:xfrm>
+        <a:graphic>
+          <a:graphicData uri="http://schemas.openxmlformats.org/drawingml/2006/table">
+            <a:tbl>
+              <a:tblPr firstRow="1" bandRow="1">
+                <a:noFill/>
+              </a:tblPr>
+              <a:tblGrid>
+                <a:gridCol w="2788860"/>
+              </a:tblGrid>
+              <a:tr h="168164">
+                <a:tc>
+                  <a:txBody>
+                    <a:bodyPr/>
+                    <a:lstStyle/>
+                    <a:p>
+                      <a:pPr marL="0" marR="0" lvl="0" indent="0" algn="ctr" rtl="0">
+                        <a:lnSpc>
+                          <a:spcPct val="100000"/>
+                        </a:lnSpc>
+                        <a:spcBef>
+                          <a:spcPts val="0"/>
+                        </a:spcBef>
+                        <a:spcAft>
+                          <a:spcPts val="0"/>
+                        </a:spcAft>
+                        <a:buClr>
+                          <a:srgbClr val="000000"/>
+                        </a:buClr>
+                        <a:buSzPts val="1500"/>
+                        <a:buFont typeface="Arial"/>
+                        <a:buNone/>
+                      </a:pPr>
+                      <a:r>
+                        <a:rPr lang="ko-KR" altLang="en-US" sz="1500" b="0" u="none" strike="noStrike" cap="none" dirty="0" smtClean="0">
+                          <a:solidFill>
+                            <a:schemeClr val="dk1"/>
+                          </a:solidFill>
+                        </a:rPr>
+                        <a:t>화면코드</a:t>
+                      </a:r>
+                      <a:endParaRPr sz="1500" b="0" u="none" strike="noStrike" cap="none" dirty="0">
+                        <a:solidFill>
+                          <a:schemeClr val="dk1"/>
+                        </a:solidFill>
+                      </a:endParaRPr>
+                    </a:p>
+                  </a:txBody>
+                  <a:tcPr marL="74304" marR="74304" marT="45725" marB="45725" anchor="ctr">
+                    <a:lnL w="12700" cap="flat" cmpd="sng">
+                      <a:solidFill>
+                        <a:schemeClr val="dk1"/>
+                      </a:solidFill>
+                      <a:prstDash val="solid"/>
+                      <a:round/>
+                      <a:headEnd type="none" w="sm" len="sm"/>
+                      <a:tailEnd type="none" w="sm" len="sm"/>
+                    </a:lnL>
+                    <a:lnR w="12700" cap="flat" cmpd="sng">
+                      <a:solidFill>
+                        <a:schemeClr val="dk1"/>
+                      </a:solidFill>
+                      <a:prstDash val="solid"/>
+                      <a:round/>
+                      <a:headEnd type="none" w="sm" len="sm"/>
+                      <a:tailEnd type="none" w="sm" len="sm"/>
+                    </a:lnR>
+                    <a:lnT w="12700" cap="flat" cmpd="sng">
+                      <a:solidFill>
+                        <a:schemeClr val="dk1"/>
+                      </a:solidFill>
+                      <a:prstDash val="solid"/>
+                      <a:round/>
+                      <a:headEnd type="none" w="sm" len="sm"/>
+                      <a:tailEnd type="none" w="sm" len="sm"/>
+                    </a:lnT>
+                    <a:lnB w="12700" cap="flat" cmpd="sng" algn="ctr">
+                      <a:solidFill>
+                        <a:schemeClr val="dk1"/>
+                      </a:solidFill>
+                      <a:prstDash val="solid"/>
+                      <a:round/>
+                      <a:headEnd type="none" w="sm" len="sm"/>
+                      <a:tailEnd type="none" w="sm" len="sm"/>
+                    </a:lnB>
+                    <a:solidFill>
+                      <a:srgbClr val="D8D8D8"/>
+                    </a:solidFill>
+                  </a:tcPr>
+                </a:tc>
+              </a:tr>
+              <a:tr h="168164">
+                <a:tc>
+                  <a:txBody>
+                    <a:bodyPr/>
+                    <a:lstStyle/>
+                    <a:p>
+                      <a:pPr marL="0" marR="0" lvl="0" indent="0" algn="ctr" defTabSz="914400" rtl="0" eaLnBrk="1" fontAlgn="auto" latinLnBrk="1" hangingPunct="1">
+                        <a:lnSpc>
+                          <a:spcPct val="100000"/>
+                        </a:lnSpc>
+                        <a:spcBef>
+                          <a:spcPts val="0"/>
+                        </a:spcBef>
+                        <a:spcAft>
+                          <a:spcPts val="0"/>
+                        </a:spcAft>
+                        <a:buClr>
+                          <a:srgbClr val="000000"/>
+                        </a:buClr>
+                        <a:buSzPts val="1500"/>
+                        <a:buFont typeface="Arial"/>
+                        <a:buNone/>
+                        <a:tabLst/>
+                        <a:defRPr/>
+                      </a:pPr>
+                      <a:r>
+                        <a:rPr lang="en-US" altLang="ko-KR" sz="1500" b="0" u="none" strike="noStrike" cap="none" smtClean="0">
+                          <a:solidFill>
+                            <a:schemeClr val="dk1"/>
+                          </a:solidFill>
+                        </a:rPr>
+                        <a:t>kb_user_w_mainHeader</a:t>
+                      </a:r>
+                      <a:endParaRPr lang="en-US" altLang="ko-KR" sz="1500" b="0" u="none" strike="noStrike" cap="none" dirty="0" smtClean="0">
+                        <a:solidFill>
+                          <a:schemeClr val="dk1"/>
+                        </a:solidFill>
+                      </a:endParaRPr>
+                    </a:p>
+                  </a:txBody>
+                  <a:tcPr marL="74304" marR="74304" marT="45725" marB="45725" anchor="ctr">
+                    <a:lnL w="12700" cap="flat" cmpd="sng" algn="ctr">
+                      <a:solidFill>
+                        <a:schemeClr val="dk1"/>
+                      </a:solidFill>
+                      <a:prstDash val="solid"/>
+                      <a:round/>
+                      <a:headEnd type="none" w="sm" len="sm"/>
+                      <a:tailEnd type="none" w="sm" len="sm"/>
+                    </a:lnL>
+                    <a:lnR w="12700" cap="flat" cmpd="sng" algn="ctr">
+                      <a:solidFill>
+                        <a:schemeClr val="dk1"/>
+                      </a:solidFill>
+                      <a:prstDash val="solid"/>
+                      <a:round/>
+                      <a:headEnd type="none" w="sm" len="sm"/>
+                      <a:tailEnd type="none" w="sm" len="sm"/>
+                    </a:lnR>
+                    <a:lnT w="12700" cap="flat" cmpd="sng" algn="ctr">
+                      <a:solidFill>
+                        <a:schemeClr val="dk1"/>
+                      </a:solidFill>
+                      <a:prstDash val="solid"/>
+                      <a:round/>
+                      <a:headEnd type="none" w="sm" len="sm"/>
+                      <a:tailEnd type="none" w="sm" len="sm"/>
+                    </a:lnT>
+                    <a:lnB w="12700" cap="flat" cmpd="sng">
+                      <a:solidFill>
+                        <a:schemeClr val="dk1"/>
+                      </a:solidFill>
+                      <a:prstDash val="solid"/>
+                      <a:round/>
+                      <a:headEnd type="none" w="sm" len="sm"/>
+                      <a:tailEnd type="none" w="sm" len="sm"/>
+                    </a:lnB>
+                    <a:solidFill>
+                      <a:schemeClr val="bg1"/>
+                    </a:solidFill>
+                  </a:tcPr>
+                </a:tc>
+              </a:tr>
+            </a:tbl>
+          </a:graphicData>
+        </a:graphic>
+      </p:graphicFrame>
+    </p:spTree>
+    <p:extLst>
+      <p:ext uri="{BB962C8B-B14F-4D97-AF65-F5344CB8AC3E}">
+        <p14:creationId xmlns:p14="http://schemas.microsoft.com/office/powerpoint/2010/main" val="2464540602"/>
+      </p:ext>
+    </p:extLst>
+  </p:cSld>
+  <p:clrMapOvr>
+    <a:masterClrMapping/>
+  </p:clrMapOvr>
+  <p:timing>
+    <p:tnLst>
+      <p:par>
+        <p:cTn id="1" dur="indefinite" restart="never" nodeType="tmRoot"/>
+      </p:par>
+    </p:tnLst>
+  </p:timing>
+</p:sld>
+</file>
+
+<file path=ppt/slides/slide20.xml><?xml version="1.0" encoding="utf-8"?>
 <p:sld xmlns:a="http://schemas.openxmlformats.org/drawingml/2006/main" xmlns:r="http://schemas.openxmlformats.org/officeDocument/2006/relationships" xmlns:p="http://schemas.openxmlformats.org/presentationml/2006/main">
   <p:cSld>
     <p:spTree>
@@ -7459,14 +9741,14 @@
                 <a:gridCol w="311106">
                   <a:extLst>
                     <a:ext uri="{9D8B030D-6E8A-4147-A177-3AD203B41FA5}">
-                      <a16:colId xmlns="" xmlns:a16="http://schemas.microsoft.com/office/drawing/2014/main" val="20000"/>
+                      <a16:colId xmlns:a16="http://schemas.microsoft.com/office/drawing/2014/main" xmlns="" val="20000"/>
                     </a:ext>
                   </a:extLst>
                 </a:gridCol>
                 <a:gridCol w="2558644">
                   <a:extLst>
                     <a:ext uri="{9D8B030D-6E8A-4147-A177-3AD203B41FA5}">
-                      <a16:colId xmlns="" xmlns:a16="http://schemas.microsoft.com/office/drawing/2014/main" val="20001"/>
+                      <a16:colId xmlns:a16="http://schemas.microsoft.com/office/drawing/2014/main" xmlns="" val="20001"/>
                     </a:ext>
                   </a:extLst>
                 </a:gridCol>
@@ -7624,7 +9906,7 @@
                 </a:tc>
                 <a:extLst>
                   <a:ext uri="{0D108BD9-81ED-4DB2-BD59-A6C34878D82A}">
-                    <a16:rowId xmlns="" xmlns:a16="http://schemas.microsoft.com/office/drawing/2014/main" val="10000"/>
+                    <a16:rowId xmlns:a16="http://schemas.microsoft.com/office/drawing/2014/main" xmlns="" val="10000"/>
                   </a:ext>
                 </a:extLst>
               </a:tr>
@@ -7936,7 +10218,7 @@
                 </a:tc>
                 <a:extLst>
                   <a:ext uri="{0D108BD9-81ED-4DB2-BD59-A6C34878D82A}">
-                    <a16:rowId xmlns="" xmlns:a16="http://schemas.microsoft.com/office/drawing/2014/main" val="10001"/>
+                    <a16:rowId xmlns:a16="http://schemas.microsoft.com/office/drawing/2014/main" xmlns="" val="10001"/>
                   </a:ext>
                 </a:extLst>
               </a:tr>
@@ -8067,7 +10349,7 @@
                 </a:tc>
                 <a:extLst>
                   <a:ext uri="{0D108BD9-81ED-4DB2-BD59-A6C34878D82A}">
-                    <a16:rowId xmlns="" xmlns:a16="http://schemas.microsoft.com/office/drawing/2014/main" val="10002"/>
+                    <a16:rowId xmlns:a16="http://schemas.microsoft.com/office/drawing/2014/main" xmlns="" val="10002"/>
                   </a:ext>
                 </a:extLst>
               </a:tr>
@@ -8367,7 +10649,450 @@
 </p:sld>
 </file>
 
-<file path=ppt/slides/slide19.xml><?xml version="1.0" encoding="utf-8"?>
+<file path=ppt/slides/slide21.xml><?xml version="1.0" encoding="utf-8"?>
+<p:sld xmlns:a="http://schemas.openxmlformats.org/drawingml/2006/main" xmlns:r="http://schemas.openxmlformats.org/officeDocument/2006/relationships" xmlns:p="http://schemas.openxmlformats.org/presentationml/2006/main">
+  <p:cSld>
+    <p:spTree>
+      <p:nvGrpSpPr>
+        <p:cNvPr id="1" name=""/>
+        <p:cNvGrpSpPr/>
+        <p:nvPr/>
+      </p:nvGrpSpPr>
+      <p:grpSpPr>
+        <a:xfrm>
+          <a:off x="0" y="0"/>
+          <a:ext cx="0" cy="0"/>
+          <a:chOff x="0" y="0"/>
+          <a:chExt cx="0" cy="0"/>
+        </a:xfrm>
+      </p:grpSpPr>
+      <p:sp>
+        <p:nvSpPr>
+          <p:cNvPr id="4" name="제목 1"/>
+          <p:cNvSpPr>
+            <a:spLocks noGrp="1"/>
+          </p:cNvSpPr>
+          <p:nvPr>
+            <p:ph type="title"/>
+          </p:nvPr>
+        </p:nvSpPr>
+        <p:spPr>
+          <a:xfrm>
+            <a:off x="962423" y="116632"/>
+            <a:ext cx="9646078" cy="796908"/>
+          </a:xfrm>
+        </p:spPr>
+        <p:txBody>
+          <a:bodyPr>
+            <a:noAutofit/>
+          </a:bodyPr>
+          <a:lstStyle/>
+          <a:p>
+            <a:pPr lvl="0">
+              <a:lnSpc>
+                <a:spcPct val="100000"/>
+              </a:lnSpc>
+              <a:spcBef>
+                <a:spcPts val="0"/>
+              </a:spcBef>
+              <a:buClr>
+                <a:srgbClr val="000000"/>
+              </a:buClr>
+              <a:buSzPts val="1500"/>
+              <a:defRPr/>
+            </a:pPr>
+            <a:r>
+              <a:rPr lang="en-US" altLang="ko-KR" sz="4000" b="0" smtClean="0"/>
+              <a:t>[</a:t>
+            </a:r>
+            <a:r>
+              <a:rPr lang="ko-KR" altLang="en-US" sz="4000" b="0" smtClean="0"/>
+              <a:t>화면구현</a:t>
+            </a:r>
+            <a:r>
+              <a:rPr lang="en-US" altLang="ko-KR" sz="4000" b="0" smtClean="0"/>
+              <a:t>] </a:t>
+            </a:r>
+            <a:r>
+              <a:rPr lang="ko-KR" altLang="en-US" sz="4000" b="0" smtClean="0"/>
+              <a:t>사용자 </a:t>
+            </a:r>
+            <a:r>
+              <a:rPr lang="en-US" altLang="ko-KR" sz="4000" b="0" smtClean="0"/>
+              <a:t>– </a:t>
+            </a:r>
+            <a:r>
+              <a:rPr lang="ko-KR" altLang="en-US" sz="4000" b="0" smtClean="0"/>
+              <a:t>모바일 </a:t>
+            </a:r>
+            <a:r>
+              <a:rPr lang="en-US" altLang="ko-KR" sz="4000" b="0" smtClean="0"/>
+              <a:t>-</a:t>
+            </a:r>
+            <a:r>
+              <a:rPr lang="ko-KR" altLang="en-US" sz="4000" b="0" smtClean="0"/>
+              <a:t>메인페이지</a:t>
+            </a:r>
+            <a:endParaRPr lang="ko-KR" altLang="en-US" sz="2400" b="0" dirty="0"/>
+          </a:p>
+        </p:txBody>
+      </p:sp>
+      <p:pic>
+        <p:nvPicPr>
+          <p:cNvPr id="5" name="그림 4"/>
+          <p:cNvPicPr>
+            <a:picLocks noChangeAspect="1"/>
+          </p:cNvPicPr>
+          <p:nvPr/>
+        </p:nvPicPr>
+        <p:blipFill>
+          <a:blip r:embed="rId2"/>
+          <a:stretch>
+            <a:fillRect/>
+          </a:stretch>
+        </p:blipFill>
+        <p:spPr>
+          <a:xfrm>
+            <a:off x="682504" y="1912774"/>
+            <a:ext cx="2107349" cy="4058817"/>
+          </a:xfrm>
+          <a:prstGeom prst="rect">
+            <a:avLst/>
+          </a:prstGeom>
+        </p:spPr>
+      </p:pic>
+      <p:pic>
+        <p:nvPicPr>
+          <p:cNvPr id="8" name="그림 7"/>
+          <p:cNvPicPr>
+            <a:picLocks noChangeAspect="1"/>
+          </p:cNvPicPr>
+          <p:nvPr/>
+        </p:nvPicPr>
+        <p:blipFill>
+          <a:blip r:embed="rId3"/>
+          <a:stretch>
+            <a:fillRect/>
+          </a:stretch>
+        </p:blipFill>
+        <p:spPr>
+          <a:xfrm>
+            <a:off x="3048409" y="2114791"/>
+            <a:ext cx="4007186" cy="3654781"/>
+          </a:xfrm>
+          <a:prstGeom prst="rect">
+            <a:avLst/>
+          </a:prstGeom>
+          <a:ln>
+            <a:solidFill>
+              <a:schemeClr val="tx1"/>
+            </a:solidFill>
+          </a:ln>
+        </p:spPr>
+      </p:pic>
+      <p:pic>
+        <p:nvPicPr>
+          <p:cNvPr id="9" name="그림 8"/>
+          <p:cNvPicPr>
+            <a:picLocks noChangeAspect="1"/>
+          </p:cNvPicPr>
+          <p:nvPr/>
+        </p:nvPicPr>
+        <p:blipFill>
+          <a:blip r:embed="rId4"/>
+          <a:stretch>
+            <a:fillRect/>
+          </a:stretch>
+        </p:blipFill>
+        <p:spPr>
+          <a:xfrm>
+            <a:off x="7221893" y="1559086"/>
+            <a:ext cx="4301413" cy="1603991"/>
+          </a:xfrm>
+          <a:prstGeom prst="rect">
+            <a:avLst/>
+          </a:prstGeom>
+          <a:ln>
+            <a:solidFill>
+              <a:schemeClr val="tx1"/>
+            </a:solidFill>
+          </a:ln>
+        </p:spPr>
+      </p:pic>
+      <p:pic>
+        <p:nvPicPr>
+          <p:cNvPr id="10" name="그림 9"/>
+          <p:cNvPicPr>
+            <a:picLocks noChangeAspect="1"/>
+          </p:cNvPicPr>
+          <p:nvPr/>
+        </p:nvPicPr>
+        <p:blipFill>
+          <a:blip r:embed="rId5"/>
+          <a:stretch>
+            <a:fillRect/>
+          </a:stretch>
+        </p:blipFill>
+        <p:spPr>
+          <a:xfrm>
+            <a:off x="7182060" y="3312367"/>
+            <a:ext cx="4509197" cy="1483568"/>
+          </a:xfrm>
+          <a:prstGeom prst="rect">
+            <a:avLst/>
+          </a:prstGeom>
+          <a:ln>
+            <a:solidFill>
+              <a:schemeClr val="tx1"/>
+            </a:solidFill>
+          </a:ln>
+        </p:spPr>
+      </p:pic>
+      <p:pic>
+        <p:nvPicPr>
+          <p:cNvPr id="11" name="그림 10"/>
+          <p:cNvPicPr>
+            <a:picLocks noChangeAspect="1"/>
+          </p:cNvPicPr>
+          <p:nvPr/>
+        </p:nvPicPr>
+        <p:blipFill>
+          <a:blip r:embed="rId6"/>
+          <a:stretch>
+            <a:fillRect/>
+          </a:stretch>
+        </p:blipFill>
+        <p:spPr>
+          <a:xfrm>
+            <a:off x="7182060" y="4881644"/>
+            <a:ext cx="4509197" cy="1556478"/>
+          </a:xfrm>
+          <a:prstGeom prst="rect">
+            <a:avLst/>
+          </a:prstGeom>
+          <a:ln>
+            <a:solidFill>
+              <a:schemeClr val="tx1"/>
+            </a:solidFill>
+          </a:ln>
+        </p:spPr>
+      </p:pic>
+    </p:spTree>
+    <p:extLst>
+      <p:ext uri="{BB962C8B-B14F-4D97-AF65-F5344CB8AC3E}">
+        <p14:creationId xmlns:p14="http://schemas.microsoft.com/office/powerpoint/2010/main" val="1874150288"/>
+      </p:ext>
+    </p:extLst>
+  </p:cSld>
+  <p:clrMapOvr>
+    <a:masterClrMapping/>
+  </p:clrMapOvr>
+</p:sld>
+</file>
+
+<file path=ppt/slides/slide22.xml><?xml version="1.0" encoding="utf-8"?>
+<p:sld xmlns:a="http://schemas.openxmlformats.org/drawingml/2006/main" xmlns:r="http://schemas.openxmlformats.org/officeDocument/2006/relationships" xmlns:p="http://schemas.openxmlformats.org/presentationml/2006/main">
+  <p:cSld>
+    <p:spTree>
+      <p:nvGrpSpPr>
+        <p:cNvPr id="1" name=""/>
+        <p:cNvGrpSpPr/>
+        <p:nvPr/>
+      </p:nvGrpSpPr>
+      <p:grpSpPr>
+        <a:xfrm>
+          <a:off x="0" y="0"/>
+          <a:ext cx="0" cy="0"/>
+          <a:chOff x="0" y="0"/>
+          <a:chExt cx="0" cy="0"/>
+        </a:xfrm>
+      </p:grpSpPr>
+      <p:sp>
+        <p:nvSpPr>
+          <p:cNvPr id="2" name="제목 1"/>
+          <p:cNvSpPr>
+            <a:spLocks noGrp="1"/>
+          </p:cNvSpPr>
+          <p:nvPr>
+            <p:ph type="title"/>
+          </p:nvPr>
+        </p:nvSpPr>
+        <p:spPr/>
+        <p:txBody>
+          <a:bodyPr/>
+          <a:lstStyle/>
+          <a:p>
+            <a:r>
+              <a:rPr lang="en-US" altLang="ko-KR" sz="2800" b="0"/>
+              <a:t>[</a:t>
+            </a:r>
+            <a:r>
+              <a:rPr lang="ko-KR" altLang="en-US" sz="2800" b="0"/>
+              <a:t>화면구현</a:t>
+            </a:r>
+            <a:r>
+              <a:rPr lang="en-US" altLang="ko-KR" sz="2800" b="0"/>
+              <a:t>] </a:t>
+            </a:r>
+            <a:r>
+              <a:rPr lang="ko-KR" altLang="en-US" sz="2800" b="0"/>
+              <a:t>사용자 </a:t>
+            </a:r>
+            <a:r>
+              <a:rPr lang="en-US" altLang="ko-KR" sz="2800" b="0"/>
+              <a:t>– </a:t>
+            </a:r>
+            <a:r>
+              <a:rPr lang="ko-KR" altLang="en-US" sz="2800" b="0"/>
+              <a:t>모바일 </a:t>
+            </a:r>
+            <a:r>
+              <a:rPr lang="en-US" altLang="ko-KR" sz="2800" b="0" smtClean="0"/>
+              <a:t>–</a:t>
+            </a:r>
+            <a:r>
+              <a:rPr lang="ko-KR" altLang="en-US" sz="2800" b="0" smtClean="0"/>
+              <a:t>메인페이지 </a:t>
+            </a:r>
+            <a:r>
+              <a:rPr lang="en-US" altLang="ko-KR" sz="2800" b="0" smtClean="0"/>
+              <a:t>- </a:t>
+            </a:r>
+            <a:r>
+              <a:rPr lang="ko-KR" altLang="en-US" sz="2800" b="0" smtClean="0"/>
+              <a:t>메뉴</a:t>
+            </a:r>
+            <a:endParaRPr lang="ko-KR" altLang="en-US"/>
+          </a:p>
+        </p:txBody>
+      </p:sp>
+      <p:pic>
+        <p:nvPicPr>
+          <p:cNvPr id="4" name="내용 개체 틀 3"/>
+          <p:cNvPicPr>
+            <a:picLocks noGrp="1" noChangeAspect="1"/>
+          </p:cNvPicPr>
+          <p:nvPr>
+            <p:ph idx="1"/>
+          </p:nvPr>
+        </p:nvPicPr>
+        <p:blipFill>
+          <a:blip r:embed="rId2"/>
+          <a:stretch>
+            <a:fillRect/>
+          </a:stretch>
+        </p:blipFill>
+        <p:spPr>
+          <a:xfrm>
+            <a:off x="1138482" y="1540232"/>
+            <a:ext cx="2169428" cy="4862512"/>
+          </a:xfrm>
+          <a:prstGeom prst="rect">
+            <a:avLst/>
+          </a:prstGeom>
+        </p:spPr>
+      </p:pic>
+      <p:pic>
+        <p:nvPicPr>
+          <p:cNvPr id="5" name="그림 4"/>
+          <p:cNvPicPr>
+            <a:picLocks noChangeAspect="1"/>
+          </p:cNvPicPr>
+          <p:nvPr/>
+        </p:nvPicPr>
+        <p:blipFill>
+          <a:blip r:embed="rId3"/>
+          <a:stretch>
+            <a:fillRect/>
+          </a:stretch>
+        </p:blipFill>
+        <p:spPr>
+          <a:xfrm>
+            <a:off x="3570643" y="1540232"/>
+            <a:ext cx="3809871" cy="2547257"/>
+          </a:xfrm>
+          <a:prstGeom prst="rect">
+            <a:avLst/>
+          </a:prstGeom>
+          <a:ln>
+            <a:solidFill>
+              <a:schemeClr val="tx1"/>
+            </a:solidFill>
+          </a:ln>
+        </p:spPr>
+      </p:pic>
+      <p:pic>
+        <p:nvPicPr>
+          <p:cNvPr id="6" name="그림 5"/>
+          <p:cNvPicPr>
+            <a:picLocks noChangeAspect="1"/>
+          </p:cNvPicPr>
+          <p:nvPr/>
+        </p:nvPicPr>
+        <p:blipFill>
+          <a:blip r:embed="rId4"/>
+          <a:stretch>
+            <a:fillRect/>
+          </a:stretch>
+        </p:blipFill>
+        <p:spPr>
+          <a:xfrm>
+            <a:off x="7511143" y="1540232"/>
+            <a:ext cx="4027811" cy="1419225"/>
+          </a:xfrm>
+          <a:prstGeom prst="rect">
+            <a:avLst/>
+          </a:prstGeom>
+          <a:ln>
+            <a:solidFill>
+              <a:schemeClr val="tx1"/>
+            </a:solidFill>
+          </a:ln>
+        </p:spPr>
+      </p:pic>
+      <p:pic>
+        <p:nvPicPr>
+          <p:cNvPr id="7" name="그림 6"/>
+          <p:cNvPicPr>
+            <a:picLocks noChangeAspect="1"/>
+          </p:cNvPicPr>
+          <p:nvPr/>
+        </p:nvPicPr>
+        <p:blipFill>
+          <a:blip r:embed="rId5"/>
+          <a:stretch>
+            <a:fillRect/>
+          </a:stretch>
+        </p:blipFill>
+        <p:spPr>
+          <a:xfrm>
+            <a:off x="7511143" y="3195735"/>
+            <a:ext cx="4027811" cy="2150706"/>
+          </a:xfrm>
+          <a:prstGeom prst="rect">
+            <a:avLst/>
+          </a:prstGeom>
+          <a:ln>
+            <a:solidFill>
+              <a:schemeClr val="tx1"/>
+            </a:solidFill>
+          </a:ln>
+        </p:spPr>
+      </p:pic>
+    </p:spTree>
+    <p:extLst>
+      <p:ext uri="{BB962C8B-B14F-4D97-AF65-F5344CB8AC3E}">
+        <p14:creationId xmlns:p14="http://schemas.microsoft.com/office/powerpoint/2010/main" val="1104801656"/>
+      </p:ext>
+    </p:extLst>
+  </p:cSld>
+  <p:clrMapOvr>
+    <a:masterClrMapping/>
+  </p:clrMapOvr>
+</p:sld>
+</file>
+
+<file path=ppt/slides/slide23.xml><?xml version="1.0" encoding="utf-8"?>
 <p:sld xmlns:a="http://schemas.openxmlformats.org/drawingml/2006/main" xmlns:r="http://schemas.openxmlformats.org/officeDocument/2006/relationships" xmlns:p="http://schemas.openxmlformats.org/presentationml/2006/main">
   <p:cSld>
     <p:spTree>
@@ -8532,14 +11257,14 @@
                 <a:gridCol w="311106">
                   <a:extLst>
                     <a:ext uri="{9D8B030D-6E8A-4147-A177-3AD203B41FA5}">
-                      <a16:colId xmlns="" xmlns:a16="http://schemas.microsoft.com/office/drawing/2014/main" val="20000"/>
+                      <a16:colId xmlns:a16="http://schemas.microsoft.com/office/drawing/2014/main" xmlns="" val="20000"/>
                     </a:ext>
                   </a:extLst>
                 </a:gridCol>
                 <a:gridCol w="2558644">
                   <a:extLst>
                     <a:ext uri="{9D8B030D-6E8A-4147-A177-3AD203B41FA5}">
-                      <a16:colId xmlns="" xmlns:a16="http://schemas.microsoft.com/office/drawing/2014/main" val="20001"/>
+                      <a16:colId xmlns:a16="http://schemas.microsoft.com/office/drawing/2014/main" xmlns="" val="20001"/>
                     </a:ext>
                   </a:extLst>
                 </a:gridCol>
@@ -8697,7 +11422,7 @@
                 </a:tc>
                 <a:extLst>
                   <a:ext uri="{0D108BD9-81ED-4DB2-BD59-A6C34878D82A}">
-                    <a16:rowId xmlns="" xmlns:a16="http://schemas.microsoft.com/office/drawing/2014/main" val="10000"/>
+                    <a16:rowId xmlns:a16="http://schemas.microsoft.com/office/drawing/2014/main" xmlns="" val="10000"/>
                   </a:ext>
                 </a:extLst>
               </a:tr>
@@ -9009,7 +11734,7 @@
                 </a:tc>
                 <a:extLst>
                   <a:ext uri="{0D108BD9-81ED-4DB2-BD59-A6C34878D82A}">
-                    <a16:rowId xmlns="" xmlns:a16="http://schemas.microsoft.com/office/drawing/2014/main" val="10001"/>
+                    <a16:rowId xmlns:a16="http://schemas.microsoft.com/office/drawing/2014/main" xmlns="" val="10001"/>
                   </a:ext>
                 </a:extLst>
               </a:tr>
@@ -9140,7 +11865,7 @@
                 </a:tc>
                 <a:extLst>
                   <a:ext uri="{0D108BD9-81ED-4DB2-BD59-A6C34878D82A}">
-                    <a16:rowId xmlns="" xmlns:a16="http://schemas.microsoft.com/office/drawing/2014/main" val="10002"/>
+                    <a16:rowId xmlns:a16="http://schemas.microsoft.com/office/drawing/2014/main" xmlns="" val="10002"/>
                   </a:ext>
                 </a:extLst>
               </a:tr>
@@ -9440,7 +12165,7 @@
 </p:sld>
 </file>
 
-<file path=ppt/slides/slide2.xml><?xml version="1.0" encoding="utf-8"?>
+<file path=ppt/slides/slide24.xml><?xml version="1.0" encoding="utf-8"?>
 <p:sld xmlns:a="http://schemas.openxmlformats.org/drawingml/2006/main" xmlns:r="http://schemas.openxmlformats.org/officeDocument/2006/relationships" xmlns:p="http://schemas.openxmlformats.org/presentationml/2006/main">
   <p:cSld>
     <p:spTree>
@@ -9469,1573 +12194,52 @@
         </p:nvSpPr>
         <p:spPr/>
         <p:txBody>
-          <a:bodyPr>
-            <a:normAutofit/>
-          </a:bodyPr>
+          <a:bodyPr/>
           <a:lstStyle/>
           <a:p>
-            <a:pPr lvl="0">
-              <a:lnSpc>
-                <a:spcPct val="100000"/>
-              </a:lnSpc>
-              <a:spcBef>
-                <a:spcPts val="0"/>
-              </a:spcBef>
-              <a:buClr>
-                <a:srgbClr val="000000"/>
-              </a:buClr>
-              <a:buSzPts val="1500"/>
-              <a:defRPr/>
-            </a:pPr>
-            <a:r>
-              <a:rPr lang="en-US" altLang="ko-KR" sz="3600" b="0" smtClean="0"/>
+            <a:r>
+              <a:rPr lang="en-US" altLang="ko-KR" sz="2800" b="0"/>
               <a:t>[</a:t>
             </a:r>
             <a:r>
-              <a:rPr lang="ko-KR" altLang="en-US" sz="3600" b="0" smtClean="0"/>
-              <a:t>화면설계</a:t>
-            </a:r>
-            <a:r>
-              <a:rPr lang="en-US" altLang="ko-KR" sz="3600" b="0" smtClean="0"/>
+              <a:rPr lang="ko-KR" altLang="en-US" sz="2800" b="0" smtClean="0"/>
+              <a:t>화면구현</a:t>
+            </a:r>
+            <a:r>
+              <a:rPr lang="en-US" altLang="ko-KR" sz="2800" b="0" smtClean="0"/>
               <a:t>] </a:t>
             </a:r>
             <a:r>
-              <a:rPr lang="ko-KR" altLang="en-US" sz="3600" b="0" smtClean="0"/>
+              <a:rPr lang="ko-KR" altLang="en-US" sz="2800" b="0"/>
               <a:t>사용자 </a:t>
             </a:r>
             <a:r>
-              <a:rPr lang="en-US" altLang="ko-KR" sz="3600" b="0" smtClean="0"/>
+              <a:rPr lang="en-US" altLang="ko-KR" sz="2800" b="0"/>
               <a:t>– </a:t>
             </a:r>
             <a:r>
-              <a:rPr lang="ko-KR" altLang="en-US" sz="3600" b="0" smtClean="0"/>
-              <a:t>웹 </a:t>
-            </a:r>
-            <a:r>
-              <a:rPr lang="en-US" altLang="ko-KR" sz="3600" b="0" smtClean="0"/>
+              <a:rPr lang="ko-KR" altLang="en-US" sz="2800" b="0"/>
+              <a:t>모바일 </a:t>
+            </a:r>
+            <a:r>
+              <a:rPr lang="en-US" altLang="ko-KR" sz="2800" b="0"/>
               <a:t>- </a:t>
             </a:r>
             <a:r>
-              <a:rPr lang="ko-KR" altLang="en-US" sz="3600" b="0" smtClean="0"/>
-              <a:t>메인페이지</a:t>
-            </a:r>
-            <a:r>
-              <a:rPr lang="ko-KR" altLang="en-US" sz="2400" b="0" smtClean="0"/>
+              <a:rPr lang="ko-KR" altLang="en-US" sz="2800" b="0"/>
+              <a:t>로그인 페이지</a:t>
+            </a:r>
+            <a:r>
+              <a:rPr lang="ko-KR" altLang="en-US" sz="1600" b="0"/>
               <a:t> </a:t>
             </a:r>
-            <a:r>
-              <a:rPr lang="en-US" altLang="ko-KR" sz="2400" b="0"/>
-              <a:t>- HEADER</a:t>
-            </a:r>
-            <a:endParaRPr lang="ko-KR" altLang="en-US" sz="2400" b="0" dirty="0"/>
-          </a:p>
-        </p:txBody>
-      </p:sp>
-      <p:sp>
-        <p:nvSpPr>
-          <p:cNvPr id="5" name="Google Shape;164;g7c553259d1_0_81"/>
-          <p:cNvSpPr/>
-          <p:nvPr/>
-        </p:nvSpPr>
-        <p:spPr>
-          <a:xfrm>
-            <a:off x="3891869" y="5974235"/>
-            <a:ext cx="2789963" cy="292800"/>
-          </a:xfrm>
-          <a:prstGeom prst="rect">
-            <a:avLst/>
-          </a:prstGeom>
-          <a:solidFill>
-            <a:schemeClr val="lt1"/>
-          </a:solidFill>
-          <a:ln w="12700" cap="flat" cmpd="sng">
-            <a:solidFill>
-              <a:schemeClr val="dk1"/>
-            </a:solidFill>
-            <a:prstDash val="solid"/>
-            <a:miter lim="800000"/>
-            <a:headEnd type="none" w="sm" len="sm"/>
-            <a:tailEnd type="none" w="sm" len="sm"/>
-          </a:ln>
-        </p:spPr>
-        <p:txBody>
-          <a:bodyPr spcFirstLastPara="1" wrap="square" lIns="91425" tIns="45700" rIns="91425" bIns="45700" anchor="ctr" anchorCtr="0">
-            <a:noAutofit/>
-          </a:bodyPr>
-          <a:lstStyle/>
-          <a:p>
-            <a:pPr algn="ctr">
-              <a:buClr>
-                <a:srgbClr val="000000"/>
-              </a:buClr>
-              <a:buSzPts val="1800"/>
-            </a:pPr>
-            <a:endParaRPr>
-              <a:solidFill>
-                <a:schemeClr val="dk1"/>
-              </a:solidFill>
-              <a:latin typeface="Malgun Gothic"/>
-              <a:ea typeface="Malgun Gothic"/>
-              <a:cs typeface="Malgun Gothic"/>
-              <a:sym typeface="Malgun Gothic"/>
-            </a:endParaRPr>
-          </a:p>
-        </p:txBody>
-      </p:sp>
-      <p:sp>
-        <p:nvSpPr>
-          <p:cNvPr id="6" name="Google Shape;168;g7c553259d1_0_81"/>
-          <p:cNvSpPr/>
-          <p:nvPr/>
-        </p:nvSpPr>
-        <p:spPr>
-          <a:xfrm>
-            <a:off x="560723" y="1442690"/>
-            <a:ext cx="6526163" cy="5349900"/>
-          </a:xfrm>
-          <a:prstGeom prst="rect">
-            <a:avLst/>
-          </a:prstGeom>
-          <a:solidFill>
-            <a:schemeClr val="lt1"/>
-          </a:solidFill>
-          <a:ln w="12700" cap="flat" cmpd="sng">
-            <a:solidFill>
-              <a:schemeClr val="dk1"/>
-            </a:solidFill>
-            <a:prstDash val="solid"/>
-            <a:miter lim="800000"/>
-            <a:headEnd type="none" w="sm" len="sm"/>
-            <a:tailEnd type="none" w="sm" len="sm"/>
-          </a:ln>
-        </p:spPr>
-        <p:txBody>
-          <a:bodyPr spcFirstLastPara="1" wrap="square" lIns="91425" tIns="45700" rIns="91425" bIns="45700" anchor="ctr" anchorCtr="0">
-            <a:noAutofit/>
-          </a:bodyPr>
-          <a:lstStyle/>
-          <a:p>
-            <a:pPr algn="ctr">
-              <a:buClr>
-                <a:srgbClr val="000000"/>
-              </a:buClr>
-              <a:buSzPts val="1500"/>
-            </a:pPr>
-            <a:endParaRPr sz="1500" dirty="0">
-              <a:solidFill>
-                <a:schemeClr val="dk1"/>
-              </a:solidFill>
-              <a:latin typeface="Malgun Gothic"/>
-              <a:ea typeface="Malgun Gothic"/>
-              <a:cs typeface="Malgun Gothic"/>
-              <a:sym typeface="Malgun Gothic"/>
-            </a:endParaRPr>
-          </a:p>
-        </p:txBody>
-      </p:sp>
-      <p:graphicFrame>
-        <p:nvGraphicFramePr>
-          <p:cNvPr id="7" name="Google Shape;169;g7c553259d1_0_81"/>
-          <p:cNvGraphicFramePr/>
-          <p:nvPr>
-            <p:extLst/>
-          </p:nvPr>
-        </p:nvGraphicFramePr>
-        <p:xfrm>
-          <a:off x="8650244" y="2039603"/>
-          <a:ext cx="2869750" cy="4668974"/>
-        </p:xfrm>
-        <a:graphic>
-          <a:graphicData uri="http://schemas.openxmlformats.org/drawingml/2006/table">
-            <a:tbl>
-              <a:tblPr firstRow="1" bandRow="1">
-                <a:noFill/>
-              </a:tblPr>
-              <a:tblGrid>
-                <a:gridCol w="311106">
-                  <a:extLst>
-                    <a:ext uri="{9D8B030D-6E8A-4147-A177-3AD203B41FA5}">
-                      <a16:colId xmlns="" xmlns:a16="http://schemas.microsoft.com/office/drawing/2014/main" val="20000"/>
-                    </a:ext>
-                  </a:extLst>
-                </a:gridCol>
-                <a:gridCol w="2558644">
-                  <a:extLst>
-                    <a:ext uri="{9D8B030D-6E8A-4147-A177-3AD203B41FA5}">
-                      <a16:colId xmlns="" xmlns:a16="http://schemas.microsoft.com/office/drawing/2014/main" val="20001"/>
-                    </a:ext>
-                  </a:extLst>
-                </a:gridCol>
-              </a:tblGrid>
-              <a:tr h="356150">
-                <a:tc>
-                  <a:txBody>
-                    <a:bodyPr/>
-                    <a:lstStyle/>
-                    <a:p>
-                      <a:pPr marL="0" marR="0" lvl="0" indent="0" algn="ctr" rtl="0">
-                        <a:lnSpc>
-                          <a:spcPct val="100000"/>
-                        </a:lnSpc>
-                        <a:spcBef>
-                          <a:spcPts val="0"/>
-                        </a:spcBef>
-                        <a:spcAft>
-                          <a:spcPts val="0"/>
-                        </a:spcAft>
-                        <a:buClr>
-                          <a:srgbClr val="000000"/>
-                        </a:buClr>
-                        <a:buSzPts val="1500"/>
-                        <a:buFont typeface="Arial"/>
-                        <a:buNone/>
-                      </a:pPr>
-                      <a:r>
-                        <a:rPr lang="ko-KR" sz="1500" u="none" strike="noStrike" cap="none" dirty="0">
-                          <a:solidFill>
-                            <a:schemeClr val="dk1"/>
-                          </a:solidFill>
-                        </a:rPr>
-                        <a:t>#</a:t>
-                      </a:r>
-                      <a:endParaRPr sz="1500" u="none" strike="noStrike" cap="none" dirty="0">
-                        <a:solidFill>
-                          <a:schemeClr val="dk1"/>
-                        </a:solidFill>
-                      </a:endParaRPr>
-                    </a:p>
-                  </a:txBody>
-                  <a:tcPr marL="74304" marR="74304" marT="45725" marB="45725" anchor="ctr">
-                    <a:lnL w="12700" cap="flat" cmpd="sng">
-                      <a:solidFill>
-                        <a:schemeClr val="dk1"/>
-                      </a:solidFill>
-                      <a:prstDash val="solid"/>
-                      <a:round/>
-                      <a:headEnd type="none" w="sm" len="sm"/>
-                      <a:tailEnd type="none" w="sm" len="sm"/>
-                    </a:lnL>
-                    <a:lnR w="12700" cap="flat" cmpd="sng">
-                      <a:solidFill>
-                        <a:schemeClr val="dk1"/>
-                      </a:solidFill>
-                      <a:prstDash val="solid"/>
-                      <a:round/>
-                      <a:headEnd type="none" w="sm" len="sm"/>
-                      <a:tailEnd type="none" w="sm" len="sm"/>
-                    </a:lnR>
-                    <a:lnT w="12700" cap="flat" cmpd="sng">
-                      <a:solidFill>
-                        <a:schemeClr val="dk1"/>
-                      </a:solidFill>
-                      <a:prstDash val="solid"/>
-                      <a:round/>
-                      <a:headEnd type="none" w="sm" len="sm"/>
-                      <a:tailEnd type="none" w="sm" len="sm"/>
-                    </a:lnT>
-                    <a:lnB w="12700" cap="flat" cmpd="sng" algn="ctr">
-                      <a:solidFill>
-                        <a:schemeClr val="dk1"/>
-                      </a:solidFill>
-                      <a:prstDash val="solid"/>
-                      <a:round/>
-                      <a:headEnd type="none" w="sm" len="sm"/>
-                      <a:tailEnd type="none" w="sm" len="sm"/>
-                    </a:lnB>
-                    <a:solidFill>
-                      <a:srgbClr val="D8D8D8"/>
-                    </a:solidFill>
-                  </a:tcPr>
-                </a:tc>
-                <a:tc>
-                  <a:txBody>
-                    <a:bodyPr/>
-                    <a:lstStyle/>
-                    <a:p>
-                      <a:pPr marL="0" marR="0" lvl="0" indent="0" algn="ctr" rtl="0">
-                        <a:lnSpc>
-                          <a:spcPct val="100000"/>
-                        </a:lnSpc>
-                        <a:spcBef>
-                          <a:spcPts val="0"/>
-                        </a:spcBef>
-                        <a:spcAft>
-                          <a:spcPts val="0"/>
-                        </a:spcAft>
-                        <a:buClr>
-                          <a:srgbClr val="000000"/>
-                        </a:buClr>
-                        <a:buSzPts val="1500"/>
-                        <a:buFont typeface="Arial"/>
-                        <a:buNone/>
-                      </a:pPr>
-                      <a:endParaRPr sz="1500" u="none" strike="noStrike" cap="none" dirty="0">
-                        <a:solidFill>
-                          <a:schemeClr val="dk1"/>
-                        </a:solidFill>
-                      </a:endParaRPr>
-                    </a:p>
-                  </a:txBody>
-                  <a:tcPr marL="74304" marR="74304" marT="45725" marB="45725" anchor="ctr">
-                    <a:lnL w="12700" cap="flat" cmpd="sng">
-                      <a:solidFill>
-                        <a:schemeClr val="dk1"/>
-                      </a:solidFill>
-                      <a:prstDash val="solid"/>
-                      <a:round/>
-                      <a:headEnd type="none" w="sm" len="sm"/>
-                      <a:tailEnd type="none" w="sm" len="sm"/>
-                    </a:lnL>
-                    <a:lnR w="12700" cap="flat" cmpd="sng">
-                      <a:solidFill>
-                        <a:schemeClr val="dk1"/>
-                      </a:solidFill>
-                      <a:prstDash val="solid"/>
-                      <a:round/>
-                      <a:headEnd type="none" w="sm" len="sm"/>
-                      <a:tailEnd type="none" w="sm" len="sm"/>
-                    </a:lnR>
-                    <a:lnT w="12700" cap="flat" cmpd="sng">
-                      <a:solidFill>
-                        <a:schemeClr val="dk1"/>
-                      </a:solidFill>
-                      <a:prstDash val="solid"/>
-                      <a:round/>
-                      <a:headEnd type="none" w="sm" len="sm"/>
-                      <a:tailEnd type="none" w="sm" len="sm"/>
-                    </a:lnT>
-                    <a:lnB w="12700" cap="flat" cmpd="sng" algn="ctr">
-                      <a:solidFill>
-                        <a:schemeClr val="dk1"/>
-                      </a:solidFill>
-                      <a:prstDash val="solid"/>
-                      <a:round/>
-                      <a:headEnd type="none" w="sm" len="sm"/>
-                      <a:tailEnd type="none" w="sm" len="sm"/>
-                    </a:lnB>
-                    <a:solidFill>
-                      <a:srgbClr val="D8D8D8"/>
-                    </a:solidFill>
-                  </a:tcPr>
-                </a:tc>
-                <a:extLst>
-                  <a:ext uri="{0D108BD9-81ED-4DB2-BD59-A6C34878D82A}">
-                    <a16:rowId xmlns="" xmlns:a16="http://schemas.microsoft.com/office/drawing/2014/main" val="10000"/>
-                  </a:ext>
-                </a:extLst>
-              </a:tr>
-              <a:tr h="972399">
-                <a:tc>
-                  <a:txBody>
-                    <a:bodyPr/>
-                    <a:lstStyle/>
-                    <a:p>
-                      <a:pPr marL="0" marR="0" lvl="0" indent="0" algn="ctr" rtl="0">
-                        <a:lnSpc>
-                          <a:spcPct val="100000"/>
-                        </a:lnSpc>
-                        <a:spcBef>
-                          <a:spcPts val="0"/>
-                        </a:spcBef>
-                        <a:spcAft>
-                          <a:spcPts val="0"/>
-                        </a:spcAft>
-                        <a:buClr>
-                          <a:srgbClr val="000000"/>
-                        </a:buClr>
-                        <a:buSzPts val="1500"/>
-                        <a:buFont typeface="Arial"/>
-                        <a:buNone/>
-                      </a:pPr>
-                      <a:r>
-                        <a:rPr lang="en-US" sz="1500" dirty="0" smtClean="0"/>
-                        <a:t>1</a:t>
-                      </a:r>
-                      <a:endParaRPr sz="1500" dirty="0"/>
-                    </a:p>
-                  </a:txBody>
-                  <a:tcPr marL="74304" marR="74304" marT="45725" marB="45725" anchor="ctr">
-                    <a:lnL w="12700" cap="flat" cmpd="sng">
-                      <a:solidFill>
-                        <a:schemeClr val="dk1"/>
-                      </a:solidFill>
-                      <a:prstDash val="solid"/>
-                      <a:round/>
-                      <a:headEnd type="none" w="sm" len="sm"/>
-                      <a:tailEnd type="none" w="sm" len="sm"/>
-                    </a:lnL>
-                    <a:lnR w="12700" cap="flat" cmpd="sng">
-                      <a:solidFill>
-                        <a:schemeClr val="dk1"/>
-                      </a:solidFill>
-                      <a:prstDash val="solid"/>
-                      <a:round/>
-                      <a:headEnd type="none" w="sm" len="sm"/>
-                      <a:tailEnd type="none" w="sm" len="sm"/>
-                    </a:lnR>
-                    <a:lnT w="12700" cap="flat" cmpd="sng">
-                      <a:solidFill>
-                        <a:schemeClr val="dk1"/>
-                      </a:solidFill>
-                      <a:prstDash val="solid"/>
-                      <a:round/>
-                      <a:headEnd type="none" w="sm" len="sm"/>
-                      <a:tailEnd type="none" w="sm" len="sm"/>
-                    </a:lnT>
-                    <a:lnB w="12700" cap="flat" cmpd="sng">
-                      <a:solidFill>
-                        <a:schemeClr val="dk1"/>
-                      </a:solidFill>
-                      <a:prstDash val="solid"/>
-                      <a:round/>
-                      <a:headEnd type="none" w="sm" len="sm"/>
-                      <a:tailEnd type="none" w="sm" len="sm"/>
-                    </a:lnB>
-                    <a:solidFill>
-                      <a:schemeClr val="lt1"/>
-                    </a:solidFill>
-                  </a:tcPr>
-                </a:tc>
-                <a:tc>
-                  <a:txBody>
-                    <a:bodyPr/>
-                    <a:lstStyle/>
-                    <a:p>
-                      <a:pPr marL="0" marR="0" lvl="0" indent="0" algn="l" rtl="0">
-                        <a:lnSpc>
-                          <a:spcPct val="100000"/>
-                        </a:lnSpc>
-                        <a:spcBef>
-                          <a:spcPts val="0"/>
-                        </a:spcBef>
-                        <a:spcAft>
-                          <a:spcPts val="0"/>
-                        </a:spcAft>
-                        <a:buClr>
-                          <a:srgbClr val="000000"/>
-                        </a:buClr>
-                        <a:buSzPts val="1500"/>
-                        <a:buFont typeface="Arial"/>
-                        <a:buNone/>
-                      </a:pPr>
-                      <a:r>
-                        <a:rPr lang="ko-KR" altLang="en-US" sz="1500" b="0" u="none" strike="noStrike" cap="none" dirty="0" smtClean="0">
-                          <a:solidFill>
-                            <a:schemeClr val="dk1"/>
-                          </a:solidFill>
-                        </a:rPr>
-                        <a:t>메인 헤더 페이지</a:t>
-                      </a:r>
-                      <a:endParaRPr lang="en-US" altLang="ko-KR" sz="1500" b="0" u="none" strike="noStrike" cap="none" baseline="0" dirty="0" smtClean="0">
-                        <a:solidFill>
-                          <a:schemeClr val="dk1"/>
-                        </a:solidFill>
-                      </a:endParaRPr>
-                    </a:p>
-                    <a:p>
-                      <a:pPr marL="0" marR="0" lvl="0" indent="0" algn="l" rtl="0">
-                        <a:lnSpc>
-                          <a:spcPct val="100000"/>
-                        </a:lnSpc>
-                        <a:spcBef>
-                          <a:spcPts val="0"/>
-                        </a:spcBef>
-                        <a:spcAft>
-                          <a:spcPts val="0"/>
-                        </a:spcAft>
-                        <a:buClr>
-                          <a:srgbClr val="000000"/>
-                        </a:buClr>
-                        <a:buSzPts val="1500"/>
-                        <a:buFont typeface="Arial"/>
-                        <a:buNone/>
-                      </a:pPr>
-                      <a:r>
-                        <a:rPr lang="en-US" sz="1500" b="0" u="none" strike="noStrike" cap="none" baseline="0" dirty="0" smtClean="0">
-                          <a:solidFill>
-                            <a:schemeClr val="dk1"/>
-                          </a:solidFill>
-                        </a:rPr>
-                        <a:t>- </a:t>
-                      </a:r>
-                      <a:r>
-                        <a:rPr lang="ko-KR" altLang="en-US" sz="1500" b="0" u="none" strike="noStrike" cap="none" baseline="0" dirty="0" smtClean="0">
-                          <a:solidFill>
-                            <a:schemeClr val="dk1"/>
-                          </a:solidFill>
-                        </a:rPr>
-                        <a:t>로고와 </a:t>
-                      </a:r>
-                      <a:r>
-                        <a:rPr lang="ko-KR" altLang="en-US" sz="1500" b="0" u="none" strike="noStrike" cap="none" baseline="0" dirty="0" err="1" smtClean="0">
-                          <a:solidFill>
-                            <a:schemeClr val="dk1"/>
-                          </a:solidFill>
-                        </a:rPr>
-                        <a:t>검색창</a:t>
-                      </a:r>
-                      <a:r>
-                        <a:rPr lang="en-US" altLang="ko-KR" sz="1500" b="0" u="none" strike="noStrike" cap="none" baseline="0" dirty="0" smtClean="0">
-                          <a:solidFill>
-                            <a:schemeClr val="dk1"/>
-                          </a:solidFill>
-                        </a:rPr>
-                        <a:t>, </a:t>
-                      </a:r>
-                      <a:r>
-                        <a:rPr lang="ko-KR" altLang="en-US" sz="1500" b="0" u="none" strike="noStrike" cap="none" baseline="0" dirty="0" smtClean="0">
-                          <a:solidFill>
-                            <a:schemeClr val="dk1"/>
-                          </a:solidFill>
-                        </a:rPr>
-                        <a:t>알림 </a:t>
-                      </a:r>
-                      <a:r>
-                        <a:rPr lang="ko-KR" altLang="en-US" sz="1500" b="0" u="none" strike="noStrike" cap="none" baseline="0" dirty="0" err="1" smtClean="0">
-                          <a:solidFill>
-                            <a:schemeClr val="dk1"/>
-                          </a:solidFill>
-                        </a:rPr>
-                        <a:t>모달창</a:t>
-                      </a:r>
-                      <a:r>
-                        <a:rPr lang="en-US" altLang="ko-KR" sz="1500" b="0" u="none" strike="noStrike" cap="none" baseline="0" dirty="0" smtClean="0">
-                          <a:solidFill>
-                            <a:schemeClr val="dk1"/>
-                          </a:solidFill>
-                        </a:rPr>
-                        <a:t>, </a:t>
-                      </a:r>
-                      <a:r>
-                        <a:rPr lang="ko-KR" altLang="en-US" sz="1500" b="0" u="none" strike="noStrike" cap="none" baseline="0" dirty="0" err="1" smtClean="0">
-                          <a:solidFill>
-                            <a:schemeClr val="dk1"/>
-                          </a:solidFill>
-                        </a:rPr>
-                        <a:t>메뉴바</a:t>
-                      </a:r>
-                      <a:r>
-                        <a:rPr lang="ko-KR" altLang="en-US" sz="1500" b="0" u="none" strike="noStrike" cap="none" baseline="0" dirty="0" smtClean="0">
-                          <a:solidFill>
-                            <a:schemeClr val="dk1"/>
-                          </a:solidFill>
-                        </a:rPr>
-                        <a:t> 구현</a:t>
-                      </a:r>
-                      <a:endParaRPr sz="1500" b="0" u="none" strike="noStrike" cap="none" dirty="0">
-                        <a:solidFill>
-                          <a:schemeClr val="dk1"/>
-                        </a:solidFill>
-                      </a:endParaRPr>
-                    </a:p>
-                  </a:txBody>
-                  <a:tcPr marL="74304" marR="74304" marT="45725" marB="45725">
-                    <a:lnL w="12700" cap="flat" cmpd="sng">
-                      <a:solidFill>
-                        <a:schemeClr val="dk1"/>
-                      </a:solidFill>
-                      <a:prstDash val="solid"/>
-                      <a:round/>
-                      <a:headEnd type="none" w="sm" len="sm"/>
-                      <a:tailEnd type="none" w="sm" len="sm"/>
-                    </a:lnL>
-                    <a:lnR w="12700" cap="flat" cmpd="sng">
-                      <a:solidFill>
-                        <a:schemeClr val="dk1"/>
-                      </a:solidFill>
-                      <a:prstDash val="solid"/>
-                      <a:round/>
-                      <a:headEnd type="none" w="sm" len="sm"/>
-                      <a:tailEnd type="none" w="sm" len="sm"/>
-                    </a:lnR>
-                    <a:lnT w="12700" cap="flat" cmpd="sng">
-                      <a:solidFill>
-                        <a:schemeClr val="dk1"/>
-                      </a:solidFill>
-                      <a:prstDash val="solid"/>
-                      <a:round/>
-                      <a:headEnd type="none" w="sm" len="sm"/>
-                      <a:tailEnd type="none" w="sm" len="sm"/>
-                    </a:lnT>
-                    <a:lnB w="12700" cap="flat" cmpd="sng">
-                      <a:solidFill>
-                        <a:schemeClr val="dk1"/>
-                      </a:solidFill>
-                      <a:prstDash val="solid"/>
-                      <a:round/>
-                      <a:headEnd type="none" w="sm" len="sm"/>
-                      <a:tailEnd type="none" w="sm" len="sm"/>
-                    </a:lnB>
-                    <a:solidFill>
-                      <a:schemeClr val="lt1"/>
-                    </a:solidFill>
-                  </a:tcPr>
-                </a:tc>
-                <a:extLst>
-                  <a:ext uri="{0D108BD9-81ED-4DB2-BD59-A6C34878D82A}">
-                    <a16:rowId xmlns="" xmlns:a16="http://schemas.microsoft.com/office/drawing/2014/main" val="10001"/>
-                  </a:ext>
-                </a:extLst>
-              </a:tr>
-              <a:tr h="551475">
-                <a:tc>
-                  <a:txBody>
-                    <a:bodyPr/>
-                    <a:lstStyle/>
-                    <a:p>
-                      <a:pPr marL="0" marR="0" lvl="0" indent="0" algn="ctr" rtl="0">
-                        <a:lnSpc>
-                          <a:spcPct val="100000"/>
-                        </a:lnSpc>
-                        <a:spcBef>
-                          <a:spcPts val="0"/>
-                        </a:spcBef>
-                        <a:spcAft>
-                          <a:spcPts val="0"/>
-                        </a:spcAft>
-                        <a:buClr>
-                          <a:srgbClr val="000000"/>
-                        </a:buClr>
-                        <a:buSzPts val="1500"/>
-                        <a:buFont typeface="Arial"/>
-                        <a:buNone/>
-                      </a:pPr>
-                      <a:r>
-                        <a:rPr lang="en-US" sz="1500" u="none" strike="noStrike" cap="none" dirty="0" smtClean="0">
-                          <a:solidFill>
-                            <a:schemeClr val="dk1"/>
-                          </a:solidFill>
-                        </a:rPr>
-                        <a:t>2</a:t>
-                      </a:r>
-                      <a:endParaRPr sz="1500" u="none" strike="noStrike" cap="none" dirty="0">
-                        <a:solidFill>
-                          <a:schemeClr val="dk1"/>
-                        </a:solidFill>
-                      </a:endParaRPr>
-                    </a:p>
-                  </a:txBody>
-                  <a:tcPr marL="74304" marR="74304" marT="45725" marB="45725" anchor="ctr">
-                    <a:lnL w="12700" cap="flat" cmpd="sng">
-                      <a:solidFill>
-                        <a:schemeClr val="dk1"/>
-                      </a:solidFill>
-                      <a:prstDash val="solid"/>
-                      <a:round/>
-                      <a:headEnd type="none" w="sm" len="sm"/>
-                      <a:tailEnd type="none" w="sm" len="sm"/>
-                    </a:lnL>
-                    <a:lnR w="12700" cap="flat" cmpd="sng">
-                      <a:solidFill>
-                        <a:schemeClr val="dk1"/>
-                      </a:solidFill>
-                      <a:prstDash val="solid"/>
-                      <a:round/>
-                      <a:headEnd type="none" w="sm" len="sm"/>
-                      <a:tailEnd type="none" w="sm" len="sm"/>
-                    </a:lnR>
-                    <a:lnT w="12700" cap="flat" cmpd="sng">
-                      <a:solidFill>
-                        <a:schemeClr val="dk1"/>
-                      </a:solidFill>
-                      <a:prstDash val="solid"/>
-                      <a:round/>
-                      <a:headEnd type="none" w="sm" len="sm"/>
-                      <a:tailEnd type="none" w="sm" len="sm"/>
-                    </a:lnT>
-                    <a:lnB w="12700" cap="flat" cmpd="sng">
-                      <a:solidFill>
-                        <a:schemeClr val="dk1"/>
-                      </a:solidFill>
-                      <a:prstDash val="solid"/>
-                      <a:round/>
-                      <a:headEnd type="none" w="sm" len="sm"/>
-                      <a:tailEnd type="none" w="sm" len="sm"/>
-                    </a:lnB>
-                    <a:solidFill>
-                      <a:schemeClr val="lt1"/>
-                    </a:solidFill>
-                  </a:tcPr>
-                </a:tc>
-                <a:tc>
-                  <a:txBody>
-                    <a:bodyPr/>
-                    <a:lstStyle/>
-                    <a:p>
-                      <a:pPr marL="0" marR="0" lvl="0" indent="0" algn="l" rtl="0">
-                        <a:lnSpc>
-                          <a:spcPct val="100000"/>
-                        </a:lnSpc>
-                        <a:spcBef>
-                          <a:spcPts val="0"/>
-                        </a:spcBef>
-                        <a:spcAft>
-                          <a:spcPts val="0"/>
-                        </a:spcAft>
-                        <a:buClr>
-                          <a:srgbClr val="000000"/>
-                        </a:buClr>
-                        <a:buSzPts val="1500"/>
-                        <a:buFont typeface="Arial"/>
-                        <a:buNone/>
-                      </a:pPr>
-                      <a:r>
-                        <a:rPr lang="ko-KR" altLang="en-US" sz="1500" u="none" strike="noStrike" cap="none" dirty="0" err="1" smtClean="0">
-                          <a:solidFill>
-                            <a:schemeClr val="dk1"/>
-                          </a:solidFill>
-                        </a:rPr>
-                        <a:t>세미나존</a:t>
-                      </a:r>
-                      <a:endParaRPr lang="en-US" altLang="ko-KR" sz="1500" u="none" strike="noStrike" cap="none" dirty="0" smtClean="0">
-                        <a:solidFill>
-                          <a:schemeClr val="dk1"/>
-                        </a:solidFill>
-                      </a:endParaRPr>
-                    </a:p>
-                    <a:p>
-                      <a:pPr marL="0" marR="0" lvl="0" indent="0" algn="l" rtl="0">
-                        <a:lnSpc>
-                          <a:spcPct val="100000"/>
-                        </a:lnSpc>
-                        <a:spcBef>
-                          <a:spcPts val="0"/>
-                        </a:spcBef>
-                        <a:spcAft>
-                          <a:spcPts val="0"/>
-                        </a:spcAft>
-                        <a:buClr>
-                          <a:srgbClr val="000000"/>
-                        </a:buClr>
-                        <a:buSzPts val="1500"/>
-                        <a:buFont typeface="Arial"/>
-                        <a:buNone/>
-                      </a:pPr>
-                      <a:r>
-                        <a:rPr lang="en-US" sz="1500" u="none" strike="noStrike" cap="none" dirty="0" smtClean="0">
-                          <a:solidFill>
-                            <a:schemeClr val="dk1"/>
-                          </a:solidFill>
-                        </a:rPr>
-                        <a:t>-</a:t>
-                      </a:r>
-                      <a:r>
-                        <a:rPr lang="en-US" sz="1500" u="none" strike="noStrike" cap="none" baseline="0" dirty="0" smtClean="0">
-                          <a:solidFill>
-                            <a:schemeClr val="dk1"/>
-                          </a:solidFill>
-                        </a:rPr>
-                        <a:t> </a:t>
-                      </a:r>
-                      <a:r>
-                        <a:rPr lang="ko-KR" altLang="en-US" sz="1500" u="none" strike="noStrike" cap="none" baseline="0" dirty="0" err="1" smtClean="0">
-                          <a:solidFill>
-                            <a:schemeClr val="dk1"/>
-                          </a:solidFill>
-                        </a:rPr>
-                        <a:t>세미나존</a:t>
-                      </a:r>
-                      <a:r>
-                        <a:rPr lang="ko-KR" altLang="en-US" sz="1500" u="none" strike="noStrike" cap="none" baseline="0" dirty="0" smtClean="0">
-                          <a:solidFill>
-                            <a:schemeClr val="dk1"/>
-                          </a:solidFill>
-                        </a:rPr>
-                        <a:t> 마다의 특징을 설명해주는 페이지</a:t>
-                      </a:r>
-                      <a:endParaRPr sz="1500" u="none" strike="noStrike" cap="none" dirty="0">
-                        <a:solidFill>
-                          <a:schemeClr val="dk1"/>
-                        </a:solidFill>
-                      </a:endParaRPr>
-                    </a:p>
-                  </a:txBody>
-                  <a:tcPr marL="74304" marR="74304" marT="45725" marB="45725">
-                    <a:lnL w="12700" cap="flat" cmpd="sng">
-                      <a:solidFill>
-                        <a:schemeClr val="dk1"/>
-                      </a:solidFill>
-                      <a:prstDash val="solid"/>
-                      <a:round/>
-                      <a:headEnd type="none" w="sm" len="sm"/>
-                      <a:tailEnd type="none" w="sm" len="sm"/>
-                    </a:lnL>
-                    <a:lnR w="12700" cap="flat" cmpd="sng">
-                      <a:solidFill>
-                        <a:schemeClr val="dk1"/>
-                      </a:solidFill>
-                      <a:prstDash val="solid"/>
-                      <a:round/>
-                      <a:headEnd type="none" w="sm" len="sm"/>
-                      <a:tailEnd type="none" w="sm" len="sm"/>
-                    </a:lnR>
-                    <a:lnT w="12700" cap="flat" cmpd="sng">
-                      <a:solidFill>
-                        <a:schemeClr val="dk1"/>
-                      </a:solidFill>
-                      <a:prstDash val="solid"/>
-                      <a:round/>
-                      <a:headEnd type="none" w="sm" len="sm"/>
-                      <a:tailEnd type="none" w="sm" len="sm"/>
-                    </a:lnT>
-                    <a:lnB w="12700" cap="flat" cmpd="sng">
-                      <a:solidFill>
-                        <a:schemeClr val="dk1"/>
-                      </a:solidFill>
-                      <a:prstDash val="solid"/>
-                      <a:round/>
-                      <a:headEnd type="none" w="sm" len="sm"/>
-                      <a:tailEnd type="none" w="sm" len="sm"/>
-                    </a:lnB>
-                    <a:solidFill>
-                      <a:schemeClr val="lt1"/>
-                    </a:solidFill>
-                  </a:tcPr>
-                </a:tc>
-                <a:extLst>
-                  <a:ext uri="{0D108BD9-81ED-4DB2-BD59-A6C34878D82A}">
-                    <a16:rowId xmlns="" xmlns:a16="http://schemas.microsoft.com/office/drawing/2014/main" val="10002"/>
-                  </a:ext>
-                </a:extLst>
-              </a:tr>
-              <a:tr h="781250">
-                <a:tc>
-                  <a:txBody>
-                    <a:bodyPr/>
-                    <a:lstStyle/>
-                    <a:p>
-                      <a:pPr marL="0" marR="0" lvl="0" indent="0" algn="ctr" rtl="0">
-                        <a:lnSpc>
-                          <a:spcPct val="100000"/>
-                        </a:lnSpc>
-                        <a:spcBef>
-                          <a:spcPts val="0"/>
-                        </a:spcBef>
-                        <a:spcAft>
-                          <a:spcPts val="0"/>
-                        </a:spcAft>
-                        <a:buClr>
-                          <a:srgbClr val="000000"/>
-                        </a:buClr>
-                        <a:buSzPts val="1500"/>
-                        <a:buFont typeface="Arial"/>
-                        <a:buNone/>
-                      </a:pPr>
-                      <a:r>
-                        <a:rPr lang="en-US" sz="1500" u="none" strike="noStrike" cap="none" dirty="0" smtClean="0">
-                          <a:solidFill>
-                            <a:schemeClr val="dk1"/>
-                          </a:solidFill>
-                        </a:rPr>
-                        <a:t>3</a:t>
-                      </a:r>
-                      <a:endParaRPr sz="1500" u="none" strike="noStrike" cap="none" dirty="0">
-                        <a:solidFill>
-                          <a:schemeClr val="dk1"/>
-                        </a:solidFill>
-                      </a:endParaRPr>
-                    </a:p>
-                  </a:txBody>
-                  <a:tcPr marL="74304" marR="74304" marT="45725" marB="45725" anchor="ctr">
-                    <a:lnL w="12700" cap="flat" cmpd="sng">
-                      <a:solidFill>
-                        <a:schemeClr val="dk1"/>
-                      </a:solidFill>
-                      <a:prstDash val="solid"/>
-                      <a:round/>
-                      <a:headEnd type="none" w="sm" len="sm"/>
-                      <a:tailEnd type="none" w="sm" len="sm"/>
-                    </a:lnL>
-                    <a:lnR w="12700" cap="flat" cmpd="sng">
-                      <a:solidFill>
-                        <a:schemeClr val="dk1"/>
-                      </a:solidFill>
-                      <a:prstDash val="solid"/>
-                      <a:round/>
-                      <a:headEnd type="none" w="sm" len="sm"/>
-                      <a:tailEnd type="none" w="sm" len="sm"/>
-                    </a:lnR>
-                    <a:lnT w="12700" cap="flat" cmpd="sng">
-                      <a:solidFill>
-                        <a:schemeClr val="dk1"/>
-                      </a:solidFill>
-                      <a:prstDash val="solid"/>
-                      <a:round/>
-                      <a:headEnd type="none" w="sm" len="sm"/>
-                      <a:tailEnd type="none" w="sm" len="sm"/>
-                    </a:lnT>
-                    <a:lnB w="12700" cap="flat" cmpd="sng">
-                      <a:solidFill>
-                        <a:schemeClr val="dk1"/>
-                      </a:solidFill>
-                      <a:prstDash val="solid"/>
-                      <a:round/>
-                      <a:headEnd type="none" w="sm" len="sm"/>
-                      <a:tailEnd type="none" w="sm" len="sm"/>
-                    </a:lnB>
-                    <a:solidFill>
-                      <a:schemeClr val="lt1"/>
-                    </a:solidFill>
-                  </a:tcPr>
-                </a:tc>
-                <a:tc>
-                  <a:txBody>
-                    <a:bodyPr/>
-                    <a:lstStyle/>
-                    <a:p>
-                      <a:pPr marL="0" marR="0" lvl="0" indent="0" algn="l" rtl="0">
-                        <a:lnSpc>
-                          <a:spcPct val="100000"/>
-                        </a:lnSpc>
-                        <a:spcBef>
-                          <a:spcPts val="0"/>
-                        </a:spcBef>
-                        <a:spcAft>
-                          <a:spcPts val="0"/>
-                        </a:spcAft>
-                        <a:buClr>
-                          <a:srgbClr val="000000"/>
-                        </a:buClr>
-                        <a:buSzPts val="1500"/>
-                        <a:buFont typeface="Arial"/>
-                        <a:buNone/>
-                      </a:pPr>
-                      <a:r>
-                        <a:rPr lang="ko-KR" altLang="en-US" sz="1500" u="none" strike="noStrike" cap="none" dirty="0" smtClean="0">
-                          <a:solidFill>
-                            <a:schemeClr val="dk1"/>
-                          </a:solidFill>
-                        </a:rPr>
-                        <a:t>추천 세미나</a:t>
-                      </a:r>
-                      <a:endParaRPr lang="en-US" altLang="ko-KR" sz="1500" u="none" strike="noStrike" cap="none" dirty="0" smtClean="0">
-                        <a:solidFill>
-                          <a:schemeClr val="dk1"/>
-                        </a:solidFill>
-                      </a:endParaRPr>
-                    </a:p>
-                    <a:p>
-                      <a:pPr marL="285750" marR="0" lvl="0" indent="-285750" algn="l" rtl="0">
-                        <a:lnSpc>
-                          <a:spcPct val="100000"/>
-                        </a:lnSpc>
-                        <a:spcBef>
-                          <a:spcPts val="0"/>
-                        </a:spcBef>
-                        <a:spcAft>
-                          <a:spcPts val="0"/>
-                        </a:spcAft>
-                        <a:buClr>
-                          <a:srgbClr val="000000"/>
-                        </a:buClr>
-                        <a:buSzPts val="1500"/>
-                        <a:buFontTx/>
-                        <a:buChar char="-"/>
-                      </a:pPr>
-                      <a:r>
-                        <a:rPr lang="ko-KR" altLang="en-US" sz="1500" u="none" strike="noStrike" cap="none" baseline="0" dirty="0" smtClean="0">
-                          <a:solidFill>
-                            <a:schemeClr val="dk1"/>
-                          </a:solidFill>
-                        </a:rPr>
-                        <a:t>등록 수가 가장 많은 순서대로</a:t>
-                      </a:r>
-                      <a:endParaRPr lang="en-US" altLang="ko-KR" sz="1500" u="none" strike="noStrike" cap="none" baseline="0" dirty="0" smtClean="0">
-                        <a:solidFill>
-                          <a:schemeClr val="dk1"/>
-                        </a:solidFill>
-                      </a:endParaRPr>
-                    </a:p>
-                    <a:p>
-                      <a:pPr marL="0" marR="0" lvl="0" indent="0" algn="l" rtl="0">
-                        <a:lnSpc>
-                          <a:spcPct val="100000"/>
-                        </a:lnSpc>
-                        <a:spcBef>
-                          <a:spcPts val="0"/>
-                        </a:spcBef>
-                        <a:spcAft>
-                          <a:spcPts val="0"/>
-                        </a:spcAft>
-                        <a:buClr>
-                          <a:srgbClr val="000000"/>
-                        </a:buClr>
-                        <a:buSzPts val="1500"/>
-                        <a:buFontTx/>
-                        <a:buNone/>
-                      </a:pPr>
-                      <a:r>
-                        <a:rPr lang="en-US" sz="1500" u="none" strike="noStrike" cap="none" baseline="0" dirty="0" smtClean="0">
-                          <a:solidFill>
-                            <a:schemeClr val="dk1"/>
-                          </a:solidFill>
-                        </a:rPr>
-                        <a:t> </a:t>
-                      </a:r>
-                      <a:r>
-                        <a:rPr lang="ko-KR" altLang="en-US" sz="1500" u="none" strike="noStrike" cap="none" baseline="0" dirty="0" smtClean="0">
-                          <a:solidFill>
-                            <a:schemeClr val="dk1"/>
-                          </a:solidFill>
-                        </a:rPr>
-                        <a:t>해당 세미나가 노출이 됨</a:t>
-                      </a:r>
-                      <a:endParaRPr sz="1500" u="none" strike="noStrike" cap="none" dirty="0">
-                        <a:solidFill>
-                          <a:schemeClr val="dk1"/>
-                        </a:solidFill>
-                      </a:endParaRPr>
-                    </a:p>
-                  </a:txBody>
-                  <a:tcPr marL="74304" marR="74304" marT="45725" marB="45725">
-                    <a:lnL w="12700" cap="flat" cmpd="sng">
-                      <a:solidFill>
-                        <a:schemeClr val="dk1"/>
-                      </a:solidFill>
-                      <a:prstDash val="solid"/>
-                      <a:round/>
-                      <a:headEnd type="none" w="sm" len="sm"/>
-                      <a:tailEnd type="none" w="sm" len="sm"/>
-                    </a:lnL>
-                    <a:lnR w="12700" cap="flat" cmpd="sng">
-                      <a:solidFill>
-                        <a:schemeClr val="dk1"/>
-                      </a:solidFill>
-                      <a:prstDash val="solid"/>
-                      <a:round/>
-                      <a:headEnd type="none" w="sm" len="sm"/>
-                      <a:tailEnd type="none" w="sm" len="sm"/>
-                    </a:lnR>
-                    <a:lnT w="12700" cap="flat" cmpd="sng">
-                      <a:solidFill>
-                        <a:schemeClr val="dk1"/>
-                      </a:solidFill>
-                      <a:prstDash val="solid"/>
-                      <a:round/>
-                      <a:headEnd type="none" w="sm" len="sm"/>
-                      <a:tailEnd type="none" w="sm" len="sm"/>
-                    </a:lnT>
-                    <a:lnB w="12700" cap="flat" cmpd="sng">
-                      <a:solidFill>
-                        <a:schemeClr val="dk1"/>
-                      </a:solidFill>
-                      <a:prstDash val="solid"/>
-                      <a:round/>
-                      <a:headEnd type="none" w="sm" len="sm"/>
-                      <a:tailEnd type="none" w="sm" len="sm"/>
-                    </a:lnB>
-                    <a:solidFill>
-                      <a:schemeClr val="lt1"/>
-                    </a:solidFill>
-                  </a:tcPr>
-                </a:tc>
-                <a:extLst>
-                  <a:ext uri="{0D108BD9-81ED-4DB2-BD59-A6C34878D82A}">
-                    <a16:rowId xmlns="" xmlns:a16="http://schemas.microsoft.com/office/drawing/2014/main" val="10003"/>
-                  </a:ext>
-                </a:extLst>
-              </a:tr>
-              <a:tr h="551475">
-                <a:tc>
-                  <a:txBody>
-                    <a:bodyPr/>
-                    <a:lstStyle/>
-                    <a:p>
-                      <a:pPr marL="0" marR="0" lvl="0" indent="0" algn="ctr" rtl="0">
-                        <a:lnSpc>
-                          <a:spcPct val="100000"/>
-                        </a:lnSpc>
-                        <a:spcBef>
-                          <a:spcPts val="0"/>
-                        </a:spcBef>
-                        <a:spcAft>
-                          <a:spcPts val="0"/>
-                        </a:spcAft>
-                        <a:buClr>
-                          <a:srgbClr val="000000"/>
-                        </a:buClr>
-                        <a:buSzPts val="1500"/>
-                        <a:buFont typeface="Arial"/>
-                        <a:buNone/>
-                      </a:pPr>
-                      <a:r>
-                        <a:rPr lang="en-US" sz="1500" u="none" strike="noStrike" cap="none" dirty="0" smtClean="0">
-                          <a:solidFill>
-                            <a:schemeClr val="dk1"/>
-                          </a:solidFill>
-                        </a:rPr>
-                        <a:t>4</a:t>
-                      </a:r>
-                      <a:endParaRPr sz="1500" u="none" strike="noStrike" cap="none" dirty="0">
-                        <a:solidFill>
-                          <a:schemeClr val="dk1"/>
-                        </a:solidFill>
-                      </a:endParaRPr>
-                    </a:p>
-                  </a:txBody>
-                  <a:tcPr marL="74304" marR="74304" marT="45725" marB="45725" anchor="ctr">
-                    <a:lnL w="12700" cap="flat" cmpd="sng">
-                      <a:solidFill>
-                        <a:schemeClr val="dk1"/>
-                      </a:solidFill>
-                      <a:prstDash val="solid"/>
-                      <a:round/>
-                      <a:headEnd type="none" w="sm" len="sm"/>
-                      <a:tailEnd type="none" w="sm" len="sm"/>
-                    </a:lnL>
-                    <a:lnR w="12700" cap="flat" cmpd="sng">
-                      <a:solidFill>
-                        <a:schemeClr val="dk1"/>
-                      </a:solidFill>
-                      <a:prstDash val="solid"/>
-                      <a:round/>
-                      <a:headEnd type="none" w="sm" len="sm"/>
-                      <a:tailEnd type="none" w="sm" len="sm"/>
-                    </a:lnR>
-                    <a:lnT w="12700" cap="flat" cmpd="sng">
-                      <a:solidFill>
-                        <a:schemeClr val="dk1"/>
-                      </a:solidFill>
-                      <a:prstDash val="solid"/>
-                      <a:round/>
-                      <a:headEnd type="none" w="sm" len="sm"/>
-                      <a:tailEnd type="none" w="sm" len="sm"/>
-                    </a:lnT>
-                    <a:lnB w="12700" cap="flat" cmpd="sng">
-                      <a:solidFill>
-                        <a:schemeClr val="dk1"/>
-                      </a:solidFill>
-                      <a:prstDash val="solid"/>
-                      <a:round/>
-                      <a:headEnd type="none" w="sm" len="sm"/>
-                      <a:tailEnd type="none" w="sm" len="sm"/>
-                    </a:lnB>
-                    <a:solidFill>
-                      <a:schemeClr val="lt1"/>
-                    </a:solidFill>
-                  </a:tcPr>
-                </a:tc>
-                <a:tc>
-                  <a:txBody>
-                    <a:bodyPr/>
-                    <a:lstStyle/>
-                    <a:p>
-                      <a:pPr marL="0" marR="0" lvl="0" indent="0" algn="l" rtl="0">
-                        <a:lnSpc>
-                          <a:spcPct val="100000"/>
-                        </a:lnSpc>
-                        <a:spcBef>
-                          <a:spcPts val="0"/>
-                        </a:spcBef>
-                        <a:spcAft>
-                          <a:spcPts val="0"/>
-                        </a:spcAft>
-                        <a:buClr>
-                          <a:srgbClr val="000000"/>
-                        </a:buClr>
-                        <a:buSzPts val="1500"/>
-                        <a:buFont typeface="Arial"/>
-                        <a:buNone/>
-                      </a:pPr>
-                      <a:r>
-                        <a:rPr lang="ko-KR" altLang="en-US" sz="1500" u="none" strike="noStrike" cap="none" dirty="0" smtClean="0">
-                          <a:solidFill>
-                            <a:schemeClr val="dk1"/>
-                          </a:solidFill>
-                        </a:rPr>
-                        <a:t>메인 </a:t>
-                      </a:r>
-                      <a:r>
-                        <a:rPr lang="en-US" altLang="ko-KR" sz="1500" u="none" strike="noStrike" cap="none" dirty="0" smtClean="0">
-                          <a:solidFill>
-                            <a:schemeClr val="dk1"/>
-                          </a:solidFill>
-                        </a:rPr>
-                        <a:t>Footer </a:t>
-                      </a:r>
-                      <a:r>
-                        <a:rPr lang="ko-KR" altLang="en-US" sz="1500" u="none" strike="noStrike" cap="none" dirty="0" smtClean="0">
-                          <a:solidFill>
-                            <a:schemeClr val="dk1"/>
-                          </a:solidFill>
-                        </a:rPr>
-                        <a:t>페이지</a:t>
-                      </a:r>
-                      <a:endParaRPr lang="en-US" altLang="ko-KR" sz="1500" u="none" strike="noStrike" cap="none" dirty="0" smtClean="0">
-                        <a:solidFill>
-                          <a:schemeClr val="dk1"/>
-                        </a:solidFill>
-                      </a:endParaRPr>
-                    </a:p>
-                    <a:p>
-                      <a:pPr marL="0" marR="0" lvl="0" indent="0" algn="l" rtl="0">
-                        <a:lnSpc>
-                          <a:spcPct val="100000"/>
-                        </a:lnSpc>
-                        <a:spcBef>
-                          <a:spcPts val="0"/>
-                        </a:spcBef>
-                        <a:spcAft>
-                          <a:spcPts val="0"/>
-                        </a:spcAft>
-                        <a:buClr>
-                          <a:srgbClr val="000000"/>
-                        </a:buClr>
-                        <a:buSzPts val="1500"/>
-                        <a:buFont typeface="Arial"/>
-                        <a:buNone/>
-                      </a:pPr>
-                      <a:r>
-                        <a:rPr lang="en-US" sz="1500" u="none" strike="noStrike" cap="none" dirty="0" smtClean="0">
-                          <a:solidFill>
-                            <a:schemeClr val="dk1"/>
-                          </a:solidFill>
-                        </a:rPr>
-                        <a:t>- </a:t>
-                      </a:r>
-                      <a:r>
-                        <a:rPr lang="ko-KR" altLang="en-US" sz="1500" u="none" strike="noStrike" cap="none" dirty="0" smtClean="0">
-                          <a:solidFill>
-                            <a:schemeClr val="dk1"/>
-                          </a:solidFill>
-                        </a:rPr>
-                        <a:t>회사 정보를 나타냄</a:t>
-                      </a:r>
-                      <a:endParaRPr sz="1500" u="none" strike="noStrike" cap="none" dirty="0">
-                        <a:solidFill>
-                          <a:schemeClr val="dk1"/>
-                        </a:solidFill>
-                      </a:endParaRPr>
-                    </a:p>
-                  </a:txBody>
-                  <a:tcPr marL="74304" marR="74304" marT="45725" marB="45725">
-                    <a:lnL w="12700" cap="flat" cmpd="sng">
-                      <a:solidFill>
-                        <a:schemeClr val="dk1"/>
-                      </a:solidFill>
-                      <a:prstDash val="solid"/>
-                      <a:round/>
-                      <a:headEnd type="none" w="sm" len="sm"/>
-                      <a:tailEnd type="none" w="sm" len="sm"/>
-                    </a:lnL>
-                    <a:lnR w="12700" cap="flat" cmpd="sng">
-                      <a:solidFill>
-                        <a:schemeClr val="dk1"/>
-                      </a:solidFill>
-                      <a:prstDash val="solid"/>
-                      <a:round/>
-                      <a:headEnd type="none" w="sm" len="sm"/>
-                      <a:tailEnd type="none" w="sm" len="sm"/>
-                    </a:lnR>
-                    <a:lnT w="12700" cap="flat" cmpd="sng">
-                      <a:solidFill>
-                        <a:schemeClr val="dk1"/>
-                      </a:solidFill>
-                      <a:prstDash val="solid"/>
-                      <a:round/>
-                      <a:headEnd type="none" w="sm" len="sm"/>
-                      <a:tailEnd type="none" w="sm" len="sm"/>
-                    </a:lnT>
-                    <a:lnB w="12700" cap="flat" cmpd="sng">
-                      <a:solidFill>
-                        <a:schemeClr val="dk1"/>
-                      </a:solidFill>
-                      <a:prstDash val="solid"/>
-                      <a:round/>
-                      <a:headEnd type="none" w="sm" len="sm"/>
-                      <a:tailEnd type="none" w="sm" len="sm"/>
-                    </a:lnB>
-                    <a:solidFill>
-                      <a:schemeClr val="lt1"/>
-                    </a:solidFill>
-                  </a:tcPr>
-                </a:tc>
-                <a:extLst>
-                  <a:ext uri="{0D108BD9-81ED-4DB2-BD59-A6C34878D82A}">
-                    <a16:rowId xmlns="" xmlns:a16="http://schemas.microsoft.com/office/drawing/2014/main" val="10004"/>
-                  </a:ext>
-                </a:extLst>
-              </a:tr>
-              <a:tr h="644050">
-                <a:tc>
-                  <a:txBody>
-                    <a:bodyPr/>
-                    <a:lstStyle/>
-                    <a:p>
-                      <a:pPr marL="0" marR="0" lvl="0" indent="0" algn="ctr" rtl="0">
-                        <a:lnSpc>
-                          <a:spcPct val="100000"/>
-                        </a:lnSpc>
-                        <a:spcBef>
-                          <a:spcPts val="0"/>
-                        </a:spcBef>
-                        <a:spcAft>
-                          <a:spcPts val="0"/>
-                        </a:spcAft>
-                        <a:buClr>
-                          <a:srgbClr val="000000"/>
-                        </a:buClr>
-                        <a:buSzPts val="1500"/>
-                        <a:buFont typeface="Arial"/>
-                        <a:buNone/>
-                      </a:pPr>
-                      <a:r>
-                        <a:rPr lang="en-US" sz="1500" u="none" strike="noStrike" cap="none" dirty="0" smtClean="0">
-                          <a:solidFill>
-                            <a:schemeClr val="dk1"/>
-                          </a:solidFill>
-                        </a:rPr>
-                        <a:t>5</a:t>
-                      </a:r>
-                      <a:endParaRPr sz="1500" u="none" strike="noStrike" cap="none" dirty="0">
-                        <a:solidFill>
-                          <a:schemeClr val="dk1"/>
-                        </a:solidFill>
-                      </a:endParaRPr>
-                    </a:p>
-                  </a:txBody>
-                  <a:tcPr marL="74304" marR="74304" marT="45725" marB="45725" anchor="ctr">
-                    <a:lnL w="12700" cap="flat" cmpd="sng">
-                      <a:solidFill>
-                        <a:schemeClr val="dk1"/>
-                      </a:solidFill>
-                      <a:prstDash val="solid"/>
-                      <a:round/>
-                      <a:headEnd type="none" w="sm" len="sm"/>
-                      <a:tailEnd type="none" w="sm" len="sm"/>
-                    </a:lnL>
-                    <a:lnR w="12700" cap="flat" cmpd="sng">
-                      <a:solidFill>
-                        <a:schemeClr val="dk1"/>
-                      </a:solidFill>
-                      <a:prstDash val="solid"/>
-                      <a:round/>
-                      <a:headEnd type="none" w="sm" len="sm"/>
-                      <a:tailEnd type="none" w="sm" len="sm"/>
-                    </a:lnR>
-                    <a:lnT w="12700" cap="flat" cmpd="sng">
-                      <a:solidFill>
-                        <a:schemeClr val="dk1"/>
-                      </a:solidFill>
-                      <a:prstDash val="solid"/>
-                      <a:round/>
-                      <a:headEnd type="none" w="sm" len="sm"/>
-                      <a:tailEnd type="none" w="sm" len="sm"/>
-                    </a:lnT>
-                    <a:lnB w="12700" cap="flat" cmpd="sng">
-                      <a:solidFill>
-                        <a:schemeClr val="dk1"/>
-                      </a:solidFill>
-                      <a:prstDash val="solid"/>
-                      <a:round/>
-                      <a:headEnd type="none" w="sm" len="sm"/>
-                      <a:tailEnd type="none" w="sm" len="sm"/>
-                    </a:lnB>
-                    <a:solidFill>
-                      <a:schemeClr val="lt1"/>
-                    </a:solidFill>
-                  </a:tcPr>
-                </a:tc>
-                <a:tc>
-                  <a:txBody>
-                    <a:bodyPr/>
-                    <a:lstStyle/>
-                    <a:p>
-                      <a:pPr marL="0" marR="0" lvl="0" indent="0" algn="l" rtl="0">
-                        <a:lnSpc>
-                          <a:spcPct val="100000"/>
-                        </a:lnSpc>
-                        <a:spcBef>
-                          <a:spcPts val="0"/>
-                        </a:spcBef>
-                        <a:spcAft>
-                          <a:spcPts val="0"/>
-                        </a:spcAft>
-                        <a:buNone/>
-                      </a:pPr>
-                      <a:r>
-                        <a:rPr lang="ko-KR" altLang="en-US" sz="1500" u="none" strike="noStrike" cap="none" dirty="0" err="1" smtClean="0">
-                          <a:solidFill>
-                            <a:schemeClr val="dk1"/>
-                          </a:solidFill>
-                        </a:rPr>
-                        <a:t>캐러셀</a:t>
-                      </a:r>
-                      <a:r>
-                        <a:rPr lang="ko-KR" altLang="en-US" sz="1500" u="none" strike="noStrike" cap="none" dirty="0" smtClean="0">
-                          <a:solidFill>
-                            <a:schemeClr val="dk1"/>
-                          </a:solidFill>
-                        </a:rPr>
-                        <a:t> 배너</a:t>
-                      </a:r>
-                      <a:endParaRPr lang="en-US" altLang="ko-KR" sz="1500" u="none" strike="noStrike" cap="none" dirty="0" smtClean="0">
-                        <a:solidFill>
-                          <a:schemeClr val="dk1"/>
-                        </a:solidFill>
-                      </a:endParaRPr>
-                    </a:p>
-                    <a:p>
-                      <a:pPr marL="0" marR="0" lvl="0" indent="0" algn="l" rtl="0">
-                        <a:lnSpc>
-                          <a:spcPct val="100000"/>
-                        </a:lnSpc>
-                        <a:spcBef>
-                          <a:spcPts val="0"/>
-                        </a:spcBef>
-                        <a:spcAft>
-                          <a:spcPts val="0"/>
-                        </a:spcAft>
-                        <a:buNone/>
-                      </a:pPr>
-                      <a:r>
-                        <a:rPr lang="en-US" sz="1500" u="none" strike="noStrike" cap="none" dirty="0" smtClean="0">
-                          <a:solidFill>
-                            <a:schemeClr val="dk1"/>
-                          </a:solidFill>
-                        </a:rPr>
-                        <a:t>-</a:t>
-                      </a:r>
-                      <a:r>
-                        <a:rPr lang="en-US" sz="1500" u="none" strike="noStrike" cap="none" baseline="0" dirty="0" smtClean="0">
-                          <a:solidFill>
-                            <a:schemeClr val="dk1"/>
-                          </a:solidFill>
-                        </a:rPr>
-                        <a:t> </a:t>
-                      </a:r>
-                      <a:r>
-                        <a:rPr lang="ko-KR" altLang="en-US" sz="1500" u="none" strike="noStrike" cap="none" baseline="0" dirty="0" smtClean="0">
-                          <a:solidFill>
-                            <a:schemeClr val="dk1"/>
-                          </a:solidFill>
-                        </a:rPr>
-                        <a:t>인기 많은 세미나 홍보 이미지를 </a:t>
-                      </a:r>
-                      <a:r>
-                        <a:rPr lang="ko-KR" altLang="en-US" sz="1500" u="none" strike="noStrike" cap="none" baseline="0" dirty="0" err="1" smtClean="0">
-                          <a:solidFill>
-                            <a:schemeClr val="dk1"/>
-                          </a:solidFill>
-                        </a:rPr>
-                        <a:t>캐러셀</a:t>
-                      </a:r>
-                      <a:r>
-                        <a:rPr lang="ko-KR" altLang="en-US" sz="1500" u="none" strike="noStrike" cap="none" baseline="0" dirty="0" smtClean="0">
-                          <a:solidFill>
-                            <a:schemeClr val="dk1"/>
-                          </a:solidFill>
-                        </a:rPr>
-                        <a:t> 배너로 노출 시킴</a:t>
-                      </a:r>
-                      <a:endParaRPr sz="1500" u="none" strike="noStrike" cap="none" dirty="0">
-                        <a:solidFill>
-                          <a:schemeClr val="dk1"/>
-                        </a:solidFill>
-                      </a:endParaRPr>
-                    </a:p>
-                  </a:txBody>
-                  <a:tcPr marL="74304" marR="74304" marT="45725" marB="45725">
-                    <a:lnL w="12700" cap="flat" cmpd="sng">
-                      <a:solidFill>
-                        <a:schemeClr val="dk1"/>
-                      </a:solidFill>
-                      <a:prstDash val="solid"/>
-                      <a:round/>
-                      <a:headEnd type="none" w="sm" len="sm"/>
-                      <a:tailEnd type="none" w="sm" len="sm"/>
-                    </a:lnL>
-                    <a:lnR w="12700" cap="flat" cmpd="sng">
-                      <a:solidFill>
-                        <a:schemeClr val="dk1"/>
-                      </a:solidFill>
-                      <a:prstDash val="solid"/>
-                      <a:round/>
-                      <a:headEnd type="none" w="sm" len="sm"/>
-                      <a:tailEnd type="none" w="sm" len="sm"/>
-                    </a:lnR>
-                    <a:lnT w="12700" cap="flat" cmpd="sng">
-                      <a:solidFill>
-                        <a:schemeClr val="dk1"/>
-                      </a:solidFill>
-                      <a:prstDash val="solid"/>
-                      <a:round/>
-                      <a:headEnd type="none" w="sm" len="sm"/>
-                      <a:tailEnd type="none" w="sm" len="sm"/>
-                    </a:lnT>
-                    <a:lnB w="12700" cap="flat" cmpd="sng">
-                      <a:solidFill>
-                        <a:schemeClr val="dk1"/>
-                      </a:solidFill>
-                      <a:prstDash val="solid"/>
-                      <a:round/>
-                      <a:headEnd type="none" w="sm" len="sm"/>
-                      <a:tailEnd type="none" w="sm" len="sm"/>
-                    </a:lnB>
-                    <a:solidFill>
-                      <a:schemeClr val="lt1"/>
-                    </a:solidFill>
-                  </a:tcPr>
-                </a:tc>
-                <a:extLst>
-                  <a:ext uri="{0D108BD9-81ED-4DB2-BD59-A6C34878D82A}">
-                    <a16:rowId xmlns="" xmlns:a16="http://schemas.microsoft.com/office/drawing/2014/main" val="10005"/>
-                  </a:ext>
-                </a:extLst>
-              </a:tr>
-            </a:tbl>
-          </a:graphicData>
-        </a:graphic>
-      </p:graphicFrame>
-      <p:sp>
-        <p:nvSpPr>
-          <p:cNvPr id="8" name="직사각형 7"/>
-          <p:cNvSpPr/>
-          <p:nvPr/>
-        </p:nvSpPr>
-        <p:spPr>
-          <a:xfrm>
-            <a:off x="766123" y="1630346"/>
-            <a:ext cx="6251490" cy="2216724"/>
-          </a:xfrm>
-          <a:prstGeom prst="rect">
-            <a:avLst/>
-          </a:prstGeom>
-          <a:noFill/>
-          <a:ln w="25400">
-            <a:solidFill>
-              <a:srgbClr val="FF0000"/>
-            </a:solidFill>
-          </a:ln>
-        </p:spPr>
-        <p:style>
-          <a:lnRef idx="2">
-            <a:schemeClr val="accent1">
-              <a:shade val="50000"/>
-            </a:schemeClr>
-          </a:lnRef>
-          <a:fillRef idx="1">
-            <a:schemeClr val="accent1"/>
-          </a:fillRef>
-          <a:effectRef idx="0">
-            <a:schemeClr val="accent1"/>
-          </a:effectRef>
-          <a:fontRef idx="minor">
-            <a:schemeClr val="lt1"/>
-          </a:fontRef>
-        </p:style>
-        <p:txBody>
-          <a:bodyPr rtlCol="0" anchor="ctr"/>
-          <a:lstStyle/>
-          <a:p>
-            <a:pPr algn="ctr"/>
             <a:endParaRPr lang="ko-KR" altLang="en-US"/>
           </a:p>
         </p:txBody>
       </p:sp>
       <p:pic>
         <p:nvPicPr>
-          <p:cNvPr id="9" name="그림 8"/>
+          <p:cNvPr id="4" name="그림 3"/>
           <p:cNvPicPr>
             <a:picLocks noChangeAspect="1"/>
           </p:cNvPicPr>
@@ -11049,283 +12253,86 @@
         </p:blipFill>
         <p:spPr>
           <a:xfrm>
-            <a:off x="834186" y="1752237"/>
-            <a:ext cx="6115365" cy="1967739"/>
+            <a:off x="1793281" y="1632857"/>
+            <a:ext cx="2379108" cy="4730621"/>
           </a:xfrm>
           <a:prstGeom prst="rect">
             <a:avLst/>
           </a:prstGeom>
         </p:spPr>
       </p:pic>
-      <p:sp>
-        <p:nvSpPr>
-          <p:cNvPr id="10" name="Google Shape;173;g7c553259d1_0_81"/>
-          <p:cNvSpPr/>
+      <p:pic>
+        <p:nvPicPr>
+          <p:cNvPr id="5" name="그림 4"/>
+          <p:cNvPicPr>
+            <a:picLocks noChangeAspect="1"/>
+          </p:cNvPicPr>
           <p:nvPr/>
-        </p:nvSpPr>
+        </p:nvPicPr>
+        <p:blipFill>
+          <a:blip r:embed="rId3"/>
+          <a:stretch>
+            <a:fillRect/>
+          </a:stretch>
+        </p:blipFill>
         <p:spPr>
           <a:xfrm>
-            <a:off x="889095" y="1625137"/>
-            <a:ext cx="245944" cy="324600"/>
+            <a:off x="4404874" y="1987420"/>
+            <a:ext cx="3352849" cy="2796073"/>
           </a:xfrm>
           <a:prstGeom prst="rect">
             <a:avLst/>
           </a:prstGeom>
-          <a:solidFill>
-            <a:srgbClr val="FF0000"/>
-          </a:solidFill>
           <a:ln>
-            <a:noFill/>
+            <a:solidFill>
+              <a:schemeClr val="tx1"/>
+            </a:solidFill>
           </a:ln>
         </p:spPr>
-        <p:txBody>
-          <a:bodyPr spcFirstLastPara="1" wrap="square" lIns="91425" tIns="45700" rIns="91425" bIns="45700" anchor="ctr" anchorCtr="0">
-            <a:noAutofit/>
-          </a:bodyPr>
-          <a:lstStyle/>
-          <a:p>
-            <a:pPr algn="ctr">
-              <a:buClr>
-                <a:srgbClr val="000000"/>
-              </a:buClr>
-              <a:buSzPts val="1800"/>
-            </a:pPr>
-            <a:r>
-              <a:rPr lang="en-US" altLang="ko-KR" b="1" dirty="0">
-                <a:solidFill>
-                  <a:schemeClr val="dk1"/>
-                </a:solidFill>
-                <a:latin typeface="Malgun Gothic"/>
-                <a:ea typeface="Malgun Gothic"/>
-                <a:cs typeface="Malgun Gothic"/>
-                <a:sym typeface="Malgun Gothic"/>
-              </a:rPr>
-              <a:t>1</a:t>
-            </a:r>
-            <a:endParaRPr b="1" dirty="0">
-              <a:solidFill>
-                <a:schemeClr val="dk1"/>
-              </a:solidFill>
-              <a:latin typeface="Malgun Gothic"/>
-              <a:ea typeface="Malgun Gothic"/>
-              <a:cs typeface="Malgun Gothic"/>
-              <a:sym typeface="Malgun Gothic"/>
-            </a:endParaRPr>
-          </a:p>
-        </p:txBody>
-      </p:sp>
-      <p:graphicFrame>
-        <p:nvGraphicFramePr>
-          <p:cNvPr id="11" name="표 10"/>
-          <p:cNvGraphicFramePr>
-            <a:graphicFrameLocks noGrp="1"/>
-          </p:cNvGraphicFramePr>
-          <p:nvPr>
-            <p:extLst/>
-          </p:nvPr>
-        </p:nvGraphicFramePr>
-        <p:xfrm>
-          <a:off x="8650244" y="1305087"/>
-          <a:ext cx="2788860" cy="640100"/>
-        </p:xfrm>
-        <a:graphic>
-          <a:graphicData uri="http://schemas.openxmlformats.org/drawingml/2006/table">
-            <a:tbl>
-              <a:tblPr firstRow="1" bandRow="1">
-                <a:noFill/>
-              </a:tblPr>
-              <a:tblGrid>
-                <a:gridCol w="2788860"/>
-              </a:tblGrid>
-              <a:tr h="168164">
-                <a:tc>
-                  <a:txBody>
-                    <a:bodyPr/>
-                    <a:lstStyle/>
-                    <a:p>
-                      <a:pPr marL="0" marR="0" lvl="0" indent="0" algn="ctr" rtl="0">
-                        <a:lnSpc>
-                          <a:spcPct val="100000"/>
-                        </a:lnSpc>
-                        <a:spcBef>
-                          <a:spcPts val="0"/>
-                        </a:spcBef>
-                        <a:spcAft>
-                          <a:spcPts val="0"/>
-                        </a:spcAft>
-                        <a:buClr>
-                          <a:srgbClr val="000000"/>
-                        </a:buClr>
-                        <a:buSzPts val="1500"/>
-                        <a:buFont typeface="Arial"/>
-                        <a:buNone/>
-                      </a:pPr>
-                      <a:r>
-                        <a:rPr lang="ko-KR" altLang="en-US" sz="1500" b="0" u="none" strike="noStrike" cap="none" dirty="0" smtClean="0">
-                          <a:solidFill>
-                            <a:schemeClr val="dk1"/>
-                          </a:solidFill>
-                        </a:rPr>
-                        <a:t>화면코드</a:t>
-                      </a:r>
-                      <a:endParaRPr sz="1500" b="0" u="none" strike="noStrike" cap="none" dirty="0">
-                        <a:solidFill>
-                          <a:schemeClr val="dk1"/>
-                        </a:solidFill>
-                      </a:endParaRPr>
-                    </a:p>
-                  </a:txBody>
-                  <a:tcPr marL="74304" marR="74304" marT="45725" marB="45725" anchor="ctr">
-                    <a:lnL w="12700" cap="flat" cmpd="sng">
-                      <a:solidFill>
-                        <a:schemeClr val="dk1"/>
-                      </a:solidFill>
-                      <a:prstDash val="solid"/>
-                      <a:round/>
-                      <a:headEnd type="none" w="sm" len="sm"/>
-                      <a:tailEnd type="none" w="sm" len="sm"/>
-                    </a:lnL>
-                    <a:lnR w="12700" cap="flat" cmpd="sng">
-                      <a:solidFill>
-                        <a:schemeClr val="dk1"/>
-                      </a:solidFill>
-                      <a:prstDash val="solid"/>
-                      <a:round/>
-                      <a:headEnd type="none" w="sm" len="sm"/>
-                      <a:tailEnd type="none" w="sm" len="sm"/>
-                    </a:lnR>
-                    <a:lnT w="12700" cap="flat" cmpd="sng">
-                      <a:solidFill>
-                        <a:schemeClr val="dk1"/>
-                      </a:solidFill>
-                      <a:prstDash val="solid"/>
-                      <a:round/>
-                      <a:headEnd type="none" w="sm" len="sm"/>
-                      <a:tailEnd type="none" w="sm" len="sm"/>
-                    </a:lnT>
-                    <a:lnB w="12700" cap="flat" cmpd="sng" algn="ctr">
-                      <a:solidFill>
-                        <a:schemeClr val="dk1"/>
-                      </a:solidFill>
-                      <a:prstDash val="solid"/>
-                      <a:round/>
-                      <a:headEnd type="none" w="sm" len="sm"/>
-                      <a:tailEnd type="none" w="sm" len="sm"/>
-                    </a:lnB>
-                    <a:solidFill>
-                      <a:srgbClr val="D8D8D8"/>
-                    </a:solidFill>
-                  </a:tcPr>
-                </a:tc>
-              </a:tr>
-              <a:tr h="168164">
-                <a:tc>
-                  <a:txBody>
-                    <a:bodyPr/>
-                    <a:lstStyle/>
-                    <a:p>
-                      <a:pPr marL="0" marR="0" lvl="0" indent="0" algn="ctr" defTabSz="914400" rtl="0" eaLnBrk="1" fontAlgn="auto" latinLnBrk="1" hangingPunct="1">
-                        <a:lnSpc>
-                          <a:spcPct val="100000"/>
-                        </a:lnSpc>
-                        <a:spcBef>
-                          <a:spcPts val="0"/>
-                        </a:spcBef>
-                        <a:spcAft>
-                          <a:spcPts val="0"/>
-                        </a:spcAft>
-                        <a:buClr>
-                          <a:srgbClr val="000000"/>
-                        </a:buClr>
-                        <a:buSzPts val="1500"/>
-                        <a:buFont typeface="Arial"/>
-                        <a:buNone/>
-                        <a:tabLst/>
-                        <a:defRPr/>
-                      </a:pPr>
-                      <a:r>
-                        <a:rPr lang="en-US" altLang="ko-KR" sz="1500" b="0" u="none" strike="noStrike" cap="none" smtClean="0">
-                          <a:solidFill>
-                            <a:schemeClr val="dk1"/>
-                          </a:solidFill>
-                        </a:rPr>
-                        <a:t>kb_user_w_mainHeader</a:t>
-                      </a:r>
-                      <a:endParaRPr lang="en-US" altLang="ko-KR" sz="1500" b="0" u="none" strike="noStrike" cap="none" dirty="0" smtClean="0">
-                        <a:solidFill>
-                          <a:schemeClr val="dk1"/>
-                        </a:solidFill>
-                      </a:endParaRPr>
-                    </a:p>
-                  </a:txBody>
-                  <a:tcPr marL="74304" marR="74304" marT="45725" marB="45725" anchor="ctr">
-                    <a:lnL w="12700" cap="flat" cmpd="sng" algn="ctr">
-                      <a:solidFill>
-                        <a:schemeClr val="dk1"/>
-                      </a:solidFill>
-                      <a:prstDash val="solid"/>
-                      <a:round/>
-                      <a:headEnd type="none" w="sm" len="sm"/>
-                      <a:tailEnd type="none" w="sm" len="sm"/>
-                    </a:lnL>
-                    <a:lnR w="12700" cap="flat" cmpd="sng" algn="ctr">
-                      <a:solidFill>
-                        <a:schemeClr val="dk1"/>
-                      </a:solidFill>
-                      <a:prstDash val="solid"/>
-                      <a:round/>
-                      <a:headEnd type="none" w="sm" len="sm"/>
-                      <a:tailEnd type="none" w="sm" len="sm"/>
-                    </a:lnR>
-                    <a:lnT w="12700" cap="flat" cmpd="sng" algn="ctr">
-                      <a:solidFill>
-                        <a:schemeClr val="dk1"/>
-                      </a:solidFill>
-                      <a:prstDash val="solid"/>
-                      <a:round/>
-                      <a:headEnd type="none" w="sm" len="sm"/>
-                      <a:tailEnd type="none" w="sm" len="sm"/>
-                    </a:lnT>
-                    <a:lnB w="12700" cap="flat" cmpd="sng">
-                      <a:solidFill>
-                        <a:schemeClr val="dk1"/>
-                      </a:solidFill>
-                      <a:prstDash val="solid"/>
-                      <a:round/>
-                      <a:headEnd type="none" w="sm" len="sm"/>
-                      <a:tailEnd type="none" w="sm" len="sm"/>
-                    </a:lnB>
-                    <a:solidFill>
-                      <a:schemeClr val="bg1"/>
-                    </a:solidFill>
-                  </a:tcPr>
-                </a:tc>
-              </a:tr>
-            </a:tbl>
-          </a:graphicData>
-        </a:graphic>
-      </p:graphicFrame>
+      </p:pic>
+      <p:pic>
+        <p:nvPicPr>
+          <p:cNvPr id="6" name="그림 5"/>
+          <p:cNvPicPr>
+            <a:picLocks noChangeAspect="1"/>
+          </p:cNvPicPr>
+          <p:nvPr/>
+        </p:nvPicPr>
+        <p:blipFill>
+          <a:blip r:embed="rId4"/>
+          <a:stretch>
+            <a:fillRect/>
+          </a:stretch>
+        </p:blipFill>
+        <p:spPr>
+          <a:xfrm>
+            <a:off x="7757723" y="1782148"/>
+            <a:ext cx="3644126" cy="3469335"/>
+          </a:xfrm>
+          <a:prstGeom prst="rect">
+            <a:avLst/>
+          </a:prstGeom>
+          <a:ln>
+            <a:solidFill>
+              <a:schemeClr val="tx1"/>
+            </a:solidFill>
+          </a:ln>
+        </p:spPr>
+      </p:pic>
     </p:spTree>
     <p:extLst>
       <p:ext uri="{BB962C8B-B14F-4D97-AF65-F5344CB8AC3E}">
-        <p14:creationId xmlns:p14="http://schemas.microsoft.com/office/powerpoint/2010/main" val="2464540602"/>
+        <p14:creationId xmlns:p14="http://schemas.microsoft.com/office/powerpoint/2010/main" val="1158394076"/>
       </p:ext>
     </p:extLst>
   </p:cSld>
   <p:clrMapOvr>
     <a:masterClrMapping/>
   </p:clrMapOvr>
-  <p:timing>
-    <p:tnLst>
-      <p:par>
-        <p:cTn id="1" dur="indefinite" restart="never" nodeType="tmRoot"/>
-      </p:par>
-    </p:tnLst>
-  </p:timing>
 </p:sld>
 </file>
 
-<file path=ppt/slides/slide20.xml><?xml version="1.0" encoding="utf-8"?>
+<file path=ppt/slides/slide25.xml><?xml version="1.0" encoding="utf-8"?>
 <p:sld xmlns:a="http://schemas.openxmlformats.org/drawingml/2006/main" xmlns:r="http://schemas.openxmlformats.org/officeDocument/2006/relationships" xmlns:p="http://schemas.openxmlformats.org/presentationml/2006/main">
   <p:cSld>
     <p:spTree>
@@ -11532,14 +12539,14 @@
                 <a:gridCol w="311106">
                   <a:extLst>
                     <a:ext uri="{9D8B030D-6E8A-4147-A177-3AD203B41FA5}">
-                      <a16:colId xmlns="" xmlns:a16="http://schemas.microsoft.com/office/drawing/2014/main" val="20000"/>
+                      <a16:colId xmlns:a16="http://schemas.microsoft.com/office/drawing/2014/main" xmlns="" val="20000"/>
                     </a:ext>
                   </a:extLst>
                 </a:gridCol>
                 <a:gridCol w="2558644">
                   <a:extLst>
                     <a:ext uri="{9D8B030D-6E8A-4147-A177-3AD203B41FA5}">
-                      <a16:colId xmlns="" xmlns:a16="http://schemas.microsoft.com/office/drawing/2014/main" val="20001"/>
+                      <a16:colId xmlns:a16="http://schemas.microsoft.com/office/drawing/2014/main" xmlns="" val="20001"/>
                     </a:ext>
                   </a:extLst>
                 </a:gridCol>
@@ -11697,7 +12704,7 @@
                 </a:tc>
                 <a:extLst>
                   <a:ext uri="{0D108BD9-81ED-4DB2-BD59-A6C34878D82A}">
-                    <a16:rowId xmlns="" xmlns:a16="http://schemas.microsoft.com/office/drawing/2014/main" val="10000"/>
+                    <a16:rowId xmlns:a16="http://schemas.microsoft.com/office/drawing/2014/main" xmlns="" val="10000"/>
                   </a:ext>
                 </a:extLst>
               </a:tr>
@@ -11854,7 +12861,7 @@
                 </a:tc>
                 <a:extLst>
                   <a:ext uri="{0D108BD9-81ED-4DB2-BD59-A6C34878D82A}">
-                    <a16:rowId xmlns="" xmlns:a16="http://schemas.microsoft.com/office/drawing/2014/main" val="10001"/>
+                    <a16:rowId xmlns:a16="http://schemas.microsoft.com/office/drawing/2014/main" xmlns="" val="10001"/>
                   </a:ext>
                 </a:extLst>
               </a:tr>
@@ -12012,7 +13019,7 @@
                 </a:tc>
                 <a:extLst>
                   <a:ext uri="{0D108BD9-81ED-4DB2-BD59-A6C34878D82A}">
-                    <a16:rowId xmlns="" xmlns:a16="http://schemas.microsoft.com/office/drawing/2014/main" val="10002"/>
+                    <a16:rowId xmlns:a16="http://schemas.microsoft.com/office/drawing/2014/main" xmlns="" val="10002"/>
                   </a:ext>
                 </a:extLst>
               </a:tr>
@@ -12310,7 +13317,7 @@
 </p:sld>
 </file>
 
-<file path=ppt/slides/slide21.xml><?xml version="1.0" encoding="utf-8"?>
+<file path=ppt/slides/slide26.xml><?xml version="1.0" encoding="utf-8"?>
 <p:sld xmlns:a="http://schemas.openxmlformats.org/drawingml/2006/main" xmlns:r="http://schemas.openxmlformats.org/officeDocument/2006/relationships" xmlns:p="http://schemas.openxmlformats.org/presentationml/2006/main">
   <p:cSld>
     <p:spTree>
@@ -12395,7 +13402,7 @@
       </p:sp>
       <p:pic>
         <p:nvPicPr>
-          <p:cNvPr id="6" name="그림 5"/>
+          <p:cNvPr id="7" name="그림 6"/>
           <p:cNvPicPr>
             <a:picLocks noChangeAspect="1"/>
           </p:cNvPicPr>
@@ -12403,35 +13410,6 @@
         </p:nvPicPr>
         <p:blipFill>
           <a:blip r:embed="rId2"/>
-          <a:stretch>
-            <a:fillRect/>
-          </a:stretch>
-        </p:blipFill>
-        <p:spPr>
-          <a:xfrm>
-            <a:off x="189470" y="1252150"/>
-            <a:ext cx="5247503" cy="2714411"/>
-          </a:xfrm>
-          <a:prstGeom prst="rect">
-            <a:avLst/>
-          </a:prstGeom>
-          <a:ln w="25400">
-            <a:solidFill>
-              <a:schemeClr val="tx1"/>
-            </a:solidFill>
-          </a:ln>
-        </p:spPr>
-      </p:pic>
-      <p:pic>
-        <p:nvPicPr>
-          <p:cNvPr id="7" name="그림 6"/>
-          <p:cNvPicPr>
-            <a:picLocks noChangeAspect="1"/>
-          </p:cNvPicPr>
-          <p:nvPr/>
-        </p:nvPicPr>
-        <p:blipFill>
-          <a:blip r:embed="rId3"/>
           <a:stretch>
             <a:fillRect/>
           </a:stretch>
@@ -12460,14 +13438,14 @@
           <p:nvPr/>
         </p:nvPicPr>
         <p:blipFill>
-          <a:blip r:embed="rId4"/>
+          <a:blip r:embed="rId3"/>
           <a:stretch>
             <a:fillRect/>
           </a:stretch>
         </p:blipFill>
         <p:spPr>
           <a:xfrm>
-            <a:off x="5639185" y="1740886"/>
+            <a:off x="5785462" y="1485895"/>
             <a:ext cx="6334125" cy="295275"/>
           </a:xfrm>
           <a:prstGeom prst="rect">
@@ -12489,6 +13467,35 @@
           <p:nvPr/>
         </p:nvPicPr>
         <p:blipFill>
+          <a:blip r:embed="rId4"/>
+          <a:stretch>
+            <a:fillRect/>
+          </a:stretch>
+        </p:blipFill>
+        <p:spPr>
+          <a:xfrm>
+            <a:off x="5785462" y="2093474"/>
+            <a:ext cx="5606235" cy="1362075"/>
+          </a:xfrm>
+          <a:prstGeom prst="rect">
+            <a:avLst/>
+          </a:prstGeom>
+          <a:ln>
+            <a:solidFill>
+              <a:schemeClr val="tx1"/>
+            </a:solidFill>
+          </a:ln>
+        </p:spPr>
+      </p:pic>
+      <p:pic>
+        <p:nvPicPr>
+          <p:cNvPr id="2" name="그림 1"/>
+          <p:cNvPicPr>
+            <a:picLocks noChangeAspect="1"/>
+          </p:cNvPicPr>
+          <p:nvPr/>
+        </p:nvPicPr>
+        <p:blipFill>
           <a:blip r:embed="rId5"/>
           <a:stretch>
             <a:fillRect/>
@@ -12496,8 +13503,494 @@
         </p:blipFill>
         <p:spPr>
           <a:xfrm>
-            <a:off x="5639185" y="2336070"/>
-            <a:ext cx="5606235" cy="1362075"/>
+            <a:off x="5785462" y="3698017"/>
+            <a:ext cx="6046184" cy="742950"/>
+          </a:xfrm>
+          <a:prstGeom prst="rect">
+            <a:avLst/>
+          </a:prstGeom>
+          <a:ln>
+            <a:solidFill>
+              <a:schemeClr val="tx1"/>
+            </a:solidFill>
+          </a:ln>
+        </p:spPr>
+      </p:pic>
+      <p:pic>
+        <p:nvPicPr>
+          <p:cNvPr id="3" name="그림 2"/>
+          <p:cNvPicPr>
+            <a:picLocks noChangeAspect="1"/>
+          </p:cNvPicPr>
+          <p:nvPr/>
+        </p:nvPicPr>
+        <p:blipFill>
+          <a:blip r:embed="rId6"/>
+          <a:stretch>
+            <a:fillRect/>
+          </a:stretch>
+        </p:blipFill>
+        <p:spPr>
+          <a:xfrm>
+            <a:off x="5785462" y="4658243"/>
+            <a:ext cx="4791075" cy="485775"/>
+          </a:xfrm>
+          <a:prstGeom prst="rect">
+            <a:avLst/>
+          </a:prstGeom>
+          <a:ln>
+            <a:solidFill>
+              <a:schemeClr val="tx1"/>
+            </a:solidFill>
+          </a:ln>
+        </p:spPr>
+      </p:pic>
+      <p:pic>
+        <p:nvPicPr>
+          <p:cNvPr id="4" name="그림 3"/>
+          <p:cNvPicPr>
+            <a:picLocks noChangeAspect="1"/>
+          </p:cNvPicPr>
+          <p:nvPr/>
+        </p:nvPicPr>
+        <p:blipFill>
+          <a:blip r:embed="rId7"/>
+          <a:stretch>
+            <a:fillRect/>
+          </a:stretch>
+        </p:blipFill>
+        <p:spPr>
+          <a:xfrm>
+            <a:off x="279918" y="1222852"/>
+            <a:ext cx="4927302" cy="2537327"/>
+          </a:xfrm>
+          <a:prstGeom prst="rect">
+            <a:avLst/>
+          </a:prstGeom>
+          <a:ln w="25400">
+            <a:solidFill>
+              <a:schemeClr val="tx1"/>
+            </a:solidFill>
+          </a:ln>
+        </p:spPr>
+      </p:pic>
+    </p:spTree>
+    <p:extLst>
+      <p:ext uri="{BB962C8B-B14F-4D97-AF65-F5344CB8AC3E}">
+        <p14:creationId xmlns:p14="http://schemas.microsoft.com/office/powerpoint/2010/main" val="3682204523"/>
+      </p:ext>
+    </p:extLst>
+  </p:cSld>
+  <p:clrMapOvr>
+    <a:masterClrMapping/>
+  </p:clrMapOvr>
+</p:sld>
+</file>
+
+<file path=ppt/slides/slide27.xml><?xml version="1.0" encoding="utf-8"?>
+<p:sld xmlns:a="http://schemas.openxmlformats.org/drawingml/2006/main" xmlns:r="http://schemas.openxmlformats.org/officeDocument/2006/relationships" xmlns:p="http://schemas.openxmlformats.org/presentationml/2006/main">
+  <p:cSld>
+    <p:spTree>
+      <p:nvGrpSpPr>
+        <p:cNvPr id="1" name=""/>
+        <p:cNvGrpSpPr/>
+        <p:nvPr/>
+      </p:nvGrpSpPr>
+      <p:grpSpPr>
+        <a:xfrm>
+          <a:off x="0" y="0"/>
+          <a:ext cx="0" cy="0"/>
+          <a:chOff x="0" y="0"/>
+          <a:chExt cx="0" cy="0"/>
+        </a:xfrm>
+      </p:grpSpPr>
+      <p:sp>
+        <p:nvSpPr>
+          <p:cNvPr id="2" name="제목 1"/>
+          <p:cNvSpPr>
+            <a:spLocks noGrp="1"/>
+          </p:cNvSpPr>
+          <p:nvPr>
+            <p:ph type="title"/>
+          </p:nvPr>
+        </p:nvSpPr>
+        <p:spPr/>
+        <p:txBody>
+          <a:bodyPr/>
+          <a:lstStyle/>
+          <a:p>
+            <a:r>
+              <a:rPr lang="en-US" altLang="ko-KR" smtClean="0"/>
+              <a:t>[</a:t>
+            </a:r>
+            <a:r>
+              <a:rPr lang="ko-KR" altLang="en-US" smtClean="0"/>
+              <a:t>화면구현</a:t>
+            </a:r>
+            <a:r>
+              <a:rPr lang="en-US" altLang="ko-KR" smtClean="0"/>
+              <a:t>] </a:t>
+            </a:r>
+            <a:r>
+              <a:rPr lang="ko-KR" altLang="en-US" smtClean="0"/>
+              <a:t>사용자 </a:t>
+            </a:r>
+            <a:r>
+              <a:rPr lang="en-US" altLang="ko-KR" smtClean="0"/>
+              <a:t>– </a:t>
+            </a:r>
+            <a:r>
+              <a:rPr lang="ko-KR" altLang="en-US" smtClean="0"/>
+              <a:t>웹 </a:t>
+            </a:r>
+            <a:r>
+              <a:rPr lang="en-US" altLang="ko-KR" smtClean="0"/>
+              <a:t>– </a:t>
+            </a:r>
+            <a:r>
+              <a:rPr lang="ko-KR" altLang="en-US" smtClean="0"/>
+              <a:t>세미나존 문의</a:t>
+            </a:r>
+            <a:endParaRPr lang="ko-KR" altLang="en-US"/>
+          </a:p>
+        </p:txBody>
+      </p:sp>
+      <p:pic>
+        <p:nvPicPr>
+          <p:cNvPr id="4" name="그림 3"/>
+          <p:cNvPicPr>
+            <a:picLocks noChangeAspect="1"/>
+          </p:cNvPicPr>
+          <p:nvPr/>
+        </p:nvPicPr>
+        <p:blipFill>
+          <a:blip r:embed="rId2"/>
+          <a:stretch>
+            <a:fillRect/>
+          </a:stretch>
+        </p:blipFill>
+        <p:spPr>
+          <a:xfrm>
+            <a:off x="214605" y="1670277"/>
+            <a:ext cx="6186196" cy="3797364"/>
+          </a:xfrm>
+          <a:prstGeom prst="rect">
+            <a:avLst/>
+          </a:prstGeom>
+          <a:ln w="25400">
+            <a:solidFill>
+              <a:schemeClr val="tx1"/>
+            </a:solidFill>
+          </a:ln>
+        </p:spPr>
+      </p:pic>
+      <p:pic>
+        <p:nvPicPr>
+          <p:cNvPr id="5" name="그림 4"/>
+          <p:cNvPicPr>
+            <a:picLocks noChangeAspect="1"/>
+          </p:cNvPicPr>
+          <p:nvPr/>
+        </p:nvPicPr>
+        <p:blipFill>
+          <a:blip r:embed="rId3"/>
+          <a:stretch>
+            <a:fillRect/>
+          </a:stretch>
+        </p:blipFill>
+        <p:spPr>
+          <a:xfrm>
+            <a:off x="6746034" y="1819081"/>
+            <a:ext cx="4831896" cy="704850"/>
+          </a:xfrm>
+          <a:prstGeom prst="rect">
+            <a:avLst/>
+          </a:prstGeom>
+          <a:ln>
+            <a:solidFill>
+              <a:schemeClr val="tx1"/>
+            </a:solidFill>
+          </a:ln>
+        </p:spPr>
+      </p:pic>
+      <p:pic>
+        <p:nvPicPr>
+          <p:cNvPr id="6" name="그림 5"/>
+          <p:cNvPicPr>
+            <a:picLocks noChangeAspect="1"/>
+          </p:cNvPicPr>
+          <p:nvPr/>
+        </p:nvPicPr>
+        <p:blipFill>
+          <a:blip r:embed="rId4"/>
+          <a:stretch>
+            <a:fillRect/>
+          </a:stretch>
+        </p:blipFill>
+        <p:spPr>
+          <a:xfrm>
+            <a:off x="6680719" y="2843406"/>
+            <a:ext cx="5158857" cy="238125"/>
+          </a:xfrm>
+          <a:prstGeom prst="rect">
+            <a:avLst/>
+          </a:prstGeom>
+          <a:ln>
+            <a:solidFill>
+              <a:schemeClr val="tx1"/>
+            </a:solidFill>
+          </a:ln>
+        </p:spPr>
+      </p:pic>
+      <p:pic>
+        <p:nvPicPr>
+          <p:cNvPr id="7" name="그림 6"/>
+          <p:cNvPicPr>
+            <a:picLocks noChangeAspect="1"/>
+          </p:cNvPicPr>
+          <p:nvPr/>
+        </p:nvPicPr>
+        <p:blipFill>
+          <a:blip r:embed="rId5"/>
+          <a:stretch>
+            <a:fillRect/>
+          </a:stretch>
+        </p:blipFill>
+        <p:spPr>
+          <a:xfrm>
+            <a:off x="6559421" y="3429472"/>
+            <a:ext cx="5018508" cy="2706461"/>
+          </a:xfrm>
+          <a:prstGeom prst="rect">
+            <a:avLst/>
+          </a:prstGeom>
+          <a:ln>
+            <a:solidFill>
+              <a:schemeClr val="tx1"/>
+            </a:solidFill>
+          </a:ln>
+        </p:spPr>
+      </p:pic>
+    </p:spTree>
+    <p:extLst>
+      <p:ext uri="{BB962C8B-B14F-4D97-AF65-F5344CB8AC3E}">
+        <p14:creationId xmlns:p14="http://schemas.microsoft.com/office/powerpoint/2010/main" val="543477218"/>
+      </p:ext>
+    </p:extLst>
+  </p:cSld>
+  <p:clrMapOvr>
+    <a:masterClrMapping/>
+  </p:clrMapOvr>
+</p:sld>
+</file>
+
+<file path=ppt/slides/slide28.xml><?xml version="1.0" encoding="utf-8"?>
+<p:sld xmlns:a="http://schemas.openxmlformats.org/drawingml/2006/main" xmlns:r="http://schemas.openxmlformats.org/officeDocument/2006/relationships" xmlns:p="http://schemas.openxmlformats.org/presentationml/2006/main">
+  <p:cSld>
+    <p:spTree>
+      <p:nvGrpSpPr>
+        <p:cNvPr id="1" name=""/>
+        <p:cNvGrpSpPr/>
+        <p:nvPr/>
+      </p:nvGrpSpPr>
+      <p:grpSpPr>
+        <a:xfrm>
+          <a:off x="0" y="0"/>
+          <a:ext cx="0" cy="0"/>
+          <a:chOff x="0" y="0"/>
+          <a:chExt cx="0" cy="0"/>
+        </a:xfrm>
+      </p:grpSpPr>
+      <p:sp>
+        <p:nvSpPr>
+          <p:cNvPr id="4" name="제목 1"/>
+          <p:cNvSpPr>
+            <a:spLocks noGrp="1"/>
+          </p:cNvSpPr>
+          <p:nvPr>
+            <p:ph type="title"/>
+          </p:nvPr>
+        </p:nvSpPr>
+        <p:spPr>
+          <a:xfrm>
+            <a:off x="962423" y="116632"/>
+            <a:ext cx="9646078" cy="796908"/>
+          </a:xfrm>
+        </p:spPr>
+        <p:txBody>
+          <a:bodyPr/>
+          <a:lstStyle/>
+          <a:p>
+            <a:r>
+              <a:rPr lang="en-US" altLang="ko-KR" smtClean="0"/>
+              <a:t>[</a:t>
+            </a:r>
+            <a:r>
+              <a:rPr lang="ko-KR" altLang="en-US" smtClean="0"/>
+              <a:t>화면구현</a:t>
+            </a:r>
+            <a:r>
+              <a:rPr lang="en-US" altLang="ko-KR" smtClean="0"/>
+              <a:t>] </a:t>
+            </a:r>
+            <a:r>
+              <a:rPr lang="ko-KR" altLang="en-US" smtClean="0"/>
+              <a:t>사용자 </a:t>
+            </a:r>
+            <a:r>
+              <a:rPr lang="en-US" altLang="ko-KR" smtClean="0"/>
+              <a:t>– </a:t>
+            </a:r>
+            <a:r>
+              <a:rPr lang="ko-KR" altLang="en-US" smtClean="0"/>
+              <a:t>웹 </a:t>
+            </a:r>
+            <a:r>
+              <a:rPr lang="en-US" altLang="ko-KR" smtClean="0"/>
+              <a:t>– </a:t>
+            </a:r>
+            <a:r>
+              <a:rPr lang="ko-KR" altLang="en-US" smtClean="0"/>
+              <a:t>세미나존 문의 등록</a:t>
+            </a:r>
+            <a:endParaRPr lang="ko-KR" altLang="en-US"/>
+          </a:p>
+        </p:txBody>
+      </p:sp>
+      <p:pic>
+        <p:nvPicPr>
+          <p:cNvPr id="5" name="그림 4"/>
+          <p:cNvPicPr>
+            <a:picLocks noChangeAspect="1"/>
+          </p:cNvPicPr>
+          <p:nvPr/>
+        </p:nvPicPr>
+        <p:blipFill>
+          <a:blip r:embed="rId2"/>
+          <a:stretch>
+            <a:fillRect/>
+          </a:stretch>
+        </p:blipFill>
+        <p:spPr>
+          <a:xfrm>
+            <a:off x="367684" y="1191986"/>
+            <a:ext cx="4484234" cy="2530928"/>
+          </a:xfrm>
+          <a:prstGeom prst="rect">
+            <a:avLst/>
+          </a:prstGeom>
+          <a:ln w="25400">
+            <a:solidFill>
+              <a:schemeClr val="tx1"/>
+            </a:solidFill>
+          </a:ln>
+        </p:spPr>
+      </p:pic>
+      <p:pic>
+        <p:nvPicPr>
+          <p:cNvPr id="6" name="그림 5"/>
+          <p:cNvPicPr>
+            <a:picLocks noChangeAspect="1"/>
+          </p:cNvPicPr>
+          <p:nvPr/>
+        </p:nvPicPr>
+        <p:blipFill>
+          <a:blip r:embed="rId3"/>
+          <a:stretch>
+            <a:fillRect/>
+          </a:stretch>
+        </p:blipFill>
+        <p:spPr>
+          <a:xfrm>
+            <a:off x="367684" y="4096139"/>
+            <a:ext cx="4549549" cy="2430721"/>
+          </a:xfrm>
+          <a:prstGeom prst="rect">
+            <a:avLst/>
+          </a:prstGeom>
+          <a:ln w="25400">
+            <a:solidFill>
+              <a:schemeClr val="tx1"/>
+            </a:solidFill>
+          </a:ln>
+        </p:spPr>
+      </p:pic>
+      <p:pic>
+        <p:nvPicPr>
+          <p:cNvPr id="7" name="그림 6"/>
+          <p:cNvPicPr>
+            <a:picLocks noChangeAspect="1"/>
+          </p:cNvPicPr>
+          <p:nvPr/>
+        </p:nvPicPr>
+        <p:blipFill>
+          <a:blip r:embed="rId4"/>
+          <a:stretch>
+            <a:fillRect/>
+          </a:stretch>
+        </p:blipFill>
+        <p:spPr>
+          <a:xfrm>
+            <a:off x="5708098" y="1488191"/>
+            <a:ext cx="5553075" cy="1404299"/>
+          </a:xfrm>
+          <a:prstGeom prst="rect">
+            <a:avLst/>
+          </a:prstGeom>
+          <a:ln>
+            <a:solidFill>
+              <a:schemeClr val="tx1"/>
+            </a:solidFill>
+          </a:ln>
+        </p:spPr>
+      </p:pic>
+      <p:pic>
+        <p:nvPicPr>
+          <p:cNvPr id="8" name="그림 7"/>
+          <p:cNvPicPr>
+            <a:picLocks noChangeAspect="1"/>
+          </p:cNvPicPr>
+          <p:nvPr/>
+        </p:nvPicPr>
+        <p:blipFill>
+          <a:blip r:embed="rId5"/>
+          <a:stretch>
+            <a:fillRect/>
+          </a:stretch>
+        </p:blipFill>
+        <p:spPr>
+          <a:xfrm>
+            <a:off x="5708098" y="2988129"/>
+            <a:ext cx="5543550" cy="2078393"/>
+          </a:xfrm>
+          <a:prstGeom prst="rect">
+            <a:avLst/>
+          </a:prstGeom>
+          <a:ln>
+            <a:solidFill>
+              <a:schemeClr val="tx1"/>
+            </a:solidFill>
+          </a:ln>
+        </p:spPr>
+      </p:pic>
+      <p:pic>
+        <p:nvPicPr>
+          <p:cNvPr id="9" name="그림 8"/>
+          <p:cNvPicPr>
+            <a:picLocks noChangeAspect="1"/>
+          </p:cNvPicPr>
+          <p:nvPr/>
+        </p:nvPicPr>
+        <p:blipFill>
+          <a:blip r:embed="rId6"/>
+          <a:stretch>
+            <a:fillRect/>
+          </a:stretch>
+        </p:blipFill>
+        <p:spPr>
+          <a:xfrm>
+            <a:off x="5708098" y="5159099"/>
+            <a:ext cx="5797906" cy="215334"/>
           </a:xfrm>
           <a:prstGeom prst="rect">
             <a:avLst/>
@@ -12518,15 +14011,15 @@
           <p:nvPr/>
         </p:nvPicPr>
         <p:blipFill>
-          <a:blip r:embed="rId6"/>
+          <a:blip r:embed="rId7"/>
           <a:stretch>
             <a:fillRect/>
           </a:stretch>
         </p:blipFill>
         <p:spPr>
           <a:xfrm>
-            <a:off x="5785461" y="3998054"/>
-            <a:ext cx="5739273" cy="1968714"/>
+            <a:off x="5708098" y="5534414"/>
+            <a:ext cx="3571875" cy="323850"/>
           </a:xfrm>
           <a:prstGeom prst="rect">
             <a:avLst/>
@@ -12541,7 +14034,7 @@
     </p:spTree>
     <p:extLst>
       <p:ext uri="{BB962C8B-B14F-4D97-AF65-F5344CB8AC3E}">
-        <p14:creationId xmlns:p14="http://schemas.microsoft.com/office/powerpoint/2010/main" val="350698218"/>
+        <p14:creationId xmlns:p14="http://schemas.microsoft.com/office/powerpoint/2010/main" val="1465259085"/>
       </p:ext>
     </p:extLst>
   </p:cSld>
@@ -12551,7 +14044,7 @@
 </p:sld>
 </file>
 
-<file path=ppt/slides/slide22.xml><?xml version="1.0" encoding="utf-8"?>
+<file path=ppt/slides/slide29.xml><?xml version="1.0" encoding="utf-8"?>
 <p:sld xmlns:a="http://schemas.openxmlformats.org/drawingml/2006/main" xmlns:r="http://schemas.openxmlformats.org/officeDocument/2006/relationships" xmlns:p="http://schemas.openxmlformats.org/presentationml/2006/main">
   <p:cSld>
     <p:spTree>
@@ -12707,14 +14200,14 @@
                 <a:gridCol w="311106">
                   <a:extLst>
                     <a:ext uri="{9D8B030D-6E8A-4147-A177-3AD203B41FA5}">
-                      <a16:colId xmlns="" xmlns:a16="http://schemas.microsoft.com/office/drawing/2014/main" val="20000"/>
+                      <a16:colId xmlns:a16="http://schemas.microsoft.com/office/drawing/2014/main" xmlns="" val="20000"/>
                     </a:ext>
                   </a:extLst>
                 </a:gridCol>
                 <a:gridCol w="2558644">
                   <a:extLst>
                     <a:ext uri="{9D8B030D-6E8A-4147-A177-3AD203B41FA5}">
-                      <a16:colId xmlns="" xmlns:a16="http://schemas.microsoft.com/office/drawing/2014/main" val="20001"/>
+                      <a16:colId xmlns:a16="http://schemas.microsoft.com/office/drawing/2014/main" xmlns="" val="20001"/>
                     </a:ext>
                   </a:extLst>
                 </a:gridCol>
@@ -12872,7 +14365,7 @@
                 </a:tc>
                 <a:extLst>
                   <a:ext uri="{0D108BD9-81ED-4DB2-BD59-A6C34878D82A}">
-                    <a16:rowId xmlns="" xmlns:a16="http://schemas.microsoft.com/office/drawing/2014/main" val="10000"/>
+                    <a16:rowId xmlns:a16="http://schemas.microsoft.com/office/drawing/2014/main" xmlns="" val="10000"/>
                   </a:ext>
                 </a:extLst>
               </a:tr>
@@ -13029,7 +14522,7 @@
                 </a:tc>
                 <a:extLst>
                   <a:ext uri="{0D108BD9-81ED-4DB2-BD59-A6C34878D82A}">
-                    <a16:rowId xmlns="" xmlns:a16="http://schemas.microsoft.com/office/drawing/2014/main" val="10001"/>
+                    <a16:rowId xmlns:a16="http://schemas.microsoft.com/office/drawing/2014/main" xmlns="" val="10001"/>
                   </a:ext>
                 </a:extLst>
               </a:tr>
@@ -13160,7 +14653,7 @@
                 </a:tc>
                 <a:extLst>
                   <a:ext uri="{0D108BD9-81ED-4DB2-BD59-A6C34878D82A}">
-                    <a16:rowId xmlns="" xmlns:a16="http://schemas.microsoft.com/office/drawing/2014/main" val="10002"/>
+                    <a16:rowId xmlns:a16="http://schemas.microsoft.com/office/drawing/2014/main" xmlns="" val="10002"/>
                   </a:ext>
                 </a:extLst>
               </a:tr>
@@ -13458,7 +14951,573 @@
 </p:sld>
 </file>
 
-<file path=ppt/slides/slide23.xml><?xml version="1.0" encoding="utf-8"?>
+<file path=ppt/slides/slide3.xml><?xml version="1.0" encoding="utf-8"?>
+<p:sld xmlns:a="http://schemas.openxmlformats.org/drawingml/2006/main" xmlns:r="http://schemas.openxmlformats.org/officeDocument/2006/relationships" xmlns:p="http://schemas.openxmlformats.org/presentationml/2006/main">
+  <p:cSld>
+    <p:spTree>
+      <p:nvGrpSpPr>
+        <p:cNvPr id="1" name=""/>
+        <p:cNvGrpSpPr/>
+        <p:nvPr/>
+      </p:nvGrpSpPr>
+      <p:grpSpPr>
+        <a:xfrm>
+          <a:off x="0" y="0"/>
+          <a:ext cx="0" cy="0"/>
+          <a:chOff x="0" y="0"/>
+          <a:chExt cx="0" cy="0"/>
+        </a:xfrm>
+      </p:grpSpPr>
+      <p:sp>
+        <p:nvSpPr>
+          <p:cNvPr id="2" name="제목 1"/>
+          <p:cNvSpPr>
+            <a:spLocks noGrp="1"/>
+          </p:cNvSpPr>
+          <p:nvPr>
+            <p:ph type="title"/>
+          </p:nvPr>
+        </p:nvSpPr>
+        <p:spPr/>
+        <p:txBody>
+          <a:bodyPr>
+            <a:normAutofit fontScale="90000"/>
+          </a:bodyPr>
+          <a:lstStyle/>
+          <a:p>
+            <a:r>
+              <a:rPr lang="en-US" altLang="ko-KR" sz="4000" b="0" smtClean="0"/>
+              <a:t>[</a:t>
+            </a:r>
+            <a:r>
+              <a:rPr lang="ko-KR" altLang="en-US" sz="4000" b="0" smtClean="0"/>
+              <a:t>화면구현</a:t>
+            </a:r>
+            <a:r>
+              <a:rPr lang="en-US" altLang="ko-KR" sz="4000" b="0" smtClean="0"/>
+              <a:t>] </a:t>
+            </a:r>
+            <a:r>
+              <a:rPr lang="ko-KR" altLang="en-US" sz="4000" b="0" smtClean="0"/>
+              <a:t>사용자 </a:t>
+            </a:r>
+            <a:r>
+              <a:rPr lang="en-US" altLang="ko-KR" sz="4000" b="0" smtClean="0"/>
+              <a:t>– </a:t>
+            </a:r>
+            <a:r>
+              <a:rPr lang="ko-KR" altLang="en-US" sz="4000" b="0" smtClean="0"/>
+              <a:t>웹 </a:t>
+            </a:r>
+            <a:r>
+              <a:rPr lang="en-US" altLang="ko-KR" sz="4000" b="0" smtClean="0"/>
+              <a:t>- </a:t>
+            </a:r>
+            <a:r>
+              <a:rPr lang="ko-KR" altLang="en-US" sz="4000" b="0" smtClean="0"/>
+              <a:t>메인페이지</a:t>
+            </a:r>
+            <a:r>
+              <a:rPr lang="ko-KR" altLang="en-US" sz="2400" b="0" smtClean="0"/>
+              <a:t> </a:t>
+            </a:r>
+            <a:r>
+              <a:rPr lang="en-US" altLang="ko-KR" sz="2400" b="0"/>
+              <a:t>- HEADER</a:t>
+            </a:r>
+            <a:endParaRPr lang="ko-KR" altLang="en-US"/>
+          </a:p>
+        </p:txBody>
+      </p:sp>
+      <p:graphicFrame>
+        <p:nvGraphicFramePr>
+          <p:cNvPr id="6" name="표 5"/>
+          <p:cNvGraphicFramePr>
+            <a:graphicFrameLocks noGrp="1"/>
+          </p:cNvGraphicFramePr>
+          <p:nvPr>
+            <p:extLst/>
+          </p:nvPr>
+        </p:nvGraphicFramePr>
+        <p:xfrm>
+          <a:off x="9292795" y="1447060"/>
+          <a:ext cx="2788860" cy="640100"/>
+        </p:xfrm>
+        <a:graphic>
+          <a:graphicData uri="http://schemas.openxmlformats.org/drawingml/2006/table">
+            <a:tbl>
+              <a:tblPr firstRow="1" bandRow="1">
+                <a:noFill/>
+              </a:tblPr>
+              <a:tblGrid>
+                <a:gridCol w="2788860"/>
+              </a:tblGrid>
+              <a:tr h="168164">
+                <a:tc>
+                  <a:txBody>
+                    <a:bodyPr/>
+                    <a:lstStyle/>
+                    <a:p>
+                      <a:pPr marL="0" marR="0" lvl="0" indent="0" algn="ctr" rtl="0">
+                        <a:lnSpc>
+                          <a:spcPct val="100000"/>
+                        </a:lnSpc>
+                        <a:spcBef>
+                          <a:spcPts val="0"/>
+                        </a:spcBef>
+                        <a:spcAft>
+                          <a:spcPts val="0"/>
+                        </a:spcAft>
+                        <a:buClr>
+                          <a:srgbClr val="000000"/>
+                        </a:buClr>
+                        <a:buSzPts val="1500"/>
+                        <a:buFont typeface="Arial"/>
+                        <a:buNone/>
+                      </a:pPr>
+                      <a:r>
+                        <a:rPr lang="ko-KR" altLang="en-US" sz="1500" b="0" u="none" strike="noStrike" cap="none" dirty="0" smtClean="0">
+                          <a:solidFill>
+                            <a:schemeClr val="dk1"/>
+                          </a:solidFill>
+                        </a:rPr>
+                        <a:t>화면코드</a:t>
+                      </a:r>
+                      <a:endParaRPr sz="1500" b="0" u="none" strike="noStrike" cap="none" dirty="0">
+                        <a:solidFill>
+                          <a:schemeClr val="dk1"/>
+                        </a:solidFill>
+                      </a:endParaRPr>
+                    </a:p>
+                  </a:txBody>
+                  <a:tcPr marL="74304" marR="74304" marT="45725" marB="45725" anchor="ctr">
+                    <a:lnL w="12700" cap="flat" cmpd="sng">
+                      <a:solidFill>
+                        <a:schemeClr val="dk1"/>
+                      </a:solidFill>
+                      <a:prstDash val="solid"/>
+                      <a:round/>
+                      <a:headEnd type="none" w="sm" len="sm"/>
+                      <a:tailEnd type="none" w="sm" len="sm"/>
+                    </a:lnL>
+                    <a:lnR w="12700" cap="flat" cmpd="sng">
+                      <a:solidFill>
+                        <a:schemeClr val="dk1"/>
+                      </a:solidFill>
+                      <a:prstDash val="solid"/>
+                      <a:round/>
+                      <a:headEnd type="none" w="sm" len="sm"/>
+                      <a:tailEnd type="none" w="sm" len="sm"/>
+                    </a:lnR>
+                    <a:lnT w="12700" cap="flat" cmpd="sng">
+                      <a:solidFill>
+                        <a:schemeClr val="dk1"/>
+                      </a:solidFill>
+                      <a:prstDash val="solid"/>
+                      <a:round/>
+                      <a:headEnd type="none" w="sm" len="sm"/>
+                      <a:tailEnd type="none" w="sm" len="sm"/>
+                    </a:lnT>
+                    <a:lnB w="12700" cap="flat" cmpd="sng" algn="ctr">
+                      <a:solidFill>
+                        <a:schemeClr val="dk1"/>
+                      </a:solidFill>
+                      <a:prstDash val="solid"/>
+                      <a:round/>
+                      <a:headEnd type="none" w="sm" len="sm"/>
+                      <a:tailEnd type="none" w="sm" len="sm"/>
+                    </a:lnB>
+                    <a:solidFill>
+                      <a:srgbClr val="D8D8D8"/>
+                    </a:solidFill>
+                  </a:tcPr>
+                </a:tc>
+              </a:tr>
+              <a:tr h="168164">
+                <a:tc>
+                  <a:txBody>
+                    <a:bodyPr/>
+                    <a:lstStyle/>
+                    <a:p>
+                      <a:pPr marL="0" marR="0" lvl="0" indent="0" algn="ctr" defTabSz="914400" rtl="0" eaLnBrk="1" fontAlgn="auto" latinLnBrk="1" hangingPunct="1">
+                        <a:lnSpc>
+                          <a:spcPct val="100000"/>
+                        </a:lnSpc>
+                        <a:spcBef>
+                          <a:spcPts val="0"/>
+                        </a:spcBef>
+                        <a:spcAft>
+                          <a:spcPts val="0"/>
+                        </a:spcAft>
+                        <a:buClr>
+                          <a:srgbClr val="000000"/>
+                        </a:buClr>
+                        <a:buSzPts val="1500"/>
+                        <a:buFont typeface="Arial"/>
+                        <a:buNone/>
+                        <a:tabLst/>
+                        <a:defRPr/>
+                      </a:pPr>
+                      <a:r>
+                        <a:rPr lang="en-US" altLang="ko-KR" sz="1500" b="0" u="none" strike="noStrike" cap="none" smtClean="0">
+                          <a:solidFill>
+                            <a:schemeClr val="dk1"/>
+                          </a:solidFill>
+                        </a:rPr>
+                        <a:t>kb_user_w_mainHeader</a:t>
+                      </a:r>
+                      <a:endParaRPr lang="en-US" altLang="ko-KR" sz="1500" b="0" u="none" strike="noStrike" cap="none" dirty="0" smtClean="0">
+                        <a:solidFill>
+                          <a:schemeClr val="dk1"/>
+                        </a:solidFill>
+                      </a:endParaRPr>
+                    </a:p>
+                  </a:txBody>
+                  <a:tcPr marL="74304" marR="74304" marT="45725" marB="45725" anchor="ctr">
+                    <a:lnL w="12700" cap="flat" cmpd="sng" algn="ctr">
+                      <a:solidFill>
+                        <a:schemeClr val="dk1"/>
+                      </a:solidFill>
+                      <a:prstDash val="solid"/>
+                      <a:round/>
+                      <a:headEnd type="none" w="sm" len="sm"/>
+                      <a:tailEnd type="none" w="sm" len="sm"/>
+                    </a:lnL>
+                    <a:lnR w="12700" cap="flat" cmpd="sng" algn="ctr">
+                      <a:solidFill>
+                        <a:schemeClr val="dk1"/>
+                      </a:solidFill>
+                      <a:prstDash val="solid"/>
+                      <a:round/>
+                      <a:headEnd type="none" w="sm" len="sm"/>
+                      <a:tailEnd type="none" w="sm" len="sm"/>
+                    </a:lnR>
+                    <a:lnT w="12700" cap="flat" cmpd="sng" algn="ctr">
+                      <a:solidFill>
+                        <a:schemeClr val="dk1"/>
+                      </a:solidFill>
+                      <a:prstDash val="solid"/>
+                      <a:round/>
+                      <a:headEnd type="none" w="sm" len="sm"/>
+                      <a:tailEnd type="none" w="sm" len="sm"/>
+                    </a:lnT>
+                    <a:lnB w="12700" cap="flat" cmpd="sng">
+                      <a:solidFill>
+                        <a:schemeClr val="dk1"/>
+                      </a:solidFill>
+                      <a:prstDash val="solid"/>
+                      <a:round/>
+                      <a:headEnd type="none" w="sm" len="sm"/>
+                      <a:tailEnd type="none" w="sm" len="sm"/>
+                    </a:lnB>
+                    <a:solidFill>
+                      <a:schemeClr val="bg1"/>
+                    </a:solidFill>
+                  </a:tcPr>
+                </a:tc>
+              </a:tr>
+            </a:tbl>
+          </a:graphicData>
+        </a:graphic>
+      </p:graphicFrame>
+      <p:pic>
+        <p:nvPicPr>
+          <p:cNvPr id="3" name="그림 2"/>
+          <p:cNvPicPr>
+            <a:picLocks noChangeAspect="1"/>
+          </p:cNvPicPr>
+          <p:nvPr/>
+        </p:nvPicPr>
+        <p:blipFill>
+          <a:blip r:embed="rId2"/>
+          <a:stretch>
+            <a:fillRect/>
+          </a:stretch>
+        </p:blipFill>
+        <p:spPr>
+          <a:xfrm>
+            <a:off x="5102623" y="2629536"/>
+            <a:ext cx="5345455" cy="1314450"/>
+          </a:xfrm>
+          <a:prstGeom prst="rect">
+            <a:avLst/>
+          </a:prstGeom>
+          <a:ln>
+            <a:solidFill>
+              <a:schemeClr val="tx1"/>
+            </a:solidFill>
+          </a:ln>
+        </p:spPr>
+      </p:pic>
+      <p:pic>
+        <p:nvPicPr>
+          <p:cNvPr id="7" name="그림 6"/>
+          <p:cNvPicPr>
+            <a:picLocks noChangeAspect="1"/>
+          </p:cNvPicPr>
+          <p:nvPr/>
+        </p:nvPicPr>
+        <p:blipFill>
+          <a:blip r:embed="rId3"/>
+          <a:stretch>
+            <a:fillRect/>
+          </a:stretch>
+        </p:blipFill>
+        <p:spPr>
+          <a:xfrm>
+            <a:off x="5102623" y="4486362"/>
+            <a:ext cx="5800983" cy="1362075"/>
+          </a:xfrm>
+          <a:prstGeom prst="rect">
+            <a:avLst/>
+          </a:prstGeom>
+          <a:ln>
+            <a:solidFill>
+              <a:schemeClr val="tx1"/>
+            </a:solidFill>
+          </a:ln>
+        </p:spPr>
+      </p:pic>
+      <p:pic>
+        <p:nvPicPr>
+          <p:cNvPr id="8" name="그림 7"/>
+          <p:cNvPicPr>
+            <a:picLocks noChangeAspect="1"/>
+          </p:cNvPicPr>
+          <p:nvPr/>
+        </p:nvPicPr>
+        <p:blipFill>
+          <a:blip r:embed="rId4"/>
+          <a:stretch>
+            <a:fillRect/>
+          </a:stretch>
+        </p:blipFill>
+        <p:spPr>
+          <a:xfrm>
+            <a:off x="2166552" y="1336015"/>
+            <a:ext cx="6598508" cy="862190"/>
+          </a:xfrm>
+          <a:prstGeom prst="rect">
+            <a:avLst/>
+          </a:prstGeom>
+        </p:spPr>
+      </p:pic>
+      <p:sp>
+        <p:nvSpPr>
+          <p:cNvPr id="5" name="직사각형 4"/>
+          <p:cNvSpPr/>
+          <p:nvPr/>
+        </p:nvSpPr>
+        <p:spPr>
+          <a:xfrm>
+            <a:off x="7380515" y="1447061"/>
+            <a:ext cx="453670" cy="200508"/>
+          </a:xfrm>
+          <a:prstGeom prst="rect">
+            <a:avLst/>
+          </a:prstGeom>
+          <a:noFill/>
+          <a:ln w="25400">
+            <a:solidFill>
+              <a:srgbClr val="FF0000"/>
+            </a:solidFill>
+          </a:ln>
+        </p:spPr>
+        <p:style>
+          <a:lnRef idx="2">
+            <a:schemeClr val="accent1">
+              <a:shade val="50000"/>
+            </a:schemeClr>
+          </a:lnRef>
+          <a:fillRef idx="1">
+            <a:schemeClr val="accent1"/>
+          </a:fillRef>
+          <a:effectRef idx="0">
+            <a:schemeClr val="accent1"/>
+          </a:effectRef>
+          <a:fontRef idx="minor">
+            <a:schemeClr val="lt1"/>
+          </a:fontRef>
+        </p:style>
+        <p:txBody>
+          <a:bodyPr rtlCol="0" anchor="ctr"/>
+          <a:lstStyle/>
+          <a:p>
+            <a:pPr algn="ctr"/>
+            <a:endParaRPr lang="ko-KR" altLang="en-US"/>
+          </a:p>
+        </p:txBody>
+      </p:sp>
+      <p:cxnSp>
+        <p:nvCxnSpPr>
+          <p:cNvPr id="9" name="직선 화살표 연결선 8"/>
+          <p:cNvCxnSpPr/>
+          <p:nvPr/>
+        </p:nvCxnSpPr>
+        <p:spPr>
+          <a:xfrm flipH="1">
+            <a:off x="7479957" y="1659803"/>
+            <a:ext cx="127393" cy="969733"/>
+          </a:xfrm>
+          <a:prstGeom prst="straightConnector1">
+            <a:avLst/>
+          </a:prstGeom>
+          <a:ln w="25400">
+            <a:solidFill>
+              <a:srgbClr val="FF0000"/>
+            </a:solidFill>
+            <a:tailEnd type="triangle"/>
+          </a:ln>
+        </p:spPr>
+        <p:style>
+          <a:lnRef idx="1">
+            <a:schemeClr val="accent1"/>
+          </a:lnRef>
+          <a:fillRef idx="0">
+            <a:schemeClr val="accent1"/>
+          </a:fillRef>
+          <a:effectRef idx="0">
+            <a:schemeClr val="accent1"/>
+          </a:effectRef>
+          <a:fontRef idx="minor">
+            <a:schemeClr val="tx1"/>
+          </a:fontRef>
+        </p:style>
+      </p:cxnSp>
+      <p:sp>
+        <p:nvSpPr>
+          <p:cNvPr id="12" name="직사각형 11"/>
+          <p:cNvSpPr/>
+          <p:nvPr/>
+        </p:nvSpPr>
+        <p:spPr>
+          <a:xfrm>
+            <a:off x="6441401" y="1447061"/>
+            <a:ext cx="939114" cy="200508"/>
+          </a:xfrm>
+          <a:prstGeom prst="rect">
+            <a:avLst/>
+          </a:prstGeom>
+          <a:noFill/>
+          <a:ln w="25400">
+            <a:solidFill>
+              <a:srgbClr val="FF0000"/>
+            </a:solidFill>
+          </a:ln>
+        </p:spPr>
+        <p:style>
+          <a:lnRef idx="2">
+            <a:schemeClr val="accent1">
+              <a:shade val="50000"/>
+            </a:schemeClr>
+          </a:lnRef>
+          <a:fillRef idx="1">
+            <a:schemeClr val="accent1"/>
+          </a:fillRef>
+          <a:effectRef idx="0">
+            <a:schemeClr val="accent1"/>
+          </a:effectRef>
+          <a:fontRef idx="minor">
+            <a:schemeClr val="lt1"/>
+          </a:fontRef>
+        </p:style>
+        <p:txBody>
+          <a:bodyPr rtlCol="0" anchor="ctr"/>
+          <a:lstStyle/>
+          <a:p>
+            <a:pPr algn="ctr"/>
+            <a:endParaRPr lang="ko-KR" altLang="en-US"/>
+          </a:p>
+        </p:txBody>
+      </p:sp>
+      <p:pic>
+        <p:nvPicPr>
+          <p:cNvPr id="13" name="그림 12"/>
+          <p:cNvPicPr>
+            <a:picLocks noChangeAspect="1"/>
+          </p:cNvPicPr>
+          <p:nvPr/>
+        </p:nvPicPr>
+        <p:blipFill>
+          <a:blip r:embed="rId5"/>
+          <a:stretch>
+            <a:fillRect/>
+          </a:stretch>
+        </p:blipFill>
+        <p:spPr>
+          <a:xfrm>
+            <a:off x="387178" y="3048000"/>
+            <a:ext cx="4176584" cy="762000"/>
+          </a:xfrm>
+          <a:prstGeom prst="rect">
+            <a:avLst/>
+          </a:prstGeom>
+          <a:ln>
+            <a:solidFill>
+              <a:schemeClr val="tx1"/>
+            </a:solidFill>
+          </a:ln>
+        </p:spPr>
+      </p:pic>
+      <p:cxnSp>
+        <p:nvCxnSpPr>
+          <p:cNvPr id="14" name="직선 화살표 연결선 13"/>
+          <p:cNvCxnSpPr>
+            <a:endCxn id="13" idx="0"/>
+          </p:cNvCxnSpPr>
+          <p:nvPr/>
+        </p:nvCxnSpPr>
+        <p:spPr>
+          <a:xfrm flipH="1">
+            <a:off x="2475470" y="1668040"/>
+            <a:ext cx="4374000" cy="1379960"/>
+          </a:xfrm>
+          <a:prstGeom prst="straightConnector1">
+            <a:avLst/>
+          </a:prstGeom>
+          <a:ln w="25400">
+            <a:solidFill>
+              <a:srgbClr val="FF0000"/>
+            </a:solidFill>
+            <a:tailEnd type="triangle"/>
+          </a:ln>
+        </p:spPr>
+        <p:style>
+          <a:lnRef idx="1">
+            <a:schemeClr val="accent1"/>
+          </a:lnRef>
+          <a:fillRef idx="0">
+            <a:schemeClr val="accent1"/>
+          </a:fillRef>
+          <a:effectRef idx="0">
+            <a:schemeClr val="accent1"/>
+          </a:effectRef>
+          <a:fontRef idx="minor">
+            <a:schemeClr val="tx1"/>
+          </a:fontRef>
+        </p:style>
+      </p:cxnSp>
+    </p:spTree>
+    <p:extLst>
+      <p:ext uri="{BB962C8B-B14F-4D97-AF65-F5344CB8AC3E}">
+        <p14:creationId xmlns:p14="http://schemas.microsoft.com/office/powerpoint/2010/main" val="1962151028"/>
+      </p:ext>
+    </p:extLst>
+  </p:cSld>
+  <p:clrMapOvr>
+    <a:masterClrMapping/>
+  </p:clrMapOvr>
+  <p:timing>
+    <p:tnLst>
+      <p:par>
+        <p:cTn id="1" dur="indefinite" restart="never" nodeType="tmRoot"/>
+      </p:par>
+    </p:tnLst>
+  </p:timing>
+</p:sld>
+</file>
+
+<file path=ppt/slides/slide30.xml><?xml version="1.0" encoding="utf-8"?>
 <p:sld xmlns:a="http://schemas.openxmlformats.org/drawingml/2006/main" xmlns:r="http://schemas.openxmlformats.org/officeDocument/2006/relationships" xmlns:p="http://schemas.openxmlformats.org/presentationml/2006/main">
   <p:cSld>
     <p:spTree>
@@ -13613,14 +15672,14 @@
                 <a:gridCol w="311106">
                   <a:extLst>
                     <a:ext uri="{9D8B030D-6E8A-4147-A177-3AD203B41FA5}">
-                      <a16:colId xmlns="" xmlns:a16="http://schemas.microsoft.com/office/drawing/2014/main" val="20000"/>
+                      <a16:colId xmlns:a16="http://schemas.microsoft.com/office/drawing/2014/main" xmlns="" val="20000"/>
                     </a:ext>
                   </a:extLst>
                 </a:gridCol>
                 <a:gridCol w="2558644">
                   <a:extLst>
                     <a:ext uri="{9D8B030D-6E8A-4147-A177-3AD203B41FA5}">
-                      <a16:colId xmlns="" xmlns:a16="http://schemas.microsoft.com/office/drawing/2014/main" val="20001"/>
+                      <a16:colId xmlns:a16="http://schemas.microsoft.com/office/drawing/2014/main" xmlns="" val="20001"/>
                     </a:ext>
                   </a:extLst>
                 </a:gridCol>
@@ -13778,7 +15837,7 @@
                 </a:tc>
                 <a:extLst>
                   <a:ext uri="{0D108BD9-81ED-4DB2-BD59-A6C34878D82A}">
-                    <a16:rowId xmlns="" xmlns:a16="http://schemas.microsoft.com/office/drawing/2014/main" val="10000"/>
+                    <a16:rowId xmlns:a16="http://schemas.microsoft.com/office/drawing/2014/main" xmlns="" val="10000"/>
                   </a:ext>
                 </a:extLst>
               </a:tr>
@@ -13975,7 +16034,7 @@
                 </a:tc>
                 <a:extLst>
                   <a:ext uri="{0D108BD9-81ED-4DB2-BD59-A6C34878D82A}">
-                    <a16:rowId xmlns="" xmlns:a16="http://schemas.microsoft.com/office/drawing/2014/main" val="10001"/>
+                    <a16:rowId xmlns:a16="http://schemas.microsoft.com/office/drawing/2014/main" xmlns="" val="10001"/>
                   </a:ext>
                 </a:extLst>
               </a:tr>
@@ -14133,7 +16192,7 @@
                 </a:tc>
                 <a:extLst>
                   <a:ext uri="{0D108BD9-81ED-4DB2-BD59-A6C34878D82A}">
-                    <a16:rowId xmlns="" xmlns:a16="http://schemas.microsoft.com/office/drawing/2014/main" val="10002"/>
+                    <a16:rowId xmlns:a16="http://schemas.microsoft.com/office/drawing/2014/main" xmlns="" val="10002"/>
                   </a:ext>
                 </a:extLst>
               </a:tr>
@@ -14374,7 +16433,7 @@
 </p:sld>
 </file>
 
-<file path=ppt/slides/slide24.xml><?xml version="1.0" encoding="utf-8"?>
+<file path=ppt/slides/slide31.xml><?xml version="1.0" encoding="utf-8"?>
 <p:sld xmlns:a="http://schemas.openxmlformats.org/drawingml/2006/main" xmlns:r="http://schemas.openxmlformats.org/officeDocument/2006/relationships" xmlns:p="http://schemas.openxmlformats.org/presentationml/2006/main">
   <p:cSld>
     <p:spTree>
@@ -14542,14 +16601,14 @@
                 <a:gridCol w="311106">
                   <a:extLst>
                     <a:ext uri="{9D8B030D-6E8A-4147-A177-3AD203B41FA5}">
-                      <a16:colId xmlns="" xmlns:a16="http://schemas.microsoft.com/office/drawing/2014/main" val="20000"/>
+                      <a16:colId xmlns:a16="http://schemas.microsoft.com/office/drawing/2014/main" xmlns="" val="20000"/>
                     </a:ext>
                   </a:extLst>
                 </a:gridCol>
                 <a:gridCol w="2558644">
                   <a:extLst>
                     <a:ext uri="{9D8B030D-6E8A-4147-A177-3AD203B41FA5}">
-                      <a16:colId xmlns="" xmlns:a16="http://schemas.microsoft.com/office/drawing/2014/main" val="20001"/>
+                      <a16:colId xmlns:a16="http://schemas.microsoft.com/office/drawing/2014/main" xmlns="" val="20001"/>
                     </a:ext>
                   </a:extLst>
                 </a:gridCol>
@@ -14707,7 +16766,7 @@
                 </a:tc>
                 <a:extLst>
                   <a:ext uri="{0D108BD9-81ED-4DB2-BD59-A6C34878D82A}">
-                    <a16:rowId xmlns="" xmlns:a16="http://schemas.microsoft.com/office/drawing/2014/main" val="10000"/>
+                    <a16:rowId xmlns:a16="http://schemas.microsoft.com/office/drawing/2014/main" xmlns="" val="10000"/>
                   </a:ext>
                 </a:extLst>
               </a:tr>
@@ -14864,7 +16923,7 @@
                 </a:tc>
                 <a:extLst>
                   <a:ext uri="{0D108BD9-81ED-4DB2-BD59-A6C34878D82A}">
-                    <a16:rowId xmlns="" xmlns:a16="http://schemas.microsoft.com/office/drawing/2014/main" val="10001"/>
+                    <a16:rowId xmlns:a16="http://schemas.microsoft.com/office/drawing/2014/main" xmlns="" val="10001"/>
                   </a:ext>
                 </a:extLst>
               </a:tr>
@@ -15105,7 +17164,7 @@
 </p:sld>
 </file>
 
-<file path=ppt/slides/slide25.xml><?xml version="1.0" encoding="utf-8"?>
+<file path=ppt/slides/slide32.xml><?xml version="1.0" encoding="utf-8"?>
 <p:sld xmlns:a="http://schemas.openxmlformats.org/drawingml/2006/main" xmlns:r="http://schemas.openxmlformats.org/officeDocument/2006/relationships" xmlns:p="http://schemas.openxmlformats.org/presentationml/2006/main">
   <p:cSld>
     <p:spTree>
@@ -15269,14 +17328,14 @@
                 <a:gridCol w="311106">
                   <a:extLst>
                     <a:ext uri="{9D8B030D-6E8A-4147-A177-3AD203B41FA5}">
-                      <a16:colId xmlns="" xmlns:a16="http://schemas.microsoft.com/office/drawing/2014/main" val="20000"/>
+                      <a16:colId xmlns:a16="http://schemas.microsoft.com/office/drawing/2014/main" xmlns="" val="20000"/>
                     </a:ext>
                   </a:extLst>
                 </a:gridCol>
                 <a:gridCol w="2558644">
                   <a:extLst>
                     <a:ext uri="{9D8B030D-6E8A-4147-A177-3AD203B41FA5}">
-                      <a16:colId xmlns="" xmlns:a16="http://schemas.microsoft.com/office/drawing/2014/main" val="20001"/>
+                      <a16:colId xmlns:a16="http://schemas.microsoft.com/office/drawing/2014/main" xmlns="" val="20001"/>
                     </a:ext>
                   </a:extLst>
                 </a:gridCol>
@@ -15434,7 +17493,7 @@
                 </a:tc>
                 <a:extLst>
                   <a:ext uri="{0D108BD9-81ED-4DB2-BD59-A6C34878D82A}">
-                    <a16:rowId xmlns="" xmlns:a16="http://schemas.microsoft.com/office/drawing/2014/main" val="10000"/>
+                    <a16:rowId xmlns:a16="http://schemas.microsoft.com/office/drawing/2014/main" xmlns="" val="10000"/>
                   </a:ext>
                 </a:extLst>
               </a:tr>
@@ -15591,7 +17650,7 @@
                 </a:tc>
                 <a:extLst>
                   <a:ext uri="{0D108BD9-81ED-4DB2-BD59-A6C34878D82A}">
-                    <a16:rowId xmlns="" xmlns:a16="http://schemas.microsoft.com/office/drawing/2014/main" val="10001"/>
+                    <a16:rowId xmlns:a16="http://schemas.microsoft.com/office/drawing/2014/main" xmlns="" val="10001"/>
                   </a:ext>
                 </a:extLst>
               </a:tr>
@@ -15884,7 +17943,7 @@
 </p:sld>
 </file>
 
-<file path=ppt/slides/slide26.xml><?xml version="1.0" encoding="utf-8"?>
+<file path=ppt/slides/slide33.xml><?xml version="1.0" encoding="utf-8"?>
 <p:sld xmlns:a="http://schemas.openxmlformats.org/drawingml/2006/main" xmlns:r="http://schemas.openxmlformats.org/officeDocument/2006/relationships" xmlns:p="http://schemas.openxmlformats.org/presentationml/2006/main">
   <p:cSld>
     <p:spTree>
@@ -16052,14 +18111,14 @@
                 <a:gridCol w="311106">
                   <a:extLst>
                     <a:ext uri="{9D8B030D-6E8A-4147-A177-3AD203B41FA5}">
-                      <a16:colId xmlns="" xmlns:a16="http://schemas.microsoft.com/office/drawing/2014/main" val="20000"/>
+                      <a16:colId xmlns:a16="http://schemas.microsoft.com/office/drawing/2014/main" xmlns="" val="20000"/>
                     </a:ext>
                   </a:extLst>
                 </a:gridCol>
                 <a:gridCol w="2558644">
                   <a:extLst>
                     <a:ext uri="{9D8B030D-6E8A-4147-A177-3AD203B41FA5}">
-                      <a16:colId xmlns="" xmlns:a16="http://schemas.microsoft.com/office/drawing/2014/main" val="20001"/>
+                      <a16:colId xmlns:a16="http://schemas.microsoft.com/office/drawing/2014/main" xmlns="" val="20001"/>
                     </a:ext>
                   </a:extLst>
                 </a:gridCol>
@@ -16217,7 +18276,7 @@
                 </a:tc>
                 <a:extLst>
                   <a:ext uri="{0D108BD9-81ED-4DB2-BD59-A6C34878D82A}">
-                    <a16:rowId xmlns="" xmlns:a16="http://schemas.microsoft.com/office/drawing/2014/main" val="10000"/>
+                    <a16:rowId xmlns:a16="http://schemas.microsoft.com/office/drawing/2014/main" xmlns="" val="10000"/>
                   </a:ext>
                 </a:extLst>
               </a:tr>
@@ -16374,7 +18433,7 @@
                 </a:tc>
                 <a:extLst>
                   <a:ext uri="{0D108BD9-81ED-4DB2-BD59-A6C34878D82A}">
-                    <a16:rowId xmlns="" xmlns:a16="http://schemas.microsoft.com/office/drawing/2014/main" val="10001"/>
+                    <a16:rowId xmlns:a16="http://schemas.microsoft.com/office/drawing/2014/main" xmlns="" val="10001"/>
                   </a:ext>
                 </a:extLst>
               </a:tr>
@@ -16505,7 +18564,7 @@
                 </a:tc>
                 <a:extLst>
                   <a:ext uri="{0D108BD9-81ED-4DB2-BD59-A6C34878D82A}">
-                    <a16:rowId xmlns="" xmlns:a16="http://schemas.microsoft.com/office/drawing/2014/main" val="10002"/>
+                    <a16:rowId xmlns:a16="http://schemas.microsoft.com/office/drawing/2014/main" xmlns="" val="10002"/>
                   </a:ext>
                 </a:extLst>
               </a:tr>
@@ -16746,7 +18805,7 @@
 </p:sld>
 </file>
 
-<file path=ppt/slides/slide27.xml><?xml version="1.0" encoding="utf-8"?>
+<file path=ppt/slides/slide34.xml><?xml version="1.0" encoding="utf-8"?>
 <p:sld xmlns:a="http://schemas.openxmlformats.org/drawingml/2006/main" xmlns:r="http://schemas.openxmlformats.org/officeDocument/2006/relationships" xmlns:p="http://schemas.openxmlformats.org/presentationml/2006/main">
   <p:cSld>
     <p:spTree>
@@ -16850,14 +18909,14 @@
                 <a:gridCol w="311106">
                   <a:extLst>
                     <a:ext uri="{9D8B030D-6E8A-4147-A177-3AD203B41FA5}">
-                      <a16:colId xmlns:a16="http://schemas.microsoft.com/office/drawing/2014/main" xmlns="" val="20000"/>
+                      <a16:colId xmlns="" xmlns:a16="http://schemas.microsoft.com/office/drawing/2014/main" val="20000"/>
                     </a:ext>
                   </a:extLst>
                 </a:gridCol>
                 <a:gridCol w="2558644">
                   <a:extLst>
                     <a:ext uri="{9D8B030D-6E8A-4147-A177-3AD203B41FA5}">
-                      <a16:colId xmlns:a16="http://schemas.microsoft.com/office/drawing/2014/main" xmlns="" val="20001"/>
+                      <a16:colId xmlns="" xmlns:a16="http://schemas.microsoft.com/office/drawing/2014/main" val="20001"/>
                     </a:ext>
                   </a:extLst>
                 </a:gridCol>
@@ -17015,7 +19074,7 @@
                 </a:tc>
                 <a:extLst>
                   <a:ext uri="{0D108BD9-81ED-4DB2-BD59-A6C34878D82A}">
-                    <a16:rowId xmlns:a16="http://schemas.microsoft.com/office/drawing/2014/main" xmlns="" val="10000"/>
+                    <a16:rowId xmlns="" xmlns:a16="http://schemas.microsoft.com/office/drawing/2014/main" val="10000"/>
                   </a:ext>
                 </a:extLst>
               </a:tr>
@@ -17163,7 +19222,7 @@
                 </a:tc>
                 <a:extLst>
                   <a:ext uri="{0D108BD9-81ED-4DB2-BD59-A6C34878D82A}">
-                    <a16:rowId xmlns:a16="http://schemas.microsoft.com/office/drawing/2014/main" xmlns="" val="10001"/>
+                    <a16:rowId xmlns="" xmlns:a16="http://schemas.microsoft.com/office/drawing/2014/main" val="10001"/>
                   </a:ext>
                 </a:extLst>
               </a:tr>
@@ -19801,7 +21860,7 @@
 </p:sld>
 </file>
 
-<file path=ppt/slides/slide28.xml><?xml version="1.0" encoding="utf-8"?>
+<file path=ppt/slides/slide35.xml><?xml version="1.0" encoding="utf-8"?>
 <p:sld xmlns:a="http://schemas.openxmlformats.org/drawingml/2006/main" xmlns:r="http://schemas.openxmlformats.org/officeDocument/2006/relationships" xmlns:p="http://schemas.openxmlformats.org/presentationml/2006/main">
   <p:cSld>
     <p:spTree>
@@ -19953,14 +22012,14 @@
                 <a:gridCol w="311106">
                   <a:extLst>
                     <a:ext uri="{9D8B030D-6E8A-4147-A177-3AD203B41FA5}">
-                      <a16:colId xmlns="" xmlns:a16="http://schemas.microsoft.com/office/drawing/2014/main" val="20000"/>
+                      <a16:colId xmlns:a16="http://schemas.microsoft.com/office/drawing/2014/main" xmlns="" val="20000"/>
                     </a:ext>
                   </a:extLst>
                 </a:gridCol>
                 <a:gridCol w="2558644">
                   <a:extLst>
                     <a:ext uri="{9D8B030D-6E8A-4147-A177-3AD203B41FA5}">
-                      <a16:colId xmlns="" xmlns:a16="http://schemas.microsoft.com/office/drawing/2014/main" val="20001"/>
+                      <a16:colId xmlns:a16="http://schemas.microsoft.com/office/drawing/2014/main" xmlns="" val="20001"/>
                     </a:ext>
                   </a:extLst>
                 </a:gridCol>
@@ -20118,7 +22177,7 @@
                 </a:tc>
                 <a:extLst>
                   <a:ext uri="{0D108BD9-81ED-4DB2-BD59-A6C34878D82A}">
-                    <a16:rowId xmlns="" xmlns:a16="http://schemas.microsoft.com/office/drawing/2014/main" val="10000"/>
+                    <a16:rowId xmlns:a16="http://schemas.microsoft.com/office/drawing/2014/main" xmlns="" val="10000"/>
                   </a:ext>
                 </a:extLst>
               </a:tr>
@@ -20326,7 +22385,7 @@
                 </a:tc>
                 <a:extLst>
                   <a:ext uri="{0D108BD9-81ED-4DB2-BD59-A6C34878D82A}">
-                    <a16:rowId xmlns="" xmlns:a16="http://schemas.microsoft.com/office/drawing/2014/main" val="10001"/>
+                    <a16:rowId xmlns:a16="http://schemas.microsoft.com/office/drawing/2014/main" xmlns="" val="10001"/>
                   </a:ext>
                 </a:extLst>
               </a:tr>
@@ -20461,7 +22520,7 @@
                 </a:tc>
                 <a:extLst>
                   <a:ext uri="{0D108BD9-81ED-4DB2-BD59-A6C34878D82A}">
-                    <a16:rowId xmlns="" xmlns:a16="http://schemas.microsoft.com/office/drawing/2014/main" val="10002"/>
+                    <a16:rowId xmlns:a16="http://schemas.microsoft.com/office/drawing/2014/main" xmlns="" val="10002"/>
                   </a:ext>
                 </a:extLst>
               </a:tr>
@@ -20754,7 +22813,7 @@
 </p:sld>
 </file>
 
-<file path=ppt/slides/slide29.xml><?xml version="1.0" encoding="utf-8"?>
+<file path=ppt/slides/slide36.xml><?xml version="1.0" encoding="utf-8"?>
 <p:sld xmlns:a="http://schemas.openxmlformats.org/drawingml/2006/main" xmlns:r="http://schemas.openxmlformats.org/officeDocument/2006/relationships" xmlns:p="http://schemas.openxmlformats.org/presentationml/2006/main">
   <p:cSld>
     <p:spTree>
@@ -20909,14 +22968,14 @@
                 <a:gridCol w="311106">
                   <a:extLst>
                     <a:ext uri="{9D8B030D-6E8A-4147-A177-3AD203B41FA5}">
-                      <a16:colId xmlns="" xmlns:a16="http://schemas.microsoft.com/office/drawing/2014/main" val="20000"/>
+                      <a16:colId xmlns:a16="http://schemas.microsoft.com/office/drawing/2014/main" xmlns="" val="20000"/>
                     </a:ext>
                   </a:extLst>
                 </a:gridCol>
                 <a:gridCol w="2558644">
                   <a:extLst>
                     <a:ext uri="{9D8B030D-6E8A-4147-A177-3AD203B41FA5}">
-                      <a16:colId xmlns="" xmlns:a16="http://schemas.microsoft.com/office/drawing/2014/main" val="20001"/>
+                      <a16:colId xmlns:a16="http://schemas.microsoft.com/office/drawing/2014/main" xmlns="" val="20001"/>
                     </a:ext>
                   </a:extLst>
                 </a:gridCol>
@@ -21074,7 +23133,7 @@
                 </a:tc>
                 <a:extLst>
                   <a:ext uri="{0D108BD9-81ED-4DB2-BD59-A6C34878D82A}">
-                    <a16:rowId xmlns="" xmlns:a16="http://schemas.microsoft.com/office/drawing/2014/main" val="10000"/>
+                    <a16:rowId xmlns:a16="http://schemas.microsoft.com/office/drawing/2014/main" xmlns="" val="10000"/>
                   </a:ext>
                 </a:extLst>
               </a:tr>
@@ -21231,7 +23290,7 @@
                 </a:tc>
                 <a:extLst>
                   <a:ext uri="{0D108BD9-81ED-4DB2-BD59-A6C34878D82A}">
-                    <a16:rowId xmlns="" xmlns:a16="http://schemas.microsoft.com/office/drawing/2014/main" val="10001"/>
+                    <a16:rowId xmlns:a16="http://schemas.microsoft.com/office/drawing/2014/main" xmlns="" val="10001"/>
                   </a:ext>
                 </a:extLst>
               </a:tr>
@@ -21362,7 +23421,7 @@
                 </a:tc>
                 <a:extLst>
                   <a:ext uri="{0D108BD9-81ED-4DB2-BD59-A6C34878D82A}">
-                    <a16:rowId xmlns="" xmlns:a16="http://schemas.microsoft.com/office/drawing/2014/main" val="10002"/>
+                    <a16:rowId xmlns:a16="http://schemas.microsoft.com/office/drawing/2014/main" xmlns="" val="10002"/>
                   </a:ext>
                 </a:extLst>
               </a:tr>
@@ -21598,468 +23657,7 @@
 </p:sld>
 </file>
 
-<file path=ppt/slides/slide3.xml><?xml version="1.0" encoding="utf-8"?>
-<p:sld xmlns:a="http://schemas.openxmlformats.org/drawingml/2006/main" xmlns:r="http://schemas.openxmlformats.org/officeDocument/2006/relationships" xmlns:p="http://schemas.openxmlformats.org/presentationml/2006/main">
-  <p:cSld>
-    <p:spTree>
-      <p:nvGrpSpPr>
-        <p:cNvPr id="1" name=""/>
-        <p:cNvGrpSpPr/>
-        <p:nvPr/>
-      </p:nvGrpSpPr>
-      <p:grpSpPr>
-        <a:xfrm>
-          <a:off x="0" y="0"/>
-          <a:ext cx="0" cy="0"/>
-          <a:chOff x="0" y="0"/>
-          <a:chExt cx="0" cy="0"/>
-        </a:xfrm>
-      </p:grpSpPr>
-      <p:sp>
-        <p:nvSpPr>
-          <p:cNvPr id="2" name="제목 1"/>
-          <p:cNvSpPr>
-            <a:spLocks noGrp="1"/>
-          </p:cNvSpPr>
-          <p:nvPr>
-            <p:ph type="title"/>
-          </p:nvPr>
-        </p:nvSpPr>
-        <p:spPr/>
-        <p:txBody>
-          <a:bodyPr>
-            <a:normAutofit fontScale="90000"/>
-          </a:bodyPr>
-          <a:lstStyle/>
-          <a:p>
-            <a:r>
-              <a:rPr lang="en-US" altLang="ko-KR" sz="4000" b="0" smtClean="0"/>
-              <a:t>[</a:t>
-            </a:r>
-            <a:r>
-              <a:rPr lang="ko-KR" altLang="en-US" sz="4000" b="0" smtClean="0"/>
-              <a:t>화면구현</a:t>
-            </a:r>
-            <a:r>
-              <a:rPr lang="en-US" altLang="ko-KR" sz="4000" b="0" smtClean="0"/>
-              <a:t>] </a:t>
-            </a:r>
-            <a:r>
-              <a:rPr lang="ko-KR" altLang="en-US" sz="4000" b="0" smtClean="0"/>
-              <a:t>사용자 </a:t>
-            </a:r>
-            <a:r>
-              <a:rPr lang="en-US" altLang="ko-KR" sz="4000" b="0" smtClean="0"/>
-              <a:t>– </a:t>
-            </a:r>
-            <a:r>
-              <a:rPr lang="ko-KR" altLang="en-US" sz="4000" b="0" smtClean="0"/>
-              <a:t>웹 </a:t>
-            </a:r>
-            <a:r>
-              <a:rPr lang="en-US" altLang="ko-KR" sz="4000" b="0" smtClean="0"/>
-              <a:t>- </a:t>
-            </a:r>
-            <a:r>
-              <a:rPr lang="ko-KR" altLang="en-US" sz="4000" b="0" smtClean="0"/>
-              <a:t>메인페이지</a:t>
-            </a:r>
-            <a:r>
-              <a:rPr lang="ko-KR" altLang="en-US" sz="2400" b="0" smtClean="0"/>
-              <a:t> </a:t>
-            </a:r>
-            <a:r>
-              <a:rPr lang="en-US" altLang="ko-KR" sz="2400" b="0"/>
-              <a:t>- HEADER</a:t>
-            </a:r>
-            <a:endParaRPr lang="ko-KR" altLang="en-US"/>
-          </a:p>
-        </p:txBody>
-      </p:sp>
-      <p:pic>
-        <p:nvPicPr>
-          <p:cNvPr id="4" name="그림 3"/>
-          <p:cNvPicPr>
-            <a:picLocks noChangeAspect="1"/>
-          </p:cNvPicPr>
-          <p:nvPr/>
-        </p:nvPicPr>
-        <p:blipFill>
-          <a:blip r:embed="rId2"/>
-          <a:stretch>
-            <a:fillRect/>
-          </a:stretch>
-        </p:blipFill>
-        <p:spPr>
-          <a:xfrm>
-            <a:off x="90616" y="1447060"/>
-            <a:ext cx="9086335" cy="1963406"/>
-          </a:xfrm>
-          <a:prstGeom prst="rect">
-            <a:avLst/>
-          </a:prstGeom>
-          <a:ln w="25400">
-            <a:solidFill>
-              <a:schemeClr val="tx1"/>
-            </a:solidFill>
-          </a:ln>
-        </p:spPr>
-      </p:pic>
-      <p:graphicFrame>
-        <p:nvGraphicFramePr>
-          <p:cNvPr id="6" name="표 5"/>
-          <p:cNvGraphicFramePr>
-            <a:graphicFrameLocks noGrp="1"/>
-          </p:cNvGraphicFramePr>
-          <p:nvPr>
-            <p:extLst/>
-          </p:nvPr>
-        </p:nvGraphicFramePr>
-        <p:xfrm>
-          <a:off x="9292795" y="1447060"/>
-          <a:ext cx="2788860" cy="640100"/>
-        </p:xfrm>
-        <a:graphic>
-          <a:graphicData uri="http://schemas.openxmlformats.org/drawingml/2006/table">
-            <a:tbl>
-              <a:tblPr firstRow="1" bandRow="1">
-                <a:noFill/>
-              </a:tblPr>
-              <a:tblGrid>
-                <a:gridCol w="2788860"/>
-              </a:tblGrid>
-              <a:tr h="168164">
-                <a:tc>
-                  <a:txBody>
-                    <a:bodyPr/>
-                    <a:lstStyle/>
-                    <a:p>
-                      <a:pPr marL="0" marR="0" lvl="0" indent="0" algn="ctr" rtl="0">
-                        <a:lnSpc>
-                          <a:spcPct val="100000"/>
-                        </a:lnSpc>
-                        <a:spcBef>
-                          <a:spcPts val="0"/>
-                        </a:spcBef>
-                        <a:spcAft>
-                          <a:spcPts val="0"/>
-                        </a:spcAft>
-                        <a:buClr>
-                          <a:srgbClr val="000000"/>
-                        </a:buClr>
-                        <a:buSzPts val="1500"/>
-                        <a:buFont typeface="Arial"/>
-                        <a:buNone/>
-                      </a:pPr>
-                      <a:r>
-                        <a:rPr lang="ko-KR" altLang="en-US" sz="1500" b="0" u="none" strike="noStrike" cap="none" dirty="0" smtClean="0">
-                          <a:solidFill>
-                            <a:schemeClr val="dk1"/>
-                          </a:solidFill>
-                        </a:rPr>
-                        <a:t>화면코드</a:t>
-                      </a:r>
-                      <a:endParaRPr sz="1500" b="0" u="none" strike="noStrike" cap="none" dirty="0">
-                        <a:solidFill>
-                          <a:schemeClr val="dk1"/>
-                        </a:solidFill>
-                      </a:endParaRPr>
-                    </a:p>
-                  </a:txBody>
-                  <a:tcPr marL="74304" marR="74304" marT="45725" marB="45725" anchor="ctr">
-                    <a:lnL w="12700" cap="flat" cmpd="sng">
-                      <a:solidFill>
-                        <a:schemeClr val="dk1"/>
-                      </a:solidFill>
-                      <a:prstDash val="solid"/>
-                      <a:round/>
-                      <a:headEnd type="none" w="sm" len="sm"/>
-                      <a:tailEnd type="none" w="sm" len="sm"/>
-                    </a:lnL>
-                    <a:lnR w="12700" cap="flat" cmpd="sng">
-                      <a:solidFill>
-                        <a:schemeClr val="dk1"/>
-                      </a:solidFill>
-                      <a:prstDash val="solid"/>
-                      <a:round/>
-                      <a:headEnd type="none" w="sm" len="sm"/>
-                      <a:tailEnd type="none" w="sm" len="sm"/>
-                    </a:lnR>
-                    <a:lnT w="12700" cap="flat" cmpd="sng">
-                      <a:solidFill>
-                        <a:schemeClr val="dk1"/>
-                      </a:solidFill>
-                      <a:prstDash val="solid"/>
-                      <a:round/>
-                      <a:headEnd type="none" w="sm" len="sm"/>
-                      <a:tailEnd type="none" w="sm" len="sm"/>
-                    </a:lnT>
-                    <a:lnB w="12700" cap="flat" cmpd="sng" algn="ctr">
-                      <a:solidFill>
-                        <a:schemeClr val="dk1"/>
-                      </a:solidFill>
-                      <a:prstDash val="solid"/>
-                      <a:round/>
-                      <a:headEnd type="none" w="sm" len="sm"/>
-                      <a:tailEnd type="none" w="sm" len="sm"/>
-                    </a:lnB>
-                    <a:solidFill>
-                      <a:srgbClr val="D8D8D8"/>
-                    </a:solidFill>
-                  </a:tcPr>
-                </a:tc>
-              </a:tr>
-              <a:tr h="168164">
-                <a:tc>
-                  <a:txBody>
-                    <a:bodyPr/>
-                    <a:lstStyle/>
-                    <a:p>
-                      <a:pPr marL="0" marR="0" lvl="0" indent="0" algn="ctr" defTabSz="914400" rtl="0" eaLnBrk="1" fontAlgn="auto" latinLnBrk="1" hangingPunct="1">
-                        <a:lnSpc>
-                          <a:spcPct val="100000"/>
-                        </a:lnSpc>
-                        <a:spcBef>
-                          <a:spcPts val="0"/>
-                        </a:spcBef>
-                        <a:spcAft>
-                          <a:spcPts val="0"/>
-                        </a:spcAft>
-                        <a:buClr>
-                          <a:srgbClr val="000000"/>
-                        </a:buClr>
-                        <a:buSzPts val="1500"/>
-                        <a:buFont typeface="Arial"/>
-                        <a:buNone/>
-                        <a:tabLst/>
-                        <a:defRPr/>
-                      </a:pPr>
-                      <a:r>
-                        <a:rPr lang="en-US" altLang="ko-KR" sz="1500" b="0" u="none" strike="noStrike" cap="none" smtClean="0">
-                          <a:solidFill>
-                            <a:schemeClr val="dk1"/>
-                          </a:solidFill>
-                        </a:rPr>
-                        <a:t>kb_user_w_mainHeader</a:t>
-                      </a:r>
-                      <a:endParaRPr lang="en-US" altLang="ko-KR" sz="1500" b="0" u="none" strike="noStrike" cap="none" dirty="0" smtClean="0">
-                        <a:solidFill>
-                          <a:schemeClr val="dk1"/>
-                        </a:solidFill>
-                      </a:endParaRPr>
-                    </a:p>
-                  </a:txBody>
-                  <a:tcPr marL="74304" marR="74304" marT="45725" marB="45725" anchor="ctr">
-                    <a:lnL w="12700" cap="flat" cmpd="sng" algn="ctr">
-                      <a:solidFill>
-                        <a:schemeClr val="dk1"/>
-                      </a:solidFill>
-                      <a:prstDash val="solid"/>
-                      <a:round/>
-                      <a:headEnd type="none" w="sm" len="sm"/>
-                      <a:tailEnd type="none" w="sm" len="sm"/>
-                    </a:lnL>
-                    <a:lnR w="12700" cap="flat" cmpd="sng" algn="ctr">
-                      <a:solidFill>
-                        <a:schemeClr val="dk1"/>
-                      </a:solidFill>
-                      <a:prstDash val="solid"/>
-                      <a:round/>
-                      <a:headEnd type="none" w="sm" len="sm"/>
-                      <a:tailEnd type="none" w="sm" len="sm"/>
-                    </a:lnR>
-                    <a:lnT w="12700" cap="flat" cmpd="sng" algn="ctr">
-                      <a:solidFill>
-                        <a:schemeClr val="dk1"/>
-                      </a:solidFill>
-                      <a:prstDash val="solid"/>
-                      <a:round/>
-                      <a:headEnd type="none" w="sm" len="sm"/>
-                      <a:tailEnd type="none" w="sm" len="sm"/>
-                    </a:lnT>
-                    <a:lnB w="12700" cap="flat" cmpd="sng">
-                      <a:solidFill>
-                        <a:schemeClr val="dk1"/>
-                      </a:solidFill>
-                      <a:prstDash val="solid"/>
-                      <a:round/>
-                      <a:headEnd type="none" w="sm" len="sm"/>
-                      <a:tailEnd type="none" w="sm" len="sm"/>
-                    </a:lnB>
-                    <a:solidFill>
-                      <a:schemeClr val="bg1"/>
-                    </a:solidFill>
-                  </a:tcPr>
-                </a:tc>
-              </a:tr>
-            </a:tbl>
-          </a:graphicData>
-        </a:graphic>
-      </p:graphicFrame>
-      <p:pic>
-        <p:nvPicPr>
-          <p:cNvPr id="3" name="그림 2"/>
-          <p:cNvPicPr>
-            <a:picLocks noChangeAspect="1"/>
-          </p:cNvPicPr>
-          <p:nvPr/>
-        </p:nvPicPr>
-        <p:blipFill>
-          <a:blip r:embed="rId3"/>
-          <a:stretch>
-            <a:fillRect/>
-          </a:stretch>
-        </p:blipFill>
-        <p:spPr>
-          <a:xfrm>
-            <a:off x="267012" y="3943986"/>
-            <a:ext cx="5345455" cy="1314450"/>
-          </a:xfrm>
-          <a:prstGeom prst="rect">
-            <a:avLst/>
-          </a:prstGeom>
-          <a:ln>
-            <a:solidFill>
-              <a:schemeClr val="tx1"/>
-            </a:solidFill>
-          </a:ln>
-        </p:spPr>
-      </p:pic>
-      <p:pic>
-        <p:nvPicPr>
-          <p:cNvPr id="7" name="그림 6"/>
-          <p:cNvPicPr>
-            <a:picLocks noChangeAspect="1"/>
-          </p:cNvPicPr>
-          <p:nvPr/>
-        </p:nvPicPr>
-        <p:blipFill>
-          <a:blip r:embed="rId4"/>
-          <a:stretch>
-            <a:fillRect/>
-          </a:stretch>
-        </p:blipFill>
-        <p:spPr>
-          <a:xfrm>
-            <a:off x="6005383" y="3943986"/>
-            <a:ext cx="5800983" cy="1362075"/>
-          </a:xfrm>
-          <a:prstGeom prst="rect">
-            <a:avLst/>
-          </a:prstGeom>
-          <a:ln>
-            <a:solidFill>
-              <a:schemeClr val="tx1"/>
-            </a:solidFill>
-          </a:ln>
-        </p:spPr>
-      </p:pic>
-      <p:sp>
-        <p:nvSpPr>
-          <p:cNvPr id="5" name="직사각형 4"/>
-          <p:cNvSpPr/>
-          <p:nvPr/>
-        </p:nvSpPr>
-        <p:spPr>
-          <a:xfrm>
-            <a:off x="7380514" y="1447060"/>
-            <a:ext cx="559837" cy="269773"/>
-          </a:xfrm>
-          <a:prstGeom prst="rect">
-            <a:avLst/>
-          </a:prstGeom>
-          <a:noFill/>
-          <a:ln w="25400">
-            <a:solidFill>
-              <a:srgbClr val="FF0000"/>
-            </a:solidFill>
-          </a:ln>
-        </p:spPr>
-        <p:style>
-          <a:lnRef idx="2">
-            <a:schemeClr val="accent1">
-              <a:shade val="50000"/>
-            </a:schemeClr>
-          </a:lnRef>
-          <a:fillRef idx="1">
-            <a:schemeClr val="accent1"/>
-          </a:fillRef>
-          <a:effectRef idx="0">
-            <a:schemeClr val="accent1"/>
-          </a:effectRef>
-          <a:fontRef idx="minor">
-            <a:schemeClr val="lt1"/>
-          </a:fontRef>
-        </p:style>
-        <p:txBody>
-          <a:bodyPr rtlCol="0" anchor="ctr"/>
-          <a:lstStyle/>
-          <a:p>
-            <a:pPr algn="ctr"/>
-            <a:endParaRPr lang="ko-KR" altLang="en-US"/>
-          </a:p>
-        </p:txBody>
-      </p:sp>
-      <p:cxnSp>
-        <p:nvCxnSpPr>
-          <p:cNvPr id="9" name="직선 화살표 연결선 8"/>
-          <p:cNvCxnSpPr>
-            <a:stCxn id="5" idx="2"/>
-            <a:endCxn id="3" idx="0"/>
-          </p:cNvCxnSpPr>
-          <p:nvPr/>
-        </p:nvCxnSpPr>
-        <p:spPr>
-          <a:xfrm flipH="1">
-            <a:off x="2939740" y="1716833"/>
-            <a:ext cx="4720693" cy="2227153"/>
-          </a:xfrm>
-          <a:prstGeom prst="straightConnector1">
-            <a:avLst/>
-          </a:prstGeom>
-          <a:ln w="25400">
-            <a:solidFill>
-              <a:srgbClr val="FF0000"/>
-            </a:solidFill>
-            <a:tailEnd type="triangle"/>
-          </a:ln>
-        </p:spPr>
-        <p:style>
-          <a:lnRef idx="1">
-            <a:schemeClr val="accent1"/>
-          </a:lnRef>
-          <a:fillRef idx="0">
-            <a:schemeClr val="accent1"/>
-          </a:fillRef>
-          <a:effectRef idx="0">
-            <a:schemeClr val="accent1"/>
-          </a:effectRef>
-          <a:fontRef idx="minor">
-            <a:schemeClr val="tx1"/>
-          </a:fontRef>
-        </p:style>
-      </p:cxnSp>
-    </p:spTree>
-    <p:extLst>
-      <p:ext uri="{BB962C8B-B14F-4D97-AF65-F5344CB8AC3E}">
-        <p14:creationId xmlns:p14="http://schemas.microsoft.com/office/powerpoint/2010/main" val="1289131614"/>
-      </p:ext>
-    </p:extLst>
-  </p:cSld>
-  <p:clrMapOvr>
-    <a:masterClrMapping/>
-  </p:clrMapOvr>
-  <p:timing>
-    <p:tnLst>
-      <p:par>
-        <p:cTn id="1" dur="indefinite" restart="never" nodeType="tmRoot"/>
-      </p:par>
-    </p:tnLst>
-  </p:timing>
-</p:sld>
-</file>
-
-<file path=ppt/slides/slide30.xml><?xml version="1.0" encoding="utf-8"?>
+<file path=ppt/slides/slide37.xml><?xml version="1.0" encoding="utf-8"?>
 <p:sld xmlns:a="http://schemas.openxmlformats.org/drawingml/2006/main" xmlns:r="http://schemas.openxmlformats.org/officeDocument/2006/relationships" xmlns:p="http://schemas.openxmlformats.org/presentationml/2006/main">
   <p:cSld>
     <p:spTree>
@@ -22214,14 +23812,14 @@
                 <a:gridCol w="311106">
                   <a:extLst>
                     <a:ext uri="{9D8B030D-6E8A-4147-A177-3AD203B41FA5}">
-                      <a16:colId xmlns="" xmlns:a16="http://schemas.microsoft.com/office/drawing/2014/main" val="20000"/>
+                      <a16:colId xmlns:a16="http://schemas.microsoft.com/office/drawing/2014/main" xmlns="" val="20000"/>
                     </a:ext>
                   </a:extLst>
                 </a:gridCol>
                 <a:gridCol w="2558644">
                   <a:extLst>
                     <a:ext uri="{9D8B030D-6E8A-4147-A177-3AD203B41FA5}">
-                      <a16:colId xmlns="" xmlns:a16="http://schemas.microsoft.com/office/drawing/2014/main" val="20001"/>
+                      <a16:colId xmlns:a16="http://schemas.microsoft.com/office/drawing/2014/main" xmlns="" val="20001"/>
                     </a:ext>
                   </a:extLst>
                 </a:gridCol>
@@ -22379,7 +23977,7 @@
                 </a:tc>
                 <a:extLst>
                   <a:ext uri="{0D108BD9-81ED-4DB2-BD59-A6C34878D82A}">
-                    <a16:rowId xmlns="" xmlns:a16="http://schemas.microsoft.com/office/drawing/2014/main" val="10000"/>
+                    <a16:rowId xmlns:a16="http://schemas.microsoft.com/office/drawing/2014/main" xmlns="" val="10000"/>
                   </a:ext>
                 </a:extLst>
               </a:tr>
@@ -22552,7 +24150,7 @@
                 </a:tc>
                 <a:extLst>
                   <a:ext uri="{0D108BD9-81ED-4DB2-BD59-A6C34878D82A}">
-                    <a16:rowId xmlns="" xmlns:a16="http://schemas.microsoft.com/office/drawing/2014/main" val="10001"/>
+                    <a16:rowId xmlns:a16="http://schemas.microsoft.com/office/drawing/2014/main" xmlns="" val="10001"/>
                   </a:ext>
                 </a:extLst>
               </a:tr>
@@ -22683,7 +24281,7 @@
                 </a:tc>
                 <a:extLst>
                   <a:ext uri="{0D108BD9-81ED-4DB2-BD59-A6C34878D82A}">
-                    <a16:rowId xmlns="" xmlns:a16="http://schemas.microsoft.com/office/drawing/2014/main" val="10002"/>
+                    <a16:rowId xmlns:a16="http://schemas.microsoft.com/office/drawing/2014/main" xmlns="" val="10002"/>
                   </a:ext>
                 </a:extLst>
               </a:tr>
@@ -23192,14 +24790,14 @@
                 <a:gridCol w="311106">
                   <a:extLst>
                     <a:ext uri="{9D8B030D-6E8A-4147-A177-3AD203B41FA5}">
-                      <a16:colId xmlns="" xmlns:a16="http://schemas.microsoft.com/office/drawing/2014/main" val="20000"/>
+                      <a16:colId xmlns:a16="http://schemas.microsoft.com/office/drawing/2014/main" xmlns="" val="20000"/>
                     </a:ext>
                   </a:extLst>
                 </a:gridCol>
                 <a:gridCol w="2558644">
                   <a:extLst>
                     <a:ext uri="{9D8B030D-6E8A-4147-A177-3AD203B41FA5}">
-                      <a16:colId xmlns="" xmlns:a16="http://schemas.microsoft.com/office/drawing/2014/main" val="20001"/>
+                      <a16:colId xmlns:a16="http://schemas.microsoft.com/office/drawing/2014/main" xmlns="" val="20001"/>
                     </a:ext>
                   </a:extLst>
                 </a:gridCol>
@@ -23357,7 +24955,7 @@
                 </a:tc>
                 <a:extLst>
                   <a:ext uri="{0D108BD9-81ED-4DB2-BD59-A6C34878D82A}">
-                    <a16:rowId xmlns="" xmlns:a16="http://schemas.microsoft.com/office/drawing/2014/main" val="10000"/>
+                    <a16:rowId xmlns:a16="http://schemas.microsoft.com/office/drawing/2014/main" xmlns="" val="10000"/>
                   </a:ext>
                 </a:extLst>
               </a:tr>
@@ -23610,7 +25208,7 @@
                 </a:tc>
                 <a:extLst>
                   <a:ext uri="{0D108BD9-81ED-4DB2-BD59-A6C34878D82A}">
-                    <a16:rowId xmlns="" xmlns:a16="http://schemas.microsoft.com/office/drawing/2014/main" val="10001"/>
+                    <a16:rowId xmlns:a16="http://schemas.microsoft.com/office/drawing/2014/main" xmlns="" val="10001"/>
                   </a:ext>
                 </a:extLst>
               </a:tr>
@@ -23831,7 +25429,7 @@
                 </a:tc>
                 <a:extLst>
                   <a:ext uri="{0D108BD9-81ED-4DB2-BD59-A6C34878D82A}">
-                    <a16:rowId xmlns="" xmlns:a16="http://schemas.microsoft.com/office/drawing/2014/main" val="10002"/>
+                    <a16:rowId xmlns:a16="http://schemas.microsoft.com/office/drawing/2014/main" xmlns="" val="10002"/>
                   </a:ext>
                 </a:extLst>
               </a:tr>
@@ -24068,7 +25666,7 @@
                 </a:tc>
                 <a:extLst>
                   <a:ext uri="{0D108BD9-81ED-4DB2-BD59-A6C34878D82A}">
-                    <a16:rowId xmlns="" xmlns:a16="http://schemas.microsoft.com/office/drawing/2014/main" val="10003"/>
+                    <a16:rowId xmlns:a16="http://schemas.microsoft.com/office/drawing/2014/main" xmlns="" val="10003"/>
                   </a:ext>
                 </a:extLst>
               </a:tr>
@@ -24289,7 +25887,7 @@
                 </a:tc>
                 <a:extLst>
                   <a:ext uri="{0D108BD9-81ED-4DB2-BD59-A6C34878D82A}">
-                    <a16:rowId xmlns="" xmlns:a16="http://schemas.microsoft.com/office/drawing/2014/main" val="10004"/>
+                    <a16:rowId xmlns:a16="http://schemas.microsoft.com/office/drawing/2014/main" xmlns="" val="10004"/>
                   </a:ext>
                 </a:extLst>
               </a:tr>
@@ -24516,7 +26114,7 @@
                 </a:tc>
                 <a:extLst>
                   <a:ext uri="{0D108BD9-81ED-4DB2-BD59-A6C34878D82A}">
-                    <a16:rowId xmlns="" xmlns:a16="http://schemas.microsoft.com/office/drawing/2014/main" val="10005"/>
+                    <a16:rowId xmlns:a16="http://schemas.microsoft.com/office/drawing/2014/main" xmlns="" val="10005"/>
                   </a:ext>
                 </a:extLst>
               </a:tr>
@@ -25396,14 +26994,14 @@
                 <a:gridCol w="311106">
                   <a:extLst>
                     <a:ext uri="{9D8B030D-6E8A-4147-A177-3AD203B41FA5}">
-                      <a16:colId xmlns="" xmlns:a16="http://schemas.microsoft.com/office/drawing/2014/main" val="20000"/>
+                      <a16:colId xmlns:a16="http://schemas.microsoft.com/office/drawing/2014/main" xmlns="" val="20000"/>
                     </a:ext>
                   </a:extLst>
                 </a:gridCol>
                 <a:gridCol w="2558644">
                   <a:extLst>
                     <a:ext uri="{9D8B030D-6E8A-4147-A177-3AD203B41FA5}">
-                      <a16:colId xmlns="" xmlns:a16="http://schemas.microsoft.com/office/drawing/2014/main" val="20001"/>
+                      <a16:colId xmlns:a16="http://schemas.microsoft.com/office/drawing/2014/main" xmlns="" val="20001"/>
                     </a:ext>
                   </a:extLst>
                 </a:gridCol>
@@ -25561,7 +27159,7 @@
                 </a:tc>
                 <a:extLst>
                   <a:ext uri="{0D108BD9-81ED-4DB2-BD59-A6C34878D82A}">
-                    <a16:rowId xmlns="" xmlns:a16="http://schemas.microsoft.com/office/drawing/2014/main" val="10000"/>
+                    <a16:rowId xmlns:a16="http://schemas.microsoft.com/office/drawing/2014/main" xmlns="" val="10000"/>
                   </a:ext>
                 </a:extLst>
               </a:tr>
@@ -25908,7 +27506,7 @@
                 </a:tc>
                 <a:extLst>
                   <a:ext uri="{0D108BD9-81ED-4DB2-BD59-A6C34878D82A}">
-                    <a16:rowId xmlns="" xmlns:a16="http://schemas.microsoft.com/office/drawing/2014/main" val="10001"/>
+                    <a16:rowId xmlns:a16="http://schemas.microsoft.com/office/drawing/2014/main" xmlns="" val="10001"/>
                   </a:ext>
                 </a:extLst>
               </a:tr>
@@ -26129,7 +27727,7 @@
                 </a:tc>
                 <a:extLst>
                   <a:ext uri="{0D108BD9-81ED-4DB2-BD59-A6C34878D82A}">
-                    <a16:rowId xmlns="" xmlns:a16="http://schemas.microsoft.com/office/drawing/2014/main" val="10002"/>
+                    <a16:rowId xmlns:a16="http://schemas.microsoft.com/office/drawing/2014/main" xmlns="" val="10002"/>
                   </a:ext>
                 </a:extLst>
               </a:tr>
@@ -26366,7 +27964,7 @@
                 </a:tc>
                 <a:extLst>
                   <a:ext uri="{0D108BD9-81ED-4DB2-BD59-A6C34878D82A}">
-                    <a16:rowId xmlns="" xmlns:a16="http://schemas.microsoft.com/office/drawing/2014/main" val="10003"/>
+                    <a16:rowId xmlns:a16="http://schemas.microsoft.com/office/drawing/2014/main" xmlns="" val="10003"/>
                   </a:ext>
                 </a:extLst>
               </a:tr>
@@ -26593,7 +28191,7 @@
                 </a:tc>
                 <a:extLst>
                   <a:ext uri="{0D108BD9-81ED-4DB2-BD59-A6C34878D82A}">
-                    <a16:rowId xmlns="" xmlns:a16="http://schemas.microsoft.com/office/drawing/2014/main" val="10004"/>
+                    <a16:rowId xmlns:a16="http://schemas.microsoft.com/office/drawing/2014/main" xmlns="" val="10004"/>
                   </a:ext>
                 </a:extLst>
               </a:tr>
@@ -27182,14 +28780,14 @@
                 <a:gridCol w="311106">
                   <a:extLst>
                     <a:ext uri="{9D8B030D-6E8A-4147-A177-3AD203B41FA5}">
-                      <a16:colId xmlns="" xmlns:a16="http://schemas.microsoft.com/office/drawing/2014/main" val="20000"/>
+                      <a16:colId xmlns:a16="http://schemas.microsoft.com/office/drawing/2014/main" xmlns="" val="20000"/>
                     </a:ext>
                   </a:extLst>
                 </a:gridCol>
                 <a:gridCol w="2558644">
                   <a:extLst>
                     <a:ext uri="{9D8B030D-6E8A-4147-A177-3AD203B41FA5}">
-                      <a16:colId xmlns="" xmlns:a16="http://schemas.microsoft.com/office/drawing/2014/main" val="20001"/>
+                      <a16:colId xmlns:a16="http://schemas.microsoft.com/office/drawing/2014/main" xmlns="" val="20001"/>
                     </a:ext>
                   </a:extLst>
                 </a:gridCol>
@@ -27347,7 +28945,7 @@
                 </a:tc>
                 <a:extLst>
                   <a:ext uri="{0D108BD9-81ED-4DB2-BD59-A6C34878D82A}">
-                    <a16:rowId xmlns="" xmlns:a16="http://schemas.microsoft.com/office/drawing/2014/main" val="10000"/>
+                    <a16:rowId xmlns:a16="http://schemas.microsoft.com/office/drawing/2014/main" xmlns="" val="10000"/>
                   </a:ext>
                 </a:extLst>
               </a:tr>
@@ -27659,7 +29257,7 @@
                 </a:tc>
                 <a:extLst>
                   <a:ext uri="{0D108BD9-81ED-4DB2-BD59-A6C34878D82A}">
-                    <a16:rowId xmlns="" xmlns:a16="http://schemas.microsoft.com/office/drawing/2014/main" val="10001"/>
+                    <a16:rowId xmlns:a16="http://schemas.microsoft.com/office/drawing/2014/main" xmlns="" val="10001"/>
                   </a:ext>
                 </a:extLst>
               </a:tr>
@@ -27790,7 +29388,7 @@
                 </a:tc>
                 <a:extLst>
                   <a:ext uri="{0D108BD9-81ED-4DB2-BD59-A6C34878D82A}">
-                    <a16:rowId xmlns="" xmlns:a16="http://schemas.microsoft.com/office/drawing/2014/main" val="10002"/>
+                    <a16:rowId xmlns:a16="http://schemas.microsoft.com/office/drawing/2014/main" xmlns="" val="10002"/>
                   </a:ext>
                 </a:extLst>
               </a:tr>
@@ -28179,7 +29777,7 @@
         <p:spPr>
           <a:xfrm>
             <a:off x="338202" y="1516465"/>
-            <a:ext cx="5910707" cy="4990806"/>
+            <a:ext cx="5296479" cy="4810194"/>
           </a:xfrm>
           <a:prstGeom prst="rect">
             <a:avLst/>
@@ -28236,8 +29834,8 @@
         </p:blipFill>
         <p:spPr>
           <a:xfrm>
-            <a:off x="6582031" y="2015696"/>
-            <a:ext cx="4699172" cy="1814899"/>
+            <a:off x="6491416" y="2015697"/>
+            <a:ext cx="5421655" cy="1254725"/>
           </a:xfrm>
           <a:prstGeom prst="rect">
             <a:avLst/>
@@ -28251,7 +29849,7 @@
       </p:pic>
       <p:pic>
         <p:nvPicPr>
-          <p:cNvPr id="7" name="그림 6"/>
+          <p:cNvPr id="8" name="그림 7"/>
           <p:cNvPicPr>
             <a:picLocks noChangeAspect="1"/>
           </p:cNvPicPr>
@@ -28265,8 +29863,8 @@
         </p:blipFill>
         <p:spPr>
           <a:xfrm>
-            <a:off x="6582031" y="4011868"/>
-            <a:ext cx="5181600" cy="1285875"/>
+            <a:off x="6354146" y="3416003"/>
+            <a:ext cx="5558925" cy="2770194"/>
           </a:xfrm>
           <a:prstGeom prst="rect">
             <a:avLst/>
@@ -28281,7 +29879,7 @@
     </p:spTree>
     <p:extLst>
       <p:ext uri="{BB962C8B-B14F-4D97-AF65-F5344CB8AC3E}">
-        <p14:creationId xmlns:p14="http://schemas.microsoft.com/office/powerpoint/2010/main" val="4255139540"/>
+        <p14:creationId xmlns:p14="http://schemas.microsoft.com/office/powerpoint/2010/main" val="67181555"/>
       </p:ext>
     </p:extLst>
   </p:cSld>

--- a/0 발표용 파워포인트/project05 - 파워포인트 종합 - 기범.pptx
+++ b/0 발표용 파워포인트/project05 - 파워포인트 종합 - 기범.pptx
@@ -5,7 +5,7 @@
     <p:sldMasterId id="2147483648" r:id="rId1"/>
   </p:sldMasterIdLst>
   <p:notesMasterIdLst>
-    <p:notesMasterId r:id="rId39"/>
+    <p:notesMasterId r:id="rId40"/>
   </p:notesMasterIdLst>
   <p:sldIdLst>
     <p:sldId id="256" r:id="rId2"/>
@@ -43,8 +43,9 @@
     <p:sldId id="268" r:id="rId34"/>
     <p:sldId id="269" r:id="rId35"/>
     <p:sldId id="270" r:id="rId36"/>
-    <p:sldId id="271" r:id="rId37"/>
-    <p:sldId id="272" r:id="rId38"/>
+    <p:sldId id="308" r:id="rId37"/>
+    <p:sldId id="271" r:id="rId38"/>
+    <p:sldId id="272" r:id="rId39"/>
   </p:sldIdLst>
   <p:sldSz cx="12192000" cy="6858000"/>
   <p:notesSz cx="6858000" cy="9144000"/>
@@ -245,7 +246,7 @@
             <a:fld id="{EFE7F2A0-C7D9-4DBD-AE3B-C1A712DCE501}" type="datetimeFigureOut">
               <a:rPr lang="ko-KR" altLang="en-US" smtClean="0"/>
               <a:pPr/>
-              <a:t>2020-04-23</a:t>
+              <a:t>2020-04-29</a:t>
             </a:fld>
             <a:endParaRPr lang="ko-KR" altLang="en-US"/>
           </a:p>
@@ -646,7 +647,7 @@
             <a:fld id="{272C3D53-FEDF-49EC-8F65-FFFC138B637E}" type="datetimeFigureOut">
               <a:rPr lang="ko-KR" altLang="en-US" smtClean="0"/>
               <a:pPr/>
-              <a:t>2020-04-23</a:t>
+              <a:t>2020-04-29</a:t>
             </a:fld>
             <a:endParaRPr lang="ko-KR" altLang="en-US"/>
           </a:p>
@@ -818,7 +819,7 @@
             <a:fld id="{272C3D53-FEDF-49EC-8F65-FFFC138B637E}" type="datetimeFigureOut">
               <a:rPr lang="ko-KR" altLang="en-US" smtClean="0"/>
               <a:pPr/>
-              <a:t>2020-04-23</a:t>
+              <a:t>2020-04-29</a:t>
             </a:fld>
             <a:endParaRPr lang="ko-KR" altLang="en-US"/>
           </a:p>
@@ -1000,7 +1001,7 @@
             <a:fld id="{272C3D53-FEDF-49EC-8F65-FFFC138B637E}" type="datetimeFigureOut">
               <a:rPr lang="ko-KR" altLang="en-US" smtClean="0"/>
               <a:pPr/>
-              <a:t>2020-04-23</a:t>
+              <a:t>2020-04-29</a:t>
             </a:fld>
             <a:endParaRPr lang="ko-KR" altLang="en-US"/>
           </a:p>
@@ -1196,7 +1197,7 @@
             <a:fld id="{ED3D6733-6F27-4404-AB51-585418F146E5}" type="datetimeFigureOut">
               <a:rPr lang="ko-KR" altLang="en-US" smtClean="0"/>
               <a:pPr/>
-              <a:t>2020-04-23</a:t>
+              <a:t>2020-04-29</a:t>
             </a:fld>
             <a:endParaRPr lang="ko-KR" altLang="en-US"/>
           </a:p>
@@ -1489,7 +1490,7 @@
             <a:fld id="{272C3D53-FEDF-49EC-8F65-FFFC138B637E}" type="datetimeFigureOut">
               <a:rPr lang="ko-KR" altLang="en-US" smtClean="0"/>
               <a:pPr/>
-              <a:t>2020-04-23</a:t>
+              <a:t>2020-04-29</a:t>
             </a:fld>
             <a:endParaRPr lang="ko-KR" altLang="en-US"/>
           </a:p>
@@ -1737,7 +1738,7 @@
             <a:fld id="{272C3D53-FEDF-49EC-8F65-FFFC138B637E}" type="datetimeFigureOut">
               <a:rPr lang="ko-KR" altLang="en-US" smtClean="0"/>
               <a:pPr/>
-              <a:t>2020-04-23</a:t>
+              <a:t>2020-04-29</a:t>
             </a:fld>
             <a:endParaRPr lang="ko-KR" altLang="en-US"/>
           </a:p>
@@ -1971,7 +1972,7 @@
             <a:fld id="{272C3D53-FEDF-49EC-8F65-FFFC138B637E}" type="datetimeFigureOut">
               <a:rPr lang="ko-KR" altLang="en-US" smtClean="0"/>
               <a:pPr/>
-              <a:t>2020-04-23</a:t>
+              <a:t>2020-04-29</a:t>
             </a:fld>
             <a:endParaRPr lang="ko-KR" altLang="en-US"/>
           </a:p>
@@ -2340,7 +2341,7 @@
             <a:fld id="{272C3D53-FEDF-49EC-8F65-FFFC138B637E}" type="datetimeFigureOut">
               <a:rPr lang="ko-KR" altLang="en-US" smtClean="0"/>
               <a:pPr/>
-              <a:t>2020-04-23</a:t>
+              <a:t>2020-04-29</a:t>
             </a:fld>
             <a:endParaRPr lang="ko-KR" altLang="en-US"/>
           </a:p>
@@ -2460,7 +2461,7 @@
             <a:fld id="{272C3D53-FEDF-49EC-8F65-FFFC138B637E}" type="datetimeFigureOut">
               <a:rPr lang="ko-KR" altLang="en-US" smtClean="0"/>
               <a:pPr/>
-              <a:t>2020-04-23</a:t>
+              <a:t>2020-04-29</a:t>
             </a:fld>
             <a:endParaRPr lang="ko-KR" altLang="en-US"/>
           </a:p>
@@ -2557,7 +2558,7 @@
             <a:fld id="{272C3D53-FEDF-49EC-8F65-FFFC138B637E}" type="datetimeFigureOut">
               <a:rPr lang="ko-KR" altLang="en-US" smtClean="0"/>
               <a:pPr/>
-              <a:t>2020-04-23</a:t>
+              <a:t>2020-04-29</a:t>
             </a:fld>
             <a:endParaRPr lang="ko-KR" altLang="en-US"/>
           </a:p>
@@ -2836,7 +2837,7 @@
             <a:fld id="{272C3D53-FEDF-49EC-8F65-FFFC138B637E}" type="datetimeFigureOut">
               <a:rPr lang="ko-KR" altLang="en-US" smtClean="0"/>
               <a:pPr/>
-              <a:t>2020-04-23</a:t>
+              <a:t>2020-04-29</a:t>
             </a:fld>
             <a:endParaRPr lang="ko-KR" altLang="en-US"/>
           </a:p>
@@ -3091,7 +3092,7 @@
             <a:fld id="{272C3D53-FEDF-49EC-8F65-FFFC138B637E}" type="datetimeFigureOut">
               <a:rPr lang="ko-KR" altLang="en-US" smtClean="0"/>
               <a:pPr/>
-              <a:t>2020-04-23</a:t>
+              <a:t>2020-04-29</a:t>
             </a:fld>
             <a:endParaRPr lang="ko-KR" altLang="en-US"/>
           </a:p>
@@ -3306,7 +3307,7 @@
             <a:fld id="{272C3D53-FEDF-49EC-8F65-FFFC138B637E}" type="datetimeFigureOut">
               <a:rPr lang="ko-KR" altLang="en-US" smtClean="0"/>
               <a:pPr/>
-              <a:t>2020-04-23</a:t>
+              <a:t>2020-04-29</a:t>
             </a:fld>
             <a:endParaRPr lang="ko-KR" altLang="en-US"/>
           </a:p>
@@ -4117,14 +4118,14 @@
                 <a:gridCol w="311106">
                   <a:extLst>
                     <a:ext uri="{9D8B030D-6E8A-4147-A177-3AD203B41FA5}">
-                      <a16:colId xmlns:a16="http://schemas.microsoft.com/office/drawing/2014/main" xmlns="" val="20000"/>
+                      <a16:colId xmlns="" xmlns:a16="http://schemas.microsoft.com/office/drawing/2014/main" val="20000"/>
                     </a:ext>
                   </a:extLst>
                 </a:gridCol>
                 <a:gridCol w="2558644">
                   <a:extLst>
                     <a:ext uri="{9D8B030D-6E8A-4147-A177-3AD203B41FA5}">
-                      <a16:colId xmlns:a16="http://schemas.microsoft.com/office/drawing/2014/main" xmlns="" val="20001"/>
+                      <a16:colId xmlns="" xmlns:a16="http://schemas.microsoft.com/office/drawing/2014/main" val="20001"/>
                     </a:ext>
                   </a:extLst>
                 </a:gridCol>
@@ -4282,7 +4283,7 @@
                 </a:tc>
                 <a:extLst>
                   <a:ext uri="{0D108BD9-81ED-4DB2-BD59-A6C34878D82A}">
-                    <a16:rowId xmlns:a16="http://schemas.microsoft.com/office/drawing/2014/main" xmlns="" val="10000"/>
+                    <a16:rowId xmlns="" xmlns:a16="http://schemas.microsoft.com/office/drawing/2014/main" val="10000"/>
                   </a:ext>
                 </a:extLst>
               </a:tr>
@@ -4439,7 +4440,7 @@
                 </a:tc>
                 <a:extLst>
                   <a:ext uri="{0D108BD9-81ED-4DB2-BD59-A6C34878D82A}">
-                    <a16:rowId xmlns:a16="http://schemas.microsoft.com/office/drawing/2014/main" xmlns="" val="10001"/>
+                    <a16:rowId xmlns="" xmlns:a16="http://schemas.microsoft.com/office/drawing/2014/main" val="10001"/>
                   </a:ext>
                 </a:extLst>
               </a:tr>
@@ -4570,7 +4571,7 @@
                 </a:tc>
                 <a:extLst>
                   <a:ext uri="{0D108BD9-81ED-4DB2-BD59-A6C34878D82A}">
-                    <a16:rowId xmlns:a16="http://schemas.microsoft.com/office/drawing/2014/main" xmlns="" val="10002"/>
+                    <a16:rowId xmlns="" xmlns:a16="http://schemas.microsoft.com/office/drawing/2014/main" val="10002"/>
                   </a:ext>
                 </a:extLst>
               </a:tr>
@@ -5336,14 +5337,14 @@
                 <a:gridCol w="311106">
                   <a:extLst>
                     <a:ext uri="{9D8B030D-6E8A-4147-A177-3AD203B41FA5}">
-                      <a16:colId xmlns:a16="http://schemas.microsoft.com/office/drawing/2014/main" xmlns="" val="20000"/>
+                      <a16:colId xmlns="" xmlns:a16="http://schemas.microsoft.com/office/drawing/2014/main" val="20000"/>
                     </a:ext>
                   </a:extLst>
                 </a:gridCol>
                 <a:gridCol w="2558644">
                   <a:extLst>
                     <a:ext uri="{9D8B030D-6E8A-4147-A177-3AD203B41FA5}">
-                      <a16:colId xmlns:a16="http://schemas.microsoft.com/office/drawing/2014/main" xmlns="" val="20001"/>
+                      <a16:colId xmlns="" xmlns:a16="http://schemas.microsoft.com/office/drawing/2014/main" val="20001"/>
                     </a:ext>
                   </a:extLst>
                 </a:gridCol>
@@ -5501,7 +5502,7 @@
                 </a:tc>
                 <a:extLst>
                   <a:ext uri="{0D108BD9-81ED-4DB2-BD59-A6C34878D82A}">
-                    <a16:rowId xmlns:a16="http://schemas.microsoft.com/office/drawing/2014/main" xmlns="" val="10000"/>
+                    <a16:rowId xmlns="" xmlns:a16="http://schemas.microsoft.com/office/drawing/2014/main" val="10000"/>
                   </a:ext>
                 </a:extLst>
               </a:tr>
@@ -5658,7 +5659,7 @@
                 </a:tc>
                 <a:extLst>
                   <a:ext uri="{0D108BD9-81ED-4DB2-BD59-A6C34878D82A}">
-                    <a16:rowId xmlns:a16="http://schemas.microsoft.com/office/drawing/2014/main" xmlns="" val="10001"/>
+                    <a16:rowId xmlns="" xmlns:a16="http://schemas.microsoft.com/office/drawing/2014/main" val="10001"/>
                   </a:ext>
                 </a:extLst>
               </a:tr>
@@ -5789,7 +5790,7 @@
                 </a:tc>
                 <a:extLst>
                   <a:ext uri="{0D108BD9-81ED-4DB2-BD59-A6C34878D82A}">
-                    <a16:rowId xmlns:a16="http://schemas.microsoft.com/office/drawing/2014/main" xmlns="" val="10002"/>
+                    <a16:rowId xmlns="" xmlns:a16="http://schemas.microsoft.com/office/drawing/2014/main" val="10002"/>
                   </a:ext>
                 </a:extLst>
               </a:tr>
@@ -6422,14 +6423,14 @@
                 <a:gridCol w="311106">
                   <a:extLst>
                     <a:ext uri="{9D8B030D-6E8A-4147-A177-3AD203B41FA5}">
-                      <a16:colId xmlns:a16="http://schemas.microsoft.com/office/drawing/2014/main" xmlns="" val="20000"/>
+                      <a16:colId xmlns="" xmlns:a16="http://schemas.microsoft.com/office/drawing/2014/main" val="20000"/>
                     </a:ext>
                   </a:extLst>
                 </a:gridCol>
                 <a:gridCol w="2558644">
                   <a:extLst>
                     <a:ext uri="{9D8B030D-6E8A-4147-A177-3AD203B41FA5}">
-                      <a16:colId xmlns:a16="http://schemas.microsoft.com/office/drawing/2014/main" xmlns="" val="20001"/>
+                      <a16:colId xmlns="" xmlns:a16="http://schemas.microsoft.com/office/drawing/2014/main" val="20001"/>
                     </a:ext>
                   </a:extLst>
                 </a:gridCol>
@@ -6587,7 +6588,7 @@
                 </a:tc>
                 <a:extLst>
                   <a:ext uri="{0D108BD9-81ED-4DB2-BD59-A6C34878D82A}">
-                    <a16:rowId xmlns:a16="http://schemas.microsoft.com/office/drawing/2014/main" xmlns="" val="10000"/>
+                    <a16:rowId xmlns="" xmlns:a16="http://schemas.microsoft.com/office/drawing/2014/main" val="10000"/>
                   </a:ext>
                 </a:extLst>
               </a:tr>
@@ -6752,7 +6753,7 @@
                 </a:tc>
                 <a:extLst>
                   <a:ext uri="{0D108BD9-81ED-4DB2-BD59-A6C34878D82A}">
-                    <a16:rowId xmlns:a16="http://schemas.microsoft.com/office/drawing/2014/main" xmlns="" val="10001"/>
+                    <a16:rowId xmlns="" xmlns:a16="http://schemas.microsoft.com/office/drawing/2014/main" val="10001"/>
                   </a:ext>
                 </a:extLst>
               </a:tr>
@@ -6883,7 +6884,7 @@
                 </a:tc>
                 <a:extLst>
                   <a:ext uri="{0D108BD9-81ED-4DB2-BD59-A6C34878D82A}">
-                    <a16:rowId xmlns:a16="http://schemas.microsoft.com/office/drawing/2014/main" xmlns="" val="10002"/>
+                    <a16:rowId xmlns="" xmlns:a16="http://schemas.microsoft.com/office/drawing/2014/main" val="10002"/>
                   </a:ext>
                 </a:extLst>
               </a:tr>
@@ -7915,14 +7916,14 @@
                 <a:gridCol w="311106">
                   <a:extLst>
                     <a:ext uri="{9D8B030D-6E8A-4147-A177-3AD203B41FA5}">
-                      <a16:colId xmlns:a16="http://schemas.microsoft.com/office/drawing/2014/main" xmlns="" val="20000"/>
+                      <a16:colId xmlns="" xmlns:a16="http://schemas.microsoft.com/office/drawing/2014/main" val="20000"/>
                     </a:ext>
                   </a:extLst>
                 </a:gridCol>
                 <a:gridCol w="2558644">
                   <a:extLst>
                     <a:ext uri="{9D8B030D-6E8A-4147-A177-3AD203B41FA5}">
-                      <a16:colId xmlns:a16="http://schemas.microsoft.com/office/drawing/2014/main" xmlns="" val="20001"/>
+                      <a16:colId xmlns="" xmlns:a16="http://schemas.microsoft.com/office/drawing/2014/main" val="20001"/>
                     </a:ext>
                   </a:extLst>
                 </a:gridCol>
@@ -8080,7 +8081,7 @@
                 </a:tc>
                 <a:extLst>
                   <a:ext uri="{0D108BD9-81ED-4DB2-BD59-A6C34878D82A}">
-                    <a16:rowId xmlns:a16="http://schemas.microsoft.com/office/drawing/2014/main" xmlns="" val="10000"/>
+                    <a16:rowId xmlns="" xmlns:a16="http://schemas.microsoft.com/office/drawing/2014/main" val="10000"/>
                   </a:ext>
                 </a:extLst>
               </a:tr>
@@ -8333,7 +8334,7 @@
                 </a:tc>
                 <a:extLst>
                   <a:ext uri="{0D108BD9-81ED-4DB2-BD59-A6C34878D82A}">
-                    <a16:rowId xmlns:a16="http://schemas.microsoft.com/office/drawing/2014/main" xmlns="" val="10001"/>
+                    <a16:rowId xmlns="" xmlns:a16="http://schemas.microsoft.com/office/drawing/2014/main" val="10001"/>
                   </a:ext>
                 </a:extLst>
               </a:tr>
@@ -8554,7 +8555,7 @@
                 </a:tc>
                 <a:extLst>
                   <a:ext uri="{0D108BD9-81ED-4DB2-BD59-A6C34878D82A}">
-                    <a16:rowId xmlns:a16="http://schemas.microsoft.com/office/drawing/2014/main" xmlns="" val="10002"/>
+                    <a16:rowId xmlns="" xmlns:a16="http://schemas.microsoft.com/office/drawing/2014/main" val="10002"/>
                   </a:ext>
                 </a:extLst>
               </a:tr>
@@ -8791,7 +8792,7 @@
                 </a:tc>
                 <a:extLst>
                   <a:ext uri="{0D108BD9-81ED-4DB2-BD59-A6C34878D82A}">
-                    <a16:rowId xmlns:a16="http://schemas.microsoft.com/office/drawing/2014/main" xmlns="" val="10003"/>
+                    <a16:rowId xmlns="" xmlns:a16="http://schemas.microsoft.com/office/drawing/2014/main" val="10003"/>
                   </a:ext>
                 </a:extLst>
               </a:tr>
@@ -9012,7 +9013,7 @@
                 </a:tc>
                 <a:extLst>
                   <a:ext uri="{0D108BD9-81ED-4DB2-BD59-A6C34878D82A}">
-                    <a16:rowId xmlns:a16="http://schemas.microsoft.com/office/drawing/2014/main" xmlns="" val="10004"/>
+                    <a16:rowId xmlns="" xmlns:a16="http://schemas.microsoft.com/office/drawing/2014/main" val="10004"/>
                   </a:ext>
                 </a:extLst>
               </a:tr>
@@ -9239,7 +9240,7 @@
                 </a:tc>
                 <a:extLst>
                   <a:ext uri="{0D108BD9-81ED-4DB2-BD59-A6C34878D82A}">
-                    <a16:rowId xmlns:a16="http://schemas.microsoft.com/office/drawing/2014/main" xmlns="" val="10005"/>
+                    <a16:rowId xmlns="" xmlns:a16="http://schemas.microsoft.com/office/drawing/2014/main" val="10005"/>
                   </a:ext>
                 </a:extLst>
               </a:tr>
@@ -9741,14 +9742,14 @@
                 <a:gridCol w="311106">
                   <a:extLst>
                     <a:ext uri="{9D8B030D-6E8A-4147-A177-3AD203B41FA5}">
-                      <a16:colId xmlns:a16="http://schemas.microsoft.com/office/drawing/2014/main" xmlns="" val="20000"/>
+                      <a16:colId xmlns="" xmlns:a16="http://schemas.microsoft.com/office/drawing/2014/main" val="20000"/>
                     </a:ext>
                   </a:extLst>
                 </a:gridCol>
                 <a:gridCol w="2558644">
                   <a:extLst>
                     <a:ext uri="{9D8B030D-6E8A-4147-A177-3AD203B41FA5}">
-                      <a16:colId xmlns:a16="http://schemas.microsoft.com/office/drawing/2014/main" xmlns="" val="20001"/>
+                      <a16:colId xmlns="" xmlns:a16="http://schemas.microsoft.com/office/drawing/2014/main" val="20001"/>
                     </a:ext>
                   </a:extLst>
                 </a:gridCol>
@@ -9906,7 +9907,7 @@
                 </a:tc>
                 <a:extLst>
                   <a:ext uri="{0D108BD9-81ED-4DB2-BD59-A6C34878D82A}">
-                    <a16:rowId xmlns:a16="http://schemas.microsoft.com/office/drawing/2014/main" xmlns="" val="10000"/>
+                    <a16:rowId xmlns="" xmlns:a16="http://schemas.microsoft.com/office/drawing/2014/main" val="10000"/>
                   </a:ext>
                 </a:extLst>
               </a:tr>
@@ -10218,7 +10219,7 @@
                 </a:tc>
                 <a:extLst>
                   <a:ext uri="{0D108BD9-81ED-4DB2-BD59-A6C34878D82A}">
-                    <a16:rowId xmlns:a16="http://schemas.microsoft.com/office/drawing/2014/main" xmlns="" val="10001"/>
+                    <a16:rowId xmlns="" xmlns:a16="http://schemas.microsoft.com/office/drawing/2014/main" val="10001"/>
                   </a:ext>
                 </a:extLst>
               </a:tr>
@@ -10349,7 +10350,7 @@
                 </a:tc>
                 <a:extLst>
                   <a:ext uri="{0D108BD9-81ED-4DB2-BD59-A6C34878D82A}">
-                    <a16:rowId xmlns:a16="http://schemas.microsoft.com/office/drawing/2014/main" xmlns="" val="10002"/>
+                    <a16:rowId xmlns="" xmlns:a16="http://schemas.microsoft.com/office/drawing/2014/main" val="10002"/>
                   </a:ext>
                 </a:extLst>
               </a:tr>
@@ -11257,14 +11258,14 @@
                 <a:gridCol w="311106">
                   <a:extLst>
                     <a:ext uri="{9D8B030D-6E8A-4147-A177-3AD203B41FA5}">
-                      <a16:colId xmlns:a16="http://schemas.microsoft.com/office/drawing/2014/main" xmlns="" val="20000"/>
+                      <a16:colId xmlns="" xmlns:a16="http://schemas.microsoft.com/office/drawing/2014/main" val="20000"/>
                     </a:ext>
                   </a:extLst>
                 </a:gridCol>
                 <a:gridCol w="2558644">
                   <a:extLst>
                     <a:ext uri="{9D8B030D-6E8A-4147-A177-3AD203B41FA5}">
-                      <a16:colId xmlns:a16="http://schemas.microsoft.com/office/drawing/2014/main" xmlns="" val="20001"/>
+                      <a16:colId xmlns="" xmlns:a16="http://schemas.microsoft.com/office/drawing/2014/main" val="20001"/>
                     </a:ext>
                   </a:extLst>
                 </a:gridCol>
@@ -11422,7 +11423,7 @@
                 </a:tc>
                 <a:extLst>
                   <a:ext uri="{0D108BD9-81ED-4DB2-BD59-A6C34878D82A}">
-                    <a16:rowId xmlns:a16="http://schemas.microsoft.com/office/drawing/2014/main" xmlns="" val="10000"/>
+                    <a16:rowId xmlns="" xmlns:a16="http://schemas.microsoft.com/office/drawing/2014/main" val="10000"/>
                   </a:ext>
                 </a:extLst>
               </a:tr>
@@ -11734,7 +11735,7 @@
                 </a:tc>
                 <a:extLst>
                   <a:ext uri="{0D108BD9-81ED-4DB2-BD59-A6C34878D82A}">
-                    <a16:rowId xmlns:a16="http://schemas.microsoft.com/office/drawing/2014/main" xmlns="" val="10001"/>
+                    <a16:rowId xmlns="" xmlns:a16="http://schemas.microsoft.com/office/drawing/2014/main" val="10001"/>
                   </a:ext>
                 </a:extLst>
               </a:tr>
@@ -11865,7 +11866,7 @@
                 </a:tc>
                 <a:extLst>
                   <a:ext uri="{0D108BD9-81ED-4DB2-BD59-A6C34878D82A}">
-                    <a16:rowId xmlns:a16="http://schemas.microsoft.com/office/drawing/2014/main" xmlns="" val="10002"/>
+                    <a16:rowId xmlns="" xmlns:a16="http://schemas.microsoft.com/office/drawing/2014/main" val="10002"/>
                   </a:ext>
                 </a:extLst>
               </a:tr>
@@ -12539,14 +12540,14 @@
                 <a:gridCol w="311106">
                   <a:extLst>
                     <a:ext uri="{9D8B030D-6E8A-4147-A177-3AD203B41FA5}">
-                      <a16:colId xmlns:a16="http://schemas.microsoft.com/office/drawing/2014/main" xmlns="" val="20000"/>
+                      <a16:colId xmlns="" xmlns:a16="http://schemas.microsoft.com/office/drawing/2014/main" val="20000"/>
                     </a:ext>
                   </a:extLst>
                 </a:gridCol>
                 <a:gridCol w="2558644">
                   <a:extLst>
                     <a:ext uri="{9D8B030D-6E8A-4147-A177-3AD203B41FA5}">
-                      <a16:colId xmlns:a16="http://schemas.microsoft.com/office/drawing/2014/main" xmlns="" val="20001"/>
+                      <a16:colId xmlns="" xmlns:a16="http://schemas.microsoft.com/office/drawing/2014/main" val="20001"/>
                     </a:ext>
                   </a:extLst>
                 </a:gridCol>
@@ -12704,7 +12705,7 @@
                 </a:tc>
                 <a:extLst>
                   <a:ext uri="{0D108BD9-81ED-4DB2-BD59-A6C34878D82A}">
-                    <a16:rowId xmlns:a16="http://schemas.microsoft.com/office/drawing/2014/main" xmlns="" val="10000"/>
+                    <a16:rowId xmlns="" xmlns:a16="http://schemas.microsoft.com/office/drawing/2014/main" val="10000"/>
                   </a:ext>
                 </a:extLst>
               </a:tr>
@@ -12861,7 +12862,7 @@
                 </a:tc>
                 <a:extLst>
                   <a:ext uri="{0D108BD9-81ED-4DB2-BD59-A6C34878D82A}">
-                    <a16:rowId xmlns:a16="http://schemas.microsoft.com/office/drawing/2014/main" xmlns="" val="10001"/>
+                    <a16:rowId xmlns="" xmlns:a16="http://schemas.microsoft.com/office/drawing/2014/main" val="10001"/>
                   </a:ext>
                 </a:extLst>
               </a:tr>
@@ -13019,7 +13020,7 @@
                 </a:tc>
                 <a:extLst>
                   <a:ext uri="{0D108BD9-81ED-4DB2-BD59-A6C34878D82A}">
-                    <a16:rowId xmlns:a16="http://schemas.microsoft.com/office/drawing/2014/main" xmlns="" val="10002"/>
+                    <a16:rowId xmlns="" xmlns:a16="http://schemas.microsoft.com/office/drawing/2014/main" val="10002"/>
                   </a:ext>
                 </a:extLst>
               </a:tr>
@@ -14200,14 +14201,14 @@
                 <a:gridCol w="311106">
                   <a:extLst>
                     <a:ext uri="{9D8B030D-6E8A-4147-A177-3AD203B41FA5}">
-                      <a16:colId xmlns:a16="http://schemas.microsoft.com/office/drawing/2014/main" xmlns="" val="20000"/>
+                      <a16:colId xmlns="" xmlns:a16="http://schemas.microsoft.com/office/drawing/2014/main" val="20000"/>
                     </a:ext>
                   </a:extLst>
                 </a:gridCol>
                 <a:gridCol w="2558644">
                   <a:extLst>
                     <a:ext uri="{9D8B030D-6E8A-4147-A177-3AD203B41FA5}">
-                      <a16:colId xmlns:a16="http://schemas.microsoft.com/office/drawing/2014/main" xmlns="" val="20001"/>
+                      <a16:colId xmlns="" xmlns:a16="http://schemas.microsoft.com/office/drawing/2014/main" val="20001"/>
                     </a:ext>
                   </a:extLst>
                 </a:gridCol>
@@ -14365,7 +14366,7 @@
                 </a:tc>
                 <a:extLst>
                   <a:ext uri="{0D108BD9-81ED-4DB2-BD59-A6C34878D82A}">
-                    <a16:rowId xmlns:a16="http://schemas.microsoft.com/office/drawing/2014/main" xmlns="" val="10000"/>
+                    <a16:rowId xmlns="" xmlns:a16="http://schemas.microsoft.com/office/drawing/2014/main" val="10000"/>
                   </a:ext>
                 </a:extLst>
               </a:tr>
@@ -14522,7 +14523,7 @@
                 </a:tc>
                 <a:extLst>
                   <a:ext uri="{0D108BD9-81ED-4DB2-BD59-A6C34878D82A}">
-                    <a16:rowId xmlns:a16="http://schemas.microsoft.com/office/drawing/2014/main" xmlns="" val="10001"/>
+                    <a16:rowId xmlns="" xmlns:a16="http://schemas.microsoft.com/office/drawing/2014/main" val="10001"/>
                   </a:ext>
                 </a:extLst>
               </a:tr>
@@ -14653,7 +14654,7 @@
                 </a:tc>
                 <a:extLst>
                   <a:ext uri="{0D108BD9-81ED-4DB2-BD59-A6C34878D82A}">
-                    <a16:rowId xmlns:a16="http://schemas.microsoft.com/office/drawing/2014/main" xmlns="" val="10002"/>
+                    <a16:rowId xmlns="" xmlns:a16="http://schemas.microsoft.com/office/drawing/2014/main" val="10002"/>
                   </a:ext>
                 </a:extLst>
               </a:tr>
@@ -15672,14 +15673,14 @@
                 <a:gridCol w="311106">
                   <a:extLst>
                     <a:ext uri="{9D8B030D-6E8A-4147-A177-3AD203B41FA5}">
-                      <a16:colId xmlns:a16="http://schemas.microsoft.com/office/drawing/2014/main" xmlns="" val="20000"/>
+                      <a16:colId xmlns="" xmlns:a16="http://schemas.microsoft.com/office/drawing/2014/main" val="20000"/>
                     </a:ext>
                   </a:extLst>
                 </a:gridCol>
                 <a:gridCol w="2558644">
                   <a:extLst>
                     <a:ext uri="{9D8B030D-6E8A-4147-A177-3AD203B41FA5}">
-                      <a16:colId xmlns:a16="http://schemas.microsoft.com/office/drawing/2014/main" xmlns="" val="20001"/>
+                      <a16:colId xmlns="" xmlns:a16="http://schemas.microsoft.com/office/drawing/2014/main" val="20001"/>
                     </a:ext>
                   </a:extLst>
                 </a:gridCol>
@@ -15837,7 +15838,7 @@
                 </a:tc>
                 <a:extLst>
                   <a:ext uri="{0D108BD9-81ED-4DB2-BD59-A6C34878D82A}">
-                    <a16:rowId xmlns:a16="http://schemas.microsoft.com/office/drawing/2014/main" xmlns="" val="10000"/>
+                    <a16:rowId xmlns="" xmlns:a16="http://schemas.microsoft.com/office/drawing/2014/main" val="10000"/>
                   </a:ext>
                 </a:extLst>
               </a:tr>
@@ -16034,7 +16035,7 @@
                 </a:tc>
                 <a:extLst>
                   <a:ext uri="{0D108BD9-81ED-4DB2-BD59-A6C34878D82A}">
-                    <a16:rowId xmlns:a16="http://schemas.microsoft.com/office/drawing/2014/main" xmlns="" val="10001"/>
+                    <a16:rowId xmlns="" xmlns:a16="http://schemas.microsoft.com/office/drawing/2014/main" val="10001"/>
                   </a:ext>
                 </a:extLst>
               </a:tr>
@@ -16192,7 +16193,7 @@
                 </a:tc>
                 <a:extLst>
                   <a:ext uri="{0D108BD9-81ED-4DB2-BD59-A6C34878D82A}">
-                    <a16:rowId xmlns:a16="http://schemas.microsoft.com/office/drawing/2014/main" xmlns="" val="10002"/>
+                    <a16:rowId xmlns="" xmlns:a16="http://schemas.microsoft.com/office/drawing/2014/main" val="10002"/>
                   </a:ext>
                 </a:extLst>
               </a:tr>
@@ -16601,14 +16602,14 @@
                 <a:gridCol w="311106">
                   <a:extLst>
                     <a:ext uri="{9D8B030D-6E8A-4147-A177-3AD203B41FA5}">
-                      <a16:colId xmlns:a16="http://schemas.microsoft.com/office/drawing/2014/main" xmlns="" val="20000"/>
+                      <a16:colId xmlns="" xmlns:a16="http://schemas.microsoft.com/office/drawing/2014/main" val="20000"/>
                     </a:ext>
                   </a:extLst>
                 </a:gridCol>
                 <a:gridCol w="2558644">
                   <a:extLst>
                     <a:ext uri="{9D8B030D-6E8A-4147-A177-3AD203B41FA5}">
-                      <a16:colId xmlns:a16="http://schemas.microsoft.com/office/drawing/2014/main" xmlns="" val="20001"/>
+                      <a16:colId xmlns="" xmlns:a16="http://schemas.microsoft.com/office/drawing/2014/main" val="20001"/>
                     </a:ext>
                   </a:extLst>
                 </a:gridCol>
@@ -16766,7 +16767,7 @@
                 </a:tc>
                 <a:extLst>
                   <a:ext uri="{0D108BD9-81ED-4DB2-BD59-A6C34878D82A}">
-                    <a16:rowId xmlns:a16="http://schemas.microsoft.com/office/drawing/2014/main" xmlns="" val="10000"/>
+                    <a16:rowId xmlns="" xmlns:a16="http://schemas.microsoft.com/office/drawing/2014/main" val="10000"/>
                   </a:ext>
                 </a:extLst>
               </a:tr>
@@ -16923,7 +16924,7 @@
                 </a:tc>
                 <a:extLst>
                   <a:ext uri="{0D108BD9-81ED-4DB2-BD59-A6C34878D82A}">
-                    <a16:rowId xmlns:a16="http://schemas.microsoft.com/office/drawing/2014/main" xmlns="" val="10001"/>
+                    <a16:rowId xmlns="" xmlns:a16="http://schemas.microsoft.com/office/drawing/2014/main" val="10001"/>
                   </a:ext>
                 </a:extLst>
               </a:tr>
@@ -17328,14 +17329,14 @@
                 <a:gridCol w="311106">
                   <a:extLst>
                     <a:ext uri="{9D8B030D-6E8A-4147-A177-3AD203B41FA5}">
-                      <a16:colId xmlns:a16="http://schemas.microsoft.com/office/drawing/2014/main" xmlns="" val="20000"/>
+                      <a16:colId xmlns="" xmlns:a16="http://schemas.microsoft.com/office/drawing/2014/main" val="20000"/>
                     </a:ext>
                   </a:extLst>
                 </a:gridCol>
                 <a:gridCol w="2558644">
                   <a:extLst>
                     <a:ext uri="{9D8B030D-6E8A-4147-A177-3AD203B41FA5}">
-                      <a16:colId xmlns:a16="http://schemas.microsoft.com/office/drawing/2014/main" xmlns="" val="20001"/>
+                      <a16:colId xmlns="" xmlns:a16="http://schemas.microsoft.com/office/drawing/2014/main" val="20001"/>
                     </a:ext>
                   </a:extLst>
                 </a:gridCol>
@@ -17493,7 +17494,7 @@
                 </a:tc>
                 <a:extLst>
                   <a:ext uri="{0D108BD9-81ED-4DB2-BD59-A6C34878D82A}">
-                    <a16:rowId xmlns:a16="http://schemas.microsoft.com/office/drawing/2014/main" xmlns="" val="10000"/>
+                    <a16:rowId xmlns="" xmlns:a16="http://schemas.microsoft.com/office/drawing/2014/main" val="10000"/>
                   </a:ext>
                 </a:extLst>
               </a:tr>
@@ -17650,7 +17651,7 @@
                 </a:tc>
                 <a:extLst>
                   <a:ext uri="{0D108BD9-81ED-4DB2-BD59-A6C34878D82A}">
-                    <a16:rowId xmlns:a16="http://schemas.microsoft.com/office/drawing/2014/main" xmlns="" val="10001"/>
+                    <a16:rowId xmlns="" xmlns:a16="http://schemas.microsoft.com/office/drawing/2014/main" val="10001"/>
                   </a:ext>
                 </a:extLst>
               </a:tr>
@@ -18111,14 +18112,14 @@
                 <a:gridCol w="311106">
                   <a:extLst>
                     <a:ext uri="{9D8B030D-6E8A-4147-A177-3AD203B41FA5}">
-                      <a16:colId xmlns:a16="http://schemas.microsoft.com/office/drawing/2014/main" xmlns="" val="20000"/>
+                      <a16:colId xmlns="" xmlns:a16="http://schemas.microsoft.com/office/drawing/2014/main" val="20000"/>
                     </a:ext>
                   </a:extLst>
                 </a:gridCol>
                 <a:gridCol w="2558644">
                   <a:extLst>
                     <a:ext uri="{9D8B030D-6E8A-4147-A177-3AD203B41FA5}">
-                      <a16:colId xmlns:a16="http://schemas.microsoft.com/office/drawing/2014/main" xmlns="" val="20001"/>
+                      <a16:colId xmlns="" xmlns:a16="http://schemas.microsoft.com/office/drawing/2014/main" val="20001"/>
                     </a:ext>
                   </a:extLst>
                 </a:gridCol>
@@ -18276,7 +18277,7 @@
                 </a:tc>
                 <a:extLst>
                   <a:ext uri="{0D108BD9-81ED-4DB2-BD59-A6C34878D82A}">
-                    <a16:rowId xmlns:a16="http://schemas.microsoft.com/office/drawing/2014/main" xmlns="" val="10000"/>
+                    <a16:rowId xmlns="" xmlns:a16="http://schemas.microsoft.com/office/drawing/2014/main" val="10000"/>
                   </a:ext>
                 </a:extLst>
               </a:tr>
@@ -18433,7 +18434,7 @@
                 </a:tc>
                 <a:extLst>
                   <a:ext uri="{0D108BD9-81ED-4DB2-BD59-A6C34878D82A}">
-                    <a16:rowId xmlns:a16="http://schemas.microsoft.com/office/drawing/2014/main" xmlns="" val="10001"/>
+                    <a16:rowId xmlns="" xmlns:a16="http://schemas.microsoft.com/office/drawing/2014/main" val="10001"/>
                   </a:ext>
                 </a:extLst>
               </a:tr>
@@ -18564,7 +18565,7 @@
                 </a:tc>
                 <a:extLst>
                   <a:ext uri="{0D108BD9-81ED-4DB2-BD59-A6C34878D82A}">
-                    <a16:rowId xmlns:a16="http://schemas.microsoft.com/office/drawing/2014/main" xmlns="" val="10002"/>
+                    <a16:rowId xmlns="" xmlns:a16="http://schemas.microsoft.com/office/drawing/2014/main" val="10002"/>
                   </a:ext>
                 </a:extLst>
               </a:tr>
@@ -18909,14 +18910,14 @@
                 <a:gridCol w="311106">
                   <a:extLst>
                     <a:ext uri="{9D8B030D-6E8A-4147-A177-3AD203B41FA5}">
-                      <a16:colId xmlns="" xmlns:a16="http://schemas.microsoft.com/office/drawing/2014/main" val="20000"/>
+                      <a16:colId xmlns:a16="http://schemas.microsoft.com/office/drawing/2014/main" xmlns="" val="20000"/>
                     </a:ext>
                   </a:extLst>
                 </a:gridCol>
                 <a:gridCol w="2558644">
                   <a:extLst>
                     <a:ext uri="{9D8B030D-6E8A-4147-A177-3AD203B41FA5}">
-                      <a16:colId xmlns="" xmlns:a16="http://schemas.microsoft.com/office/drawing/2014/main" val="20001"/>
+                      <a16:colId xmlns:a16="http://schemas.microsoft.com/office/drawing/2014/main" xmlns="" val="20001"/>
                     </a:ext>
                   </a:extLst>
                 </a:gridCol>
@@ -19074,7 +19075,7 @@
                 </a:tc>
                 <a:extLst>
                   <a:ext uri="{0D108BD9-81ED-4DB2-BD59-A6C34878D82A}">
-                    <a16:rowId xmlns="" xmlns:a16="http://schemas.microsoft.com/office/drawing/2014/main" val="10000"/>
+                    <a16:rowId xmlns:a16="http://schemas.microsoft.com/office/drawing/2014/main" xmlns="" val="10000"/>
                   </a:ext>
                 </a:extLst>
               </a:tr>
@@ -19222,7 +19223,7 @@
                 </a:tc>
                 <a:extLst>
                   <a:ext uri="{0D108BD9-81ED-4DB2-BD59-A6C34878D82A}">
-                    <a16:rowId xmlns="" xmlns:a16="http://schemas.microsoft.com/office/drawing/2014/main" val="10001"/>
+                    <a16:rowId xmlns:a16="http://schemas.microsoft.com/office/drawing/2014/main" xmlns="" val="10001"/>
                   </a:ext>
                 </a:extLst>
               </a:tr>
@@ -22012,14 +22013,14 @@
                 <a:gridCol w="311106">
                   <a:extLst>
                     <a:ext uri="{9D8B030D-6E8A-4147-A177-3AD203B41FA5}">
-                      <a16:colId xmlns:a16="http://schemas.microsoft.com/office/drawing/2014/main" xmlns="" val="20000"/>
+                      <a16:colId xmlns="" xmlns:a16="http://schemas.microsoft.com/office/drawing/2014/main" val="20000"/>
                     </a:ext>
                   </a:extLst>
                 </a:gridCol>
                 <a:gridCol w="2558644">
                   <a:extLst>
                     <a:ext uri="{9D8B030D-6E8A-4147-A177-3AD203B41FA5}">
-                      <a16:colId xmlns:a16="http://schemas.microsoft.com/office/drawing/2014/main" xmlns="" val="20001"/>
+                      <a16:colId xmlns="" xmlns:a16="http://schemas.microsoft.com/office/drawing/2014/main" val="20001"/>
                     </a:ext>
                   </a:extLst>
                 </a:gridCol>
@@ -22177,7 +22178,7 @@
                 </a:tc>
                 <a:extLst>
                   <a:ext uri="{0D108BD9-81ED-4DB2-BD59-A6C34878D82A}">
-                    <a16:rowId xmlns:a16="http://schemas.microsoft.com/office/drawing/2014/main" xmlns="" val="10000"/>
+                    <a16:rowId xmlns="" xmlns:a16="http://schemas.microsoft.com/office/drawing/2014/main" val="10000"/>
                   </a:ext>
                 </a:extLst>
               </a:tr>
@@ -22385,7 +22386,7 @@
                 </a:tc>
                 <a:extLst>
                   <a:ext uri="{0D108BD9-81ED-4DB2-BD59-A6C34878D82A}">
-                    <a16:rowId xmlns:a16="http://schemas.microsoft.com/office/drawing/2014/main" xmlns="" val="10001"/>
+                    <a16:rowId xmlns="" xmlns:a16="http://schemas.microsoft.com/office/drawing/2014/main" val="10001"/>
                   </a:ext>
                 </a:extLst>
               </a:tr>
@@ -22520,7 +22521,7 @@
                 </a:tc>
                 <a:extLst>
                   <a:ext uri="{0D108BD9-81ED-4DB2-BD59-A6C34878D82A}">
-                    <a16:rowId xmlns:a16="http://schemas.microsoft.com/office/drawing/2014/main" xmlns="" val="10002"/>
+                    <a16:rowId xmlns="" xmlns:a16="http://schemas.microsoft.com/office/drawing/2014/main" val="10002"/>
                   </a:ext>
                 </a:extLst>
               </a:tr>
@@ -22814,6 +22815,219 @@
 </file>
 
 <file path=ppt/slides/slide36.xml><?xml version="1.0" encoding="utf-8"?>
+<p:sld xmlns:a="http://schemas.openxmlformats.org/drawingml/2006/main" xmlns:r="http://schemas.openxmlformats.org/officeDocument/2006/relationships" xmlns:p="http://schemas.openxmlformats.org/presentationml/2006/main">
+  <p:cSld>
+    <p:spTree>
+      <p:nvGrpSpPr>
+        <p:cNvPr id="1" name=""/>
+        <p:cNvGrpSpPr/>
+        <p:nvPr/>
+      </p:nvGrpSpPr>
+      <p:grpSpPr>
+        <a:xfrm>
+          <a:off x="0" y="0"/>
+          <a:ext cx="0" cy="0"/>
+          <a:chOff x="0" y="0"/>
+          <a:chExt cx="0" cy="0"/>
+        </a:xfrm>
+      </p:grpSpPr>
+      <p:sp>
+        <p:nvSpPr>
+          <p:cNvPr id="4" name="제목 1"/>
+          <p:cNvSpPr>
+            <a:spLocks noGrp="1"/>
+          </p:cNvSpPr>
+          <p:nvPr>
+            <p:ph type="title"/>
+          </p:nvPr>
+        </p:nvSpPr>
+        <p:spPr>
+          <a:xfrm>
+            <a:off x="962423" y="116632"/>
+            <a:ext cx="9646078" cy="796908"/>
+          </a:xfrm>
+        </p:spPr>
+        <p:txBody>
+          <a:bodyPr>
+            <a:noAutofit/>
+          </a:bodyPr>
+          <a:lstStyle/>
+          <a:p>
+            <a:pPr lvl="0">
+              <a:lnSpc>
+                <a:spcPct val="100000"/>
+              </a:lnSpc>
+              <a:spcBef>
+                <a:spcPts val="0"/>
+              </a:spcBef>
+              <a:defRPr/>
+            </a:pPr>
+            <a:r>
+              <a:rPr lang="en-US" altLang="ko-KR" sz="4000" b="0"/>
+              <a:t>[</a:t>
+            </a:r>
+            <a:r>
+              <a:rPr lang="ko-KR" altLang="en-US" sz="4000" b="0" smtClean="0"/>
+              <a:t>화면구현</a:t>
+            </a:r>
+            <a:r>
+              <a:rPr lang="en-US" altLang="ko-KR" sz="4000" b="0" smtClean="0"/>
+              <a:t>] </a:t>
+            </a:r>
+            <a:r>
+              <a:rPr lang="ko-KR" altLang="en-US" sz="4000" b="0" smtClean="0"/>
+              <a:t>관리자</a:t>
+            </a:r>
+            <a:r>
+              <a:rPr lang="en-US" altLang="ko-KR" sz="4000" b="0" smtClean="0"/>
+              <a:t>- </a:t>
+            </a:r>
+            <a:r>
+              <a:rPr lang="ko-KR" altLang="en-US" sz="4000" b="0" smtClean="0"/>
+              <a:t>웹 </a:t>
+            </a:r>
+            <a:r>
+              <a:rPr lang="en-US" altLang="ko-KR" sz="4000" b="0" smtClean="0"/>
+              <a:t>- </a:t>
+            </a:r>
+            <a:r>
+              <a:rPr lang="ko-KR" altLang="en-US" sz="4000" b="0" smtClean="0"/>
+              <a:t>회원정보관리</a:t>
+            </a:r>
+            <a:endParaRPr lang="ko-KR" altLang="en-US" sz="4000" b="0"/>
+          </a:p>
+        </p:txBody>
+      </p:sp>
+      <p:pic>
+        <p:nvPicPr>
+          <p:cNvPr id="5" name="그림 4"/>
+          <p:cNvPicPr>
+            <a:picLocks noChangeAspect="1"/>
+          </p:cNvPicPr>
+          <p:nvPr/>
+        </p:nvPicPr>
+        <p:blipFill>
+          <a:blip r:embed="rId2"/>
+          <a:stretch>
+            <a:fillRect/>
+          </a:stretch>
+        </p:blipFill>
+        <p:spPr>
+          <a:xfrm>
+            <a:off x="403654" y="1769278"/>
+            <a:ext cx="7334602" cy="4297889"/>
+          </a:xfrm>
+          <a:prstGeom prst="rect">
+            <a:avLst/>
+          </a:prstGeom>
+          <a:ln w="25400">
+            <a:solidFill>
+              <a:schemeClr val="tx1"/>
+            </a:solidFill>
+          </a:ln>
+        </p:spPr>
+      </p:pic>
+      <p:pic>
+        <p:nvPicPr>
+          <p:cNvPr id="6" name="그림 5"/>
+          <p:cNvPicPr>
+            <a:picLocks noChangeAspect="1"/>
+          </p:cNvPicPr>
+          <p:nvPr/>
+        </p:nvPicPr>
+        <p:blipFill>
+          <a:blip r:embed="rId3"/>
+          <a:stretch>
+            <a:fillRect/>
+          </a:stretch>
+        </p:blipFill>
+        <p:spPr>
+          <a:xfrm>
+            <a:off x="8052318" y="1769278"/>
+            <a:ext cx="3466614" cy="1533525"/>
+          </a:xfrm>
+          <a:prstGeom prst="rect">
+            <a:avLst/>
+          </a:prstGeom>
+          <a:ln>
+            <a:solidFill>
+              <a:schemeClr val="tx1"/>
+            </a:solidFill>
+          </a:ln>
+        </p:spPr>
+      </p:pic>
+      <p:pic>
+        <p:nvPicPr>
+          <p:cNvPr id="7" name="그림 6"/>
+          <p:cNvPicPr>
+            <a:picLocks noChangeAspect="1"/>
+          </p:cNvPicPr>
+          <p:nvPr/>
+        </p:nvPicPr>
+        <p:blipFill>
+          <a:blip r:embed="rId4"/>
+          <a:stretch>
+            <a:fillRect/>
+          </a:stretch>
+        </p:blipFill>
+        <p:spPr>
+          <a:xfrm>
+            <a:off x="8052318" y="3772778"/>
+            <a:ext cx="3466614" cy="771525"/>
+          </a:xfrm>
+          <a:prstGeom prst="rect">
+            <a:avLst/>
+          </a:prstGeom>
+          <a:ln>
+            <a:solidFill>
+              <a:schemeClr val="tx1"/>
+            </a:solidFill>
+          </a:ln>
+        </p:spPr>
+      </p:pic>
+      <p:pic>
+        <p:nvPicPr>
+          <p:cNvPr id="8" name="그림 7"/>
+          <p:cNvPicPr>
+            <a:picLocks noChangeAspect="1"/>
+          </p:cNvPicPr>
+          <p:nvPr/>
+        </p:nvPicPr>
+        <p:blipFill>
+          <a:blip r:embed="rId5"/>
+          <a:stretch>
+            <a:fillRect/>
+          </a:stretch>
+        </p:blipFill>
+        <p:spPr>
+          <a:xfrm>
+            <a:off x="8052318" y="4889317"/>
+            <a:ext cx="3738951" cy="1647825"/>
+          </a:xfrm>
+          <a:prstGeom prst="rect">
+            <a:avLst/>
+          </a:prstGeom>
+          <a:ln>
+            <a:solidFill>
+              <a:schemeClr val="tx1"/>
+            </a:solidFill>
+          </a:ln>
+        </p:spPr>
+      </p:pic>
+    </p:spTree>
+    <p:extLst>
+      <p:ext uri="{BB962C8B-B14F-4D97-AF65-F5344CB8AC3E}">
+        <p14:creationId xmlns:p14="http://schemas.microsoft.com/office/powerpoint/2010/main" val="3073141528"/>
+      </p:ext>
+    </p:extLst>
+  </p:cSld>
+  <p:clrMapOvr>
+    <a:masterClrMapping/>
+  </p:clrMapOvr>
+</p:sld>
+</file>
+
+<file path=ppt/slides/slide37.xml><?xml version="1.0" encoding="utf-8"?>
 <p:sld xmlns:a="http://schemas.openxmlformats.org/drawingml/2006/main" xmlns:r="http://schemas.openxmlformats.org/officeDocument/2006/relationships" xmlns:p="http://schemas.openxmlformats.org/presentationml/2006/main">
   <p:cSld>
     <p:spTree>
@@ -22968,14 +23182,14 @@
                 <a:gridCol w="311106">
                   <a:extLst>
                     <a:ext uri="{9D8B030D-6E8A-4147-A177-3AD203B41FA5}">
-                      <a16:colId xmlns:a16="http://schemas.microsoft.com/office/drawing/2014/main" xmlns="" val="20000"/>
+                      <a16:colId xmlns="" xmlns:a16="http://schemas.microsoft.com/office/drawing/2014/main" val="20000"/>
                     </a:ext>
                   </a:extLst>
                 </a:gridCol>
                 <a:gridCol w="2558644">
                   <a:extLst>
                     <a:ext uri="{9D8B030D-6E8A-4147-A177-3AD203B41FA5}">
-                      <a16:colId xmlns:a16="http://schemas.microsoft.com/office/drawing/2014/main" xmlns="" val="20001"/>
+                      <a16:colId xmlns="" xmlns:a16="http://schemas.microsoft.com/office/drawing/2014/main" val="20001"/>
                     </a:ext>
                   </a:extLst>
                 </a:gridCol>
@@ -23133,7 +23347,7 @@
                 </a:tc>
                 <a:extLst>
                   <a:ext uri="{0D108BD9-81ED-4DB2-BD59-A6C34878D82A}">
-                    <a16:rowId xmlns:a16="http://schemas.microsoft.com/office/drawing/2014/main" xmlns="" val="10000"/>
+                    <a16:rowId xmlns="" xmlns:a16="http://schemas.microsoft.com/office/drawing/2014/main" val="10000"/>
                   </a:ext>
                 </a:extLst>
               </a:tr>
@@ -23290,7 +23504,7 @@
                 </a:tc>
                 <a:extLst>
                   <a:ext uri="{0D108BD9-81ED-4DB2-BD59-A6C34878D82A}">
-                    <a16:rowId xmlns:a16="http://schemas.microsoft.com/office/drawing/2014/main" xmlns="" val="10001"/>
+                    <a16:rowId xmlns="" xmlns:a16="http://schemas.microsoft.com/office/drawing/2014/main" val="10001"/>
                   </a:ext>
                 </a:extLst>
               </a:tr>
@@ -23421,7 +23635,7 @@
                 </a:tc>
                 <a:extLst>
                   <a:ext uri="{0D108BD9-81ED-4DB2-BD59-A6C34878D82A}">
-                    <a16:rowId xmlns:a16="http://schemas.microsoft.com/office/drawing/2014/main" xmlns="" val="10002"/>
+                    <a16:rowId xmlns="" xmlns:a16="http://schemas.microsoft.com/office/drawing/2014/main" val="10002"/>
                   </a:ext>
                 </a:extLst>
               </a:tr>
@@ -23657,7 +23871,7 @@
 </p:sld>
 </file>
 
-<file path=ppt/slides/slide37.xml><?xml version="1.0" encoding="utf-8"?>
+<file path=ppt/slides/slide38.xml><?xml version="1.0" encoding="utf-8"?>
 <p:sld xmlns:a="http://schemas.openxmlformats.org/drawingml/2006/main" xmlns:r="http://schemas.openxmlformats.org/officeDocument/2006/relationships" xmlns:p="http://schemas.openxmlformats.org/presentationml/2006/main">
   <p:cSld>
     <p:spTree>
@@ -23812,14 +24026,14 @@
                 <a:gridCol w="311106">
                   <a:extLst>
                     <a:ext uri="{9D8B030D-6E8A-4147-A177-3AD203B41FA5}">
-                      <a16:colId xmlns:a16="http://schemas.microsoft.com/office/drawing/2014/main" xmlns="" val="20000"/>
+                      <a16:colId xmlns="" xmlns:a16="http://schemas.microsoft.com/office/drawing/2014/main" val="20000"/>
                     </a:ext>
                   </a:extLst>
                 </a:gridCol>
                 <a:gridCol w="2558644">
                   <a:extLst>
                     <a:ext uri="{9D8B030D-6E8A-4147-A177-3AD203B41FA5}">
-                      <a16:colId xmlns:a16="http://schemas.microsoft.com/office/drawing/2014/main" xmlns="" val="20001"/>
+                      <a16:colId xmlns="" xmlns:a16="http://schemas.microsoft.com/office/drawing/2014/main" val="20001"/>
                     </a:ext>
                   </a:extLst>
                 </a:gridCol>
@@ -23977,7 +24191,7 @@
                 </a:tc>
                 <a:extLst>
                   <a:ext uri="{0D108BD9-81ED-4DB2-BD59-A6C34878D82A}">
-                    <a16:rowId xmlns:a16="http://schemas.microsoft.com/office/drawing/2014/main" xmlns="" val="10000"/>
+                    <a16:rowId xmlns="" xmlns:a16="http://schemas.microsoft.com/office/drawing/2014/main" val="10000"/>
                   </a:ext>
                 </a:extLst>
               </a:tr>
@@ -24150,7 +24364,7 @@
                 </a:tc>
                 <a:extLst>
                   <a:ext uri="{0D108BD9-81ED-4DB2-BD59-A6C34878D82A}">
-                    <a16:rowId xmlns:a16="http://schemas.microsoft.com/office/drawing/2014/main" xmlns="" val="10001"/>
+                    <a16:rowId xmlns="" xmlns:a16="http://schemas.microsoft.com/office/drawing/2014/main" val="10001"/>
                   </a:ext>
                 </a:extLst>
               </a:tr>
@@ -24281,7 +24495,7 @@
                 </a:tc>
                 <a:extLst>
                   <a:ext uri="{0D108BD9-81ED-4DB2-BD59-A6C34878D82A}">
-                    <a16:rowId xmlns:a16="http://schemas.microsoft.com/office/drawing/2014/main" xmlns="" val="10002"/>
+                    <a16:rowId xmlns="" xmlns:a16="http://schemas.microsoft.com/office/drawing/2014/main" val="10002"/>
                   </a:ext>
                 </a:extLst>
               </a:tr>
@@ -24790,14 +25004,14 @@
                 <a:gridCol w="311106">
                   <a:extLst>
                     <a:ext uri="{9D8B030D-6E8A-4147-A177-3AD203B41FA5}">
-                      <a16:colId xmlns:a16="http://schemas.microsoft.com/office/drawing/2014/main" xmlns="" val="20000"/>
+                      <a16:colId xmlns="" xmlns:a16="http://schemas.microsoft.com/office/drawing/2014/main" val="20000"/>
                     </a:ext>
                   </a:extLst>
                 </a:gridCol>
                 <a:gridCol w="2558644">
                   <a:extLst>
                     <a:ext uri="{9D8B030D-6E8A-4147-A177-3AD203B41FA5}">
-                      <a16:colId xmlns:a16="http://schemas.microsoft.com/office/drawing/2014/main" xmlns="" val="20001"/>
+                      <a16:colId xmlns="" xmlns:a16="http://schemas.microsoft.com/office/drawing/2014/main" val="20001"/>
                     </a:ext>
                   </a:extLst>
                 </a:gridCol>
@@ -24955,7 +25169,7 @@
                 </a:tc>
                 <a:extLst>
                   <a:ext uri="{0D108BD9-81ED-4DB2-BD59-A6C34878D82A}">
-                    <a16:rowId xmlns:a16="http://schemas.microsoft.com/office/drawing/2014/main" xmlns="" val="10000"/>
+                    <a16:rowId xmlns="" xmlns:a16="http://schemas.microsoft.com/office/drawing/2014/main" val="10000"/>
                   </a:ext>
                 </a:extLst>
               </a:tr>
@@ -25208,7 +25422,7 @@
                 </a:tc>
                 <a:extLst>
                   <a:ext uri="{0D108BD9-81ED-4DB2-BD59-A6C34878D82A}">
-                    <a16:rowId xmlns:a16="http://schemas.microsoft.com/office/drawing/2014/main" xmlns="" val="10001"/>
+                    <a16:rowId xmlns="" xmlns:a16="http://schemas.microsoft.com/office/drawing/2014/main" val="10001"/>
                   </a:ext>
                 </a:extLst>
               </a:tr>
@@ -25429,7 +25643,7 @@
                 </a:tc>
                 <a:extLst>
                   <a:ext uri="{0D108BD9-81ED-4DB2-BD59-A6C34878D82A}">
-                    <a16:rowId xmlns:a16="http://schemas.microsoft.com/office/drawing/2014/main" xmlns="" val="10002"/>
+                    <a16:rowId xmlns="" xmlns:a16="http://schemas.microsoft.com/office/drawing/2014/main" val="10002"/>
                   </a:ext>
                 </a:extLst>
               </a:tr>
@@ -25666,7 +25880,7 @@
                 </a:tc>
                 <a:extLst>
                   <a:ext uri="{0D108BD9-81ED-4DB2-BD59-A6C34878D82A}">
-                    <a16:rowId xmlns:a16="http://schemas.microsoft.com/office/drawing/2014/main" xmlns="" val="10003"/>
+                    <a16:rowId xmlns="" xmlns:a16="http://schemas.microsoft.com/office/drawing/2014/main" val="10003"/>
                   </a:ext>
                 </a:extLst>
               </a:tr>
@@ -25887,7 +26101,7 @@
                 </a:tc>
                 <a:extLst>
                   <a:ext uri="{0D108BD9-81ED-4DB2-BD59-A6C34878D82A}">
-                    <a16:rowId xmlns:a16="http://schemas.microsoft.com/office/drawing/2014/main" xmlns="" val="10004"/>
+                    <a16:rowId xmlns="" xmlns:a16="http://schemas.microsoft.com/office/drawing/2014/main" val="10004"/>
                   </a:ext>
                 </a:extLst>
               </a:tr>
@@ -26114,7 +26328,7 @@
                 </a:tc>
                 <a:extLst>
                   <a:ext uri="{0D108BD9-81ED-4DB2-BD59-A6C34878D82A}">
-                    <a16:rowId xmlns:a16="http://schemas.microsoft.com/office/drawing/2014/main" xmlns="" val="10005"/>
+                    <a16:rowId xmlns="" xmlns:a16="http://schemas.microsoft.com/office/drawing/2014/main" val="10005"/>
                   </a:ext>
                 </a:extLst>
               </a:tr>
@@ -26994,14 +27208,14 @@
                 <a:gridCol w="311106">
                   <a:extLst>
                     <a:ext uri="{9D8B030D-6E8A-4147-A177-3AD203B41FA5}">
-                      <a16:colId xmlns:a16="http://schemas.microsoft.com/office/drawing/2014/main" xmlns="" val="20000"/>
+                      <a16:colId xmlns="" xmlns:a16="http://schemas.microsoft.com/office/drawing/2014/main" val="20000"/>
                     </a:ext>
                   </a:extLst>
                 </a:gridCol>
                 <a:gridCol w="2558644">
                   <a:extLst>
                     <a:ext uri="{9D8B030D-6E8A-4147-A177-3AD203B41FA5}">
-                      <a16:colId xmlns:a16="http://schemas.microsoft.com/office/drawing/2014/main" xmlns="" val="20001"/>
+                      <a16:colId xmlns="" xmlns:a16="http://schemas.microsoft.com/office/drawing/2014/main" val="20001"/>
                     </a:ext>
                   </a:extLst>
                 </a:gridCol>
@@ -27159,7 +27373,7 @@
                 </a:tc>
                 <a:extLst>
                   <a:ext uri="{0D108BD9-81ED-4DB2-BD59-A6C34878D82A}">
-                    <a16:rowId xmlns:a16="http://schemas.microsoft.com/office/drawing/2014/main" xmlns="" val="10000"/>
+                    <a16:rowId xmlns="" xmlns:a16="http://schemas.microsoft.com/office/drawing/2014/main" val="10000"/>
                   </a:ext>
                 </a:extLst>
               </a:tr>
@@ -27506,7 +27720,7 @@
                 </a:tc>
                 <a:extLst>
                   <a:ext uri="{0D108BD9-81ED-4DB2-BD59-A6C34878D82A}">
-                    <a16:rowId xmlns:a16="http://schemas.microsoft.com/office/drawing/2014/main" xmlns="" val="10001"/>
+                    <a16:rowId xmlns="" xmlns:a16="http://schemas.microsoft.com/office/drawing/2014/main" val="10001"/>
                   </a:ext>
                 </a:extLst>
               </a:tr>
@@ -27727,7 +27941,7 @@
                 </a:tc>
                 <a:extLst>
                   <a:ext uri="{0D108BD9-81ED-4DB2-BD59-A6C34878D82A}">
-                    <a16:rowId xmlns:a16="http://schemas.microsoft.com/office/drawing/2014/main" xmlns="" val="10002"/>
+                    <a16:rowId xmlns="" xmlns:a16="http://schemas.microsoft.com/office/drawing/2014/main" val="10002"/>
                   </a:ext>
                 </a:extLst>
               </a:tr>
@@ -27964,7 +28178,7 @@
                 </a:tc>
                 <a:extLst>
                   <a:ext uri="{0D108BD9-81ED-4DB2-BD59-A6C34878D82A}">
-                    <a16:rowId xmlns:a16="http://schemas.microsoft.com/office/drawing/2014/main" xmlns="" val="10003"/>
+                    <a16:rowId xmlns="" xmlns:a16="http://schemas.microsoft.com/office/drawing/2014/main" val="10003"/>
                   </a:ext>
                 </a:extLst>
               </a:tr>
@@ -28191,7 +28405,7 @@
                 </a:tc>
                 <a:extLst>
                   <a:ext uri="{0D108BD9-81ED-4DB2-BD59-A6C34878D82A}">
-                    <a16:rowId xmlns:a16="http://schemas.microsoft.com/office/drawing/2014/main" xmlns="" val="10004"/>
+                    <a16:rowId xmlns="" xmlns:a16="http://schemas.microsoft.com/office/drawing/2014/main" val="10004"/>
                   </a:ext>
                 </a:extLst>
               </a:tr>
@@ -28780,14 +28994,14 @@
                 <a:gridCol w="311106">
                   <a:extLst>
                     <a:ext uri="{9D8B030D-6E8A-4147-A177-3AD203B41FA5}">
-                      <a16:colId xmlns:a16="http://schemas.microsoft.com/office/drawing/2014/main" xmlns="" val="20000"/>
+                      <a16:colId xmlns="" xmlns:a16="http://schemas.microsoft.com/office/drawing/2014/main" val="20000"/>
                     </a:ext>
                   </a:extLst>
                 </a:gridCol>
                 <a:gridCol w="2558644">
                   <a:extLst>
                     <a:ext uri="{9D8B030D-6E8A-4147-A177-3AD203B41FA5}">
-                      <a16:colId xmlns:a16="http://schemas.microsoft.com/office/drawing/2014/main" xmlns="" val="20001"/>
+                      <a16:colId xmlns="" xmlns:a16="http://schemas.microsoft.com/office/drawing/2014/main" val="20001"/>
                     </a:ext>
                   </a:extLst>
                 </a:gridCol>
@@ -28945,7 +29159,7 @@
                 </a:tc>
                 <a:extLst>
                   <a:ext uri="{0D108BD9-81ED-4DB2-BD59-A6C34878D82A}">
-                    <a16:rowId xmlns:a16="http://schemas.microsoft.com/office/drawing/2014/main" xmlns="" val="10000"/>
+                    <a16:rowId xmlns="" xmlns:a16="http://schemas.microsoft.com/office/drawing/2014/main" val="10000"/>
                   </a:ext>
                 </a:extLst>
               </a:tr>
@@ -29257,7 +29471,7 @@
                 </a:tc>
                 <a:extLst>
                   <a:ext uri="{0D108BD9-81ED-4DB2-BD59-A6C34878D82A}">
-                    <a16:rowId xmlns:a16="http://schemas.microsoft.com/office/drawing/2014/main" xmlns="" val="10001"/>
+                    <a16:rowId xmlns="" xmlns:a16="http://schemas.microsoft.com/office/drawing/2014/main" val="10001"/>
                   </a:ext>
                 </a:extLst>
               </a:tr>
@@ -29388,7 +29602,7 @@
                 </a:tc>
                 <a:extLst>
                   <a:ext uri="{0D108BD9-81ED-4DB2-BD59-A6C34878D82A}">
-                    <a16:rowId xmlns:a16="http://schemas.microsoft.com/office/drawing/2014/main" xmlns="" val="10002"/>
+                    <a16:rowId xmlns="" xmlns:a16="http://schemas.microsoft.com/office/drawing/2014/main" val="10002"/>
                   </a:ext>
                 </a:extLst>
               </a:tr>
